--- a/SOLIDPrinciples.pptx
+++ b/SOLIDPrinciples.pptx
@@ -320,7 +320,7 @@
           <a:p>
             <a:fld id="{ECD19FB2-3AAB-4D03-B13A-2960828C78E3}" type="datetimeFigureOut">
               <a:rPr lang="en-US" dirty="0"/>
-              <a:t>12/4/2017</a:t>
+              <a:t>12/5/2017</a:t>
             </a:fld>
             <a:endParaRPr lang="en-US" dirty="0"/>
           </a:p>
@@ -601,7 +601,7 @@
           <a:p>
             <a:fld id="{1B80C674-7DFC-42FE-B9CD-82963CDB1557}" type="datetimeFigureOut">
               <a:rPr lang="en-US" dirty="0"/>
-              <a:t>12/4/2017</a:t>
+              <a:t>12/5/2017</a:t>
             </a:fld>
             <a:endParaRPr lang="en-US" dirty="0"/>
           </a:p>
@@ -792,7 +792,7 @@
           <a:p>
             <a:fld id="{2076456F-F47D-4F25-8053-2A695DA0CA7D}" type="datetimeFigureOut">
               <a:rPr lang="en-US" dirty="0"/>
-              <a:t>12/4/2017</a:t>
+              <a:t>12/5/2017</a:t>
             </a:fld>
             <a:endParaRPr lang="en-US" dirty="0"/>
           </a:p>
@@ -1052,7 +1052,7 @@
           <a:p>
             <a:fld id="{5D6C7379-69CC-4837-9905-BEBA22830C8A}" type="datetimeFigureOut">
               <a:rPr lang="en-US" dirty="0"/>
-              <a:t>12/4/2017</a:t>
+              <a:t>12/5/2017</a:t>
             </a:fld>
             <a:endParaRPr lang="en-US" dirty="0"/>
           </a:p>
@@ -1477,7 +1477,7 @@
           <a:p>
             <a:fld id="{49EB8B7E-8AEE-4F10-BFEE-C999AD004D36}" type="datetimeFigureOut">
               <a:rPr lang="en-US" dirty="0"/>
-              <a:t>12/4/2017</a:t>
+              <a:t>12/5/2017</a:t>
             </a:fld>
             <a:endParaRPr lang="en-US" dirty="0"/>
           </a:p>
@@ -2022,7 +2022,7 @@
           <a:p>
             <a:fld id="{8668F3F9-58BC-440B-B37B-805B9055EF92}" type="datetimeFigureOut">
               <a:rPr lang="en-US" dirty="0"/>
-              <a:t>12/4/2017</a:t>
+              <a:t>12/5/2017</a:t>
             </a:fld>
             <a:endParaRPr lang="en-US" dirty="0"/>
           </a:p>
@@ -2852,7 +2852,7 @@
           <a:p>
             <a:fld id="{0D5A53AF-48EA-489D-8260-9DCAB666386A}" type="datetimeFigureOut">
               <a:rPr lang="en-US" dirty="0"/>
-              <a:t>12/4/2017</a:t>
+              <a:t>12/5/2017</a:t>
             </a:fld>
             <a:endParaRPr lang="en-US" dirty="0"/>
           </a:p>
@@ -3021,7 +3021,7 @@
           <a:p>
             <a:fld id="{0DED02AE-B9A4-47BD-AF8E-97E16144138B}" type="datetimeFigureOut">
               <a:rPr lang="en-US" dirty="0"/>
-              <a:t>12/4/2017</a:t>
+              <a:t>12/5/2017</a:t>
             </a:fld>
             <a:endParaRPr lang="en-US" dirty="0"/>
           </a:p>
@@ -3200,7 +3200,7 @@
           <a:p>
             <a:fld id="{CF0FD78B-DB02-4362-BCDC-98A55456977C}" type="datetimeFigureOut">
               <a:rPr lang="en-US" dirty="0"/>
-              <a:t>12/4/2017</a:t>
+              <a:t>12/5/2017</a:t>
             </a:fld>
             <a:endParaRPr lang="en-US" dirty="0"/>
           </a:p>
@@ -3369,7 +3369,7 @@
           <a:p>
             <a:fld id="{99916976-5D93-46E4-A98A-FAD63E4D0EA8}" type="datetimeFigureOut">
               <a:rPr lang="en-US" dirty="0"/>
-              <a:t>12/4/2017</a:t>
+              <a:t>12/5/2017</a:t>
             </a:fld>
             <a:endParaRPr lang="en-US" dirty="0"/>
           </a:p>
@@ -3625,7 +3625,7 @@
           <a:p>
             <a:fld id="{0F39F4F5-F4D2-4D2A-AB60-88D37ADCB869}" type="datetimeFigureOut">
               <a:rPr lang="en-US" dirty="0"/>
-              <a:t>12/4/2017</a:t>
+              <a:t>12/5/2017</a:t>
             </a:fld>
             <a:endParaRPr lang="en-US" dirty="0"/>
           </a:p>
@@ -3856,7 +3856,7 @@
           <a:p>
             <a:fld id="{D23BC6CE-6D1E-47E5-8859-F31AC5380EB2}" type="datetimeFigureOut">
               <a:rPr lang="en-US" dirty="0"/>
-              <a:t>12/4/2017</a:t>
+              <a:t>12/5/2017</a:t>
             </a:fld>
             <a:endParaRPr lang="en-US" dirty="0"/>
           </a:p>
@@ -4248,7 +4248,7 @@
           <a:p>
             <a:fld id="{B1B4E7C4-4DA4-404D-9965-B13F2DD7D8BF}" type="datetimeFigureOut">
               <a:rPr lang="en-US" dirty="0"/>
-              <a:t>12/4/2017</a:t>
+              <a:t>12/5/2017</a:t>
             </a:fld>
             <a:endParaRPr lang="en-US" dirty="0"/>
           </a:p>
@@ -4365,7 +4365,7 @@
           <a:p>
             <a:fld id="{476FB7AA-4A53-424F-AD41-70827B6504BA}" type="datetimeFigureOut">
               <a:rPr lang="en-US" dirty="0"/>
-              <a:t>12/4/2017</a:t>
+              <a:t>12/5/2017</a:t>
             </a:fld>
             <a:endParaRPr lang="en-US" dirty="0"/>
           </a:p>
@@ -4459,7 +4459,7 @@
           <a:p>
             <a:fld id="{E7884882-FB12-4BC8-9960-9AD8104D7FAE}" type="datetimeFigureOut">
               <a:rPr lang="en-US" dirty="0"/>
-              <a:t>12/4/2017</a:t>
+              <a:t>12/5/2017</a:t>
             </a:fld>
             <a:endParaRPr lang="en-US" dirty="0"/>
           </a:p>
@@ -4731,7 +4731,7 @@
           <a:p>
             <a:fld id="{F7D1BD23-6E54-4D9D-AD88-A2813C73CC25}" type="datetimeFigureOut">
               <a:rPr lang="en-US" dirty="0"/>
-              <a:t>12/4/2017</a:t>
+              <a:t>12/5/2017</a:t>
             </a:fld>
             <a:endParaRPr lang="en-US" dirty="0"/>
           </a:p>
@@ -5011,7 +5011,7 @@
           <a:p>
             <a:fld id="{1471A834-4F3C-4AF9-9C74-05EC35A0F292}" type="datetimeFigureOut">
               <a:rPr lang="en-US" dirty="0"/>
-              <a:t>12/4/2017</a:t>
+              <a:t>12/5/2017</a:t>
             </a:fld>
             <a:endParaRPr lang="en-US" dirty="0"/>
           </a:p>
@@ -5250,7 +5250,7 @@
           <a:p>
             <a:fld id="{51CF1133-3259-4C45-BABA-5B62D9C6F78D}" type="datetimeFigureOut">
               <a:rPr lang="en-US" dirty="0"/>
-              <a:t>12/4/2017</a:t>
+              <a:t>12/5/2017</a:t>
             </a:fld>
             <a:endParaRPr lang="en-US" dirty="0"/>
           </a:p>
@@ -6329,14 +6329,7 @@
                 <a:latin typeface="Segoe UI Light" panose="020B0502040204020203" pitchFamily="34" charset="0"/>
                 <a:cs typeface="Segoe UI Light" panose="020B0502040204020203" pitchFamily="34" charset="0"/>
               </a:rPr>
-              <a:t> č. </a:t>
-            </a:r>
-            <a:r>
-              <a:rPr lang="sk-SK" sz="2400" dirty="0" smtClean="0">
-                <a:latin typeface="Segoe UI Light" panose="020B0502040204020203" pitchFamily="34" charset="0"/>
-                <a:cs typeface="Segoe UI Light" panose="020B0502040204020203" pitchFamily="34" charset="0"/>
-              </a:rPr>
-              <a:t>1</a:t>
+              <a:t> č. 1</a:t>
             </a:r>
             <a:endParaRPr lang="sk-SK" sz="2400" dirty="0">
               <a:latin typeface="Segoe UI Light" panose="020B0502040204020203" pitchFamily="34" charset="0"/>
@@ -6625,7 +6618,29 @@
                 <a:latin typeface="Segoe UI Light" panose="020B0502040204020203" pitchFamily="34" charset="0"/>
                 <a:cs typeface="Segoe UI Light" panose="020B0502040204020203" pitchFamily="34" charset="0"/>
               </a:rPr>
-              <a:t>... počulo o S.O.L.I.D?</a:t>
+              <a:t>... </a:t>
+            </a:r>
+            <a:r>
+              <a:rPr lang="sk-SK" sz="5400" i="1" dirty="0" smtClean="0">
+                <a:solidFill>
+                  <a:schemeClr val="tx1"/>
+                </a:solidFill>
+                <a:effectLst/>
+                <a:latin typeface="Segoe UI Light" panose="020B0502040204020203" pitchFamily="34" charset="0"/>
+                <a:cs typeface="Segoe UI Light" panose="020B0502040204020203" pitchFamily="34" charset="0"/>
+              </a:rPr>
+              <a:t>počuli </a:t>
+            </a:r>
+            <a:r>
+              <a:rPr lang="sk-SK" sz="5400" i="1" dirty="0" smtClean="0">
+                <a:solidFill>
+                  <a:schemeClr val="tx1"/>
+                </a:solidFill>
+                <a:effectLst/>
+                <a:latin typeface="Segoe UI Light" panose="020B0502040204020203" pitchFamily="34" charset="0"/>
+                <a:cs typeface="Segoe UI Light" panose="020B0502040204020203" pitchFamily="34" charset="0"/>
+              </a:rPr>
+              <a:t>o S.O.L.I.D?</a:t>
             </a:r>
             <a:endParaRPr lang="sk-SK" sz="5400" i="1" dirty="0">
               <a:effectLst/>
@@ -6666,7 +6681,17 @@
                 <a:latin typeface="Segoe UI Light" panose="020B0502040204020203" pitchFamily="34" charset="0"/>
                 <a:cs typeface="Segoe UI Light" panose="020B0502040204020203" pitchFamily="34" charset="0"/>
               </a:rPr>
-              <a:t>Koľko z Vás ... </a:t>
+              <a:t>Koľkí </a:t>
+            </a:r>
+            <a:r>
+              <a:rPr lang="sk-SK" sz="5400" i="1" dirty="0" smtClean="0">
+                <a:solidFill>
+                  <a:schemeClr val="tx1"/>
+                </a:solidFill>
+                <a:latin typeface="Segoe UI Light" panose="020B0502040204020203" pitchFamily="34" charset="0"/>
+                <a:cs typeface="Segoe UI Light" panose="020B0502040204020203" pitchFamily="34" charset="0"/>
+              </a:rPr>
+              <a:t>z Vás ... </a:t>
             </a:r>
             <a:endParaRPr lang="sk-SK" sz="5400" i="1" dirty="0">
               <a:solidFill>
@@ -6755,7 +6780,40 @@
                 <a:latin typeface="Segoe UI Light" panose="020B0502040204020203" pitchFamily="34" charset="0"/>
                 <a:cs typeface="Segoe UI Light" panose="020B0502040204020203" pitchFamily="34" charset="0"/>
               </a:rPr>
-              <a:t>... vie vymenovať všetkých 5?</a:t>
+              <a:t>... </a:t>
+            </a:r>
+            <a:r>
+              <a:rPr lang="sk-SK" sz="5400" i="1" dirty="0" smtClean="0">
+                <a:solidFill>
+                  <a:schemeClr val="tx1"/>
+                </a:solidFill>
+                <a:effectLst/>
+                <a:latin typeface="Segoe UI Light" panose="020B0502040204020203" pitchFamily="34" charset="0"/>
+                <a:cs typeface="Segoe UI Light" panose="020B0502040204020203" pitchFamily="34" charset="0"/>
+              </a:rPr>
+              <a:t>vedia </a:t>
+            </a:r>
+            <a:r>
+              <a:rPr lang="sk-SK" sz="5400" i="1" dirty="0" smtClean="0">
+                <a:solidFill>
+                  <a:schemeClr val="tx1"/>
+                </a:solidFill>
+                <a:effectLst/>
+                <a:latin typeface="Segoe UI Light" panose="020B0502040204020203" pitchFamily="34" charset="0"/>
+                <a:cs typeface="Segoe UI Light" panose="020B0502040204020203" pitchFamily="34" charset="0"/>
+              </a:rPr>
+              <a:t>vymenovať všetkých </a:t>
+            </a:r>
+            <a:r>
+              <a:rPr lang="sk-SK" sz="5400" i="1" dirty="0" smtClean="0">
+                <a:solidFill>
+                  <a:schemeClr val="tx1"/>
+                </a:solidFill>
+                <a:effectLst/>
+                <a:latin typeface="Segoe UI Light" panose="020B0502040204020203" pitchFamily="34" charset="0"/>
+                <a:cs typeface="Segoe UI Light" panose="020B0502040204020203" pitchFamily="34" charset="0"/>
+              </a:rPr>
+              <a:t>5?</a:t>
             </a:r>
             <a:endParaRPr lang="sk-SK" sz="5400" i="1" dirty="0">
               <a:effectLst/>
@@ -6796,7 +6854,17 @@
                 <a:latin typeface="Segoe UI Light" panose="020B0502040204020203" pitchFamily="34" charset="0"/>
                 <a:cs typeface="Segoe UI Light" panose="020B0502040204020203" pitchFamily="34" charset="0"/>
               </a:rPr>
-              <a:t>Koľko z Vás ... </a:t>
+              <a:t>Koľkí </a:t>
+            </a:r>
+            <a:r>
+              <a:rPr lang="sk-SK" sz="5400" i="1" dirty="0" smtClean="0">
+                <a:solidFill>
+                  <a:schemeClr val="tx1"/>
+                </a:solidFill>
+                <a:latin typeface="Segoe UI Light" panose="020B0502040204020203" pitchFamily="34" charset="0"/>
+                <a:cs typeface="Segoe UI Light" panose="020B0502040204020203" pitchFamily="34" charset="0"/>
+              </a:rPr>
+              <a:t>z Vás ... </a:t>
             </a:r>
             <a:endParaRPr lang="sk-SK" sz="5400" i="1" dirty="0">
               <a:solidFill>
@@ -7003,7 +7071,17 @@
                 <a:latin typeface="Segoe UI Light" panose="020B0502040204020203" pitchFamily="34" charset="0"/>
                 <a:cs typeface="Segoe UI Light" panose="020B0502040204020203" pitchFamily="34" charset="0"/>
               </a:rPr>
-              <a:t>Koľko z Vás ... </a:t>
+              <a:t>Kto </a:t>
+            </a:r>
+            <a:r>
+              <a:rPr lang="sk-SK" sz="5400" i="1" dirty="0" smtClean="0">
+                <a:solidFill>
+                  <a:schemeClr val="tx1"/>
+                </a:solidFill>
+                <a:latin typeface="Segoe UI Light" panose="020B0502040204020203" pitchFamily="34" charset="0"/>
+                <a:cs typeface="Segoe UI Light" panose="020B0502040204020203" pitchFamily="34" charset="0"/>
+              </a:rPr>
+              <a:t>z Vás ... </a:t>
             </a:r>
             <a:endParaRPr lang="sk-SK" sz="5400" i="1" dirty="0">
               <a:solidFill>
@@ -7133,7 +7211,17 @@
                 <a:latin typeface="Segoe UI Light" panose="020B0502040204020203" pitchFamily="34" charset="0"/>
                 <a:cs typeface="Segoe UI Light" panose="020B0502040204020203" pitchFamily="34" charset="0"/>
               </a:rPr>
-              <a:t>Koľko z Vás ... </a:t>
+              <a:t>Kto </a:t>
+            </a:r>
+            <a:r>
+              <a:rPr lang="sk-SK" sz="5400" i="1" dirty="0" smtClean="0">
+                <a:solidFill>
+                  <a:schemeClr val="tx1"/>
+                </a:solidFill>
+                <a:latin typeface="Segoe UI Light" panose="020B0502040204020203" pitchFamily="34" charset="0"/>
+                <a:cs typeface="Segoe UI Light" panose="020B0502040204020203" pitchFamily="34" charset="0"/>
+              </a:rPr>
+              <a:t>z Vás ... </a:t>
             </a:r>
             <a:endParaRPr lang="sk-SK" sz="5400" i="1" dirty="0">
               <a:solidFill>
@@ -7222,7 +7310,51 @@
                 <a:latin typeface="Segoe UI Light" panose="020B0502040204020203" pitchFamily="34" charset="0"/>
                 <a:cs typeface="Segoe UI Light" panose="020B0502040204020203" pitchFamily="34" charset="0"/>
               </a:rPr>
-              <a:t>... si myslí, že bude stavať projekt na zelenej lúke?</a:t>
+              <a:t>... si </a:t>
+            </a:r>
+            <a:r>
+              <a:rPr lang="sk-SK" sz="5400" i="1" dirty="0" smtClean="0">
+                <a:solidFill>
+                  <a:schemeClr val="tx1"/>
+                </a:solidFill>
+                <a:effectLst/>
+                <a:latin typeface="Segoe UI Light" panose="020B0502040204020203" pitchFamily="34" charset="0"/>
+                <a:cs typeface="Segoe UI Light" panose="020B0502040204020203" pitchFamily="34" charset="0"/>
+              </a:rPr>
+              <a:t>myslia, </a:t>
+            </a:r>
+            <a:r>
+              <a:rPr lang="sk-SK" sz="5400" i="1" dirty="0" smtClean="0">
+                <a:solidFill>
+                  <a:schemeClr val="tx1"/>
+                </a:solidFill>
+                <a:effectLst/>
+                <a:latin typeface="Segoe UI Light" panose="020B0502040204020203" pitchFamily="34" charset="0"/>
+                <a:cs typeface="Segoe UI Light" panose="020B0502040204020203" pitchFamily="34" charset="0"/>
+              </a:rPr>
+              <a:t>že </a:t>
+            </a:r>
+            <a:r>
+              <a:rPr lang="sk-SK" sz="5400" i="1" dirty="0" smtClean="0">
+                <a:solidFill>
+                  <a:schemeClr val="tx1"/>
+                </a:solidFill>
+                <a:effectLst/>
+                <a:latin typeface="Segoe UI Light" panose="020B0502040204020203" pitchFamily="34" charset="0"/>
+                <a:cs typeface="Segoe UI Light" panose="020B0502040204020203" pitchFamily="34" charset="0"/>
+              </a:rPr>
+              <a:t>budú </a:t>
+            </a:r>
+            <a:r>
+              <a:rPr lang="sk-SK" sz="5400" i="1" dirty="0" smtClean="0">
+                <a:solidFill>
+                  <a:schemeClr val="tx1"/>
+                </a:solidFill>
+                <a:effectLst/>
+                <a:latin typeface="Segoe UI Light" panose="020B0502040204020203" pitchFamily="34" charset="0"/>
+                <a:cs typeface="Segoe UI Light" panose="020B0502040204020203" pitchFamily="34" charset="0"/>
+              </a:rPr>
+              <a:t>stavať projekt na zelenej lúke?</a:t>
             </a:r>
             <a:endParaRPr lang="sk-SK" sz="5400" i="1" dirty="0">
               <a:effectLst/>
@@ -7263,7 +7395,17 @@
                 <a:latin typeface="Segoe UI Light" panose="020B0502040204020203" pitchFamily="34" charset="0"/>
                 <a:cs typeface="Segoe UI Light" panose="020B0502040204020203" pitchFamily="34" charset="0"/>
               </a:rPr>
-              <a:t>Koľko z Vás ... </a:t>
+              <a:t>Koľkí </a:t>
+            </a:r>
+            <a:r>
+              <a:rPr lang="sk-SK" sz="5400" i="1" dirty="0" smtClean="0">
+                <a:solidFill>
+                  <a:schemeClr val="tx1"/>
+                </a:solidFill>
+                <a:latin typeface="Segoe UI Light" panose="020B0502040204020203" pitchFamily="34" charset="0"/>
+                <a:cs typeface="Segoe UI Light" panose="020B0502040204020203" pitchFamily="34" charset="0"/>
+              </a:rPr>
+              <a:t>z Vás ... </a:t>
             </a:r>
             <a:endParaRPr lang="sk-SK" sz="5400" i="1" dirty="0">
               <a:solidFill>
@@ -7493,7 +7635,17 @@
                 <a:latin typeface="Segoe UI Light" panose="020B0502040204020203" pitchFamily="34" charset="0"/>
                 <a:cs typeface="Segoe UI Light" panose="020B0502040204020203" pitchFamily="34" charset="0"/>
               </a:rPr>
-              <a:t>Koľko z Vás ... </a:t>
+              <a:t>Kto </a:t>
+            </a:r>
+            <a:r>
+              <a:rPr lang="sk-SK" sz="5400" i="1" dirty="0" smtClean="0">
+                <a:solidFill>
+                  <a:schemeClr val="tx1"/>
+                </a:solidFill>
+                <a:latin typeface="Segoe UI Light" panose="020B0502040204020203" pitchFamily="34" charset="0"/>
+                <a:cs typeface="Segoe UI Light" panose="020B0502040204020203" pitchFamily="34" charset="0"/>
+              </a:rPr>
+              <a:t>z Vás ... </a:t>
             </a:r>
             <a:endParaRPr lang="sk-SK" sz="5400" i="1" dirty="0">
               <a:solidFill>

--- a/SOLIDPrinciples.pptx
+++ b/SOLIDPrinciples.pptx
@@ -4,6 +4,9 @@
   <p:sldMasterIdLst>
     <p:sldMasterId id="2147483648" r:id="rId1"/>
   </p:sldMasterIdLst>
+  <p:notesMasterIdLst>
+    <p:notesMasterId r:id="rId22"/>
+  </p:notesMasterIdLst>
   <p:sldIdLst>
     <p:sldId id="257" r:id="rId2"/>
     <p:sldId id="260" r:id="rId3"/>
@@ -17,7 +20,14 @@
     <p:sldId id="268" r:id="rId11"/>
     <p:sldId id="269" r:id="rId12"/>
     <p:sldId id="270" r:id="rId13"/>
-    <p:sldId id="258" r:id="rId14"/>
+    <p:sldId id="271" r:id="rId14"/>
+    <p:sldId id="272" r:id="rId15"/>
+    <p:sldId id="273" r:id="rId16"/>
+    <p:sldId id="274" r:id="rId17"/>
+    <p:sldId id="275" r:id="rId18"/>
+    <p:sldId id="276" r:id="rId19"/>
+    <p:sldId id="277" r:id="rId20"/>
+    <p:sldId id="258" r:id="rId21"/>
   </p:sldIdLst>
   <p:sldSz cx="12192000" cy="6858000"/>
   <p:notesSz cx="6858000" cy="9144000"/>
@@ -122,6 +132,1317 @@
     </p:ext>
   </p:extLst>
 </p:presentation>
+</file>
+
+<file path=ppt/notesMasters/notesMaster1.xml><?xml version="1.0" encoding="utf-8"?>
+<p:notesMaster xmlns:a="http://schemas.openxmlformats.org/drawingml/2006/main" xmlns:r="http://schemas.openxmlformats.org/officeDocument/2006/relationships" xmlns:p="http://schemas.openxmlformats.org/presentationml/2006/main">
+  <p:cSld>
+    <p:bg>
+      <p:bgRef idx="1001">
+        <a:schemeClr val="bg1"/>
+      </p:bgRef>
+    </p:bg>
+    <p:spTree>
+      <p:nvGrpSpPr>
+        <p:cNvPr id="1" name=""/>
+        <p:cNvGrpSpPr/>
+        <p:nvPr/>
+      </p:nvGrpSpPr>
+      <p:grpSpPr>
+        <a:xfrm>
+          <a:off x="0" y="0"/>
+          <a:ext cx="0" cy="0"/>
+          <a:chOff x="0" y="0"/>
+          <a:chExt cx="0" cy="0"/>
+        </a:xfrm>
+      </p:grpSpPr>
+      <p:sp>
+        <p:nvSpPr>
+          <p:cNvPr id="2" name="Zástupný objekt pre hlavičku 1"/>
+          <p:cNvSpPr>
+            <a:spLocks noGrp="1"/>
+          </p:cNvSpPr>
+          <p:nvPr>
+            <p:ph type="hdr" sz="quarter"/>
+          </p:nvPr>
+        </p:nvSpPr>
+        <p:spPr>
+          <a:xfrm>
+            <a:off x="0" y="0"/>
+            <a:ext cx="2971800" cy="458788"/>
+          </a:xfrm>
+          <a:prstGeom prst="rect">
+            <a:avLst/>
+          </a:prstGeom>
+        </p:spPr>
+        <p:txBody>
+          <a:bodyPr vert="horz" lIns="91440" tIns="45720" rIns="91440" bIns="45720" rtlCol="0"/>
+          <a:lstStyle>
+            <a:lvl1pPr algn="l">
+              <a:defRPr sz="1200"/>
+            </a:lvl1pPr>
+          </a:lstStyle>
+          <a:p>
+            <a:endParaRPr lang="sk-SK"/>
+          </a:p>
+        </p:txBody>
+      </p:sp>
+      <p:sp>
+        <p:nvSpPr>
+          <p:cNvPr id="3" name="Zástupný objekt pre dátum 2"/>
+          <p:cNvSpPr>
+            <a:spLocks noGrp="1"/>
+          </p:cNvSpPr>
+          <p:nvPr>
+            <p:ph type="dt" idx="1"/>
+          </p:nvPr>
+        </p:nvSpPr>
+        <p:spPr>
+          <a:xfrm>
+            <a:off x="3884613" y="0"/>
+            <a:ext cx="2971800" cy="458788"/>
+          </a:xfrm>
+          <a:prstGeom prst="rect">
+            <a:avLst/>
+          </a:prstGeom>
+        </p:spPr>
+        <p:txBody>
+          <a:bodyPr vert="horz" lIns="91440" tIns="45720" rIns="91440" bIns="45720" rtlCol="0"/>
+          <a:lstStyle>
+            <a:lvl1pPr algn="r">
+              <a:defRPr sz="1200"/>
+            </a:lvl1pPr>
+          </a:lstStyle>
+          <a:p>
+            <a:fld id="{B6797C0A-B3BF-45C1-AF59-5C8973714672}" type="datetimeFigureOut">
+              <a:rPr lang="sk-SK" smtClean="0"/>
+              <a:t>5. 12. 2017</a:t>
+            </a:fld>
+            <a:endParaRPr lang="sk-SK"/>
+          </a:p>
+        </p:txBody>
+      </p:sp>
+      <p:sp>
+        <p:nvSpPr>
+          <p:cNvPr id="4" name="Zástupný objekt pre obrázok snímky 3"/>
+          <p:cNvSpPr>
+            <a:spLocks noGrp="1" noRot="1" noChangeAspect="1"/>
+          </p:cNvSpPr>
+          <p:nvPr>
+            <p:ph type="sldImg" idx="2"/>
+          </p:nvPr>
+        </p:nvSpPr>
+        <p:spPr>
+          <a:xfrm>
+            <a:off x="685800" y="1143000"/>
+            <a:ext cx="5486400" cy="3086100"/>
+          </a:xfrm>
+          <a:prstGeom prst="rect">
+            <a:avLst/>
+          </a:prstGeom>
+          <a:noFill/>
+          <a:ln w="12700">
+            <a:solidFill>
+              <a:prstClr val="black"/>
+            </a:solidFill>
+          </a:ln>
+        </p:spPr>
+        <p:txBody>
+          <a:bodyPr vert="horz" lIns="91440" tIns="45720" rIns="91440" bIns="45720" rtlCol="0" anchor="ctr"/>
+          <a:lstStyle/>
+          <a:p>
+            <a:endParaRPr lang="sk-SK"/>
+          </a:p>
+        </p:txBody>
+      </p:sp>
+      <p:sp>
+        <p:nvSpPr>
+          <p:cNvPr id="5" name="Zástupný objekt pre poznámky 4"/>
+          <p:cNvSpPr>
+            <a:spLocks noGrp="1"/>
+          </p:cNvSpPr>
+          <p:nvPr>
+            <p:ph type="body" sz="quarter" idx="3"/>
+          </p:nvPr>
+        </p:nvSpPr>
+        <p:spPr>
+          <a:xfrm>
+            <a:off x="685800" y="4400550"/>
+            <a:ext cx="5486400" cy="3600450"/>
+          </a:xfrm>
+          <a:prstGeom prst="rect">
+            <a:avLst/>
+          </a:prstGeom>
+        </p:spPr>
+        <p:txBody>
+          <a:bodyPr vert="horz" lIns="91440" tIns="45720" rIns="91440" bIns="45720" rtlCol="0"/>
+          <a:lstStyle/>
+          <a:p>
+            <a:pPr lvl="0"/>
+            <a:r>
+              <a:rPr lang="sk-SK" smtClean="0"/>
+              <a:t>Upraviť štýly predlohy textu</a:t>
+            </a:r>
+          </a:p>
+          <a:p>
+            <a:pPr lvl="1"/>
+            <a:r>
+              <a:rPr lang="sk-SK" smtClean="0"/>
+              <a:t>Druhá úroveň</a:t>
+            </a:r>
+          </a:p>
+          <a:p>
+            <a:pPr lvl="2"/>
+            <a:r>
+              <a:rPr lang="sk-SK" smtClean="0"/>
+              <a:t>Tretia úroveň</a:t>
+            </a:r>
+          </a:p>
+          <a:p>
+            <a:pPr lvl="3"/>
+            <a:r>
+              <a:rPr lang="sk-SK" smtClean="0"/>
+              <a:t>Štvrtá úroveň</a:t>
+            </a:r>
+          </a:p>
+          <a:p>
+            <a:pPr lvl="4"/>
+            <a:r>
+              <a:rPr lang="sk-SK" smtClean="0"/>
+              <a:t>Piata úroveň</a:t>
+            </a:r>
+            <a:endParaRPr lang="sk-SK"/>
+          </a:p>
+        </p:txBody>
+      </p:sp>
+      <p:sp>
+        <p:nvSpPr>
+          <p:cNvPr id="6" name="Zástupný objekt pre pätu 5"/>
+          <p:cNvSpPr>
+            <a:spLocks noGrp="1"/>
+          </p:cNvSpPr>
+          <p:nvPr>
+            <p:ph type="ftr" sz="quarter" idx="4"/>
+          </p:nvPr>
+        </p:nvSpPr>
+        <p:spPr>
+          <a:xfrm>
+            <a:off x="0" y="8685213"/>
+            <a:ext cx="2971800" cy="458787"/>
+          </a:xfrm>
+          <a:prstGeom prst="rect">
+            <a:avLst/>
+          </a:prstGeom>
+        </p:spPr>
+        <p:txBody>
+          <a:bodyPr vert="horz" lIns="91440" tIns="45720" rIns="91440" bIns="45720" rtlCol="0" anchor="b"/>
+          <a:lstStyle>
+            <a:lvl1pPr algn="l">
+              <a:defRPr sz="1200"/>
+            </a:lvl1pPr>
+          </a:lstStyle>
+          <a:p>
+            <a:endParaRPr lang="sk-SK"/>
+          </a:p>
+        </p:txBody>
+      </p:sp>
+      <p:sp>
+        <p:nvSpPr>
+          <p:cNvPr id="7" name="Zástupný objekt pre číslo snímky 6"/>
+          <p:cNvSpPr>
+            <a:spLocks noGrp="1"/>
+          </p:cNvSpPr>
+          <p:nvPr>
+            <p:ph type="sldNum" sz="quarter" idx="5"/>
+          </p:nvPr>
+        </p:nvSpPr>
+        <p:spPr>
+          <a:xfrm>
+            <a:off x="3884613" y="8685213"/>
+            <a:ext cx="2971800" cy="458787"/>
+          </a:xfrm>
+          <a:prstGeom prst="rect">
+            <a:avLst/>
+          </a:prstGeom>
+        </p:spPr>
+        <p:txBody>
+          <a:bodyPr vert="horz" lIns="91440" tIns="45720" rIns="91440" bIns="45720" rtlCol="0" anchor="b"/>
+          <a:lstStyle>
+            <a:lvl1pPr algn="r">
+              <a:defRPr sz="1200"/>
+            </a:lvl1pPr>
+          </a:lstStyle>
+          <a:p>
+            <a:fld id="{8683B77B-E50F-4F41-84C3-C1D230689A8D}" type="slidenum">
+              <a:rPr lang="sk-SK" smtClean="0"/>
+              <a:t>‹#›</a:t>
+            </a:fld>
+            <a:endParaRPr lang="sk-SK"/>
+          </a:p>
+        </p:txBody>
+      </p:sp>
+    </p:spTree>
+    <p:extLst>
+      <p:ext uri="{BB962C8B-B14F-4D97-AF65-F5344CB8AC3E}">
+        <p14:creationId xmlns:p14="http://schemas.microsoft.com/office/powerpoint/2010/main" val="3734752105"/>
+      </p:ext>
+    </p:extLst>
+  </p:cSld>
+  <p:clrMap bg1="lt1" tx1="dk1" bg2="lt2" tx2="dk2" accent1="accent1" accent2="accent2" accent3="accent3" accent4="accent4" accent5="accent5" accent6="accent6" hlink="hlink" folHlink="folHlink"/>
+  <p:notesStyle>
+    <a:lvl1pPr marL="0" algn="l" defTabSz="914400" rtl="0" eaLnBrk="1" latinLnBrk="0" hangingPunct="1">
+      <a:defRPr sz="1200" kern="1200">
+        <a:solidFill>
+          <a:schemeClr val="tx1"/>
+        </a:solidFill>
+        <a:latin typeface="+mn-lt"/>
+        <a:ea typeface="+mn-ea"/>
+        <a:cs typeface="+mn-cs"/>
+      </a:defRPr>
+    </a:lvl1pPr>
+    <a:lvl2pPr marL="457200" algn="l" defTabSz="914400" rtl="0" eaLnBrk="1" latinLnBrk="0" hangingPunct="1">
+      <a:defRPr sz="1200" kern="1200">
+        <a:solidFill>
+          <a:schemeClr val="tx1"/>
+        </a:solidFill>
+        <a:latin typeface="+mn-lt"/>
+        <a:ea typeface="+mn-ea"/>
+        <a:cs typeface="+mn-cs"/>
+      </a:defRPr>
+    </a:lvl2pPr>
+    <a:lvl3pPr marL="914400" algn="l" defTabSz="914400" rtl="0" eaLnBrk="1" latinLnBrk="0" hangingPunct="1">
+      <a:defRPr sz="1200" kern="1200">
+        <a:solidFill>
+          <a:schemeClr val="tx1"/>
+        </a:solidFill>
+        <a:latin typeface="+mn-lt"/>
+        <a:ea typeface="+mn-ea"/>
+        <a:cs typeface="+mn-cs"/>
+      </a:defRPr>
+    </a:lvl3pPr>
+    <a:lvl4pPr marL="1371600" algn="l" defTabSz="914400" rtl="0" eaLnBrk="1" latinLnBrk="0" hangingPunct="1">
+      <a:defRPr sz="1200" kern="1200">
+        <a:solidFill>
+          <a:schemeClr val="tx1"/>
+        </a:solidFill>
+        <a:latin typeface="+mn-lt"/>
+        <a:ea typeface="+mn-ea"/>
+        <a:cs typeface="+mn-cs"/>
+      </a:defRPr>
+    </a:lvl4pPr>
+    <a:lvl5pPr marL="1828800" algn="l" defTabSz="914400" rtl="0" eaLnBrk="1" latinLnBrk="0" hangingPunct="1">
+      <a:defRPr sz="1200" kern="1200">
+        <a:solidFill>
+          <a:schemeClr val="tx1"/>
+        </a:solidFill>
+        <a:latin typeface="+mn-lt"/>
+        <a:ea typeface="+mn-ea"/>
+        <a:cs typeface="+mn-cs"/>
+      </a:defRPr>
+    </a:lvl5pPr>
+    <a:lvl6pPr marL="2286000" algn="l" defTabSz="914400" rtl="0" eaLnBrk="1" latinLnBrk="0" hangingPunct="1">
+      <a:defRPr sz="1200" kern="1200">
+        <a:solidFill>
+          <a:schemeClr val="tx1"/>
+        </a:solidFill>
+        <a:latin typeface="+mn-lt"/>
+        <a:ea typeface="+mn-ea"/>
+        <a:cs typeface="+mn-cs"/>
+      </a:defRPr>
+    </a:lvl6pPr>
+    <a:lvl7pPr marL="2743200" algn="l" defTabSz="914400" rtl="0" eaLnBrk="1" latinLnBrk="0" hangingPunct="1">
+      <a:defRPr sz="1200" kern="1200">
+        <a:solidFill>
+          <a:schemeClr val="tx1"/>
+        </a:solidFill>
+        <a:latin typeface="+mn-lt"/>
+        <a:ea typeface="+mn-ea"/>
+        <a:cs typeface="+mn-cs"/>
+      </a:defRPr>
+    </a:lvl7pPr>
+    <a:lvl8pPr marL="3200400" algn="l" defTabSz="914400" rtl="0" eaLnBrk="1" latinLnBrk="0" hangingPunct="1">
+      <a:defRPr sz="1200" kern="1200">
+        <a:solidFill>
+          <a:schemeClr val="tx1"/>
+        </a:solidFill>
+        <a:latin typeface="+mn-lt"/>
+        <a:ea typeface="+mn-ea"/>
+        <a:cs typeface="+mn-cs"/>
+      </a:defRPr>
+    </a:lvl8pPr>
+    <a:lvl9pPr marL="3657600" algn="l" defTabSz="914400" rtl="0" eaLnBrk="1" latinLnBrk="0" hangingPunct="1">
+      <a:defRPr sz="1200" kern="1200">
+        <a:solidFill>
+          <a:schemeClr val="tx1"/>
+        </a:solidFill>
+        <a:latin typeface="+mn-lt"/>
+        <a:ea typeface="+mn-ea"/>
+        <a:cs typeface="+mn-cs"/>
+      </a:defRPr>
+    </a:lvl9pPr>
+  </p:notesStyle>
+</p:notesMaster>
+</file>
+
+<file path=ppt/notesSlides/notesSlide1.xml><?xml version="1.0" encoding="utf-8"?>
+<p:notes xmlns:a="http://schemas.openxmlformats.org/drawingml/2006/main" xmlns:r="http://schemas.openxmlformats.org/officeDocument/2006/relationships" xmlns:p="http://schemas.openxmlformats.org/presentationml/2006/main">
+  <p:cSld>
+    <p:spTree>
+      <p:nvGrpSpPr>
+        <p:cNvPr id="1" name=""/>
+        <p:cNvGrpSpPr/>
+        <p:nvPr/>
+      </p:nvGrpSpPr>
+      <p:grpSpPr>
+        <a:xfrm>
+          <a:off x="0" y="0"/>
+          <a:ext cx="0" cy="0"/>
+          <a:chOff x="0" y="0"/>
+          <a:chExt cx="0" cy="0"/>
+        </a:xfrm>
+      </p:grpSpPr>
+      <p:sp>
+        <p:nvSpPr>
+          <p:cNvPr id="2" name="Zástupný objekt pre obrázok snímky 1"/>
+          <p:cNvSpPr>
+            <a:spLocks noGrp="1" noRot="1" noChangeAspect="1"/>
+          </p:cNvSpPr>
+          <p:nvPr>
+            <p:ph type="sldImg"/>
+          </p:nvPr>
+        </p:nvSpPr>
+        <p:spPr/>
+      </p:sp>
+      <p:sp>
+        <p:nvSpPr>
+          <p:cNvPr id="3" name="Zástupný objekt pre poznámky 2"/>
+          <p:cNvSpPr>
+            <a:spLocks noGrp="1"/>
+          </p:cNvSpPr>
+          <p:nvPr>
+            <p:ph type="body" idx="1"/>
+          </p:nvPr>
+        </p:nvSpPr>
+        <p:spPr/>
+        <p:txBody>
+          <a:bodyPr/>
+          <a:lstStyle/>
+          <a:p>
+            <a:r>
+              <a:rPr lang="sk-SK" dirty="0" smtClean="0"/>
+              <a:t>Mám radšej túto definíciu.</a:t>
+            </a:r>
+          </a:p>
+          <a:p>
+            <a:endParaRPr lang="sk-SK" dirty="0" smtClean="0"/>
+          </a:p>
+          <a:p>
+            <a:pPr marL="0" marR="0" lvl="0" indent="0" algn="l" defTabSz="914400" rtl="0" eaLnBrk="1" fontAlgn="auto" latinLnBrk="0" hangingPunct="1">
+              <a:lnSpc>
+                <a:spcPct val="100000"/>
+              </a:lnSpc>
+              <a:spcBef>
+                <a:spcPts val="0"/>
+              </a:spcBef>
+              <a:spcAft>
+                <a:spcPts val="0"/>
+              </a:spcAft>
+              <a:buClrTx/>
+              <a:buSzTx/>
+              <a:buFontTx/>
+              <a:buNone/>
+              <a:tabLst/>
+              <a:defRPr/>
+            </a:pPr>
+            <a:r>
+              <a:rPr lang="sk-SK" dirty="0" smtClean="0"/>
+              <a:t>Neznamená to, že trieda</a:t>
+            </a:r>
+            <a:r>
+              <a:rPr lang="sk-SK" baseline="0" dirty="0" smtClean="0"/>
+              <a:t> má mať len jednu metódu, respektíve vlastnosť.</a:t>
+            </a:r>
+            <a:endParaRPr lang="sk-SK" dirty="0" smtClean="0"/>
+          </a:p>
+          <a:p>
+            <a:endParaRPr lang="sk-SK" dirty="0" smtClean="0"/>
+          </a:p>
+          <a:p>
+            <a:r>
+              <a:rPr lang="sk-SK" dirty="0" smtClean="0"/>
+              <a:t>To znamená, že trieda má spracovávať len jednu používateľskú požiadavku / potrebu. Keď sa táto zmení, tak môžem zmeniť aj danú triedu.</a:t>
+            </a:r>
+          </a:p>
+          <a:p>
+            <a:r>
+              <a:rPr lang="sk-SK" dirty="0" smtClean="0"/>
+              <a:t>Trieda má mať jedinú zodpovednosť pre jednu požiadavku. </a:t>
+            </a:r>
+          </a:p>
+          <a:p>
+            <a:endParaRPr lang="sk-SK" dirty="0" smtClean="0"/>
+          </a:p>
+          <a:p>
+            <a:r>
+              <a:rPr lang="sk-SK" dirty="0" smtClean="0"/>
+              <a:t>Tak sa pozrime na našu aplikáciu ešte raz.</a:t>
+            </a:r>
+          </a:p>
+          <a:p>
+            <a:endParaRPr lang="sk-SK" dirty="0" smtClean="0"/>
+          </a:p>
+        </p:txBody>
+      </p:sp>
+      <p:sp>
+        <p:nvSpPr>
+          <p:cNvPr id="4" name="Zástupný objekt pre číslo snímky 3"/>
+          <p:cNvSpPr>
+            <a:spLocks noGrp="1"/>
+          </p:cNvSpPr>
+          <p:nvPr>
+            <p:ph type="sldNum" sz="quarter" idx="10"/>
+          </p:nvPr>
+        </p:nvSpPr>
+        <p:spPr/>
+        <p:txBody>
+          <a:bodyPr/>
+          <a:lstStyle/>
+          <a:p>
+            <a:fld id="{8683B77B-E50F-4F41-84C3-C1D230689A8D}" type="slidenum">
+              <a:rPr lang="sk-SK" smtClean="0"/>
+              <a:t>13</a:t>
+            </a:fld>
+            <a:endParaRPr lang="sk-SK"/>
+          </a:p>
+        </p:txBody>
+      </p:sp>
+    </p:spTree>
+    <p:extLst>
+      <p:ext uri="{BB962C8B-B14F-4D97-AF65-F5344CB8AC3E}">
+        <p14:creationId xmlns:p14="http://schemas.microsoft.com/office/powerpoint/2010/main" val="854743627"/>
+      </p:ext>
+    </p:extLst>
+  </p:cSld>
+  <p:clrMapOvr>
+    <a:masterClrMapping/>
+  </p:clrMapOvr>
+</p:notes>
+</file>
+
+<file path=ppt/notesSlides/notesSlide2.xml><?xml version="1.0" encoding="utf-8"?>
+<p:notes xmlns:a="http://schemas.openxmlformats.org/drawingml/2006/main" xmlns:r="http://schemas.openxmlformats.org/officeDocument/2006/relationships" xmlns:p="http://schemas.openxmlformats.org/presentationml/2006/main">
+  <p:cSld>
+    <p:spTree>
+      <p:nvGrpSpPr>
+        <p:cNvPr id="1" name=""/>
+        <p:cNvGrpSpPr/>
+        <p:nvPr/>
+      </p:nvGrpSpPr>
+      <p:grpSpPr>
+        <a:xfrm>
+          <a:off x="0" y="0"/>
+          <a:ext cx="0" cy="0"/>
+          <a:chOff x="0" y="0"/>
+          <a:chExt cx="0" cy="0"/>
+        </a:xfrm>
+      </p:grpSpPr>
+      <p:sp>
+        <p:nvSpPr>
+          <p:cNvPr id="2" name="Zástupný objekt pre obrázok snímky 1"/>
+          <p:cNvSpPr>
+            <a:spLocks noGrp="1" noRot="1" noChangeAspect="1"/>
+          </p:cNvSpPr>
+          <p:nvPr>
+            <p:ph type="sldImg"/>
+          </p:nvPr>
+        </p:nvSpPr>
+        <p:spPr/>
+      </p:sp>
+      <p:sp>
+        <p:nvSpPr>
+          <p:cNvPr id="3" name="Zástupný objekt pre poznámky 2"/>
+          <p:cNvSpPr>
+            <a:spLocks noGrp="1"/>
+          </p:cNvSpPr>
+          <p:nvPr>
+            <p:ph type="body" idx="1"/>
+          </p:nvPr>
+        </p:nvSpPr>
+        <p:spPr/>
+        <p:txBody>
+          <a:bodyPr/>
+          <a:lstStyle/>
+          <a:p>
+            <a:endParaRPr lang="sk-SK" dirty="0"/>
+          </a:p>
+        </p:txBody>
+      </p:sp>
+      <p:sp>
+        <p:nvSpPr>
+          <p:cNvPr id="4" name="Zástupný objekt pre číslo snímky 3"/>
+          <p:cNvSpPr>
+            <a:spLocks noGrp="1"/>
+          </p:cNvSpPr>
+          <p:nvPr>
+            <p:ph type="sldNum" sz="quarter" idx="10"/>
+          </p:nvPr>
+        </p:nvSpPr>
+        <p:spPr/>
+        <p:txBody>
+          <a:bodyPr/>
+          <a:lstStyle/>
+          <a:p>
+            <a:fld id="{8683B77B-E50F-4F41-84C3-C1D230689A8D}" type="slidenum">
+              <a:rPr lang="sk-SK" smtClean="0"/>
+              <a:t>14</a:t>
+            </a:fld>
+            <a:endParaRPr lang="sk-SK"/>
+          </a:p>
+        </p:txBody>
+      </p:sp>
+    </p:spTree>
+    <p:extLst>
+      <p:ext uri="{BB962C8B-B14F-4D97-AF65-F5344CB8AC3E}">
+        <p14:creationId xmlns:p14="http://schemas.microsoft.com/office/powerpoint/2010/main" val="644372437"/>
+      </p:ext>
+    </p:extLst>
+  </p:cSld>
+  <p:clrMapOvr>
+    <a:masterClrMapping/>
+  </p:clrMapOvr>
+</p:notes>
+</file>
+
+<file path=ppt/notesSlides/notesSlide3.xml><?xml version="1.0" encoding="utf-8"?>
+<p:notes xmlns:a="http://schemas.openxmlformats.org/drawingml/2006/main" xmlns:r="http://schemas.openxmlformats.org/officeDocument/2006/relationships" xmlns:p="http://schemas.openxmlformats.org/presentationml/2006/main">
+  <p:cSld>
+    <p:spTree>
+      <p:nvGrpSpPr>
+        <p:cNvPr id="1" name=""/>
+        <p:cNvGrpSpPr/>
+        <p:nvPr/>
+      </p:nvGrpSpPr>
+      <p:grpSpPr>
+        <a:xfrm>
+          <a:off x="0" y="0"/>
+          <a:ext cx="0" cy="0"/>
+          <a:chOff x="0" y="0"/>
+          <a:chExt cx="0" cy="0"/>
+        </a:xfrm>
+      </p:grpSpPr>
+      <p:sp>
+        <p:nvSpPr>
+          <p:cNvPr id="2" name="Zástupný objekt pre obrázok snímky 1"/>
+          <p:cNvSpPr>
+            <a:spLocks noGrp="1" noRot="1" noChangeAspect="1"/>
+          </p:cNvSpPr>
+          <p:nvPr>
+            <p:ph type="sldImg"/>
+          </p:nvPr>
+        </p:nvSpPr>
+        <p:spPr/>
+      </p:sp>
+      <p:sp>
+        <p:nvSpPr>
+          <p:cNvPr id="3" name="Zástupný objekt pre poznámky 2"/>
+          <p:cNvSpPr>
+            <a:spLocks noGrp="1"/>
+          </p:cNvSpPr>
+          <p:nvPr>
+            <p:ph type="body" idx="1"/>
+          </p:nvPr>
+        </p:nvSpPr>
+        <p:spPr/>
+        <p:txBody>
+          <a:bodyPr/>
+          <a:lstStyle/>
+          <a:p>
+            <a:r>
+              <a:rPr lang="sk-SK" dirty="0" smtClean="0"/>
+              <a:t>Lepšia čitateľnosť.</a:t>
+            </a:r>
+          </a:p>
+          <a:p>
+            <a:r>
+              <a:rPr lang="sk-SK" dirty="0" smtClean="0"/>
+              <a:t>Lepšia</a:t>
+            </a:r>
+            <a:r>
+              <a:rPr lang="sk-SK" baseline="0" dirty="0" smtClean="0"/>
+              <a:t> udržateľnosť kódu.</a:t>
+            </a:r>
+          </a:p>
+          <a:p>
+            <a:r>
+              <a:rPr lang="sk-SK" baseline="0" dirty="0" smtClean="0"/>
+              <a:t>Ak príde požiadavka na zmenu načítavania dát viem kam ísť.</a:t>
+            </a:r>
+          </a:p>
+          <a:p>
+            <a:pPr marL="0" marR="0" lvl="0" indent="0" algn="l" defTabSz="914400" rtl="0" eaLnBrk="1" fontAlgn="auto" latinLnBrk="0" hangingPunct="1">
+              <a:lnSpc>
+                <a:spcPct val="100000"/>
+              </a:lnSpc>
+              <a:spcBef>
+                <a:spcPts val="0"/>
+              </a:spcBef>
+              <a:spcAft>
+                <a:spcPts val="0"/>
+              </a:spcAft>
+              <a:buClrTx/>
+              <a:buSzTx/>
+              <a:buFontTx/>
+              <a:buNone/>
+              <a:tabLst/>
+              <a:defRPr/>
+            </a:pPr>
+            <a:r>
+              <a:rPr lang="sk-SK" baseline="0" dirty="0" smtClean="0"/>
+              <a:t>Ak príde požiadavka na zmenu </a:t>
+            </a:r>
+            <a:r>
+              <a:rPr lang="sk-SK" baseline="0" dirty="0" err="1" smtClean="0"/>
+              <a:t>formatovania</a:t>
+            </a:r>
+            <a:r>
+              <a:rPr lang="sk-SK" baseline="0" dirty="0" smtClean="0"/>
+              <a:t> dát viem kam ísť.</a:t>
+            </a:r>
+          </a:p>
+          <a:p>
+            <a:pPr marL="0" marR="0" lvl="0" indent="0" algn="l" defTabSz="914400" rtl="0" eaLnBrk="1" fontAlgn="auto" latinLnBrk="0" hangingPunct="1">
+              <a:lnSpc>
+                <a:spcPct val="100000"/>
+              </a:lnSpc>
+              <a:spcBef>
+                <a:spcPts val="0"/>
+              </a:spcBef>
+              <a:spcAft>
+                <a:spcPts val="0"/>
+              </a:spcAft>
+              <a:buClrTx/>
+              <a:buSzTx/>
+              <a:buFontTx/>
+              <a:buNone/>
+              <a:tabLst/>
+              <a:defRPr/>
+            </a:pPr>
+            <a:r>
+              <a:rPr lang="sk-SK" baseline="0" dirty="0" smtClean="0"/>
+              <a:t>čo je v mnohých prípadoch naozaj potrebné.</a:t>
+            </a:r>
+          </a:p>
+          <a:p>
+            <a:pPr marL="0" marR="0" lvl="0" indent="0" algn="l" defTabSz="914400" rtl="0" eaLnBrk="1" fontAlgn="auto" latinLnBrk="0" hangingPunct="1">
+              <a:lnSpc>
+                <a:spcPct val="100000"/>
+              </a:lnSpc>
+              <a:spcBef>
+                <a:spcPts val="0"/>
+              </a:spcBef>
+              <a:spcAft>
+                <a:spcPts val="0"/>
+              </a:spcAft>
+              <a:buClrTx/>
+              <a:buSzTx/>
+              <a:buFontTx/>
+              <a:buNone/>
+              <a:tabLst/>
+              <a:defRPr/>
+            </a:pPr>
+            <a:endParaRPr lang="sk-SK" baseline="0" dirty="0" smtClean="0"/>
+          </a:p>
+          <a:p>
+            <a:pPr marL="0" marR="0" lvl="0" indent="0" algn="l" defTabSz="914400" rtl="0" eaLnBrk="1" fontAlgn="auto" latinLnBrk="0" hangingPunct="1">
+              <a:lnSpc>
+                <a:spcPct val="100000"/>
+              </a:lnSpc>
+              <a:spcBef>
+                <a:spcPts val="0"/>
+              </a:spcBef>
+              <a:spcAft>
+                <a:spcPts val="0"/>
+              </a:spcAft>
+              <a:buClrTx/>
+              <a:buSzTx/>
+              <a:buFontTx/>
+              <a:buNone/>
+              <a:tabLst/>
+              <a:defRPr/>
+            </a:pPr>
+            <a:r>
+              <a:rPr lang="sk-SK" baseline="0" dirty="0" smtClean="0"/>
+              <a:t>Nejaké nevýhody?</a:t>
+            </a:r>
+          </a:p>
+          <a:p>
+            <a:pPr marL="0" marR="0" lvl="0" indent="0" algn="l" defTabSz="914400" rtl="0" eaLnBrk="1" fontAlgn="auto" latinLnBrk="0" hangingPunct="1">
+              <a:lnSpc>
+                <a:spcPct val="100000"/>
+              </a:lnSpc>
+              <a:spcBef>
+                <a:spcPts val="0"/>
+              </a:spcBef>
+              <a:spcAft>
+                <a:spcPts val="0"/>
+              </a:spcAft>
+              <a:buClrTx/>
+              <a:buSzTx/>
+              <a:buFontTx/>
+              <a:buNone/>
+              <a:tabLst/>
+              <a:defRPr/>
+            </a:pPr>
+            <a:r>
+              <a:rPr lang="sk-SK" baseline="0" dirty="0" smtClean="0"/>
+              <a:t>Veľa malých tried, môže byť odstrašujúci a v niektorých prípadoch takzvaný </a:t>
+            </a:r>
+            <a:r>
+              <a:rPr lang="sk-SK" baseline="0" dirty="0" err="1" smtClean="0"/>
+              <a:t>overkill</a:t>
+            </a:r>
+            <a:r>
+              <a:rPr lang="sk-SK" baseline="0" dirty="0" smtClean="0"/>
+              <a:t>. </a:t>
+            </a:r>
+          </a:p>
+          <a:p>
+            <a:pPr marL="0" marR="0" lvl="0" indent="0" algn="l" defTabSz="914400" rtl="0" eaLnBrk="1" fontAlgn="auto" latinLnBrk="0" hangingPunct="1">
+              <a:lnSpc>
+                <a:spcPct val="100000"/>
+              </a:lnSpc>
+              <a:spcBef>
+                <a:spcPts val="0"/>
+              </a:spcBef>
+              <a:spcAft>
+                <a:spcPts val="0"/>
+              </a:spcAft>
+              <a:buClrTx/>
+              <a:buSzTx/>
+              <a:buFontTx/>
+              <a:buNone/>
+              <a:tabLst/>
+              <a:defRPr/>
+            </a:pPr>
+            <a:r>
+              <a:rPr lang="sk-SK" baseline="0" dirty="0" smtClean="0"/>
+              <a:t>Napríklad ako v našom jednoduchom príklade.</a:t>
+            </a:r>
+          </a:p>
+          <a:p>
+            <a:pPr marL="0" marR="0" lvl="0" indent="0" algn="l" defTabSz="914400" rtl="0" eaLnBrk="1" fontAlgn="auto" latinLnBrk="0" hangingPunct="1">
+              <a:lnSpc>
+                <a:spcPct val="100000"/>
+              </a:lnSpc>
+              <a:spcBef>
+                <a:spcPts val="0"/>
+              </a:spcBef>
+              <a:spcAft>
+                <a:spcPts val="0"/>
+              </a:spcAft>
+              <a:buClrTx/>
+              <a:buSzTx/>
+              <a:buFontTx/>
+              <a:buNone/>
+              <a:tabLst/>
+              <a:defRPr/>
+            </a:pPr>
+            <a:endParaRPr lang="sk-SK" baseline="0" dirty="0" smtClean="0"/>
+          </a:p>
+          <a:p>
+            <a:pPr marL="0" marR="0" lvl="0" indent="0" algn="l" defTabSz="914400" rtl="0" eaLnBrk="1" fontAlgn="auto" latinLnBrk="0" hangingPunct="1">
+              <a:lnSpc>
+                <a:spcPct val="100000"/>
+              </a:lnSpc>
+              <a:spcBef>
+                <a:spcPts val="0"/>
+              </a:spcBef>
+              <a:spcAft>
+                <a:spcPts val="0"/>
+              </a:spcAft>
+              <a:buClrTx/>
+              <a:buSzTx/>
+              <a:buFontTx/>
+              <a:buNone/>
+              <a:tabLst/>
+              <a:defRPr/>
+            </a:pPr>
+            <a:r>
+              <a:rPr lang="sk-SK" baseline="0" dirty="0" smtClean="0"/>
+              <a:t>Mohol som ešte vyriešiť to, že report </a:t>
+            </a:r>
+            <a:r>
+              <a:rPr lang="sk-SK" baseline="0" dirty="0" err="1" smtClean="0"/>
+              <a:t>service</a:t>
+            </a:r>
+            <a:r>
+              <a:rPr lang="sk-SK" baseline="0" dirty="0" smtClean="0"/>
+              <a:t> teraz odosiela mail, ale čo keď chcem neodoslať mail, ale uložiť report na úložisko.</a:t>
+            </a:r>
+          </a:p>
+          <a:p>
+            <a:pPr marL="0" marR="0" lvl="0" indent="0" algn="l" defTabSz="914400" rtl="0" eaLnBrk="1" fontAlgn="auto" latinLnBrk="0" hangingPunct="1">
+              <a:lnSpc>
+                <a:spcPct val="100000"/>
+              </a:lnSpc>
+              <a:spcBef>
+                <a:spcPts val="0"/>
+              </a:spcBef>
+              <a:spcAft>
+                <a:spcPts val="0"/>
+              </a:spcAft>
+              <a:buClrTx/>
+              <a:buSzTx/>
+              <a:buFontTx/>
+              <a:buNone/>
+              <a:tabLst/>
+              <a:defRPr/>
+            </a:pPr>
+            <a:r>
+              <a:rPr lang="sk-SK" baseline="0" dirty="0" smtClean="0"/>
+              <a:t>Dennodenne sa budete potykať s tým, že budete </a:t>
+            </a:r>
+            <a:r>
+              <a:rPr lang="sk-SK" baseline="0" dirty="0" err="1" smtClean="0"/>
+              <a:t>balancovať</a:t>
+            </a:r>
+            <a:r>
+              <a:rPr lang="sk-SK" baseline="0" dirty="0" smtClean="0"/>
+              <a:t> do akej hĺbky riešiť jednotlivé pravidlá v danej chvíli. Je možné to riešiť až keď to bude potrebné.</a:t>
+            </a:r>
+          </a:p>
+          <a:p>
+            <a:pPr marL="0" marR="0" lvl="0" indent="0" algn="l" defTabSz="914400" rtl="0" eaLnBrk="1" fontAlgn="auto" latinLnBrk="0" hangingPunct="1">
+              <a:lnSpc>
+                <a:spcPct val="100000"/>
+              </a:lnSpc>
+              <a:spcBef>
+                <a:spcPts val="0"/>
+              </a:spcBef>
+              <a:spcAft>
+                <a:spcPts val="0"/>
+              </a:spcAft>
+              <a:buClrTx/>
+              <a:buSzTx/>
+              <a:buFontTx/>
+              <a:buNone/>
+              <a:tabLst/>
+              <a:defRPr/>
+            </a:pPr>
+            <a:endParaRPr lang="sk-SK" baseline="0" dirty="0" smtClean="0"/>
+          </a:p>
+          <a:p>
+            <a:pPr marL="0" marR="0" lvl="0" indent="0" algn="l" defTabSz="914400" rtl="0" eaLnBrk="1" fontAlgn="auto" latinLnBrk="0" hangingPunct="1">
+              <a:lnSpc>
+                <a:spcPct val="100000"/>
+              </a:lnSpc>
+              <a:spcBef>
+                <a:spcPts val="0"/>
+              </a:spcBef>
+              <a:spcAft>
+                <a:spcPts val="0"/>
+              </a:spcAft>
+              <a:buClrTx/>
+              <a:buSzTx/>
+              <a:buFontTx/>
+              <a:buNone/>
+              <a:tabLst/>
+              <a:defRPr/>
+            </a:pPr>
+            <a:endParaRPr lang="sk-SK" baseline="0" dirty="0" smtClean="0"/>
+          </a:p>
+          <a:p>
+            <a:pPr marL="0" marR="0" lvl="0" indent="0" algn="l" defTabSz="914400" rtl="0" eaLnBrk="1" fontAlgn="auto" latinLnBrk="0" hangingPunct="1">
+              <a:lnSpc>
+                <a:spcPct val="100000"/>
+              </a:lnSpc>
+              <a:spcBef>
+                <a:spcPts val="0"/>
+              </a:spcBef>
+              <a:spcAft>
+                <a:spcPts val="0"/>
+              </a:spcAft>
+              <a:buClrTx/>
+              <a:buSzTx/>
+              <a:buFontTx/>
+              <a:buNone/>
+              <a:tabLst/>
+              <a:defRPr/>
+            </a:pPr>
+            <a:endParaRPr lang="sk-SK" baseline="0" dirty="0" smtClean="0"/>
+          </a:p>
+        </p:txBody>
+      </p:sp>
+      <p:sp>
+        <p:nvSpPr>
+          <p:cNvPr id="4" name="Zástupný objekt pre číslo snímky 3"/>
+          <p:cNvSpPr>
+            <a:spLocks noGrp="1"/>
+          </p:cNvSpPr>
+          <p:nvPr>
+            <p:ph type="sldNum" sz="quarter" idx="10"/>
+          </p:nvPr>
+        </p:nvSpPr>
+        <p:spPr/>
+        <p:txBody>
+          <a:bodyPr/>
+          <a:lstStyle/>
+          <a:p>
+            <a:fld id="{8683B77B-E50F-4F41-84C3-C1D230689A8D}" type="slidenum">
+              <a:rPr lang="sk-SK" smtClean="0"/>
+              <a:t>15</a:t>
+            </a:fld>
+            <a:endParaRPr lang="sk-SK"/>
+          </a:p>
+        </p:txBody>
+      </p:sp>
+    </p:spTree>
+    <p:extLst>
+      <p:ext uri="{BB962C8B-B14F-4D97-AF65-F5344CB8AC3E}">
+        <p14:creationId xmlns:p14="http://schemas.microsoft.com/office/powerpoint/2010/main" val="1757515557"/>
+      </p:ext>
+    </p:extLst>
+  </p:cSld>
+  <p:clrMapOvr>
+    <a:masterClrMapping/>
+  </p:clrMapOvr>
+</p:notes>
+</file>
+
+<file path=ppt/notesSlides/notesSlide4.xml><?xml version="1.0" encoding="utf-8"?>
+<p:notes xmlns:a="http://schemas.openxmlformats.org/drawingml/2006/main" xmlns:r="http://schemas.openxmlformats.org/officeDocument/2006/relationships" xmlns:p="http://schemas.openxmlformats.org/presentationml/2006/main">
+  <p:cSld>
+    <p:spTree>
+      <p:nvGrpSpPr>
+        <p:cNvPr id="1" name=""/>
+        <p:cNvGrpSpPr/>
+        <p:nvPr/>
+      </p:nvGrpSpPr>
+      <p:grpSpPr>
+        <a:xfrm>
+          <a:off x="0" y="0"/>
+          <a:ext cx="0" cy="0"/>
+          <a:chOff x="0" y="0"/>
+          <a:chExt cx="0" cy="0"/>
+        </a:xfrm>
+      </p:grpSpPr>
+      <p:sp>
+        <p:nvSpPr>
+          <p:cNvPr id="2" name="Zástupný objekt pre obrázok snímky 1"/>
+          <p:cNvSpPr>
+            <a:spLocks noGrp="1" noRot="1" noChangeAspect="1"/>
+          </p:cNvSpPr>
+          <p:nvPr>
+            <p:ph type="sldImg"/>
+          </p:nvPr>
+        </p:nvSpPr>
+        <p:spPr/>
+      </p:sp>
+      <p:sp>
+        <p:nvSpPr>
+          <p:cNvPr id="3" name="Zástupný objekt pre poznámky 2"/>
+          <p:cNvSpPr>
+            <a:spLocks noGrp="1"/>
+          </p:cNvSpPr>
+          <p:nvPr>
+            <p:ph type="body" idx="1"/>
+          </p:nvPr>
+        </p:nvSpPr>
+        <p:spPr/>
+        <p:txBody>
+          <a:bodyPr/>
+          <a:lstStyle/>
+          <a:p>
+            <a:endParaRPr lang="sk-SK" dirty="0" smtClean="0"/>
+          </a:p>
+        </p:txBody>
+      </p:sp>
+      <p:sp>
+        <p:nvSpPr>
+          <p:cNvPr id="4" name="Zástupný objekt pre číslo snímky 3"/>
+          <p:cNvSpPr>
+            <a:spLocks noGrp="1"/>
+          </p:cNvSpPr>
+          <p:nvPr>
+            <p:ph type="sldNum" sz="quarter" idx="10"/>
+          </p:nvPr>
+        </p:nvSpPr>
+        <p:spPr/>
+        <p:txBody>
+          <a:bodyPr/>
+          <a:lstStyle/>
+          <a:p>
+            <a:fld id="{8683B77B-E50F-4F41-84C3-C1D230689A8D}" type="slidenum">
+              <a:rPr lang="sk-SK" smtClean="0"/>
+              <a:t>17</a:t>
+            </a:fld>
+            <a:endParaRPr lang="sk-SK"/>
+          </a:p>
+        </p:txBody>
+      </p:sp>
+    </p:spTree>
+    <p:extLst>
+      <p:ext uri="{BB962C8B-B14F-4D97-AF65-F5344CB8AC3E}">
+        <p14:creationId xmlns:p14="http://schemas.microsoft.com/office/powerpoint/2010/main" val="3040388320"/>
+      </p:ext>
+    </p:extLst>
+  </p:cSld>
+  <p:clrMapOvr>
+    <a:masterClrMapping/>
+  </p:clrMapOvr>
+</p:notes>
+</file>
+
+<file path=ppt/notesSlides/notesSlide5.xml><?xml version="1.0" encoding="utf-8"?>
+<p:notes xmlns:a="http://schemas.openxmlformats.org/drawingml/2006/main" xmlns:r="http://schemas.openxmlformats.org/officeDocument/2006/relationships" xmlns:p="http://schemas.openxmlformats.org/presentationml/2006/main">
+  <p:cSld>
+    <p:spTree>
+      <p:nvGrpSpPr>
+        <p:cNvPr id="1" name=""/>
+        <p:cNvGrpSpPr/>
+        <p:nvPr/>
+      </p:nvGrpSpPr>
+      <p:grpSpPr>
+        <a:xfrm>
+          <a:off x="0" y="0"/>
+          <a:ext cx="0" cy="0"/>
+          <a:chOff x="0" y="0"/>
+          <a:chExt cx="0" cy="0"/>
+        </a:xfrm>
+      </p:grpSpPr>
+      <p:sp>
+        <p:nvSpPr>
+          <p:cNvPr id="2" name="Zástupný objekt pre obrázok snímky 1"/>
+          <p:cNvSpPr>
+            <a:spLocks noGrp="1" noRot="1" noChangeAspect="1"/>
+          </p:cNvSpPr>
+          <p:nvPr>
+            <p:ph type="sldImg"/>
+          </p:nvPr>
+        </p:nvSpPr>
+        <p:spPr/>
+      </p:sp>
+      <p:sp>
+        <p:nvSpPr>
+          <p:cNvPr id="3" name="Zástupný objekt pre poznámky 2"/>
+          <p:cNvSpPr>
+            <a:spLocks noGrp="1"/>
+          </p:cNvSpPr>
+          <p:nvPr>
+            <p:ph type="body" idx="1"/>
+          </p:nvPr>
+        </p:nvSpPr>
+        <p:spPr/>
+        <p:txBody>
+          <a:bodyPr/>
+          <a:lstStyle/>
+          <a:p>
+            <a:endParaRPr lang="sk-SK" dirty="0"/>
+          </a:p>
+        </p:txBody>
+      </p:sp>
+      <p:sp>
+        <p:nvSpPr>
+          <p:cNvPr id="4" name="Zástupný objekt pre číslo snímky 3"/>
+          <p:cNvSpPr>
+            <a:spLocks noGrp="1"/>
+          </p:cNvSpPr>
+          <p:nvPr>
+            <p:ph type="sldNum" sz="quarter" idx="10"/>
+          </p:nvPr>
+        </p:nvSpPr>
+        <p:spPr/>
+        <p:txBody>
+          <a:bodyPr/>
+          <a:lstStyle/>
+          <a:p>
+            <a:fld id="{8683B77B-E50F-4F41-84C3-C1D230689A8D}" type="slidenum">
+              <a:rPr lang="sk-SK" smtClean="0"/>
+              <a:t>18</a:t>
+            </a:fld>
+            <a:endParaRPr lang="sk-SK"/>
+          </a:p>
+        </p:txBody>
+      </p:sp>
+    </p:spTree>
+    <p:extLst>
+      <p:ext uri="{BB962C8B-B14F-4D97-AF65-F5344CB8AC3E}">
+        <p14:creationId xmlns:p14="http://schemas.microsoft.com/office/powerpoint/2010/main" val="938447057"/>
+      </p:ext>
+    </p:extLst>
+  </p:cSld>
+  <p:clrMapOvr>
+    <a:masterClrMapping/>
+  </p:clrMapOvr>
+</p:notes>
+</file>
+
+<file path=ppt/notesSlides/notesSlide6.xml><?xml version="1.0" encoding="utf-8"?>
+<p:notes xmlns:a="http://schemas.openxmlformats.org/drawingml/2006/main" xmlns:r="http://schemas.openxmlformats.org/officeDocument/2006/relationships" xmlns:p="http://schemas.openxmlformats.org/presentationml/2006/main">
+  <p:cSld>
+    <p:spTree>
+      <p:nvGrpSpPr>
+        <p:cNvPr id="1" name=""/>
+        <p:cNvGrpSpPr/>
+        <p:nvPr/>
+      </p:nvGrpSpPr>
+      <p:grpSpPr>
+        <a:xfrm>
+          <a:off x="0" y="0"/>
+          <a:ext cx="0" cy="0"/>
+          <a:chOff x="0" y="0"/>
+          <a:chExt cx="0" cy="0"/>
+        </a:xfrm>
+      </p:grpSpPr>
+      <p:sp>
+        <p:nvSpPr>
+          <p:cNvPr id="2" name="Zástupný objekt pre obrázok snímky 1"/>
+          <p:cNvSpPr>
+            <a:spLocks noGrp="1" noRot="1" noChangeAspect="1"/>
+          </p:cNvSpPr>
+          <p:nvPr>
+            <p:ph type="sldImg"/>
+          </p:nvPr>
+        </p:nvSpPr>
+        <p:spPr/>
+      </p:sp>
+      <p:sp>
+        <p:nvSpPr>
+          <p:cNvPr id="3" name="Zástupný objekt pre poznámky 2"/>
+          <p:cNvSpPr>
+            <a:spLocks noGrp="1"/>
+          </p:cNvSpPr>
+          <p:nvPr>
+            <p:ph type="body" idx="1"/>
+          </p:nvPr>
+        </p:nvSpPr>
+        <p:spPr/>
+        <p:txBody>
+          <a:bodyPr/>
+          <a:lstStyle/>
+          <a:p>
+            <a:endParaRPr lang="sk-SK" dirty="0" smtClean="0"/>
+          </a:p>
+        </p:txBody>
+      </p:sp>
+      <p:sp>
+        <p:nvSpPr>
+          <p:cNvPr id="4" name="Zástupný objekt pre číslo snímky 3"/>
+          <p:cNvSpPr>
+            <a:spLocks noGrp="1"/>
+          </p:cNvSpPr>
+          <p:nvPr>
+            <p:ph type="sldNum" sz="quarter" idx="10"/>
+          </p:nvPr>
+        </p:nvSpPr>
+        <p:spPr/>
+        <p:txBody>
+          <a:bodyPr/>
+          <a:lstStyle/>
+          <a:p>
+            <a:fld id="{8683B77B-E50F-4F41-84C3-C1D230689A8D}" type="slidenum">
+              <a:rPr lang="sk-SK" smtClean="0"/>
+              <a:t>19</a:t>
+            </a:fld>
+            <a:endParaRPr lang="sk-SK"/>
+          </a:p>
+        </p:txBody>
+      </p:sp>
+    </p:spTree>
+    <p:extLst>
+      <p:ext uri="{BB962C8B-B14F-4D97-AF65-F5344CB8AC3E}">
+        <p14:creationId xmlns:p14="http://schemas.microsoft.com/office/powerpoint/2010/main" val="497357420"/>
+      </p:ext>
+    </p:extLst>
+  </p:cSld>
+  <p:clrMapOvr>
+    <a:masterClrMapping/>
+  </p:clrMapOvr>
+</p:notes>
+</file>
+
+<file path=ppt/notesSlides/notesSlide7.xml><?xml version="1.0" encoding="utf-8"?>
+<p:notes xmlns:a="http://schemas.openxmlformats.org/drawingml/2006/main" xmlns:r="http://schemas.openxmlformats.org/officeDocument/2006/relationships" xmlns:p="http://schemas.openxmlformats.org/presentationml/2006/main">
+  <p:cSld>
+    <p:spTree>
+      <p:nvGrpSpPr>
+        <p:cNvPr id="1" name=""/>
+        <p:cNvGrpSpPr/>
+        <p:nvPr/>
+      </p:nvGrpSpPr>
+      <p:grpSpPr>
+        <a:xfrm>
+          <a:off x="0" y="0"/>
+          <a:ext cx="0" cy="0"/>
+          <a:chOff x="0" y="0"/>
+          <a:chExt cx="0" cy="0"/>
+        </a:xfrm>
+      </p:grpSpPr>
+      <p:sp>
+        <p:nvSpPr>
+          <p:cNvPr id="2" name="Zástupný objekt pre obrázok snímky 1"/>
+          <p:cNvSpPr>
+            <a:spLocks noGrp="1" noRot="1" noChangeAspect="1"/>
+          </p:cNvSpPr>
+          <p:nvPr>
+            <p:ph type="sldImg"/>
+          </p:nvPr>
+        </p:nvSpPr>
+        <p:spPr/>
+      </p:sp>
+      <p:sp>
+        <p:nvSpPr>
+          <p:cNvPr id="3" name="Zástupný objekt pre poznámky 2"/>
+          <p:cNvSpPr>
+            <a:spLocks noGrp="1"/>
+          </p:cNvSpPr>
+          <p:nvPr>
+            <p:ph type="body" idx="1"/>
+          </p:nvPr>
+        </p:nvSpPr>
+        <p:spPr/>
+        <p:txBody>
+          <a:bodyPr/>
+          <a:lstStyle/>
+          <a:p>
+            <a:endParaRPr lang="sk-SK" dirty="0"/>
+          </a:p>
+        </p:txBody>
+      </p:sp>
+      <p:sp>
+        <p:nvSpPr>
+          <p:cNvPr id="4" name="Zástupný objekt pre číslo snímky 3"/>
+          <p:cNvSpPr>
+            <a:spLocks noGrp="1"/>
+          </p:cNvSpPr>
+          <p:nvPr>
+            <p:ph type="sldNum" sz="quarter" idx="10"/>
+          </p:nvPr>
+        </p:nvSpPr>
+        <p:spPr/>
+        <p:txBody>
+          <a:bodyPr/>
+          <a:lstStyle/>
+          <a:p>
+            <a:fld id="{8683B77B-E50F-4F41-84C3-C1D230689A8D}" type="slidenum">
+              <a:rPr lang="sk-SK" smtClean="0"/>
+              <a:t>20</a:t>
+            </a:fld>
+            <a:endParaRPr lang="sk-SK"/>
+          </a:p>
+        </p:txBody>
+      </p:sp>
+    </p:spTree>
+    <p:extLst>
+      <p:ext uri="{BB962C8B-B14F-4D97-AF65-F5344CB8AC3E}">
+        <p14:creationId xmlns:p14="http://schemas.microsoft.com/office/powerpoint/2010/main" val="975442083"/>
+      </p:ext>
+    </p:extLst>
+  </p:cSld>
+  <p:clrMapOvr>
+    <a:masterClrMapping/>
+  </p:clrMapOvr>
+</p:notes>
 </file>
 
 <file path=ppt/slideLayouts/slideLayout1.xml><?xml version="1.0" encoding="utf-8"?>
@@ -5939,6 +7260,36 @@
           </a:p>
         </p:txBody>
       </p:sp>
+      <p:pic>
+        <p:nvPicPr>
+          <p:cNvPr id="6" name="Obrázok 5"/>
+          <p:cNvPicPr>
+            <a:picLocks noChangeAspect="1"/>
+          </p:cNvPicPr>
+          <p:nvPr/>
+        </p:nvPicPr>
+        <p:blipFill>
+          <a:blip r:embed="rId2">
+            <a:extLst>
+              <a:ext uri="{28A0092B-C50C-407E-A947-70E740481C1C}">
+                <a14:useLocalDpi xmlns:a14="http://schemas.microsoft.com/office/drawing/2010/main" val="0"/>
+              </a:ext>
+            </a:extLst>
+          </a:blip>
+          <a:stretch>
+            <a:fillRect/>
+          </a:stretch>
+        </p:blipFill>
+        <p:spPr>
+          <a:xfrm>
+            <a:off x="9639033" y="4804629"/>
+            <a:ext cx="2390775" cy="1914525"/>
+          </a:xfrm>
+          <a:prstGeom prst="rect">
+            <a:avLst/>
+          </a:prstGeom>
+        </p:spPr>
+      </p:pic>
     </p:spTree>
     <p:extLst>
       <p:ext uri="{BB962C8B-B14F-4D97-AF65-F5344CB8AC3E}">
@@ -6395,19 +7746,19 @@
         </p:nvSpPr>
         <p:spPr>
           <a:xfrm>
-            <a:off x="0" y="1710437"/>
-            <a:ext cx="12192000" cy="1641490"/>
+            <a:off x="1" y="2541709"/>
+            <a:ext cx="12192000" cy="1926381"/>
           </a:xfrm>
         </p:spPr>
         <p:txBody>
-          <a:bodyPr>
+          <a:bodyPr wrap="square" lIns="1440000" rIns="1440000" anchor="ctr">
             <a:noAutofit/>
           </a:bodyPr>
           <a:lstStyle/>
           <a:p>
             <a:pPr algn="ctr"/>
             <a:r>
-              <a:rPr lang="sk-SK" sz="5400" dirty="0" smtClean="0">
+              <a:rPr lang="sk-SK" sz="5400" i="1" dirty="0" smtClean="0">
                 <a:solidFill>
                   <a:schemeClr val="tx1"/>
                 </a:solidFill>
@@ -6415,9 +7766,53 @@
                 <a:latin typeface="Segoe UI Light" panose="020B0502040204020203" pitchFamily="34" charset="0"/>
                 <a:cs typeface="Segoe UI Light" panose="020B0502040204020203" pitchFamily="34" charset="0"/>
               </a:rPr>
-              <a:t>Otázky ???</a:t>
-            </a:r>
-            <a:endParaRPr lang="sk-SK" sz="5400" dirty="0">
+              <a:t>„</a:t>
+            </a:r>
+            <a:r>
+              <a:rPr lang="en-US" sz="5400" i="1" dirty="0" smtClean="0">
+                <a:solidFill>
+                  <a:schemeClr val="tx1"/>
+                </a:solidFill>
+                <a:effectLst/>
+                <a:latin typeface="Segoe UI Light" panose="020B0502040204020203" pitchFamily="34" charset="0"/>
+                <a:cs typeface="Segoe UI Light" panose="020B0502040204020203" pitchFamily="34" charset="0"/>
+              </a:rPr>
+              <a:t>M</a:t>
+            </a:r>
+            <a:r>
+              <a:rPr lang="sk-SK" sz="5400" i="1" dirty="0" err="1" smtClean="0">
+                <a:solidFill>
+                  <a:schemeClr val="tx1"/>
+                </a:solidFill>
+                <a:effectLst/>
+                <a:latin typeface="Segoe UI Light" panose="020B0502040204020203" pitchFamily="34" charset="0"/>
+                <a:cs typeface="Segoe UI Light" panose="020B0502040204020203" pitchFamily="34" charset="0"/>
+              </a:rPr>
+              <a:t>ôže</a:t>
+            </a:r>
+            <a:r>
+              <a:rPr lang="sk-SK" sz="5400" i="1" dirty="0" smtClean="0">
+                <a:solidFill>
+                  <a:schemeClr val="tx1"/>
+                </a:solidFill>
+                <a:effectLst/>
+                <a:latin typeface="Segoe UI Light" panose="020B0502040204020203" pitchFamily="34" charset="0"/>
+                <a:cs typeface="Segoe UI Light" panose="020B0502040204020203" pitchFamily="34" charset="0"/>
+              </a:rPr>
+              <a:t> byť len jedna požiadavka, ktorá keď sa zmení, tak sa má zmeniť aj trieda</a:t>
+            </a:r>
+            <a:r>
+              <a:rPr lang="sk-SK" sz="5400" i="1" dirty="0" smtClean="0">
+                <a:solidFill>
+                  <a:schemeClr val="tx1"/>
+                </a:solidFill>
+                <a:effectLst/>
+                <a:latin typeface="Segoe UI Light" panose="020B0502040204020203" pitchFamily="34" charset="0"/>
+                <a:cs typeface="Segoe UI Light" panose="020B0502040204020203" pitchFamily="34" charset="0"/>
+              </a:rPr>
+              <a:t>“</a:t>
+            </a:r>
+            <a:endParaRPr lang="sk-SK" sz="5400" i="1" dirty="0">
               <a:effectLst/>
               <a:latin typeface="Segoe UI Light" panose="020B0502040204020203" pitchFamily="34" charset="0"/>
               <a:cs typeface="Segoe UI Light" panose="020B0502040204020203" pitchFamily="34" charset="0"/>
@@ -6425,126 +7820,739 @@
           </a:p>
         </p:txBody>
       </p:sp>
-      <p:sp>
-        <p:nvSpPr>
-          <p:cNvPr id="4" name="Podnadpis 3"/>
-          <p:cNvSpPr>
-            <a:spLocks noGrp="1"/>
-          </p:cNvSpPr>
-          <p:nvPr>
-            <p:ph type="subTitle" idx="1"/>
-          </p:nvPr>
+    </p:spTree>
+    <p:extLst>
+      <p:ext uri="{BB962C8B-B14F-4D97-AF65-F5344CB8AC3E}">
+        <p14:creationId xmlns:p14="http://schemas.microsoft.com/office/powerpoint/2010/main" val="730864131"/>
+      </p:ext>
+    </p:extLst>
+  </p:cSld>
+  <p:clrMapOvr>
+    <a:masterClrMapping/>
+  </p:clrMapOvr>
+  <p:timing>
+    <p:tnLst>
+      <p:par>
+        <p:cTn id="1" dur="indefinite" restart="never" nodeType="tmRoot"/>
+      </p:par>
+    </p:tnLst>
+  </p:timing>
+</p:sld>
+</file>
+
+<file path=ppt/slides/slide14.xml><?xml version="1.0" encoding="utf-8"?>
+<p:sld xmlns:a="http://schemas.openxmlformats.org/drawingml/2006/main" xmlns:r="http://schemas.openxmlformats.org/officeDocument/2006/relationships" xmlns:p="http://schemas.openxmlformats.org/presentationml/2006/main">
+  <p:cSld>
+    <p:bg>
+      <p:bgPr>
+        <a:solidFill>
+          <a:srgbClr val="482958"/>
+        </a:solidFill>
+        <a:effectLst/>
+      </p:bgPr>
+    </p:bg>
+    <p:spTree>
+      <p:nvGrpSpPr>
+        <p:cNvPr id="1" name=""/>
+        <p:cNvGrpSpPr/>
+        <p:nvPr/>
+      </p:nvGrpSpPr>
+      <p:grpSpPr>
+        <a:xfrm>
+          <a:off x="0" y="0"/>
+          <a:ext cx="0" cy="0"/>
+          <a:chOff x="0" y="0"/>
+          <a:chExt cx="0" cy="0"/>
+        </a:xfrm>
+      </p:grpSpPr>
+      <p:sp>
+        <p:nvSpPr>
+          <p:cNvPr id="6" name="Obdĺžnik 5"/>
+          <p:cNvSpPr/>
+          <p:nvPr/>
         </p:nvSpPr>
         <p:spPr>
           <a:xfrm>
-            <a:off x="3023756" y="3694375"/>
-            <a:ext cx="8323118" cy="2447234"/>
-          </a:xfrm>
-        </p:spPr>
-        <p:txBody>
-          <a:bodyPr anchor="t"/>
-          <a:lstStyle/>
-          <a:p>
-            <a:pPr algn="l"/>
-            <a:r>
-              <a:rPr lang="sk-SK" dirty="0" smtClean="0">
-                <a:latin typeface="Segoe UI Light" panose="020B0502040204020203" pitchFamily="34" charset="0"/>
-                <a:cs typeface="Segoe UI Light" panose="020B0502040204020203" pitchFamily="34" charset="0"/>
-              </a:rPr>
-              <a:t>Milan Martiniak</a:t>
-            </a:r>
-          </a:p>
-          <a:p>
-            <a:pPr algn="l"/>
-            <a:r>
-              <a:rPr lang="en-US" dirty="0">
-                <a:latin typeface="Segoe UI Light" panose="020B0502040204020203" pitchFamily="34" charset="0"/>
-                <a:cs typeface="Segoe UI Light" panose="020B0502040204020203" pitchFamily="34" charset="0"/>
-              </a:rPr>
-              <a:t>m</a:t>
-            </a:r>
-            <a:r>
-              <a:rPr lang="sk-SK" dirty="0" err="1" smtClean="0">
-                <a:latin typeface="Segoe UI Light" panose="020B0502040204020203" pitchFamily="34" charset="0"/>
-                <a:cs typeface="Segoe UI Light" panose="020B0502040204020203" pitchFamily="34" charset="0"/>
-              </a:rPr>
-              <a:t>artiniak</a:t>
-            </a:r>
-            <a:r>
-              <a:rPr lang="en-US" dirty="0" smtClean="0">
-                <a:latin typeface="Segoe UI Light" panose="020B0502040204020203" pitchFamily="34" charset="0"/>
-                <a:cs typeface="Segoe UI Light" panose="020B0502040204020203" pitchFamily="34" charset="0"/>
-              </a:rPr>
-              <a:t>@kros.sk</a:t>
-            </a:r>
-          </a:p>
-          <a:p>
-            <a:pPr algn="l"/>
-            <a:r>
-              <a:rPr lang="en-US" dirty="0" smtClean="0">
-                <a:latin typeface="Segoe UI Light" panose="020B0502040204020203" pitchFamily="34" charset="0"/>
-                <a:cs typeface="Segoe UI Light" panose="020B0502040204020203" pitchFamily="34" charset="0"/>
-              </a:rPr>
-              <a:t>@</a:t>
-            </a:r>
-            <a:r>
-              <a:rPr lang="en-US" dirty="0" err="1" smtClean="0">
-                <a:latin typeface="Segoe UI Light" panose="020B0502040204020203" pitchFamily="34" charset="0"/>
-                <a:cs typeface="Segoe UI Light" panose="020B0502040204020203" pitchFamily="34" charset="0"/>
-              </a:rPr>
-              <a:t>MinoMartiniak</a:t>
-            </a:r>
-            <a:endParaRPr lang="en-US" dirty="0" smtClean="0">
-              <a:latin typeface="Segoe UI Light" panose="020B0502040204020203" pitchFamily="34" charset="0"/>
-              <a:cs typeface="Segoe UI Light" panose="020B0502040204020203" pitchFamily="34" charset="0"/>
-            </a:endParaRPr>
-          </a:p>
-          <a:p>
-            <a:pPr algn="l"/>
-            <a:r>
-              <a:rPr lang="en-US" dirty="0">
-                <a:latin typeface="Segoe UI Light" panose="020B0502040204020203" pitchFamily="34" charset="0"/>
-                <a:cs typeface="Segoe UI Light" panose="020B0502040204020203" pitchFamily="34" charset="0"/>
-              </a:rPr>
-              <a:t>https://github.com/Burgyn/</a:t>
-            </a:r>
-          </a:p>
-        </p:txBody>
-      </p:sp>
-      <p:pic>
-        <p:nvPicPr>
-          <p:cNvPr id="5" name="Obrázok 4"/>
-          <p:cNvPicPr>
-            <a:picLocks noChangeAspect="1"/>
-          </p:cNvPicPr>
-          <p:nvPr/>
-        </p:nvPicPr>
-        <p:blipFill>
-          <a:blip r:embed="rId2" cstate="print">
-            <a:extLst>
-              <a:ext uri="{28A0092B-C50C-407E-A947-70E740481C1C}">
-                <a14:useLocalDpi xmlns:a14="http://schemas.microsoft.com/office/drawing/2010/main" val="0"/>
-              </a:ext>
-            </a:extLst>
-          </a:blip>
-          <a:stretch>
-            <a:fillRect/>
-          </a:stretch>
-        </p:blipFill>
-        <p:spPr>
-          <a:xfrm>
-            <a:off x="399177" y="3621329"/>
-            <a:ext cx="2520280" cy="2520280"/>
+            <a:off x="259773" y="3377045"/>
+            <a:ext cx="10723419" cy="2670464"/>
           </a:xfrm>
           <a:prstGeom prst="rect">
             <a:avLst/>
           </a:prstGeom>
+          <a:solidFill>
+            <a:srgbClr val="7CA900"/>
+          </a:solidFill>
+          <a:ln>
+            <a:noFill/>
+          </a:ln>
         </p:spPr>
-      </p:pic>
+        <p:style>
+          <a:lnRef idx="2">
+            <a:schemeClr val="accent1">
+              <a:shade val="50000"/>
+            </a:schemeClr>
+          </a:lnRef>
+          <a:fillRef idx="1">
+            <a:schemeClr val="accent1"/>
+          </a:fillRef>
+          <a:effectRef idx="0">
+            <a:schemeClr val="accent1"/>
+          </a:effectRef>
+          <a:fontRef idx="minor">
+            <a:schemeClr val="lt1"/>
+          </a:fontRef>
+        </p:style>
+        <p:txBody>
+          <a:bodyPr rtlCol="0" anchor="t"/>
+          <a:lstStyle/>
+          <a:p>
+            <a:r>
+              <a:rPr lang="sk-SK" sz="4400" dirty="0" smtClean="0">
+                <a:latin typeface="Segoe UI Light" panose="020B0502040204020203" pitchFamily="34" charset="0"/>
+                <a:cs typeface="Segoe UI Light" panose="020B0502040204020203" pitchFamily="34" charset="0"/>
+              </a:rPr>
+              <a:t>DEMO: </a:t>
+            </a:r>
+            <a:r>
+              <a:rPr lang="sk-SK" sz="4400" dirty="0" smtClean="0">
+                <a:latin typeface="Segoe UI Light" panose="020B0502040204020203" pitchFamily="34" charset="0"/>
+                <a:cs typeface="Segoe UI Light" panose="020B0502040204020203" pitchFamily="34" charset="0"/>
+              </a:rPr>
+              <a:t>Úprava podľa SRP</a:t>
+            </a:r>
+            <a:endParaRPr lang="sk-SK" sz="4400" dirty="0">
+              <a:latin typeface="Segoe UI Light" panose="020B0502040204020203" pitchFamily="34" charset="0"/>
+              <a:cs typeface="Segoe UI Light" panose="020B0502040204020203" pitchFamily="34" charset="0"/>
+            </a:endParaRPr>
+          </a:p>
+        </p:txBody>
+      </p:sp>
     </p:spTree>
     <p:extLst>
       <p:ext uri="{BB962C8B-B14F-4D97-AF65-F5344CB8AC3E}">
-        <p14:creationId xmlns:p14="http://schemas.microsoft.com/office/powerpoint/2010/main" val="1019827738"/>
+        <p14:creationId xmlns:p14="http://schemas.microsoft.com/office/powerpoint/2010/main" val="1297803807"/>
+      </p:ext>
+    </p:extLst>
+  </p:cSld>
+  <p:clrMapOvr>
+    <a:masterClrMapping/>
+  </p:clrMapOvr>
+  <p:timing>
+    <p:tnLst>
+      <p:par>
+        <p:cTn id="1" dur="indefinite" restart="never" nodeType="tmRoot"/>
+      </p:par>
+    </p:tnLst>
+  </p:timing>
+</p:sld>
+</file>
+
+<file path=ppt/slides/slide15.xml><?xml version="1.0" encoding="utf-8"?>
+<p:sld xmlns:a="http://schemas.openxmlformats.org/drawingml/2006/main" xmlns:r="http://schemas.openxmlformats.org/officeDocument/2006/relationships" xmlns:p="http://schemas.openxmlformats.org/presentationml/2006/main">
+  <p:cSld>
+    <p:bg>
+      <p:bgPr>
+        <a:solidFill>
+          <a:srgbClr val="482958"/>
+        </a:solidFill>
+        <a:effectLst/>
+      </p:bgPr>
+    </p:bg>
+    <p:spTree>
+      <p:nvGrpSpPr>
+        <p:cNvPr id="1" name=""/>
+        <p:cNvGrpSpPr/>
+        <p:nvPr/>
+      </p:nvGrpSpPr>
+      <p:grpSpPr>
+        <a:xfrm>
+          <a:off x="0" y="0"/>
+          <a:ext cx="0" cy="0"/>
+          <a:chOff x="0" y="0"/>
+          <a:chExt cx="0" cy="0"/>
+        </a:xfrm>
+      </p:grpSpPr>
+      <p:sp>
+        <p:nvSpPr>
+          <p:cNvPr id="2" name="Nadpis 1"/>
+          <p:cNvSpPr>
+            <a:spLocks noGrp="1"/>
+          </p:cNvSpPr>
+          <p:nvPr>
+            <p:ph type="ctrTitle"/>
+          </p:nvPr>
+        </p:nvSpPr>
+        <p:spPr>
+          <a:xfrm>
+            <a:off x="1" y="2541709"/>
+            <a:ext cx="12192000" cy="1926381"/>
+          </a:xfrm>
+        </p:spPr>
+        <p:txBody>
+          <a:bodyPr wrap="square" lIns="720000" rIns="1440000" anchor="ctr">
+            <a:noAutofit/>
+          </a:bodyPr>
+          <a:lstStyle/>
+          <a:p>
+            <a:pPr algn="l"/>
+            <a:r>
+              <a:rPr lang="sk-SK" sz="5400" i="1" dirty="0" smtClean="0">
+                <a:solidFill>
+                  <a:schemeClr val="tx1"/>
+                </a:solidFill>
+                <a:effectLst/>
+                <a:latin typeface="Segoe UI Light" panose="020B0502040204020203" pitchFamily="34" charset="0"/>
+                <a:cs typeface="Segoe UI Light" panose="020B0502040204020203" pitchFamily="34" charset="0"/>
+              </a:rPr>
+              <a:t>Aké sú výhody?</a:t>
+            </a:r>
+            <a:endParaRPr lang="sk-SK" sz="5400" i="1" dirty="0">
+              <a:effectLst/>
+              <a:latin typeface="Segoe UI Light" panose="020B0502040204020203" pitchFamily="34" charset="0"/>
+              <a:cs typeface="Segoe UI Light" panose="020B0502040204020203" pitchFamily="34" charset="0"/>
+            </a:endParaRPr>
+          </a:p>
+        </p:txBody>
+      </p:sp>
+    </p:spTree>
+    <p:extLst>
+      <p:ext uri="{BB962C8B-B14F-4D97-AF65-F5344CB8AC3E}">
+        <p14:creationId xmlns:p14="http://schemas.microsoft.com/office/powerpoint/2010/main" val="4095377704"/>
+      </p:ext>
+    </p:extLst>
+  </p:cSld>
+  <p:clrMapOvr>
+    <a:masterClrMapping/>
+  </p:clrMapOvr>
+  <p:timing>
+    <p:tnLst>
+      <p:par>
+        <p:cTn id="1" dur="indefinite" restart="never" nodeType="tmRoot"/>
+      </p:par>
+    </p:tnLst>
+  </p:timing>
+</p:sld>
+</file>
+
+<file path=ppt/slides/slide16.xml><?xml version="1.0" encoding="utf-8"?>
+<p:sld xmlns:a="http://schemas.openxmlformats.org/drawingml/2006/main" xmlns:r="http://schemas.openxmlformats.org/officeDocument/2006/relationships" xmlns:p="http://schemas.openxmlformats.org/presentationml/2006/main">
+  <p:cSld>
+    <p:bg>
+      <p:bgPr>
+        <a:solidFill>
+          <a:srgbClr val="6C2D7C"/>
+        </a:solidFill>
+        <a:effectLst/>
+      </p:bgPr>
+    </p:bg>
+    <p:spTree>
+      <p:nvGrpSpPr>
+        <p:cNvPr id="1" name=""/>
+        <p:cNvGrpSpPr/>
+        <p:nvPr/>
+      </p:nvGrpSpPr>
+      <p:grpSpPr>
+        <a:xfrm>
+          <a:off x="0" y="0"/>
+          <a:ext cx="0" cy="0"/>
+          <a:chOff x="0" y="0"/>
+          <a:chExt cx="0" cy="0"/>
+        </a:xfrm>
+      </p:grpSpPr>
+      <p:sp>
+        <p:nvSpPr>
+          <p:cNvPr id="2" name="Nadpis 1"/>
+          <p:cNvSpPr>
+            <a:spLocks noGrp="1"/>
+          </p:cNvSpPr>
+          <p:nvPr>
+            <p:ph type="ctrTitle"/>
+          </p:nvPr>
+        </p:nvSpPr>
+        <p:spPr>
+          <a:xfrm>
+            <a:off x="0" y="3512128"/>
+            <a:ext cx="12192000" cy="3345874"/>
+          </a:xfrm>
+        </p:spPr>
+        <p:txBody>
+          <a:bodyPr wrap="square" lIns="360000" rIns="2160000" anchor="t">
+            <a:noAutofit/>
+          </a:bodyPr>
+          <a:lstStyle/>
+          <a:p>
+            <a:pPr algn="l"/>
+            <a:r>
+              <a:rPr lang="sk-SK" sz="7200" dirty="0" err="1" smtClean="0">
+                <a:solidFill>
+                  <a:schemeClr val="tx1"/>
+                </a:solidFill>
+                <a:effectLst/>
+                <a:latin typeface="Segoe UI Light" panose="020B0502040204020203" pitchFamily="34" charset="0"/>
+                <a:cs typeface="Segoe UI Light" panose="020B0502040204020203" pitchFamily="34" charset="0"/>
+              </a:rPr>
+              <a:t>Open</a:t>
+            </a:r>
+            <a:r>
+              <a:rPr lang="sk-SK" sz="7200" dirty="0" smtClean="0">
+                <a:solidFill>
+                  <a:schemeClr val="tx1"/>
+                </a:solidFill>
+                <a:effectLst/>
+                <a:latin typeface="Segoe UI Light" panose="020B0502040204020203" pitchFamily="34" charset="0"/>
+                <a:cs typeface="Segoe UI Light" panose="020B0502040204020203" pitchFamily="34" charset="0"/>
+              </a:rPr>
+              <a:t>/</a:t>
+            </a:r>
+            <a:r>
+              <a:rPr lang="sk-SK" sz="7200" dirty="0" err="1" smtClean="0">
+                <a:solidFill>
+                  <a:schemeClr val="tx1"/>
+                </a:solidFill>
+                <a:effectLst/>
+                <a:latin typeface="Segoe UI Light" panose="020B0502040204020203" pitchFamily="34" charset="0"/>
+                <a:cs typeface="Segoe UI Light" panose="020B0502040204020203" pitchFamily="34" charset="0"/>
+              </a:rPr>
+              <a:t>Closed</a:t>
+            </a:r>
+            <a:r>
+              <a:rPr lang="sk-SK" sz="7200" dirty="0" smtClean="0">
+                <a:solidFill>
+                  <a:schemeClr val="tx1"/>
+                </a:solidFill>
+                <a:effectLst/>
+                <a:latin typeface="Segoe UI Light" panose="020B0502040204020203" pitchFamily="34" charset="0"/>
+                <a:cs typeface="Segoe UI Light" panose="020B0502040204020203" pitchFamily="34" charset="0"/>
+              </a:rPr>
+              <a:t> </a:t>
+            </a:r>
+            <a:br>
+              <a:rPr lang="sk-SK" sz="7200" dirty="0" smtClean="0">
+                <a:solidFill>
+                  <a:schemeClr val="tx1"/>
+                </a:solidFill>
+                <a:effectLst/>
+                <a:latin typeface="Segoe UI Light" panose="020B0502040204020203" pitchFamily="34" charset="0"/>
+                <a:cs typeface="Segoe UI Light" panose="020B0502040204020203" pitchFamily="34" charset="0"/>
+              </a:rPr>
+            </a:br>
+            <a:r>
+              <a:rPr lang="sk-SK" sz="7200" dirty="0" err="1" smtClean="0">
+                <a:solidFill>
+                  <a:schemeClr val="tx1"/>
+                </a:solidFill>
+                <a:effectLst/>
+                <a:latin typeface="Segoe UI Light" panose="020B0502040204020203" pitchFamily="34" charset="0"/>
+                <a:cs typeface="Segoe UI Light" panose="020B0502040204020203" pitchFamily="34" charset="0"/>
+              </a:rPr>
+              <a:t>Principle</a:t>
+            </a:r>
+            <a:endParaRPr lang="sk-SK" sz="7200" dirty="0">
+              <a:effectLst/>
+              <a:latin typeface="Segoe UI Light" panose="020B0502040204020203" pitchFamily="34" charset="0"/>
+              <a:cs typeface="Segoe UI Light" panose="020B0502040204020203" pitchFamily="34" charset="0"/>
+            </a:endParaRPr>
+          </a:p>
+        </p:txBody>
+      </p:sp>
+    </p:spTree>
+    <p:extLst>
+      <p:ext uri="{BB962C8B-B14F-4D97-AF65-F5344CB8AC3E}">
+        <p14:creationId xmlns:p14="http://schemas.microsoft.com/office/powerpoint/2010/main" val="2407133720"/>
+      </p:ext>
+    </p:extLst>
+  </p:cSld>
+  <p:clrMapOvr>
+    <a:masterClrMapping/>
+  </p:clrMapOvr>
+  <p:timing>
+    <p:tnLst>
+      <p:par>
+        <p:cTn id="1" dur="indefinite" restart="never" nodeType="tmRoot"/>
+      </p:par>
+    </p:tnLst>
+  </p:timing>
+</p:sld>
+</file>
+
+<file path=ppt/slides/slide17.xml><?xml version="1.0" encoding="utf-8"?>
+<p:sld xmlns:a="http://schemas.openxmlformats.org/drawingml/2006/main" xmlns:r="http://schemas.openxmlformats.org/officeDocument/2006/relationships" xmlns:p="http://schemas.openxmlformats.org/presentationml/2006/main">
+  <p:cSld>
+    <p:bg>
+      <p:bgPr>
+        <a:solidFill>
+          <a:srgbClr val="482958"/>
+        </a:solidFill>
+        <a:effectLst/>
+      </p:bgPr>
+    </p:bg>
+    <p:spTree>
+      <p:nvGrpSpPr>
+        <p:cNvPr id="1" name=""/>
+        <p:cNvGrpSpPr/>
+        <p:nvPr/>
+      </p:nvGrpSpPr>
+      <p:grpSpPr>
+        <a:xfrm>
+          <a:off x="0" y="0"/>
+          <a:ext cx="0" cy="0"/>
+          <a:chOff x="0" y="0"/>
+          <a:chExt cx="0" cy="0"/>
+        </a:xfrm>
+      </p:grpSpPr>
+      <p:sp>
+        <p:nvSpPr>
+          <p:cNvPr id="2" name="Nadpis 1"/>
+          <p:cNvSpPr>
+            <a:spLocks noGrp="1"/>
+          </p:cNvSpPr>
+          <p:nvPr>
+            <p:ph type="ctrTitle"/>
+          </p:nvPr>
+        </p:nvSpPr>
+        <p:spPr>
+          <a:xfrm>
+            <a:off x="1" y="2541709"/>
+            <a:ext cx="12192000" cy="1926381"/>
+          </a:xfrm>
+        </p:spPr>
+        <p:txBody>
+          <a:bodyPr wrap="square" lIns="1440000" rIns="1440000" anchor="ctr">
+            <a:noAutofit/>
+          </a:bodyPr>
+          <a:lstStyle/>
+          <a:p>
+            <a:pPr algn="ctr"/>
+            <a:r>
+              <a:rPr lang="sk-SK" sz="5400" i="1" dirty="0" smtClean="0">
+                <a:solidFill>
+                  <a:schemeClr val="tx1"/>
+                </a:solidFill>
+                <a:effectLst/>
+                <a:latin typeface="Segoe UI Light" panose="020B0502040204020203" pitchFamily="34" charset="0"/>
+                <a:cs typeface="Segoe UI Light" panose="020B0502040204020203" pitchFamily="34" charset="0"/>
+              </a:rPr>
+              <a:t>„</a:t>
+            </a:r>
+            <a:r>
+              <a:rPr lang="en-US" sz="5400" i="1" dirty="0">
+                <a:solidFill>
+                  <a:schemeClr val="tx1"/>
+                </a:solidFill>
+                <a:effectLst/>
+                <a:latin typeface="Segoe UI Light" panose="020B0502040204020203" pitchFamily="34" charset="0"/>
+                <a:cs typeface="Segoe UI Light" panose="020B0502040204020203" pitchFamily="34" charset="0"/>
+              </a:rPr>
+              <a:t>A software module/class is open for extension and closed for </a:t>
+            </a:r>
+            <a:r>
+              <a:rPr lang="en-US" sz="5400" i="1" dirty="0" smtClean="0">
+                <a:solidFill>
+                  <a:schemeClr val="tx1"/>
+                </a:solidFill>
+                <a:effectLst/>
+                <a:latin typeface="Segoe UI Light" panose="020B0502040204020203" pitchFamily="34" charset="0"/>
+                <a:cs typeface="Segoe UI Light" panose="020B0502040204020203" pitchFamily="34" charset="0"/>
+              </a:rPr>
+              <a:t>modification</a:t>
+            </a:r>
+            <a:r>
+              <a:rPr lang="sk-SK" sz="5400" i="1" dirty="0" smtClean="0">
+                <a:solidFill>
+                  <a:schemeClr val="tx1"/>
+                </a:solidFill>
+                <a:effectLst/>
+                <a:latin typeface="Segoe UI Light" panose="020B0502040204020203" pitchFamily="34" charset="0"/>
+                <a:cs typeface="Segoe UI Light" panose="020B0502040204020203" pitchFamily="34" charset="0"/>
+              </a:rPr>
+              <a:t>“</a:t>
+            </a:r>
+            <a:endParaRPr lang="sk-SK" sz="5400" i="1" dirty="0">
+              <a:effectLst/>
+              <a:latin typeface="Segoe UI Light" panose="020B0502040204020203" pitchFamily="34" charset="0"/>
+              <a:cs typeface="Segoe UI Light" panose="020B0502040204020203" pitchFamily="34" charset="0"/>
+            </a:endParaRPr>
+          </a:p>
+        </p:txBody>
+      </p:sp>
+    </p:spTree>
+    <p:extLst>
+      <p:ext uri="{BB962C8B-B14F-4D97-AF65-F5344CB8AC3E}">
+        <p14:creationId xmlns:p14="http://schemas.microsoft.com/office/powerpoint/2010/main" val="1040288763"/>
+      </p:ext>
+    </p:extLst>
+  </p:cSld>
+  <p:clrMapOvr>
+    <a:masterClrMapping/>
+  </p:clrMapOvr>
+  <p:timing>
+    <p:tnLst>
+      <p:par>
+        <p:cTn id="1" dur="indefinite" restart="never" nodeType="tmRoot"/>
+      </p:par>
+    </p:tnLst>
+  </p:timing>
+</p:sld>
+</file>
+
+<file path=ppt/slides/slide18.xml><?xml version="1.0" encoding="utf-8"?>
+<p:sld xmlns:a="http://schemas.openxmlformats.org/drawingml/2006/main" xmlns:r="http://schemas.openxmlformats.org/officeDocument/2006/relationships" xmlns:p="http://schemas.openxmlformats.org/presentationml/2006/main">
+  <p:cSld>
+    <p:bg>
+      <p:bgPr>
+        <a:solidFill>
+          <a:srgbClr val="EB4800"/>
+        </a:solidFill>
+        <a:effectLst/>
+      </p:bgPr>
+    </p:bg>
+    <p:spTree>
+      <p:nvGrpSpPr>
+        <p:cNvPr id="1" name=""/>
+        <p:cNvGrpSpPr/>
+        <p:nvPr/>
+      </p:nvGrpSpPr>
+      <p:grpSpPr>
+        <a:xfrm>
+          <a:off x="0" y="0"/>
+          <a:ext cx="0" cy="0"/>
+          <a:chOff x="0" y="0"/>
+          <a:chExt cx="0" cy="0"/>
+        </a:xfrm>
+      </p:grpSpPr>
+      <p:sp>
+        <p:nvSpPr>
+          <p:cNvPr id="2" name="Nadpis 1"/>
+          <p:cNvSpPr>
+            <a:spLocks noGrp="1"/>
+          </p:cNvSpPr>
+          <p:nvPr>
+            <p:ph type="ctrTitle"/>
+          </p:nvPr>
+        </p:nvSpPr>
+        <p:spPr>
+          <a:xfrm>
+            <a:off x="1" y="2541709"/>
+            <a:ext cx="12192000" cy="1926381"/>
+          </a:xfrm>
+        </p:spPr>
+        <p:txBody>
+          <a:bodyPr wrap="square" lIns="720000" rIns="720000" anchor="ctr">
+            <a:noAutofit/>
+          </a:bodyPr>
+          <a:lstStyle/>
+          <a:p>
+            <a:pPr algn="l"/>
+            <a:r>
+              <a:rPr lang="sk-SK" sz="5400" i="1" dirty="0" smtClean="0">
+                <a:solidFill>
+                  <a:schemeClr val="tx1"/>
+                </a:solidFill>
+                <a:effectLst/>
+                <a:latin typeface="Segoe UI Light" panose="020B0502040204020203" pitchFamily="34" charset="0"/>
+                <a:cs typeface="Segoe UI Light" panose="020B0502040204020203" pitchFamily="34" charset="0"/>
+              </a:rPr>
+              <a:t>„Čože? To mám napísať triedu, ktorá sa má dať rozširovať, ale nemôžem ju meniť.</a:t>
+            </a:r>
+            <a:br>
+              <a:rPr lang="sk-SK" sz="5400" i="1" dirty="0" smtClean="0">
+                <a:solidFill>
+                  <a:schemeClr val="tx1"/>
+                </a:solidFill>
+                <a:effectLst/>
+                <a:latin typeface="Segoe UI Light" panose="020B0502040204020203" pitchFamily="34" charset="0"/>
+                <a:cs typeface="Segoe UI Light" panose="020B0502040204020203" pitchFamily="34" charset="0"/>
+              </a:rPr>
+            </a:br>
+            <a:r>
+              <a:rPr lang="sk-SK" sz="5400" i="1" dirty="0" smtClean="0">
+                <a:solidFill>
+                  <a:schemeClr val="tx1"/>
+                </a:solidFill>
+                <a:effectLst/>
+                <a:latin typeface="Segoe UI Light" panose="020B0502040204020203" pitchFamily="34" charset="0"/>
+                <a:cs typeface="Segoe UI Light" panose="020B0502040204020203" pitchFamily="34" charset="0"/>
+              </a:rPr>
+              <a:t>Na čom fičíš?“</a:t>
+            </a:r>
+            <a:endParaRPr lang="sk-SK" sz="5400" i="1" dirty="0">
+              <a:effectLst/>
+              <a:latin typeface="Segoe UI Light" panose="020B0502040204020203" pitchFamily="34" charset="0"/>
+              <a:cs typeface="Segoe UI Light" panose="020B0502040204020203" pitchFamily="34" charset="0"/>
+            </a:endParaRPr>
+          </a:p>
+        </p:txBody>
+      </p:sp>
+      <p:sp>
+        <p:nvSpPr>
+          <p:cNvPr id="5" name="BlokTextu 4"/>
+          <p:cNvSpPr txBox="1"/>
+          <p:nvPr/>
+        </p:nvSpPr>
+        <p:spPr>
+          <a:xfrm>
+            <a:off x="8281554" y="4447307"/>
+            <a:ext cx="2853666" cy="461665"/>
+          </a:xfrm>
+          <a:prstGeom prst="rect">
+            <a:avLst/>
+          </a:prstGeom>
+          <a:noFill/>
+        </p:spPr>
+        <p:txBody>
+          <a:bodyPr wrap="none" rtlCol="0">
+            <a:spAutoFit/>
+          </a:bodyPr>
+          <a:lstStyle/>
+          <a:p>
+            <a:r>
+              <a:rPr lang="sk-SK" sz="2400" dirty="0" smtClean="0">
+                <a:latin typeface="Segoe UI Light" panose="020B0502040204020203" pitchFamily="34" charset="0"/>
+                <a:cs typeface="Segoe UI Light" panose="020B0502040204020203" pitchFamily="34" charset="0"/>
+              </a:rPr>
+              <a:t>„Brilantný“ </a:t>
+            </a:r>
+            <a:r>
+              <a:rPr lang="sk-SK" sz="2400" dirty="0" err="1" smtClean="0">
+                <a:latin typeface="Segoe UI Light" panose="020B0502040204020203" pitchFamily="34" charset="0"/>
+                <a:cs typeface="Segoe UI Light" panose="020B0502040204020203" pitchFamily="34" charset="0"/>
+              </a:rPr>
+              <a:t>kóder</a:t>
+            </a:r>
+            <a:r>
+              <a:rPr lang="sk-SK" sz="2400" dirty="0" smtClean="0">
+                <a:latin typeface="Segoe UI Light" panose="020B0502040204020203" pitchFamily="34" charset="0"/>
+                <a:cs typeface="Segoe UI Light" panose="020B0502040204020203" pitchFamily="34" charset="0"/>
+              </a:rPr>
+              <a:t> č. </a:t>
+            </a:r>
+            <a:r>
+              <a:rPr lang="sk-SK" sz="2400" dirty="0" smtClean="0">
+                <a:latin typeface="Segoe UI Light" panose="020B0502040204020203" pitchFamily="34" charset="0"/>
+                <a:cs typeface="Segoe UI Light" panose="020B0502040204020203" pitchFamily="34" charset="0"/>
+              </a:rPr>
+              <a:t>2</a:t>
+            </a:r>
+            <a:endParaRPr lang="sk-SK" sz="2400" dirty="0">
+              <a:latin typeface="Segoe UI Light" panose="020B0502040204020203" pitchFamily="34" charset="0"/>
+              <a:cs typeface="Segoe UI Light" panose="020B0502040204020203" pitchFamily="34" charset="0"/>
+            </a:endParaRPr>
+          </a:p>
+        </p:txBody>
+      </p:sp>
+    </p:spTree>
+    <p:extLst>
+      <p:ext uri="{BB962C8B-B14F-4D97-AF65-F5344CB8AC3E}">
+        <p14:creationId xmlns:p14="http://schemas.microsoft.com/office/powerpoint/2010/main" val="2237042988"/>
+      </p:ext>
+    </p:extLst>
+  </p:cSld>
+  <p:clrMapOvr>
+    <a:masterClrMapping/>
+  </p:clrMapOvr>
+  <p:timing>
+    <p:tnLst>
+      <p:par>
+        <p:cTn id="1" dur="indefinite" restart="never" nodeType="tmRoot"/>
+      </p:par>
+    </p:tnLst>
+  </p:timing>
+</p:sld>
+</file>
+
+<file path=ppt/slides/slide19.xml><?xml version="1.0" encoding="utf-8"?>
+<p:sld xmlns:a="http://schemas.openxmlformats.org/drawingml/2006/main" xmlns:r="http://schemas.openxmlformats.org/officeDocument/2006/relationships" xmlns:p="http://schemas.openxmlformats.org/presentationml/2006/main">
+  <p:cSld>
+    <p:bg>
+      <p:bgPr>
+        <a:solidFill>
+          <a:srgbClr val="482958"/>
+        </a:solidFill>
+        <a:effectLst/>
+      </p:bgPr>
+    </p:bg>
+    <p:spTree>
+      <p:nvGrpSpPr>
+        <p:cNvPr id="1" name=""/>
+        <p:cNvGrpSpPr/>
+        <p:nvPr/>
+      </p:nvGrpSpPr>
+      <p:grpSpPr>
+        <a:xfrm>
+          <a:off x="0" y="0"/>
+          <a:ext cx="0" cy="0"/>
+          <a:chOff x="0" y="0"/>
+          <a:chExt cx="0" cy="0"/>
+        </a:xfrm>
+      </p:grpSpPr>
+      <p:sp>
+        <p:nvSpPr>
+          <p:cNvPr id="2" name="Nadpis 1"/>
+          <p:cNvSpPr>
+            <a:spLocks noGrp="1"/>
+          </p:cNvSpPr>
+          <p:nvPr>
+            <p:ph type="ctrTitle"/>
+          </p:nvPr>
+        </p:nvSpPr>
+        <p:spPr>
+          <a:xfrm>
+            <a:off x="1" y="2541709"/>
+            <a:ext cx="12192000" cy="1926381"/>
+          </a:xfrm>
+        </p:spPr>
+        <p:txBody>
+          <a:bodyPr wrap="square" lIns="1440000" rIns="1440000" anchor="ctr">
+            <a:noAutofit/>
+          </a:bodyPr>
+          <a:lstStyle/>
+          <a:p>
+            <a:pPr algn="ctr"/>
+            <a:r>
+              <a:rPr lang="sk-SK" sz="5400" i="1" dirty="0" smtClean="0">
+                <a:solidFill>
+                  <a:schemeClr val="tx1"/>
+                </a:solidFill>
+                <a:effectLst/>
+                <a:latin typeface="Segoe UI Light" panose="020B0502040204020203" pitchFamily="34" charset="0"/>
+                <a:cs typeface="Segoe UI Light" panose="020B0502040204020203" pitchFamily="34" charset="0"/>
+              </a:rPr>
+              <a:t>Raz ke</a:t>
+            </a:r>
+            <a:r>
+              <a:rPr lang="sk-SK" sz="5400" i="1" dirty="0" smtClean="0">
+                <a:solidFill>
+                  <a:schemeClr val="tx1"/>
+                </a:solidFill>
+                <a:effectLst/>
+                <a:latin typeface="Segoe UI Light" panose="020B0502040204020203" pitchFamily="34" charset="0"/>
+                <a:cs typeface="Segoe UI Light" panose="020B0502040204020203" pitchFamily="34" charset="0"/>
+              </a:rPr>
+              <a:t>ď je trieda dokončená, tak </a:t>
+            </a:r>
+            <a:r>
+              <a:rPr lang="sk-SK" sz="5400" i="1" smtClean="0">
+                <a:solidFill>
+                  <a:schemeClr val="tx1"/>
+                </a:solidFill>
+                <a:effectLst/>
+                <a:latin typeface="Segoe UI Light" panose="020B0502040204020203" pitchFamily="34" charset="0"/>
+                <a:cs typeface="Segoe UI Light" panose="020B0502040204020203" pitchFamily="34" charset="0"/>
+              </a:rPr>
+              <a:t>je dokončená!</a:t>
+            </a:r>
+            <a:endParaRPr lang="sk-SK" sz="5400" i="1" dirty="0">
+              <a:effectLst/>
+              <a:latin typeface="Segoe UI Light" panose="020B0502040204020203" pitchFamily="34" charset="0"/>
+              <a:cs typeface="Segoe UI Light" panose="020B0502040204020203" pitchFamily="34" charset="0"/>
+            </a:endParaRPr>
+          </a:p>
+        </p:txBody>
+      </p:sp>
+    </p:spTree>
+    <p:extLst>
+      <p:ext uri="{BB962C8B-B14F-4D97-AF65-F5344CB8AC3E}">
+        <p14:creationId xmlns:p14="http://schemas.microsoft.com/office/powerpoint/2010/main" val="2582924545"/>
       </p:ext>
     </p:extLst>
   </p:cSld>
@@ -6707,6 +8715,266 @@
     <p:extLst>
       <p:ext uri="{BB962C8B-B14F-4D97-AF65-F5344CB8AC3E}">
         <p14:creationId xmlns:p14="http://schemas.microsoft.com/office/powerpoint/2010/main" val="3141448550"/>
+      </p:ext>
+    </p:extLst>
+  </p:cSld>
+  <p:clrMapOvr>
+    <a:masterClrMapping/>
+  </p:clrMapOvr>
+  <p:timing>
+    <p:tnLst>
+      <p:par>
+        <p:cTn id="1" dur="indefinite" restart="never" nodeType="tmRoot"/>
+      </p:par>
+    </p:tnLst>
+  </p:timing>
+</p:sld>
+</file>
+
+<file path=ppt/slides/slide20.xml><?xml version="1.0" encoding="utf-8"?>
+<p:sld xmlns:a="http://schemas.openxmlformats.org/drawingml/2006/main" xmlns:r="http://schemas.openxmlformats.org/officeDocument/2006/relationships" xmlns:p="http://schemas.openxmlformats.org/presentationml/2006/main">
+  <p:cSld>
+    <p:bg>
+      <p:bgPr>
+        <a:solidFill>
+          <a:srgbClr val="482958"/>
+        </a:solidFill>
+        <a:effectLst/>
+      </p:bgPr>
+    </p:bg>
+    <p:spTree>
+      <p:nvGrpSpPr>
+        <p:cNvPr id="1" name=""/>
+        <p:cNvGrpSpPr/>
+        <p:nvPr/>
+      </p:nvGrpSpPr>
+      <p:grpSpPr>
+        <a:xfrm>
+          <a:off x="0" y="0"/>
+          <a:ext cx="0" cy="0"/>
+          <a:chOff x="0" y="0"/>
+          <a:chExt cx="0" cy="0"/>
+        </a:xfrm>
+      </p:grpSpPr>
+      <p:sp>
+        <p:nvSpPr>
+          <p:cNvPr id="2" name="Nadpis 1"/>
+          <p:cNvSpPr>
+            <a:spLocks noGrp="1"/>
+          </p:cNvSpPr>
+          <p:nvPr>
+            <p:ph type="ctrTitle"/>
+          </p:nvPr>
+        </p:nvSpPr>
+        <p:spPr>
+          <a:xfrm>
+            <a:off x="0" y="1710437"/>
+            <a:ext cx="12192000" cy="1641490"/>
+          </a:xfrm>
+        </p:spPr>
+        <p:txBody>
+          <a:bodyPr>
+            <a:noAutofit/>
+          </a:bodyPr>
+          <a:lstStyle/>
+          <a:p>
+            <a:pPr algn="ctr"/>
+            <a:r>
+              <a:rPr lang="sk-SK" sz="5400" dirty="0" smtClean="0">
+                <a:solidFill>
+                  <a:schemeClr val="tx1"/>
+                </a:solidFill>
+                <a:effectLst/>
+                <a:latin typeface="Segoe UI Light" panose="020B0502040204020203" pitchFamily="34" charset="0"/>
+                <a:cs typeface="Segoe UI Light" panose="020B0502040204020203" pitchFamily="34" charset="0"/>
+              </a:rPr>
+              <a:t>Otázky ???</a:t>
+            </a:r>
+            <a:endParaRPr lang="sk-SK" sz="5400" dirty="0">
+              <a:effectLst/>
+              <a:latin typeface="Segoe UI Light" panose="020B0502040204020203" pitchFamily="34" charset="0"/>
+              <a:cs typeface="Segoe UI Light" panose="020B0502040204020203" pitchFamily="34" charset="0"/>
+            </a:endParaRPr>
+          </a:p>
+        </p:txBody>
+      </p:sp>
+      <p:sp>
+        <p:nvSpPr>
+          <p:cNvPr id="4" name="Podnadpis 3"/>
+          <p:cNvSpPr>
+            <a:spLocks noGrp="1"/>
+          </p:cNvSpPr>
+          <p:nvPr>
+            <p:ph type="subTitle" idx="1"/>
+          </p:nvPr>
+        </p:nvSpPr>
+        <p:spPr>
+          <a:xfrm>
+            <a:off x="3023756" y="3694375"/>
+            <a:ext cx="8323118" cy="2447234"/>
+          </a:xfrm>
+        </p:spPr>
+        <p:txBody>
+          <a:bodyPr anchor="t">
+            <a:normAutofit fontScale="92500" lnSpcReduction="10000"/>
+          </a:bodyPr>
+          <a:lstStyle/>
+          <a:p>
+            <a:pPr algn="l"/>
+            <a:r>
+              <a:rPr lang="sk-SK" dirty="0" smtClean="0">
+                <a:latin typeface="Segoe UI Light" panose="020B0502040204020203" pitchFamily="34" charset="0"/>
+                <a:cs typeface="Segoe UI Light" panose="020B0502040204020203" pitchFamily="34" charset="0"/>
+              </a:rPr>
+              <a:t>Milan Martiniak</a:t>
+            </a:r>
+          </a:p>
+          <a:p>
+            <a:pPr algn="l"/>
+            <a:r>
+              <a:rPr lang="en-US" dirty="0">
+                <a:latin typeface="Segoe UI Light" panose="020B0502040204020203" pitchFamily="34" charset="0"/>
+                <a:cs typeface="Segoe UI Light" panose="020B0502040204020203" pitchFamily="34" charset="0"/>
+              </a:rPr>
+              <a:t>m</a:t>
+            </a:r>
+            <a:r>
+              <a:rPr lang="sk-SK" dirty="0" err="1" smtClean="0">
+                <a:latin typeface="Segoe UI Light" panose="020B0502040204020203" pitchFamily="34" charset="0"/>
+                <a:cs typeface="Segoe UI Light" panose="020B0502040204020203" pitchFamily="34" charset="0"/>
+              </a:rPr>
+              <a:t>artiniak</a:t>
+            </a:r>
+            <a:r>
+              <a:rPr lang="en-US" dirty="0" smtClean="0">
+                <a:latin typeface="Segoe UI Light" panose="020B0502040204020203" pitchFamily="34" charset="0"/>
+                <a:cs typeface="Segoe UI Light" panose="020B0502040204020203" pitchFamily="34" charset="0"/>
+              </a:rPr>
+              <a:t>@kros.sk</a:t>
+            </a:r>
+          </a:p>
+          <a:p>
+            <a:pPr algn="l"/>
+            <a:r>
+              <a:rPr lang="en-US" dirty="0" smtClean="0">
+                <a:latin typeface="Segoe UI Light" panose="020B0502040204020203" pitchFamily="34" charset="0"/>
+                <a:cs typeface="Segoe UI Light" panose="020B0502040204020203" pitchFamily="34" charset="0"/>
+              </a:rPr>
+              <a:t>@</a:t>
+            </a:r>
+            <a:r>
+              <a:rPr lang="en-US" dirty="0" err="1" smtClean="0">
+                <a:latin typeface="Segoe UI Light" panose="020B0502040204020203" pitchFamily="34" charset="0"/>
+                <a:cs typeface="Segoe UI Light" panose="020B0502040204020203" pitchFamily="34" charset="0"/>
+              </a:rPr>
+              <a:t>MinoMartiniak</a:t>
+            </a:r>
+            <a:endParaRPr lang="en-US" dirty="0" smtClean="0">
+              <a:latin typeface="Segoe UI Light" panose="020B0502040204020203" pitchFamily="34" charset="0"/>
+              <a:cs typeface="Segoe UI Light" panose="020B0502040204020203" pitchFamily="34" charset="0"/>
+            </a:endParaRPr>
+          </a:p>
+          <a:p>
+            <a:pPr algn="l"/>
+            <a:r>
+              <a:rPr lang="en-US" dirty="0">
+                <a:latin typeface="Segoe UI Light" panose="020B0502040204020203" pitchFamily="34" charset="0"/>
+                <a:cs typeface="Segoe UI Light" panose="020B0502040204020203" pitchFamily="34" charset="0"/>
+              </a:rPr>
+              <a:t>https://github.com/Burgyn</a:t>
+            </a:r>
+            <a:r>
+              <a:rPr lang="en-US" dirty="0" smtClean="0">
+                <a:latin typeface="Segoe UI Light" panose="020B0502040204020203" pitchFamily="34" charset="0"/>
+                <a:cs typeface="Segoe UI Light" panose="020B0502040204020203" pitchFamily="34" charset="0"/>
+              </a:rPr>
+              <a:t>/</a:t>
+            </a:r>
+            <a:endParaRPr lang="sk-SK" dirty="0" smtClean="0">
+              <a:latin typeface="Segoe UI Light" panose="020B0502040204020203" pitchFamily="34" charset="0"/>
+              <a:cs typeface="Segoe UI Light" panose="020B0502040204020203" pitchFamily="34" charset="0"/>
+            </a:endParaRPr>
+          </a:p>
+          <a:p>
+            <a:pPr algn="l"/>
+            <a:r>
+              <a:rPr lang="en-US" dirty="0">
+                <a:latin typeface="Segoe UI Light" panose="020B0502040204020203" pitchFamily="34" charset="0"/>
+                <a:cs typeface="Segoe UI Light" panose="020B0502040204020203" pitchFamily="34" charset="0"/>
+              </a:rPr>
+              <a:t>http://kariera.kros.sk</a:t>
+            </a:r>
+            <a:endParaRPr lang="en-US" dirty="0">
+              <a:latin typeface="Segoe UI Light" panose="020B0502040204020203" pitchFamily="34" charset="0"/>
+              <a:cs typeface="Segoe UI Light" panose="020B0502040204020203" pitchFamily="34" charset="0"/>
+            </a:endParaRPr>
+          </a:p>
+        </p:txBody>
+      </p:sp>
+      <p:pic>
+        <p:nvPicPr>
+          <p:cNvPr id="5" name="Obrázok 4"/>
+          <p:cNvPicPr>
+            <a:picLocks noChangeAspect="1"/>
+          </p:cNvPicPr>
+          <p:nvPr/>
+        </p:nvPicPr>
+        <p:blipFill>
+          <a:blip r:embed="rId3" cstate="print">
+            <a:extLst>
+              <a:ext uri="{28A0092B-C50C-407E-A947-70E740481C1C}">
+                <a14:useLocalDpi xmlns:a14="http://schemas.microsoft.com/office/drawing/2010/main" val="0"/>
+              </a:ext>
+            </a:extLst>
+          </a:blip>
+          <a:stretch>
+            <a:fillRect/>
+          </a:stretch>
+        </p:blipFill>
+        <p:spPr>
+          <a:xfrm>
+            <a:off x="399177" y="3621329"/>
+            <a:ext cx="2520280" cy="2520280"/>
+          </a:xfrm>
+          <a:prstGeom prst="rect">
+            <a:avLst/>
+          </a:prstGeom>
+        </p:spPr>
+      </p:pic>
+      <p:pic>
+        <p:nvPicPr>
+          <p:cNvPr id="6" name="Obrázok 5"/>
+          <p:cNvPicPr>
+            <a:picLocks noChangeAspect="1"/>
+          </p:cNvPicPr>
+          <p:nvPr/>
+        </p:nvPicPr>
+        <p:blipFill>
+          <a:blip r:embed="rId4">
+            <a:extLst>
+              <a:ext uri="{28A0092B-C50C-407E-A947-70E740481C1C}">
+                <a14:useLocalDpi xmlns:a14="http://schemas.microsoft.com/office/drawing/2010/main" val="0"/>
+              </a:ext>
+            </a:extLst>
+          </a:blip>
+          <a:stretch>
+            <a:fillRect/>
+          </a:stretch>
+        </p:blipFill>
+        <p:spPr>
+          <a:xfrm>
+            <a:off x="9662480" y="4781183"/>
+            <a:ext cx="2390775" cy="1914525"/>
+          </a:xfrm>
+          <a:prstGeom prst="rect">
+            <a:avLst/>
+          </a:prstGeom>
+        </p:spPr>
+      </p:pic>
+    </p:spTree>
+    <p:extLst>
+      <p:ext uri="{BB962C8B-B14F-4D97-AF65-F5344CB8AC3E}">
+        <p14:creationId xmlns:p14="http://schemas.microsoft.com/office/powerpoint/2010/main" val="1019827738"/>
       </p:ext>
     </p:extLst>
   </p:cSld>
@@ -9001,4 +11269,265 @@
     </a:ext>
   </a:extLst>
 </a:theme>
+</file>
+
+<file path=ppt/theme/theme2.xml><?xml version="1.0" encoding="utf-8"?>
+<a:theme xmlns:a="http://schemas.openxmlformats.org/drawingml/2006/main" name="Motív balíka Office">
+  <a:themeElements>
+    <a:clrScheme name="Office">
+      <a:dk1>
+        <a:sysClr val="windowText" lastClr="000000"/>
+      </a:dk1>
+      <a:lt1>
+        <a:sysClr val="window" lastClr="FFFFFF"/>
+      </a:lt1>
+      <a:dk2>
+        <a:srgbClr val="44546A"/>
+      </a:dk2>
+      <a:lt2>
+        <a:srgbClr val="E7E6E6"/>
+      </a:lt2>
+      <a:accent1>
+        <a:srgbClr val="5B9BD5"/>
+      </a:accent1>
+      <a:accent2>
+        <a:srgbClr val="ED7D31"/>
+      </a:accent2>
+      <a:accent3>
+        <a:srgbClr val="A5A5A5"/>
+      </a:accent3>
+      <a:accent4>
+        <a:srgbClr val="FFC000"/>
+      </a:accent4>
+      <a:accent5>
+        <a:srgbClr val="4472C4"/>
+      </a:accent5>
+      <a:accent6>
+        <a:srgbClr val="70AD47"/>
+      </a:accent6>
+      <a:hlink>
+        <a:srgbClr val="0563C1"/>
+      </a:hlink>
+      <a:folHlink>
+        <a:srgbClr val="954F72"/>
+      </a:folHlink>
+    </a:clrScheme>
+    <a:fontScheme name="Office">
+      <a:majorFont>
+        <a:latin typeface="Calibri Light" panose="020F0302020204030204"/>
+        <a:ea typeface=""/>
+        <a:cs typeface=""/>
+        <a:font script="Jpan" typeface="游ゴシック Light"/>
+        <a:font script="Hang" typeface="맑은 고딕"/>
+        <a:font script="Hans" typeface="等线 Light"/>
+        <a:font script="Hant" typeface="新細明體"/>
+        <a:font script="Arab" typeface="Times New Roman"/>
+        <a:font script="Hebr" typeface="Times New Roman"/>
+        <a:font script="Thai" typeface="Angsana New"/>
+        <a:font script="Ethi" typeface="Nyala"/>
+        <a:font script="Beng" typeface="Vrinda"/>
+        <a:font script="Gujr" typeface="Shruti"/>
+        <a:font script="Khmr" typeface="MoolBoran"/>
+        <a:font script="Knda" typeface="Tunga"/>
+        <a:font script="Guru" typeface="Raavi"/>
+        <a:font script="Cans" typeface="Euphemia"/>
+        <a:font script="Cher" typeface="Plantagenet Cherokee"/>
+        <a:font script="Yiii" typeface="Microsoft Yi Baiti"/>
+        <a:font script="Tibt" typeface="Microsoft Himalaya"/>
+        <a:font script="Thaa" typeface="MV Boli"/>
+        <a:font script="Deva" typeface="Mangal"/>
+        <a:font script="Telu" typeface="Gautami"/>
+        <a:font script="Taml" typeface="Latha"/>
+        <a:font script="Syrc" typeface="Estrangelo Edessa"/>
+        <a:font script="Orya" typeface="Kalinga"/>
+        <a:font script="Mlym" typeface="Kartika"/>
+        <a:font script="Laoo" typeface="DokChampa"/>
+        <a:font script="Sinh" typeface="Iskoola Pota"/>
+        <a:font script="Mong" typeface="Mongolian Baiti"/>
+        <a:font script="Viet" typeface="Times New Roman"/>
+        <a:font script="Uigh" typeface="Microsoft Uighur"/>
+        <a:font script="Geor" typeface="Sylfaen"/>
+      </a:majorFont>
+      <a:minorFont>
+        <a:latin typeface="Calibri" panose="020F0502020204030204"/>
+        <a:ea typeface=""/>
+        <a:cs typeface=""/>
+        <a:font script="Jpan" typeface="游ゴシック"/>
+        <a:font script="Hang" typeface="맑은 고딕"/>
+        <a:font script="Hans" typeface="等线"/>
+        <a:font script="Hant" typeface="新細明體"/>
+        <a:font script="Arab" typeface="Arial"/>
+        <a:font script="Hebr" typeface="Arial"/>
+        <a:font script="Thai" typeface="Cordia New"/>
+        <a:font script="Ethi" typeface="Nyala"/>
+        <a:font script="Beng" typeface="Vrinda"/>
+        <a:font script="Gujr" typeface="Shruti"/>
+        <a:font script="Khmr" typeface="DaunPenh"/>
+        <a:font script="Knda" typeface="Tunga"/>
+        <a:font script="Guru" typeface="Raavi"/>
+        <a:font script="Cans" typeface="Euphemia"/>
+        <a:font script="Cher" typeface="Plantagenet Cherokee"/>
+        <a:font script="Yiii" typeface="Microsoft Yi Baiti"/>
+        <a:font script="Tibt" typeface="Microsoft Himalaya"/>
+        <a:font script="Thaa" typeface="MV Boli"/>
+        <a:font script="Deva" typeface="Mangal"/>
+        <a:font script="Telu" typeface="Gautami"/>
+        <a:font script="Taml" typeface="Latha"/>
+        <a:font script="Syrc" typeface="Estrangelo Edessa"/>
+        <a:font script="Orya" typeface="Kalinga"/>
+        <a:font script="Mlym" typeface="Kartika"/>
+        <a:font script="Laoo" typeface="DokChampa"/>
+        <a:font script="Sinh" typeface="Iskoola Pota"/>
+        <a:font script="Mong" typeface="Mongolian Baiti"/>
+        <a:font script="Viet" typeface="Arial"/>
+        <a:font script="Uigh" typeface="Microsoft Uighur"/>
+        <a:font script="Geor" typeface="Sylfaen"/>
+      </a:minorFont>
+    </a:fontScheme>
+    <a:fmtScheme name="Office">
+      <a:fillStyleLst>
+        <a:solidFill>
+          <a:schemeClr val="phClr"/>
+        </a:solidFill>
+        <a:gradFill rotWithShape="1">
+          <a:gsLst>
+            <a:gs pos="0">
+              <a:schemeClr val="phClr">
+                <a:lumMod val="110000"/>
+                <a:satMod val="105000"/>
+                <a:tint val="67000"/>
+              </a:schemeClr>
+            </a:gs>
+            <a:gs pos="50000">
+              <a:schemeClr val="phClr">
+                <a:lumMod val="105000"/>
+                <a:satMod val="103000"/>
+                <a:tint val="73000"/>
+              </a:schemeClr>
+            </a:gs>
+            <a:gs pos="100000">
+              <a:schemeClr val="phClr">
+                <a:lumMod val="105000"/>
+                <a:satMod val="109000"/>
+                <a:tint val="81000"/>
+              </a:schemeClr>
+            </a:gs>
+          </a:gsLst>
+          <a:lin ang="5400000" scaled="0"/>
+        </a:gradFill>
+        <a:gradFill rotWithShape="1">
+          <a:gsLst>
+            <a:gs pos="0">
+              <a:schemeClr val="phClr">
+                <a:satMod val="103000"/>
+                <a:lumMod val="102000"/>
+                <a:tint val="94000"/>
+              </a:schemeClr>
+            </a:gs>
+            <a:gs pos="50000">
+              <a:schemeClr val="phClr">
+                <a:satMod val="110000"/>
+                <a:lumMod val="100000"/>
+                <a:shade val="100000"/>
+              </a:schemeClr>
+            </a:gs>
+            <a:gs pos="100000">
+              <a:schemeClr val="phClr">
+                <a:lumMod val="99000"/>
+                <a:satMod val="120000"/>
+                <a:shade val="78000"/>
+              </a:schemeClr>
+            </a:gs>
+          </a:gsLst>
+          <a:lin ang="5400000" scaled="0"/>
+        </a:gradFill>
+      </a:fillStyleLst>
+      <a:lnStyleLst>
+        <a:ln w="6350" cap="flat" cmpd="sng" algn="ctr">
+          <a:solidFill>
+            <a:schemeClr val="phClr"/>
+          </a:solidFill>
+          <a:prstDash val="solid"/>
+          <a:miter lim="800000"/>
+        </a:ln>
+        <a:ln w="12700" cap="flat" cmpd="sng" algn="ctr">
+          <a:solidFill>
+            <a:schemeClr val="phClr"/>
+          </a:solidFill>
+          <a:prstDash val="solid"/>
+          <a:miter lim="800000"/>
+        </a:ln>
+        <a:ln w="19050" cap="flat" cmpd="sng" algn="ctr">
+          <a:solidFill>
+            <a:schemeClr val="phClr"/>
+          </a:solidFill>
+          <a:prstDash val="solid"/>
+          <a:miter lim="800000"/>
+        </a:ln>
+      </a:lnStyleLst>
+      <a:effectStyleLst>
+        <a:effectStyle>
+          <a:effectLst/>
+        </a:effectStyle>
+        <a:effectStyle>
+          <a:effectLst/>
+        </a:effectStyle>
+        <a:effectStyle>
+          <a:effectLst>
+            <a:outerShdw blurRad="57150" dist="19050" dir="5400000" algn="ctr" rotWithShape="0">
+              <a:srgbClr val="000000">
+                <a:alpha val="63000"/>
+              </a:srgbClr>
+            </a:outerShdw>
+          </a:effectLst>
+        </a:effectStyle>
+      </a:effectStyleLst>
+      <a:bgFillStyleLst>
+        <a:solidFill>
+          <a:schemeClr val="phClr"/>
+        </a:solidFill>
+        <a:solidFill>
+          <a:schemeClr val="phClr">
+            <a:tint val="95000"/>
+            <a:satMod val="170000"/>
+          </a:schemeClr>
+        </a:solidFill>
+        <a:gradFill rotWithShape="1">
+          <a:gsLst>
+            <a:gs pos="0">
+              <a:schemeClr val="phClr">
+                <a:tint val="93000"/>
+                <a:satMod val="150000"/>
+                <a:shade val="98000"/>
+                <a:lumMod val="102000"/>
+              </a:schemeClr>
+            </a:gs>
+            <a:gs pos="50000">
+              <a:schemeClr val="phClr">
+                <a:tint val="98000"/>
+                <a:satMod val="130000"/>
+                <a:shade val="90000"/>
+                <a:lumMod val="103000"/>
+              </a:schemeClr>
+            </a:gs>
+            <a:gs pos="100000">
+              <a:schemeClr val="phClr">
+                <a:shade val="63000"/>
+                <a:satMod val="120000"/>
+              </a:schemeClr>
+            </a:gs>
+          </a:gsLst>
+          <a:lin ang="5400000" scaled="0"/>
+        </a:gradFill>
+      </a:bgFillStyleLst>
+    </a:fmtScheme>
+  </a:themeElements>
+  <a:objectDefaults/>
+  <a:extraClrSchemeLst/>
+  <a:extLst>
+    <a:ext uri="{05A4C25C-085E-4340-85A3-A5531E510DB2}">
+      <thm15:themeFamily xmlns:thm15="http://schemas.microsoft.com/office/thememl/2012/main" name="Office Theme" id="{62F939B6-93AF-4DB8-9C6B-D6C7DFDC589F}" vid="{4A3C46E8-61CC-4603-A589-7422A47A8E4A}"/>
+    </a:ext>
+  </a:extLst>
+</a:theme>
 </file>
--- a/SOLIDPrinciples.pptx
+++ b/SOLIDPrinciples.pptx
@@ -5,7 +5,7 @@
     <p:sldMasterId id="2147483648" r:id="rId1"/>
   </p:sldMasterIdLst>
   <p:notesMasterIdLst>
-    <p:notesMasterId r:id="rId29"/>
+    <p:notesMasterId r:id="rId41"/>
   </p:notesMasterIdLst>
   <p:sldIdLst>
     <p:sldId id="257" r:id="rId2"/>
@@ -33,8 +33,20 @@
     <p:sldId id="276" r:id="rId24"/>
     <p:sldId id="277" r:id="rId25"/>
     <p:sldId id="284" r:id="rId26"/>
-    <p:sldId id="283" r:id="rId27"/>
-    <p:sldId id="258" r:id="rId28"/>
+    <p:sldId id="285" r:id="rId27"/>
+    <p:sldId id="286" r:id="rId28"/>
+    <p:sldId id="287" r:id="rId29"/>
+    <p:sldId id="288" r:id="rId30"/>
+    <p:sldId id="289" r:id="rId31"/>
+    <p:sldId id="290" r:id="rId32"/>
+    <p:sldId id="291" r:id="rId33"/>
+    <p:sldId id="292" r:id="rId34"/>
+    <p:sldId id="293" r:id="rId35"/>
+    <p:sldId id="294" r:id="rId36"/>
+    <p:sldId id="295" r:id="rId37"/>
+    <p:sldId id="296" r:id="rId38"/>
+    <p:sldId id="283" r:id="rId39"/>
+    <p:sldId id="258" r:id="rId40"/>
   </p:sldIdLst>
   <p:sldSz cx="12192000" cy="6858000"/>
   <p:notesSz cx="6858000" cy="9144000"/>
@@ -223,7 +235,7 @@
           <a:p>
             <a:fld id="{B6797C0A-B3BF-45C1-AF59-5C8973714672}" type="datetimeFigureOut">
               <a:rPr lang="sk-SK" smtClean="0"/>
-              <a:t>7. 12. 2017</a:t>
+              <a:t>8. 12. 2017</a:t>
             </a:fld>
             <a:endParaRPr lang="sk-SK"/>
           </a:p>
@@ -1895,6 +1907,15 @@
               </a:rPr>
               <a:t> Bob. 1996</a:t>
             </a:r>
+            <a:endParaRPr lang="sk-SK" sz="1200" b="0" kern="1200" dirty="0">
+              <a:solidFill>
+                <a:schemeClr val="tx1"/>
+              </a:solidFill>
+              <a:effectLst/>
+              <a:latin typeface="+mn-lt"/>
+              <a:ea typeface="+mn-ea"/>
+              <a:cs typeface="+mn-cs"/>
+            </a:endParaRPr>
           </a:p>
         </p:txBody>
       </p:sp>
@@ -2008,6 +2029,9 @@
               <a:t>Trieda má mať jeden, len jeden dôvod na zmenu.</a:t>
             </a:r>
           </a:p>
+          <a:p>
+            <a:endParaRPr lang="sk-SK" dirty="0"/>
+          </a:p>
         </p:txBody>
       </p:sp>
       <p:sp>
@@ -2027,7 +2051,7 @@
           <a:p>
             <a:fld id="{8683B77B-E50F-4F41-84C3-C1D230689A8D}" type="slidenum">
               <a:rPr lang="sk-SK" smtClean="0"/>
-              <a:t>16</a:t>
+              <a:t>15</a:t>
             </a:fld>
             <a:endParaRPr lang="sk-SK"/>
           </a:p>
@@ -2036,7 +2060,7 @@
     </p:spTree>
     <p:extLst>
       <p:ext uri="{BB962C8B-B14F-4D97-AF65-F5344CB8AC3E}">
-        <p14:creationId xmlns:p14="http://schemas.microsoft.com/office/powerpoint/2010/main" val="2024302441"/>
+        <p14:creationId xmlns:p14="http://schemas.microsoft.com/office/powerpoint/2010/main" val="903436966"/>
       </p:ext>
     </p:extLst>
   </p:cSld>
@@ -2090,15 +2114,6 @@
           <a:bodyPr/>
           <a:lstStyle/>
           <a:p>
-            <a:r>
-              <a:rPr lang="sk-SK" dirty="0" smtClean="0"/>
-              <a:t>Mám radšej túto definíciu.</a:t>
-            </a:r>
-          </a:p>
-          <a:p>
-            <a:endParaRPr lang="sk-SK" dirty="0" smtClean="0"/>
-          </a:p>
-          <a:p>
             <a:pPr marL="0" marR="0" lvl="0" indent="0" algn="l" defTabSz="914400" rtl="0" eaLnBrk="1" fontAlgn="auto" latinLnBrk="0" hangingPunct="1">
               <a:lnSpc>
                 <a:spcPct val="100000"/>
@@ -2117,41 +2132,17 @@
               <a:defRPr/>
             </a:pPr>
             <a:r>
-              <a:rPr lang="sk-SK" dirty="0" smtClean="0"/>
-              <a:t>Neznamená to, že trieda</a:t>
-            </a:r>
-            <a:r>
-              <a:rPr lang="sk-SK" baseline="0" dirty="0" smtClean="0"/>
-              <a:t> má mať len jednu metódu, respektíve vlastnosť.</a:t>
-            </a:r>
-            <a:endParaRPr lang="sk-SK" dirty="0" smtClean="0"/>
-          </a:p>
-          <a:p>
-            <a:endParaRPr lang="sk-SK" dirty="0" smtClean="0"/>
-          </a:p>
-          <a:p>
-            <a:r>
-              <a:rPr lang="sk-SK" dirty="0" smtClean="0"/>
-              <a:t>To znamená, že trieda má spracovávať len jednu používateľskú požiadavku / potrebu. Keď sa táto zmení, tak môžem zmeniť aj danú triedu.</a:t>
-            </a:r>
-          </a:p>
-          <a:p>
-            <a:r>
-              <a:rPr lang="sk-SK" dirty="0" smtClean="0"/>
-              <a:t>Trieda má mať jedinú zodpovednosť pre jednu požiadavku. </a:t>
-            </a:r>
-          </a:p>
-          <a:p>
-            <a:endParaRPr lang="sk-SK" dirty="0" smtClean="0"/>
-          </a:p>
-          <a:p>
-            <a:r>
-              <a:rPr lang="sk-SK" dirty="0" smtClean="0"/>
-              <a:t>Tak sa pozrime na našu aplikáciu ešte raz.</a:t>
-            </a:r>
-          </a:p>
-          <a:p>
-            <a:endParaRPr lang="sk-SK" dirty="0" smtClean="0"/>
+              <a:rPr lang="sk-SK" sz="1200" b="0" kern="1200" dirty="0" smtClean="0">
+                <a:solidFill>
+                  <a:schemeClr val="tx1"/>
+                </a:solidFill>
+                <a:effectLst/>
+                <a:latin typeface="+mn-lt"/>
+                <a:ea typeface="+mn-ea"/>
+                <a:cs typeface="+mn-cs"/>
+              </a:rPr>
+              <a:t>Trieda má mať jeden, len jeden dôvod na zmenu.</a:t>
+            </a:r>
           </a:p>
         </p:txBody>
       </p:sp>
@@ -2172,7 +2163,7 @@
           <a:p>
             <a:fld id="{8683B77B-E50F-4F41-84C3-C1D230689A8D}" type="slidenum">
               <a:rPr lang="sk-SK" smtClean="0"/>
-              <a:t>18</a:t>
+              <a:t>16</a:t>
             </a:fld>
             <a:endParaRPr lang="sk-SK"/>
           </a:p>
@@ -2181,7 +2172,7 @@
     </p:spTree>
     <p:extLst>
       <p:ext uri="{BB962C8B-B14F-4D97-AF65-F5344CB8AC3E}">
-        <p14:creationId xmlns:p14="http://schemas.microsoft.com/office/powerpoint/2010/main" val="854743627"/>
+        <p14:creationId xmlns:p14="http://schemas.microsoft.com/office/powerpoint/2010/main" val="2024302441"/>
       </p:ext>
     </p:extLst>
   </p:cSld>
@@ -2235,6 +2226,37 @@
           <a:bodyPr/>
           <a:lstStyle/>
           <a:p>
+            <a:pPr marL="0" marR="0" lvl="0" indent="0" algn="l" defTabSz="914400" rtl="0" eaLnBrk="1" fontAlgn="auto" latinLnBrk="0" hangingPunct="1">
+              <a:lnSpc>
+                <a:spcPct val="100000"/>
+              </a:lnSpc>
+              <a:spcBef>
+                <a:spcPts val="0"/>
+              </a:spcBef>
+              <a:spcAft>
+                <a:spcPts val="0"/>
+              </a:spcAft>
+              <a:buClrTx/>
+              <a:buSzTx/>
+              <a:buFontTx/>
+              <a:buNone/>
+              <a:tabLst/>
+              <a:defRPr/>
+            </a:pPr>
+            <a:r>
+              <a:rPr lang="pl-PL" sz="1200" b="0" kern="1200" dirty="0" smtClean="0">
+                <a:solidFill>
+                  <a:schemeClr val="tx1"/>
+                </a:solidFill>
+                <a:effectLst/>
+                <a:latin typeface="+mn-lt"/>
+                <a:ea typeface="+mn-ea"/>
+                <a:cs typeface="+mn-cs"/>
+              </a:rPr>
+              <a:t>Ok, ale veď tu je predsa vždy len jeden dôvod. A to zmena pôvodných požiadaviek.</a:t>
+            </a:r>
+          </a:p>
+          <a:p>
             <a:endParaRPr lang="sk-SK" dirty="0"/>
           </a:p>
         </p:txBody>
@@ -2256,7 +2278,7 @@
           <a:p>
             <a:fld id="{8683B77B-E50F-4F41-84C3-C1D230689A8D}" type="slidenum">
               <a:rPr lang="sk-SK" smtClean="0"/>
-              <a:t>19</a:t>
+              <a:t>17</a:t>
             </a:fld>
             <a:endParaRPr lang="sk-SK"/>
           </a:p>
@@ -2265,7 +2287,7 @@
     </p:spTree>
     <p:extLst>
       <p:ext uri="{BB962C8B-B14F-4D97-AF65-F5344CB8AC3E}">
-        <p14:creationId xmlns:p14="http://schemas.microsoft.com/office/powerpoint/2010/main" val="644372437"/>
+        <p14:creationId xmlns:p14="http://schemas.microsoft.com/office/powerpoint/2010/main" val="3008613109"/>
       </p:ext>
     </p:extLst>
   </p:cSld>
@@ -2321,24 +2343,11 @@
           <a:p>
             <a:r>
               <a:rPr lang="sk-SK" dirty="0" smtClean="0"/>
-              <a:t>Lepšia čitateľnosť.</a:t>
-            </a:r>
-          </a:p>
-          <a:p>
-            <a:r>
-              <a:rPr lang="sk-SK" dirty="0" smtClean="0"/>
-              <a:t>Lepšia</a:t>
-            </a:r>
-            <a:r>
-              <a:rPr lang="sk-SK" baseline="0" dirty="0" smtClean="0"/>
-              <a:t> udržateľnosť kódu.</a:t>
-            </a:r>
-          </a:p>
-          <a:p>
-            <a:r>
-              <a:rPr lang="sk-SK" baseline="0" dirty="0" smtClean="0"/>
-              <a:t>Ak príde požiadavka na zmenu načítavania dát viem kam ísť.</a:t>
-            </a:r>
+              <a:t>Mám radšej túto definíciu.</a:t>
+            </a:r>
+          </a:p>
+          <a:p>
+            <a:endParaRPr lang="sk-SK" dirty="0" smtClean="0"/>
           </a:p>
           <a:p>
             <a:pPr marL="0" marR="0" lvl="0" indent="0" algn="l" defTabSz="914400" rtl="0" eaLnBrk="1" fontAlgn="auto" latinLnBrk="0" hangingPunct="1">
@@ -2359,279 +2368,41 @@
               <a:defRPr/>
             </a:pPr>
             <a:r>
+              <a:rPr lang="sk-SK" dirty="0" smtClean="0"/>
+              <a:t>Neznamená to, že trieda</a:t>
+            </a:r>
+            <a:r>
               <a:rPr lang="sk-SK" baseline="0" dirty="0" smtClean="0"/>
-              <a:t>Ak príde požiadavka na zmenu </a:t>
-            </a:r>
-            <a:r>
-              <a:rPr lang="sk-SK" baseline="0" dirty="0" err="1" smtClean="0"/>
-              <a:t>formatovania</a:t>
-            </a:r>
-            <a:r>
-              <a:rPr lang="sk-SK" baseline="0" dirty="0" smtClean="0"/>
-              <a:t> dát viem kam ísť.</a:t>
-            </a:r>
-          </a:p>
-          <a:p>
-            <a:pPr marL="0" marR="0" lvl="0" indent="0" algn="l" defTabSz="914400" rtl="0" eaLnBrk="1" fontAlgn="auto" latinLnBrk="0" hangingPunct="1">
-              <a:lnSpc>
-                <a:spcPct val="100000"/>
-              </a:lnSpc>
-              <a:spcBef>
-                <a:spcPts val="0"/>
-              </a:spcBef>
-              <a:spcAft>
-                <a:spcPts val="0"/>
-              </a:spcAft>
-              <a:buClrTx/>
-              <a:buSzTx/>
-              <a:buFontTx/>
-              <a:buNone/>
-              <a:tabLst/>
-              <a:defRPr/>
-            </a:pPr>
-            <a:r>
-              <a:rPr lang="sk-SK" baseline="0" dirty="0" smtClean="0"/>
-              <a:t>čo je v mnohých prípadoch naozaj potrebné.</a:t>
-            </a:r>
-          </a:p>
-          <a:p>
-            <a:pPr marL="0" marR="0" lvl="0" indent="0" algn="l" defTabSz="914400" rtl="0" eaLnBrk="1" fontAlgn="auto" latinLnBrk="0" hangingPunct="1">
-              <a:lnSpc>
-                <a:spcPct val="100000"/>
-              </a:lnSpc>
-              <a:spcBef>
-                <a:spcPts val="0"/>
-              </a:spcBef>
-              <a:spcAft>
-                <a:spcPts val="0"/>
-              </a:spcAft>
-              <a:buClrTx/>
-              <a:buSzTx/>
-              <a:buFontTx/>
-              <a:buNone/>
-              <a:tabLst/>
-              <a:defRPr/>
-            </a:pPr>
-            <a:endParaRPr lang="sk-SK" baseline="0" dirty="0" smtClean="0"/>
-          </a:p>
-          <a:p>
-            <a:pPr marL="0" marR="0" lvl="0" indent="0" algn="l" defTabSz="914400" rtl="0" eaLnBrk="1" fontAlgn="auto" latinLnBrk="0" hangingPunct="1">
-              <a:lnSpc>
-                <a:spcPct val="100000"/>
-              </a:lnSpc>
-              <a:spcBef>
-                <a:spcPts val="0"/>
-              </a:spcBef>
-              <a:spcAft>
-                <a:spcPts val="0"/>
-              </a:spcAft>
-              <a:buClrTx/>
-              <a:buSzTx/>
-              <a:buFontTx/>
-              <a:buNone/>
-              <a:tabLst/>
-              <a:defRPr/>
-            </a:pPr>
-            <a:r>
-              <a:rPr lang="sk-SK" baseline="0" dirty="0" smtClean="0"/>
-              <a:t>Nejaké nevýhody?</a:t>
-            </a:r>
-          </a:p>
-          <a:p>
-            <a:pPr marL="0" marR="0" lvl="0" indent="0" algn="l" defTabSz="914400" rtl="0" eaLnBrk="1" fontAlgn="auto" latinLnBrk="0" hangingPunct="1">
-              <a:lnSpc>
-                <a:spcPct val="100000"/>
-              </a:lnSpc>
-              <a:spcBef>
-                <a:spcPts val="0"/>
-              </a:spcBef>
-              <a:spcAft>
-                <a:spcPts val="0"/>
-              </a:spcAft>
-              <a:buClrTx/>
-              <a:buSzTx/>
-              <a:buFontTx/>
-              <a:buNone/>
-              <a:tabLst/>
-              <a:defRPr/>
-            </a:pPr>
-            <a:r>
-              <a:rPr lang="sk-SK" baseline="0" dirty="0" smtClean="0"/>
-              <a:t>Veľa malých tried, môže byť odstrašujúci a v niektorých prípadoch takzvaný </a:t>
-            </a:r>
-            <a:r>
-              <a:rPr lang="sk-SK" baseline="0" dirty="0" err="1" smtClean="0"/>
-              <a:t>overkill</a:t>
-            </a:r>
-            <a:r>
-              <a:rPr lang="sk-SK" baseline="0" dirty="0" smtClean="0"/>
-              <a:t>. </a:t>
-            </a:r>
-          </a:p>
-          <a:p>
-            <a:pPr marL="0" marR="0" lvl="0" indent="0" algn="l" defTabSz="914400" rtl="0" eaLnBrk="1" fontAlgn="auto" latinLnBrk="0" hangingPunct="1">
-              <a:lnSpc>
-                <a:spcPct val="100000"/>
-              </a:lnSpc>
-              <a:spcBef>
-                <a:spcPts val="0"/>
-              </a:spcBef>
-              <a:spcAft>
-                <a:spcPts val="0"/>
-              </a:spcAft>
-              <a:buClrTx/>
-              <a:buSzTx/>
-              <a:buFontTx/>
-              <a:buNone/>
-              <a:tabLst/>
-              <a:defRPr/>
-            </a:pPr>
-            <a:r>
-              <a:rPr lang="sk-SK" baseline="0" dirty="0" smtClean="0"/>
-              <a:t>Napríklad ako v našom jednoduchom príklade.</a:t>
-            </a:r>
-          </a:p>
-          <a:p>
-            <a:pPr marL="0" marR="0" lvl="0" indent="0" algn="l" defTabSz="914400" rtl="0" eaLnBrk="1" fontAlgn="auto" latinLnBrk="0" hangingPunct="1">
-              <a:lnSpc>
-                <a:spcPct val="100000"/>
-              </a:lnSpc>
-              <a:spcBef>
-                <a:spcPts val="0"/>
-              </a:spcBef>
-              <a:spcAft>
-                <a:spcPts val="0"/>
-              </a:spcAft>
-              <a:buClrTx/>
-              <a:buSzTx/>
-              <a:buFontTx/>
-              <a:buNone/>
-              <a:tabLst/>
-              <a:defRPr/>
-            </a:pPr>
-            <a:endParaRPr lang="sk-SK" baseline="0" dirty="0" smtClean="0"/>
-          </a:p>
-          <a:p>
-            <a:pPr marL="0" marR="0" lvl="0" indent="0" algn="l" defTabSz="914400" rtl="0" eaLnBrk="1" fontAlgn="auto" latinLnBrk="0" hangingPunct="1">
-              <a:lnSpc>
-                <a:spcPct val="100000"/>
-              </a:lnSpc>
-              <a:spcBef>
-                <a:spcPts val="0"/>
-              </a:spcBef>
-              <a:spcAft>
-                <a:spcPts val="0"/>
-              </a:spcAft>
-              <a:buClrTx/>
-              <a:buSzTx/>
-              <a:buFontTx/>
-              <a:buNone/>
-              <a:tabLst/>
-              <a:defRPr/>
-            </a:pPr>
-            <a:r>
-              <a:rPr lang="sk-SK" baseline="0" dirty="0" smtClean="0"/>
-              <a:t>Mohol som ešte vyriešiť to, že report </a:t>
-            </a:r>
-            <a:r>
-              <a:rPr lang="sk-SK" baseline="0" dirty="0" err="1" smtClean="0"/>
-              <a:t>service</a:t>
-            </a:r>
-            <a:r>
-              <a:rPr lang="sk-SK" baseline="0" dirty="0" smtClean="0"/>
-              <a:t> teraz odosiela mail, ale čo keď chcem neodoslať mail, ale uložiť report na úložisko.</a:t>
-            </a:r>
-          </a:p>
-          <a:p>
-            <a:pPr marL="0" marR="0" lvl="0" indent="0" algn="l" defTabSz="914400" rtl="0" eaLnBrk="1" fontAlgn="auto" latinLnBrk="0" hangingPunct="1">
-              <a:lnSpc>
-                <a:spcPct val="100000"/>
-              </a:lnSpc>
-              <a:spcBef>
-                <a:spcPts val="0"/>
-              </a:spcBef>
-              <a:spcAft>
-                <a:spcPts val="0"/>
-              </a:spcAft>
-              <a:buClrTx/>
-              <a:buSzTx/>
-              <a:buFontTx/>
-              <a:buNone/>
-              <a:tabLst/>
-              <a:defRPr/>
-            </a:pPr>
-            <a:r>
-              <a:rPr lang="sk-SK" baseline="0" dirty="0" smtClean="0"/>
-              <a:t>Dennodenne sa budete potykať s tým, že budete </a:t>
-            </a:r>
-            <a:r>
-              <a:rPr lang="sk-SK" baseline="0" dirty="0" err="1" smtClean="0"/>
-              <a:t>balancovať</a:t>
-            </a:r>
-            <a:r>
-              <a:rPr lang="sk-SK" baseline="0" dirty="0" smtClean="0"/>
-              <a:t> do akej hĺbky riešiť jednotlivé pravidlá v danej chvíli. Je možné to riešiť až keď to bude potrebné.</a:t>
-            </a:r>
-          </a:p>
-          <a:p>
-            <a:pPr marL="0" marR="0" lvl="0" indent="0" algn="l" defTabSz="914400" rtl="0" eaLnBrk="1" fontAlgn="auto" latinLnBrk="0" hangingPunct="1">
-              <a:lnSpc>
-                <a:spcPct val="100000"/>
-              </a:lnSpc>
-              <a:spcBef>
-                <a:spcPts val="0"/>
-              </a:spcBef>
-              <a:spcAft>
-                <a:spcPts val="0"/>
-              </a:spcAft>
-              <a:buClrTx/>
-              <a:buSzTx/>
-              <a:buFontTx/>
-              <a:buNone/>
-              <a:tabLst/>
-              <a:defRPr/>
-            </a:pPr>
-            <a:endParaRPr lang="sk-SK" baseline="0" dirty="0" smtClean="0"/>
-          </a:p>
-          <a:p>
-            <a:pPr marL="0" marR="0" lvl="0" indent="0" algn="l" defTabSz="914400" rtl="0" eaLnBrk="1" fontAlgn="auto" latinLnBrk="0" hangingPunct="1">
-              <a:lnSpc>
-                <a:spcPct val="100000"/>
-              </a:lnSpc>
-              <a:spcBef>
-                <a:spcPts val="0"/>
-              </a:spcBef>
-              <a:spcAft>
-                <a:spcPts val="0"/>
-              </a:spcAft>
-              <a:buClrTx/>
-              <a:buSzTx/>
-              <a:buFontTx/>
-              <a:buNone/>
-              <a:tabLst/>
-              <a:defRPr/>
-            </a:pPr>
-            <a:endParaRPr lang="sk-SK" baseline="0" dirty="0" smtClean="0"/>
-          </a:p>
-          <a:p>
-            <a:pPr marL="0" marR="0" lvl="0" indent="0" algn="l" defTabSz="914400" rtl="0" eaLnBrk="1" fontAlgn="auto" latinLnBrk="0" hangingPunct="1">
-              <a:lnSpc>
-                <a:spcPct val="100000"/>
-              </a:lnSpc>
-              <a:spcBef>
-                <a:spcPts val="0"/>
-              </a:spcBef>
-              <a:spcAft>
-                <a:spcPts val="0"/>
-              </a:spcAft>
-              <a:buClrTx/>
-              <a:buSzTx/>
-              <a:buFontTx/>
-              <a:buNone/>
-              <a:tabLst/>
-              <a:defRPr/>
-            </a:pPr>
-            <a:endParaRPr lang="sk-SK" baseline="0" dirty="0" smtClean="0"/>
+              <a:t> má mať len jednu metódu, respektíve vlastnosť.</a:t>
+            </a:r>
+            <a:endParaRPr lang="sk-SK" dirty="0" smtClean="0"/>
+          </a:p>
+          <a:p>
+            <a:endParaRPr lang="sk-SK" dirty="0" smtClean="0"/>
+          </a:p>
+          <a:p>
+            <a:r>
+              <a:rPr lang="sk-SK" dirty="0" smtClean="0"/>
+              <a:t>To znamená, že trieda má spracovávať len jednu používateľskú požiadavku / potrebu. Keď sa táto zmení, tak môžem zmeniť aj danú triedu.</a:t>
+            </a:r>
+          </a:p>
+          <a:p>
+            <a:r>
+              <a:rPr lang="sk-SK" dirty="0" smtClean="0"/>
+              <a:t>Trieda má mať jedinú zodpovednosť pre jednu požiadavku. </a:t>
+            </a:r>
+          </a:p>
+          <a:p>
+            <a:endParaRPr lang="sk-SK" dirty="0" smtClean="0"/>
+          </a:p>
+          <a:p>
+            <a:r>
+              <a:rPr lang="sk-SK" dirty="0" smtClean="0"/>
+              <a:t>Tak sa pozrime na našu aplikáciu ešte raz.</a:t>
+            </a:r>
+          </a:p>
+          <a:p>
+            <a:endParaRPr lang="sk-SK" dirty="0" smtClean="0"/>
           </a:p>
         </p:txBody>
       </p:sp>
@@ -2652,7 +2423,7 @@
           <a:p>
             <a:fld id="{8683B77B-E50F-4F41-84C3-C1D230689A8D}" type="slidenum">
               <a:rPr lang="sk-SK" smtClean="0"/>
-              <a:t>20</a:t>
+              <a:t>18</a:t>
             </a:fld>
             <a:endParaRPr lang="sk-SK"/>
           </a:p>
@@ -2661,7 +2432,7 @@
     </p:spTree>
     <p:extLst>
       <p:ext uri="{BB962C8B-B14F-4D97-AF65-F5344CB8AC3E}">
-        <p14:creationId xmlns:p14="http://schemas.microsoft.com/office/powerpoint/2010/main" val="1757515557"/>
+        <p14:creationId xmlns:p14="http://schemas.microsoft.com/office/powerpoint/2010/main" val="854743627"/>
       </p:ext>
     </p:extLst>
   </p:cSld>
@@ -2715,7 +2486,889 @@
           <a:bodyPr/>
           <a:lstStyle/>
           <a:p>
-            <a:endParaRPr lang="sk-SK" dirty="0" smtClean="0"/>
+            <a:r>
+              <a:rPr lang="sk-SK" sz="1200" b="0" kern="1200" dirty="0" smtClean="0">
+                <a:solidFill>
+                  <a:schemeClr val="tx1"/>
+                </a:solidFill>
+                <a:effectLst/>
+                <a:latin typeface="+mn-lt"/>
+                <a:ea typeface="+mn-ea"/>
+                <a:cs typeface="+mn-cs"/>
+              </a:rPr>
+              <a:t>Čo je tu vlastne zle.</a:t>
+            </a:r>
+          </a:p>
+          <a:p>
+            <a:r>
+              <a:rPr lang="sk-SK" sz="1200" b="0" kern="1200" dirty="0" smtClean="0">
+                <a:solidFill>
+                  <a:schemeClr val="tx1"/>
+                </a:solidFill>
+                <a:effectLst/>
+                <a:latin typeface="+mn-lt"/>
+                <a:ea typeface="+mn-ea"/>
+                <a:cs typeface="+mn-cs"/>
+              </a:rPr>
+              <a:t> Máme tu jedinú triedu program.</a:t>
+            </a:r>
+          </a:p>
+          <a:p>
+            <a:r>
+              <a:rPr lang="sk-SK" sz="1200" b="0" kern="1200" dirty="0" smtClean="0">
+                <a:solidFill>
+                  <a:schemeClr val="tx1"/>
+                </a:solidFill>
+                <a:effectLst/>
+                <a:latin typeface="+mn-lt"/>
+                <a:ea typeface="+mn-ea"/>
+                <a:cs typeface="+mn-cs"/>
+              </a:rPr>
+              <a:t> Aká je úloha triedy program? (otázka)</a:t>
+            </a:r>
+          </a:p>
+          <a:p>
+            <a:r>
+              <a:rPr lang="sk-SK" sz="1200" b="0" kern="1200" dirty="0" smtClean="0">
+                <a:solidFill>
+                  <a:schemeClr val="tx1"/>
+                </a:solidFill>
+                <a:effectLst/>
+                <a:latin typeface="+mn-lt"/>
+                <a:ea typeface="+mn-ea"/>
+                <a:cs typeface="+mn-cs"/>
+              </a:rPr>
+              <a:t> </a:t>
+            </a:r>
+            <a:r>
+              <a:rPr lang="en-US" sz="1200" b="0" kern="1200" dirty="0" smtClean="0">
+                <a:solidFill>
+                  <a:schemeClr val="tx1"/>
+                </a:solidFill>
+                <a:effectLst/>
+                <a:latin typeface="+mn-lt"/>
+                <a:ea typeface="+mn-ea"/>
+                <a:cs typeface="+mn-cs"/>
+              </a:rPr>
+              <a:t>	</a:t>
+            </a:r>
+            <a:r>
+              <a:rPr lang="sk-SK" sz="1200" b="0" kern="1200" dirty="0" smtClean="0">
+                <a:solidFill>
+                  <a:schemeClr val="tx1"/>
+                </a:solidFill>
+                <a:effectLst/>
+                <a:latin typeface="+mn-lt"/>
+                <a:ea typeface="+mn-ea"/>
+                <a:cs typeface="+mn-cs"/>
+              </a:rPr>
+              <a:t>Jej úloha je </a:t>
+            </a:r>
+            <a:r>
+              <a:rPr lang="sk-SK" sz="1200" b="0" kern="1200" dirty="0" err="1" smtClean="0">
+                <a:solidFill>
+                  <a:schemeClr val="tx1"/>
+                </a:solidFill>
+                <a:effectLst/>
+                <a:latin typeface="+mn-lt"/>
+                <a:ea typeface="+mn-ea"/>
+                <a:cs typeface="+mn-cs"/>
+              </a:rPr>
+              <a:t>hostovať</a:t>
+            </a:r>
+            <a:r>
+              <a:rPr lang="sk-SK" sz="1200" b="0" kern="1200" dirty="0" smtClean="0">
+                <a:solidFill>
+                  <a:schemeClr val="tx1"/>
+                </a:solidFill>
+                <a:effectLst/>
+                <a:latin typeface="+mn-lt"/>
+                <a:ea typeface="+mn-ea"/>
+                <a:cs typeface="+mn-cs"/>
+              </a:rPr>
+              <a:t> celú aplikáciu. Spracovať vstupné parametre a spustiť požadovanú funkčnosť.</a:t>
+            </a:r>
+          </a:p>
+          <a:p>
+            <a:r>
+              <a:rPr lang="sk-SK" sz="1200" b="0" kern="1200" dirty="0" smtClean="0">
+                <a:solidFill>
+                  <a:schemeClr val="tx1"/>
+                </a:solidFill>
+                <a:effectLst/>
+                <a:latin typeface="+mn-lt"/>
+                <a:ea typeface="+mn-ea"/>
+                <a:cs typeface="+mn-cs"/>
+              </a:rPr>
+              <a:t> </a:t>
+            </a:r>
+            <a:r>
+              <a:rPr lang="en-US" sz="1200" b="0" kern="1200" dirty="0" smtClean="0">
+                <a:solidFill>
+                  <a:schemeClr val="tx1"/>
+                </a:solidFill>
+                <a:effectLst/>
+                <a:latin typeface="+mn-lt"/>
+                <a:ea typeface="+mn-ea"/>
+                <a:cs typeface="+mn-cs"/>
+              </a:rPr>
+              <a:t>	</a:t>
+            </a:r>
+            <a:r>
+              <a:rPr lang="sk-SK" sz="1200" b="0" kern="1200" dirty="0" smtClean="0">
+                <a:solidFill>
+                  <a:schemeClr val="tx1"/>
+                </a:solidFill>
+                <a:effectLst/>
+                <a:latin typeface="+mn-lt"/>
+                <a:ea typeface="+mn-ea"/>
+                <a:cs typeface="+mn-cs"/>
+              </a:rPr>
+              <a:t>Naša trieda program robí úplne všetko.</a:t>
+            </a:r>
+          </a:p>
+          <a:p>
+            <a:r>
+              <a:rPr lang="sk-SK" sz="1200" b="0" kern="1200" dirty="0" smtClean="0">
+                <a:solidFill>
+                  <a:schemeClr val="tx1"/>
+                </a:solidFill>
+                <a:effectLst/>
+                <a:latin typeface="+mn-lt"/>
+                <a:ea typeface="+mn-ea"/>
+                <a:cs typeface="+mn-cs"/>
+              </a:rPr>
+              <a:t> Aké samostatné triedy sa nám tu rysujú?</a:t>
+            </a:r>
+          </a:p>
+          <a:p>
+            <a:r>
+              <a:rPr lang="sk-SK" sz="1200" b="0" kern="1200" dirty="0" smtClean="0">
+                <a:solidFill>
+                  <a:schemeClr val="tx1"/>
+                </a:solidFill>
+                <a:effectLst/>
+                <a:latin typeface="+mn-lt"/>
+                <a:ea typeface="+mn-ea"/>
+                <a:cs typeface="+mn-cs"/>
+              </a:rPr>
+              <a:t> </a:t>
+            </a:r>
+            <a:r>
+              <a:rPr lang="en-US" sz="1200" b="0" kern="1200" dirty="0" smtClean="0">
+                <a:solidFill>
+                  <a:schemeClr val="tx1"/>
+                </a:solidFill>
+                <a:effectLst/>
+                <a:latin typeface="+mn-lt"/>
+                <a:ea typeface="+mn-ea"/>
+                <a:cs typeface="+mn-cs"/>
+              </a:rPr>
+              <a:t>	</a:t>
+            </a:r>
+            <a:r>
+              <a:rPr lang="sk-SK" sz="1200" b="0" kern="1200" dirty="0" smtClean="0">
+                <a:solidFill>
+                  <a:schemeClr val="tx1"/>
+                </a:solidFill>
+                <a:effectLst/>
+                <a:latin typeface="+mn-lt"/>
+                <a:ea typeface="+mn-ea"/>
+                <a:cs typeface="+mn-cs"/>
+              </a:rPr>
+              <a:t>Načítanie dát</a:t>
+            </a:r>
+          </a:p>
+          <a:p>
+            <a:r>
+              <a:rPr lang="sk-SK" sz="1200" b="0" kern="1200" dirty="0" smtClean="0">
+                <a:solidFill>
+                  <a:schemeClr val="tx1"/>
+                </a:solidFill>
+                <a:effectLst/>
+                <a:latin typeface="+mn-lt"/>
+                <a:ea typeface="+mn-ea"/>
+                <a:cs typeface="+mn-cs"/>
+              </a:rPr>
+              <a:t> </a:t>
+            </a:r>
+            <a:r>
+              <a:rPr lang="en-US" sz="1200" b="0" kern="1200" dirty="0" smtClean="0">
+                <a:solidFill>
+                  <a:schemeClr val="tx1"/>
+                </a:solidFill>
+                <a:effectLst/>
+                <a:latin typeface="+mn-lt"/>
+                <a:ea typeface="+mn-ea"/>
+                <a:cs typeface="+mn-cs"/>
+              </a:rPr>
+              <a:t>	</a:t>
+            </a:r>
+            <a:r>
+              <a:rPr lang="sk-SK" sz="1200" b="0" kern="1200" dirty="0" smtClean="0">
+                <a:solidFill>
+                  <a:schemeClr val="tx1"/>
+                </a:solidFill>
+                <a:effectLst/>
+                <a:latin typeface="+mn-lt"/>
+                <a:ea typeface="+mn-ea"/>
+                <a:cs typeface="+mn-cs"/>
+              </a:rPr>
+              <a:t>Formátovanie reportu</a:t>
+            </a:r>
+          </a:p>
+          <a:p>
+            <a:r>
+              <a:rPr lang="sk-SK" sz="1200" b="0" kern="1200" dirty="0" smtClean="0">
+                <a:solidFill>
+                  <a:schemeClr val="tx1"/>
+                </a:solidFill>
+                <a:effectLst/>
+                <a:latin typeface="+mn-lt"/>
+                <a:ea typeface="+mn-ea"/>
+                <a:cs typeface="+mn-cs"/>
+              </a:rPr>
+              <a:t> </a:t>
+            </a:r>
+            <a:r>
+              <a:rPr lang="en-US" sz="1200" b="0" kern="1200" dirty="0" smtClean="0">
+                <a:solidFill>
+                  <a:schemeClr val="tx1"/>
+                </a:solidFill>
+                <a:effectLst/>
+                <a:latin typeface="+mn-lt"/>
+                <a:ea typeface="+mn-ea"/>
+                <a:cs typeface="+mn-cs"/>
+              </a:rPr>
+              <a:t>	</a:t>
+            </a:r>
+            <a:r>
+              <a:rPr lang="sk-SK" sz="1200" b="0" kern="1200" dirty="0" smtClean="0">
+                <a:solidFill>
+                  <a:schemeClr val="tx1"/>
+                </a:solidFill>
+                <a:effectLst/>
+                <a:latin typeface="+mn-lt"/>
+                <a:ea typeface="+mn-ea"/>
+                <a:cs typeface="+mn-cs"/>
+              </a:rPr>
+              <a:t>odosielanie reportu</a:t>
+            </a:r>
+          </a:p>
+          <a:p>
+            <a:r>
+              <a:rPr lang="sk-SK" sz="1200" b="0" kern="1200" dirty="0" smtClean="0">
+                <a:solidFill>
+                  <a:schemeClr val="tx1"/>
+                </a:solidFill>
+                <a:effectLst/>
+                <a:latin typeface="+mn-lt"/>
+                <a:ea typeface="+mn-ea"/>
+                <a:cs typeface="+mn-cs"/>
+              </a:rPr>
+              <a:t> </a:t>
+            </a:r>
+            <a:r>
+              <a:rPr lang="en-US" sz="1200" b="0" kern="1200" dirty="0" smtClean="0">
+                <a:solidFill>
+                  <a:schemeClr val="tx1"/>
+                </a:solidFill>
+                <a:effectLst/>
+                <a:latin typeface="+mn-lt"/>
+                <a:ea typeface="+mn-ea"/>
+                <a:cs typeface="+mn-cs"/>
+              </a:rPr>
+              <a:t>	</a:t>
+            </a:r>
+            <a:r>
+              <a:rPr lang="sk-SK" sz="1200" b="0" kern="1200" dirty="0" smtClean="0">
+                <a:solidFill>
+                  <a:schemeClr val="tx1"/>
+                </a:solidFill>
+                <a:effectLst/>
+                <a:latin typeface="+mn-lt"/>
+                <a:ea typeface="+mn-ea"/>
+                <a:cs typeface="+mn-cs"/>
+              </a:rPr>
+              <a:t>logovanie</a:t>
+            </a:r>
+          </a:p>
+          <a:p>
+            <a:r>
+              <a:rPr lang="sk-SK" sz="1200" b="0" kern="1200" dirty="0" smtClean="0">
+                <a:solidFill>
+                  <a:schemeClr val="tx1"/>
+                </a:solidFill>
+                <a:effectLst/>
+                <a:latin typeface="+mn-lt"/>
+                <a:ea typeface="+mn-ea"/>
+                <a:cs typeface="+mn-cs"/>
+              </a:rPr>
+              <a:t> Tak sa pozrime ako by to mohlo vyzerať podľa SRP</a:t>
+            </a:r>
+          </a:p>
+          <a:p>
+            <a:r>
+              <a:rPr lang="sk-SK" sz="1200" b="0" kern="1200" dirty="0" smtClean="0">
+                <a:solidFill>
+                  <a:schemeClr val="tx1"/>
+                </a:solidFill>
+                <a:effectLst/>
+                <a:latin typeface="+mn-lt"/>
+                <a:ea typeface="+mn-ea"/>
+                <a:cs typeface="+mn-cs"/>
+              </a:rPr>
+              <a:t> Trieda program naozaj len hosťuje aplikáciu, spracuje vstupné parametre a zavolá potrebnú funkčnosť.</a:t>
+            </a:r>
+          </a:p>
+          <a:p>
+            <a:r>
+              <a:rPr lang="sk-SK" sz="1200" b="0" kern="1200" dirty="0" smtClean="0">
+                <a:solidFill>
+                  <a:schemeClr val="tx1"/>
+                </a:solidFill>
+                <a:effectLst/>
+                <a:latin typeface="+mn-lt"/>
+                <a:ea typeface="+mn-ea"/>
+                <a:cs typeface="+mn-cs"/>
+              </a:rPr>
+              <a:t> Ďalej tu máme triedu </a:t>
+            </a:r>
+            <a:r>
+              <a:rPr lang="sk-SK" sz="1200" b="0" kern="1200" dirty="0" err="1" smtClean="0">
+                <a:solidFill>
+                  <a:schemeClr val="tx1"/>
+                </a:solidFill>
+                <a:effectLst/>
+                <a:latin typeface="+mn-lt"/>
+                <a:ea typeface="+mn-ea"/>
+                <a:cs typeface="+mn-cs"/>
+              </a:rPr>
+              <a:t>PeopleReportService</a:t>
+            </a:r>
+            <a:endParaRPr lang="sk-SK" sz="1200" b="0" kern="1200" dirty="0" smtClean="0">
+              <a:solidFill>
+                <a:schemeClr val="tx1"/>
+              </a:solidFill>
+              <a:effectLst/>
+              <a:latin typeface="+mn-lt"/>
+              <a:ea typeface="+mn-ea"/>
+              <a:cs typeface="+mn-cs"/>
+            </a:endParaRPr>
+          </a:p>
+          <a:p>
+            <a:r>
+              <a:rPr lang="sk-SK" sz="1200" b="0" kern="1200" dirty="0" smtClean="0">
+                <a:solidFill>
+                  <a:schemeClr val="tx1"/>
+                </a:solidFill>
+                <a:effectLst/>
+                <a:latin typeface="+mn-lt"/>
+                <a:ea typeface="+mn-ea"/>
+                <a:cs typeface="+mn-cs"/>
+              </a:rPr>
+              <a:t> </a:t>
+            </a:r>
+            <a:r>
+              <a:rPr lang="en-US" sz="1200" b="0" kern="1200" dirty="0" smtClean="0">
+                <a:solidFill>
+                  <a:schemeClr val="tx1"/>
+                </a:solidFill>
+                <a:effectLst/>
+                <a:latin typeface="+mn-lt"/>
+                <a:ea typeface="+mn-ea"/>
+                <a:cs typeface="+mn-cs"/>
+              </a:rPr>
+              <a:t>	</a:t>
+            </a:r>
+            <a:r>
+              <a:rPr lang="sk-SK" sz="1200" b="0" kern="1200" dirty="0" smtClean="0">
+                <a:solidFill>
+                  <a:schemeClr val="tx1"/>
+                </a:solidFill>
+                <a:effectLst/>
+                <a:latin typeface="+mn-lt"/>
+                <a:ea typeface="+mn-ea"/>
+                <a:cs typeface="+mn-cs"/>
+              </a:rPr>
+              <a:t>Jej úlohou je spracovať daný report. Ale ako vidíme nerobí to priamo. Len riadi tok spracovávania. Môžeme to brať ako šablónovú triedu, ktorá v správnom poradí volá metódy iných tried.</a:t>
+            </a:r>
+          </a:p>
+          <a:p>
+            <a:r>
+              <a:rPr lang="sk-SK" sz="1200" b="0" kern="1200" dirty="0" smtClean="0">
+                <a:solidFill>
+                  <a:schemeClr val="tx1"/>
+                </a:solidFill>
+                <a:effectLst/>
+                <a:latin typeface="+mn-lt"/>
+                <a:ea typeface="+mn-ea"/>
+                <a:cs typeface="+mn-cs"/>
+              </a:rPr>
+              <a:t> </a:t>
+            </a:r>
+            <a:r>
+              <a:rPr lang="sk-SK" sz="1200" b="0" kern="1200" dirty="0" err="1" smtClean="0">
+                <a:solidFill>
+                  <a:schemeClr val="tx1"/>
+                </a:solidFill>
+                <a:effectLst/>
+                <a:latin typeface="+mn-lt"/>
+                <a:ea typeface="+mn-ea"/>
+                <a:cs typeface="+mn-cs"/>
+              </a:rPr>
+              <a:t>PeopleRepository</a:t>
+            </a:r>
+            <a:endParaRPr lang="sk-SK" sz="1200" b="0" kern="1200" dirty="0" smtClean="0">
+              <a:solidFill>
+                <a:schemeClr val="tx1"/>
+              </a:solidFill>
+              <a:effectLst/>
+              <a:latin typeface="+mn-lt"/>
+              <a:ea typeface="+mn-ea"/>
+              <a:cs typeface="+mn-cs"/>
+            </a:endParaRPr>
+          </a:p>
+          <a:p>
+            <a:r>
+              <a:rPr lang="sk-SK" sz="1200" b="0" kern="1200" dirty="0" smtClean="0">
+                <a:solidFill>
+                  <a:schemeClr val="tx1"/>
+                </a:solidFill>
+                <a:effectLst/>
+                <a:latin typeface="+mn-lt"/>
+                <a:ea typeface="+mn-ea"/>
+                <a:cs typeface="+mn-cs"/>
+              </a:rPr>
+              <a:t> </a:t>
+            </a:r>
+            <a:r>
+              <a:rPr lang="en-US" sz="1200" b="0" kern="1200" dirty="0" smtClean="0">
+                <a:solidFill>
+                  <a:schemeClr val="tx1"/>
+                </a:solidFill>
+                <a:effectLst/>
+                <a:latin typeface="+mn-lt"/>
+                <a:ea typeface="+mn-ea"/>
+                <a:cs typeface="+mn-cs"/>
+              </a:rPr>
+              <a:t>	</a:t>
+            </a:r>
+            <a:r>
+              <a:rPr lang="sk-SK" sz="1200" b="0" kern="1200" dirty="0" err="1" smtClean="0">
+                <a:solidFill>
+                  <a:schemeClr val="tx1"/>
+                </a:solidFill>
+                <a:effectLst/>
+                <a:latin typeface="+mn-lt"/>
+                <a:ea typeface="+mn-ea"/>
+                <a:cs typeface="+mn-cs"/>
+              </a:rPr>
+              <a:t>Repository</a:t>
+            </a:r>
+            <a:r>
+              <a:rPr lang="sk-SK" sz="1200" b="0" kern="1200" dirty="0" smtClean="0">
+                <a:solidFill>
+                  <a:schemeClr val="tx1"/>
+                </a:solidFill>
+                <a:effectLst/>
+                <a:latin typeface="+mn-lt"/>
+                <a:ea typeface="+mn-ea"/>
+                <a:cs typeface="+mn-cs"/>
+              </a:rPr>
+              <a:t> </a:t>
+            </a:r>
+            <a:r>
+              <a:rPr lang="sk-SK" sz="1200" b="0" kern="1200" dirty="0" err="1" smtClean="0">
+                <a:solidFill>
+                  <a:schemeClr val="tx1"/>
+                </a:solidFill>
+                <a:effectLst/>
+                <a:latin typeface="+mn-lt"/>
+                <a:ea typeface="+mn-ea"/>
+                <a:cs typeface="+mn-cs"/>
+              </a:rPr>
+              <a:t>pattern</a:t>
+            </a:r>
+            <a:r>
+              <a:rPr lang="sk-SK" sz="1200" b="0" kern="1200" dirty="0" smtClean="0">
+                <a:solidFill>
+                  <a:schemeClr val="tx1"/>
+                </a:solidFill>
+                <a:effectLst/>
+                <a:latin typeface="+mn-lt"/>
+                <a:ea typeface="+mn-ea"/>
+                <a:cs typeface="+mn-cs"/>
+              </a:rPr>
+              <a:t>. To je </a:t>
+            </a:r>
+            <a:r>
+              <a:rPr lang="sk-SK" sz="1200" b="0" kern="1200" dirty="0" err="1" smtClean="0">
+                <a:solidFill>
+                  <a:schemeClr val="tx1"/>
+                </a:solidFill>
+                <a:effectLst/>
+                <a:latin typeface="+mn-lt"/>
+                <a:ea typeface="+mn-ea"/>
+                <a:cs typeface="+mn-cs"/>
+              </a:rPr>
+              <a:t>pattern</a:t>
+            </a:r>
+            <a:r>
+              <a:rPr lang="sk-SK" sz="1200" b="0" kern="1200" dirty="0" smtClean="0">
+                <a:solidFill>
+                  <a:schemeClr val="tx1"/>
+                </a:solidFill>
+                <a:effectLst/>
+                <a:latin typeface="+mn-lt"/>
+                <a:ea typeface="+mn-ea"/>
+                <a:cs typeface="+mn-cs"/>
+              </a:rPr>
+              <a:t>, ktorý </a:t>
+            </a:r>
+            <a:r>
+              <a:rPr lang="sk-SK" sz="1200" b="0" kern="1200" dirty="0" err="1" smtClean="0">
+                <a:solidFill>
+                  <a:schemeClr val="tx1"/>
+                </a:solidFill>
+                <a:effectLst/>
+                <a:latin typeface="+mn-lt"/>
+                <a:ea typeface="+mn-ea"/>
+                <a:cs typeface="+mn-cs"/>
+              </a:rPr>
+              <a:t>zapúzdruje</a:t>
+            </a:r>
+            <a:r>
+              <a:rPr lang="sk-SK" sz="1200" b="0" kern="1200" dirty="0" smtClean="0">
+                <a:solidFill>
+                  <a:schemeClr val="tx1"/>
+                </a:solidFill>
+                <a:effectLst/>
+                <a:latin typeface="+mn-lt"/>
+                <a:ea typeface="+mn-ea"/>
+                <a:cs typeface="+mn-cs"/>
+              </a:rPr>
+              <a:t> získavanie dát a ich mapovanie na entity v požadovanom tvare.</a:t>
+            </a:r>
+          </a:p>
+          <a:p>
+            <a:r>
+              <a:rPr lang="sk-SK" sz="1200" b="0" kern="1200" dirty="0" smtClean="0">
+                <a:solidFill>
+                  <a:schemeClr val="tx1"/>
+                </a:solidFill>
+                <a:effectLst/>
+                <a:latin typeface="+mn-lt"/>
+                <a:ea typeface="+mn-ea"/>
+                <a:cs typeface="+mn-cs"/>
+              </a:rPr>
+              <a:t> </a:t>
+            </a:r>
+            <a:r>
+              <a:rPr lang="en-US" sz="1200" b="0" kern="1200" dirty="0" smtClean="0">
+                <a:solidFill>
+                  <a:schemeClr val="tx1"/>
+                </a:solidFill>
+                <a:effectLst/>
+                <a:latin typeface="+mn-lt"/>
+                <a:ea typeface="+mn-ea"/>
+                <a:cs typeface="+mn-cs"/>
+              </a:rPr>
+              <a:t>	</a:t>
+            </a:r>
+            <a:r>
+              <a:rPr lang="sk-SK" sz="1200" b="0" kern="1200" dirty="0" smtClean="0">
+                <a:solidFill>
+                  <a:schemeClr val="tx1"/>
+                </a:solidFill>
+                <a:effectLst/>
+                <a:latin typeface="+mn-lt"/>
+                <a:ea typeface="+mn-ea"/>
+                <a:cs typeface="+mn-cs"/>
+              </a:rPr>
+              <a:t>Úlohou tejto triedy je získať dáta z (v tomto konkrétnom prípade z databázy pomocou nášho ORM) a poskytnúť ich ďalej.</a:t>
+            </a:r>
+          </a:p>
+          <a:p>
+            <a:r>
+              <a:rPr lang="sk-SK" sz="1200" b="0" kern="1200" dirty="0" smtClean="0">
+                <a:solidFill>
+                  <a:schemeClr val="tx1"/>
+                </a:solidFill>
+                <a:effectLst/>
+                <a:latin typeface="+mn-lt"/>
+                <a:ea typeface="+mn-ea"/>
+                <a:cs typeface="+mn-cs"/>
+              </a:rPr>
+              <a:t> </a:t>
+            </a:r>
+            <a:r>
+              <a:rPr lang="sk-SK" sz="1200" b="0" kern="1200" dirty="0" err="1" smtClean="0">
+                <a:solidFill>
+                  <a:schemeClr val="tx1"/>
+                </a:solidFill>
+                <a:effectLst/>
+                <a:latin typeface="+mn-lt"/>
+                <a:ea typeface="+mn-ea"/>
+                <a:cs typeface="+mn-cs"/>
+              </a:rPr>
+              <a:t>PeopleReportDataFormatter</a:t>
+            </a:r>
+            <a:endParaRPr lang="sk-SK" sz="1200" b="0" kern="1200" dirty="0" smtClean="0">
+              <a:solidFill>
+                <a:schemeClr val="tx1"/>
+              </a:solidFill>
+              <a:effectLst/>
+              <a:latin typeface="+mn-lt"/>
+              <a:ea typeface="+mn-ea"/>
+              <a:cs typeface="+mn-cs"/>
+            </a:endParaRPr>
+          </a:p>
+          <a:p>
+            <a:r>
+              <a:rPr lang="sk-SK" sz="1200" b="0" kern="1200" dirty="0" smtClean="0">
+                <a:solidFill>
+                  <a:schemeClr val="tx1"/>
+                </a:solidFill>
+                <a:effectLst/>
+                <a:latin typeface="+mn-lt"/>
+                <a:ea typeface="+mn-ea"/>
+                <a:cs typeface="+mn-cs"/>
+              </a:rPr>
+              <a:t> </a:t>
+            </a:r>
+            <a:r>
+              <a:rPr lang="en-US" sz="1200" b="0" kern="1200" dirty="0" smtClean="0">
+                <a:solidFill>
+                  <a:schemeClr val="tx1"/>
+                </a:solidFill>
+                <a:effectLst/>
+                <a:latin typeface="+mn-lt"/>
+                <a:ea typeface="+mn-ea"/>
+                <a:cs typeface="+mn-cs"/>
+              </a:rPr>
+              <a:t>	</a:t>
+            </a:r>
+            <a:r>
+              <a:rPr lang="sk-SK" sz="1200" b="0" kern="1200" dirty="0" smtClean="0">
+                <a:solidFill>
+                  <a:schemeClr val="tx1"/>
+                </a:solidFill>
+                <a:effectLst/>
+                <a:latin typeface="+mn-lt"/>
+                <a:ea typeface="+mn-ea"/>
+                <a:cs typeface="+mn-cs"/>
+              </a:rPr>
+              <a:t>Zabezpečuje formátovanie, respektíve </a:t>
+            </a:r>
+            <a:r>
+              <a:rPr lang="sk-SK" sz="1200" b="0" kern="1200" dirty="0" err="1" smtClean="0">
+                <a:solidFill>
+                  <a:schemeClr val="tx1"/>
+                </a:solidFill>
+                <a:effectLst/>
+                <a:latin typeface="+mn-lt"/>
+                <a:ea typeface="+mn-ea"/>
+                <a:cs typeface="+mn-cs"/>
+              </a:rPr>
+              <a:t>serializovanie</a:t>
+            </a:r>
+            <a:r>
+              <a:rPr lang="sk-SK" sz="1200" b="0" kern="1200" dirty="0" smtClean="0">
+                <a:solidFill>
+                  <a:schemeClr val="tx1"/>
+                </a:solidFill>
+                <a:effectLst/>
+                <a:latin typeface="+mn-lt"/>
+                <a:ea typeface="+mn-ea"/>
+                <a:cs typeface="+mn-cs"/>
+              </a:rPr>
+              <a:t> dát (osôb)</a:t>
+            </a:r>
+          </a:p>
+          <a:p>
+            <a:r>
+              <a:rPr lang="sk-SK" sz="1200" b="0" kern="1200" dirty="0" smtClean="0">
+                <a:solidFill>
+                  <a:schemeClr val="tx1"/>
+                </a:solidFill>
+                <a:effectLst/>
+                <a:latin typeface="+mn-lt"/>
+                <a:ea typeface="+mn-ea"/>
+                <a:cs typeface="+mn-cs"/>
+              </a:rPr>
+              <a:t> </a:t>
+            </a:r>
+            <a:r>
+              <a:rPr lang="en-US" sz="1200" b="0" kern="1200" dirty="0" smtClean="0">
+                <a:solidFill>
+                  <a:schemeClr val="tx1"/>
+                </a:solidFill>
+                <a:effectLst/>
+                <a:latin typeface="+mn-lt"/>
+                <a:ea typeface="+mn-ea"/>
+                <a:cs typeface="+mn-cs"/>
+              </a:rPr>
+              <a:t>	</a:t>
+            </a:r>
+            <a:r>
+              <a:rPr lang="sk-SK" sz="1200" b="0" kern="1200" dirty="0" smtClean="0">
+                <a:solidFill>
+                  <a:schemeClr val="tx1"/>
+                </a:solidFill>
+                <a:effectLst/>
+                <a:latin typeface="+mn-lt"/>
+                <a:ea typeface="+mn-ea"/>
+                <a:cs typeface="+mn-cs"/>
+              </a:rPr>
+              <a:t>jej úlohou je naformátovať vstupné dáta na požadovaný formát reportu.</a:t>
+            </a:r>
+          </a:p>
+          <a:p>
+            <a:r>
+              <a:rPr lang="sk-SK" sz="1200" b="0" kern="1200" dirty="0" smtClean="0">
+                <a:solidFill>
+                  <a:schemeClr val="tx1"/>
+                </a:solidFill>
+                <a:effectLst/>
+                <a:latin typeface="+mn-lt"/>
+                <a:ea typeface="+mn-ea"/>
+                <a:cs typeface="+mn-cs"/>
+              </a:rPr>
+              <a:t> </a:t>
+            </a:r>
+            <a:r>
+              <a:rPr lang="sk-SK" sz="1200" b="0" kern="1200" dirty="0" err="1" smtClean="0">
+                <a:solidFill>
+                  <a:schemeClr val="tx1"/>
+                </a:solidFill>
+                <a:effectLst/>
+                <a:latin typeface="+mn-lt"/>
+                <a:ea typeface="+mn-ea"/>
+                <a:cs typeface="+mn-cs"/>
+              </a:rPr>
+              <a:t>MailService</a:t>
+            </a:r>
+            <a:endParaRPr lang="sk-SK" sz="1200" b="0" kern="1200" dirty="0" smtClean="0">
+              <a:solidFill>
+                <a:schemeClr val="tx1"/>
+              </a:solidFill>
+              <a:effectLst/>
+              <a:latin typeface="+mn-lt"/>
+              <a:ea typeface="+mn-ea"/>
+              <a:cs typeface="+mn-cs"/>
+            </a:endParaRPr>
+          </a:p>
+          <a:p>
+            <a:r>
+              <a:rPr lang="sk-SK" sz="1200" b="0" kern="1200" dirty="0" smtClean="0">
+                <a:solidFill>
+                  <a:schemeClr val="tx1"/>
+                </a:solidFill>
+                <a:effectLst/>
+                <a:latin typeface="+mn-lt"/>
+                <a:ea typeface="+mn-ea"/>
+                <a:cs typeface="+mn-cs"/>
+              </a:rPr>
+              <a:t> </a:t>
+            </a:r>
+            <a:r>
+              <a:rPr lang="en-US" sz="1200" b="0" kern="1200" dirty="0" smtClean="0">
+                <a:solidFill>
+                  <a:schemeClr val="tx1"/>
+                </a:solidFill>
+                <a:effectLst/>
+                <a:latin typeface="+mn-lt"/>
+                <a:ea typeface="+mn-ea"/>
+                <a:cs typeface="+mn-cs"/>
+              </a:rPr>
+              <a:t>	</a:t>
+            </a:r>
+            <a:r>
+              <a:rPr lang="sk-SK" sz="1200" b="0" kern="1200" dirty="0" smtClean="0">
+                <a:solidFill>
+                  <a:schemeClr val="tx1"/>
+                </a:solidFill>
+                <a:effectLst/>
+                <a:latin typeface="+mn-lt"/>
+                <a:ea typeface="+mn-ea"/>
+                <a:cs typeface="+mn-cs"/>
+              </a:rPr>
+              <a:t>Tu je to jasné. Úlohou tejto triedy je odoslať mail. Všetko správne nastaviť, ...</a:t>
+            </a:r>
+          </a:p>
+          <a:p>
+            <a:r>
+              <a:rPr lang="sk-SK" sz="1200" b="0" kern="1200" dirty="0" smtClean="0">
+                <a:solidFill>
+                  <a:schemeClr val="tx1"/>
+                </a:solidFill>
+                <a:effectLst/>
+                <a:latin typeface="+mn-lt"/>
+                <a:ea typeface="+mn-ea"/>
+                <a:cs typeface="+mn-cs"/>
+              </a:rPr>
+              <a:t> </a:t>
+            </a:r>
+            <a:r>
+              <a:rPr lang="sk-SK" sz="1200" b="0" kern="1200" dirty="0" err="1" smtClean="0">
+                <a:solidFill>
+                  <a:schemeClr val="tx1"/>
+                </a:solidFill>
+                <a:effectLst/>
+                <a:latin typeface="+mn-lt"/>
+                <a:ea typeface="+mn-ea"/>
+                <a:cs typeface="+mn-cs"/>
+              </a:rPr>
+              <a:t>Logger</a:t>
+            </a:r>
+            <a:endParaRPr lang="sk-SK" sz="1200" b="0" kern="1200" dirty="0" smtClean="0">
+              <a:solidFill>
+                <a:schemeClr val="tx1"/>
+              </a:solidFill>
+              <a:effectLst/>
+              <a:latin typeface="+mn-lt"/>
+              <a:ea typeface="+mn-ea"/>
+              <a:cs typeface="+mn-cs"/>
+            </a:endParaRPr>
+          </a:p>
+          <a:p>
+            <a:r>
+              <a:rPr lang="sk-SK" sz="1200" b="0" kern="1200" dirty="0" smtClean="0">
+                <a:solidFill>
+                  <a:schemeClr val="tx1"/>
+                </a:solidFill>
+                <a:effectLst/>
+                <a:latin typeface="+mn-lt"/>
+                <a:ea typeface="+mn-ea"/>
+                <a:cs typeface="+mn-cs"/>
+              </a:rPr>
+              <a:t> </a:t>
+            </a:r>
+            <a:r>
+              <a:rPr lang="en-US" sz="1200" b="0" kern="1200" dirty="0" smtClean="0">
+                <a:solidFill>
+                  <a:schemeClr val="tx1"/>
+                </a:solidFill>
+                <a:effectLst/>
+                <a:latin typeface="+mn-lt"/>
+                <a:ea typeface="+mn-ea"/>
+                <a:cs typeface="+mn-cs"/>
+              </a:rPr>
+              <a:t>	</a:t>
+            </a:r>
+            <a:r>
+              <a:rPr lang="sk-SK" sz="1200" b="0" kern="1200" dirty="0" smtClean="0">
+                <a:solidFill>
+                  <a:schemeClr val="tx1"/>
+                </a:solidFill>
+                <a:effectLst/>
+                <a:latin typeface="+mn-lt"/>
+                <a:ea typeface="+mn-ea"/>
+                <a:cs typeface="+mn-cs"/>
+              </a:rPr>
+              <a:t>Ten je teraz naozaj jednoduchý. Len uloží správu na disk.</a:t>
+            </a:r>
           </a:p>
         </p:txBody>
       </p:sp>
@@ -2736,7 +3389,7 @@
           <a:p>
             <a:fld id="{8683B77B-E50F-4F41-84C3-C1D230689A8D}" type="slidenum">
               <a:rPr lang="sk-SK" smtClean="0"/>
-              <a:t>22</a:t>
+              <a:t>19</a:t>
             </a:fld>
             <a:endParaRPr lang="sk-SK"/>
           </a:p>
@@ -2745,7 +3398,7 @@
     </p:spTree>
     <p:extLst>
       <p:ext uri="{BB962C8B-B14F-4D97-AF65-F5344CB8AC3E}">
-        <p14:creationId xmlns:p14="http://schemas.microsoft.com/office/powerpoint/2010/main" val="3040388320"/>
+        <p14:creationId xmlns:p14="http://schemas.microsoft.com/office/powerpoint/2010/main" val="644372437"/>
       </p:ext>
     </p:extLst>
   </p:cSld>
@@ -2799,7 +3452,367 @@
           <a:bodyPr/>
           <a:lstStyle/>
           <a:p>
-            <a:endParaRPr lang="sk-SK" dirty="0"/>
+            <a:r>
+              <a:rPr lang="sk-SK" sz="1200" b="0" kern="1200" dirty="0" smtClean="0">
+                <a:solidFill>
+                  <a:schemeClr val="tx1"/>
+                </a:solidFill>
+                <a:effectLst/>
+                <a:latin typeface="+mn-lt"/>
+                <a:ea typeface="+mn-ea"/>
+                <a:cs typeface="+mn-cs"/>
+              </a:rPr>
+              <a:t>Lepšia čitateľnosť.</a:t>
+            </a:r>
+          </a:p>
+          <a:p>
+            <a:r>
+              <a:rPr lang="sk-SK" sz="1200" b="0" kern="1200" dirty="0" smtClean="0">
+                <a:solidFill>
+                  <a:schemeClr val="tx1"/>
+                </a:solidFill>
+                <a:effectLst/>
+                <a:latin typeface="+mn-lt"/>
+                <a:ea typeface="+mn-ea"/>
+                <a:cs typeface="+mn-cs"/>
+              </a:rPr>
+              <a:t>Lepšia udržateľnosť kódu.</a:t>
+            </a:r>
+          </a:p>
+          <a:p>
+            <a:r>
+              <a:rPr lang="sk-SK" sz="1200" b="0" kern="1200" dirty="0" smtClean="0">
+                <a:solidFill>
+                  <a:schemeClr val="tx1"/>
+                </a:solidFill>
+                <a:effectLst/>
+                <a:latin typeface="+mn-lt"/>
+                <a:ea typeface="+mn-ea"/>
+                <a:cs typeface="+mn-cs"/>
+              </a:rPr>
+              <a:t>Ak príde požiadavka na zmenu načítavania dát viem kam ísť.</a:t>
+            </a:r>
+          </a:p>
+          <a:p>
+            <a:r>
+              <a:rPr lang="sk-SK" sz="1200" b="0" kern="1200" dirty="0" smtClean="0">
+                <a:solidFill>
+                  <a:schemeClr val="tx1"/>
+                </a:solidFill>
+                <a:effectLst/>
+                <a:latin typeface="+mn-lt"/>
+                <a:ea typeface="+mn-ea"/>
+                <a:cs typeface="+mn-cs"/>
+              </a:rPr>
+              <a:t>Ak príde požiadavka na zmenu </a:t>
+            </a:r>
+            <a:r>
+              <a:rPr lang="sk-SK" sz="1200" b="0" kern="1200" dirty="0" err="1" smtClean="0">
+                <a:solidFill>
+                  <a:schemeClr val="tx1"/>
+                </a:solidFill>
+                <a:effectLst/>
+                <a:latin typeface="+mn-lt"/>
+                <a:ea typeface="+mn-ea"/>
+                <a:cs typeface="+mn-cs"/>
+              </a:rPr>
+              <a:t>formatovania</a:t>
+            </a:r>
+            <a:r>
+              <a:rPr lang="sk-SK" sz="1200" b="0" kern="1200" dirty="0" smtClean="0">
+                <a:solidFill>
+                  <a:schemeClr val="tx1"/>
+                </a:solidFill>
+                <a:effectLst/>
+                <a:latin typeface="+mn-lt"/>
+                <a:ea typeface="+mn-ea"/>
+                <a:cs typeface="+mn-cs"/>
+              </a:rPr>
+              <a:t> dát viem kam ísť.</a:t>
+            </a:r>
+          </a:p>
+          <a:p>
+            <a:r>
+              <a:rPr lang="sk-SK" sz="1200" b="0" kern="1200" dirty="0" smtClean="0">
+                <a:solidFill>
+                  <a:schemeClr val="tx1"/>
+                </a:solidFill>
+                <a:effectLst/>
+                <a:latin typeface="+mn-lt"/>
+                <a:ea typeface="+mn-ea"/>
+                <a:cs typeface="+mn-cs"/>
+              </a:rPr>
+              <a:t>čo je v mnohých prípadoch naozaj potrebné.</a:t>
+            </a:r>
+          </a:p>
+          <a:p>
+            <a:r>
+              <a:rPr lang="sk-SK" sz="1200" b="0" kern="1200" dirty="0" smtClean="0">
+                <a:solidFill>
+                  <a:schemeClr val="tx1"/>
+                </a:solidFill>
+                <a:effectLst/>
+                <a:latin typeface="+mn-lt"/>
+                <a:ea typeface="+mn-ea"/>
+                <a:cs typeface="+mn-cs"/>
+              </a:rPr>
+              <a:t>Výrazne vyššia </a:t>
+            </a:r>
+            <a:r>
+              <a:rPr lang="sk-SK" sz="1200" b="0" kern="1200" dirty="0" err="1" smtClean="0">
+                <a:solidFill>
+                  <a:schemeClr val="tx1"/>
+                </a:solidFill>
+                <a:effectLst/>
+                <a:latin typeface="+mn-lt"/>
+                <a:ea typeface="+mn-ea"/>
+                <a:cs typeface="+mn-cs"/>
+              </a:rPr>
+              <a:t>znovupoužiteľnosť</a:t>
+            </a:r>
+            <a:r>
+              <a:rPr lang="sk-SK" sz="1200" b="0" kern="1200" dirty="0" smtClean="0">
+                <a:solidFill>
+                  <a:schemeClr val="tx1"/>
+                </a:solidFill>
+                <a:effectLst/>
+                <a:latin typeface="+mn-lt"/>
+                <a:ea typeface="+mn-ea"/>
+                <a:cs typeface="+mn-cs"/>
+              </a:rPr>
+              <a:t>.</a:t>
+            </a:r>
+          </a:p>
+          <a:p>
+            <a:endParaRPr lang="en-US" sz="1200" b="0" kern="1200" dirty="0" smtClean="0">
+              <a:solidFill>
+                <a:schemeClr val="tx1"/>
+              </a:solidFill>
+              <a:effectLst/>
+              <a:latin typeface="+mn-lt"/>
+              <a:ea typeface="+mn-ea"/>
+              <a:cs typeface="+mn-cs"/>
+            </a:endParaRPr>
+          </a:p>
+          <a:p>
+            <a:r>
+              <a:rPr lang="sk-SK" sz="1200" b="0" kern="1200" dirty="0" smtClean="0">
+                <a:solidFill>
+                  <a:schemeClr val="tx1"/>
+                </a:solidFill>
+                <a:effectLst/>
+                <a:latin typeface="+mn-lt"/>
+                <a:ea typeface="+mn-ea"/>
+                <a:cs typeface="+mn-cs"/>
+              </a:rPr>
+              <a:t>Nejaké nevýhody?</a:t>
+            </a:r>
+          </a:p>
+          <a:p>
+            <a:r>
+              <a:rPr lang="en-US" sz="1200" b="0" kern="1200" dirty="0" smtClean="0">
+                <a:solidFill>
+                  <a:schemeClr val="tx1"/>
+                </a:solidFill>
+                <a:effectLst/>
+                <a:latin typeface="+mn-lt"/>
+                <a:ea typeface="+mn-ea"/>
+                <a:cs typeface="+mn-cs"/>
+              </a:rPr>
+              <a:t>  </a:t>
+            </a:r>
+            <a:r>
+              <a:rPr lang="sk-SK" sz="1200" b="0" kern="1200" dirty="0" smtClean="0">
+                <a:solidFill>
+                  <a:schemeClr val="tx1"/>
+                </a:solidFill>
+                <a:effectLst/>
+                <a:latin typeface="+mn-lt"/>
+                <a:ea typeface="+mn-ea"/>
+                <a:cs typeface="+mn-cs"/>
+              </a:rPr>
+              <a:t>Veľa malých tried, môže byť odstrašujúci a v niektorých prípadoch takzvaný </a:t>
+            </a:r>
+            <a:r>
+              <a:rPr lang="sk-SK" sz="1200" b="0" kern="1200" dirty="0" err="1" smtClean="0">
+                <a:solidFill>
+                  <a:schemeClr val="tx1"/>
+                </a:solidFill>
+                <a:effectLst/>
+                <a:latin typeface="+mn-lt"/>
+                <a:ea typeface="+mn-ea"/>
+                <a:cs typeface="+mn-cs"/>
+              </a:rPr>
+              <a:t>overkill</a:t>
+            </a:r>
+            <a:r>
+              <a:rPr lang="sk-SK" sz="1200" b="0" kern="1200" dirty="0" smtClean="0">
+                <a:solidFill>
+                  <a:schemeClr val="tx1"/>
+                </a:solidFill>
+                <a:effectLst/>
+                <a:latin typeface="+mn-lt"/>
+                <a:ea typeface="+mn-ea"/>
+                <a:cs typeface="+mn-cs"/>
+              </a:rPr>
+              <a:t>.</a:t>
+            </a:r>
+          </a:p>
+          <a:p>
+            <a:r>
+              <a:rPr lang="en-US" sz="1200" b="0" kern="1200" dirty="0" smtClean="0">
+                <a:solidFill>
+                  <a:schemeClr val="tx1"/>
+                </a:solidFill>
+                <a:effectLst/>
+                <a:latin typeface="+mn-lt"/>
+                <a:ea typeface="+mn-ea"/>
+                <a:cs typeface="+mn-cs"/>
+              </a:rPr>
+              <a:t>  </a:t>
+            </a:r>
+            <a:r>
+              <a:rPr lang="sk-SK" sz="1200" b="0" kern="1200" dirty="0" smtClean="0">
+                <a:solidFill>
+                  <a:schemeClr val="tx1"/>
+                </a:solidFill>
+                <a:effectLst/>
+                <a:latin typeface="+mn-lt"/>
+                <a:ea typeface="+mn-ea"/>
+                <a:cs typeface="+mn-cs"/>
+              </a:rPr>
+              <a:t>Napríklad ako v našom jednoduchom príklade.</a:t>
+            </a:r>
+          </a:p>
+          <a:p>
+            <a:r>
+              <a:rPr lang="en-US" sz="1200" b="0" kern="1200" dirty="0" smtClean="0">
+                <a:solidFill>
+                  <a:schemeClr val="tx1"/>
+                </a:solidFill>
+                <a:effectLst/>
+                <a:latin typeface="+mn-lt"/>
+                <a:ea typeface="+mn-ea"/>
+                <a:cs typeface="+mn-cs"/>
+              </a:rPr>
+              <a:t>  </a:t>
+            </a:r>
+            <a:r>
+              <a:rPr lang="sk-SK" sz="1200" b="0" kern="1200" dirty="0" smtClean="0">
+                <a:solidFill>
+                  <a:schemeClr val="tx1"/>
+                </a:solidFill>
+                <a:effectLst/>
+                <a:latin typeface="+mn-lt"/>
+                <a:ea typeface="+mn-ea"/>
+                <a:cs typeface="+mn-cs"/>
+              </a:rPr>
+              <a:t>Mohol som ešte vyriešiť to, že report </a:t>
+            </a:r>
+            <a:r>
+              <a:rPr lang="sk-SK" sz="1200" b="0" kern="1200" dirty="0" err="1" smtClean="0">
+                <a:solidFill>
+                  <a:schemeClr val="tx1"/>
+                </a:solidFill>
+                <a:effectLst/>
+                <a:latin typeface="+mn-lt"/>
+                <a:ea typeface="+mn-ea"/>
+                <a:cs typeface="+mn-cs"/>
+              </a:rPr>
+              <a:t>service</a:t>
+            </a:r>
+            <a:r>
+              <a:rPr lang="sk-SK" sz="1200" b="0" kern="1200" dirty="0" smtClean="0">
+                <a:solidFill>
+                  <a:schemeClr val="tx1"/>
+                </a:solidFill>
+                <a:effectLst/>
+                <a:latin typeface="+mn-lt"/>
+                <a:ea typeface="+mn-ea"/>
+                <a:cs typeface="+mn-cs"/>
+              </a:rPr>
+              <a:t> teraz odosiela mail, ale čo keď chcem neodoslať mail, ale uložiť report na úložisko.</a:t>
+            </a:r>
+            <a:r>
+              <a:rPr lang="en-US" sz="1200" b="0" kern="1200" dirty="0" smtClean="0">
+                <a:solidFill>
+                  <a:schemeClr val="tx1"/>
+                </a:solidFill>
+                <a:effectLst/>
+                <a:latin typeface="+mn-lt"/>
+                <a:ea typeface="+mn-ea"/>
+                <a:cs typeface="+mn-cs"/>
+              </a:rPr>
+              <a:t> </a:t>
+            </a:r>
+            <a:endParaRPr lang="sk-SK" sz="1200" b="0" kern="1200" dirty="0" smtClean="0">
+              <a:solidFill>
+                <a:schemeClr val="tx1"/>
+              </a:solidFill>
+              <a:effectLst/>
+              <a:latin typeface="+mn-lt"/>
+              <a:ea typeface="+mn-ea"/>
+              <a:cs typeface="+mn-cs"/>
+            </a:endParaRPr>
+          </a:p>
+          <a:p>
+            <a:r>
+              <a:rPr lang="en-US" sz="1200" b="0" kern="1200" dirty="0" smtClean="0">
+                <a:solidFill>
+                  <a:schemeClr val="tx1"/>
+                </a:solidFill>
+                <a:effectLst/>
+                <a:latin typeface="+mn-lt"/>
+                <a:ea typeface="+mn-ea"/>
+                <a:cs typeface="+mn-cs"/>
+              </a:rPr>
+              <a:t>  </a:t>
+            </a:r>
+            <a:r>
+              <a:rPr lang="sk-SK" sz="1200" b="0" kern="1200" dirty="0" smtClean="0">
+                <a:solidFill>
+                  <a:schemeClr val="tx1"/>
+                </a:solidFill>
+                <a:effectLst/>
+                <a:latin typeface="+mn-lt"/>
+                <a:ea typeface="+mn-ea"/>
+                <a:cs typeface="+mn-cs"/>
+              </a:rPr>
+              <a:t>Dennodenne sa budete potykať s tým, že budete </a:t>
+            </a:r>
+            <a:r>
+              <a:rPr lang="sk-SK" sz="1200" b="0" kern="1200" dirty="0" err="1" smtClean="0">
+                <a:solidFill>
+                  <a:schemeClr val="tx1"/>
+                </a:solidFill>
+                <a:effectLst/>
+                <a:latin typeface="+mn-lt"/>
+                <a:ea typeface="+mn-ea"/>
+                <a:cs typeface="+mn-cs"/>
+              </a:rPr>
+              <a:t>balancovať</a:t>
+            </a:r>
+            <a:r>
+              <a:rPr lang="sk-SK" sz="1200" b="0" kern="1200" dirty="0" smtClean="0">
+                <a:solidFill>
+                  <a:schemeClr val="tx1"/>
+                </a:solidFill>
+                <a:effectLst/>
+                <a:latin typeface="+mn-lt"/>
+                <a:ea typeface="+mn-ea"/>
+                <a:cs typeface="+mn-cs"/>
+              </a:rPr>
+              <a:t> do akej hĺbky riešiť jednotlivé pravidlá v danej chvíli. Je možné to riešiť až keď to bude potrebné.</a:t>
+            </a:r>
+            <a:endParaRPr lang="sk-SK" sz="1200" b="0" kern="1200" dirty="0">
+              <a:solidFill>
+                <a:schemeClr val="tx1"/>
+              </a:solidFill>
+              <a:effectLst/>
+              <a:latin typeface="+mn-lt"/>
+              <a:ea typeface="+mn-ea"/>
+              <a:cs typeface="+mn-cs"/>
+            </a:endParaRPr>
           </a:p>
         </p:txBody>
       </p:sp>
@@ -2820,7 +3833,7 @@
           <a:p>
             <a:fld id="{8683B77B-E50F-4F41-84C3-C1D230689A8D}" type="slidenum">
               <a:rPr lang="sk-SK" smtClean="0"/>
-              <a:t>23</a:t>
+              <a:t>20</a:t>
             </a:fld>
             <a:endParaRPr lang="sk-SK"/>
           </a:p>
@@ -2829,7 +3842,7 @@
     </p:spTree>
     <p:extLst>
       <p:ext uri="{BB962C8B-B14F-4D97-AF65-F5344CB8AC3E}">
-        <p14:creationId xmlns:p14="http://schemas.microsoft.com/office/powerpoint/2010/main" val="938447057"/>
+        <p14:creationId xmlns:p14="http://schemas.microsoft.com/office/powerpoint/2010/main" val="1757515557"/>
       </p:ext>
     </p:extLst>
   </p:cSld>
@@ -3030,7 +4043,7 @@
           <a:bodyPr/>
           <a:lstStyle/>
           <a:p>
-            <a:endParaRPr lang="sk-SK" dirty="0" smtClean="0"/>
+            <a:endParaRPr lang="sk-SK" dirty="0"/>
           </a:p>
         </p:txBody>
       </p:sp>
@@ -3051,7 +4064,7 @@
           <a:p>
             <a:fld id="{8683B77B-E50F-4F41-84C3-C1D230689A8D}" type="slidenum">
               <a:rPr lang="sk-SK" smtClean="0"/>
-              <a:t>24</a:t>
+              <a:t>21</a:t>
             </a:fld>
             <a:endParaRPr lang="sk-SK"/>
           </a:p>
@@ -3060,7 +4073,7 @@
     </p:spTree>
     <p:extLst>
       <p:ext uri="{BB962C8B-B14F-4D97-AF65-F5344CB8AC3E}">
-        <p14:creationId xmlns:p14="http://schemas.microsoft.com/office/powerpoint/2010/main" val="497357420"/>
+        <p14:creationId xmlns:p14="http://schemas.microsoft.com/office/powerpoint/2010/main" val="2318263027"/>
       </p:ext>
     </p:extLst>
   </p:cSld>
@@ -3114,7 +4127,38 @@
           <a:bodyPr/>
           <a:lstStyle/>
           <a:p>
-            <a:endParaRPr lang="sk-SK" dirty="0"/>
+            <a:pPr marL="0" marR="0" lvl="0" indent="0" algn="l" defTabSz="914400" rtl="0" eaLnBrk="1" fontAlgn="auto" latinLnBrk="0" hangingPunct="1">
+              <a:lnSpc>
+                <a:spcPct val="100000"/>
+              </a:lnSpc>
+              <a:spcBef>
+                <a:spcPts val="0"/>
+              </a:spcBef>
+              <a:spcAft>
+                <a:spcPts val="0"/>
+              </a:spcAft>
+              <a:buClrTx/>
+              <a:buSzTx/>
+              <a:buFontTx/>
+              <a:buNone/>
+              <a:tabLst/>
+              <a:defRPr/>
+            </a:pPr>
+            <a:r>
+              <a:rPr lang="sk-SK" sz="1200" b="0" kern="1200" dirty="0" smtClean="0">
+                <a:solidFill>
+                  <a:schemeClr val="tx1"/>
+                </a:solidFill>
+                <a:effectLst/>
+                <a:latin typeface="+mn-lt"/>
+                <a:ea typeface="+mn-ea"/>
+                <a:cs typeface="+mn-cs"/>
+              </a:rPr>
+              <a:t>+ Trieda je otvorená pre rozšírenie, ale uzatvorená pre zmeny</a:t>
+            </a:r>
+          </a:p>
+          <a:p>
+            <a:endParaRPr lang="sk-SK" dirty="0" smtClean="0"/>
           </a:p>
         </p:txBody>
       </p:sp>
@@ -3135,7 +4179,7 @@
           <a:p>
             <a:fld id="{8683B77B-E50F-4F41-84C3-C1D230689A8D}" type="slidenum">
               <a:rPr lang="sk-SK" smtClean="0"/>
-              <a:t>25</a:t>
+              <a:t>22</a:t>
             </a:fld>
             <a:endParaRPr lang="sk-SK"/>
           </a:p>
@@ -3144,7 +4188,7 @@
     </p:spTree>
     <p:extLst>
       <p:ext uri="{BB962C8B-B14F-4D97-AF65-F5344CB8AC3E}">
-        <p14:creationId xmlns:p14="http://schemas.microsoft.com/office/powerpoint/2010/main" val="2689801449"/>
+        <p14:creationId xmlns:p14="http://schemas.microsoft.com/office/powerpoint/2010/main" val="3040388320"/>
       </p:ext>
     </p:extLst>
   </p:cSld>
@@ -3199,19 +4243,33 @@
           <a:lstStyle/>
           <a:p>
             <a:r>
-              <a:rPr lang="sk-SK" dirty="0" smtClean="0"/>
-              <a:t>Dá sa to spraviť generické.</a:t>
-            </a:r>
-            <a:r>
-              <a:rPr lang="sk-SK" baseline="0" dirty="0" smtClean="0"/>
-              <a:t> Univerzálne na akýkoľvek typ dát. Ale to by bolo na inú debatu.</a:t>
-            </a:r>
-          </a:p>
-          <a:p>
-            <a:r>
-              <a:rPr lang="sk-SK" baseline="0" dirty="0" smtClean="0"/>
-              <a:t>Čo ak nebudeme chcieť odosielať mailom, ale ukladať to niekde, odoslať to na webovú službu?</a:t>
-            </a:r>
+              <a:rPr lang="sk-SK" sz="1200" b="0" kern="1200" dirty="0" smtClean="0">
+                <a:solidFill>
+                  <a:schemeClr val="tx1"/>
+                </a:solidFill>
+                <a:effectLst/>
+                <a:latin typeface="+mn-lt"/>
+                <a:ea typeface="+mn-ea"/>
+                <a:cs typeface="+mn-cs"/>
+              </a:rPr>
+              <a:t>Čo??? To mám napísať triedu, ktorú je možné rozširovať, zlepšovať, pridávať nové veci, zapracovávať novú funkčnosť ale nemôžem sa jej dotknúť?</a:t>
+            </a:r>
+          </a:p>
+          <a:p>
+            <a:r>
+              <a:rPr lang="sk-SK" sz="1200" b="0" kern="1200" dirty="0" smtClean="0">
+                <a:solidFill>
+                  <a:schemeClr val="tx1"/>
+                </a:solidFill>
+                <a:effectLst/>
+                <a:latin typeface="+mn-lt"/>
+                <a:ea typeface="+mn-ea"/>
+                <a:cs typeface="+mn-cs"/>
+              </a:rPr>
+              <a:t>V princípe áno.</a:t>
+            </a:r>
+          </a:p>
+          <a:p>
             <a:endParaRPr lang="sk-SK" dirty="0"/>
           </a:p>
         </p:txBody>
@@ -3233,7 +4291,7 @@
           <a:p>
             <a:fld id="{8683B77B-E50F-4F41-84C3-C1D230689A8D}" type="slidenum">
               <a:rPr lang="sk-SK" smtClean="0"/>
-              <a:t>26</a:t>
+              <a:t>23</a:t>
             </a:fld>
             <a:endParaRPr lang="sk-SK"/>
           </a:p>
@@ -3242,7 +4300,7 @@
     </p:spTree>
     <p:extLst>
       <p:ext uri="{BB962C8B-B14F-4D97-AF65-F5344CB8AC3E}">
-        <p14:creationId xmlns:p14="http://schemas.microsoft.com/office/powerpoint/2010/main" val="336857164"/>
+        <p14:creationId xmlns:p14="http://schemas.microsoft.com/office/powerpoint/2010/main" val="938447057"/>
       </p:ext>
     </p:extLst>
   </p:cSld>
@@ -3296,7 +4354,2135 @@
           <a:bodyPr/>
           <a:lstStyle/>
           <a:p>
-            <a:endParaRPr lang="sk-SK" dirty="0"/>
+            <a:r>
+              <a:rPr lang="sk-SK" sz="1200" b="0" kern="1200" dirty="0" smtClean="0">
+                <a:solidFill>
+                  <a:schemeClr val="tx1"/>
+                </a:solidFill>
+                <a:effectLst/>
+                <a:latin typeface="+mn-lt"/>
+                <a:ea typeface="+mn-ea"/>
+                <a:cs typeface="+mn-cs"/>
+              </a:rPr>
+              <a:t>Keď potrebujem novú vec, tak je to nová trieda</a:t>
+            </a:r>
+          </a:p>
+          <a:p>
+            <a:r>
+              <a:rPr lang="sk-SK" sz="1200" b="0" kern="1200" dirty="0" smtClean="0">
+                <a:solidFill>
+                  <a:schemeClr val="tx1"/>
+                </a:solidFill>
+                <a:effectLst/>
+                <a:latin typeface="+mn-lt"/>
+                <a:ea typeface="+mn-ea"/>
+                <a:cs typeface="+mn-cs"/>
+              </a:rPr>
+              <a:t>Príde nová požiadavka, je to nová trieda</a:t>
+            </a:r>
+          </a:p>
+          <a:p>
+            <a:r>
+              <a:rPr lang="sk-SK" sz="1200" b="0" kern="1200" dirty="0" smtClean="0">
+                <a:solidFill>
+                  <a:schemeClr val="tx1"/>
+                </a:solidFill>
+                <a:effectLst/>
+                <a:latin typeface="+mn-lt"/>
+                <a:ea typeface="+mn-ea"/>
+                <a:cs typeface="+mn-cs"/>
+              </a:rPr>
+              <a:t>jediný dôvod, prečo by sme mali otvoriť pôvodnú triedu a zmeniť v nej niečo by mala byť chyba. Jej oprava.</a:t>
+            </a:r>
+          </a:p>
+          <a:p>
+            <a:r>
+              <a:rPr lang="sk-SK" sz="1200" b="0" kern="1200" dirty="0" err="1" smtClean="0">
+                <a:solidFill>
+                  <a:schemeClr val="tx1"/>
+                </a:solidFill>
+                <a:effectLst/>
+                <a:latin typeface="+mn-lt"/>
+                <a:ea typeface="+mn-ea"/>
+                <a:cs typeface="+mn-cs"/>
+              </a:rPr>
+              <a:t>Ok</a:t>
+            </a:r>
+            <a:r>
+              <a:rPr lang="sk-SK" sz="1200" b="0" kern="1200" dirty="0" smtClean="0">
+                <a:solidFill>
+                  <a:schemeClr val="tx1"/>
+                </a:solidFill>
+                <a:effectLst/>
+                <a:latin typeface="+mn-lt"/>
+                <a:ea typeface="+mn-ea"/>
+                <a:cs typeface="+mn-cs"/>
+              </a:rPr>
+              <a:t>, nie je možné brať toto pravidlo doslovne. Súhlasím. Každopádne je potrebné sa nad tým zamýšľať.</a:t>
+            </a:r>
+          </a:p>
+          <a:p>
+            <a:r>
+              <a:rPr lang="sk-SK" sz="1200" b="0" kern="1200" dirty="0" smtClean="0">
+                <a:solidFill>
+                  <a:schemeClr val="tx1"/>
+                </a:solidFill>
+                <a:effectLst/>
+                <a:latin typeface="+mn-lt"/>
+                <a:ea typeface="+mn-ea"/>
+                <a:cs typeface="+mn-cs"/>
+              </a:rPr>
+              <a:t>Otázka, ako teda mám napísať triedu, ktorú keď chcem rozširovať tak nezasiahnem do pôvodnej triedy?</a:t>
+            </a:r>
+          </a:p>
+          <a:p>
+            <a:r>
+              <a:rPr lang="en-US" sz="1200" b="0" kern="1200" dirty="0" smtClean="0">
+                <a:solidFill>
+                  <a:schemeClr val="tx1"/>
+                </a:solidFill>
+                <a:effectLst/>
+                <a:latin typeface="+mn-lt"/>
+                <a:ea typeface="+mn-ea"/>
+                <a:cs typeface="+mn-cs"/>
+              </a:rPr>
+              <a:t>	</a:t>
+            </a:r>
+            <a:r>
+              <a:rPr lang="sk-SK" sz="1200" b="0" kern="1200" dirty="0" smtClean="0">
+                <a:solidFill>
+                  <a:schemeClr val="tx1"/>
+                </a:solidFill>
+                <a:effectLst/>
+                <a:latin typeface="+mn-lt"/>
+                <a:ea typeface="+mn-ea"/>
+                <a:cs typeface="+mn-cs"/>
+              </a:rPr>
+              <a:t>štandardný príklad ktorý sa pri tomto </a:t>
+            </a:r>
+            <a:r>
+              <a:rPr lang="sk-SK" sz="1200" b="0" kern="1200" dirty="0" err="1" smtClean="0">
+                <a:solidFill>
+                  <a:schemeClr val="tx1"/>
+                </a:solidFill>
+                <a:effectLst/>
+                <a:latin typeface="+mn-lt"/>
+                <a:ea typeface="+mn-ea"/>
+                <a:cs typeface="+mn-cs"/>
+              </a:rPr>
+              <a:t>principe</a:t>
+            </a:r>
+            <a:r>
+              <a:rPr lang="sk-SK" sz="1200" b="0" kern="1200" dirty="0" smtClean="0">
+                <a:solidFill>
+                  <a:schemeClr val="tx1"/>
+                </a:solidFill>
+                <a:effectLst/>
+                <a:latin typeface="+mn-lt"/>
+                <a:ea typeface="+mn-ea"/>
+                <a:cs typeface="+mn-cs"/>
+              </a:rPr>
+              <a:t> uvádza je s </a:t>
+            </a:r>
+            <a:r>
+              <a:rPr lang="sk-SK" sz="1200" b="0" kern="1200" dirty="0" err="1" smtClean="0">
+                <a:solidFill>
+                  <a:schemeClr val="tx1"/>
+                </a:solidFill>
+                <a:effectLst/>
+                <a:latin typeface="+mn-lt"/>
+                <a:ea typeface="+mn-ea"/>
+                <a:cs typeface="+mn-cs"/>
+              </a:rPr>
+              <a:t>AreaCalculator</a:t>
+            </a:r>
+            <a:r>
+              <a:rPr lang="sk-SK" sz="1200" b="0" kern="1200" dirty="0" smtClean="0">
+                <a:solidFill>
+                  <a:schemeClr val="tx1"/>
+                </a:solidFill>
+                <a:effectLst/>
+                <a:latin typeface="+mn-lt"/>
+                <a:ea typeface="+mn-ea"/>
+                <a:cs typeface="+mn-cs"/>
+              </a:rPr>
+              <a:t>. Trieda, ktorej podhodíme zoznam obdĺžnikov a ona spočíta ich plochu. Chceme ho rozlíšiť o spočítať plochu akýchkoľvek útvarov. Polymorfizmus.</a:t>
+            </a:r>
+          </a:p>
+          <a:p>
+            <a:r>
+              <a:rPr lang="en-US" sz="1200" b="0" kern="1200" dirty="0" smtClean="0">
+                <a:solidFill>
+                  <a:schemeClr val="tx1"/>
+                </a:solidFill>
+                <a:effectLst/>
+                <a:latin typeface="+mn-lt"/>
+                <a:ea typeface="+mn-ea"/>
+                <a:cs typeface="+mn-cs"/>
+              </a:rPr>
+              <a:t>	</a:t>
+            </a:r>
+            <a:r>
+              <a:rPr lang="sk-SK" sz="1200" b="0" kern="1200" dirty="0" smtClean="0">
+                <a:solidFill>
+                  <a:schemeClr val="tx1"/>
+                </a:solidFill>
+                <a:effectLst/>
+                <a:latin typeface="+mn-lt"/>
+                <a:ea typeface="+mn-ea"/>
+                <a:cs typeface="+mn-cs"/>
+              </a:rPr>
+              <a:t>existujú ale aj rôzne iné techniky (</a:t>
+            </a:r>
+            <a:r>
+              <a:rPr lang="sk-SK" sz="1200" b="0" kern="1200" dirty="0" err="1" smtClean="0">
+                <a:solidFill>
+                  <a:schemeClr val="tx1"/>
+                </a:solidFill>
+                <a:effectLst/>
+                <a:latin typeface="+mn-lt"/>
+                <a:ea typeface="+mn-ea"/>
+                <a:cs typeface="+mn-cs"/>
+              </a:rPr>
+              <a:t>visitor</a:t>
+            </a:r>
+            <a:r>
+              <a:rPr lang="sk-SK" sz="1200" b="0" kern="1200" dirty="0" smtClean="0">
+                <a:solidFill>
+                  <a:schemeClr val="tx1"/>
+                </a:solidFill>
+                <a:effectLst/>
+                <a:latin typeface="+mn-lt"/>
+                <a:ea typeface="+mn-ea"/>
+                <a:cs typeface="+mn-cs"/>
+              </a:rPr>
+              <a:t>, </a:t>
+            </a:r>
+            <a:r>
+              <a:rPr lang="sk-SK" sz="1200" b="0" kern="1200" dirty="0" err="1" smtClean="0">
+                <a:solidFill>
+                  <a:schemeClr val="tx1"/>
+                </a:solidFill>
+                <a:effectLst/>
+                <a:latin typeface="+mn-lt"/>
+                <a:ea typeface="+mn-ea"/>
+                <a:cs typeface="+mn-cs"/>
+              </a:rPr>
+              <a:t>strategy</a:t>
+            </a:r>
+            <a:r>
+              <a:rPr lang="sk-SK" sz="1200" b="0" kern="1200" dirty="0" smtClean="0">
+                <a:solidFill>
+                  <a:schemeClr val="tx1"/>
+                </a:solidFill>
+                <a:effectLst/>
+                <a:latin typeface="+mn-lt"/>
+                <a:ea typeface="+mn-ea"/>
+                <a:cs typeface="+mn-cs"/>
+              </a:rPr>
+              <a:t>, </a:t>
+            </a:r>
+            <a:r>
+              <a:rPr lang="sk-SK" sz="1200" b="0" kern="1200" dirty="0" err="1" smtClean="0">
+                <a:solidFill>
+                  <a:schemeClr val="tx1"/>
+                </a:solidFill>
+                <a:effectLst/>
+                <a:latin typeface="+mn-lt"/>
+                <a:ea typeface="+mn-ea"/>
+                <a:cs typeface="+mn-cs"/>
+              </a:rPr>
+              <a:t>decorator</a:t>
+            </a:r>
+            <a:r>
+              <a:rPr lang="sk-SK" sz="1200" b="0" kern="1200" dirty="0" smtClean="0">
+                <a:solidFill>
+                  <a:schemeClr val="tx1"/>
+                </a:solidFill>
+                <a:effectLst/>
+                <a:latin typeface="+mn-lt"/>
+                <a:ea typeface="+mn-ea"/>
+                <a:cs typeface="+mn-cs"/>
+              </a:rPr>
+              <a:t>)</a:t>
+            </a:r>
+          </a:p>
+          <a:p>
+            <a:endParaRPr lang="sk-SK" dirty="0" smtClean="0"/>
+          </a:p>
+        </p:txBody>
+      </p:sp>
+      <p:sp>
+        <p:nvSpPr>
+          <p:cNvPr id="4" name="Zástupný objekt pre číslo snímky 3"/>
+          <p:cNvSpPr>
+            <a:spLocks noGrp="1"/>
+          </p:cNvSpPr>
+          <p:nvPr>
+            <p:ph type="sldNum" sz="quarter" idx="10"/>
+          </p:nvPr>
+        </p:nvSpPr>
+        <p:spPr/>
+        <p:txBody>
+          <a:bodyPr/>
+          <a:lstStyle/>
+          <a:p>
+            <a:fld id="{8683B77B-E50F-4F41-84C3-C1D230689A8D}" type="slidenum">
+              <a:rPr lang="sk-SK" smtClean="0"/>
+              <a:t>24</a:t>
+            </a:fld>
+            <a:endParaRPr lang="sk-SK"/>
+          </a:p>
+        </p:txBody>
+      </p:sp>
+    </p:spTree>
+    <p:extLst>
+      <p:ext uri="{BB962C8B-B14F-4D97-AF65-F5344CB8AC3E}">
+        <p14:creationId xmlns:p14="http://schemas.microsoft.com/office/powerpoint/2010/main" val="497357420"/>
+      </p:ext>
+    </p:extLst>
+  </p:cSld>
+  <p:clrMapOvr>
+    <a:masterClrMapping/>
+  </p:clrMapOvr>
+</p:notes>
+</file>
+
+<file path=ppt/notesSlides/notesSlide24.xml><?xml version="1.0" encoding="utf-8"?>
+<p:notes xmlns:a="http://schemas.openxmlformats.org/drawingml/2006/main" xmlns:r="http://schemas.openxmlformats.org/officeDocument/2006/relationships" xmlns:p="http://schemas.openxmlformats.org/presentationml/2006/main">
+  <p:cSld>
+    <p:spTree>
+      <p:nvGrpSpPr>
+        <p:cNvPr id="1" name=""/>
+        <p:cNvGrpSpPr/>
+        <p:nvPr/>
+      </p:nvGrpSpPr>
+      <p:grpSpPr>
+        <a:xfrm>
+          <a:off x="0" y="0"/>
+          <a:ext cx="0" cy="0"/>
+          <a:chOff x="0" y="0"/>
+          <a:chExt cx="0" cy="0"/>
+        </a:xfrm>
+      </p:grpSpPr>
+      <p:sp>
+        <p:nvSpPr>
+          <p:cNvPr id="2" name="Zástupný objekt pre obrázok snímky 1"/>
+          <p:cNvSpPr>
+            <a:spLocks noGrp="1" noRot="1" noChangeAspect="1"/>
+          </p:cNvSpPr>
+          <p:nvPr>
+            <p:ph type="sldImg"/>
+          </p:nvPr>
+        </p:nvSpPr>
+        <p:spPr/>
+      </p:sp>
+      <p:sp>
+        <p:nvSpPr>
+          <p:cNvPr id="3" name="Zástupný objekt pre poznámky 2"/>
+          <p:cNvSpPr>
+            <a:spLocks noGrp="1"/>
+          </p:cNvSpPr>
+          <p:nvPr>
+            <p:ph type="body" idx="1"/>
+          </p:nvPr>
+        </p:nvSpPr>
+        <p:spPr/>
+        <p:txBody>
+          <a:bodyPr/>
+          <a:lstStyle/>
+          <a:p>
+            <a:r>
+              <a:rPr lang="sk-SK" sz="1200" b="0" kern="1200" dirty="0" smtClean="0">
+                <a:solidFill>
+                  <a:schemeClr val="tx1"/>
+                </a:solidFill>
+                <a:effectLst/>
+                <a:latin typeface="+mn-lt"/>
+                <a:ea typeface="+mn-ea"/>
+                <a:cs typeface="+mn-cs"/>
+              </a:rPr>
+              <a:t>Povedzme si, že sme dostali požiadavku aby táto naša aplikácia umožňovala spraviť report aj z dát, ktoré sa nachádzajú v </a:t>
+            </a:r>
+            <a:r>
+              <a:rPr lang="sk-SK" sz="1200" b="0" kern="1200" dirty="0" err="1" smtClean="0">
+                <a:solidFill>
+                  <a:schemeClr val="tx1"/>
+                </a:solidFill>
+                <a:effectLst/>
+                <a:latin typeface="+mn-lt"/>
+                <a:ea typeface="+mn-ea"/>
+                <a:cs typeface="+mn-cs"/>
+              </a:rPr>
+              <a:t>Xml</a:t>
+            </a:r>
+            <a:r>
+              <a:rPr lang="sk-SK" sz="1200" b="0" kern="1200" dirty="0" smtClean="0">
+                <a:solidFill>
+                  <a:schemeClr val="tx1"/>
+                </a:solidFill>
+                <a:effectLst/>
+                <a:latin typeface="+mn-lt"/>
+                <a:ea typeface="+mn-ea"/>
+                <a:cs typeface="+mn-cs"/>
+              </a:rPr>
+              <a:t> súbore. </a:t>
+            </a:r>
+          </a:p>
+          <a:p>
+            <a:r>
+              <a:rPr lang="sk-SK" sz="1200" b="0" kern="1200" dirty="0" smtClean="0">
+                <a:solidFill>
+                  <a:schemeClr val="tx1"/>
+                </a:solidFill>
+                <a:effectLst/>
+                <a:latin typeface="+mn-lt"/>
+                <a:ea typeface="+mn-ea"/>
+                <a:cs typeface="+mn-cs"/>
+              </a:rPr>
+              <a:t>Následne dostaneme požiadavku aby sme dáta </a:t>
+            </a:r>
+            <a:r>
+              <a:rPr lang="sk-SK" sz="1200" b="0" kern="1200" dirty="0" err="1" smtClean="0">
+                <a:solidFill>
+                  <a:schemeClr val="tx1"/>
+                </a:solidFill>
+                <a:effectLst/>
+                <a:latin typeface="+mn-lt"/>
+                <a:ea typeface="+mn-ea"/>
+                <a:cs typeface="+mn-cs"/>
+              </a:rPr>
+              <a:t>kešovali</a:t>
+            </a:r>
+            <a:r>
+              <a:rPr lang="sk-SK" sz="1200" b="0" kern="1200" dirty="0" smtClean="0">
+                <a:solidFill>
+                  <a:schemeClr val="tx1"/>
+                </a:solidFill>
+                <a:effectLst/>
+                <a:latin typeface="+mn-lt"/>
+                <a:ea typeface="+mn-ea"/>
+                <a:cs typeface="+mn-cs"/>
+              </a:rPr>
+              <a:t>.</a:t>
+            </a:r>
+          </a:p>
+          <a:p>
+            <a:r>
+              <a:rPr lang="sk-SK" sz="1200" b="0" kern="1200" dirty="0" smtClean="0">
+                <a:solidFill>
+                  <a:schemeClr val="tx1"/>
+                </a:solidFill>
+                <a:effectLst/>
+                <a:latin typeface="+mn-lt"/>
+                <a:ea typeface="+mn-ea"/>
+                <a:cs typeface="+mn-cs"/>
+              </a:rPr>
+              <a:t>Na prácu s dátami nám slúži naša trieda </a:t>
+            </a:r>
+            <a:r>
+              <a:rPr lang="sk-SK" sz="1200" b="0" kern="1200" dirty="0" err="1" smtClean="0">
+                <a:solidFill>
+                  <a:schemeClr val="tx1"/>
+                </a:solidFill>
+                <a:effectLst/>
+                <a:latin typeface="+mn-lt"/>
+                <a:ea typeface="+mn-ea"/>
+                <a:cs typeface="+mn-cs"/>
+              </a:rPr>
+              <a:t>PeopleRepository</a:t>
+            </a:r>
+            <a:r>
+              <a:rPr lang="sk-SK" sz="1200" b="0" kern="1200" dirty="0" smtClean="0">
+                <a:solidFill>
+                  <a:schemeClr val="tx1"/>
+                </a:solidFill>
+                <a:effectLst/>
+                <a:latin typeface="+mn-lt"/>
+                <a:ea typeface="+mn-ea"/>
+                <a:cs typeface="+mn-cs"/>
+              </a:rPr>
+              <a:t> a používajú trieda </a:t>
+            </a:r>
+            <a:r>
+              <a:rPr lang="sk-SK" sz="1200" b="0" kern="1200" dirty="0" err="1" smtClean="0">
+                <a:solidFill>
+                  <a:schemeClr val="tx1"/>
+                </a:solidFill>
+                <a:effectLst/>
+                <a:latin typeface="+mn-lt"/>
+                <a:ea typeface="+mn-ea"/>
+                <a:cs typeface="+mn-cs"/>
+              </a:rPr>
+              <a:t>PeopleReportService</a:t>
+            </a:r>
+            <a:r>
+              <a:rPr lang="sk-SK" sz="1200" b="0" kern="1200" dirty="0" smtClean="0">
+                <a:solidFill>
+                  <a:schemeClr val="tx1"/>
+                </a:solidFill>
+                <a:effectLst/>
+                <a:latin typeface="+mn-lt"/>
+                <a:ea typeface="+mn-ea"/>
+                <a:cs typeface="+mn-cs"/>
+              </a:rPr>
+              <a:t>.</a:t>
+            </a:r>
+          </a:p>
+          <a:p>
+            <a:r>
+              <a:rPr lang="sk-SK" sz="1200" b="0" kern="1200" dirty="0" smtClean="0">
+                <a:solidFill>
+                  <a:schemeClr val="tx1"/>
+                </a:solidFill>
+                <a:effectLst/>
+                <a:latin typeface="+mn-lt"/>
+                <a:ea typeface="+mn-ea"/>
+                <a:cs typeface="+mn-cs"/>
+              </a:rPr>
+              <a:t>Ako teda zapracovať túto požiadavku, bez toho aby sme zasiahli do </a:t>
+            </a:r>
+            <a:r>
+              <a:rPr lang="sk-SK" sz="1200" b="0" kern="1200" dirty="0" err="1" smtClean="0">
+                <a:solidFill>
+                  <a:schemeClr val="tx1"/>
+                </a:solidFill>
+                <a:effectLst/>
+                <a:latin typeface="+mn-lt"/>
+                <a:ea typeface="+mn-ea"/>
+                <a:cs typeface="+mn-cs"/>
+              </a:rPr>
+              <a:t>existjúcich</a:t>
+            </a:r>
+            <a:r>
+              <a:rPr lang="sk-SK" sz="1200" b="0" kern="1200" dirty="0" smtClean="0">
+                <a:solidFill>
+                  <a:schemeClr val="tx1"/>
+                </a:solidFill>
+                <a:effectLst/>
+                <a:latin typeface="+mn-lt"/>
+                <a:ea typeface="+mn-ea"/>
+                <a:cs typeface="+mn-cs"/>
+              </a:rPr>
+              <a:t> tried?</a:t>
+            </a:r>
+          </a:p>
+          <a:p>
+            <a:r>
+              <a:rPr lang="sk-SK" sz="1200" b="0" kern="1200" dirty="0" smtClean="0">
+                <a:solidFill>
+                  <a:schemeClr val="tx1"/>
+                </a:solidFill>
+                <a:effectLst/>
+                <a:latin typeface="+mn-lt"/>
+                <a:ea typeface="+mn-ea"/>
+                <a:cs typeface="+mn-cs"/>
+              </a:rPr>
+              <a:t>Naše triedy ešte na rozširovanie pripravené </a:t>
+            </a:r>
+            <a:r>
+              <a:rPr lang="sk-SK" sz="1200" b="0" kern="1200" dirty="0" err="1" smtClean="0">
+                <a:solidFill>
+                  <a:schemeClr val="tx1"/>
+                </a:solidFill>
+                <a:effectLst/>
+                <a:latin typeface="+mn-lt"/>
+                <a:ea typeface="+mn-ea"/>
+                <a:cs typeface="+mn-cs"/>
+              </a:rPr>
+              <a:t>niesu</a:t>
+            </a:r>
+            <a:r>
+              <a:rPr lang="sk-SK" sz="1200" b="0" kern="1200" dirty="0" smtClean="0">
+                <a:solidFill>
+                  <a:schemeClr val="tx1"/>
+                </a:solidFill>
+                <a:effectLst/>
+                <a:latin typeface="+mn-lt"/>
+                <a:ea typeface="+mn-ea"/>
+                <a:cs typeface="+mn-cs"/>
+              </a:rPr>
+              <a:t>. Preto to musíme trošku </a:t>
+            </a:r>
+            <a:r>
+              <a:rPr lang="sk-SK" sz="1200" b="0" kern="1200" dirty="0" err="1" smtClean="0">
+                <a:solidFill>
+                  <a:schemeClr val="tx1"/>
+                </a:solidFill>
+                <a:effectLst/>
+                <a:latin typeface="+mn-lt"/>
+                <a:ea typeface="+mn-ea"/>
+                <a:cs typeface="+mn-cs"/>
+              </a:rPr>
+              <a:t>zrefaktorovať</a:t>
+            </a:r>
+            <a:r>
+              <a:rPr lang="sk-SK" sz="1200" b="0" kern="1200" dirty="0" smtClean="0">
+                <a:solidFill>
+                  <a:schemeClr val="tx1"/>
+                </a:solidFill>
+                <a:effectLst/>
+                <a:latin typeface="+mn-lt"/>
+                <a:ea typeface="+mn-ea"/>
+                <a:cs typeface="+mn-cs"/>
+              </a:rPr>
+              <a:t>.</a:t>
+            </a:r>
+          </a:p>
+          <a:p>
+            <a:r>
+              <a:rPr lang="sk-SK" sz="1200" b="0" kern="1200" dirty="0" smtClean="0">
+                <a:solidFill>
+                  <a:schemeClr val="tx1"/>
+                </a:solidFill>
+                <a:effectLst/>
+                <a:latin typeface="+mn-lt"/>
+                <a:ea typeface="+mn-ea"/>
+                <a:cs typeface="+mn-cs"/>
+              </a:rPr>
+              <a:t>Vytvoríme si </a:t>
+            </a:r>
+            <a:r>
+              <a:rPr lang="sk-SK" sz="1200" b="0" kern="1200" dirty="0" err="1" smtClean="0">
+                <a:solidFill>
+                  <a:schemeClr val="tx1"/>
+                </a:solidFill>
+                <a:effectLst/>
+                <a:latin typeface="+mn-lt"/>
+                <a:ea typeface="+mn-ea"/>
+                <a:cs typeface="+mn-cs"/>
+              </a:rPr>
+              <a:t>interfejs</a:t>
+            </a:r>
+            <a:r>
+              <a:rPr lang="sk-SK" sz="1200" b="0" kern="1200" dirty="0" smtClean="0">
+                <a:solidFill>
+                  <a:schemeClr val="tx1"/>
+                </a:solidFill>
+                <a:effectLst/>
+                <a:latin typeface="+mn-lt"/>
+                <a:ea typeface="+mn-ea"/>
+                <a:cs typeface="+mn-cs"/>
+              </a:rPr>
+              <a:t> </a:t>
+            </a:r>
+            <a:r>
+              <a:rPr lang="sk-SK" sz="1200" b="0" kern="1200" dirty="0" err="1" smtClean="0">
+                <a:solidFill>
+                  <a:schemeClr val="tx1"/>
+                </a:solidFill>
+                <a:effectLst/>
+                <a:latin typeface="+mn-lt"/>
+                <a:ea typeface="+mn-ea"/>
+                <a:cs typeface="+mn-cs"/>
+              </a:rPr>
+              <a:t>IPeopleRepository</a:t>
+            </a:r>
+            <a:r>
+              <a:rPr lang="sk-SK" sz="1200" b="0" kern="1200" dirty="0" smtClean="0">
+                <a:solidFill>
+                  <a:schemeClr val="tx1"/>
+                </a:solidFill>
+                <a:effectLst/>
+                <a:latin typeface="+mn-lt"/>
+                <a:ea typeface="+mn-ea"/>
+                <a:cs typeface="+mn-cs"/>
+              </a:rPr>
+              <a:t>, ktoré popisuje triedy, ktoré nám vedia poskytnúť potrebné dáta.</a:t>
+            </a:r>
+          </a:p>
+          <a:p>
+            <a:r>
+              <a:rPr lang="sk-SK" sz="1200" b="0" kern="1200" dirty="0" smtClean="0">
+                <a:solidFill>
+                  <a:schemeClr val="tx1"/>
+                </a:solidFill>
+                <a:effectLst/>
+                <a:latin typeface="+mn-lt"/>
+                <a:ea typeface="+mn-ea"/>
+                <a:cs typeface="+mn-cs"/>
+              </a:rPr>
+              <a:t>V triede </a:t>
+            </a:r>
+            <a:r>
+              <a:rPr lang="sk-SK" sz="1200" b="0" kern="1200" dirty="0" err="1" smtClean="0">
+                <a:solidFill>
+                  <a:schemeClr val="tx1"/>
+                </a:solidFill>
+                <a:effectLst/>
+                <a:latin typeface="+mn-lt"/>
+                <a:ea typeface="+mn-ea"/>
+                <a:cs typeface="+mn-cs"/>
+              </a:rPr>
+              <a:t>PeopleReportService</a:t>
+            </a:r>
+            <a:r>
+              <a:rPr lang="sk-SK" sz="1200" b="0" kern="1200" dirty="0" smtClean="0">
+                <a:solidFill>
+                  <a:schemeClr val="tx1"/>
+                </a:solidFill>
+                <a:effectLst/>
+                <a:latin typeface="+mn-lt"/>
+                <a:ea typeface="+mn-ea"/>
+                <a:cs typeface="+mn-cs"/>
+              </a:rPr>
+              <a:t> sa nebudeme odkazovať na pôvodnú triedu, ale budeme sa odkazovať na jej </a:t>
+            </a:r>
+            <a:r>
+              <a:rPr lang="sk-SK" sz="1200" b="0" kern="1200" dirty="0" err="1" smtClean="0">
+                <a:solidFill>
+                  <a:schemeClr val="tx1"/>
+                </a:solidFill>
+                <a:effectLst/>
+                <a:latin typeface="+mn-lt"/>
+                <a:ea typeface="+mn-ea"/>
+                <a:cs typeface="+mn-cs"/>
+              </a:rPr>
+              <a:t>interfejs</a:t>
+            </a:r>
+            <a:r>
+              <a:rPr lang="sk-SK" sz="1200" b="0" kern="1200" dirty="0" smtClean="0">
+                <a:solidFill>
+                  <a:schemeClr val="tx1"/>
+                </a:solidFill>
+                <a:effectLst/>
+                <a:latin typeface="+mn-lt"/>
+                <a:ea typeface="+mn-ea"/>
+                <a:cs typeface="+mn-cs"/>
+              </a:rPr>
+              <a:t>.</a:t>
+            </a:r>
+          </a:p>
+          <a:p>
+            <a:r>
+              <a:rPr lang="sk-SK" sz="1200" b="0" kern="1200" dirty="0" smtClean="0">
+                <a:solidFill>
+                  <a:schemeClr val="tx1"/>
+                </a:solidFill>
+                <a:effectLst/>
+                <a:latin typeface="+mn-lt"/>
+                <a:ea typeface="+mn-ea"/>
+                <a:cs typeface="+mn-cs"/>
+              </a:rPr>
+              <a:t>Ako náhle naša trieda závisí na rozhraní (abstraktnej triede) máme ju pripravenú pre budúce rozširovanie.</a:t>
+            </a:r>
+          </a:p>
+          <a:p>
+            <a:r>
+              <a:rPr lang="sk-SK" sz="1200" b="0" kern="1200" dirty="0" smtClean="0">
+                <a:solidFill>
+                  <a:schemeClr val="tx1"/>
+                </a:solidFill>
+                <a:effectLst/>
+                <a:latin typeface="+mn-lt"/>
+                <a:ea typeface="+mn-ea"/>
+                <a:cs typeface="+mn-cs"/>
+              </a:rPr>
+              <a:t>Ak vieme odhadnúť takéto miesta (miesta, kde predpokladáme možné rozširovanie) vieme mať triedy na to pripravené.</a:t>
+            </a:r>
+          </a:p>
+          <a:p>
+            <a:r>
+              <a:rPr lang="sk-SK" sz="1200" b="0" kern="1200" dirty="0" smtClean="0">
+                <a:solidFill>
+                  <a:schemeClr val="tx1"/>
+                </a:solidFill>
+                <a:effectLst/>
+                <a:latin typeface="+mn-lt"/>
+                <a:ea typeface="+mn-ea"/>
+                <a:cs typeface="+mn-cs"/>
+              </a:rPr>
+              <a:t>Implementáciu si necháme poslať cez konštruktor.</a:t>
+            </a:r>
+          </a:p>
+          <a:p>
+            <a:r>
+              <a:rPr lang="sk-SK" sz="1200" b="0" kern="1200" dirty="0" smtClean="0">
+                <a:solidFill>
+                  <a:schemeClr val="tx1"/>
+                </a:solidFill>
+                <a:effectLst/>
+                <a:latin typeface="+mn-lt"/>
+                <a:ea typeface="+mn-ea"/>
+                <a:cs typeface="+mn-cs"/>
+              </a:rPr>
+              <a:t>Teraz je naša trieda </a:t>
+            </a:r>
+            <a:r>
+              <a:rPr lang="sk-SK" sz="1200" b="0" kern="1200" dirty="0" err="1" smtClean="0">
+                <a:solidFill>
+                  <a:schemeClr val="tx1"/>
+                </a:solidFill>
+                <a:effectLst/>
+                <a:latin typeface="+mn-lt"/>
+                <a:ea typeface="+mn-ea"/>
+                <a:cs typeface="+mn-cs"/>
+              </a:rPr>
+              <a:t>PeopleReportService</a:t>
+            </a:r>
+            <a:r>
+              <a:rPr lang="sk-SK" sz="1200" b="0" kern="1200" dirty="0" smtClean="0">
+                <a:solidFill>
+                  <a:schemeClr val="tx1"/>
+                </a:solidFill>
+                <a:effectLst/>
+                <a:latin typeface="+mn-lt"/>
+                <a:ea typeface="+mn-ea"/>
+                <a:cs typeface="+mn-cs"/>
+              </a:rPr>
+              <a:t> pripravená na rozšírenie.</a:t>
+            </a:r>
+          </a:p>
+          <a:p>
+            <a:r>
+              <a:rPr lang="sk-SK" sz="1200" b="0" kern="1200" dirty="0" smtClean="0">
+                <a:solidFill>
+                  <a:schemeClr val="tx1"/>
+                </a:solidFill>
+                <a:effectLst/>
+                <a:latin typeface="+mn-lt"/>
+                <a:ea typeface="+mn-ea"/>
+                <a:cs typeface="+mn-cs"/>
+              </a:rPr>
+              <a:t>Môžeme vytvoriť si vytvoriť triedu </a:t>
+            </a:r>
+            <a:r>
+              <a:rPr lang="sk-SK" sz="1200" b="0" kern="1200" dirty="0" err="1" smtClean="0">
+                <a:solidFill>
+                  <a:schemeClr val="tx1"/>
+                </a:solidFill>
+                <a:effectLst/>
+                <a:latin typeface="+mn-lt"/>
+                <a:ea typeface="+mn-ea"/>
+                <a:cs typeface="+mn-cs"/>
+              </a:rPr>
+              <a:t>XmlPeopleRepository</a:t>
+            </a:r>
+            <a:r>
+              <a:rPr lang="sk-SK" sz="1200" b="0" kern="1200" dirty="0" smtClean="0">
+                <a:solidFill>
+                  <a:schemeClr val="tx1"/>
+                </a:solidFill>
+                <a:effectLst/>
+                <a:latin typeface="+mn-lt"/>
+                <a:ea typeface="+mn-ea"/>
+                <a:cs typeface="+mn-cs"/>
+              </a:rPr>
+              <a:t>, ktorá bude implementovať daný </a:t>
+            </a:r>
+            <a:r>
+              <a:rPr lang="sk-SK" sz="1200" b="0" kern="1200" dirty="0" err="1" smtClean="0">
+                <a:solidFill>
+                  <a:schemeClr val="tx1"/>
+                </a:solidFill>
+                <a:effectLst/>
+                <a:latin typeface="+mn-lt"/>
+                <a:ea typeface="+mn-ea"/>
+                <a:cs typeface="+mn-cs"/>
+              </a:rPr>
+              <a:t>interfejs</a:t>
+            </a:r>
+            <a:r>
+              <a:rPr lang="sk-SK" sz="1200" b="0" kern="1200" dirty="0" smtClean="0">
+                <a:solidFill>
+                  <a:schemeClr val="tx1"/>
+                </a:solidFill>
+                <a:effectLst/>
+                <a:latin typeface="+mn-lt"/>
+                <a:ea typeface="+mn-ea"/>
+                <a:cs typeface="+mn-cs"/>
+              </a:rPr>
+              <a:t> a môžeme jej inštanciu poslať.</a:t>
+            </a:r>
+          </a:p>
+          <a:p>
+            <a:endParaRPr lang="en-US" dirty="0" smtClean="0"/>
+          </a:p>
+          <a:p>
+            <a:r>
+              <a:rPr lang="sk-SK" sz="1200" b="0" kern="1200" dirty="0" smtClean="0">
+                <a:solidFill>
+                  <a:schemeClr val="tx1"/>
+                </a:solidFill>
+                <a:effectLst/>
+                <a:latin typeface="+mn-lt"/>
+                <a:ea typeface="+mn-ea"/>
+                <a:cs typeface="+mn-cs"/>
+              </a:rPr>
+              <a:t>čo ale s tým </a:t>
+            </a:r>
+            <a:r>
+              <a:rPr lang="sk-SK" sz="1200" b="0" kern="1200" dirty="0" err="1" smtClean="0">
+                <a:solidFill>
+                  <a:schemeClr val="tx1"/>
+                </a:solidFill>
+                <a:effectLst/>
+                <a:latin typeface="+mn-lt"/>
+                <a:ea typeface="+mn-ea"/>
+                <a:cs typeface="+mn-cs"/>
+              </a:rPr>
+              <a:t>kešovaním</a:t>
+            </a:r>
+            <a:r>
+              <a:rPr lang="sk-SK" sz="1200" b="0" kern="1200" dirty="0" smtClean="0">
+                <a:solidFill>
+                  <a:schemeClr val="tx1"/>
+                </a:solidFill>
+                <a:effectLst/>
+                <a:latin typeface="+mn-lt"/>
+                <a:ea typeface="+mn-ea"/>
+                <a:cs typeface="+mn-cs"/>
+              </a:rPr>
+              <a:t>?</a:t>
+            </a:r>
+          </a:p>
+          <a:p>
+            <a:r>
+              <a:rPr lang="sk-SK" sz="1200" b="0" kern="1200" dirty="0" smtClean="0">
+                <a:solidFill>
+                  <a:schemeClr val="tx1"/>
+                </a:solidFill>
+                <a:effectLst/>
+                <a:latin typeface="+mn-lt"/>
+                <a:ea typeface="+mn-ea"/>
+                <a:cs typeface="+mn-cs"/>
+              </a:rPr>
+              <a:t>Ako zapracovať </a:t>
+            </a:r>
+            <a:r>
+              <a:rPr lang="sk-SK" sz="1200" b="0" kern="1200" dirty="0" err="1" smtClean="0">
+                <a:solidFill>
+                  <a:schemeClr val="tx1"/>
+                </a:solidFill>
+                <a:effectLst/>
+                <a:latin typeface="+mn-lt"/>
+                <a:ea typeface="+mn-ea"/>
+                <a:cs typeface="+mn-cs"/>
+              </a:rPr>
+              <a:t>kešovanie</a:t>
+            </a:r>
+            <a:r>
+              <a:rPr lang="sk-SK" sz="1200" b="0" kern="1200" dirty="0" smtClean="0">
+                <a:solidFill>
+                  <a:schemeClr val="tx1"/>
+                </a:solidFill>
+                <a:effectLst/>
+                <a:latin typeface="+mn-lt"/>
+                <a:ea typeface="+mn-ea"/>
+                <a:cs typeface="+mn-cs"/>
+              </a:rPr>
+              <a:t> tak aby sme teraz, keď už máme tie triedy </a:t>
+            </a:r>
+            <a:r>
+              <a:rPr lang="sk-SK" sz="1200" b="0" kern="1200" dirty="0" err="1" smtClean="0">
+                <a:solidFill>
+                  <a:schemeClr val="tx1"/>
+                </a:solidFill>
+                <a:effectLst/>
+                <a:latin typeface="+mn-lt"/>
+                <a:ea typeface="+mn-ea"/>
+                <a:cs typeface="+mn-cs"/>
+              </a:rPr>
+              <a:t>zrefaktorované</a:t>
+            </a:r>
+            <a:r>
+              <a:rPr lang="sk-SK" sz="1200" b="0" kern="1200" dirty="0" smtClean="0">
+                <a:solidFill>
+                  <a:schemeClr val="tx1"/>
+                </a:solidFill>
+                <a:effectLst/>
+                <a:latin typeface="+mn-lt"/>
+                <a:ea typeface="+mn-ea"/>
+                <a:cs typeface="+mn-cs"/>
+              </a:rPr>
+              <a:t> podľa OCP tak, aby sme nezmenili ani kúsok kódu v nich?</a:t>
+            </a:r>
+          </a:p>
+          <a:p>
+            <a:r>
+              <a:rPr lang="sk-SK" sz="1200" b="0" kern="1200" dirty="0" smtClean="0">
+                <a:solidFill>
+                  <a:schemeClr val="tx1"/>
+                </a:solidFill>
+                <a:effectLst/>
+                <a:latin typeface="+mn-lt"/>
+                <a:ea typeface="+mn-ea"/>
+                <a:cs typeface="+mn-cs"/>
+              </a:rPr>
+              <a:t>Nejaký nápad?</a:t>
+            </a:r>
+          </a:p>
+          <a:p>
+            <a:r>
+              <a:rPr lang="sk-SK" sz="1200" b="0" kern="1200" dirty="0" smtClean="0">
+                <a:solidFill>
+                  <a:schemeClr val="tx1"/>
+                </a:solidFill>
+                <a:effectLst/>
+                <a:latin typeface="+mn-lt"/>
+                <a:ea typeface="+mn-ea"/>
+                <a:cs typeface="+mn-cs"/>
+              </a:rPr>
+              <a:t>Použijeme návrhový vzor </a:t>
+            </a:r>
+            <a:r>
+              <a:rPr lang="sk-SK" sz="1200" b="0" kern="1200" dirty="0" err="1" smtClean="0">
+                <a:solidFill>
+                  <a:schemeClr val="tx1"/>
+                </a:solidFill>
+                <a:effectLst/>
+                <a:latin typeface="+mn-lt"/>
+                <a:ea typeface="+mn-ea"/>
+                <a:cs typeface="+mn-cs"/>
+              </a:rPr>
+              <a:t>Decorator</a:t>
+            </a:r>
+            <a:r>
+              <a:rPr lang="sk-SK" sz="1200" b="0" kern="1200" dirty="0" smtClean="0">
+                <a:solidFill>
+                  <a:schemeClr val="tx1"/>
+                </a:solidFill>
+                <a:effectLst/>
+                <a:latin typeface="+mn-lt"/>
+                <a:ea typeface="+mn-ea"/>
+                <a:cs typeface="+mn-cs"/>
+              </a:rPr>
+              <a:t>.</a:t>
+            </a:r>
+          </a:p>
+          <a:p>
+            <a:pPr lvl="1"/>
+            <a:r>
+              <a:rPr lang="sk-SK" sz="1200" b="0" kern="1200" dirty="0" err="1" smtClean="0">
+                <a:solidFill>
+                  <a:schemeClr val="tx1"/>
+                </a:solidFill>
+                <a:effectLst/>
+                <a:latin typeface="+mn-lt"/>
+                <a:ea typeface="+mn-ea"/>
+                <a:cs typeface="+mn-cs"/>
+              </a:rPr>
+              <a:t>Odekorujeme</a:t>
+            </a:r>
+            <a:r>
+              <a:rPr lang="sk-SK" sz="1200" b="0" kern="1200" dirty="0" smtClean="0">
+                <a:solidFill>
+                  <a:schemeClr val="tx1"/>
+                </a:solidFill>
+                <a:effectLst/>
+                <a:latin typeface="+mn-lt"/>
+                <a:ea typeface="+mn-ea"/>
+                <a:cs typeface="+mn-cs"/>
+              </a:rPr>
+              <a:t> / obalíme pôvodnú triedu novou funkčnosťou.</a:t>
+            </a:r>
+          </a:p>
+          <a:p>
+            <a:pPr lvl="1"/>
+            <a:r>
+              <a:rPr lang="sk-SK" sz="1200" b="0" kern="1200" dirty="0" smtClean="0">
+                <a:solidFill>
+                  <a:schemeClr val="tx1"/>
+                </a:solidFill>
+                <a:effectLst/>
+                <a:latin typeface="+mn-lt"/>
+                <a:ea typeface="+mn-ea"/>
+                <a:cs typeface="+mn-cs"/>
+              </a:rPr>
+              <a:t>V </a:t>
+            </a:r>
+            <a:r>
+              <a:rPr lang="sk-SK" sz="1200" b="0" kern="1200" dirty="0" err="1" smtClean="0">
+                <a:solidFill>
+                  <a:schemeClr val="tx1"/>
+                </a:solidFill>
+                <a:effectLst/>
+                <a:latin typeface="+mn-lt"/>
+                <a:ea typeface="+mn-ea"/>
+                <a:cs typeface="+mn-cs"/>
+              </a:rPr>
+              <a:t>praxy</a:t>
+            </a:r>
+            <a:r>
+              <a:rPr lang="sk-SK" sz="1200" b="0" kern="1200" dirty="0" smtClean="0">
+                <a:solidFill>
+                  <a:schemeClr val="tx1"/>
+                </a:solidFill>
+                <a:effectLst/>
+                <a:latin typeface="+mn-lt"/>
+                <a:ea typeface="+mn-ea"/>
+                <a:cs typeface="+mn-cs"/>
+              </a:rPr>
+              <a:t> sa to robí tak, že vytvoríme novú implementáciu daného </a:t>
+            </a:r>
+            <a:r>
+              <a:rPr lang="sk-SK" sz="1200" b="0" kern="1200" dirty="0" err="1" smtClean="0">
+                <a:solidFill>
+                  <a:schemeClr val="tx1"/>
+                </a:solidFill>
+                <a:effectLst/>
+                <a:latin typeface="+mn-lt"/>
+                <a:ea typeface="+mn-ea"/>
+                <a:cs typeface="+mn-cs"/>
+              </a:rPr>
+              <a:t>interfejsu</a:t>
+            </a:r>
+            <a:r>
+              <a:rPr lang="sk-SK" sz="1200" b="0" kern="1200" dirty="0" smtClean="0">
+                <a:solidFill>
+                  <a:schemeClr val="tx1"/>
+                </a:solidFill>
+                <a:effectLst/>
+                <a:latin typeface="+mn-lt"/>
+                <a:ea typeface="+mn-ea"/>
+                <a:cs typeface="+mn-cs"/>
+              </a:rPr>
+              <a:t> a pošleme mu cez rovnaký </a:t>
+            </a:r>
+            <a:r>
+              <a:rPr lang="sk-SK" sz="1200" b="0" kern="1200" dirty="0" err="1" smtClean="0">
+                <a:solidFill>
+                  <a:schemeClr val="tx1"/>
+                </a:solidFill>
+                <a:effectLst/>
+                <a:latin typeface="+mn-lt"/>
+                <a:ea typeface="+mn-ea"/>
+                <a:cs typeface="+mn-cs"/>
+              </a:rPr>
+              <a:t>interfejs</a:t>
+            </a:r>
+            <a:r>
+              <a:rPr lang="sk-SK" sz="1200" b="0" kern="1200" dirty="0" smtClean="0">
+                <a:solidFill>
+                  <a:schemeClr val="tx1"/>
+                </a:solidFill>
+                <a:effectLst/>
+                <a:latin typeface="+mn-lt"/>
+                <a:ea typeface="+mn-ea"/>
+                <a:cs typeface="+mn-cs"/>
+              </a:rPr>
+              <a:t> pôvodnú triedu.</a:t>
+            </a:r>
+          </a:p>
+          <a:p>
+            <a:pPr lvl="1"/>
+            <a:r>
+              <a:rPr lang="sk-SK" sz="1200" b="0" kern="1200" dirty="0" smtClean="0">
+                <a:solidFill>
+                  <a:schemeClr val="tx1"/>
+                </a:solidFill>
+                <a:effectLst/>
+                <a:latin typeface="+mn-lt"/>
+                <a:ea typeface="+mn-ea"/>
+                <a:cs typeface="+mn-cs"/>
+              </a:rPr>
+              <a:t>Obalíme to funkčnosťou, ktorú potrebujeme (</a:t>
+            </a:r>
+            <a:r>
+              <a:rPr lang="sk-SK" sz="1200" b="0" kern="1200" dirty="0" err="1" smtClean="0">
+                <a:solidFill>
+                  <a:schemeClr val="tx1"/>
+                </a:solidFill>
+                <a:effectLst/>
+                <a:latin typeface="+mn-lt"/>
+                <a:ea typeface="+mn-ea"/>
+                <a:cs typeface="+mn-cs"/>
+              </a:rPr>
+              <a:t>kešovanie</a:t>
+            </a:r>
+            <a:r>
+              <a:rPr lang="sk-SK" sz="1200" b="0" kern="1200" dirty="0" smtClean="0">
+                <a:solidFill>
+                  <a:schemeClr val="tx1"/>
+                </a:solidFill>
+                <a:effectLst/>
+                <a:latin typeface="+mn-lt"/>
+                <a:ea typeface="+mn-ea"/>
+                <a:cs typeface="+mn-cs"/>
+              </a:rPr>
+              <a:t>, logovanie, šifrovanie).</a:t>
+            </a:r>
+          </a:p>
+          <a:p>
+            <a:pPr lvl="1"/>
+            <a:r>
+              <a:rPr lang="sk-SK" sz="1200" b="0" kern="1200" dirty="0" smtClean="0">
+                <a:solidFill>
+                  <a:schemeClr val="tx1"/>
+                </a:solidFill>
+                <a:effectLst/>
+                <a:latin typeface="+mn-lt"/>
+                <a:ea typeface="+mn-ea"/>
+                <a:cs typeface="+mn-cs"/>
+              </a:rPr>
+              <a:t>Ukážeme si radšej na kóde.</a:t>
+            </a:r>
+          </a:p>
+          <a:p>
+            <a:pPr lvl="1"/>
+            <a:r>
+              <a:rPr lang="sk-SK" sz="1200" b="0" kern="1200" dirty="0" smtClean="0">
+                <a:solidFill>
+                  <a:schemeClr val="tx1"/>
+                </a:solidFill>
+                <a:effectLst/>
+                <a:latin typeface="+mn-lt"/>
+                <a:ea typeface="+mn-ea"/>
+                <a:cs typeface="+mn-cs"/>
+              </a:rPr>
+              <a:t>Vytvorili sme si triedu </a:t>
+            </a:r>
+            <a:r>
+              <a:rPr lang="sk-SK" sz="1200" b="0" kern="1200" dirty="0" err="1" smtClean="0">
+                <a:solidFill>
+                  <a:schemeClr val="tx1"/>
+                </a:solidFill>
+                <a:effectLst/>
+                <a:latin typeface="+mn-lt"/>
+                <a:ea typeface="+mn-ea"/>
+                <a:cs typeface="+mn-cs"/>
+              </a:rPr>
+              <a:t>CachedPeopleRepository</a:t>
+            </a:r>
+            <a:r>
+              <a:rPr lang="sk-SK" sz="1200" b="0" kern="1200" dirty="0" smtClean="0">
+                <a:solidFill>
+                  <a:schemeClr val="tx1"/>
+                </a:solidFill>
+                <a:effectLst/>
+                <a:latin typeface="+mn-lt"/>
+                <a:ea typeface="+mn-ea"/>
+                <a:cs typeface="+mn-cs"/>
+              </a:rPr>
+              <a:t>, ktorá cez konštruktor dostala inštanciu inej implementácie </a:t>
+            </a:r>
+            <a:r>
+              <a:rPr lang="sk-SK" sz="1200" b="0" kern="1200" dirty="0" err="1" smtClean="0">
+                <a:solidFill>
+                  <a:schemeClr val="tx1"/>
+                </a:solidFill>
+                <a:effectLst/>
+                <a:latin typeface="+mn-lt"/>
+                <a:ea typeface="+mn-ea"/>
+                <a:cs typeface="+mn-cs"/>
+              </a:rPr>
+              <a:t>IPeopleRepository</a:t>
+            </a:r>
+            <a:r>
+              <a:rPr lang="sk-SK" sz="1200" b="0" kern="1200" dirty="0" smtClean="0">
+                <a:solidFill>
+                  <a:schemeClr val="tx1"/>
+                </a:solidFill>
+                <a:effectLst/>
+                <a:latin typeface="+mn-lt"/>
+                <a:ea typeface="+mn-ea"/>
+                <a:cs typeface="+mn-cs"/>
+              </a:rPr>
+              <a:t>.</a:t>
+            </a:r>
+          </a:p>
+          <a:p>
+            <a:pPr lvl="1"/>
+            <a:r>
+              <a:rPr lang="sk-SK" sz="1200" b="0" kern="1200" dirty="0" smtClean="0">
+                <a:solidFill>
+                  <a:schemeClr val="tx1"/>
+                </a:solidFill>
+                <a:effectLst/>
+                <a:latin typeface="+mn-lt"/>
+                <a:ea typeface="+mn-ea"/>
+                <a:cs typeface="+mn-cs"/>
+              </a:rPr>
+              <a:t>Keď niekto zavolá metódu </a:t>
+            </a:r>
+            <a:r>
+              <a:rPr lang="sk-SK" sz="1200" b="0" kern="1200" dirty="0" err="1" smtClean="0">
+                <a:solidFill>
+                  <a:schemeClr val="tx1"/>
+                </a:solidFill>
+                <a:effectLst/>
+                <a:latin typeface="+mn-lt"/>
+                <a:ea typeface="+mn-ea"/>
+                <a:cs typeface="+mn-cs"/>
+              </a:rPr>
+              <a:t>GetPeopleByDivision</a:t>
+            </a:r>
+            <a:r>
+              <a:rPr lang="sk-SK" sz="1200" b="0" kern="1200" dirty="0" smtClean="0">
+                <a:solidFill>
+                  <a:schemeClr val="tx1"/>
+                </a:solidFill>
+                <a:effectLst/>
+                <a:latin typeface="+mn-lt"/>
+                <a:ea typeface="+mn-ea"/>
+                <a:cs typeface="+mn-cs"/>
+              </a:rPr>
+              <a:t>, tak najskôr skontroluje, či sa nenachádza v </a:t>
+            </a:r>
+            <a:r>
+              <a:rPr lang="sk-SK" sz="1200" b="0" kern="1200" dirty="0" err="1" smtClean="0">
+                <a:solidFill>
+                  <a:schemeClr val="tx1"/>
+                </a:solidFill>
+                <a:effectLst/>
+                <a:latin typeface="+mn-lt"/>
+                <a:ea typeface="+mn-ea"/>
+                <a:cs typeface="+mn-cs"/>
+              </a:rPr>
+              <a:t>keši</a:t>
+            </a:r>
+            <a:r>
+              <a:rPr lang="sk-SK" sz="1200" b="0" kern="1200" dirty="0" smtClean="0">
+                <a:solidFill>
+                  <a:schemeClr val="tx1"/>
+                </a:solidFill>
+                <a:effectLst/>
+                <a:latin typeface="+mn-lt"/>
+                <a:ea typeface="+mn-ea"/>
+                <a:cs typeface="+mn-cs"/>
+              </a:rPr>
+              <a:t> (naozaj primitívna </a:t>
+            </a:r>
+            <a:r>
+              <a:rPr lang="sk-SK" sz="1200" b="0" kern="1200" dirty="0" err="1" smtClean="0">
+                <a:solidFill>
+                  <a:schemeClr val="tx1"/>
+                </a:solidFill>
+                <a:effectLst/>
+                <a:latin typeface="+mn-lt"/>
+                <a:ea typeface="+mn-ea"/>
+                <a:cs typeface="+mn-cs"/>
+              </a:rPr>
+              <a:t>keš</a:t>
+            </a:r>
+            <a:r>
+              <a:rPr lang="sk-SK" sz="1200" b="0" kern="1200" dirty="0" smtClean="0">
+                <a:solidFill>
+                  <a:schemeClr val="tx1"/>
+                </a:solidFill>
+                <a:effectLst/>
+                <a:latin typeface="+mn-lt"/>
+                <a:ea typeface="+mn-ea"/>
+                <a:cs typeface="+mn-cs"/>
+              </a:rPr>
+              <a:t>), ak sa tam nachádza vráti dáta z </a:t>
+            </a:r>
+            <a:r>
+              <a:rPr lang="sk-SK" sz="1200" b="0" kern="1200" dirty="0" err="1" smtClean="0">
+                <a:solidFill>
+                  <a:schemeClr val="tx1"/>
+                </a:solidFill>
+                <a:effectLst/>
+                <a:latin typeface="+mn-lt"/>
+                <a:ea typeface="+mn-ea"/>
+                <a:cs typeface="+mn-cs"/>
+              </a:rPr>
+              <a:t>keše</a:t>
+            </a:r>
+            <a:r>
+              <a:rPr lang="sk-SK" sz="1200" b="0" kern="1200" dirty="0" smtClean="0">
+                <a:solidFill>
+                  <a:schemeClr val="tx1"/>
+                </a:solidFill>
+                <a:effectLst/>
+                <a:latin typeface="+mn-lt"/>
+                <a:ea typeface="+mn-ea"/>
+                <a:cs typeface="+mn-cs"/>
+              </a:rPr>
+              <a:t>, inak použije pôvodnú implementáciu na získanie dát.</a:t>
+            </a:r>
+          </a:p>
+          <a:p>
+            <a:pPr lvl="1"/>
+            <a:r>
+              <a:rPr lang="sk-SK" sz="1200" b="0" kern="1200" dirty="0" smtClean="0">
+                <a:solidFill>
+                  <a:schemeClr val="tx1"/>
+                </a:solidFill>
+                <a:effectLst/>
+                <a:latin typeface="+mn-lt"/>
+                <a:ea typeface="+mn-ea"/>
+                <a:cs typeface="+mn-cs"/>
+              </a:rPr>
+              <a:t>Takto sme dokázali pridať novú funkčnosť bez toho aby sme zmenili pôvodné triedu.</a:t>
+            </a:r>
+          </a:p>
+          <a:p>
+            <a:pPr lvl="1"/>
+            <a:r>
+              <a:rPr lang="sk-SK" sz="1200" b="0" kern="1200" dirty="0" smtClean="0">
+                <a:solidFill>
+                  <a:schemeClr val="tx1"/>
+                </a:solidFill>
+                <a:effectLst/>
+                <a:latin typeface="+mn-lt"/>
+                <a:ea typeface="+mn-ea"/>
+                <a:cs typeface="+mn-cs"/>
+              </a:rPr>
+              <a:t>Už stačí len poslať správne </a:t>
+            </a:r>
+            <a:r>
+              <a:rPr lang="sk-SK" sz="1200" b="0" kern="1200" dirty="0" err="1" smtClean="0">
+                <a:solidFill>
+                  <a:schemeClr val="tx1"/>
+                </a:solidFill>
+                <a:effectLst/>
+                <a:latin typeface="+mn-lt"/>
+                <a:ea typeface="+mn-ea"/>
+                <a:cs typeface="+mn-cs"/>
+              </a:rPr>
+              <a:t>repository</a:t>
+            </a:r>
+            <a:r>
+              <a:rPr lang="sk-SK" sz="1200" b="0" kern="1200" dirty="0" smtClean="0">
+                <a:solidFill>
+                  <a:schemeClr val="tx1"/>
+                </a:solidFill>
+                <a:effectLst/>
+                <a:latin typeface="+mn-lt"/>
+                <a:ea typeface="+mn-ea"/>
+                <a:cs typeface="+mn-cs"/>
+              </a:rPr>
+              <a:t> do </a:t>
+            </a:r>
+            <a:r>
+              <a:rPr lang="sk-SK" sz="1200" b="0" kern="1200" dirty="0" err="1" smtClean="0">
+                <a:solidFill>
+                  <a:schemeClr val="tx1"/>
+                </a:solidFill>
+                <a:effectLst/>
+                <a:latin typeface="+mn-lt"/>
+                <a:ea typeface="+mn-ea"/>
+                <a:cs typeface="+mn-cs"/>
+              </a:rPr>
+              <a:t>PeopleReportService</a:t>
+            </a:r>
+            <a:r>
+              <a:rPr lang="sk-SK" sz="1200" b="0" kern="1200" dirty="0" smtClean="0">
+                <a:solidFill>
+                  <a:schemeClr val="tx1"/>
+                </a:solidFill>
+                <a:effectLst/>
+                <a:latin typeface="+mn-lt"/>
+                <a:ea typeface="+mn-ea"/>
+                <a:cs typeface="+mn-cs"/>
+              </a:rPr>
+              <a:t>.</a:t>
+            </a:r>
+          </a:p>
+        </p:txBody>
+      </p:sp>
+      <p:sp>
+        <p:nvSpPr>
+          <p:cNvPr id="4" name="Zástupný objekt pre číslo snímky 3"/>
+          <p:cNvSpPr>
+            <a:spLocks noGrp="1"/>
+          </p:cNvSpPr>
+          <p:nvPr>
+            <p:ph type="sldNum" sz="quarter" idx="10"/>
+          </p:nvPr>
+        </p:nvSpPr>
+        <p:spPr/>
+        <p:txBody>
+          <a:bodyPr/>
+          <a:lstStyle/>
+          <a:p>
+            <a:fld id="{8683B77B-E50F-4F41-84C3-C1D230689A8D}" type="slidenum">
+              <a:rPr lang="sk-SK" smtClean="0"/>
+              <a:t>25</a:t>
+            </a:fld>
+            <a:endParaRPr lang="sk-SK"/>
+          </a:p>
+        </p:txBody>
+      </p:sp>
+    </p:spTree>
+    <p:extLst>
+      <p:ext uri="{BB962C8B-B14F-4D97-AF65-F5344CB8AC3E}">
+        <p14:creationId xmlns:p14="http://schemas.microsoft.com/office/powerpoint/2010/main" val="2689801449"/>
+      </p:ext>
+    </p:extLst>
+  </p:cSld>
+  <p:clrMapOvr>
+    <a:masterClrMapping/>
+  </p:clrMapOvr>
+</p:notes>
+</file>
+
+<file path=ppt/notesSlides/notesSlide25.xml><?xml version="1.0" encoding="utf-8"?>
+<p:notes xmlns:a="http://schemas.openxmlformats.org/drawingml/2006/main" xmlns:r="http://schemas.openxmlformats.org/officeDocument/2006/relationships" xmlns:p="http://schemas.openxmlformats.org/presentationml/2006/main">
+  <p:cSld>
+    <p:spTree>
+      <p:nvGrpSpPr>
+        <p:cNvPr id="1" name=""/>
+        <p:cNvGrpSpPr/>
+        <p:nvPr/>
+      </p:nvGrpSpPr>
+      <p:grpSpPr>
+        <a:xfrm>
+          <a:off x="0" y="0"/>
+          <a:ext cx="0" cy="0"/>
+          <a:chOff x="0" y="0"/>
+          <a:chExt cx="0" cy="0"/>
+        </a:xfrm>
+      </p:grpSpPr>
+      <p:sp>
+        <p:nvSpPr>
+          <p:cNvPr id="2" name="Zástupný objekt pre obrázok snímky 1"/>
+          <p:cNvSpPr>
+            <a:spLocks noGrp="1" noRot="1" noChangeAspect="1"/>
+          </p:cNvSpPr>
+          <p:nvPr>
+            <p:ph type="sldImg"/>
+          </p:nvPr>
+        </p:nvSpPr>
+        <p:spPr/>
+      </p:sp>
+      <p:sp>
+        <p:nvSpPr>
+          <p:cNvPr id="3" name="Zástupný objekt pre poznámky 2"/>
+          <p:cNvSpPr>
+            <a:spLocks noGrp="1"/>
+          </p:cNvSpPr>
+          <p:nvPr>
+            <p:ph type="body" idx="1"/>
+          </p:nvPr>
+        </p:nvSpPr>
+        <p:spPr/>
+        <p:txBody>
+          <a:bodyPr/>
+          <a:lstStyle/>
+          <a:p>
+            <a:r>
+              <a:rPr lang="sk-SK" sz="1200" b="0" kern="1200" dirty="0" err="1" smtClean="0">
+                <a:solidFill>
+                  <a:schemeClr val="tx1"/>
+                </a:solidFill>
+                <a:effectLst/>
+                <a:latin typeface="+mn-lt"/>
+                <a:ea typeface="+mn-ea"/>
+                <a:cs typeface="+mn-cs"/>
+              </a:rPr>
+              <a:t>Decorator</a:t>
+            </a:r>
+            <a:r>
+              <a:rPr lang="sk-SK" sz="1200" b="0" kern="1200" dirty="0" smtClean="0">
+                <a:solidFill>
+                  <a:schemeClr val="tx1"/>
+                </a:solidFill>
+                <a:effectLst/>
+                <a:latin typeface="+mn-lt"/>
+                <a:ea typeface="+mn-ea"/>
+                <a:cs typeface="+mn-cs"/>
+              </a:rPr>
+              <a:t>?</a:t>
+            </a:r>
+          </a:p>
+          <a:p>
+            <a:r>
+              <a:rPr lang="sk-SK" sz="1200" b="0" kern="1200" dirty="0" smtClean="0">
+                <a:solidFill>
+                  <a:schemeClr val="tx1"/>
+                </a:solidFill>
+                <a:effectLst/>
+                <a:latin typeface="+mn-lt"/>
+                <a:ea typeface="+mn-ea"/>
+                <a:cs typeface="+mn-cs"/>
+              </a:rPr>
+              <a:t> To </a:t>
+            </a:r>
+            <a:r>
+              <a:rPr lang="sk-SK" sz="1200" b="0" kern="1200" dirty="0" err="1" smtClean="0">
+                <a:solidFill>
+                  <a:schemeClr val="tx1"/>
+                </a:solidFill>
+                <a:effectLst/>
+                <a:latin typeface="+mn-lt"/>
+                <a:ea typeface="+mn-ea"/>
+                <a:cs typeface="+mn-cs"/>
+              </a:rPr>
+              <a:t>kešovanie</a:t>
+            </a:r>
+            <a:r>
+              <a:rPr lang="sk-SK" sz="1200" b="0" kern="1200" dirty="0" smtClean="0">
+                <a:solidFill>
+                  <a:schemeClr val="tx1"/>
+                </a:solidFill>
+                <a:effectLst/>
+                <a:latin typeface="+mn-lt"/>
+                <a:ea typeface="+mn-ea"/>
+                <a:cs typeface="+mn-cs"/>
+              </a:rPr>
+              <a:t> bolo naozaj jednoduché, ale keby bolo také ako má naozaj byť tak by to bolo zložitejšie. Teraz si </a:t>
+            </a:r>
+            <a:r>
+              <a:rPr lang="sk-SK" sz="1200" b="0" kern="1200" dirty="0" err="1" smtClean="0">
+                <a:solidFill>
+                  <a:schemeClr val="tx1"/>
+                </a:solidFill>
+                <a:effectLst/>
+                <a:latin typeface="+mn-lt"/>
+                <a:ea typeface="+mn-ea"/>
+                <a:cs typeface="+mn-cs"/>
+              </a:rPr>
+              <a:t>pradstavme</a:t>
+            </a:r>
+            <a:r>
+              <a:rPr lang="sk-SK" sz="1200" b="0" kern="1200" dirty="0" smtClean="0">
+                <a:solidFill>
+                  <a:schemeClr val="tx1"/>
+                </a:solidFill>
+                <a:effectLst/>
+                <a:latin typeface="+mn-lt"/>
+                <a:ea typeface="+mn-ea"/>
+                <a:cs typeface="+mn-cs"/>
+              </a:rPr>
+              <a:t>, že tých požiadaviek je naozaj viac. Chceme to logovať, šifrovať a ja neviem čo ešte. To by ta pôvodná trieda celkom výrazne </a:t>
+            </a:r>
+            <a:r>
+              <a:rPr lang="sk-SK" sz="1200" b="0" kern="1200" dirty="0" err="1" smtClean="0">
+                <a:solidFill>
+                  <a:schemeClr val="tx1"/>
+                </a:solidFill>
+                <a:effectLst/>
+                <a:latin typeface="+mn-lt"/>
+                <a:ea typeface="+mn-ea"/>
+                <a:cs typeface="+mn-cs"/>
+              </a:rPr>
+              <a:t>naboptnala</a:t>
+            </a:r>
+            <a:r>
+              <a:rPr lang="sk-SK" sz="1200" b="0" kern="1200" dirty="0" smtClean="0">
+                <a:solidFill>
+                  <a:schemeClr val="tx1"/>
+                </a:solidFill>
+                <a:effectLst/>
+                <a:latin typeface="+mn-lt"/>
+                <a:ea typeface="+mn-ea"/>
+                <a:cs typeface="+mn-cs"/>
+              </a:rPr>
+              <a:t>. A čo keď si niekto celkom </a:t>
+            </a:r>
+            <a:r>
+              <a:rPr lang="sk-SK" sz="1200" b="0" kern="1200" dirty="0" err="1" smtClean="0">
+                <a:solidFill>
+                  <a:schemeClr val="tx1"/>
+                </a:solidFill>
+                <a:effectLst/>
+                <a:latin typeface="+mn-lt"/>
+                <a:ea typeface="+mn-ea"/>
+                <a:cs typeface="+mn-cs"/>
+              </a:rPr>
+              <a:t>regulérne</a:t>
+            </a:r>
+            <a:r>
+              <a:rPr lang="sk-SK" sz="1200" b="0" kern="1200" dirty="0" smtClean="0">
+                <a:solidFill>
+                  <a:schemeClr val="tx1"/>
+                </a:solidFill>
+                <a:effectLst/>
+                <a:latin typeface="+mn-lt"/>
+                <a:ea typeface="+mn-ea"/>
+                <a:cs typeface="+mn-cs"/>
+              </a:rPr>
+              <a:t> zmyslí, že aj ostatné implementácie </a:t>
+            </a:r>
+            <a:r>
+              <a:rPr lang="sk-SK" sz="1200" b="0" kern="1200" dirty="0" err="1" smtClean="0">
+                <a:solidFill>
+                  <a:schemeClr val="tx1"/>
+                </a:solidFill>
+                <a:effectLst/>
+                <a:latin typeface="+mn-lt"/>
+                <a:ea typeface="+mn-ea"/>
+                <a:cs typeface="+mn-cs"/>
+              </a:rPr>
+              <a:t>IPeopleRepository</a:t>
+            </a:r>
+            <a:r>
+              <a:rPr lang="sk-SK" sz="1200" b="0" kern="1200" dirty="0" smtClean="0">
+                <a:solidFill>
+                  <a:schemeClr val="tx1"/>
+                </a:solidFill>
+                <a:effectLst/>
+                <a:latin typeface="+mn-lt"/>
+                <a:ea typeface="+mn-ea"/>
+                <a:cs typeface="+mn-cs"/>
+              </a:rPr>
+              <a:t> chcú </a:t>
+            </a:r>
+            <a:r>
+              <a:rPr lang="sk-SK" sz="1200" b="0" kern="1200" dirty="0" err="1" smtClean="0">
+                <a:solidFill>
+                  <a:schemeClr val="tx1"/>
+                </a:solidFill>
+                <a:effectLst/>
+                <a:latin typeface="+mn-lt"/>
+                <a:ea typeface="+mn-ea"/>
+                <a:cs typeface="+mn-cs"/>
+              </a:rPr>
+              <a:t>kešovať</a:t>
+            </a:r>
+            <a:r>
+              <a:rPr lang="sk-SK" sz="1200" b="0" kern="1200" dirty="0" smtClean="0">
+                <a:solidFill>
+                  <a:schemeClr val="tx1"/>
+                </a:solidFill>
+                <a:effectLst/>
+                <a:latin typeface="+mn-lt"/>
+                <a:ea typeface="+mn-ea"/>
+                <a:cs typeface="+mn-cs"/>
+              </a:rPr>
+              <a:t>, logovať a šifrovať? Tak to potom máme celkom problém.</a:t>
+            </a:r>
+          </a:p>
+          <a:p>
+            <a:r>
+              <a:rPr lang="sk-SK" sz="1200" b="0" kern="1200" dirty="0" smtClean="0">
+                <a:solidFill>
+                  <a:schemeClr val="tx1"/>
+                </a:solidFill>
+                <a:effectLst/>
+                <a:latin typeface="+mn-lt"/>
+                <a:ea typeface="+mn-ea"/>
+                <a:cs typeface="+mn-cs"/>
+              </a:rPr>
+              <a:t> Takto je to </a:t>
+            </a:r>
+            <a:r>
+              <a:rPr lang="sk-SK" sz="1200" b="0" kern="1200" dirty="0" err="1" smtClean="0">
+                <a:solidFill>
+                  <a:schemeClr val="tx1"/>
+                </a:solidFill>
+                <a:effectLst/>
+                <a:latin typeface="+mn-lt"/>
+                <a:ea typeface="+mn-ea"/>
+                <a:cs typeface="+mn-cs"/>
+              </a:rPr>
+              <a:t>znovupoužiteľné</a:t>
+            </a:r>
+            <a:endParaRPr lang="sk-SK" sz="1200" b="0" kern="1200" dirty="0" smtClean="0">
+              <a:solidFill>
+                <a:schemeClr val="tx1"/>
+              </a:solidFill>
+              <a:effectLst/>
+              <a:latin typeface="+mn-lt"/>
+              <a:ea typeface="+mn-ea"/>
+              <a:cs typeface="+mn-cs"/>
+            </a:endParaRPr>
+          </a:p>
+          <a:p>
+            <a:r>
+              <a:rPr lang="sk-SK" sz="1200" b="0" kern="1200" dirty="0" smtClean="0">
+                <a:solidFill>
+                  <a:schemeClr val="tx1"/>
+                </a:solidFill>
+                <a:effectLst/>
+                <a:latin typeface="+mn-lt"/>
+                <a:ea typeface="+mn-ea"/>
+                <a:cs typeface="+mn-cs"/>
+              </a:rPr>
+              <a:t> Hlavne nezanášame chyby do </a:t>
+            </a:r>
+            <a:r>
+              <a:rPr lang="sk-SK" sz="1200" b="0" kern="1200" dirty="0" err="1" smtClean="0">
+                <a:solidFill>
+                  <a:schemeClr val="tx1"/>
+                </a:solidFill>
+                <a:effectLst/>
+                <a:latin typeface="+mn-lt"/>
+                <a:ea typeface="+mn-ea"/>
+                <a:cs typeface="+mn-cs"/>
+              </a:rPr>
+              <a:t>eistujúcich</a:t>
+            </a:r>
+            <a:r>
+              <a:rPr lang="sk-SK" sz="1200" b="0" kern="1200" dirty="0" smtClean="0">
+                <a:solidFill>
+                  <a:schemeClr val="tx1"/>
+                </a:solidFill>
+                <a:effectLst/>
+                <a:latin typeface="+mn-lt"/>
+                <a:ea typeface="+mn-ea"/>
+                <a:cs typeface="+mn-cs"/>
+              </a:rPr>
+              <a:t> tried</a:t>
+            </a:r>
+          </a:p>
+          <a:p>
+            <a:r>
+              <a:rPr lang="sk-SK" sz="1200" b="0" kern="1200" dirty="0" smtClean="0">
+                <a:solidFill>
+                  <a:schemeClr val="tx1"/>
+                </a:solidFill>
+                <a:effectLst/>
+                <a:latin typeface="+mn-lt"/>
+                <a:ea typeface="+mn-ea"/>
+                <a:cs typeface="+mn-cs"/>
+              </a:rPr>
+              <a:t> Kedykoľvek otvoríte starší softvér a čokoľvek zmeníte, zavádzate tam potenciálne chyby. Obľúbená otázka </a:t>
+            </a:r>
+            <a:r>
+              <a:rPr lang="sk-SK" sz="1200" b="0" kern="1200" dirty="0" err="1" smtClean="0">
+                <a:solidFill>
+                  <a:schemeClr val="tx1"/>
+                </a:solidFill>
+                <a:effectLst/>
+                <a:latin typeface="+mn-lt"/>
+                <a:ea typeface="+mn-ea"/>
+                <a:cs typeface="+mn-cs"/>
+              </a:rPr>
+              <a:t>testerov</a:t>
+            </a:r>
+            <a:r>
+              <a:rPr lang="sk-SK" sz="1200" b="0" kern="1200" dirty="0" smtClean="0">
+                <a:solidFill>
+                  <a:schemeClr val="tx1"/>
+                </a:solidFill>
+                <a:effectLst/>
+                <a:latin typeface="+mn-lt"/>
+                <a:ea typeface="+mn-ea"/>
+                <a:cs typeface="+mn-cs"/>
+              </a:rPr>
+              <a:t> je čo všetko si pokazil opravou tejto chyby?</a:t>
+            </a:r>
+          </a:p>
+          <a:p>
+            <a:r>
+              <a:rPr lang="sk-SK" sz="1200" b="0" kern="1200" dirty="0" smtClean="0">
+                <a:solidFill>
+                  <a:schemeClr val="tx1"/>
+                </a:solidFill>
+                <a:effectLst/>
+                <a:latin typeface="+mn-lt"/>
+                <a:ea typeface="+mn-ea"/>
+                <a:cs typeface="+mn-cs"/>
+              </a:rPr>
+              <a:t/>
+            </a:r>
+            <a:br>
+              <a:rPr lang="sk-SK" sz="1200" b="0" kern="1200" dirty="0" smtClean="0">
+                <a:solidFill>
+                  <a:schemeClr val="tx1"/>
+                </a:solidFill>
+                <a:effectLst/>
+                <a:latin typeface="+mn-lt"/>
+                <a:ea typeface="+mn-ea"/>
+                <a:cs typeface="+mn-cs"/>
+              </a:rPr>
+            </a:br>
+            <a:r>
+              <a:rPr lang="sk-SK" sz="1200" b="0" kern="1200" dirty="0" smtClean="0">
+                <a:solidFill>
+                  <a:schemeClr val="tx1"/>
+                </a:solidFill>
+                <a:effectLst/>
+                <a:latin typeface="+mn-lt"/>
+                <a:ea typeface="+mn-ea"/>
+                <a:cs typeface="+mn-cs"/>
+              </a:rPr>
+              <a:t> Poznáte </a:t>
+            </a:r>
+            <a:r>
+              <a:rPr lang="sk-SK" sz="1200" b="0" kern="1200" dirty="0" err="1" smtClean="0">
+                <a:solidFill>
+                  <a:schemeClr val="tx1"/>
+                </a:solidFill>
+                <a:effectLst/>
+                <a:latin typeface="+mn-lt"/>
+                <a:ea typeface="+mn-ea"/>
+                <a:cs typeface="+mn-cs"/>
+              </a:rPr>
+              <a:t>unit</a:t>
+            </a:r>
+            <a:r>
+              <a:rPr lang="sk-SK" sz="1200" b="0" kern="1200" dirty="0" smtClean="0">
+                <a:solidFill>
+                  <a:schemeClr val="tx1"/>
+                </a:solidFill>
+                <a:effectLst/>
+                <a:latin typeface="+mn-lt"/>
+                <a:ea typeface="+mn-ea"/>
+                <a:cs typeface="+mn-cs"/>
+              </a:rPr>
+              <a:t> testy?</a:t>
+            </a:r>
+          </a:p>
+          <a:p>
+            <a:pPr lvl="1"/>
+            <a:r>
+              <a:rPr lang="sk-SK" sz="1200" b="0" kern="1200" dirty="0" smtClean="0">
+                <a:solidFill>
+                  <a:schemeClr val="tx1"/>
+                </a:solidFill>
+                <a:effectLst/>
+                <a:latin typeface="+mn-lt"/>
+                <a:ea typeface="+mn-ea"/>
+                <a:cs typeface="+mn-cs"/>
+              </a:rPr>
+              <a:t> Ja mám veľmi rád </a:t>
+            </a:r>
+            <a:r>
+              <a:rPr lang="sk-SK" sz="1200" b="0" kern="1200" dirty="0" err="1" smtClean="0">
+                <a:solidFill>
+                  <a:schemeClr val="tx1"/>
+                </a:solidFill>
+                <a:effectLst/>
+                <a:latin typeface="+mn-lt"/>
+                <a:ea typeface="+mn-ea"/>
+                <a:cs typeface="+mn-cs"/>
+              </a:rPr>
+              <a:t>unit</a:t>
+            </a:r>
+            <a:r>
+              <a:rPr lang="sk-SK" sz="1200" b="0" kern="1200" dirty="0" smtClean="0">
+                <a:solidFill>
+                  <a:schemeClr val="tx1"/>
+                </a:solidFill>
+                <a:effectLst/>
+                <a:latin typeface="+mn-lt"/>
+                <a:ea typeface="+mn-ea"/>
+                <a:cs typeface="+mn-cs"/>
+              </a:rPr>
+              <a:t> testy. Pokiaľ to okolnosti umožňujú tak sa snažím o TDD.</a:t>
+            </a:r>
+          </a:p>
+          <a:p>
+            <a:pPr lvl="1"/>
+            <a:r>
+              <a:rPr lang="sk-SK" sz="1200" b="0" kern="1200" dirty="0" smtClean="0">
+                <a:solidFill>
+                  <a:schemeClr val="tx1"/>
+                </a:solidFill>
+                <a:effectLst/>
+                <a:latin typeface="+mn-lt"/>
+                <a:ea typeface="+mn-ea"/>
+                <a:cs typeface="+mn-cs"/>
+              </a:rPr>
+              <a:t> Je veľmi ťažké testovať triedy, ktoré sa týmto pravidlom neriadia.</a:t>
+            </a:r>
+          </a:p>
+          <a:p>
+            <a:pPr lvl="1"/>
+            <a:r>
+              <a:rPr lang="sk-SK" sz="1200" b="0" kern="1200" dirty="0" smtClean="0">
+                <a:solidFill>
+                  <a:schemeClr val="tx1"/>
+                </a:solidFill>
+                <a:effectLst/>
+                <a:latin typeface="+mn-lt"/>
+                <a:ea typeface="+mn-ea"/>
+                <a:cs typeface="+mn-cs"/>
+              </a:rPr>
+              <a:t> Nenapíšete test na triedu, ktorá priamo pristupuje k produkčnej databáze.</a:t>
+            </a:r>
+          </a:p>
+          <a:p>
+            <a:pPr lvl="1"/>
+            <a:r>
+              <a:rPr lang="sk-SK" sz="1200" b="0" kern="1200" dirty="0" smtClean="0">
+                <a:solidFill>
+                  <a:schemeClr val="tx1"/>
+                </a:solidFill>
+                <a:effectLst/>
+                <a:latin typeface="+mn-lt"/>
+                <a:ea typeface="+mn-ea"/>
+                <a:cs typeface="+mn-cs"/>
+              </a:rPr>
+              <a:t> </a:t>
+            </a:r>
+            <a:r>
+              <a:rPr lang="sk-SK" sz="1200" b="0" kern="1200" dirty="0" err="1" smtClean="0">
+                <a:solidFill>
+                  <a:schemeClr val="tx1"/>
+                </a:solidFill>
+                <a:effectLst/>
+                <a:latin typeface="+mn-lt"/>
+                <a:ea typeface="+mn-ea"/>
+                <a:cs typeface="+mn-cs"/>
+              </a:rPr>
+              <a:t>Tiedam</a:t>
+            </a:r>
+            <a:r>
+              <a:rPr lang="sk-SK" sz="1200" b="0" kern="1200" dirty="0" smtClean="0">
+                <a:solidFill>
+                  <a:schemeClr val="tx1"/>
+                </a:solidFill>
+                <a:effectLst/>
+                <a:latin typeface="+mn-lt"/>
+                <a:ea typeface="+mn-ea"/>
+                <a:cs typeface="+mn-cs"/>
+              </a:rPr>
+              <a:t>, ktoré viete rozšíriť v testoch podhodíte implementáciu, ktorá vám vyhovuje.</a:t>
+            </a:r>
+            <a:endParaRPr lang="sk-SK" sz="1200" b="0" kern="1200" dirty="0">
+              <a:solidFill>
+                <a:schemeClr val="tx1"/>
+              </a:solidFill>
+              <a:effectLst/>
+              <a:latin typeface="+mn-lt"/>
+              <a:ea typeface="+mn-ea"/>
+              <a:cs typeface="+mn-cs"/>
+            </a:endParaRPr>
+          </a:p>
+        </p:txBody>
+      </p:sp>
+      <p:sp>
+        <p:nvSpPr>
+          <p:cNvPr id="4" name="Zástupný objekt pre číslo snímky 3"/>
+          <p:cNvSpPr>
+            <a:spLocks noGrp="1"/>
+          </p:cNvSpPr>
+          <p:nvPr>
+            <p:ph type="sldNum" sz="quarter" idx="10"/>
+          </p:nvPr>
+        </p:nvSpPr>
+        <p:spPr/>
+        <p:txBody>
+          <a:bodyPr/>
+          <a:lstStyle/>
+          <a:p>
+            <a:fld id="{8683B77B-E50F-4F41-84C3-C1D230689A8D}" type="slidenum">
+              <a:rPr lang="sk-SK" smtClean="0"/>
+              <a:t>26</a:t>
+            </a:fld>
+            <a:endParaRPr lang="sk-SK"/>
+          </a:p>
+        </p:txBody>
+      </p:sp>
+    </p:spTree>
+    <p:extLst>
+      <p:ext uri="{BB962C8B-B14F-4D97-AF65-F5344CB8AC3E}">
+        <p14:creationId xmlns:p14="http://schemas.microsoft.com/office/powerpoint/2010/main" val="1933814607"/>
+      </p:ext>
+    </p:extLst>
+  </p:cSld>
+  <p:clrMapOvr>
+    <a:masterClrMapping/>
+  </p:clrMapOvr>
+</p:notes>
+</file>
+
+<file path=ppt/notesSlides/notesSlide26.xml><?xml version="1.0" encoding="utf-8"?>
+<p:notes xmlns:a="http://schemas.openxmlformats.org/drawingml/2006/main" xmlns:r="http://schemas.openxmlformats.org/officeDocument/2006/relationships" xmlns:p="http://schemas.openxmlformats.org/presentationml/2006/main">
+  <p:cSld>
+    <p:spTree>
+      <p:nvGrpSpPr>
+        <p:cNvPr id="1" name=""/>
+        <p:cNvGrpSpPr/>
+        <p:nvPr/>
+      </p:nvGrpSpPr>
+      <p:grpSpPr>
+        <a:xfrm>
+          <a:off x="0" y="0"/>
+          <a:ext cx="0" cy="0"/>
+          <a:chOff x="0" y="0"/>
+          <a:chExt cx="0" cy="0"/>
+        </a:xfrm>
+      </p:grpSpPr>
+      <p:sp>
+        <p:nvSpPr>
+          <p:cNvPr id="2" name="Zástupný objekt pre obrázok snímky 1"/>
+          <p:cNvSpPr>
+            <a:spLocks noGrp="1" noRot="1" noChangeAspect="1"/>
+          </p:cNvSpPr>
+          <p:nvPr>
+            <p:ph type="sldImg"/>
+          </p:nvPr>
+        </p:nvSpPr>
+        <p:spPr/>
+      </p:sp>
+      <p:sp>
+        <p:nvSpPr>
+          <p:cNvPr id="3" name="Zástupný objekt pre poznámky 2"/>
+          <p:cNvSpPr>
+            <a:spLocks noGrp="1"/>
+          </p:cNvSpPr>
+          <p:nvPr>
+            <p:ph type="body" idx="1"/>
+          </p:nvPr>
+        </p:nvSpPr>
+        <p:spPr/>
+        <p:txBody>
+          <a:bodyPr/>
+          <a:lstStyle/>
+          <a:p>
+            <a:pPr marL="0" marR="0" lvl="0" indent="0" algn="l" defTabSz="914400" rtl="0" eaLnBrk="1" fontAlgn="auto" latinLnBrk="0" hangingPunct="1">
+              <a:lnSpc>
+                <a:spcPct val="100000"/>
+              </a:lnSpc>
+              <a:spcBef>
+                <a:spcPts val="0"/>
+              </a:spcBef>
+              <a:spcAft>
+                <a:spcPts val="0"/>
+              </a:spcAft>
+              <a:buClrTx/>
+              <a:buSzTx/>
+              <a:buFontTx/>
+              <a:buNone/>
+              <a:tabLst/>
+              <a:defRPr/>
+            </a:pPr>
+            <a:r>
+              <a:rPr lang="sk-SK" sz="1200" b="0" kern="1200" dirty="0" smtClean="0">
+                <a:solidFill>
+                  <a:schemeClr val="tx1"/>
+                </a:solidFill>
+                <a:effectLst/>
+                <a:latin typeface="+mn-lt"/>
+                <a:ea typeface="+mn-ea"/>
+                <a:cs typeface="+mn-cs"/>
+              </a:rPr>
+              <a:t>Ako som spomínal, toto je podľa mňa </a:t>
+            </a:r>
+            <a:r>
+              <a:rPr lang="sk-SK" sz="1200" b="0" kern="1200" dirty="0" err="1" smtClean="0">
+                <a:solidFill>
+                  <a:schemeClr val="tx1"/>
+                </a:solidFill>
+                <a:effectLst/>
+                <a:latin typeface="+mn-lt"/>
+                <a:ea typeface="+mn-ea"/>
+                <a:cs typeface="+mn-cs"/>
+              </a:rPr>
+              <a:t>najťažsie</a:t>
+            </a:r>
+            <a:r>
+              <a:rPr lang="sk-SK" sz="1200" b="0" kern="1200" dirty="0" smtClean="0">
+                <a:solidFill>
+                  <a:schemeClr val="tx1"/>
+                </a:solidFill>
+                <a:effectLst/>
+                <a:latin typeface="+mn-lt"/>
+                <a:ea typeface="+mn-ea"/>
+                <a:cs typeface="+mn-cs"/>
+              </a:rPr>
+              <a:t> pravidlo na vysvetlenie. A pritom definícia je </a:t>
+            </a:r>
+            <a:r>
+              <a:rPr lang="sk-SK" sz="1200" b="0" kern="1200" dirty="0" err="1" smtClean="0">
+                <a:solidFill>
+                  <a:schemeClr val="tx1"/>
+                </a:solidFill>
+                <a:effectLst/>
+                <a:latin typeface="+mn-lt"/>
+                <a:ea typeface="+mn-ea"/>
+                <a:cs typeface="+mn-cs"/>
+              </a:rPr>
+              <a:t>jednozačná</a:t>
+            </a:r>
+            <a:r>
+              <a:rPr lang="sk-SK" sz="1200" b="0" kern="1200" dirty="0" smtClean="0">
+                <a:solidFill>
+                  <a:schemeClr val="tx1"/>
+                </a:solidFill>
+                <a:effectLst/>
+                <a:latin typeface="+mn-lt"/>
+                <a:ea typeface="+mn-ea"/>
+                <a:cs typeface="+mn-cs"/>
+              </a:rPr>
+              <a:t>:</a:t>
+            </a:r>
           </a:p>
         </p:txBody>
       </p:sp>
@@ -3326,7 +6512,344 @@
     </p:spTree>
     <p:extLst>
       <p:ext uri="{BB962C8B-B14F-4D97-AF65-F5344CB8AC3E}">
-        <p14:creationId xmlns:p14="http://schemas.microsoft.com/office/powerpoint/2010/main" val="975442083"/>
+        <p14:creationId xmlns:p14="http://schemas.microsoft.com/office/powerpoint/2010/main" val="2296570826"/>
+      </p:ext>
+    </p:extLst>
+  </p:cSld>
+  <p:clrMapOvr>
+    <a:masterClrMapping/>
+  </p:clrMapOvr>
+</p:notes>
+</file>
+
+<file path=ppt/notesSlides/notesSlide27.xml><?xml version="1.0" encoding="utf-8"?>
+<p:notes xmlns:a="http://schemas.openxmlformats.org/drawingml/2006/main" xmlns:r="http://schemas.openxmlformats.org/officeDocument/2006/relationships" xmlns:p="http://schemas.openxmlformats.org/presentationml/2006/main">
+  <p:cSld>
+    <p:spTree>
+      <p:nvGrpSpPr>
+        <p:cNvPr id="1" name=""/>
+        <p:cNvGrpSpPr/>
+        <p:nvPr/>
+      </p:nvGrpSpPr>
+      <p:grpSpPr>
+        <a:xfrm>
+          <a:off x="0" y="0"/>
+          <a:ext cx="0" cy="0"/>
+          <a:chOff x="0" y="0"/>
+          <a:chExt cx="0" cy="0"/>
+        </a:xfrm>
+      </p:grpSpPr>
+      <p:sp>
+        <p:nvSpPr>
+          <p:cNvPr id="2" name="Zástupný objekt pre obrázok snímky 1"/>
+          <p:cNvSpPr>
+            <a:spLocks noGrp="1" noRot="1" noChangeAspect="1"/>
+          </p:cNvSpPr>
+          <p:nvPr>
+            <p:ph type="sldImg"/>
+          </p:nvPr>
+        </p:nvSpPr>
+        <p:spPr/>
+      </p:sp>
+      <p:sp>
+        <p:nvSpPr>
+          <p:cNvPr id="3" name="Zástupný objekt pre poznámky 2"/>
+          <p:cNvSpPr>
+            <a:spLocks noGrp="1"/>
+          </p:cNvSpPr>
+          <p:nvPr>
+            <p:ph type="body" idx="1"/>
+          </p:nvPr>
+        </p:nvSpPr>
+        <p:spPr/>
+        <p:txBody>
+          <a:bodyPr/>
+          <a:lstStyle/>
+          <a:p>
+            <a:r>
+              <a:rPr lang="sk-SK" sz="1200" b="0" kern="1200" dirty="0" smtClean="0">
+                <a:solidFill>
+                  <a:schemeClr val="tx1"/>
+                </a:solidFill>
+                <a:effectLst/>
+                <a:latin typeface="+mn-lt"/>
+                <a:ea typeface="+mn-ea"/>
+                <a:cs typeface="+mn-cs"/>
+              </a:rPr>
+              <a:t>Jasné nie?</a:t>
+            </a:r>
+            <a:endParaRPr lang="sk-SK" sz="1200" b="0" kern="1200" dirty="0">
+              <a:solidFill>
+                <a:schemeClr val="tx1"/>
+              </a:solidFill>
+              <a:effectLst/>
+              <a:latin typeface="+mn-lt"/>
+              <a:ea typeface="+mn-ea"/>
+              <a:cs typeface="+mn-cs"/>
+            </a:endParaRPr>
+          </a:p>
+        </p:txBody>
+      </p:sp>
+      <p:sp>
+        <p:nvSpPr>
+          <p:cNvPr id="4" name="Zástupný objekt pre číslo snímky 3"/>
+          <p:cNvSpPr>
+            <a:spLocks noGrp="1"/>
+          </p:cNvSpPr>
+          <p:nvPr>
+            <p:ph type="sldNum" sz="quarter" idx="10"/>
+          </p:nvPr>
+        </p:nvSpPr>
+        <p:spPr/>
+        <p:txBody>
+          <a:bodyPr/>
+          <a:lstStyle/>
+          <a:p>
+            <a:fld id="{8683B77B-E50F-4F41-84C3-C1D230689A8D}" type="slidenum">
+              <a:rPr lang="sk-SK" smtClean="0"/>
+              <a:t>28</a:t>
+            </a:fld>
+            <a:endParaRPr lang="sk-SK"/>
+          </a:p>
+        </p:txBody>
+      </p:sp>
+    </p:spTree>
+    <p:extLst>
+      <p:ext uri="{BB962C8B-B14F-4D97-AF65-F5344CB8AC3E}">
+        <p14:creationId xmlns:p14="http://schemas.microsoft.com/office/powerpoint/2010/main" val="782982426"/>
+      </p:ext>
+    </p:extLst>
+  </p:cSld>
+  <p:clrMapOvr>
+    <a:masterClrMapping/>
+  </p:clrMapOvr>
+</p:notes>
+</file>
+
+<file path=ppt/notesSlides/notesSlide28.xml><?xml version="1.0" encoding="utf-8"?>
+<p:notes xmlns:a="http://schemas.openxmlformats.org/drawingml/2006/main" xmlns:r="http://schemas.openxmlformats.org/officeDocument/2006/relationships" xmlns:p="http://schemas.openxmlformats.org/presentationml/2006/main">
+  <p:cSld>
+    <p:spTree>
+      <p:nvGrpSpPr>
+        <p:cNvPr id="1" name=""/>
+        <p:cNvGrpSpPr/>
+        <p:nvPr/>
+      </p:nvGrpSpPr>
+      <p:grpSpPr>
+        <a:xfrm>
+          <a:off x="0" y="0"/>
+          <a:ext cx="0" cy="0"/>
+          <a:chOff x="0" y="0"/>
+          <a:chExt cx="0" cy="0"/>
+        </a:xfrm>
+      </p:grpSpPr>
+      <p:sp>
+        <p:nvSpPr>
+          <p:cNvPr id="2" name="Zástupný objekt pre obrázok snímky 1"/>
+          <p:cNvSpPr>
+            <a:spLocks noGrp="1" noRot="1" noChangeAspect="1"/>
+          </p:cNvSpPr>
+          <p:nvPr>
+            <p:ph type="sldImg"/>
+          </p:nvPr>
+        </p:nvSpPr>
+        <p:spPr/>
+      </p:sp>
+      <p:sp>
+        <p:nvSpPr>
+          <p:cNvPr id="3" name="Zástupný objekt pre poznámky 2"/>
+          <p:cNvSpPr>
+            <a:spLocks noGrp="1"/>
+          </p:cNvSpPr>
+          <p:nvPr>
+            <p:ph type="body" idx="1"/>
+          </p:nvPr>
+        </p:nvSpPr>
+        <p:spPr/>
+        <p:txBody>
+          <a:bodyPr/>
+          <a:lstStyle/>
+          <a:p>
+            <a:pPr marL="0" marR="0" lvl="0" indent="0" algn="l" defTabSz="914400" rtl="0" eaLnBrk="1" fontAlgn="auto" latinLnBrk="0" hangingPunct="1">
+              <a:lnSpc>
+                <a:spcPct val="100000"/>
+              </a:lnSpc>
+              <a:spcBef>
+                <a:spcPts val="0"/>
+              </a:spcBef>
+              <a:spcAft>
+                <a:spcPts val="0"/>
+              </a:spcAft>
+              <a:buClrTx/>
+              <a:buSzTx/>
+              <a:buFontTx/>
+              <a:buNone/>
+              <a:tabLst/>
+              <a:defRPr/>
+            </a:pPr>
+            <a:r>
+              <a:rPr lang="pl-PL" sz="1200" b="0" kern="1200" dirty="0" smtClean="0">
+                <a:solidFill>
+                  <a:schemeClr val="tx1"/>
+                </a:solidFill>
+                <a:effectLst/>
+                <a:latin typeface="+mn-lt"/>
+                <a:ea typeface="+mn-ea"/>
+                <a:cs typeface="+mn-cs"/>
+              </a:rPr>
+              <a:t>Ok, ale veď tu je predsa vždy len jeden dôvod. A to zmena pôvodných požiadaviek.</a:t>
+            </a:r>
+          </a:p>
+          <a:p>
+            <a:endParaRPr lang="sk-SK" dirty="0"/>
+          </a:p>
+        </p:txBody>
+      </p:sp>
+      <p:sp>
+        <p:nvSpPr>
+          <p:cNvPr id="4" name="Zástupný objekt pre číslo snímky 3"/>
+          <p:cNvSpPr>
+            <a:spLocks noGrp="1"/>
+          </p:cNvSpPr>
+          <p:nvPr>
+            <p:ph type="sldNum" sz="quarter" idx="10"/>
+          </p:nvPr>
+        </p:nvSpPr>
+        <p:spPr/>
+        <p:txBody>
+          <a:bodyPr/>
+          <a:lstStyle/>
+          <a:p>
+            <a:fld id="{8683B77B-E50F-4F41-84C3-C1D230689A8D}" type="slidenum">
+              <a:rPr lang="sk-SK" smtClean="0"/>
+              <a:t>29</a:t>
+            </a:fld>
+            <a:endParaRPr lang="sk-SK"/>
+          </a:p>
+        </p:txBody>
+      </p:sp>
+    </p:spTree>
+    <p:extLst>
+      <p:ext uri="{BB962C8B-B14F-4D97-AF65-F5344CB8AC3E}">
+        <p14:creationId xmlns:p14="http://schemas.microsoft.com/office/powerpoint/2010/main" val="1472902319"/>
+      </p:ext>
+    </p:extLst>
+  </p:cSld>
+  <p:clrMapOvr>
+    <a:masterClrMapping/>
+  </p:clrMapOvr>
+</p:notes>
+</file>
+
+<file path=ppt/notesSlides/notesSlide29.xml><?xml version="1.0" encoding="utf-8"?>
+<p:notes xmlns:a="http://schemas.openxmlformats.org/drawingml/2006/main" xmlns:r="http://schemas.openxmlformats.org/officeDocument/2006/relationships" xmlns:p="http://schemas.openxmlformats.org/presentationml/2006/main">
+  <p:cSld>
+    <p:spTree>
+      <p:nvGrpSpPr>
+        <p:cNvPr id="1" name=""/>
+        <p:cNvGrpSpPr/>
+        <p:nvPr/>
+      </p:nvGrpSpPr>
+      <p:grpSpPr>
+        <a:xfrm>
+          <a:off x="0" y="0"/>
+          <a:ext cx="0" cy="0"/>
+          <a:chOff x="0" y="0"/>
+          <a:chExt cx="0" cy="0"/>
+        </a:xfrm>
+      </p:grpSpPr>
+      <p:sp>
+        <p:nvSpPr>
+          <p:cNvPr id="2" name="Zástupný objekt pre obrázok snímky 1"/>
+          <p:cNvSpPr>
+            <a:spLocks noGrp="1" noRot="1" noChangeAspect="1"/>
+          </p:cNvSpPr>
+          <p:nvPr>
+            <p:ph type="sldImg"/>
+          </p:nvPr>
+        </p:nvSpPr>
+        <p:spPr/>
+      </p:sp>
+      <p:sp>
+        <p:nvSpPr>
+          <p:cNvPr id="3" name="Zástupný objekt pre poznámky 2"/>
+          <p:cNvSpPr>
+            <a:spLocks noGrp="1"/>
+          </p:cNvSpPr>
+          <p:nvPr>
+            <p:ph type="body" idx="1"/>
+          </p:nvPr>
+        </p:nvSpPr>
+        <p:spPr/>
+        <p:txBody>
+          <a:bodyPr/>
+          <a:lstStyle/>
+          <a:p>
+            <a:r>
+              <a:rPr lang="sk-SK" sz="1200" b="0" kern="1200" dirty="0" smtClean="0">
+                <a:solidFill>
+                  <a:schemeClr val="tx1"/>
+                </a:solidFill>
+                <a:effectLst/>
+                <a:latin typeface="+mn-lt"/>
+                <a:ea typeface="+mn-ea"/>
+                <a:cs typeface="+mn-cs"/>
+              </a:rPr>
+              <a:t>Toto pravidlo Vás navádza k tomu, aby ste sa uisťovali, že odvodená / zdedená trieda neovplyvní správanie rodičovskej triedy.</a:t>
+            </a:r>
+          </a:p>
+          <a:p>
+            <a:r>
+              <a:rPr lang="sk-SK" sz="1200" b="0" kern="1200" dirty="0" smtClean="0">
+                <a:solidFill>
+                  <a:schemeClr val="tx1"/>
+                </a:solidFill>
+                <a:effectLst/>
+                <a:latin typeface="+mn-lt"/>
+                <a:ea typeface="+mn-ea"/>
+                <a:cs typeface="+mn-cs"/>
+              </a:rPr>
+              <a:t>Inými slovami povedané zdedená trieda musí byť zastupiteľná rodičovskou.</a:t>
+            </a:r>
+            <a:endParaRPr lang="sk-SK" sz="1200" b="0" kern="1200" dirty="0">
+              <a:solidFill>
+                <a:schemeClr val="tx1"/>
+              </a:solidFill>
+              <a:effectLst/>
+              <a:latin typeface="+mn-lt"/>
+              <a:ea typeface="+mn-ea"/>
+              <a:cs typeface="+mn-cs"/>
+            </a:endParaRPr>
+          </a:p>
+        </p:txBody>
+      </p:sp>
+      <p:sp>
+        <p:nvSpPr>
+          <p:cNvPr id="4" name="Zástupný objekt pre číslo snímky 3"/>
+          <p:cNvSpPr>
+            <a:spLocks noGrp="1"/>
+          </p:cNvSpPr>
+          <p:nvPr>
+            <p:ph type="sldNum" sz="quarter" idx="10"/>
+          </p:nvPr>
+        </p:nvSpPr>
+        <p:spPr/>
+        <p:txBody>
+          <a:bodyPr/>
+          <a:lstStyle/>
+          <a:p>
+            <a:fld id="{8683B77B-E50F-4F41-84C3-C1D230689A8D}" type="slidenum">
+              <a:rPr lang="sk-SK" smtClean="0"/>
+              <a:t>30</a:t>
+            </a:fld>
+            <a:endParaRPr lang="sk-SK"/>
+          </a:p>
+        </p:txBody>
+      </p:sp>
+    </p:spTree>
+    <p:extLst>
+      <p:ext uri="{BB962C8B-B14F-4D97-AF65-F5344CB8AC3E}">
+        <p14:creationId xmlns:p14="http://schemas.microsoft.com/office/powerpoint/2010/main" val="350471901"/>
       </p:ext>
     </p:extLst>
   </p:cSld>
@@ -3439,6 +6962,2119 @@
     <p:extLst>
       <p:ext uri="{BB962C8B-B14F-4D97-AF65-F5344CB8AC3E}">
         <p14:creationId xmlns:p14="http://schemas.microsoft.com/office/powerpoint/2010/main" val="800422119"/>
+      </p:ext>
+    </p:extLst>
+  </p:cSld>
+  <p:clrMapOvr>
+    <a:masterClrMapping/>
+  </p:clrMapOvr>
+</p:notes>
+</file>
+
+<file path=ppt/notesSlides/notesSlide30.xml><?xml version="1.0" encoding="utf-8"?>
+<p:notes xmlns:a="http://schemas.openxmlformats.org/drawingml/2006/main" xmlns:r="http://schemas.openxmlformats.org/officeDocument/2006/relationships" xmlns:p="http://schemas.openxmlformats.org/presentationml/2006/main">
+  <p:cSld>
+    <p:spTree>
+      <p:nvGrpSpPr>
+        <p:cNvPr id="1" name=""/>
+        <p:cNvGrpSpPr/>
+        <p:nvPr/>
+      </p:nvGrpSpPr>
+      <p:grpSpPr>
+        <a:xfrm>
+          <a:off x="0" y="0"/>
+          <a:ext cx="0" cy="0"/>
+          <a:chOff x="0" y="0"/>
+          <a:chExt cx="0" cy="0"/>
+        </a:xfrm>
+      </p:grpSpPr>
+      <p:sp>
+        <p:nvSpPr>
+          <p:cNvPr id="2" name="Zástupný objekt pre obrázok snímky 1"/>
+          <p:cNvSpPr>
+            <a:spLocks noGrp="1" noRot="1" noChangeAspect="1"/>
+          </p:cNvSpPr>
+          <p:nvPr>
+            <p:ph type="sldImg"/>
+          </p:nvPr>
+        </p:nvSpPr>
+        <p:spPr/>
+      </p:sp>
+      <p:sp>
+        <p:nvSpPr>
+          <p:cNvPr id="3" name="Zástupný objekt pre poznámky 2"/>
+          <p:cNvSpPr>
+            <a:spLocks noGrp="1"/>
+          </p:cNvSpPr>
+          <p:nvPr>
+            <p:ph type="body" idx="1"/>
+          </p:nvPr>
+        </p:nvSpPr>
+        <p:spPr/>
+        <p:txBody>
+          <a:bodyPr/>
+          <a:lstStyle/>
+          <a:p>
+            <a:r>
+              <a:rPr lang="sk-SK" sz="1200" b="0" kern="1200" dirty="0" smtClean="0">
+                <a:solidFill>
+                  <a:schemeClr val="tx1"/>
+                </a:solidFill>
+                <a:effectLst/>
+                <a:latin typeface="+mn-lt"/>
+                <a:ea typeface="+mn-ea"/>
+                <a:cs typeface="+mn-cs"/>
+              </a:rPr>
+              <a:t>Predstavme si, že máme novú požiadavku na našu aplikáciu. Už to nemá byť len </a:t>
+            </a:r>
+            <a:r>
+              <a:rPr lang="sk-SK" sz="1200" b="0" kern="1200" dirty="0" err="1" smtClean="0">
+                <a:solidFill>
+                  <a:schemeClr val="tx1"/>
+                </a:solidFill>
+                <a:effectLst/>
+                <a:latin typeface="+mn-lt"/>
+                <a:ea typeface="+mn-ea"/>
+                <a:cs typeface="+mn-cs"/>
+              </a:rPr>
+              <a:t>reprotovací</a:t>
+            </a:r>
+            <a:r>
+              <a:rPr lang="sk-SK" sz="1200" b="0" kern="1200" dirty="0" smtClean="0">
+                <a:solidFill>
+                  <a:schemeClr val="tx1"/>
+                </a:solidFill>
+                <a:effectLst/>
+                <a:latin typeface="+mn-lt"/>
+                <a:ea typeface="+mn-ea"/>
+                <a:cs typeface="+mn-cs"/>
+              </a:rPr>
+              <a:t> nástroj, ale má vedieť aj importovať zamestnancov z iných podkladov.</a:t>
+            </a:r>
+          </a:p>
+          <a:p>
+            <a:r>
+              <a:rPr lang="sk-SK" sz="1200" b="0" kern="1200" dirty="0" smtClean="0">
+                <a:solidFill>
+                  <a:schemeClr val="tx1"/>
+                </a:solidFill>
+                <a:effectLst/>
+                <a:latin typeface="+mn-lt"/>
+                <a:ea typeface="+mn-ea"/>
+                <a:cs typeface="+mn-cs"/>
+              </a:rPr>
+              <a:t>Trieda program správne rozhodne kam má preposlať požiadavku.</a:t>
+            </a:r>
+          </a:p>
+          <a:p>
+            <a:r>
+              <a:rPr lang="sk-SK" sz="1200" b="0" kern="1200" dirty="0" smtClean="0">
+                <a:solidFill>
+                  <a:schemeClr val="tx1"/>
+                </a:solidFill>
+                <a:effectLst/>
+                <a:latin typeface="+mn-lt"/>
+                <a:ea typeface="+mn-ea"/>
+                <a:cs typeface="+mn-cs"/>
+              </a:rPr>
+              <a:t>V našom novom prípade je to trieda </a:t>
+            </a:r>
+            <a:r>
+              <a:rPr lang="sk-SK" sz="1200" b="0" kern="1200" dirty="0" err="1" smtClean="0">
+                <a:solidFill>
+                  <a:schemeClr val="tx1"/>
+                </a:solidFill>
+                <a:effectLst/>
+                <a:latin typeface="+mn-lt"/>
+                <a:ea typeface="+mn-ea"/>
+                <a:cs typeface="+mn-cs"/>
+              </a:rPr>
+              <a:t>PeopleImportService</a:t>
+            </a:r>
+            <a:r>
+              <a:rPr lang="sk-SK" sz="1200" b="0" kern="1200" dirty="0" smtClean="0">
+                <a:solidFill>
+                  <a:schemeClr val="tx1"/>
+                </a:solidFill>
+                <a:effectLst/>
+                <a:latin typeface="+mn-lt"/>
+                <a:ea typeface="+mn-ea"/>
+                <a:cs typeface="+mn-cs"/>
+              </a:rPr>
+              <a:t>.</a:t>
+            </a:r>
+          </a:p>
+          <a:p>
+            <a:r>
+              <a:rPr lang="sk-SK" sz="1200" b="0" kern="1200" dirty="0" smtClean="0">
+                <a:solidFill>
+                  <a:schemeClr val="tx1"/>
+                </a:solidFill>
+                <a:effectLst/>
+                <a:latin typeface="+mn-lt"/>
+                <a:ea typeface="+mn-ea"/>
+                <a:cs typeface="+mn-cs"/>
+              </a:rPr>
+              <a:t>Táto trieda dostane dve implementácie </a:t>
+            </a:r>
+            <a:r>
+              <a:rPr lang="sk-SK" sz="1200" b="0" kern="1200" dirty="0" err="1" smtClean="0">
+                <a:solidFill>
+                  <a:schemeClr val="tx1"/>
+                </a:solidFill>
+                <a:effectLst/>
+                <a:latin typeface="+mn-lt"/>
+                <a:ea typeface="+mn-ea"/>
+                <a:cs typeface="+mn-cs"/>
+              </a:rPr>
+              <a:t>IPeopleRepository</a:t>
+            </a:r>
+            <a:r>
+              <a:rPr lang="sk-SK" sz="1200" b="0" kern="1200" dirty="0" smtClean="0">
+                <a:solidFill>
+                  <a:schemeClr val="tx1"/>
+                </a:solidFill>
+                <a:effectLst/>
+                <a:latin typeface="+mn-lt"/>
+                <a:ea typeface="+mn-ea"/>
+                <a:cs typeface="+mn-cs"/>
+              </a:rPr>
+              <a:t>, </a:t>
+            </a:r>
+            <a:r>
+              <a:rPr lang="sk-SK" sz="1200" b="0" kern="1200" dirty="0" err="1" smtClean="0">
+                <a:solidFill>
+                  <a:schemeClr val="tx1"/>
+                </a:solidFill>
+                <a:effectLst/>
+                <a:latin typeface="+mn-lt"/>
+                <a:ea typeface="+mn-ea"/>
+                <a:cs typeface="+mn-cs"/>
+              </a:rPr>
+              <a:t>jednú</a:t>
+            </a:r>
+            <a:r>
+              <a:rPr lang="sk-SK" sz="1200" b="0" kern="1200" dirty="0" smtClean="0">
+                <a:solidFill>
+                  <a:schemeClr val="tx1"/>
+                </a:solidFill>
+                <a:effectLst/>
+                <a:latin typeface="+mn-lt"/>
+                <a:ea typeface="+mn-ea"/>
+                <a:cs typeface="+mn-cs"/>
+              </a:rPr>
+              <a:t> zdrojovú a jednu cieľovú.</a:t>
+            </a:r>
+          </a:p>
+          <a:p>
+            <a:r>
+              <a:rPr lang="sk-SK" sz="1200" b="0" kern="1200" dirty="0" smtClean="0">
+                <a:solidFill>
+                  <a:schemeClr val="tx1"/>
+                </a:solidFill>
+                <a:effectLst/>
+                <a:latin typeface="+mn-lt"/>
+                <a:ea typeface="+mn-ea"/>
+                <a:cs typeface="+mn-cs"/>
+              </a:rPr>
+              <a:t>Prejde položky zo zdroja, pridá ich do cieľa a uloží zmeny.</a:t>
+            </a:r>
+          </a:p>
+          <a:p>
+            <a:r>
+              <a:rPr lang="sk-SK" sz="1200" b="0" kern="1200" dirty="0" smtClean="0">
+                <a:solidFill>
+                  <a:schemeClr val="tx1"/>
+                </a:solidFill>
+                <a:effectLst/>
+                <a:latin typeface="+mn-lt"/>
+                <a:ea typeface="+mn-ea"/>
+                <a:cs typeface="+mn-cs"/>
+              </a:rPr>
+              <a:t>Museli sme upraviť </a:t>
+            </a:r>
+            <a:r>
+              <a:rPr lang="sk-SK" sz="1200" b="0" kern="1200" dirty="0" err="1" smtClean="0">
+                <a:solidFill>
+                  <a:schemeClr val="tx1"/>
+                </a:solidFill>
+                <a:effectLst/>
+                <a:latin typeface="+mn-lt"/>
+                <a:ea typeface="+mn-ea"/>
+                <a:cs typeface="+mn-cs"/>
+              </a:rPr>
+              <a:t>interfejs</a:t>
+            </a:r>
+            <a:r>
+              <a:rPr lang="sk-SK" sz="1200" b="0" kern="1200" dirty="0" smtClean="0">
+                <a:solidFill>
+                  <a:schemeClr val="tx1"/>
+                </a:solidFill>
+                <a:effectLst/>
+                <a:latin typeface="+mn-lt"/>
+                <a:ea typeface="+mn-ea"/>
+                <a:cs typeface="+mn-cs"/>
+              </a:rPr>
+              <a:t>, pridať do neho potrebné metódy a implementovať ich do existujúcich tried </a:t>
+            </a:r>
+            <a:r>
+              <a:rPr lang="sk-SK" sz="1200" b="0" kern="1200" dirty="0" err="1" smtClean="0">
+                <a:solidFill>
+                  <a:schemeClr val="tx1"/>
+                </a:solidFill>
+                <a:effectLst/>
+                <a:latin typeface="+mn-lt"/>
+                <a:ea typeface="+mn-ea"/>
+                <a:cs typeface="+mn-cs"/>
+              </a:rPr>
+              <a:t>PeopleRepository</a:t>
+            </a:r>
+            <a:r>
+              <a:rPr lang="sk-SK" sz="1200" b="0" kern="1200" dirty="0" smtClean="0">
+                <a:solidFill>
+                  <a:schemeClr val="tx1"/>
+                </a:solidFill>
+                <a:effectLst/>
+                <a:latin typeface="+mn-lt"/>
+                <a:ea typeface="+mn-ea"/>
+                <a:cs typeface="+mn-cs"/>
+              </a:rPr>
+              <a:t>, </a:t>
+            </a:r>
+            <a:r>
+              <a:rPr lang="sk-SK" sz="1200" b="0" kern="1200" dirty="0" err="1" smtClean="0">
+                <a:solidFill>
+                  <a:schemeClr val="tx1"/>
+                </a:solidFill>
+                <a:effectLst/>
+                <a:latin typeface="+mn-lt"/>
+                <a:ea typeface="+mn-ea"/>
+                <a:cs typeface="+mn-cs"/>
+              </a:rPr>
+              <a:t>XmlPeopleRepository</a:t>
+            </a:r>
+            <a:r>
+              <a:rPr lang="sk-SK" sz="1200" b="0" kern="1200" dirty="0" smtClean="0">
+                <a:solidFill>
+                  <a:schemeClr val="tx1"/>
+                </a:solidFill>
+                <a:effectLst/>
+                <a:latin typeface="+mn-lt"/>
+                <a:ea typeface="+mn-ea"/>
+                <a:cs typeface="+mn-cs"/>
+              </a:rPr>
+              <a:t>, </a:t>
+            </a:r>
+            <a:r>
+              <a:rPr lang="sk-SK" sz="1200" b="0" kern="1200" dirty="0" err="1" smtClean="0">
+                <a:solidFill>
+                  <a:schemeClr val="tx1"/>
+                </a:solidFill>
+                <a:effectLst/>
+                <a:latin typeface="+mn-lt"/>
+                <a:ea typeface="+mn-ea"/>
+                <a:cs typeface="+mn-cs"/>
+              </a:rPr>
+              <a:t>CachedPeopleRepository</a:t>
+            </a:r>
+            <a:endParaRPr lang="sk-SK" sz="1200" b="0" kern="1200" dirty="0" smtClean="0">
+              <a:solidFill>
+                <a:schemeClr val="tx1"/>
+              </a:solidFill>
+              <a:effectLst/>
+              <a:latin typeface="+mn-lt"/>
+              <a:ea typeface="+mn-ea"/>
+              <a:cs typeface="+mn-cs"/>
+            </a:endParaRPr>
+          </a:p>
+          <a:p>
+            <a:r>
+              <a:rPr lang="sk-SK" sz="1200" b="0" kern="1200" dirty="0" smtClean="0">
+                <a:solidFill>
+                  <a:schemeClr val="tx1"/>
+                </a:solidFill>
+                <a:effectLst/>
+                <a:latin typeface="+mn-lt"/>
+                <a:ea typeface="+mn-ea"/>
+                <a:cs typeface="+mn-cs"/>
+              </a:rPr>
+              <a:t>V princípe celkom fajn napísané.</a:t>
+            </a:r>
+          </a:p>
+          <a:p>
+            <a:r>
+              <a:rPr lang="sk-SK" sz="1200" b="0" kern="1200" dirty="0" smtClean="0">
+                <a:solidFill>
+                  <a:schemeClr val="tx1"/>
+                </a:solidFill>
+                <a:effectLst/>
+                <a:latin typeface="+mn-lt"/>
+                <a:ea typeface="+mn-ea"/>
+                <a:cs typeface="+mn-cs"/>
+              </a:rPr>
+              <a:t/>
+            </a:r>
+            <a:br>
+              <a:rPr lang="sk-SK" sz="1200" b="0" kern="1200" dirty="0" smtClean="0">
+                <a:solidFill>
+                  <a:schemeClr val="tx1"/>
+                </a:solidFill>
+                <a:effectLst/>
+                <a:latin typeface="+mn-lt"/>
+                <a:ea typeface="+mn-ea"/>
+                <a:cs typeface="+mn-cs"/>
+              </a:rPr>
+            </a:br>
+            <a:r>
+              <a:rPr lang="sk-SK" sz="1200" b="0" kern="1200" dirty="0" smtClean="0">
+                <a:solidFill>
+                  <a:schemeClr val="tx1"/>
+                </a:solidFill>
+                <a:effectLst/>
+                <a:latin typeface="+mn-lt"/>
+                <a:ea typeface="+mn-ea"/>
+                <a:cs typeface="+mn-cs"/>
+              </a:rPr>
+              <a:t>Čo ale keď dostanem požiadavku napojiť sa nový zdroj dát napríklad </a:t>
+            </a:r>
+            <a:r>
+              <a:rPr lang="sk-SK" sz="1200" b="0" kern="1200" dirty="0" err="1" smtClean="0">
+                <a:solidFill>
+                  <a:schemeClr val="tx1"/>
+                </a:solidFill>
+                <a:effectLst/>
+                <a:latin typeface="+mn-lt"/>
+                <a:ea typeface="+mn-ea"/>
+                <a:cs typeface="+mn-cs"/>
+              </a:rPr>
+              <a:t>excel</a:t>
+            </a:r>
+            <a:r>
+              <a:rPr lang="sk-SK" sz="1200" b="0" kern="1200" dirty="0" smtClean="0">
+                <a:solidFill>
+                  <a:schemeClr val="tx1"/>
+                </a:solidFill>
+                <a:effectLst/>
+                <a:latin typeface="+mn-lt"/>
+                <a:ea typeface="+mn-ea"/>
+                <a:cs typeface="+mn-cs"/>
+              </a:rPr>
+              <a:t>?</a:t>
+            </a:r>
+          </a:p>
+          <a:p>
+            <a:r>
+              <a:rPr lang="sk-SK" sz="1200" b="0" kern="1200" dirty="0" smtClean="0">
+                <a:solidFill>
+                  <a:schemeClr val="tx1"/>
+                </a:solidFill>
+                <a:effectLst/>
+                <a:latin typeface="+mn-lt"/>
+                <a:ea typeface="+mn-ea"/>
+                <a:cs typeface="+mn-cs"/>
+              </a:rPr>
+              <a:t>Náš ORM dokáže pri nastavení správne </a:t>
+            </a:r>
+            <a:r>
+              <a:rPr lang="sk-SK" sz="1200" b="0" kern="1200" dirty="0" err="1" smtClean="0">
+                <a:solidFill>
+                  <a:schemeClr val="tx1"/>
+                </a:solidFill>
+                <a:effectLst/>
+                <a:latin typeface="+mn-lt"/>
+                <a:ea typeface="+mn-ea"/>
+                <a:cs typeface="+mn-cs"/>
+              </a:rPr>
+              <a:t>connection</a:t>
+            </a:r>
+            <a:r>
+              <a:rPr lang="sk-SK" sz="1200" b="0" kern="1200" dirty="0" smtClean="0">
+                <a:solidFill>
+                  <a:schemeClr val="tx1"/>
+                </a:solidFill>
+                <a:effectLst/>
+                <a:latin typeface="+mn-lt"/>
+                <a:ea typeface="+mn-ea"/>
+                <a:cs typeface="+mn-cs"/>
+              </a:rPr>
+              <a:t> </a:t>
+            </a:r>
+            <a:r>
+              <a:rPr lang="sk-SK" sz="1200" b="0" kern="1200" dirty="0" err="1" smtClean="0">
+                <a:solidFill>
+                  <a:schemeClr val="tx1"/>
+                </a:solidFill>
+                <a:effectLst/>
+                <a:latin typeface="+mn-lt"/>
+                <a:ea typeface="+mn-ea"/>
+                <a:cs typeface="+mn-cs"/>
+              </a:rPr>
+              <a:t>stringu</a:t>
+            </a:r>
+            <a:r>
+              <a:rPr lang="sk-SK" sz="1200" b="0" kern="1200" dirty="0" smtClean="0">
+                <a:solidFill>
+                  <a:schemeClr val="tx1"/>
+                </a:solidFill>
+                <a:effectLst/>
+                <a:latin typeface="+mn-lt"/>
+                <a:ea typeface="+mn-ea"/>
+                <a:cs typeface="+mn-cs"/>
+              </a:rPr>
+              <a:t> materializovať dáta aj z </a:t>
+            </a:r>
+            <a:r>
+              <a:rPr lang="sk-SK" sz="1200" b="0" kern="1200" dirty="0" err="1" smtClean="0">
+                <a:solidFill>
+                  <a:schemeClr val="tx1"/>
+                </a:solidFill>
+                <a:effectLst/>
+                <a:latin typeface="+mn-lt"/>
+                <a:ea typeface="+mn-ea"/>
+                <a:cs typeface="+mn-cs"/>
+              </a:rPr>
+              <a:t>excelu</a:t>
+            </a:r>
+            <a:r>
+              <a:rPr lang="sk-SK" sz="1200" b="0" kern="1200" dirty="0" smtClean="0">
+                <a:solidFill>
+                  <a:schemeClr val="tx1"/>
+                </a:solidFill>
+                <a:effectLst/>
+                <a:latin typeface="+mn-lt"/>
+                <a:ea typeface="+mn-ea"/>
+                <a:cs typeface="+mn-cs"/>
+              </a:rPr>
+              <a:t> (ukladať ich však nedokáže)</a:t>
+            </a:r>
+          </a:p>
+          <a:p>
+            <a:r>
+              <a:rPr lang="sk-SK" sz="1200" b="0" kern="1200" dirty="0" smtClean="0">
+                <a:solidFill>
+                  <a:schemeClr val="tx1"/>
+                </a:solidFill>
+                <a:effectLst/>
+                <a:latin typeface="+mn-lt"/>
+                <a:ea typeface="+mn-ea"/>
+                <a:cs typeface="+mn-cs"/>
+              </a:rPr>
+              <a:t>Máme už zložitú implementáciu </a:t>
+            </a:r>
+            <a:r>
+              <a:rPr lang="sk-SK" sz="1200" b="0" kern="1200" dirty="0" err="1" smtClean="0">
+                <a:solidFill>
+                  <a:schemeClr val="tx1"/>
+                </a:solidFill>
+                <a:effectLst/>
+                <a:latin typeface="+mn-lt"/>
+                <a:ea typeface="+mn-ea"/>
+                <a:cs typeface="+mn-cs"/>
+              </a:rPr>
+              <a:t>PeopleRepository</a:t>
+            </a:r>
+            <a:r>
+              <a:rPr lang="sk-SK" sz="1200" b="0" kern="1200" dirty="0" smtClean="0">
+                <a:solidFill>
+                  <a:schemeClr val="tx1"/>
+                </a:solidFill>
+                <a:effectLst/>
+                <a:latin typeface="+mn-lt"/>
+                <a:ea typeface="+mn-ea"/>
+                <a:cs typeface="+mn-cs"/>
+              </a:rPr>
+              <a:t>, tak čo keby sme túto novú triedu zdedili práve z nej. Ušetríme si veľa roboty.</a:t>
+            </a:r>
+          </a:p>
+          <a:p>
+            <a:r>
+              <a:rPr lang="sk-SK" sz="1200" b="0" kern="1200" dirty="0" smtClean="0">
+                <a:solidFill>
+                  <a:schemeClr val="tx1"/>
+                </a:solidFill>
+                <a:effectLst/>
+                <a:latin typeface="+mn-lt"/>
+                <a:ea typeface="+mn-ea"/>
+                <a:cs typeface="+mn-cs"/>
+              </a:rPr>
+              <a:t>No a v tých metódach, ktoré teraz nepodporujeme korektne vyhodíme výnimku.</a:t>
+            </a:r>
+          </a:p>
+          <a:p>
+            <a:r>
+              <a:rPr lang="sk-SK" sz="1200" b="0" kern="1200" dirty="0" smtClean="0">
+                <a:solidFill>
+                  <a:schemeClr val="tx1"/>
+                </a:solidFill>
+                <a:effectLst/>
+                <a:latin typeface="+mn-lt"/>
+                <a:ea typeface="+mn-ea"/>
+                <a:cs typeface="+mn-cs"/>
+              </a:rPr>
+              <a:t/>
+            </a:r>
+            <a:br>
+              <a:rPr lang="sk-SK" sz="1200" b="0" kern="1200" dirty="0" smtClean="0">
+                <a:solidFill>
+                  <a:schemeClr val="tx1"/>
+                </a:solidFill>
+                <a:effectLst/>
+                <a:latin typeface="+mn-lt"/>
+                <a:ea typeface="+mn-ea"/>
+                <a:cs typeface="+mn-cs"/>
+              </a:rPr>
+            </a:br>
+            <a:r>
+              <a:rPr lang="sk-SK" sz="1200" b="0" kern="1200" dirty="0" smtClean="0">
+                <a:solidFill>
+                  <a:schemeClr val="tx1"/>
+                </a:solidFill>
+                <a:effectLst/>
+                <a:latin typeface="+mn-lt"/>
+                <a:ea typeface="+mn-ea"/>
+                <a:cs typeface="+mn-cs"/>
+              </a:rPr>
+              <a:t>čo sa stane pokiaľ takúto implementáciu omylom použijeme ako cieľ pre import?</a:t>
+            </a:r>
+          </a:p>
+          <a:p>
+            <a:r>
+              <a:rPr lang="sk-SK" sz="1200" b="0" kern="1200" dirty="0" smtClean="0">
+                <a:solidFill>
+                  <a:schemeClr val="tx1"/>
+                </a:solidFill>
+                <a:effectLst/>
+                <a:latin typeface="+mn-lt"/>
+                <a:ea typeface="+mn-ea"/>
+                <a:cs typeface="+mn-cs"/>
+              </a:rPr>
+              <a:t>	padne to v </a:t>
+            </a:r>
+            <a:r>
+              <a:rPr lang="sk-SK" sz="1200" b="0" kern="1200" dirty="0" err="1" smtClean="0">
+                <a:solidFill>
+                  <a:schemeClr val="tx1"/>
+                </a:solidFill>
+                <a:effectLst/>
+                <a:latin typeface="+mn-lt"/>
+                <a:ea typeface="+mn-ea"/>
+                <a:cs typeface="+mn-cs"/>
+              </a:rPr>
+              <a:t>runtime</a:t>
+            </a:r>
+            <a:r>
+              <a:rPr lang="sk-SK" sz="1200" b="0" kern="1200" dirty="0" smtClean="0">
+                <a:solidFill>
+                  <a:schemeClr val="tx1"/>
+                </a:solidFill>
+                <a:effectLst/>
+                <a:latin typeface="+mn-lt"/>
+                <a:ea typeface="+mn-ea"/>
+                <a:cs typeface="+mn-cs"/>
+              </a:rPr>
+              <a:t>.</a:t>
+            </a:r>
+          </a:p>
+          <a:p>
+            <a:r>
+              <a:rPr lang="sk-SK" sz="1200" b="0" kern="1200" dirty="0" smtClean="0">
+                <a:solidFill>
+                  <a:schemeClr val="tx1"/>
+                </a:solidFill>
+                <a:effectLst/>
+                <a:latin typeface="+mn-lt"/>
+                <a:ea typeface="+mn-ea"/>
+                <a:cs typeface="+mn-cs"/>
+              </a:rPr>
+              <a:t>	Možno sa nám zdá, že veď túto je to jasné, nikdy by som to tam nedal a podobne. Áno je to pravda. je ten príklad trošku silený. Ale v zložitejšej aplikácií sa Vám stane to, že vám niekde príde iná implementácia ako očakávate.</a:t>
+            </a:r>
+          </a:p>
+          <a:p>
+            <a:r>
+              <a:rPr lang="sk-SK" sz="1200" b="0" kern="1200" dirty="0" smtClean="0">
+                <a:solidFill>
+                  <a:schemeClr val="tx1"/>
+                </a:solidFill>
+                <a:effectLst/>
+                <a:latin typeface="+mn-lt"/>
+                <a:ea typeface="+mn-ea"/>
+                <a:cs typeface="+mn-cs"/>
+              </a:rPr>
+              <a:t>Ako to riešiť? LSP ako také riešenie nedáva, len poukazuje na problém. Riešenie si ukážeme pomocou ďalšieho princípu.</a:t>
+            </a:r>
+            <a:endParaRPr lang="sk-SK" sz="1200" b="0" kern="1200" dirty="0">
+              <a:solidFill>
+                <a:schemeClr val="tx1"/>
+              </a:solidFill>
+              <a:effectLst/>
+              <a:latin typeface="+mn-lt"/>
+              <a:ea typeface="+mn-ea"/>
+              <a:cs typeface="+mn-cs"/>
+            </a:endParaRPr>
+          </a:p>
+        </p:txBody>
+      </p:sp>
+      <p:sp>
+        <p:nvSpPr>
+          <p:cNvPr id="4" name="Zástupný objekt pre číslo snímky 3"/>
+          <p:cNvSpPr>
+            <a:spLocks noGrp="1"/>
+          </p:cNvSpPr>
+          <p:nvPr>
+            <p:ph type="sldNum" sz="quarter" idx="10"/>
+          </p:nvPr>
+        </p:nvSpPr>
+        <p:spPr/>
+        <p:txBody>
+          <a:bodyPr/>
+          <a:lstStyle/>
+          <a:p>
+            <a:fld id="{8683B77B-E50F-4F41-84C3-C1D230689A8D}" type="slidenum">
+              <a:rPr lang="sk-SK" smtClean="0"/>
+              <a:t>31</a:t>
+            </a:fld>
+            <a:endParaRPr lang="sk-SK"/>
+          </a:p>
+        </p:txBody>
+      </p:sp>
+    </p:spTree>
+    <p:extLst>
+      <p:ext uri="{BB962C8B-B14F-4D97-AF65-F5344CB8AC3E}">
+        <p14:creationId xmlns:p14="http://schemas.microsoft.com/office/powerpoint/2010/main" val="1386749913"/>
+      </p:ext>
+    </p:extLst>
+  </p:cSld>
+  <p:clrMapOvr>
+    <a:masterClrMapping/>
+  </p:clrMapOvr>
+</p:notes>
+</file>
+
+<file path=ppt/notesSlides/notesSlide31.xml><?xml version="1.0" encoding="utf-8"?>
+<p:notes xmlns:a="http://schemas.openxmlformats.org/drawingml/2006/main" xmlns:r="http://schemas.openxmlformats.org/officeDocument/2006/relationships" xmlns:p="http://schemas.openxmlformats.org/presentationml/2006/main">
+  <p:cSld>
+    <p:spTree>
+      <p:nvGrpSpPr>
+        <p:cNvPr id="1" name=""/>
+        <p:cNvGrpSpPr/>
+        <p:nvPr/>
+      </p:nvGrpSpPr>
+      <p:grpSpPr>
+        <a:xfrm>
+          <a:off x="0" y="0"/>
+          <a:ext cx="0" cy="0"/>
+          <a:chOff x="0" y="0"/>
+          <a:chExt cx="0" cy="0"/>
+        </a:xfrm>
+      </p:grpSpPr>
+      <p:sp>
+        <p:nvSpPr>
+          <p:cNvPr id="2" name="Zástupný objekt pre obrázok snímky 1"/>
+          <p:cNvSpPr>
+            <a:spLocks noGrp="1" noRot="1" noChangeAspect="1"/>
+          </p:cNvSpPr>
+          <p:nvPr>
+            <p:ph type="sldImg"/>
+          </p:nvPr>
+        </p:nvSpPr>
+        <p:spPr/>
+      </p:sp>
+      <p:sp>
+        <p:nvSpPr>
+          <p:cNvPr id="3" name="Zástupný objekt pre poznámky 2"/>
+          <p:cNvSpPr>
+            <a:spLocks noGrp="1"/>
+          </p:cNvSpPr>
+          <p:nvPr>
+            <p:ph type="body" idx="1"/>
+          </p:nvPr>
+        </p:nvSpPr>
+        <p:spPr/>
+        <p:txBody>
+          <a:bodyPr/>
+          <a:lstStyle/>
+          <a:p>
+            <a:r>
+              <a:rPr lang="sk-SK" sz="1200" b="0" kern="1200" dirty="0" smtClean="0">
+                <a:solidFill>
+                  <a:schemeClr val="tx1"/>
+                </a:solidFill>
+                <a:effectLst/>
+                <a:latin typeface="+mn-lt"/>
+                <a:ea typeface="+mn-ea"/>
+                <a:cs typeface="+mn-cs"/>
+              </a:rPr>
+              <a:t>Vždy keď využívame dedičnosť / respektíve máme viac implementácií jedného </a:t>
+            </a:r>
+            <a:r>
+              <a:rPr lang="sk-SK" sz="1200" b="0" kern="1200" dirty="0" err="1" smtClean="0">
+                <a:solidFill>
+                  <a:schemeClr val="tx1"/>
+                </a:solidFill>
+                <a:effectLst/>
+                <a:latin typeface="+mn-lt"/>
+                <a:ea typeface="+mn-ea"/>
+                <a:cs typeface="+mn-cs"/>
+              </a:rPr>
+              <a:t>repository</a:t>
+            </a:r>
+            <a:r>
+              <a:rPr lang="sk-SK" sz="1200" b="0" kern="1200" dirty="0" smtClean="0">
+                <a:solidFill>
+                  <a:schemeClr val="tx1"/>
+                </a:solidFill>
+                <a:effectLst/>
+                <a:latin typeface="+mn-lt"/>
+                <a:ea typeface="+mn-ea"/>
+                <a:cs typeface="+mn-cs"/>
+              </a:rPr>
+              <a:t>, tak bojujeme s tým že na toto narazíme. Vo </a:t>
+            </a:r>
+            <a:r>
+              <a:rPr lang="sk-SK" sz="1200" b="0" kern="1200" dirty="0" err="1" smtClean="0">
+                <a:solidFill>
+                  <a:schemeClr val="tx1"/>
+                </a:solidFill>
+                <a:effectLst/>
+                <a:latin typeface="+mn-lt"/>
+                <a:ea typeface="+mn-ea"/>
+                <a:cs typeface="+mn-cs"/>
+              </a:rPr>
+              <a:t>veľej</a:t>
+            </a:r>
+            <a:r>
+              <a:rPr lang="sk-SK" sz="1200" b="0" kern="1200" dirty="0" smtClean="0">
+                <a:solidFill>
+                  <a:schemeClr val="tx1"/>
+                </a:solidFill>
+                <a:effectLst/>
+                <a:latin typeface="+mn-lt"/>
+                <a:ea typeface="+mn-ea"/>
+                <a:cs typeface="+mn-cs"/>
+              </a:rPr>
+              <a:t> aplikácií sa to stáva často a býva to problém. Na takomto menšom príklade sa to ťažko ukazuje.</a:t>
+            </a:r>
+          </a:p>
+          <a:p>
+            <a:r>
+              <a:rPr lang="sk-SK" sz="1200" b="0" kern="1200" dirty="0" smtClean="0">
+                <a:solidFill>
+                  <a:schemeClr val="tx1"/>
+                </a:solidFill>
+                <a:effectLst/>
+                <a:latin typeface="+mn-lt"/>
+                <a:ea typeface="+mn-ea"/>
+                <a:cs typeface="+mn-cs"/>
+              </a:rPr>
+              <a:t>Vždy keď idete využiť dedičnosť, tak sa zamyslíte kvôli čomu to </a:t>
+            </a:r>
+            <a:r>
+              <a:rPr lang="sk-SK" sz="1200" b="0" kern="1200" dirty="0" err="1" smtClean="0">
+                <a:solidFill>
+                  <a:schemeClr val="tx1"/>
+                </a:solidFill>
+                <a:effectLst/>
+                <a:latin typeface="+mn-lt"/>
+                <a:ea typeface="+mn-ea"/>
+                <a:cs typeface="+mn-cs"/>
+              </a:rPr>
+              <a:t>ribíte</a:t>
+            </a:r>
+            <a:r>
+              <a:rPr lang="sk-SK" sz="1200" b="0" kern="1200" dirty="0" smtClean="0">
+                <a:solidFill>
+                  <a:schemeClr val="tx1"/>
+                </a:solidFill>
+                <a:effectLst/>
+                <a:latin typeface="+mn-lt"/>
+                <a:ea typeface="+mn-ea"/>
+                <a:cs typeface="+mn-cs"/>
+              </a:rPr>
+              <a:t>. Či to je naozaj správne a či to nie je len kvôli zdieľaniu kódu. Ak je to kvôli tomu, tak radšej zvoľte kompozíciu ako dedičnosť.</a:t>
+            </a:r>
+          </a:p>
+          <a:p>
+            <a:r>
+              <a:rPr lang="sk-SK" sz="1200" b="0" kern="1200" dirty="0" smtClean="0">
+                <a:solidFill>
+                  <a:schemeClr val="tx1"/>
+                </a:solidFill>
+                <a:effectLst/>
+                <a:latin typeface="+mn-lt"/>
+                <a:ea typeface="+mn-ea"/>
+                <a:cs typeface="+mn-cs"/>
+              </a:rPr>
+              <a:t>Ak dodržujete </a:t>
+            </a:r>
+            <a:r>
+              <a:rPr lang="sk-SK" sz="1200" b="0" kern="1200" dirty="0" err="1" smtClean="0">
+                <a:solidFill>
+                  <a:schemeClr val="tx1"/>
+                </a:solidFill>
+                <a:effectLst/>
+                <a:latin typeface="+mn-lt"/>
+                <a:ea typeface="+mn-ea"/>
+                <a:cs typeface="+mn-cs"/>
+              </a:rPr>
+              <a:t>predchadzajúce</a:t>
+            </a:r>
+            <a:r>
+              <a:rPr lang="sk-SK" sz="1200" b="0" kern="1200" dirty="0" smtClean="0">
+                <a:solidFill>
+                  <a:schemeClr val="tx1"/>
+                </a:solidFill>
+                <a:effectLst/>
+                <a:latin typeface="+mn-lt"/>
+                <a:ea typeface="+mn-ea"/>
+                <a:cs typeface="+mn-cs"/>
+              </a:rPr>
+              <a:t> </a:t>
+            </a:r>
+            <a:r>
+              <a:rPr lang="sk-SK" sz="1200" b="0" kern="1200" dirty="0" err="1" smtClean="0">
+                <a:solidFill>
+                  <a:schemeClr val="tx1"/>
+                </a:solidFill>
+                <a:effectLst/>
+                <a:latin typeface="+mn-lt"/>
+                <a:ea typeface="+mn-ea"/>
+                <a:cs typeface="+mn-cs"/>
+              </a:rPr>
+              <a:t>princípi</a:t>
+            </a:r>
+            <a:r>
+              <a:rPr lang="sk-SK" sz="1200" b="0" kern="1200" dirty="0" smtClean="0">
+                <a:solidFill>
+                  <a:schemeClr val="tx1"/>
+                </a:solidFill>
+                <a:effectLst/>
+                <a:latin typeface="+mn-lt"/>
+                <a:ea typeface="+mn-ea"/>
+                <a:cs typeface="+mn-cs"/>
+              </a:rPr>
+              <a:t> (SRP, OPC) vzniká vám väčšie množstvo tried. Pokiaľ nebudete dodržiavať LSP, tak je veľmi ľahké vytvoriť novú triedu, </a:t>
+            </a:r>
+            <a:r>
+              <a:rPr lang="sk-SK" sz="1200" b="0" kern="1200" dirty="0" err="1" smtClean="0">
+                <a:solidFill>
+                  <a:schemeClr val="tx1"/>
+                </a:solidFill>
+                <a:effectLst/>
+                <a:latin typeface="+mn-lt"/>
+                <a:ea typeface="+mn-ea"/>
+                <a:cs typeface="+mn-cs"/>
+              </a:rPr>
+              <a:t>korá</a:t>
+            </a:r>
+            <a:r>
+              <a:rPr lang="sk-SK" sz="1200" b="0" kern="1200" dirty="0" smtClean="0">
+                <a:solidFill>
+                  <a:schemeClr val="tx1"/>
+                </a:solidFill>
+                <a:effectLst/>
+                <a:latin typeface="+mn-lt"/>
+                <a:ea typeface="+mn-ea"/>
+                <a:cs typeface="+mn-cs"/>
+              </a:rPr>
+              <a:t> vám časom rozbije aplikáciu.</a:t>
+            </a:r>
+          </a:p>
+          <a:p>
+            <a:r>
+              <a:rPr lang="sk-SK" sz="1200" b="0" kern="1200" dirty="0" smtClean="0">
+                <a:solidFill>
+                  <a:schemeClr val="tx1"/>
+                </a:solidFill>
+                <a:effectLst/>
+                <a:latin typeface="+mn-lt"/>
+                <a:ea typeface="+mn-ea"/>
+                <a:cs typeface="+mn-cs"/>
+              </a:rPr>
+              <a:t>LSP je hlavne o tom, dávať si pozor na to ako implementuje nové triedy. Aby sme nenarušili očakávané správanie.</a:t>
+            </a:r>
+          </a:p>
+          <a:p>
+            <a:r>
+              <a:rPr lang="sk-SK" sz="1200" b="1" kern="1200" dirty="0" smtClean="0">
+                <a:solidFill>
+                  <a:schemeClr val="tx1"/>
+                </a:solidFill>
+                <a:effectLst/>
+                <a:latin typeface="+mn-lt"/>
+                <a:ea typeface="+mn-ea"/>
+                <a:cs typeface="+mn-cs"/>
+              </a:rPr>
+              <a:t>Takže benefit je, že nepokazíte starý kód, ktorý tieto triedy využíva.</a:t>
+            </a:r>
+            <a:endParaRPr lang="sk-SK" sz="1200" b="0" kern="1200" dirty="0">
+              <a:solidFill>
+                <a:schemeClr val="tx1"/>
+              </a:solidFill>
+              <a:effectLst/>
+              <a:latin typeface="+mn-lt"/>
+              <a:ea typeface="+mn-ea"/>
+              <a:cs typeface="+mn-cs"/>
+            </a:endParaRPr>
+          </a:p>
+        </p:txBody>
+      </p:sp>
+      <p:sp>
+        <p:nvSpPr>
+          <p:cNvPr id="4" name="Zástupný objekt pre číslo snímky 3"/>
+          <p:cNvSpPr>
+            <a:spLocks noGrp="1"/>
+          </p:cNvSpPr>
+          <p:nvPr>
+            <p:ph type="sldNum" sz="quarter" idx="10"/>
+          </p:nvPr>
+        </p:nvSpPr>
+        <p:spPr/>
+        <p:txBody>
+          <a:bodyPr/>
+          <a:lstStyle/>
+          <a:p>
+            <a:fld id="{8683B77B-E50F-4F41-84C3-C1D230689A8D}" type="slidenum">
+              <a:rPr lang="sk-SK" smtClean="0"/>
+              <a:t>32</a:t>
+            </a:fld>
+            <a:endParaRPr lang="sk-SK"/>
+          </a:p>
+        </p:txBody>
+      </p:sp>
+    </p:spTree>
+    <p:extLst>
+      <p:ext uri="{BB962C8B-B14F-4D97-AF65-F5344CB8AC3E}">
+        <p14:creationId xmlns:p14="http://schemas.microsoft.com/office/powerpoint/2010/main" val="2111472460"/>
+      </p:ext>
+    </p:extLst>
+  </p:cSld>
+  <p:clrMapOvr>
+    <a:masterClrMapping/>
+  </p:clrMapOvr>
+</p:notes>
+</file>
+
+<file path=ppt/notesSlides/notesSlide32.xml><?xml version="1.0" encoding="utf-8"?>
+<p:notes xmlns:a="http://schemas.openxmlformats.org/drawingml/2006/main" xmlns:r="http://schemas.openxmlformats.org/officeDocument/2006/relationships" xmlns:p="http://schemas.openxmlformats.org/presentationml/2006/main">
+  <p:cSld>
+    <p:spTree>
+      <p:nvGrpSpPr>
+        <p:cNvPr id="1" name=""/>
+        <p:cNvGrpSpPr/>
+        <p:nvPr/>
+      </p:nvGrpSpPr>
+      <p:grpSpPr>
+        <a:xfrm>
+          <a:off x="0" y="0"/>
+          <a:ext cx="0" cy="0"/>
+          <a:chOff x="0" y="0"/>
+          <a:chExt cx="0" cy="0"/>
+        </a:xfrm>
+      </p:grpSpPr>
+      <p:sp>
+        <p:nvSpPr>
+          <p:cNvPr id="2" name="Zástupný objekt pre obrázok snímky 1"/>
+          <p:cNvSpPr>
+            <a:spLocks noGrp="1" noRot="1" noChangeAspect="1"/>
+          </p:cNvSpPr>
+          <p:nvPr>
+            <p:ph type="sldImg"/>
+          </p:nvPr>
+        </p:nvSpPr>
+        <p:spPr/>
+      </p:sp>
+      <p:sp>
+        <p:nvSpPr>
+          <p:cNvPr id="3" name="Zástupný objekt pre poznámky 2"/>
+          <p:cNvSpPr>
+            <a:spLocks noGrp="1"/>
+          </p:cNvSpPr>
+          <p:nvPr>
+            <p:ph type="body" idx="1"/>
+          </p:nvPr>
+        </p:nvSpPr>
+        <p:spPr/>
+        <p:txBody>
+          <a:bodyPr/>
+          <a:lstStyle/>
+          <a:p>
+            <a:endParaRPr lang="sk-SK" dirty="0"/>
+          </a:p>
+        </p:txBody>
+      </p:sp>
+      <p:sp>
+        <p:nvSpPr>
+          <p:cNvPr id="4" name="Zástupný objekt pre číslo snímky 3"/>
+          <p:cNvSpPr>
+            <a:spLocks noGrp="1"/>
+          </p:cNvSpPr>
+          <p:nvPr>
+            <p:ph type="sldNum" sz="quarter" idx="10"/>
+          </p:nvPr>
+        </p:nvSpPr>
+        <p:spPr/>
+        <p:txBody>
+          <a:bodyPr/>
+          <a:lstStyle/>
+          <a:p>
+            <a:fld id="{8683B77B-E50F-4F41-84C3-C1D230689A8D}" type="slidenum">
+              <a:rPr lang="sk-SK" smtClean="0"/>
+              <a:t>33</a:t>
+            </a:fld>
+            <a:endParaRPr lang="sk-SK"/>
+          </a:p>
+        </p:txBody>
+      </p:sp>
+    </p:spTree>
+    <p:extLst>
+      <p:ext uri="{BB962C8B-B14F-4D97-AF65-F5344CB8AC3E}">
+        <p14:creationId xmlns:p14="http://schemas.microsoft.com/office/powerpoint/2010/main" val="2541973054"/>
+      </p:ext>
+    </p:extLst>
+  </p:cSld>
+  <p:clrMapOvr>
+    <a:masterClrMapping/>
+  </p:clrMapOvr>
+</p:notes>
+</file>
+
+<file path=ppt/notesSlides/notesSlide33.xml><?xml version="1.0" encoding="utf-8"?>
+<p:notes xmlns:a="http://schemas.openxmlformats.org/drawingml/2006/main" xmlns:r="http://schemas.openxmlformats.org/officeDocument/2006/relationships" xmlns:p="http://schemas.openxmlformats.org/presentationml/2006/main">
+  <p:cSld>
+    <p:spTree>
+      <p:nvGrpSpPr>
+        <p:cNvPr id="1" name=""/>
+        <p:cNvGrpSpPr/>
+        <p:nvPr/>
+      </p:nvGrpSpPr>
+      <p:grpSpPr>
+        <a:xfrm>
+          <a:off x="0" y="0"/>
+          <a:ext cx="0" cy="0"/>
+          <a:chOff x="0" y="0"/>
+          <a:chExt cx="0" cy="0"/>
+        </a:xfrm>
+      </p:grpSpPr>
+      <p:sp>
+        <p:nvSpPr>
+          <p:cNvPr id="2" name="Zástupný objekt pre obrázok snímky 1"/>
+          <p:cNvSpPr>
+            <a:spLocks noGrp="1" noRot="1" noChangeAspect="1"/>
+          </p:cNvSpPr>
+          <p:nvPr>
+            <p:ph type="sldImg"/>
+          </p:nvPr>
+        </p:nvSpPr>
+        <p:spPr/>
+      </p:sp>
+      <p:sp>
+        <p:nvSpPr>
+          <p:cNvPr id="3" name="Zástupný objekt pre poznámky 2"/>
+          <p:cNvSpPr>
+            <a:spLocks noGrp="1"/>
+          </p:cNvSpPr>
+          <p:nvPr>
+            <p:ph type="body" idx="1"/>
+          </p:nvPr>
+        </p:nvSpPr>
+        <p:spPr/>
+        <p:txBody>
+          <a:bodyPr/>
+          <a:lstStyle/>
+          <a:p>
+            <a:endParaRPr lang="sk-SK" dirty="0" smtClean="0"/>
+          </a:p>
+        </p:txBody>
+      </p:sp>
+      <p:sp>
+        <p:nvSpPr>
+          <p:cNvPr id="4" name="Zástupný objekt pre číslo snímky 3"/>
+          <p:cNvSpPr>
+            <a:spLocks noGrp="1"/>
+          </p:cNvSpPr>
+          <p:nvPr>
+            <p:ph type="sldNum" sz="quarter" idx="10"/>
+          </p:nvPr>
+        </p:nvSpPr>
+        <p:spPr/>
+        <p:txBody>
+          <a:bodyPr/>
+          <a:lstStyle/>
+          <a:p>
+            <a:fld id="{8683B77B-E50F-4F41-84C3-C1D230689A8D}" type="slidenum">
+              <a:rPr lang="sk-SK" smtClean="0"/>
+              <a:t>34</a:t>
+            </a:fld>
+            <a:endParaRPr lang="sk-SK"/>
+          </a:p>
+        </p:txBody>
+      </p:sp>
+    </p:spTree>
+    <p:extLst>
+      <p:ext uri="{BB962C8B-B14F-4D97-AF65-F5344CB8AC3E}">
+        <p14:creationId xmlns:p14="http://schemas.microsoft.com/office/powerpoint/2010/main" val="2097705368"/>
+      </p:ext>
+    </p:extLst>
+  </p:cSld>
+  <p:clrMapOvr>
+    <a:masterClrMapping/>
+  </p:clrMapOvr>
+</p:notes>
+</file>
+
+<file path=ppt/notesSlides/notesSlide34.xml><?xml version="1.0" encoding="utf-8"?>
+<p:notes xmlns:a="http://schemas.openxmlformats.org/drawingml/2006/main" xmlns:r="http://schemas.openxmlformats.org/officeDocument/2006/relationships" xmlns:p="http://schemas.openxmlformats.org/presentationml/2006/main">
+  <p:cSld>
+    <p:spTree>
+      <p:nvGrpSpPr>
+        <p:cNvPr id="1" name=""/>
+        <p:cNvGrpSpPr/>
+        <p:nvPr/>
+      </p:nvGrpSpPr>
+      <p:grpSpPr>
+        <a:xfrm>
+          <a:off x="0" y="0"/>
+          <a:ext cx="0" cy="0"/>
+          <a:chOff x="0" y="0"/>
+          <a:chExt cx="0" cy="0"/>
+        </a:xfrm>
+      </p:grpSpPr>
+      <p:sp>
+        <p:nvSpPr>
+          <p:cNvPr id="2" name="Zástupný objekt pre obrázok snímky 1"/>
+          <p:cNvSpPr>
+            <a:spLocks noGrp="1" noRot="1" noChangeAspect="1"/>
+          </p:cNvSpPr>
+          <p:nvPr>
+            <p:ph type="sldImg"/>
+          </p:nvPr>
+        </p:nvSpPr>
+        <p:spPr/>
+      </p:sp>
+      <p:sp>
+        <p:nvSpPr>
+          <p:cNvPr id="3" name="Zástupný objekt pre poznámky 2"/>
+          <p:cNvSpPr>
+            <a:spLocks noGrp="1"/>
+          </p:cNvSpPr>
+          <p:nvPr>
+            <p:ph type="body" idx="1"/>
+          </p:nvPr>
+        </p:nvSpPr>
+        <p:spPr/>
+        <p:txBody>
+          <a:bodyPr/>
+          <a:lstStyle/>
+          <a:p>
+            <a:endParaRPr lang="sk-SK" dirty="0"/>
+          </a:p>
+        </p:txBody>
+      </p:sp>
+      <p:sp>
+        <p:nvSpPr>
+          <p:cNvPr id="4" name="Zástupný objekt pre číslo snímky 3"/>
+          <p:cNvSpPr>
+            <a:spLocks noGrp="1"/>
+          </p:cNvSpPr>
+          <p:nvPr>
+            <p:ph type="sldNum" sz="quarter" idx="10"/>
+          </p:nvPr>
+        </p:nvSpPr>
+        <p:spPr/>
+        <p:txBody>
+          <a:bodyPr/>
+          <a:lstStyle/>
+          <a:p>
+            <a:fld id="{8683B77B-E50F-4F41-84C3-C1D230689A8D}" type="slidenum">
+              <a:rPr lang="sk-SK" smtClean="0"/>
+              <a:t>35</a:t>
+            </a:fld>
+            <a:endParaRPr lang="sk-SK"/>
+          </a:p>
+        </p:txBody>
+      </p:sp>
+    </p:spTree>
+    <p:extLst>
+      <p:ext uri="{BB962C8B-B14F-4D97-AF65-F5344CB8AC3E}">
+        <p14:creationId xmlns:p14="http://schemas.microsoft.com/office/powerpoint/2010/main" val="2738068459"/>
+      </p:ext>
+    </p:extLst>
+  </p:cSld>
+  <p:clrMapOvr>
+    <a:masterClrMapping/>
+  </p:clrMapOvr>
+</p:notes>
+</file>
+
+<file path=ppt/notesSlides/notesSlide35.xml><?xml version="1.0" encoding="utf-8"?>
+<p:notes xmlns:a="http://schemas.openxmlformats.org/drawingml/2006/main" xmlns:r="http://schemas.openxmlformats.org/officeDocument/2006/relationships" xmlns:p="http://schemas.openxmlformats.org/presentationml/2006/main">
+  <p:cSld>
+    <p:spTree>
+      <p:nvGrpSpPr>
+        <p:cNvPr id="1" name=""/>
+        <p:cNvGrpSpPr/>
+        <p:nvPr/>
+      </p:nvGrpSpPr>
+      <p:grpSpPr>
+        <a:xfrm>
+          <a:off x="0" y="0"/>
+          <a:ext cx="0" cy="0"/>
+          <a:chOff x="0" y="0"/>
+          <a:chExt cx="0" cy="0"/>
+        </a:xfrm>
+      </p:grpSpPr>
+      <p:sp>
+        <p:nvSpPr>
+          <p:cNvPr id="2" name="Zástupný objekt pre obrázok snímky 1"/>
+          <p:cNvSpPr>
+            <a:spLocks noGrp="1" noRot="1" noChangeAspect="1"/>
+          </p:cNvSpPr>
+          <p:nvPr>
+            <p:ph type="sldImg"/>
+          </p:nvPr>
+        </p:nvSpPr>
+        <p:spPr/>
+      </p:sp>
+      <p:sp>
+        <p:nvSpPr>
+          <p:cNvPr id="3" name="Zástupný objekt pre poznámky 2"/>
+          <p:cNvSpPr>
+            <a:spLocks noGrp="1"/>
+          </p:cNvSpPr>
+          <p:nvPr>
+            <p:ph type="body" idx="1"/>
+          </p:nvPr>
+        </p:nvSpPr>
+        <p:spPr/>
+        <p:txBody>
+          <a:bodyPr/>
+          <a:lstStyle/>
+          <a:p>
+            <a:pPr marL="0" marR="0" lvl="0" indent="0" algn="l" defTabSz="914400" rtl="0" eaLnBrk="1" fontAlgn="auto" latinLnBrk="0" hangingPunct="1">
+              <a:lnSpc>
+                <a:spcPct val="100000"/>
+              </a:lnSpc>
+              <a:spcBef>
+                <a:spcPts val="0"/>
+              </a:spcBef>
+              <a:spcAft>
+                <a:spcPts val="0"/>
+              </a:spcAft>
+              <a:buClrTx/>
+              <a:buSzTx/>
+              <a:buFontTx/>
+              <a:buNone/>
+              <a:tabLst/>
+              <a:defRPr/>
+            </a:pPr>
+            <a:r>
+              <a:rPr lang="sk-SK" sz="1200" b="0" kern="1200" dirty="0" smtClean="0">
+                <a:solidFill>
+                  <a:schemeClr val="tx1"/>
+                </a:solidFill>
+                <a:effectLst/>
+                <a:latin typeface="+mn-lt"/>
+                <a:ea typeface="+mn-ea"/>
+                <a:cs typeface="+mn-cs"/>
+              </a:rPr>
+              <a:t>Pokiaľ potrebujete vytvoriť novú implementáciu požadovaného </a:t>
+            </a:r>
+            <a:r>
+              <a:rPr lang="sk-SK" sz="1200" b="0" kern="1200" dirty="0" err="1" smtClean="0">
+                <a:solidFill>
+                  <a:schemeClr val="tx1"/>
+                </a:solidFill>
+                <a:effectLst/>
+                <a:latin typeface="+mn-lt"/>
+                <a:ea typeface="+mn-ea"/>
+                <a:cs typeface="+mn-cs"/>
+              </a:rPr>
+              <a:t>interfejsu</a:t>
+            </a:r>
+            <a:r>
+              <a:rPr lang="sk-SK" sz="1200" b="0" kern="1200" dirty="0" smtClean="0">
+                <a:solidFill>
+                  <a:schemeClr val="tx1"/>
+                </a:solidFill>
+                <a:effectLst/>
+                <a:latin typeface="+mn-lt"/>
+                <a:ea typeface="+mn-ea"/>
+                <a:cs typeface="+mn-cs"/>
+              </a:rPr>
+              <a:t> a toto pravidlo nemáte dodržané, s určitosťou sa Vám stane, že vo väčšine prípadov budete písať </a:t>
+            </a:r>
+            <a:r>
+              <a:rPr lang="sk-SK" sz="1200" b="0" kern="1200" dirty="0" err="1" smtClean="0">
+                <a:solidFill>
+                  <a:schemeClr val="tx1"/>
+                </a:solidFill>
+                <a:effectLst/>
+                <a:latin typeface="+mn-lt"/>
+                <a:ea typeface="+mn-ea"/>
+                <a:cs typeface="+mn-cs"/>
+              </a:rPr>
+              <a:t>throw</a:t>
+            </a:r>
+            <a:r>
+              <a:rPr lang="sk-SK" sz="1200" b="0" kern="1200" dirty="0" smtClean="0">
+                <a:solidFill>
+                  <a:schemeClr val="tx1"/>
+                </a:solidFill>
+                <a:effectLst/>
+                <a:latin typeface="+mn-lt"/>
+                <a:ea typeface="+mn-ea"/>
+                <a:cs typeface="+mn-cs"/>
+              </a:rPr>
+              <a:t> new </a:t>
+            </a:r>
+            <a:r>
+              <a:rPr lang="sk-SK" sz="1200" b="0" kern="1200" dirty="0" err="1" smtClean="0">
+                <a:solidFill>
+                  <a:schemeClr val="tx1"/>
+                </a:solidFill>
+                <a:effectLst/>
+                <a:latin typeface="+mn-lt"/>
+                <a:ea typeface="+mn-ea"/>
+                <a:cs typeface="+mn-cs"/>
+              </a:rPr>
+              <a:t>NotImplementationException</a:t>
+            </a:r>
+            <a:r>
+              <a:rPr lang="sk-SK" sz="1200" b="0" kern="1200" dirty="0" smtClean="0">
+                <a:solidFill>
+                  <a:schemeClr val="tx1"/>
+                </a:solidFill>
+                <a:effectLst/>
+                <a:latin typeface="+mn-lt"/>
+                <a:ea typeface="+mn-ea"/>
+                <a:cs typeface="+mn-cs"/>
+              </a:rPr>
+              <a:t>() a dostanete sa do stavu, ktorý sme si </a:t>
+            </a:r>
+            <a:r>
+              <a:rPr lang="sk-SK" sz="1200" b="0" kern="1200" dirty="0" err="1" smtClean="0">
+                <a:solidFill>
+                  <a:schemeClr val="tx1"/>
+                </a:solidFill>
+                <a:effectLst/>
+                <a:latin typeface="+mn-lt"/>
+                <a:ea typeface="+mn-ea"/>
+                <a:cs typeface="+mn-cs"/>
+              </a:rPr>
+              <a:t>predchíľou</a:t>
+            </a:r>
+            <a:r>
+              <a:rPr lang="sk-SK" sz="1200" b="0" kern="1200" dirty="0" smtClean="0">
+                <a:solidFill>
+                  <a:schemeClr val="tx1"/>
+                </a:solidFill>
+                <a:effectLst/>
+                <a:latin typeface="+mn-lt"/>
+                <a:ea typeface="+mn-ea"/>
+                <a:cs typeface="+mn-cs"/>
+              </a:rPr>
+              <a:t> popisovali.</a:t>
+            </a:r>
+          </a:p>
+          <a:p>
+            <a:endParaRPr lang="sk-SK" dirty="0" smtClean="0"/>
+          </a:p>
+        </p:txBody>
+      </p:sp>
+      <p:sp>
+        <p:nvSpPr>
+          <p:cNvPr id="4" name="Zástupný objekt pre číslo snímky 3"/>
+          <p:cNvSpPr>
+            <a:spLocks noGrp="1"/>
+          </p:cNvSpPr>
+          <p:nvPr>
+            <p:ph type="sldNum" sz="quarter" idx="10"/>
+          </p:nvPr>
+        </p:nvSpPr>
+        <p:spPr/>
+        <p:txBody>
+          <a:bodyPr/>
+          <a:lstStyle/>
+          <a:p>
+            <a:fld id="{8683B77B-E50F-4F41-84C3-C1D230689A8D}" type="slidenum">
+              <a:rPr lang="sk-SK" smtClean="0"/>
+              <a:t>36</a:t>
+            </a:fld>
+            <a:endParaRPr lang="sk-SK"/>
+          </a:p>
+        </p:txBody>
+      </p:sp>
+    </p:spTree>
+    <p:extLst>
+      <p:ext uri="{BB962C8B-B14F-4D97-AF65-F5344CB8AC3E}">
+        <p14:creationId xmlns:p14="http://schemas.microsoft.com/office/powerpoint/2010/main" val="1856514459"/>
+      </p:ext>
+    </p:extLst>
+  </p:cSld>
+  <p:clrMapOvr>
+    <a:masterClrMapping/>
+  </p:clrMapOvr>
+</p:notes>
+</file>
+
+<file path=ppt/notesSlides/notesSlide36.xml><?xml version="1.0" encoding="utf-8"?>
+<p:notes xmlns:a="http://schemas.openxmlformats.org/drawingml/2006/main" xmlns:r="http://schemas.openxmlformats.org/officeDocument/2006/relationships" xmlns:p="http://schemas.openxmlformats.org/presentationml/2006/main">
+  <p:cSld>
+    <p:spTree>
+      <p:nvGrpSpPr>
+        <p:cNvPr id="1" name=""/>
+        <p:cNvGrpSpPr/>
+        <p:nvPr/>
+      </p:nvGrpSpPr>
+      <p:grpSpPr>
+        <a:xfrm>
+          <a:off x="0" y="0"/>
+          <a:ext cx="0" cy="0"/>
+          <a:chOff x="0" y="0"/>
+          <a:chExt cx="0" cy="0"/>
+        </a:xfrm>
+      </p:grpSpPr>
+      <p:sp>
+        <p:nvSpPr>
+          <p:cNvPr id="2" name="Zástupný objekt pre obrázok snímky 1"/>
+          <p:cNvSpPr>
+            <a:spLocks noGrp="1" noRot="1" noChangeAspect="1"/>
+          </p:cNvSpPr>
+          <p:nvPr>
+            <p:ph type="sldImg"/>
+          </p:nvPr>
+        </p:nvSpPr>
+        <p:spPr/>
+      </p:sp>
+      <p:sp>
+        <p:nvSpPr>
+          <p:cNvPr id="3" name="Zástupný objekt pre poznámky 2"/>
+          <p:cNvSpPr>
+            <a:spLocks noGrp="1"/>
+          </p:cNvSpPr>
+          <p:nvPr>
+            <p:ph type="body" idx="1"/>
+          </p:nvPr>
+        </p:nvSpPr>
+        <p:spPr/>
+        <p:txBody>
+          <a:bodyPr/>
+          <a:lstStyle/>
+          <a:p>
+            <a:r>
+              <a:rPr lang="sk-SK" sz="1200" b="0" kern="1200" dirty="0" smtClean="0">
+                <a:solidFill>
+                  <a:schemeClr val="tx1"/>
+                </a:solidFill>
+                <a:effectLst/>
+                <a:latin typeface="+mn-lt"/>
+                <a:ea typeface="+mn-ea"/>
+                <a:cs typeface="+mn-cs"/>
+              </a:rPr>
+              <a:t>Rozdelíme si pôvodný </a:t>
+            </a:r>
+            <a:r>
+              <a:rPr lang="sk-SK" sz="1200" b="0" kern="1200" dirty="0" err="1" smtClean="0">
+                <a:solidFill>
+                  <a:schemeClr val="tx1"/>
+                </a:solidFill>
+                <a:effectLst/>
+                <a:latin typeface="+mn-lt"/>
+                <a:ea typeface="+mn-ea"/>
+                <a:cs typeface="+mn-cs"/>
+              </a:rPr>
+              <a:t>interfejs</a:t>
+            </a:r>
+            <a:r>
+              <a:rPr lang="sk-SK" sz="1200" b="0" kern="1200" dirty="0" smtClean="0">
+                <a:solidFill>
+                  <a:schemeClr val="tx1"/>
+                </a:solidFill>
+                <a:effectLst/>
+                <a:latin typeface="+mn-lt"/>
+                <a:ea typeface="+mn-ea"/>
+                <a:cs typeface="+mn-cs"/>
+              </a:rPr>
+              <a:t> na dva nové </a:t>
+            </a:r>
+            <a:r>
+              <a:rPr lang="sk-SK" sz="1200" b="0" kern="1200" dirty="0" err="1" smtClean="0">
+                <a:solidFill>
+                  <a:schemeClr val="tx1"/>
+                </a:solidFill>
+                <a:effectLst/>
+                <a:latin typeface="+mn-lt"/>
+                <a:ea typeface="+mn-ea"/>
+                <a:cs typeface="+mn-cs"/>
+              </a:rPr>
+              <a:t>IReadOnlyPeopleRepository</a:t>
+            </a:r>
+            <a:r>
+              <a:rPr lang="sk-SK" sz="1200" b="0" kern="1200" dirty="0" smtClean="0">
+                <a:solidFill>
+                  <a:schemeClr val="tx1"/>
+                </a:solidFill>
+                <a:effectLst/>
+                <a:latin typeface="+mn-lt"/>
+                <a:ea typeface="+mn-ea"/>
+                <a:cs typeface="+mn-cs"/>
+              </a:rPr>
+              <a:t> a </a:t>
+            </a:r>
+            <a:r>
+              <a:rPr lang="sk-SK" sz="1200" b="0" kern="1200" dirty="0" err="1" smtClean="0">
+                <a:solidFill>
+                  <a:schemeClr val="tx1"/>
+                </a:solidFill>
+                <a:effectLst/>
+                <a:latin typeface="+mn-lt"/>
+                <a:ea typeface="+mn-ea"/>
+                <a:cs typeface="+mn-cs"/>
+              </a:rPr>
+              <a:t>IWritablePeopleRepository</a:t>
+            </a:r>
+            <a:endParaRPr lang="sk-SK" sz="1200" b="0" kern="1200" dirty="0" smtClean="0">
+              <a:solidFill>
+                <a:schemeClr val="tx1"/>
+              </a:solidFill>
+              <a:effectLst/>
+              <a:latin typeface="+mn-lt"/>
+              <a:ea typeface="+mn-ea"/>
+              <a:cs typeface="+mn-cs"/>
+            </a:endParaRPr>
+          </a:p>
+          <a:p>
+            <a:r>
+              <a:rPr lang="sk-SK" sz="1200" b="0" kern="1200" dirty="0" smtClean="0">
+                <a:solidFill>
+                  <a:schemeClr val="tx1"/>
+                </a:solidFill>
+                <a:effectLst/>
+                <a:latin typeface="+mn-lt"/>
+                <a:ea typeface="+mn-ea"/>
+                <a:cs typeface="+mn-cs"/>
+              </a:rPr>
+              <a:t>Pôvodný </a:t>
+            </a:r>
+            <a:r>
+              <a:rPr lang="sk-SK" sz="1200" b="0" kern="1200" dirty="0" err="1" smtClean="0">
+                <a:solidFill>
+                  <a:schemeClr val="tx1"/>
+                </a:solidFill>
+                <a:effectLst/>
+                <a:latin typeface="+mn-lt"/>
+                <a:ea typeface="+mn-ea"/>
+                <a:cs typeface="+mn-cs"/>
+              </a:rPr>
+              <a:t>interfejs</a:t>
+            </a:r>
+            <a:r>
+              <a:rPr lang="sk-SK" sz="1200" b="0" kern="1200" dirty="0" smtClean="0">
+                <a:solidFill>
+                  <a:schemeClr val="tx1"/>
+                </a:solidFill>
+                <a:effectLst/>
+                <a:latin typeface="+mn-lt"/>
+                <a:ea typeface="+mn-ea"/>
+                <a:cs typeface="+mn-cs"/>
+              </a:rPr>
+              <a:t> samozrejme </a:t>
+            </a:r>
+            <a:r>
+              <a:rPr lang="sk-SK" sz="1200" b="0" kern="1200" dirty="0" err="1" smtClean="0">
+                <a:solidFill>
+                  <a:schemeClr val="tx1"/>
+                </a:solidFill>
+                <a:effectLst/>
+                <a:latin typeface="+mn-lt"/>
+                <a:ea typeface="+mn-ea"/>
+                <a:cs typeface="+mn-cs"/>
+              </a:rPr>
+              <a:t>môžme</a:t>
+            </a:r>
+            <a:r>
+              <a:rPr lang="sk-SK" sz="1200" b="0" kern="1200" dirty="0" smtClean="0">
+                <a:solidFill>
+                  <a:schemeClr val="tx1"/>
+                </a:solidFill>
+                <a:effectLst/>
+                <a:latin typeface="+mn-lt"/>
+                <a:ea typeface="+mn-ea"/>
+                <a:cs typeface="+mn-cs"/>
+              </a:rPr>
+              <a:t> nechať. Sú situácie, kde sa to hodí.</a:t>
+            </a:r>
+          </a:p>
+          <a:p>
+            <a:r>
+              <a:rPr lang="sk-SK" sz="1200" b="0" kern="1200" dirty="0" smtClean="0">
+                <a:solidFill>
+                  <a:schemeClr val="tx1"/>
+                </a:solidFill>
+                <a:effectLst/>
+                <a:latin typeface="+mn-lt"/>
+                <a:ea typeface="+mn-ea"/>
+                <a:cs typeface="+mn-cs"/>
+              </a:rPr>
+              <a:t>Pôvodnú triedu importu sme upravili tak, že ako </a:t>
+            </a:r>
+            <a:r>
+              <a:rPr lang="sk-SK" sz="1200" b="0" kern="1200" dirty="0" err="1" smtClean="0">
+                <a:solidFill>
+                  <a:schemeClr val="tx1"/>
+                </a:solidFill>
+                <a:effectLst/>
+                <a:latin typeface="+mn-lt"/>
+                <a:ea typeface="+mn-ea"/>
+                <a:cs typeface="+mn-cs"/>
+              </a:rPr>
+              <a:t>source</a:t>
+            </a:r>
+            <a:r>
+              <a:rPr lang="sk-SK" sz="1200" b="0" kern="1200" dirty="0" smtClean="0">
+                <a:solidFill>
+                  <a:schemeClr val="tx1"/>
+                </a:solidFill>
+                <a:effectLst/>
+                <a:latin typeface="+mn-lt"/>
+                <a:ea typeface="+mn-ea"/>
+                <a:cs typeface="+mn-cs"/>
+              </a:rPr>
+              <a:t> má odkaz na </a:t>
+            </a:r>
+            <a:r>
+              <a:rPr lang="sk-SK" sz="1200" b="0" kern="1200" dirty="0" err="1" smtClean="0">
+                <a:solidFill>
+                  <a:schemeClr val="tx1"/>
+                </a:solidFill>
+                <a:effectLst/>
+                <a:latin typeface="+mn-lt"/>
+                <a:ea typeface="+mn-ea"/>
+                <a:cs typeface="+mn-cs"/>
+              </a:rPr>
+              <a:t>IReadOnlyPeopleRepository</a:t>
+            </a:r>
+            <a:r>
+              <a:rPr lang="sk-SK" sz="1200" b="0" kern="1200" dirty="0" smtClean="0">
+                <a:solidFill>
+                  <a:schemeClr val="tx1"/>
+                </a:solidFill>
+                <a:effectLst/>
+                <a:latin typeface="+mn-lt"/>
+                <a:ea typeface="+mn-ea"/>
+                <a:cs typeface="+mn-cs"/>
+              </a:rPr>
+              <a:t> a </a:t>
+            </a:r>
+            <a:r>
+              <a:rPr lang="sk-SK" sz="1200" b="0" kern="1200" dirty="0" err="1" smtClean="0">
+                <a:solidFill>
+                  <a:schemeClr val="tx1"/>
+                </a:solidFill>
+                <a:effectLst/>
+                <a:latin typeface="+mn-lt"/>
+                <a:ea typeface="+mn-ea"/>
+                <a:cs typeface="+mn-cs"/>
+              </a:rPr>
+              <a:t>target</a:t>
+            </a:r>
+            <a:r>
+              <a:rPr lang="sk-SK" sz="1200" b="0" kern="1200" dirty="0" smtClean="0">
+                <a:solidFill>
+                  <a:schemeClr val="tx1"/>
+                </a:solidFill>
+                <a:effectLst/>
+                <a:latin typeface="+mn-lt"/>
+                <a:ea typeface="+mn-ea"/>
+                <a:cs typeface="+mn-cs"/>
+              </a:rPr>
+              <a:t> </a:t>
+            </a:r>
+            <a:r>
+              <a:rPr lang="sk-SK" sz="1200" b="0" kern="1200" dirty="0" err="1" smtClean="0">
+                <a:solidFill>
+                  <a:schemeClr val="tx1"/>
+                </a:solidFill>
+                <a:effectLst/>
+                <a:latin typeface="+mn-lt"/>
+                <a:ea typeface="+mn-ea"/>
+                <a:cs typeface="+mn-cs"/>
+              </a:rPr>
+              <a:t>IWritablePeopleRepository</a:t>
+            </a:r>
+            <a:r>
+              <a:rPr lang="sk-SK" sz="1200" b="0" kern="1200" dirty="0" smtClean="0">
+                <a:solidFill>
+                  <a:schemeClr val="tx1"/>
+                </a:solidFill>
+                <a:effectLst/>
+                <a:latin typeface="+mn-lt"/>
+                <a:ea typeface="+mn-ea"/>
+                <a:cs typeface="+mn-cs"/>
+              </a:rPr>
+              <a:t>.</a:t>
+            </a:r>
+          </a:p>
+          <a:p>
+            <a:r>
+              <a:rPr lang="sk-SK" sz="1200" b="0" kern="1200" dirty="0" smtClean="0">
+                <a:solidFill>
+                  <a:schemeClr val="tx1"/>
+                </a:solidFill>
+                <a:effectLst/>
+                <a:latin typeface="+mn-lt"/>
+                <a:ea typeface="+mn-ea"/>
+                <a:cs typeface="+mn-cs"/>
+              </a:rPr>
+              <a:t>Taktiež sme upravili triedu </a:t>
+            </a:r>
+            <a:r>
+              <a:rPr lang="sk-SK" sz="1200" b="0" kern="1200" dirty="0" err="1" smtClean="0">
+                <a:solidFill>
+                  <a:schemeClr val="tx1"/>
+                </a:solidFill>
+                <a:effectLst/>
+                <a:latin typeface="+mn-lt"/>
+                <a:ea typeface="+mn-ea"/>
+                <a:cs typeface="+mn-cs"/>
+              </a:rPr>
+              <a:t>PeopleReportService</a:t>
+            </a:r>
+            <a:r>
+              <a:rPr lang="sk-SK" sz="1200" b="0" kern="1200" dirty="0" smtClean="0">
+                <a:solidFill>
+                  <a:schemeClr val="tx1"/>
+                </a:solidFill>
+                <a:effectLst/>
+                <a:latin typeface="+mn-lt"/>
+                <a:ea typeface="+mn-ea"/>
+                <a:cs typeface="+mn-cs"/>
+              </a:rPr>
+              <a:t>, pretože jej práve stačí jednoduchšia </a:t>
+            </a:r>
+            <a:r>
+              <a:rPr lang="sk-SK" sz="1200" b="0" kern="1200" dirty="0" err="1" smtClean="0">
+                <a:solidFill>
+                  <a:schemeClr val="tx1"/>
+                </a:solidFill>
+                <a:effectLst/>
+                <a:latin typeface="+mn-lt"/>
+                <a:ea typeface="+mn-ea"/>
+                <a:cs typeface="+mn-cs"/>
+              </a:rPr>
+              <a:t>varianta</a:t>
+            </a:r>
+            <a:r>
+              <a:rPr lang="sk-SK" sz="1200" b="0" kern="1200" dirty="0" smtClean="0">
+                <a:solidFill>
+                  <a:schemeClr val="tx1"/>
+                </a:solidFill>
+                <a:effectLst/>
+                <a:latin typeface="+mn-lt"/>
+                <a:ea typeface="+mn-ea"/>
+                <a:cs typeface="+mn-cs"/>
+              </a:rPr>
+              <a:t>.</a:t>
+            </a:r>
+          </a:p>
+          <a:p>
+            <a:r>
+              <a:rPr lang="sk-SK" sz="1200" b="0" kern="1200" smtClean="0">
+                <a:solidFill>
+                  <a:schemeClr val="tx1"/>
+                </a:solidFill>
+                <a:effectLst/>
+                <a:latin typeface="+mn-lt"/>
+                <a:ea typeface="+mn-ea"/>
+                <a:cs typeface="+mn-cs"/>
+              </a:rPr>
+              <a:t>Toto </a:t>
+            </a:r>
+            <a:r>
+              <a:rPr lang="sk-SK" sz="1200" b="0" kern="1200" dirty="0" smtClean="0">
+                <a:solidFill>
+                  <a:schemeClr val="tx1"/>
+                </a:solidFill>
+                <a:effectLst/>
+                <a:latin typeface="+mn-lt"/>
+                <a:ea typeface="+mn-ea"/>
+                <a:cs typeface="+mn-cs"/>
+              </a:rPr>
+              <a:t>nám rozviazalo ruky a môžeme jednoduchšie zapracovávať zdroje, ktoré neumožňujú ukladať dáta.</a:t>
+            </a:r>
+          </a:p>
+          <a:p>
+            <a:r>
+              <a:rPr lang="sk-SK" sz="1200" b="0" kern="1200" smtClean="0">
+                <a:solidFill>
+                  <a:schemeClr val="tx1"/>
+                </a:solidFill>
+                <a:effectLst/>
+                <a:latin typeface="+mn-lt"/>
+                <a:ea typeface="+mn-ea"/>
+                <a:cs typeface="+mn-cs"/>
+              </a:rPr>
+              <a:t>XmlPeopleRepository</a:t>
+            </a:r>
+            <a:r>
+              <a:rPr lang="sk-SK" sz="1200" b="0" kern="1200" dirty="0" smtClean="0">
+                <a:solidFill>
+                  <a:schemeClr val="tx1"/>
+                </a:solidFill>
+                <a:effectLst/>
+                <a:latin typeface="+mn-lt"/>
+                <a:ea typeface="+mn-ea"/>
+                <a:cs typeface="+mn-cs"/>
+              </a:rPr>
+              <a:t>, </a:t>
+            </a:r>
+            <a:r>
+              <a:rPr lang="sk-SK" sz="1200" b="0" kern="1200" dirty="0" err="1" smtClean="0">
+                <a:solidFill>
+                  <a:schemeClr val="tx1"/>
+                </a:solidFill>
+                <a:effectLst/>
+                <a:latin typeface="+mn-lt"/>
+                <a:ea typeface="+mn-ea"/>
+                <a:cs typeface="+mn-cs"/>
+              </a:rPr>
+              <a:t>HttpPeopleRepository</a:t>
+            </a:r>
+            <a:r>
+              <a:rPr lang="sk-SK" sz="1200" b="0" kern="1200" dirty="0" smtClean="0">
+                <a:solidFill>
+                  <a:schemeClr val="tx1"/>
+                </a:solidFill>
+                <a:effectLst/>
+                <a:latin typeface="+mn-lt"/>
+                <a:ea typeface="+mn-ea"/>
+                <a:cs typeface="+mn-cs"/>
+              </a:rPr>
+              <a:t>, ...</a:t>
+            </a:r>
+          </a:p>
+          <a:p>
+            <a:endParaRPr lang="sk-SK" sz="1200" b="0" kern="1200" dirty="0" smtClean="0">
+              <a:solidFill>
+                <a:schemeClr val="tx1"/>
+              </a:solidFill>
+              <a:effectLst/>
+              <a:latin typeface="+mn-lt"/>
+              <a:ea typeface="+mn-ea"/>
+              <a:cs typeface="+mn-cs"/>
+            </a:endParaRPr>
+          </a:p>
+        </p:txBody>
+      </p:sp>
+      <p:sp>
+        <p:nvSpPr>
+          <p:cNvPr id="4" name="Zástupný objekt pre číslo snímky 3"/>
+          <p:cNvSpPr>
+            <a:spLocks noGrp="1"/>
+          </p:cNvSpPr>
+          <p:nvPr>
+            <p:ph type="sldNum" sz="quarter" idx="10"/>
+          </p:nvPr>
+        </p:nvSpPr>
+        <p:spPr/>
+        <p:txBody>
+          <a:bodyPr/>
+          <a:lstStyle/>
+          <a:p>
+            <a:fld id="{8683B77B-E50F-4F41-84C3-C1D230689A8D}" type="slidenum">
+              <a:rPr lang="sk-SK" smtClean="0"/>
+              <a:t>37</a:t>
+            </a:fld>
+            <a:endParaRPr lang="sk-SK"/>
+          </a:p>
+        </p:txBody>
+      </p:sp>
+    </p:spTree>
+    <p:extLst>
+      <p:ext uri="{BB962C8B-B14F-4D97-AF65-F5344CB8AC3E}">
+        <p14:creationId xmlns:p14="http://schemas.microsoft.com/office/powerpoint/2010/main" val="2501269721"/>
+      </p:ext>
+    </p:extLst>
+  </p:cSld>
+  <p:clrMapOvr>
+    <a:masterClrMapping/>
+  </p:clrMapOvr>
+</p:notes>
+</file>
+
+<file path=ppt/notesSlides/notesSlide37.xml><?xml version="1.0" encoding="utf-8"?>
+<p:notes xmlns:a="http://schemas.openxmlformats.org/drawingml/2006/main" xmlns:r="http://schemas.openxmlformats.org/officeDocument/2006/relationships" xmlns:p="http://schemas.openxmlformats.org/presentationml/2006/main">
+  <p:cSld>
+    <p:spTree>
+      <p:nvGrpSpPr>
+        <p:cNvPr id="1" name=""/>
+        <p:cNvGrpSpPr/>
+        <p:nvPr/>
+      </p:nvGrpSpPr>
+      <p:grpSpPr>
+        <a:xfrm>
+          <a:off x="0" y="0"/>
+          <a:ext cx="0" cy="0"/>
+          <a:chOff x="0" y="0"/>
+          <a:chExt cx="0" cy="0"/>
+        </a:xfrm>
+      </p:grpSpPr>
+      <p:sp>
+        <p:nvSpPr>
+          <p:cNvPr id="2" name="Zástupný objekt pre obrázok snímky 1"/>
+          <p:cNvSpPr>
+            <a:spLocks noGrp="1" noRot="1" noChangeAspect="1"/>
+          </p:cNvSpPr>
+          <p:nvPr>
+            <p:ph type="sldImg"/>
+          </p:nvPr>
+        </p:nvSpPr>
+        <p:spPr/>
+      </p:sp>
+      <p:sp>
+        <p:nvSpPr>
+          <p:cNvPr id="3" name="Zástupný objekt pre poznámky 2"/>
+          <p:cNvSpPr>
+            <a:spLocks noGrp="1"/>
+          </p:cNvSpPr>
+          <p:nvPr>
+            <p:ph type="body" idx="1"/>
+          </p:nvPr>
+        </p:nvSpPr>
+        <p:spPr/>
+        <p:txBody>
+          <a:bodyPr/>
+          <a:lstStyle/>
+          <a:p>
+            <a:r>
+              <a:rPr lang="sk-SK" dirty="0" smtClean="0"/>
+              <a:t>Dá sa to spraviť generické.</a:t>
+            </a:r>
+            <a:r>
+              <a:rPr lang="sk-SK" baseline="0" dirty="0" smtClean="0"/>
+              <a:t> Univerzálne na akýkoľvek typ dát. Ale to by bolo na inú debatu.</a:t>
+            </a:r>
+          </a:p>
+          <a:p>
+            <a:r>
+              <a:rPr lang="sk-SK" baseline="0" dirty="0" smtClean="0"/>
+              <a:t>Čo ak nebudeme chcieť odosielať mailom, ale ukladať to niekde, odoslať to na webovú službu?</a:t>
+            </a:r>
+            <a:endParaRPr lang="sk-SK" dirty="0"/>
+          </a:p>
+        </p:txBody>
+      </p:sp>
+      <p:sp>
+        <p:nvSpPr>
+          <p:cNvPr id="4" name="Zástupný objekt pre číslo snímky 3"/>
+          <p:cNvSpPr>
+            <a:spLocks noGrp="1"/>
+          </p:cNvSpPr>
+          <p:nvPr>
+            <p:ph type="sldNum" sz="quarter" idx="10"/>
+          </p:nvPr>
+        </p:nvSpPr>
+        <p:spPr/>
+        <p:txBody>
+          <a:bodyPr/>
+          <a:lstStyle/>
+          <a:p>
+            <a:fld id="{8683B77B-E50F-4F41-84C3-C1D230689A8D}" type="slidenum">
+              <a:rPr lang="sk-SK" smtClean="0"/>
+              <a:t>38</a:t>
+            </a:fld>
+            <a:endParaRPr lang="sk-SK"/>
+          </a:p>
+        </p:txBody>
+      </p:sp>
+    </p:spTree>
+    <p:extLst>
+      <p:ext uri="{BB962C8B-B14F-4D97-AF65-F5344CB8AC3E}">
+        <p14:creationId xmlns:p14="http://schemas.microsoft.com/office/powerpoint/2010/main" val="336857164"/>
+      </p:ext>
+    </p:extLst>
+  </p:cSld>
+  <p:clrMapOvr>
+    <a:masterClrMapping/>
+  </p:clrMapOvr>
+</p:notes>
+</file>
+
+<file path=ppt/notesSlides/notesSlide38.xml><?xml version="1.0" encoding="utf-8"?>
+<p:notes xmlns:a="http://schemas.openxmlformats.org/drawingml/2006/main" xmlns:r="http://schemas.openxmlformats.org/officeDocument/2006/relationships" xmlns:p="http://schemas.openxmlformats.org/presentationml/2006/main">
+  <p:cSld>
+    <p:spTree>
+      <p:nvGrpSpPr>
+        <p:cNvPr id="1" name=""/>
+        <p:cNvGrpSpPr/>
+        <p:nvPr/>
+      </p:nvGrpSpPr>
+      <p:grpSpPr>
+        <a:xfrm>
+          <a:off x="0" y="0"/>
+          <a:ext cx="0" cy="0"/>
+          <a:chOff x="0" y="0"/>
+          <a:chExt cx="0" cy="0"/>
+        </a:xfrm>
+      </p:grpSpPr>
+      <p:sp>
+        <p:nvSpPr>
+          <p:cNvPr id="2" name="Zástupný objekt pre obrázok snímky 1"/>
+          <p:cNvSpPr>
+            <a:spLocks noGrp="1" noRot="1" noChangeAspect="1"/>
+          </p:cNvSpPr>
+          <p:nvPr>
+            <p:ph type="sldImg"/>
+          </p:nvPr>
+        </p:nvSpPr>
+        <p:spPr/>
+      </p:sp>
+      <p:sp>
+        <p:nvSpPr>
+          <p:cNvPr id="3" name="Zástupný objekt pre poznámky 2"/>
+          <p:cNvSpPr>
+            <a:spLocks noGrp="1"/>
+          </p:cNvSpPr>
+          <p:nvPr>
+            <p:ph type="body" idx="1"/>
+          </p:nvPr>
+        </p:nvSpPr>
+        <p:spPr/>
+        <p:txBody>
+          <a:bodyPr/>
+          <a:lstStyle/>
+          <a:p>
+            <a:endParaRPr lang="sk-SK" dirty="0"/>
+          </a:p>
+        </p:txBody>
+      </p:sp>
+      <p:sp>
+        <p:nvSpPr>
+          <p:cNvPr id="4" name="Zástupný objekt pre číslo snímky 3"/>
+          <p:cNvSpPr>
+            <a:spLocks noGrp="1"/>
+          </p:cNvSpPr>
+          <p:nvPr>
+            <p:ph type="sldNum" sz="quarter" idx="10"/>
+          </p:nvPr>
+        </p:nvSpPr>
+        <p:spPr/>
+        <p:txBody>
+          <a:bodyPr/>
+          <a:lstStyle/>
+          <a:p>
+            <a:fld id="{8683B77B-E50F-4F41-84C3-C1D230689A8D}" type="slidenum">
+              <a:rPr lang="sk-SK" smtClean="0"/>
+              <a:t>39</a:t>
+            </a:fld>
+            <a:endParaRPr lang="sk-SK"/>
+          </a:p>
+        </p:txBody>
+      </p:sp>
+    </p:spTree>
+    <p:extLst>
+      <p:ext uri="{BB962C8B-B14F-4D97-AF65-F5344CB8AC3E}">
+        <p14:creationId xmlns:p14="http://schemas.microsoft.com/office/powerpoint/2010/main" val="975442083"/>
       </p:ext>
     </p:extLst>
   </p:cSld>
@@ -4587,7 +10223,7 @@
           <a:p>
             <a:fld id="{ECD19FB2-3AAB-4D03-B13A-2960828C78E3}" type="datetimeFigureOut">
               <a:rPr lang="en-US" dirty="0"/>
-              <a:t>12/7/2017</a:t>
+              <a:t>12/8/2017</a:t>
             </a:fld>
             <a:endParaRPr lang="en-US" dirty="0"/>
           </a:p>
@@ -4868,7 +10504,7 @@
           <a:p>
             <a:fld id="{1B80C674-7DFC-42FE-B9CD-82963CDB1557}" type="datetimeFigureOut">
               <a:rPr lang="en-US" dirty="0"/>
-              <a:t>12/7/2017</a:t>
+              <a:t>12/8/2017</a:t>
             </a:fld>
             <a:endParaRPr lang="en-US" dirty="0"/>
           </a:p>
@@ -5059,7 +10695,7 @@
           <a:p>
             <a:fld id="{2076456F-F47D-4F25-8053-2A695DA0CA7D}" type="datetimeFigureOut">
               <a:rPr lang="en-US" dirty="0"/>
-              <a:t>12/7/2017</a:t>
+              <a:t>12/8/2017</a:t>
             </a:fld>
             <a:endParaRPr lang="en-US" dirty="0"/>
           </a:p>
@@ -5319,7 +10955,7 @@
           <a:p>
             <a:fld id="{5D6C7379-69CC-4837-9905-BEBA22830C8A}" type="datetimeFigureOut">
               <a:rPr lang="en-US" dirty="0"/>
-              <a:t>12/7/2017</a:t>
+              <a:t>12/8/2017</a:t>
             </a:fld>
             <a:endParaRPr lang="en-US" dirty="0"/>
           </a:p>
@@ -5744,7 +11380,7 @@
           <a:p>
             <a:fld id="{49EB8B7E-8AEE-4F10-BFEE-C999AD004D36}" type="datetimeFigureOut">
               <a:rPr lang="en-US" dirty="0"/>
-              <a:t>12/7/2017</a:t>
+              <a:t>12/8/2017</a:t>
             </a:fld>
             <a:endParaRPr lang="en-US" dirty="0"/>
           </a:p>
@@ -6289,7 +11925,7 @@
           <a:p>
             <a:fld id="{8668F3F9-58BC-440B-B37B-805B9055EF92}" type="datetimeFigureOut">
               <a:rPr lang="en-US" dirty="0"/>
-              <a:t>12/7/2017</a:t>
+              <a:t>12/8/2017</a:t>
             </a:fld>
             <a:endParaRPr lang="en-US" dirty="0"/>
           </a:p>
@@ -7119,7 +12755,7 @@
           <a:p>
             <a:fld id="{0D5A53AF-48EA-489D-8260-9DCAB666386A}" type="datetimeFigureOut">
               <a:rPr lang="en-US" dirty="0"/>
-              <a:t>12/7/2017</a:t>
+              <a:t>12/8/2017</a:t>
             </a:fld>
             <a:endParaRPr lang="en-US" dirty="0"/>
           </a:p>
@@ -7288,7 +12924,7 @@
           <a:p>
             <a:fld id="{0DED02AE-B9A4-47BD-AF8E-97E16144138B}" type="datetimeFigureOut">
               <a:rPr lang="en-US" dirty="0"/>
-              <a:t>12/7/2017</a:t>
+              <a:t>12/8/2017</a:t>
             </a:fld>
             <a:endParaRPr lang="en-US" dirty="0"/>
           </a:p>
@@ -7467,7 +13103,7 @@
           <a:p>
             <a:fld id="{CF0FD78B-DB02-4362-BCDC-98A55456977C}" type="datetimeFigureOut">
               <a:rPr lang="en-US" dirty="0"/>
-              <a:t>12/7/2017</a:t>
+              <a:t>12/8/2017</a:t>
             </a:fld>
             <a:endParaRPr lang="en-US" dirty="0"/>
           </a:p>
@@ -7636,7 +13272,7 @@
           <a:p>
             <a:fld id="{99916976-5D93-46E4-A98A-FAD63E4D0EA8}" type="datetimeFigureOut">
               <a:rPr lang="en-US" dirty="0"/>
-              <a:t>12/7/2017</a:t>
+              <a:t>12/8/2017</a:t>
             </a:fld>
             <a:endParaRPr lang="en-US" dirty="0"/>
           </a:p>
@@ -7892,7 +13528,7 @@
           <a:p>
             <a:fld id="{0F39F4F5-F4D2-4D2A-AB60-88D37ADCB869}" type="datetimeFigureOut">
               <a:rPr lang="en-US" dirty="0"/>
-              <a:t>12/7/2017</a:t>
+              <a:t>12/8/2017</a:t>
             </a:fld>
             <a:endParaRPr lang="en-US" dirty="0"/>
           </a:p>
@@ -8123,7 +13759,7 @@
           <a:p>
             <a:fld id="{D23BC6CE-6D1E-47E5-8859-F31AC5380EB2}" type="datetimeFigureOut">
               <a:rPr lang="en-US" dirty="0"/>
-              <a:t>12/7/2017</a:t>
+              <a:t>12/8/2017</a:t>
             </a:fld>
             <a:endParaRPr lang="en-US" dirty="0"/>
           </a:p>
@@ -8515,7 +14151,7 @@
           <a:p>
             <a:fld id="{B1B4E7C4-4DA4-404D-9965-B13F2DD7D8BF}" type="datetimeFigureOut">
               <a:rPr lang="en-US" dirty="0"/>
-              <a:t>12/7/2017</a:t>
+              <a:t>12/8/2017</a:t>
             </a:fld>
             <a:endParaRPr lang="en-US" dirty="0"/>
           </a:p>
@@ -8632,7 +14268,7 @@
           <a:p>
             <a:fld id="{476FB7AA-4A53-424F-AD41-70827B6504BA}" type="datetimeFigureOut">
               <a:rPr lang="en-US" dirty="0"/>
-              <a:t>12/7/2017</a:t>
+              <a:t>12/8/2017</a:t>
             </a:fld>
             <a:endParaRPr lang="en-US" dirty="0"/>
           </a:p>
@@ -8726,7 +14362,7 @@
           <a:p>
             <a:fld id="{E7884882-FB12-4BC8-9960-9AD8104D7FAE}" type="datetimeFigureOut">
               <a:rPr lang="en-US" dirty="0"/>
-              <a:t>12/7/2017</a:t>
+              <a:t>12/8/2017</a:t>
             </a:fld>
             <a:endParaRPr lang="en-US" dirty="0"/>
           </a:p>
@@ -8998,7 +14634,7 @@
           <a:p>
             <a:fld id="{F7D1BD23-6E54-4D9D-AD88-A2813C73CC25}" type="datetimeFigureOut">
               <a:rPr lang="en-US" dirty="0"/>
-              <a:t>12/7/2017</a:t>
+              <a:t>12/8/2017</a:t>
             </a:fld>
             <a:endParaRPr lang="en-US" dirty="0"/>
           </a:p>
@@ -9278,7 +14914,7 @@
           <a:p>
             <a:fld id="{1471A834-4F3C-4AF9-9C74-05EC35A0F292}" type="datetimeFigureOut">
               <a:rPr lang="en-US" dirty="0"/>
-              <a:t>12/7/2017</a:t>
+              <a:t>12/8/2017</a:t>
             </a:fld>
             <a:endParaRPr lang="en-US" dirty="0"/>
           </a:p>
@@ -9517,7 +15153,7 @@
           <a:p>
             <a:fld id="{51CF1133-3259-4C45-BABA-5B62D9C6F78D}" type="datetimeFigureOut">
               <a:rPr lang="en-US" dirty="0"/>
-              <a:t>12/7/2017</a:t>
+              <a:t>12/8/2017</a:t>
             </a:fld>
             <a:endParaRPr lang="en-US" dirty="0"/>
           </a:p>
@@ -10309,7 +15945,7 @@
               </a:lnSpc>
             </a:pPr>
             <a:r>
-              <a:rPr lang="sk-SK" sz="3600" dirty="0" smtClean="0">
+              <a:rPr lang="sk-SK" sz="3600" spc="0" dirty="0" smtClean="0">
                 <a:solidFill>
                   <a:schemeClr val="tx1"/>
                 </a:solidFill>
@@ -10320,7 +15956,7 @@
               <a:t>Výber správnej architektúry</a:t>
             </a:r>
             <a:br>
-              <a:rPr lang="sk-SK" sz="3600" dirty="0" smtClean="0">
+              <a:rPr lang="sk-SK" sz="3600" spc="0" dirty="0" smtClean="0">
                 <a:solidFill>
                   <a:schemeClr val="tx1"/>
                 </a:solidFill>
@@ -10330,7 +15966,7 @@
               </a:rPr>
             </a:br>
             <a:r>
-              <a:rPr lang="sk-SK" sz="3600" dirty="0" smtClean="0">
+              <a:rPr lang="sk-SK" sz="3600" spc="0" dirty="0" smtClean="0">
                 <a:solidFill>
                   <a:schemeClr val="tx1"/>
                 </a:solidFill>
@@ -10341,7 +15977,7 @@
               <a:t>Nasledovanie </a:t>
             </a:r>
             <a:r>
-              <a:rPr lang="sk-SK" sz="3600" dirty="0" smtClean="0">
+              <a:rPr lang="sk-SK" sz="3600" spc="0" dirty="0" smtClean="0">
                 <a:solidFill>
                   <a:schemeClr val="tx1"/>
                 </a:solidFill>
@@ -10352,7 +15988,7 @@
               <a:t>Design </a:t>
             </a:r>
             <a:r>
-              <a:rPr lang="sk-SK" sz="3600" dirty="0" err="1" smtClean="0">
+              <a:rPr lang="sk-SK" sz="3600" spc="0" dirty="0" err="1" smtClean="0">
                 <a:solidFill>
                   <a:schemeClr val="tx1"/>
                 </a:solidFill>
@@ -10363,7 +15999,7 @@
               <a:t>Principles</a:t>
             </a:r>
             <a:r>
-              <a:rPr lang="sk-SK" sz="3600" dirty="0" smtClean="0">
+              <a:rPr lang="sk-SK" sz="3600" spc="0" dirty="0" smtClean="0">
                 <a:solidFill>
                   <a:schemeClr val="tx1"/>
                 </a:solidFill>
@@ -10374,7 +16010,7 @@
               <a:t/>
             </a:r>
             <a:br>
-              <a:rPr lang="sk-SK" sz="3600" dirty="0" smtClean="0">
+              <a:rPr lang="sk-SK" sz="3600" spc="0" dirty="0" smtClean="0">
                 <a:solidFill>
                   <a:schemeClr val="tx1"/>
                 </a:solidFill>
@@ -10384,7 +16020,7 @@
               </a:rPr>
             </a:br>
             <a:r>
-              <a:rPr lang="sk-SK" sz="3600" dirty="0" smtClean="0">
+              <a:rPr lang="sk-SK" sz="3600" spc="0" dirty="0" smtClean="0">
                 <a:solidFill>
                   <a:schemeClr val="tx1"/>
                 </a:solidFill>
@@ -10394,7 +16030,7 @@
               </a:rPr>
               <a:t>Správne používanie návrhových vzorov</a:t>
             </a:r>
-            <a:endParaRPr lang="sk-SK" sz="4800" dirty="0">
+            <a:endParaRPr lang="sk-SK" sz="4800" spc="0" dirty="0">
               <a:effectLst/>
               <a:latin typeface="Segoe UI Light" panose="020B0502040204020203" pitchFamily="34" charset="0"/>
               <a:cs typeface="Segoe UI Light" panose="020B0502040204020203" pitchFamily="34" charset="0"/>
@@ -10819,7 +16455,7 @@
               </a:lnSpc>
             </a:pPr>
             <a:r>
-              <a:rPr lang="sk-SK" sz="2800" dirty="0">
+              <a:rPr lang="sk-SK" sz="2800" i="1" spc="0" dirty="0">
                 <a:solidFill>
                   <a:schemeClr val="tx1"/>
                 </a:solidFill>
@@ -10830,7 +16466,7 @@
               <a:t>Využitie na inom mieste</a:t>
             </a:r>
             <a:br>
-              <a:rPr lang="sk-SK" sz="2800" dirty="0">
+              <a:rPr lang="sk-SK" sz="2800" i="1" spc="0" dirty="0">
                 <a:solidFill>
                   <a:schemeClr val="tx1"/>
                 </a:solidFill>
@@ -10840,7 +16476,7 @@
               </a:rPr>
             </a:br>
             <a:r>
-              <a:rPr lang="sk-SK" sz="2800" dirty="0">
+              <a:rPr lang="sk-SK" sz="2800" i="1" spc="0" dirty="0">
                 <a:solidFill>
                   <a:schemeClr val="tx1"/>
                 </a:solidFill>
@@ -10851,7 +16487,7 @@
               <a:t>Zmena dátového zdroja</a:t>
             </a:r>
             <a:br>
-              <a:rPr lang="sk-SK" sz="2800" dirty="0">
+              <a:rPr lang="sk-SK" sz="2800" i="1" spc="0" dirty="0">
                 <a:solidFill>
                   <a:schemeClr val="tx1"/>
                 </a:solidFill>
@@ -10861,7 +16497,7 @@
               </a:rPr>
             </a:br>
             <a:r>
-              <a:rPr lang="sk-SK" sz="2800" dirty="0">
+              <a:rPr lang="sk-SK" sz="2800" i="1" spc="0" dirty="0">
                 <a:solidFill>
                   <a:schemeClr val="tx1"/>
                 </a:solidFill>
@@ -10872,7 +16508,7 @@
               <a:t>Zmena formátu reportu</a:t>
             </a:r>
             <a:br>
-              <a:rPr lang="sk-SK" sz="2800" dirty="0">
+              <a:rPr lang="sk-SK" sz="2800" i="1" spc="0" dirty="0">
                 <a:solidFill>
                   <a:schemeClr val="tx1"/>
                 </a:solidFill>
@@ -10882,7 +16518,7 @@
               </a:rPr>
             </a:br>
             <a:r>
-              <a:rPr lang="sk-SK" sz="2800" dirty="0">
+              <a:rPr lang="sk-SK" sz="2800" i="1" spc="0" dirty="0">
                 <a:solidFill>
                   <a:schemeClr val="tx1"/>
                 </a:solidFill>
@@ -10893,7 +16529,7 @@
               <a:t>Zmena spôsobu </a:t>
             </a:r>
             <a:r>
-              <a:rPr lang="sk-SK" sz="2800" dirty="0" smtClean="0">
+              <a:rPr lang="sk-SK" sz="2800" i="1" spc="0" dirty="0" smtClean="0">
                 <a:solidFill>
                   <a:schemeClr val="tx1"/>
                 </a:solidFill>
@@ -10904,7 +16540,7 @@
               <a:t>logovania</a:t>
             </a:r>
             <a:r>
-              <a:rPr lang="sk-SK" sz="2800" dirty="0">
+              <a:rPr lang="sk-SK" sz="2800" i="1" spc="0" dirty="0">
                 <a:solidFill>
                   <a:schemeClr val="tx1"/>
                 </a:solidFill>
@@ -10915,7 +16551,7 @@
               <a:t/>
             </a:r>
             <a:br>
-              <a:rPr lang="sk-SK" sz="2800" dirty="0">
+              <a:rPr lang="sk-SK" sz="2800" i="1" spc="0" dirty="0">
                 <a:solidFill>
                   <a:schemeClr val="tx1"/>
                 </a:solidFill>
@@ -10925,7 +16561,7 @@
               </a:rPr>
             </a:br>
             <a:r>
-              <a:rPr lang="sk-SK" sz="2800" dirty="0">
+              <a:rPr lang="sk-SK" sz="2800" i="1" spc="0" dirty="0">
                 <a:solidFill>
                   <a:schemeClr val="tx1"/>
                 </a:solidFill>
@@ -10936,7 +16572,7 @@
               <a:t>Zmena spôsobu odosielania emailov</a:t>
             </a:r>
             <a:br>
-              <a:rPr lang="sk-SK" sz="2800" dirty="0">
+              <a:rPr lang="sk-SK" sz="2800" i="1" spc="0" dirty="0">
                 <a:solidFill>
                   <a:schemeClr val="tx1"/>
                 </a:solidFill>
@@ -10946,7 +16582,7 @@
               </a:rPr>
             </a:br>
             <a:r>
-              <a:rPr lang="sk-SK" sz="2800" dirty="0">
+              <a:rPr lang="sk-SK" sz="2800" i="1" spc="0" dirty="0">
                 <a:solidFill>
                   <a:schemeClr val="tx1"/>
                 </a:solidFill>
@@ -10957,7 +16593,7 @@
               <a:t>Nová </a:t>
             </a:r>
             <a:r>
-              <a:rPr lang="sk-SK" sz="2800" dirty="0" smtClean="0">
+              <a:rPr lang="sk-SK" sz="2800" i="1" spc="0" dirty="0" smtClean="0">
                 <a:solidFill>
                   <a:schemeClr val="tx1"/>
                 </a:solidFill>
@@ -10968,7 +16604,7 @@
               <a:t>funkčnosť </a:t>
             </a:r>
             <a:br>
-              <a:rPr lang="sk-SK" sz="2800" dirty="0" smtClean="0">
+              <a:rPr lang="sk-SK" sz="2800" i="1" spc="0" dirty="0" smtClean="0">
                 <a:solidFill>
                   <a:schemeClr val="tx1"/>
                 </a:solidFill>
@@ -10978,7 +16614,7 @@
               </a:rPr>
             </a:br>
             <a:r>
-              <a:rPr lang="sk-SK" sz="2800" dirty="0" smtClean="0">
+              <a:rPr lang="sk-SK" sz="2800" i="1" spc="0" dirty="0" smtClean="0">
                 <a:solidFill>
                   <a:schemeClr val="tx1"/>
                 </a:solidFill>
@@ -10989,7 +16625,7 @@
               <a:t>a </a:t>
             </a:r>
             <a:r>
-              <a:rPr lang="sk-SK" sz="2800" dirty="0">
+              <a:rPr lang="sk-SK" sz="2800" i="1" spc="0" dirty="0">
                 <a:solidFill>
                   <a:schemeClr val="tx1"/>
                 </a:solidFill>
@@ -10999,7 +16635,7 @@
               </a:rPr>
               <a:t>veľa ďalších ...</a:t>
             </a:r>
-            <a:endParaRPr lang="sk-SK" sz="4000" dirty="0">
+            <a:endParaRPr lang="sk-SK" sz="4000" i="1" spc="0" dirty="0">
               <a:effectLst/>
               <a:latin typeface="Segoe UI Light" panose="020B0502040204020203" pitchFamily="34" charset="0"/>
               <a:cs typeface="Segoe UI Light" panose="020B0502040204020203" pitchFamily="34" charset="0"/>
@@ -12383,10 +18019,10 @@
                 <a:latin typeface="Segoe UI Light" panose="020B0502040204020203" pitchFamily="34" charset="0"/>
                 <a:cs typeface="Segoe UI Light" panose="020B0502040204020203" pitchFamily="34" charset="0"/>
               </a:rPr>
-              <a:t>„A </a:t>
-            </a:r>
-            <a:r>
-              <a:rPr lang="sk-SK" sz="5400" i="1" dirty="0" err="1" smtClean="0">
+              <a:t>„</a:t>
+            </a:r>
+            <a:r>
+              <a:rPr lang="en-US" sz="5400" i="1" dirty="0" err="1" smtClean="0">
                 <a:solidFill>
                   <a:schemeClr val="tx1"/>
                 </a:solidFill>
@@ -12394,7 +18030,7 @@
                 <a:latin typeface="Segoe UI Light" panose="020B0502040204020203" pitchFamily="34" charset="0"/>
                 <a:cs typeface="Segoe UI Light" panose="020B0502040204020203" pitchFamily="34" charset="0"/>
               </a:rPr>
-              <a:t>class</a:t>
+              <a:t>Trieda</a:t>
             </a:r>
             <a:r>
               <a:rPr lang="en-US" sz="5400" i="1" dirty="0" smtClean="0">
@@ -12405,10 +18041,10 @@
                 <a:latin typeface="Segoe UI Light" panose="020B0502040204020203" pitchFamily="34" charset="0"/>
                 <a:cs typeface="Segoe UI Light" panose="020B0502040204020203" pitchFamily="34" charset="0"/>
               </a:rPr>
-              <a:t> </a:t>
-            </a:r>
-            <a:r>
-              <a:rPr lang="en-US" sz="5400" i="1" dirty="0">
+              <a:t> m</a:t>
+            </a:r>
+            <a:r>
+              <a:rPr lang="sk-SK" sz="5400" i="1" dirty="0" smtClean="0">
                 <a:solidFill>
                   <a:schemeClr val="tx1"/>
                 </a:solidFill>
@@ -12416,29 +18052,7 @@
                 <a:latin typeface="Segoe UI Light" panose="020B0502040204020203" pitchFamily="34" charset="0"/>
                 <a:cs typeface="Segoe UI Light" panose="020B0502040204020203" pitchFamily="34" charset="0"/>
               </a:rPr>
-              <a:t>should have one, and only one reason to </a:t>
-            </a:r>
-            <a:r>
-              <a:rPr lang="en-US" sz="5400" i="1" dirty="0" smtClean="0">
-                <a:solidFill>
-                  <a:schemeClr val="tx1"/>
-                </a:solidFill>
-                <a:effectLst/>
-                <a:latin typeface="Segoe UI Light" panose="020B0502040204020203" pitchFamily="34" charset="0"/>
-                <a:cs typeface="Segoe UI Light" panose="020B0502040204020203" pitchFamily="34" charset="0"/>
-              </a:rPr>
-              <a:t>change</a:t>
-            </a:r>
-            <a:r>
-              <a:rPr lang="sk-SK" sz="5400" i="1" dirty="0" smtClean="0">
-                <a:solidFill>
-                  <a:schemeClr val="tx1"/>
-                </a:solidFill>
-                <a:effectLst/>
-                <a:latin typeface="Segoe UI Light" panose="020B0502040204020203" pitchFamily="34" charset="0"/>
-                <a:cs typeface="Segoe UI Light" panose="020B0502040204020203" pitchFamily="34" charset="0"/>
-              </a:rPr>
-              <a:t>“</a:t>
+              <a:t>á mať jeden, len jeden dôvod na zmenu.“</a:t>
             </a:r>
             <a:endParaRPr lang="sk-SK" sz="5400" i="1" dirty="0">
               <a:effectLst/>
@@ -13314,40 +18928,7 @@
                 <a:latin typeface="Segoe UI Light" panose="020B0502040204020203" pitchFamily="34" charset="0"/>
                 <a:cs typeface="Segoe UI Light" panose="020B0502040204020203" pitchFamily="34" charset="0"/>
               </a:rPr>
-              <a:t>„</a:t>
-            </a:r>
-            <a:r>
-              <a:rPr lang="en-US" sz="5400" i="1" dirty="0">
-                <a:solidFill>
-                  <a:schemeClr val="tx1"/>
-                </a:solidFill>
-                <a:effectLst/>
-                <a:latin typeface="Segoe UI Light" panose="020B0502040204020203" pitchFamily="34" charset="0"/>
-                <a:cs typeface="Segoe UI Light" panose="020B0502040204020203" pitchFamily="34" charset="0"/>
-              </a:rPr>
-              <a:t>A software module/class is open for extension and closed for </a:t>
-            </a:r>
-            <a:r>
-              <a:rPr lang="en-US" sz="5400" i="1" dirty="0" smtClean="0">
-                <a:solidFill>
-                  <a:schemeClr val="tx1"/>
-                </a:solidFill>
-                <a:effectLst/>
-                <a:latin typeface="Segoe UI Light" panose="020B0502040204020203" pitchFamily="34" charset="0"/>
-                <a:cs typeface="Segoe UI Light" panose="020B0502040204020203" pitchFamily="34" charset="0"/>
-              </a:rPr>
-              <a:t>modification</a:t>
-            </a:r>
-            <a:r>
-              <a:rPr lang="sk-SK" sz="5400" i="1" dirty="0" smtClean="0">
-                <a:solidFill>
-                  <a:schemeClr val="tx1"/>
-                </a:solidFill>
-                <a:effectLst/>
-                <a:latin typeface="Segoe UI Light" panose="020B0502040204020203" pitchFamily="34" charset="0"/>
-                <a:cs typeface="Segoe UI Light" panose="020B0502040204020203" pitchFamily="34" charset="0"/>
-              </a:rPr>
-              <a:t>“</a:t>
+              <a:t>„Trieda je otvorená pre rozšírenia, ale uzavretá pre zmeny“</a:t>
             </a:r>
             <a:endParaRPr lang="sk-SK" sz="5400" i="1" dirty="0">
               <a:effectLst/>
@@ -13704,14 +19285,7 @@
                 <a:latin typeface="Segoe UI Light" panose="020B0502040204020203" pitchFamily="34" charset="0"/>
                 <a:cs typeface="Segoe UI Light" panose="020B0502040204020203" pitchFamily="34" charset="0"/>
               </a:rPr>
-              <a:t>DEMO: Úprava podľa </a:t>
-            </a:r>
-            <a:r>
-              <a:rPr lang="sk-SK" sz="4400" dirty="0" smtClean="0">
-                <a:latin typeface="Segoe UI Light" panose="020B0502040204020203" pitchFamily="34" charset="0"/>
-                <a:cs typeface="Segoe UI Light" panose="020B0502040204020203" pitchFamily="34" charset="0"/>
-              </a:rPr>
-              <a:t>OCP</a:t>
+              <a:t>DEMO: Úprava podľa OCP</a:t>
             </a:r>
             <a:endParaRPr lang="sk-SK" sz="4400" dirty="0">
               <a:latin typeface="Segoe UI Light" panose="020B0502040204020203" pitchFamily="34" charset="0"/>
@@ -13782,6 +19356,1946 @@
           </a:xfrm>
         </p:spPr>
         <p:txBody>
+          <a:bodyPr wrap="square" lIns="720000" rIns="1440000" anchor="ctr">
+            <a:noAutofit/>
+          </a:bodyPr>
+          <a:lstStyle/>
+          <a:p>
+            <a:pPr algn="l"/>
+            <a:r>
+              <a:rPr lang="sk-SK" sz="5400" i="1" dirty="0" smtClean="0">
+                <a:solidFill>
+                  <a:schemeClr val="tx1"/>
+                </a:solidFill>
+                <a:effectLst/>
+                <a:latin typeface="Segoe UI Light" panose="020B0502040204020203" pitchFamily="34" charset="0"/>
+                <a:cs typeface="Segoe UI Light" panose="020B0502040204020203" pitchFamily="34" charset="0"/>
+              </a:rPr>
+              <a:t>Aké sú výhody?</a:t>
+            </a:r>
+            <a:endParaRPr lang="sk-SK" sz="5400" i="1" dirty="0">
+              <a:effectLst/>
+              <a:latin typeface="Segoe UI Light" panose="020B0502040204020203" pitchFamily="34" charset="0"/>
+              <a:cs typeface="Segoe UI Light" panose="020B0502040204020203" pitchFamily="34" charset="0"/>
+            </a:endParaRPr>
+          </a:p>
+        </p:txBody>
+      </p:sp>
+    </p:spTree>
+    <p:extLst>
+      <p:ext uri="{BB962C8B-B14F-4D97-AF65-F5344CB8AC3E}">
+        <p14:creationId xmlns:p14="http://schemas.microsoft.com/office/powerpoint/2010/main" val="3944927381"/>
+      </p:ext>
+    </p:extLst>
+  </p:cSld>
+  <p:clrMapOvr>
+    <a:masterClrMapping/>
+  </p:clrMapOvr>
+  <p:timing>
+    <p:tnLst>
+      <p:par>
+        <p:cTn id="1" dur="indefinite" restart="never" nodeType="tmRoot"/>
+      </p:par>
+    </p:tnLst>
+  </p:timing>
+</p:sld>
+</file>
+
+<file path=ppt/slides/slide27.xml><?xml version="1.0" encoding="utf-8"?>
+<p:sld xmlns:a="http://schemas.openxmlformats.org/drawingml/2006/main" xmlns:r="http://schemas.openxmlformats.org/officeDocument/2006/relationships" xmlns:p="http://schemas.openxmlformats.org/presentationml/2006/main">
+  <p:cSld>
+    <p:bg>
+      <p:bgPr>
+        <a:solidFill>
+          <a:srgbClr val="7CA900"/>
+        </a:solidFill>
+        <a:effectLst/>
+      </p:bgPr>
+    </p:bg>
+    <p:spTree>
+      <p:nvGrpSpPr>
+        <p:cNvPr id="1" name=""/>
+        <p:cNvGrpSpPr/>
+        <p:nvPr/>
+      </p:nvGrpSpPr>
+      <p:grpSpPr>
+        <a:xfrm>
+          <a:off x="0" y="0"/>
+          <a:ext cx="0" cy="0"/>
+          <a:chOff x="0" y="0"/>
+          <a:chExt cx="0" cy="0"/>
+        </a:xfrm>
+      </p:grpSpPr>
+      <p:sp>
+        <p:nvSpPr>
+          <p:cNvPr id="2" name="Nadpis 1"/>
+          <p:cNvSpPr>
+            <a:spLocks noGrp="1"/>
+          </p:cNvSpPr>
+          <p:nvPr>
+            <p:ph type="ctrTitle"/>
+          </p:nvPr>
+        </p:nvSpPr>
+        <p:spPr>
+          <a:xfrm>
+            <a:off x="0" y="3512128"/>
+            <a:ext cx="12192000" cy="3345874"/>
+          </a:xfrm>
+        </p:spPr>
+        <p:txBody>
+          <a:bodyPr wrap="square" lIns="360000" rIns="2160000" anchor="t">
+            <a:noAutofit/>
+          </a:bodyPr>
+          <a:lstStyle/>
+          <a:p>
+            <a:pPr algn="l"/>
+            <a:r>
+              <a:rPr lang="en-US" sz="7200" dirty="0" err="1" smtClean="0">
+                <a:solidFill>
+                  <a:schemeClr val="tx1"/>
+                </a:solidFill>
+                <a:effectLst/>
+                <a:latin typeface="Segoe UI Light" panose="020B0502040204020203" pitchFamily="34" charset="0"/>
+                <a:cs typeface="Segoe UI Light" panose="020B0502040204020203" pitchFamily="34" charset="0"/>
+              </a:rPr>
+              <a:t>Liskovs</a:t>
+            </a:r>
+            <a:r>
+              <a:rPr lang="en-US" sz="7200" dirty="0" smtClean="0">
+                <a:solidFill>
+                  <a:schemeClr val="tx1"/>
+                </a:solidFill>
+                <a:effectLst/>
+                <a:latin typeface="Segoe UI Light" panose="020B0502040204020203" pitchFamily="34" charset="0"/>
+                <a:cs typeface="Segoe UI Light" panose="020B0502040204020203" pitchFamily="34" charset="0"/>
+              </a:rPr>
+              <a:t> Substitution</a:t>
+            </a:r>
+            <a:br>
+              <a:rPr lang="en-US" sz="7200" dirty="0" smtClean="0">
+                <a:solidFill>
+                  <a:schemeClr val="tx1"/>
+                </a:solidFill>
+                <a:effectLst/>
+                <a:latin typeface="Segoe UI Light" panose="020B0502040204020203" pitchFamily="34" charset="0"/>
+                <a:cs typeface="Segoe UI Light" panose="020B0502040204020203" pitchFamily="34" charset="0"/>
+              </a:rPr>
+            </a:br>
+            <a:r>
+              <a:rPr lang="en-US" sz="7200" dirty="0" smtClean="0">
+                <a:solidFill>
+                  <a:schemeClr val="tx1"/>
+                </a:solidFill>
+                <a:effectLst/>
+                <a:latin typeface="Segoe UI Light" panose="020B0502040204020203" pitchFamily="34" charset="0"/>
+                <a:cs typeface="Segoe UI Light" panose="020B0502040204020203" pitchFamily="34" charset="0"/>
+              </a:rPr>
+              <a:t>Principle</a:t>
+            </a:r>
+            <a:endParaRPr lang="sk-SK" sz="7200" dirty="0">
+              <a:effectLst/>
+              <a:latin typeface="Segoe UI Light" panose="020B0502040204020203" pitchFamily="34" charset="0"/>
+              <a:cs typeface="Segoe UI Light" panose="020B0502040204020203" pitchFamily="34" charset="0"/>
+            </a:endParaRPr>
+          </a:p>
+        </p:txBody>
+      </p:sp>
+    </p:spTree>
+    <p:extLst>
+      <p:ext uri="{BB962C8B-B14F-4D97-AF65-F5344CB8AC3E}">
+        <p14:creationId xmlns:p14="http://schemas.microsoft.com/office/powerpoint/2010/main" val="4055843130"/>
+      </p:ext>
+    </p:extLst>
+  </p:cSld>
+  <p:clrMapOvr>
+    <a:masterClrMapping/>
+  </p:clrMapOvr>
+  <p:timing>
+    <p:tnLst>
+      <p:par>
+        <p:cTn id="1" dur="indefinite" restart="never" nodeType="tmRoot"/>
+      </p:par>
+    </p:tnLst>
+  </p:timing>
+</p:sld>
+</file>
+
+<file path=ppt/slides/slide28.xml><?xml version="1.0" encoding="utf-8"?>
+<p:sld xmlns:a="http://schemas.openxmlformats.org/drawingml/2006/main" xmlns:r="http://schemas.openxmlformats.org/officeDocument/2006/relationships" xmlns:p="http://schemas.openxmlformats.org/presentationml/2006/main">
+  <p:cSld>
+    <p:bg>
+      <p:bgPr>
+        <a:solidFill>
+          <a:srgbClr val="482958"/>
+        </a:solidFill>
+        <a:effectLst/>
+      </p:bgPr>
+    </p:bg>
+    <p:spTree>
+      <p:nvGrpSpPr>
+        <p:cNvPr id="1" name=""/>
+        <p:cNvGrpSpPr/>
+        <p:nvPr/>
+      </p:nvGrpSpPr>
+      <p:grpSpPr>
+        <a:xfrm>
+          <a:off x="0" y="0"/>
+          <a:ext cx="0" cy="0"/>
+          <a:chOff x="0" y="0"/>
+          <a:chExt cx="0" cy="0"/>
+        </a:xfrm>
+      </p:grpSpPr>
+      <p:sp>
+        <p:nvSpPr>
+          <p:cNvPr id="2" name="Nadpis 1"/>
+          <p:cNvSpPr>
+            <a:spLocks noGrp="1"/>
+          </p:cNvSpPr>
+          <p:nvPr>
+            <p:ph type="ctrTitle"/>
+          </p:nvPr>
+        </p:nvSpPr>
+        <p:spPr>
+          <a:xfrm>
+            <a:off x="1" y="2541709"/>
+            <a:ext cx="12192000" cy="1926381"/>
+          </a:xfrm>
+        </p:spPr>
+        <p:txBody>
+          <a:bodyPr wrap="square" lIns="1440000" rIns="1440000" anchor="ctr">
+            <a:noAutofit/>
+          </a:bodyPr>
+          <a:lstStyle/>
+          <a:p>
+            <a:pPr algn="ctr"/>
+            <a:r>
+              <a:rPr lang="sk-SK" sz="5400" i="1" dirty="0" smtClean="0">
+                <a:solidFill>
+                  <a:schemeClr val="tx1"/>
+                </a:solidFill>
+                <a:effectLst/>
+                <a:latin typeface="Segoe UI Light" panose="020B0502040204020203" pitchFamily="34" charset="0"/>
+                <a:cs typeface="Segoe UI Light" panose="020B0502040204020203" pitchFamily="34" charset="0"/>
+              </a:rPr>
+              <a:t>„</a:t>
+            </a:r>
+            <a:r>
+              <a:rPr lang="en-US" sz="5400" i="1" dirty="0">
+                <a:solidFill>
+                  <a:schemeClr val="tx1"/>
+                </a:solidFill>
+                <a:effectLst/>
+                <a:latin typeface="Segoe UI Light" panose="020B0502040204020203" pitchFamily="34" charset="0"/>
+                <a:cs typeface="Segoe UI Light" panose="020B0502040204020203" pitchFamily="34" charset="0"/>
+              </a:rPr>
+              <a:t>Let </a:t>
+            </a:r>
+            <a:r>
+              <a:rPr lang="el-GR" sz="5400" i="1" dirty="0" smtClean="0">
+                <a:solidFill>
+                  <a:schemeClr val="tx1"/>
+                </a:solidFill>
+                <a:effectLst/>
+                <a:latin typeface="Segoe UI Semibold" panose="020B0702040204020203" pitchFamily="34" charset="0"/>
+                <a:cs typeface="Segoe UI Semibold" panose="020B0702040204020203" pitchFamily="34" charset="0"/>
+              </a:rPr>
+              <a:t>ϕ(</a:t>
+            </a:r>
+            <a:r>
+              <a:rPr lang="en-US" sz="5400" i="1" dirty="0" smtClean="0">
+                <a:solidFill>
+                  <a:schemeClr val="tx1"/>
+                </a:solidFill>
+                <a:effectLst/>
+                <a:latin typeface="Segoe UI Semibold" panose="020B0702040204020203" pitchFamily="34" charset="0"/>
+                <a:cs typeface="Segoe UI Semibold" panose="020B0702040204020203" pitchFamily="34" charset="0"/>
+              </a:rPr>
+              <a:t>x)</a:t>
+            </a:r>
+            <a:r>
+              <a:rPr lang="en-US" sz="5400" i="1" dirty="0" smtClean="0">
+                <a:solidFill>
+                  <a:schemeClr val="tx1"/>
+                </a:solidFill>
+                <a:effectLst/>
+                <a:latin typeface="Segoe UI Light" panose="020B0502040204020203" pitchFamily="34" charset="0"/>
+                <a:cs typeface="Segoe UI Light" panose="020B0502040204020203" pitchFamily="34" charset="0"/>
+              </a:rPr>
+              <a:t> be </a:t>
+            </a:r>
+            <a:r>
+              <a:rPr lang="en-US" sz="5400" i="1" dirty="0">
+                <a:solidFill>
+                  <a:schemeClr val="tx1"/>
+                </a:solidFill>
+                <a:effectLst/>
+                <a:latin typeface="Segoe UI Light" panose="020B0502040204020203" pitchFamily="34" charset="0"/>
+                <a:cs typeface="Segoe UI Light" panose="020B0502040204020203" pitchFamily="34" charset="0"/>
+              </a:rPr>
+              <a:t>a property provable about objects </a:t>
+            </a:r>
+            <a:r>
+              <a:rPr lang="en-US" sz="5400" i="1" dirty="0">
+                <a:solidFill>
+                  <a:schemeClr val="tx1"/>
+                </a:solidFill>
+                <a:effectLst/>
+                <a:latin typeface="Segoe UI Semibold" panose="020B0702040204020203" pitchFamily="34" charset="0"/>
+                <a:cs typeface="Segoe UI Semibold" panose="020B0702040204020203" pitchFamily="34" charset="0"/>
+              </a:rPr>
+              <a:t>x</a:t>
+            </a:r>
+            <a:r>
+              <a:rPr lang="en-US" sz="5400" i="1" dirty="0">
+                <a:solidFill>
+                  <a:schemeClr val="tx1"/>
+                </a:solidFill>
+                <a:effectLst/>
+                <a:latin typeface="Segoe UI Light" panose="020B0502040204020203" pitchFamily="34" charset="0"/>
+                <a:cs typeface="Segoe UI Light" panose="020B0502040204020203" pitchFamily="34" charset="0"/>
+              </a:rPr>
+              <a:t> </a:t>
+            </a:r>
+            <a:r>
+              <a:rPr lang="en-US" sz="5400" i="1" dirty="0" smtClean="0">
+                <a:solidFill>
+                  <a:schemeClr val="tx1"/>
+                </a:solidFill>
+                <a:effectLst/>
+                <a:latin typeface="Segoe UI Light" panose="020B0502040204020203" pitchFamily="34" charset="0"/>
+                <a:cs typeface="Segoe UI Light" panose="020B0502040204020203" pitchFamily="34" charset="0"/>
+              </a:rPr>
+              <a:t>of </a:t>
+            </a:r>
+            <a:r>
+              <a:rPr lang="en-US" sz="5400" i="1" dirty="0">
+                <a:solidFill>
+                  <a:schemeClr val="tx1"/>
+                </a:solidFill>
+                <a:effectLst/>
+                <a:latin typeface="Segoe UI Light" panose="020B0502040204020203" pitchFamily="34" charset="0"/>
+                <a:cs typeface="Segoe UI Light" panose="020B0502040204020203" pitchFamily="34" charset="0"/>
+              </a:rPr>
+              <a:t>type </a:t>
+            </a:r>
+            <a:r>
+              <a:rPr lang="en-US" sz="5400" i="1" dirty="0">
+                <a:solidFill>
+                  <a:schemeClr val="tx1"/>
+                </a:solidFill>
+                <a:effectLst/>
+                <a:latin typeface="Segoe UI Semibold" panose="020B0702040204020203" pitchFamily="34" charset="0"/>
+                <a:cs typeface="Segoe UI Semibold" panose="020B0702040204020203" pitchFamily="34" charset="0"/>
+              </a:rPr>
+              <a:t>T</a:t>
+            </a:r>
+            <a:r>
+              <a:rPr lang="en-US" sz="5400" i="1" dirty="0">
+                <a:solidFill>
+                  <a:schemeClr val="tx1"/>
+                </a:solidFill>
+                <a:effectLst/>
+                <a:latin typeface="Segoe UI Light" panose="020B0502040204020203" pitchFamily="34" charset="0"/>
+                <a:cs typeface="Segoe UI Light" panose="020B0502040204020203" pitchFamily="34" charset="0"/>
+              </a:rPr>
+              <a:t>. Then </a:t>
+            </a:r>
+            <a:r>
+              <a:rPr lang="el-GR" sz="5400" i="1" dirty="0" smtClean="0">
+                <a:solidFill>
+                  <a:schemeClr val="tx1"/>
+                </a:solidFill>
+                <a:effectLst/>
+                <a:latin typeface="Segoe UI Semibold" panose="020B0702040204020203" pitchFamily="34" charset="0"/>
+                <a:cs typeface="Segoe UI Semibold" panose="020B0702040204020203" pitchFamily="34" charset="0"/>
+              </a:rPr>
+              <a:t>ϕ(</a:t>
+            </a:r>
+            <a:r>
+              <a:rPr lang="en-US" sz="5400" i="1" dirty="0" smtClean="0">
+                <a:solidFill>
+                  <a:schemeClr val="tx1"/>
+                </a:solidFill>
+                <a:effectLst/>
+                <a:latin typeface="Segoe UI Semibold" panose="020B0702040204020203" pitchFamily="34" charset="0"/>
+                <a:cs typeface="Segoe UI Semibold" panose="020B0702040204020203" pitchFamily="34" charset="0"/>
+              </a:rPr>
+              <a:t>y)</a:t>
+            </a:r>
+            <a:r>
+              <a:rPr lang="en-US" sz="5400" i="1" dirty="0" smtClean="0">
+                <a:solidFill>
+                  <a:schemeClr val="tx1"/>
+                </a:solidFill>
+                <a:effectLst/>
+                <a:latin typeface="Segoe UI Light" panose="020B0502040204020203" pitchFamily="34" charset="0"/>
+                <a:cs typeface="Segoe UI Light" panose="020B0502040204020203" pitchFamily="34" charset="0"/>
+              </a:rPr>
+              <a:t> should </a:t>
+            </a:r>
+            <a:r>
+              <a:rPr lang="en-US" sz="5400" i="1" dirty="0">
+                <a:solidFill>
+                  <a:schemeClr val="tx1"/>
+                </a:solidFill>
+                <a:effectLst/>
+                <a:latin typeface="Segoe UI Light" panose="020B0502040204020203" pitchFamily="34" charset="0"/>
+                <a:cs typeface="Segoe UI Light" panose="020B0502040204020203" pitchFamily="34" charset="0"/>
+              </a:rPr>
+              <a:t>be true for objects </a:t>
+            </a:r>
+            <a:r>
+              <a:rPr lang="en-US" sz="5400" i="1" dirty="0" smtClean="0">
+                <a:solidFill>
+                  <a:schemeClr val="tx1"/>
+                </a:solidFill>
+                <a:effectLst/>
+                <a:latin typeface="Segoe UI Semibold" panose="020B0702040204020203" pitchFamily="34" charset="0"/>
+                <a:cs typeface="Segoe UI Semibold" panose="020B0702040204020203" pitchFamily="34" charset="0"/>
+              </a:rPr>
+              <a:t>y</a:t>
+            </a:r>
+            <a:r>
+              <a:rPr lang="en-US" sz="5400" i="1" dirty="0" smtClean="0">
+                <a:solidFill>
+                  <a:schemeClr val="tx1"/>
+                </a:solidFill>
+                <a:effectLst/>
+                <a:latin typeface="Segoe UI Light" panose="020B0502040204020203" pitchFamily="34" charset="0"/>
+                <a:cs typeface="Segoe UI Light" panose="020B0502040204020203" pitchFamily="34" charset="0"/>
+              </a:rPr>
+              <a:t> </a:t>
+            </a:r>
+            <a:r>
+              <a:rPr lang="en-US" sz="5400" i="1" dirty="0">
+                <a:solidFill>
+                  <a:schemeClr val="tx1"/>
+                </a:solidFill>
+                <a:effectLst/>
+                <a:latin typeface="Segoe UI Light" panose="020B0502040204020203" pitchFamily="34" charset="0"/>
+                <a:cs typeface="Segoe UI Light" panose="020B0502040204020203" pitchFamily="34" charset="0"/>
+              </a:rPr>
+              <a:t>of type </a:t>
+            </a:r>
+            <a:r>
+              <a:rPr lang="en-US" sz="5400" i="1" dirty="0">
+                <a:solidFill>
+                  <a:schemeClr val="tx1"/>
+                </a:solidFill>
+                <a:effectLst/>
+                <a:latin typeface="Segoe UI Semibold" panose="020B0702040204020203" pitchFamily="34" charset="0"/>
+                <a:cs typeface="Segoe UI Semibold" panose="020B0702040204020203" pitchFamily="34" charset="0"/>
+              </a:rPr>
+              <a:t>S</a:t>
+            </a:r>
+            <a:r>
+              <a:rPr lang="en-US" sz="5400" i="1" dirty="0">
+                <a:solidFill>
+                  <a:schemeClr val="tx1"/>
+                </a:solidFill>
+                <a:effectLst/>
+                <a:latin typeface="Segoe UI Light" panose="020B0502040204020203" pitchFamily="34" charset="0"/>
+                <a:cs typeface="Segoe UI Light" panose="020B0502040204020203" pitchFamily="34" charset="0"/>
+              </a:rPr>
+              <a:t> where </a:t>
+            </a:r>
+            <a:r>
+              <a:rPr lang="en-US" sz="5400" i="1" dirty="0">
+                <a:solidFill>
+                  <a:schemeClr val="tx1"/>
+                </a:solidFill>
+                <a:effectLst/>
+                <a:latin typeface="Segoe UI Semibold" panose="020B0702040204020203" pitchFamily="34" charset="0"/>
+                <a:cs typeface="Segoe UI Semibold" panose="020B0702040204020203" pitchFamily="34" charset="0"/>
+              </a:rPr>
+              <a:t>S</a:t>
+            </a:r>
+            <a:r>
+              <a:rPr lang="en-US" sz="5400" i="1" dirty="0">
+                <a:solidFill>
+                  <a:schemeClr val="tx1"/>
+                </a:solidFill>
+                <a:effectLst/>
+                <a:latin typeface="Segoe UI Light" panose="020B0502040204020203" pitchFamily="34" charset="0"/>
+                <a:cs typeface="Segoe UI Light" panose="020B0502040204020203" pitchFamily="34" charset="0"/>
+              </a:rPr>
+              <a:t> is a subtype of </a:t>
+            </a:r>
+            <a:r>
+              <a:rPr lang="en-US" sz="5400" i="1" dirty="0" smtClean="0">
+                <a:solidFill>
+                  <a:schemeClr val="tx1"/>
+                </a:solidFill>
+                <a:effectLst/>
+                <a:latin typeface="Segoe UI Semibold" panose="020B0702040204020203" pitchFamily="34" charset="0"/>
+                <a:cs typeface="Segoe UI Semibold" panose="020B0702040204020203" pitchFamily="34" charset="0"/>
+              </a:rPr>
+              <a:t>T</a:t>
+            </a:r>
+            <a:r>
+              <a:rPr lang="en-US" sz="5400" i="1" dirty="0" smtClean="0">
+                <a:solidFill>
+                  <a:schemeClr val="tx1"/>
+                </a:solidFill>
+                <a:effectLst/>
+                <a:latin typeface="Segoe UI Light" panose="020B0502040204020203" pitchFamily="34" charset="0"/>
+                <a:cs typeface="Segoe UI Light" panose="020B0502040204020203" pitchFamily="34" charset="0"/>
+              </a:rPr>
+              <a:t>.</a:t>
+            </a:r>
+            <a:r>
+              <a:rPr lang="sk-SK" sz="5400" i="1" dirty="0" smtClean="0">
+                <a:solidFill>
+                  <a:schemeClr val="tx1"/>
+                </a:solidFill>
+                <a:effectLst/>
+                <a:latin typeface="Segoe UI Light" panose="020B0502040204020203" pitchFamily="34" charset="0"/>
+                <a:cs typeface="Segoe UI Light" panose="020B0502040204020203" pitchFamily="34" charset="0"/>
+              </a:rPr>
+              <a:t>“</a:t>
+            </a:r>
+            <a:endParaRPr lang="sk-SK" sz="5400" i="1" dirty="0">
+              <a:effectLst/>
+              <a:latin typeface="Segoe UI Light" panose="020B0502040204020203" pitchFamily="34" charset="0"/>
+              <a:cs typeface="Segoe UI Light" panose="020B0502040204020203" pitchFamily="34" charset="0"/>
+            </a:endParaRPr>
+          </a:p>
+        </p:txBody>
+      </p:sp>
+    </p:spTree>
+    <p:extLst>
+      <p:ext uri="{BB962C8B-B14F-4D97-AF65-F5344CB8AC3E}">
+        <p14:creationId xmlns:p14="http://schemas.microsoft.com/office/powerpoint/2010/main" val="1846040942"/>
+      </p:ext>
+    </p:extLst>
+  </p:cSld>
+  <p:clrMapOvr>
+    <a:masterClrMapping/>
+  </p:clrMapOvr>
+  <p:timing>
+    <p:tnLst>
+      <p:par>
+        <p:cTn id="1" dur="indefinite" restart="never" nodeType="tmRoot"/>
+      </p:par>
+    </p:tnLst>
+  </p:timing>
+</p:sld>
+</file>
+
+<file path=ppt/slides/slide29.xml><?xml version="1.0" encoding="utf-8"?>
+<p:sld xmlns:a="http://schemas.openxmlformats.org/drawingml/2006/main" xmlns:r="http://schemas.openxmlformats.org/officeDocument/2006/relationships" xmlns:p="http://schemas.openxmlformats.org/presentationml/2006/main">
+  <p:cSld>
+    <p:bg>
+      <p:bgPr>
+        <a:solidFill>
+          <a:srgbClr val="EB4800"/>
+        </a:solidFill>
+        <a:effectLst/>
+      </p:bgPr>
+    </p:bg>
+    <p:spTree>
+      <p:nvGrpSpPr>
+        <p:cNvPr id="1" name=""/>
+        <p:cNvGrpSpPr/>
+        <p:nvPr/>
+      </p:nvGrpSpPr>
+      <p:grpSpPr>
+        <a:xfrm>
+          <a:off x="0" y="0"/>
+          <a:ext cx="0" cy="0"/>
+          <a:chOff x="0" y="0"/>
+          <a:chExt cx="0" cy="0"/>
+        </a:xfrm>
+      </p:grpSpPr>
+      <p:sp>
+        <p:nvSpPr>
+          <p:cNvPr id="2" name="Nadpis 1"/>
+          <p:cNvSpPr>
+            <a:spLocks noGrp="1"/>
+          </p:cNvSpPr>
+          <p:nvPr>
+            <p:ph type="ctrTitle"/>
+          </p:nvPr>
+        </p:nvSpPr>
+        <p:spPr>
+          <a:xfrm>
+            <a:off x="1" y="2541709"/>
+            <a:ext cx="12192000" cy="1926381"/>
+          </a:xfrm>
+        </p:spPr>
+        <p:txBody>
+          <a:bodyPr wrap="square" lIns="1980000" rIns="2016000" anchor="ctr">
+            <a:noAutofit/>
+          </a:bodyPr>
+          <a:lstStyle/>
+          <a:p>
+            <a:pPr algn="ctr"/>
+            <a:r>
+              <a:rPr lang="sk-SK" sz="5400" i="1" dirty="0">
+                <a:solidFill>
+                  <a:schemeClr val="tx1"/>
+                </a:solidFill>
+                <a:effectLst/>
+                <a:latin typeface="Segoe UI Light" panose="020B0502040204020203" pitchFamily="34" charset="0"/>
+                <a:cs typeface="Segoe UI Light" panose="020B0502040204020203" pitchFamily="34" charset="0"/>
+              </a:rPr>
+              <a:t>„</a:t>
+            </a:r>
+            <a:r>
+              <a:rPr lang="sk-SK" sz="5400" i="1" dirty="0" err="1">
+                <a:solidFill>
+                  <a:schemeClr val="tx1"/>
+                </a:solidFill>
+                <a:effectLst/>
+                <a:latin typeface="Segoe UI Light" panose="020B0502040204020203" pitchFamily="34" charset="0"/>
+                <a:cs typeface="Segoe UI Light" panose="020B0502040204020203" pitchFamily="34" charset="0"/>
+              </a:rPr>
+              <a:t>Ehm</a:t>
+            </a:r>
+            <a:r>
+              <a:rPr lang="sk-SK" sz="5400" i="1" dirty="0">
+                <a:solidFill>
+                  <a:schemeClr val="tx1"/>
+                </a:solidFill>
+                <a:effectLst/>
+                <a:latin typeface="Segoe UI Light" panose="020B0502040204020203" pitchFamily="34" charset="0"/>
+                <a:cs typeface="Segoe UI Light" panose="020B0502040204020203" pitchFamily="34" charset="0"/>
+              </a:rPr>
+              <a:t>, čo povedala? “</a:t>
+            </a:r>
+            <a:endParaRPr lang="sk-SK" sz="5400" i="1" dirty="0">
+              <a:effectLst/>
+              <a:latin typeface="Segoe UI Light" panose="020B0502040204020203" pitchFamily="34" charset="0"/>
+              <a:cs typeface="Segoe UI Light" panose="020B0502040204020203" pitchFamily="34" charset="0"/>
+            </a:endParaRPr>
+          </a:p>
+        </p:txBody>
+      </p:sp>
+      <p:sp>
+        <p:nvSpPr>
+          <p:cNvPr id="5" name="BlokTextu 4"/>
+          <p:cNvSpPr txBox="1"/>
+          <p:nvPr/>
+        </p:nvSpPr>
+        <p:spPr>
+          <a:xfrm>
+            <a:off x="2056599" y="4447307"/>
+            <a:ext cx="9842246" cy="461665"/>
+          </a:xfrm>
+          <a:prstGeom prst="rect">
+            <a:avLst/>
+          </a:prstGeom>
+          <a:noFill/>
+        </p:spPr>
+        <p:txBody>
+          <a:bodyPr wrap="none" rtlCol="0">
+            <a:spAutoFit/>
+          </a:bodyPr>
+          <a:lstStyle/>
+          <a:p>
+            <a:r>
+              <a:rPr lang="sk-SK" sz="2400" dirty="0" smtClean="0">
+                <a:latin typeface="Segoe UI Light" panose="020B0502040204020203" pitchFamily="34" charset="0"/>
+                <a:cs typeface="Segoe UI Light" panose="020B0502040204020203" pitchFamily="34" charset="0"/>
+              </a:rPr>
+              <a:t>Výkrik </a:t>
+            </a:r>
+            <a:r>
+              <a:rPr lang="sk-SK" sz="2400" dirty="0">
+                <a:latin typeface="Segoe UI Light" panose="020B0502040204020203" pitchFamily="34" charset="0"/>
+                <a:cs typeface="Segoe UI Light" panose="020B0502040204020203" pitchFamily="34" charset="0"/>
+              </a:rPr>
+              <a:t>človeka na konferencii kde to Barbara </a:t>
+            </a:r>
+            <a:r>
+              <a:rPr lang="sk-SK" sz="2400" dirty="0" err="1">
+                <a:latin typeface="Segoe UI Light" panose="020B0502040204020203" pitchFamily="34" charset="0"/>
+                <a:cs typeface="Segoe UI Light" panose="020B0502040204020203" pitchFamily="34" charset="0"/>
+              </a:rPr>
+              <a:t>Liskov's</a:t>
+            </a:r>
+            <a:r>
+              <a:rPr lang="sk-SK" sz="2400" dirty="0">
+                <a:latin typeface="Segoe UI Light" panose="020B0502040204020203" pitchFamily="34" charset="0"/>
+                <a:cs typeface="Segoe UI Light" panose="020B0502040204020203" pitchFamily="34" charset="0"/>
+              </a:rPr>
+              <a:t> prvý krát prezentovala</a:t>
+            </a:r>
+            <a:endParaRPr lang="sk-SK" sz="2400" dirty="0">
+              <a:latin typeface="Segoe UI Light" panose="020B0502040204020203" pitchFamily="34" charset="0"/>
+              <a:cs typeface="Segoe UI Light" panose="020B0502040204020203" pitchFamily="34" charset="0"/>
+            </a:endParaRPr>
+          </a:p>
+        </p:txBody>
+      </p:sp>
+    </p:spTree>
+    <p:extLst>
+      <p:ext uri="{BB962C8B-B14F-4D97-AF65-F5344CB8AC3E}">
+        <p14:creationId xmlns:p14="http://schemas.microsoft.com/office/powerpoint/2010/main" val="2438659103"/>
+      </p:ext>
+    </p:extLst>
+  </p:cSld>
+  <p:clrMapOvr>
+    <a:masterClrMapping/>
+  </p:clrMapOvr>
+  <p:timing>
+    <p:tnLst>
+      <p:par>
+        <p:cTn id="1" dur="indefinite" restart="never" nodeType="tmRoot"/>
+      </p:par>
+    </p:tnLst>
+  </p:timing>
+</p:sld>
+</file>
+
+<file path=ppt/slides/slide3.xml><?xml version="1.0" encoding="utf-8"?>
+<p:sld xmlns:a="http://schemas.openxmlformats.org/drawingml/2006/main" xmlns:r="http://schemas.openxmlformats.org/officeDocument/2006/relationships" xmlns:p="http://schemas.openxmlformats.org/presentationml/2006/main">
+  <p:cSld>
+    <p:bg>
+      <p:bgPr>
+        <a:solidFill>
+          <a:srgbClr val="482958"/>
+        </a:solidFill>
+        <a:effectLst/>
+      </p:bgPr>
+    </p:bg>
+    <p:spTree>
+      <p:nvGrpSpPr>
+        <p:cNvPr id="1" name=""/>
+        <p:cNvGrpSpPr/>
+        <p:nvPr/>
+      </p:nvGrpSpPr>
+      <p:grpSpPr>
+        <a:xfrm>
+          <a:off x="0" y="0"/>
+          <a:ext cx="0" cy="0"/>
+          <a:chOff x="0" y="0"/>
+          <a:chExt cx="0" cy="0"/>
+        </a:xfrm>
+      </p:grpSpPr>
+      <p:sp>
+        <p:nvSpPr>
+          <p:cNvPr id="2" name="Nadpis 1"/>
+          <p:cNvSpPr>
+            <a:spLocks noGrp="1"/>
+          </p:cNvSpPr>
+          <p:nvPr>
+            <p:ph type="ctrTitle"/>
+          </p:nvPr>
+        </p:nvSpPr>
+        <p:spPr>
+          <a:xfrm>
+            <a:off x="0" y="2541710"/>
+            <a:ext cx="12192000" cy="1641490"/>
+          </a:xfrm>
+        </p:spPr>
+        <p:txBody>
+          <a:bodyPr anchor="ctr">
+            <a:noAutofit/>
+          </a:bodyPr>
+          <a:lstStyle/>
+          <a:p>
+            <a:pPr algn="ctr"/>
+            <a:r>
+              <a:rPr lang="sk-SK" sz="5400" i="1" dirty="0" smtClean="0">
+                <a:solidFill>
+                  <a:schemeClr val="tx1"/>
+                </a:solidFill>
+                <a:effectLst/>
+                <a:latin typeface="Segoe UI Light" panose="020B0502040204020203" pitchFamily="34" charset="0"/>
+                <a:cs typeface="Segoe UI Light" panose="020B0502040204020203" pitchFamily="34" charset="0"/>
+              </a:rPr>
+              <a:t>... vedia vymenovať všetkých 5?</a:t>
+            </a:r>
+            <a:endParaRPr lang="sk-SK" sz="5400" i="1" dirty="0">
+              <a:effectLst/>
+              <a:latin typeface="Segoe UI Light" panose="020B0502040204020203" pitchFamily="34" charset="0"/>
+              <a:cs typeface="Segoe UI Light" panose="020B0502040204020203" pitchFamily="34" charset="0"/>
+            </a:endParaRPr>
+          </a:p>
+        </p:txBody>
+      </p:sp>
+      <p:sp>
+        <p:nvSpPr>
+          <p:cNvPr id="3" name="Podnadpis 2"/>
+          <p:cNvSpPr>
+            <a:spLocks noGrp="1"/>
+          </p:cNvSpPr>
+          <p:nvPr>
+            <p:ph type="subTitle" idx="1"/>
+          </p:nvPr>
+        </p:nvSpPr>
+        <p:spPr>
+          <a:xfrm>
+            <a:off x="588818" y="608274"/>
+            <a:ext cx="9144000" cy="754025"/>
+          </a:xfrm>
+        </p:spPr>
+        <p:txBody>
+          <a:bodyPr>
+            <a:noAutofit/>
+          </a:bodyPr>
+          <a:lstStyle/>
+          <a:p>
+            <a:pPr algn="l"/>
+            <a:r>
+              <a:rPr lang="sk-SK" sz="5400" i="1" dirty="0" smtClean="0">
+                <a:solidFill>
+                  <a:schemeClr val="tx1"/>
+                </a:solidFill>
+                <a:latin typeface="Segoe UI Light" panose="020B0502040204020203" pitchFamily="34" charset="0"/>
+                <a:cs typeface="Segoe UI Light" panose="020B0502040204020203" pitchFamily="34" charset="0"/>
+              </a:rPr>
+              <a:t>Koľkí z Vás ... </a:t>
+            </a:r>
+            <a:endParaRPr lang="sk-SK" sz="5400" i="1" dirty="0">
+              <a:solidFill>
+                <a:schemeClr val="tx1"/>
+              </a:solidFill>
+              <a:latin typeface="Segoe UI Light" panose="020B0502040204020203" pitchFamily="34" charset="0"/>
+              <a:cs typeface="Segoe UI Light" panose="020B0502040204020203" pitchFamily="34" charset="0"/>
+            </a:endParaRPr>
+          </a:p>
+        </p:txBody>
+      </p:sp>
+    </p:spTree>
+    <p:extLst>
+      <p:ext uri="{BB962C8B-B14F-4D97-AF65-F5344CB8AC3E}">
+        <p14:creationId xmlns:p14="http://schemas.microsoft.com/office/powerpoint/2010/main" val="1958253749"/>
+      </p:ext>
+    </p:extLst>
+  </p:cSld>
+  <p:clrMapOvr>
+    <a:masterClrMapping/>
+  </p:clrMapOvr>
+  <p:timing>
+    <p:tnLst>
+      <p:par>
+        <p:cTn id="1" dur="indefinite" restart="never" nodeType="tmRoot">
+          <p:childTnLst>
+            <p:seq concurrent="1" nextAc="seek">
+              <p:cTn id="2" dur="indefinite" nodeType="mainSeq">
+                <p:childTnLst>
+                  <p:par>
+                    <p:cTn id="3" fill="hold">
+                      <p:stCondLst>
+                        <p:cond delay="indefinite"/>
+                        <p:cond evt="onBegin" delay="0">
+                          <p:tn val="2"/>
+                        </p:cond>
+                      </p:stCondLst>
+                      <p:childTnLst>
+                        <p:par>
+                          <p:cTn id="4" fill="hold">
+                            <p:stCondLst>
+                              <p:cond delay="0"/>
+                            </p:stCondLst>
+                            <p:childTnLst>
+                              <p:par>
+                                <p:cTn id="5" presetID="1" presetClass="entr" presetSubtype="0" fill="hold" grpId="0" nodeType="afterEffect">
+                                  <p:stCondLst>
+                                    <p:cond delay="1000"/>
+                                  </p:stCondLst>
+                                  <p:childTnLst>
+                                    <p:set>
+                                      <p:cBhvr>
+                                        <p:cTn id="6" dur="1" fill="hold">
+                                          <p:stCondLst>
+                                            <p:cond delay="0"/>
+                                          </p:stCondLst>
+                                        </p:cTn>
+                                        <p:tgtEl>
+                                          <p:spTgt spid="2"/>
+                                        </p:tgtEl>
+                                        <p:attrNameLst>
+                                          <p:attrName>style.visibility</p:attrName>
+                                        </p:attrNameLst>
+                                      </p:cBhvr>
+                                      <p:to>
+                                        <p:strVal val="visible"/>
+                                      </p:to>
+                                    </p:set>
+                                  </p:childTnLst>
+                                </p:cTn>
+                              </p:par>
+                            </p:childTnLst>
+                          </p:cTn>
+                        </p:par>
+                      </p:childTnLst>
+                    </p:cTn>
+                  </p:par>
+                </p:childTnLst>
+              </p:cTn>
+              <p:prevCondLst>
+                <p:cond evt="onPrev" delay="0">
+                  <p:tgtEl>
+                    <p:sldTgt/>
+                  </p:tgtEl>
+                </p:cond>
+              </p:prevCondLst>
+              <p:nextCondLst>
+                <p:cond evt="onNext" delay="0">
+                  <p:tgtEl>
+                    <p:sldTgt/>
+                  </p:tgtEl>
+                </p:cond>
+              </p:nextCondLst>
+            </p:seq>
+          </p:childTnLst>
+        </p:cTn>
+      </p:par>
+    </p:tnLst>
+    <p:bldLst>
+      <p:bldP spid="2" grpId="0"/>
+    </p:bldLst>
+  </p:timing>
+</p:sld>
+</file>
+
+<file path=ppt/slides/slide30.xml><?xml version="1.0" encoding="utf-8"?>
+<p:sld xmlns:a="http://schemas.openxmlformats.org/drawingml/2006/main" xmlns:r="http://schemas.openxmlformats.org/officeDocument/2006/relationships" xmlns:p="http://schemas.openxmlformats.org/presentationml/2006/main">
+  <p:cSld>
+    <p:bg>
+      <p:bgPr>
+        <a:solidFill>
+          <a:srgbClr val="482958"/>
+        </a:solidFill>
+        <a:effectLst/>
+      </p:bgPr>
+    </p:bg>
+    <p:spTree>
+      <p:nvGrpSpPr>
+        <p:cNvPr id="1" name=""/>
+        <p:cNvGrpSpPr/>
+        <p:nvPr/>
+      </p:nvGrpSpPr>
+      <p:grpSpPr>
+        <a:xfrm>
+          <a:off x="0" y="0"/>
+          <a:ext cx="0" cy="0"/>
+          <a:chOff x="0" y="0"/>
+          <a:chExt cx="0" cy="0"/>
+        </a:xfrm>
+      </p:grpSpPr>
+      <p:sp>
+        <p:nvSpPr>
+          <p:cNvPr id="2" name="Nadpis 1"/>
+          <p:cNvSpPr>
+            <a:spLocks noGrp="1"/>
+          </p:cNvSpPr>
+          <p:nvPr>
+            <p:ph type="ctrTitle"/>
+          </p:nvPr>
+        </p:nvSpPr>
+        <p:spPr>
+          <a:xfrm>
+            <a:off x="1" y="2541709"/>
+            <a:ext cx="12192000" cy="1926381"/>
+          </a:xfrm>
+        </p:spPr>
+        <p:txBody>
+          <a:bodyPr wrap="square" lIns="1440000" rIns="1440000" anchor="ctr">
+            <a:noAutofit/>
+          </a:bodyPr>
+          <a:lstStyle/>
+          <a:p>
+            <a:pPr algn="ctr"/>
+            <a:r>
+              <a:rPr lang="sk-SK" sz="5400" i="1" dirty="0" smtClean="0">
+                <a:solidFill>
+                  <a:schemeClr val="tx1"/>
+                </a:solidFill>
+                <a:effectLst/>
+                <a:latin typeface="Segoe UI Light" panose="020B0502040204020203" pitchFamily="34" charset="0"/>
+                <a:cs typeface="Segoe UI Light" panose="020B0502040204020203" pitchFamily="34" charset="0"/>
+              </a:rPr>
+              <a:t>„</a:t>
+            </a:r>
+            <a:r>
+              <a:rPr lang="sk-SK" sz="5400" dirty="0" smtClean="0">
+                <a:solidFill>
+                  <a:schemeClr val="tx1"/>
+                </a:solidFill>
+                <a:effectLst/>
+              </a:rPr>
+              <a:t>Mali </a:t>
+            </a:r>
+            <a:r>
+              <a:rPr lang="sk-SK" sz="5400" dirty="0">
+                <a:solidFill>
+                  <a:schemeClr val="tx1"/>
+                </a:solidFill>
+                <a:effectLst/>
+              </a:rPr>
+              <a:t>by ste byť schopní používať akúkoľvek odvodenú triedu namiesto materskej triedy </a:t>
+            </a:r>
+            <a:r>
+              <a:rPr lang="sk-SK" sz="5400" dirty="0" smtClean="0">
+                <a:solidFill>
+                  <a:schemeClr val="tx1"/>
+                </a:solidFill>
+                <a:effectLst/>
+              </a:rPr>
+              <a:t>bez zmeny</a:t>
+            </a:r>
+            <a:r>
+              <a:rPr lang="sk-SK" sz="5400" i="1" dirty="0" smtClean="0">
+                <a:solidFill>
+                  <a:schemeClr val="tx1"/>
+                </a:solidFill>
+                <a:effectLst/>
+                <a:latin typeface="Segoe UI Light" panose="020B0502040204020203" pitchFamily="34" charset="0"/>
+                <a:cs typeface="Segoe UI Light" panose="020B0502040204020203" pitchFamily="34" charset="0"/>
+              </a:rPr>
+              <a:t>“</a:t>
+            </a:r>
+            <a:endParaRPr lang="sk-SK" sz="5400" i="1" dirty="0">
+              <a:effectLst/>
+              <a:latin typeface="Segoe UI Light" panose="020B0502040204020203" pitchFamily="34" charset="0"/>
+              <a:cs typeface="Segoe UI Light" panose="020B0502040204020203" pitchFamily="34" charset="0"/>
+            </a:endParaRPr>
+          </a:p>
+        </p:txBody>
+      </p:sp>
+    </p:spTree>
+    <p:extLst>
+      <p:ext uri="{BB962C8B-B14F-4D97-AF65-F5344CB8AC3E}">
+        <p14:creationId xmlns:p14="http://schemas.microsoft.com/office/powerpoint/2010/main" val="970821258"/>
+      </p:ext>
+    </p:extLst>
+  </p:cSld>
+  <p:clrMapOvr>
+    <a:masterClrMapping/>
+  </p:clrMapOvr>
+  <p:timing>
+    <p:tnLst>
+      <p:par>
+        <p:cTn id="1" dur="indefinite" restart="never" nodeType="tmRoot"/>
+      </p:par>
+    </p:tnLst>
+  </p:timing>
+</p:sld>
+</file>
+
+<file path=ppt/slides/slide31.xml><?xml version="1.0" encoding="utf-8"?>
+<p:sld xmlns:a="http://schemas.openxmlformats.org/drawingml/2006/main" xmlns:r="http://schemas.openxmlformats.org/officeDocument/2006/relationships" xmlns:p="http://schemas.openxmlformats.org/presentationml/2006/main">
+  <p:cSld>
+    <p:bg>
+      <p:bgPr>
+        <a:solidFill>
+          <a:srgbClr val="482958"/>
+        </a:solidFill>
+        <a:effectLst/>
+      </p:bgPr>
+    </p:bg>
+    <p:spTree>
+      <p:nvGrpSpPr>
+        <p:cNvPr id="1" name=""/>
+        <p:cNvGrpSpPr/>
+        <p:nvPr/>
+      </p:nvGrpSpPr>
+      <p:grpSpPr>
+        <a:xfrm>
+          <a:off x="0" y="0"/>
+          <a:ext cx="0" cy="0"/>
+          <a:chOff x="0" y="0"/>
+          <a:chExt cx="0" cy="0"/>
+        </a:xfrm>
+      </p:grpSpPr>
+      <p:sp>
+        <p:nvSpPr>
+          <p:cNvPr id="6" name="Obdĺžnik 5"/>
+          <p:cNvSpPr/>
+          <p:nvPr/>
+        </p:nvSpPr>
+        <p:spPr>
+          <a:xfrm>
+            <a:off x="259773" y="3377045"/>
+            <a:ext cx="11287458" cy="2670464"/>
+          </a:xfrm>
+          <a:prstGeom prst="rect">
+            <a:avLst/>
+          </a:prstGeom>
+          <a:solidFill>
+            <a:srgbClr val="7CA900"/>
+          </a:solidFill>
+          <a:ln>
+            <a:noFill/>
+          </a:ln>
+        </p:spPr>
+        <p:style>
+          <a:lnRef idx="2">
+            <a:schemeClr val="accent1">
+              <a:shade val="50000"/>
+            </a:schemeClr>
+          </a:lnRef>
+          <a:fillRef idx="1">
+            <a:schemeClr val="accent1"/>
+          </a:fillRef>
+          <a:effectRef idx="0">
+            <a:schemeClr val="accent1"/>
+          </a:effectRef>
+          <a:fontRef idx="minor">
+            <a:schemeClr val="lt1"/>
+          </a:fontRef>
+        </p:style>
+        <p:txBody>
+          <a:bodyPr rtlCol="0" anchor="t"/>
+          <a:lstStyle/>
+          <a:p>
+            <a:r>
+              <a:rPr lang="sk-SK" sz="4400" dirty="0" smtClean="0">
+                <a:latin typeface="Segoe UI Light" panose="020B0502040204020203" pitchFamily="34" charset="0"/>
+                <a:cs typeface="Segoe UI Light" panose="020B0502040204020203" pitchFamily="34" charset="0"/>
+              </a:rPr>
+              <a:t>DEMO: </a:t>
+            </a:r>
+            <a:r>
+              <a:rPr lang="sk-SK" sz="4400" dirty="0" smtClean="0">
+                <a:latin typeface="Segoe UI Light" panose="020B0502040204020203" pitchFamily="34" charset="0"/>
+                <a:cs typeface="Segoe UI Light" panose="020B0502040204020203" pitchFamily="34" charset="0"/>
+              </a:rPr>
+              <a:t>Čo </a:t>
+            </a:r>
+            <a:r>
+              <a:rPr lang="sk-SK" sz="4400" dirty="0">
+                <a:latin typeface="Segoe UI Light" panose="020B0502040204020203" pitchFamily="34" charset="0"/>
+                <a:cs typeface="Segoe UI Light" panose="020B0502040204020203" pitchFamily="34" charset="0"/>
+              </a:rPr>
+              <a:t>sa stane keď budeme ignorovať LSP</a:t>
+            </a:r>
+            <a:endParaRPr lang="sk-SK" sz="4400" dirty="0">
+              <a:latin typeface="Segoe UI Light" panose="020B0502040204020203" pitchFamily="34" charset="0"/>
+              <a:cs typeface="Segoe UI Light" panose="020B0502040204020203" pitchFamily="34" charset="0"/>
+            </a:endParaRPr>
+          </a:p>
+        </p:txBody>
+      </p:sp>
+    </p:spTree>
+    <p:extLst>
+      <p:ext uri="{BB962C8B-B14F-4D97-AF65-F5344CB8AC3E}">
+        <p14:creationId xmlns:p14="http://schemas.microsoft.com/office/powerpoint/2010/main" val="4003549076"/>
+      </p:ext>
+    </p:extLst>
+  </p:cSld>
+  <p:clrMapOvr>
+    <a:masterClrMapping/>
+  </p:clrMapOvr>
+  <p:timing>
+    <p:tnLst>
+      <p:par>
+        <p:cTn id="1" dur="indefinite" restart="never" nodeType="tmRoot"/>
+      </p:par>
+    </p:tnLst>
+  </p:timing>
+</p:sld>
+</file>
+
+<file path=ppt/slides/slide32.xml><?xml version="1.0" encoding="utf-8"?>
+<p:sld xmlns:a="http://schemas.openxmlformats.org/drawingml/2006/main" xmlns:r="http://schemas.openxmlformats.org/officeDocument/2006/relationships" xmlns:p="http://schemas.openxmlformats.org/presentationml/2006/main">
+  <p:cSld>
+    <p:bg>
+      <p:bgPr>
+        <a:solidFill>
+          <a:srgbClr val="482958"/>
+        </a:solidFill>
+        <a:effectLst/>
+      </p:bgPr>
+    </p:bg>
+    <p:spTree>
+      <p:nvGrpSpPr>
+        <p:cNvPr id="1" name=""/>
+        <p:cNvGrpSpPr/>
+        <p:nvPr/>
+      </p:nvGrpSpPr>
+      <p:grpSpPr>
+        <a:xfrm>
+          <a:off x="0" y="0"/>
+          <a:ext cx="0" cy="0"/>
+          <a:chOff x="0" y="0"/>
+          <a:chExt cx="0" cy="0"/>
+        </a:xfrm>
+      </p:grpSpPr>
+      <p:sp>
+        <p:nvSpPr>
+          <p:cNvPr id="2" name="Nadpis 1"/>
+          <p:cNvSpPr>
+            <a:spLocks noGrp="1"/>
+          </p:cNvSpPr>
+          <p:nvPr>
+            <p:ph type="ctrTitle"/>
+          </p:nvPr>
+        </p:nvSpPr>
+        <p:spPr>
+          <a:xfrm>
+            <a:off x="1" y="2541709"/>
+            <a:ext cx="12192000" cy="1926381"/>
+          </a:xfrm>
+        </p:spPr>
+        <p:txBody>
+          <a:bodyPr wrap="square" lIns="720000" rIns="1440000" anchor="ctr">
+            <a:noAutofit/>
+          </a:bodyPr>
+          <a:lstStyle/>
+          <a:p>
+            <a:pPr algn="l"/>
+            <a:r>
+              <a:rPr lang="sk-SK" sz="5400" i="1" dirty="0" smtClean="0">
+                <a:solidFill>
+                  <a:schemeClr val="tx1"/>
+                </a:solidFill>
+                <a:effectLst/>
+                <a:latin typeface="Segoe UI Light" panose="020B0502040204020203" pitchFamily="34" charset="0"/>
+                <a:cs typeface="Segoe UI Light" panose="020B0502040204020203" pitchFamily="34" charset="0"/>
+              </a:rPr>
+              <a:t>Aké sú výhody?</a:t>
+            </a:r>
+            <a:endParaRPr lang="sk-SK" sz="5400" i="1" dirty="0">
+              <a:effectLst/>
+              <a:latin typeface="Segoe UI Light" panose="020B0502040204020203" pitchFamily="34" charset="0"/>
+              <a:cs typeface="Segoe UI Light" panose="020B0502040204020203" pitchFamily="34" charset="0"/>
+            </a:endParaRPr>
+          </a:p>
+        </p:txBody>
+      </p:sp>
+    </p:spTree>
+    <p:extLst>
+      <p:ext uri="{BB962C8B-B14F-4D97-AF65-F5344CB8AC3E}">
+        <p14:creationId xmlns:p14="http://schemas.microsoft.com/office/powerpoint/2010/main" val="554137351"/>
+      </p:ext>
+    </p:extLst>
+  </p:cSld>
+  <p:clrMapOvr>
+    <a:masterClrMapping/>
+  </p:clrMapOvr>
+  <p:timing>
+    <p:tnLst>
+      <p:par>
+        <p:cTn id="1" dur="indefinite" restart="never" nodeType="tmRoot"/>
+      </p:par>
+    </p:tnLst>
+  </p:timing>
+</p:sld>
+</file>
+
+<file path=ppt/slides/slide33.xml><?xml version="1.0" encoding="utf-8"?>
+<p:sld xmlns:a="http://schemas.openxmlformats.org/drawingml/2006/main" xmlns:r="http://schemas.openxmlformats.org/officeDocument/2006/relationships" xmlns:p="http://schemas.openxmlformats.org/presentationml/2006/main">
+  <p:cSld>
+    <p:bg>
+      <p:bgPr>
+        <a:solidFill>
+          <a:srgbClr val="6C2D7C"/>
+        </a:solidFill>
+        <a:effectLst/>
+      </p:bgPr>
+    </p:bg>
+    <p:spTree>
+      <p:nvGrpSpPr>
+        <p:cNvPr id="1" name=""/>
+        <p:cNvGrpSpPr/>
+        <p:nvPr/>
+      </p:nvGrpSpPr>
+      <p:grpSpPr>
+        <a:xfrm>
+          <a:off x="0" y="0"/>
+          <a:ext cx="0" cy="0"/>
+          <a:chOff x="0" y="0"/>
+          <a:chExt cx="0" cy="0"/>
+        </a:xfrm>
+      </p:grpSpPr>
+      <p:sp>
+        <p:nvSpPr>
+          <p:cNvPr id="2" name="Nadpis 1"/>
+          <p:cNvSpPr>
+            <a:spLocks noGrp="1"/>
+          </p:cNvSpPr>
+          <p:nvPr>
+            <p:ph type="ctrTitle"/>
+          </p:nvPr>
+        </p:nvSpPr>
+        <p:spPr>
+          <a:xfrm>
+            <a:off x="0" y="3512128"/>
+            <a:ext cx="12192000" cy="3345874"/>
+          </a:xfrm>
+        </p:spPr>
+        <p:txBody>
+          <a:bodyPr wrap="square" lIns="360000" rIns="2160000" anchor="t">
+            <a:noAutofit/>
+          </a:bodyPr>
+          <a:lstStyle/>
+          <a:p>
+            <a:pPr algn="l"/>
+            <a:r>
+              <a:rPr lang="sk-SK" sz="7200" dirty="0" smtClean="0">
+                <a:effectLst/>
+                <a:latin typeface="Segoe UI Light" panose="020B0502040204020203" pitchFamily="34" charset="0"/>
+                <a:cs typeface="Segoe UI Light" panose="020B0502040204020203" pitchFamily="34" charset="0"/>
+              </a:rPr>
+              <a:t>Interface </a:t>
+            </a:r>
+            <a:r>
+              <a:rPr lang="sk-SK" sz="7200" dirty="0" err="1" smtClean="0">
+                <a:effectLst/>
+                <a:latin typeface="Segoe UI Light" panose="020B0502040204020203" pitchFamily="34" charset="0"/>
+                <a:cs typeface="Segoe UI Light" panose="020B0502040204020203" pitchFamily="34" charset="0"/>
+              </a:rPr>
+              <a:t>Segregation</a:t>
+            </a:r>
+            <a:r>
+              <a:rPr lang="sk-SK" sz="7200" dirty="0">
+                <a:effectLst/>
+                <a:latin typeface="Segoe UI Light" panose="020B0502040204020203" pitchFamily="34" charset="0"/>
+                <a:cs typeface="Segoe UI Light" panose="020B0502040204020203" pitchFamily="34" charset="0"/>
+              </a:rPr>
+              <a:t/>
+            </a:r>
+            <a:br>
+              <a:rPr lang="sk-SK" sz="7200" dirty="0">
+                <a:effectLst/>
+                <a:latin typeface="Segoe UI Light" panose="020B0502040204020203" pitchFamily="34" charset="0"/>
+                <a:cs typeface="Segoe UI Light" panose="020B0502040204020203" pitchFamily="34" charset="0"/>
+              </a:rPr>
+            </a:br>
+            <a:r>
+              <a:rPr lang="sk-SK" sz="7200" dirty="0" err="1">
+                <a:effectLst/>
+                <a:latin typeface="Segoe UI Light" panose="020B0502040204020203" pitchFamily="34" charset="0"/>
+                <a:cs typeface="Segoe UI Light" panose="020B0502040204020203" pitchFamily="34" charset="0"/>
+              </a:rPr>
+              <a:t>Principle</a:t>
+            </a:r>
+            <a:r>
+              <a:rPr lang="sk-SK" sz="7200" dirty="0">
+                <a:effectLst/>
+                <a:latin typeface="Segoe UI Light" panose="020B0502040204020203" pitchFamily="34" charset="0"/>
+                <a:cs typeface="Segoe UI Light" panose="020B0502040204020203" pitchFamily="34" charset="0"/>
+              </a:rPr>
+              <a:t/>
+            </a:r>
+            <a:br>
+              <a:rPr lang="sk-SK" sz="7200" dirty="0">
+                <a:effectLst/>
+                <a:latin typeface="Segoe UI Light" panose="020B0502040204020203" pitchFamily="34" charset="0"/>
+                <a:cs typeface="Segoe UI Light" panose="020B0502040204020203" pitchFamily="34" charset="0"/>
+              </a:rPr>
+            </a:br>
+            <a:endParaRPr lang="sk-SK" sz="7200" dirty="0">
+              <a:effectLst/>
+              <a:latin typeface="Segoe UI Light" panose="020B0502040204020203" pitchFamily="34" charset="0"/>
+              <a:cs typeface="Segoe UI Light" panose="020B0502040204020203" pitchFamily="34" charset="0"/>
+            </a:endParaRPr>
+          </a:p>
+        </p:txBody>
+      </p:sp>
+    </p:spTree>
+    <p:extLst>
+      <p:ext uri="{BB962C8B-B14F-4D97-AF65-F5344CB8AC3E}">
+        <p14:creationId xmlns:p14="http://schemas.microsoft.com/office/powerpoint/2010/main" val="3495427163"/>
+      </p:ext>
+    </p:extLst>
+  </p:cSld>
+  <p:clrMapOvr>
+    <a:masterClrMapping/>
+  </p:clrMapOvr>
+  <p:timing>
+    <p:tnLst>
+      <p:par>
+        <p:cTn id="1" dur="indefinite" restart="never" nodeType="tmRoot"/>
+      </p:par>
+    </p:tnLst>
+  </p:timing>
+</p:sld>
+</file>
+
+<file path=ppt/slides/slide34.xml><?xml version="1.0" encoding="utf-8"?>
+<p:sld xmlns:a="http://schemas.openxmlformats.org/drawingml/2006/main" xmlns:r="http://schemas.openxmlformats.org/officeDocument/2006/relationships" xmlns:p="http://schemas.openxmlformats.org/presentationml/2006/main">
+  <p:cSld>
+    <p:bg>
+      <p:bgPr>
+        <a:solidFill>
+          <a:srgbClr val="482958"/>
+        </a:solidFill>
+        <a:effectLst/>
+      </p:bgPr>
+    </p:bg>
+    <p:spTree>
+      <p:nvGrpSpPr>
+        <p:cNvPr id="1" name=""/>
+        <p:cNvGrpSpPr/>
+        <p:nvPr/>
+      </p:nvGrpSpPr>
+      <p:grpSpPr>
+        <a:xfrm>
+          <a:off x="0" y="0"/>
+          <a:ext cx="0" cy="0"/>
+          <a:chOff x="0" y="0"/>
+          <a:chExt cx="0" cy="0"/>
+        </a:xfrm>
+      </p:grpSpPr>
+      <p:sp>
+        <p:nvSpPr>
+          <p:cNvPr id="2" name="Nadpis 1"/>
+          <p:cNvSpPr>
+            <a:spLocks noGrp="1"/>
+          </p:cNvSpPr>
+          <p:nvPr>
+            <p:ph type="ctrTitle"/>
+          </p:nvPr>
+        </p:nvSpPr>
+        <p:spPr>
+          <a:xfrm>
+            <a:off x="1" y="2541709"/>
+            <a:ext cx="12192000" cy="1926381"/>
+          </a:xfrm>
+        </p:spPr>
+        <p:txBody>
+          <a:bodyPr wrap="square" lIns="1440000" rIns="1440000" anchor="ctr">
+            <a:noAutofit/>
+          </a:bodyPr>
+          <a:lstStyle/>
+          <a:p>
+            <a:pPr algn="ctr"/>
+            <a:r>
+              <a:rPr lang="sk-SK" sz="5400" i="1" dirty="0">
+                <a:solidFill>
+                  <a:schemeClr val="tx1"/>
+                </a:solidFill>
+                <a:effectLst/>
+                <a:latin typeface="Segoe UI Light" panose="020B0502040204020203" pitchFamily="34" charset="0"/>
+                <a:cs typeface="Segoe UI Light" panose="020B0502040204020203" pitchFamily="34" charset="0"/>
+              </a:rPr>
+              <a:t>„Nenúťme klienta </a:t>
+            </a:r>
+            <a:r>
+              <a:rPr lang="sk-SK" sz="5400" i="1" dirty="0" smtClean="0">
+                <a:solidFill>
+                  <a:schemeClr val="tx1"/>
+                </a:solidFill>
+                <a:effectLst/>
+                <a:latin typeface="Segoe UI Light" panose="020B0502040204020203" pitchFamily="34" charset="0"/>
+                <a:cs typeface="Segoe UI Light" panose="020B0502040204020203" pitchFamily="34" charset="0"/>
+              </a:rPr>
+              <a:t>závisieť od rozhraní, </a:t>
+            </a:r>
+            <a:r>
+              <a:rPr lang="sk-SK" sz="5400" i="1" dirty="0">
+                <a:solidFill>
+                  <a:schemeClr val="tx1"/>
+                </a:solidFill>
+                <a:effectLst/>
+                <a:latin typeface="Segoe UI Light" panose="020B0502040204020203" pitchFamily="34" charset="0"/>
+                <a:cs typeface="Segoe UI Light" panose="020B0502040204020203" pitchFamily="34" charset="0"/>
+              </a:rPr>
+              <a:t>ktoré nepotrebuje</a:t>
+            </a:r>
+            <a:r>
+              <a:rPr lang="sk-SK" sz="5400" i="1" dirty="0" smtClean="0">
+                <a:solidFill>
+                  <a:schemeClr val="tx1"/>
+                </a:solidFill>
+                <a:effectLst/>
+                <a:latin typeface="Segoe UI Light" panose="020B0502040204020203" pitchFamily="34" charset="0"/>
+                <a:cs typeface="Segoe UI Light" panose="020B0502040204020203" pitchFamily="34" charset="0"/>
+              </a:rPr>
+              <a:t>.“</a:t>
+            </a:r>
+            <a:endParaRPr lang="sk-SK" sz="5400" i="1" dirty="0">
+              <a:effectLst/>
+              <a:latin typeface="Segoe UI Light" panose="020B0502040204020203" pitchFamily="34" charset="0"/>
+              <a:cs typeface="Segoe UI Light" panose="020B0502040204020203" pitchFamily="34" charset="0"/>
+            </a:endParaRPr>
+          </a:p>
+        </p:txBody>
+      </p:sp>
+    </p:spTree>
+    <p:extLst>
+      <p:ext uri="{BB962C8B-B14F-4D97-AF65-F5344CB8AC3E}">
+        <p14:creationId xmlns:p14="http://schemas.microsoft.com/office/powerpoint/2010/main" val="2135757031"/>
+      </p:ext>
+    </p:extLst>
+  </p:cSld>
+  <p:clrMapOvr>
+    <a:masterClrMapping/>
+  </p:clrMapOvr>
+  <p:timing>
+    <p:tnLst>
+      <p:par>
+        <p:cTn id="1" dur="indefinite" restart="never" nodeType="tmRoot"/>
+      </p:par>
+    </p:tnLst>
+  </p:timing>
+</p:sld>
+</file>
+
+<file path=ppt/slides/slide35.xml><?xml version="1.0" encoding="utf-8"?>
+<p:sld xmlns:a="http://schemas.openxmlformats.org/drawingml/2006/main" xmlns:r="http://schemas.openxmlformats.org/officeDocument/2006/relationships" xmlns:p="http://schemas.openxmlformats.org/presentationml/2006/main">
+  <p:cSld>
+    <p:bg>
+      <p:bgPr>
+        <a:solidFill>
+          <a:srgbClr val="EB4800"/>
+        </a:solidFill>
+        <a:effectLst/>
+      </p:bgPr>
+    </p:bg>
+    <p:spTree>
+      <p:nvGrpSpPr>
+        <p:cNvPr id="1" name=""/>
+        <p:cNvGrpSpPr/>
+        <p:nvPr/>
+      </p:nvGrpSpPr>
+      <p:grpSpPr>
+        <a:xfrm>
+          <a:off x="0" y="0"/>
+          <a:ext cx="0" cy="0"/>
+          <a:chOff x="0" y="0"/>
+          <a:chExt cx="0" cy="0"/>
+        </a:xfrm>
+      </p:grpSpPr>
+      <p:sp>
+        <p:nvSpPr>
+          <p:cNvPr id="2" name="Nadpis 1"/>
+          <p:cNvSpPr>
+            <a:spLocks noGrp="1"/>
+          </p:cNvSpPr>
+          <p:nvPr>
+            <p:ph type="ctrTitle"/>
+          </p:nvPr>
+        </p:nvSpPr>
+        <p:spPr>
+          <a:xfrm>
+            <a:off x="1" y="2541709"/>
+            <a:ext cx="12192000" cy="1926381"/>
+          </a:xfrm>
+        </p:spPr>
+        <p:txBody>
+          <a:bodyPr wrap="square" lIns="1980000" rIns="2016000" anchor="ctr">
+            <a:noAutofit/>
+          </a:bodyPr>
+          <a:lstStyle/>
+          <a:p>
+            <a:pPr algn="ctr"/>
+            <a:r>
+              <a:rPr lang="sk-SK" sz="5400" i="1" dirty="0">
+                <a:solidFill>
+                  <a:schemeClr val="tx1"/>
+                </a:solidFill>
+                <a:effectLst/>
+                <a:latin typeface="Segoe UI Light" panose="020B0502040204020203" pitchFamily="34" charset="0"/>
+                <a:cs typeface="Segoe UI Light" panose="020B0502040204020203" pitchFamily="34" charset="0"/>
+              </a:rPr>
+              <a:t>„No a čo keď toho má k dispozícií viac ako </a:t>
+            </a:r>
+            <a:r>
+              <a:rPr lang="sk-SK" sz="5400" i="1" dirty="0" smtClean="0">
+                <a:solidFill>
+                  <a:schemeClr val="tx1"/>
+                </a:solidFill>
+                <a:effectLst/>
+                <a:latin typeface="Segoe UI Light" panose="020B0502040204020203" pitchFamily="34" charset="0"/>
+                <a:cs typeface="Segoe UI Light" panose="020B0502040204020203" pitchFamily="34" charset="0"/>
+              </a:rPr>
+              <a:t>potrebuje</a:t>
+            </a:r>
+            <a:r>
+              <a:rPr lang="sk-SK" sz="5400" i="1" dirty="0">
+                <a:solidFill>
+                  <a:schemeClr val="tx1"/>
+                </a:solidFill>
+                <a:effectLst/>
+                <a:latin typeface="Segoe UI Light" panose="020B0502040204020203" pitchFamily="34" charset="0"/>
+                <a:cs typeface="Segoe UI Light" panose="020B0502040204020203" pitchFamily="34" charset="0"/>
+              </a:rPr>
+              <a:t>? </a:t>
+            </a:r>
+            <a:r>
+              <a:rPr lang="sk-SK" sz="5400" i="1" dirty="0" smtClean="0">
+                <a:solidFill>
+                  <a:schemeClr val="tx1"/>
+                </a:solidFill>
+                <a:effectLst/>
+                <a:latin typeface="Segoe UI Light" panose="020B0502040204020203" pitchFamily="34" charset="0"/>
+                <a:cs typeface="Segoe UI Light" panose="020B0502040204020203" pitchFamily="34" charset="0"/>
+              </a:rPr>
+              <a:t>Veď </a:t>
+            </a:r>
+            <a:r>
+              <a:rPr lang="sk-SK" sz="5400" i="1" dirty="0">
+                <a:solidFill>
+                  <a:schemeClr val="tx1"/>
+                </a:solidFill>
+                <a:effectLst/>
+                <a:latin typeface="Segoe UI Light" panose="020B0502040204020203" pitchFamily="34" charset="0"/>
+                <a:cs typeface="Segoe UI Light" panose="020B0502040204020203" pitchFamily="34" charset="0"/>
+              </a:rPr>
+              <a:t>nech to </a:t>
+            </a:r>
+            <a:r>
+              <a:rPr lang="sk-SK" sz="5400" i="1" dirty="0" smtClean="0">
+                <a:solidFill>
+                  <a:schemeClr val="tx1"/>
+                </a:solidFill>
+                <a:effectLst/>
+                <a:latin typeface="Segoe UI Light" panose="020B0502040204020203" pitchFamily="34" charset="0"/>
+                <a:cs typeface="Segoe UI Light" panose="020B0502040204020203" pitchFamily="34" charset="0"/>
+              </a:rPr>
+              <a:t>ignoruje ...“</a:t>
+            </a:r>
+            <a:endParaRPr lang="sk-SK" sz="5400" i="1" dirty="0">
+              <a:effectLst/>
+              <a:latin typeface="Segoe UI Light" panose="020B0502040204020203" pitchFamily="34" charset="0"/>
+              <a:cs typeface="Segoe UI Light" panose="020B0502040204020203" pitchFamily="34" charset="0"/>
+            </a:endParaRPr>
+          </a:p>
+        </p:txBody>
+      </p:sp>
+      <p:sp>
+        <p:nvSpPr>
+          <p:cNvPr id="5" name="BlokTextu 4"/>
+          <p:cNvSpPr txBox="1"/>
+          <p:nvPr/>
+        </p:nvSpPr>
+        <p:spPr>
+          <a:xfrm>
+            <a:off x="8281554" y="4447307"/>
+            <a:ext cx="2853666" cy="461665"/>
+          </a:xfrm>
+          <a:prstGeom prst="rect">
+            <a:avLst/>
+          </a:prstGeom>
+          <a:noFill/>
+        </p:spPr>
+        <p:txBody>
+          <a:bodyPr wrap="none" rtlCol="0">
+            <a:spAutoFit/>
+          </a:bodyPr>
+          <a:lstStyle/>
+          <a:p>
+            <a:r>
+              <a:rPr lang="sk-SK" sz="2400" dirty="0" smtClean="0">
+                <a:latin typeface="Segoe UI Light" panose="020B0502040204020203" pitchFamily="34" charset="0"/>
+                <a:cs typeface="Segoe UI Light" panose="020B0502040204020203" pitchFamily="34" charset="0"/>
+              </a:rPr>
+              <a:t>„Brilantný“ </a:t>
+            </a:r>
+            <a:r>
+              <a:rPr lang="sk-SK" sz="2400" dirty="0" err="1" smtClean="0">
+                <a:latin typeface="Segoe UI Light" panose="020B0502040204020203" pitchFamily="34" charset="0"/>
+                <a:cs typeface="Segoe UI Light" panose="020B0502040204020203" pitchFamily="34" charset="0"/>
+              </a:rPr>
+              <a:t>kóder</a:t>
+            </a:r>
+            <a:r>
+              <a:rPr lang="sk-SK" sz="2400" dirty="0" smtClean="0">
+                <a:latin typeface="Segoe UI Light" panose="020B0502040204020203" pitchFamily="34" charset="0"/>
+                <a:cs typeface="Segoe UI Light" panose="020B0502040204020203" pitchFamily="34" charset="0"/>
+              </a:rPr>
+              <a:t> č. </a:t>
+            </a:r>
+            <a:r>
+              <a:rPr lang="sk-SK" sz="2400" dirty="0" smtClean="0">
+                <a:latin typeface="Segoe UI Light" panose="020B0502040204020203" pitchFamily="34" charset="0"/>
+                <a:cs typeface="Segoe UI Light" panose="020B0502040204020203" pitchFamily="34" charset="0"/>
+              </a:rPr>
+              <a:t>3</a:t>
+            </a:r>
+            <a:endParaRPr lang="sk-SK" sz="2400" dirty="0">
+              <a:latin typeface="Segoe UI Light" panose="020B0502040204020203" pitchFamily="34" charset="0"/>
+              <a:cs typeface="Segoe UI Light" panose="020B0502040204020203" pitchFamily="34" charset="0"/>
+            </a:endParaRPr>
+          </a:p>
+        </p:txBody>
+      </p:sp>
+    </p:spTree>
+    <p:extLst>
+      <p:ext uri="{BB962C8B-B14F-4D97-AF65-F5344CB8AC3E}">
+        <p14:creationId xmlns:p14="http://schemas.microsoft.com/office/powerpoint/2010/main" val="3963248989"/>
+      </p:ext>
+    </p:extLst>
+  </p:cSld>
+  <p:clrMapOvr>
+    <a:masterClrMapping/>
+  </p:clrMapOvr>
+  <p:timing>
+    <p:tnLst>
+      <p:par>
+        <p:cTn id="1" dur="indefinite" restart="never" nodeType="tmRoot"/>
+      </p:par>
+    </p:tnLst>
+  </p:timing>
+</p:sld>
+</file>
+
+<file path=ppt/slides/slide36.xml><?xml version="1.0" encoding="utf-8"?>
+<p:sld xmlns:a="http://schemas.openxmlformats.org/drawingml/2006/main" xmlns:r="http://schemas.openxmlformats.org/officeDocument/2006/relationships" xmlns:p="http://schemas.openxmlformats.org/presentationml/2006/main">
+  <p:cSld>
+    <p:bg>
+      <p:bgPr>
+        <a:solidFill>
+          <a:srgbClr val="482958"/>
+        </a:solidFill>
+        <a:effectLst/>
+      </p:bgPr>
+    </p:bg>
+    <p:spTree>
+      <p:nvGrpSpPr>
+        <p:cNvPr id="1" name=""/>
+        <p:cNvGrpSpPr/>
+        <p:nvPr/>
+      </p:nvGrpSpPr>
+      <p:grpSpPr>
+        <a:xfrm>
+          <a:off x="0" y="0"/>
+          <a:ext cx="0" cy="0"/>
+          <a:chOff x="0" y="0"/>
+          <a:chExt cx="0" cy="0"/>
+        </a:xfrm>
+      </p:grpSpPr>
+      <p:sp>
+        <p:nvSpPr>
+          <p:cNvPr id="2" name="Nadpis 1"/>
+          <p:cNvSpPr>
+            <a:spLocks noGrp="1"/>
+          </p:cNvSpPr>
+          <p:nvPr>
+            <p:ph type="ctrTitle"/>
+          </p:nvPr>
+        </p:nvSpPr>
+        <p:spPr>
+          <a:xfrm>
+            <a:off x="1" y="2541709"/>
+            <a:ext cx="12192000" cy="1926381"/>
+          </a:xfrm>
+        </p:spPr>
+        <p:txBody>
+          <a:bodyPr wrap="square" lIns="720000" rIns="720000" anchor="ctr">
+            <a:noAutofit/>
+          </a:bodyPr>
+          <a:lstStyle/>
+          <a:p>
+            <a:pPr algn="ctr"/>
+            <a:r>
+              <a:rPr lang="sk-SK" sz="5400" i="1" dirty="0">
+                <a:solidFill>
+                  <a:schemeClr val="tx1"/>
+                </a:solidFill>
+                <a:effectLst/>
+                <a:latin typeface="Segoe UI Light" panose="020B0502040204020203" pitchFamily="34" charset="0"/>
+                <a:cs typeface="Segoe UI Light" panose="020B0502040204020203" pitchFamily="34" charset="0"/>
+              </a:rPr>
+              <a:t>„Rozdelenie </a:t>
+            </a:r>
+            <a:r>
+              <a:rPr lang="sk-SK" sz="5400" i="1" dirty="0" smtClean="0">
+                <a:solidFill>
+                  <a:schemeClr val="tx1"/>
+                </a:solidFill>
+                <a:effectLst/>
+                <a:latin typeface="Segoe UI Light" panose="020B0502040204020203" pitchFamily="34" charset="0"/>
+                <a:cs typeface="Segoe UI Light" panose="020B0502040204020203" pitchFamily="34" charset="0"/>
+              </a:rPr>
+              <a:t>rozhraní </a:t>
+            </a:r>
+            <a:r>
+              <a:rPr lang="sk-SK" sz="5400" i="1" dirty="0">
+                <a:solidFill>
+                  <a:schemeClr val="tx1"/>
+                </a:solidFill>
+                <a:effectLst/>
+                <a:latin typeface="Segoe UI Light" panose="020B0502040204020203" pitchFamily="34" charset="0"/>
+                <a:cs typeface="Segoe UI Light" panose="020B0502040204020203" pitchFamily="34" charset="0"/>
+              </a:rPr>
+              <a:t>na menšie časti umožní ich jednoduchšiu implementáciu a ponúka nám kontrolu nad tým, kto čo vidí</a:t>
+            </a:r>
+            <a:r>
+              <a:rPr lang="sk-SK" sz="5400" i="1" dirty="0" smtClean="0">
+                <a:solidFill>
+                  <a:schemeClr val="tx1"/>
+                </a:solidFill>
+                <a:effectLst/>
+                <a:latin typeface="Segoe UI Light" panose="020B0502040204020203" pitchFamily="34" charset="0"/>
+                <a:cs typeface="Segoe UI Light" panose="020B0502040204020203" pitchFamily="34" charset="0"/>
+              </a:rPr>
+              <a:t>.“</a:t>
+            </a:r>
+            <a:endParaRPr lang="sk-SK" sz="5400" i="1" dirty="0">
+              <a:effectLst/>
+              <a:latin typeface="Segoe UI Light" panose="020B0502040204020203" pitchFamily="34" charset="0"/>
+              <a:cs typeface="Segoe UI Light" panose="020B0502040204020203" pitchFamily="34" charset="0"/>
+            </a:endParaRPr>
+          </a:p>
+        </p:txBody>
+      </p:sp>
+    </p:spTree>
+    <p:extLst>
+      <p:ext uri="{BB962C8B-B14F-4D97-AF65-F5344CB8AC3E}">
+        <p14:creationId xmlns:p14="http://schemas.microsoft.com/office/powerpoint/2010/main" val="2191309413"/>
+      </p:ext>
+    </p:extLst>
+  </p:cSld>
+  <p:clrMapOvr>
+    <a:masterClrMapping/>
+  </p:clrMapOvr>
+  <p:timing>
+    <p:tnLst>
+      <p:par>
+        <p:cTn id="1" dur="indefinite" restart="never" nodeType="tmRoot"/>
+      </p:par>
+    </p:tnLst>
+  </p:timing>
+</p:sld>
+</file>
+
+<file path=ppt/slides/slide37.xml><?xml version="1.0" encoding="utf-8"?>
+<p:sld xmlns:a="http://schemas.openxmlformats.org/drawingml/2006/main" xmlns:r="http://schemas.openxmlformats.org/officeDocument/2006/relationships" xmlns:p="http://schemas.openxmlformats.org/presentationml/2006/main">
+  <p:cSld>
+    <p:bg>
+      <p:bgPr>
+        <a:solidFill>
+          <a:srgbClr val="482958"/>
+        </a:solidFill>
+        <a:effectLst/>
+      </p:bgPr>
+    </p:bg>
+    <p:spTree>
+      <p:nvGrpSpPr>
+        <p:cNvPr id="1" name=""/>
+        <p:cNvGrpSpPr/>
+        <p:nvPr/>
+      </p:nvGrpSpPr>
+      <p:grpSpPr>
+        <a:xfrm>
+          <a:off x="0" y="0"/>
+          <a:ext cx="0" cy="0"/>
+          <a:chOff x="0" y="0"/>
+          <a:chExt cx="0" cy="0"/>
+        </a:xfrm>
+      </p:grpSpPr>
+      <p:sp>
+        <p:nvSpPr>
+          <p:cNvPr id="6" name="Obdĺžnik 5"/>
+          <p:cNvSpPr/>
+          <p:nvPr/>
+        </p:nvSpPr>
+        <p:spPr>
+          <a:xfrm>
+            <a:off x="259773" y="3377045"/>
+            <a:ext cx="10723419" cy="2670464"/>
+          </a:xfrm>
+          <a:prstGeom prst="rect">
+            <a:avLst/>
+          </a:prstGeom>
+          <a:solidFill>
+            <a:srgbClr val="7CA900"/>
+          </a:solidFill>
+          <a:ln>
+            <a:noFill/>
+          </a:ln>
+        </p:spPr>
+        <p:style>
+          <a:lnRef idx="2">
+            <a:schemeClr val="accent1">
+              <a:shade val="50000"/>
+            </a:schemeClr>
+          </a:lnRef>
+          <a:fillRef idx="1">
+            <a:schemeClr val="accent1"/>
+          </a:fillRef>
+          <a:effectRef idx="0">
+            <a:schemeClr val="accent1"/>
+          </a:effectRef>
+          <a:fontRef idx="minor">
+            <a:schemeClr val="lt1"/>
+          </a:fontRef>
+        </p:style>
+        <p:txBody>
+          <a:bodyPr rtlCol="0" anchor="t"/>
+          <a:lstStyle/>
+          <a:p>
+            <a:r>
+              <a:rPr lang="sk-SK" sz="4400" dirty="0" smtClean="0">
+                <a:latin typeface="Segoe UI Light" panose="020B0502040204020203" pitchFamily="34" charset="0"/>
+                <a:cs typeface="Segoe UI Light" panose="020B0502040204020203" pitchFamily="34" charset="0"/>
+              </a:rPr>
+              <a:t>DEMO: Úprava podľa </a:t>
+            </a:r>
+            <a:r>
+              <a:rPr lang="sk-SK" sz="4400" dirty="0" smtClean="0">
+                <a:latin typeface="Segoe UI Light" panose="020B0502040204020203" pitchFamily="34" charset="0"/>
+                <a:cs typeface="Segoe UI Light" panose="020B0502040204020203" pitchFamily="34" charset="0"/>
+              </a:rPr>
+              <a:t>ISP</a:t>
+            </a:r>
+            <a:endParaRPr lang="sk-SK" sz="4400" dirty="0">
+              <a:latin typeface="Segoe UI Light" panose="020B0502040204020203" pitchFamily="34" charset="0"/>
+              <a:cs typeface="Segoe UI Light" panose="020B0502040204020203" pitchFamily="34" charset="0"/>
+            </a:endParaRPr>
+          </a:p>
+        </p:txBody>
+      </p:sp>
+    </p:spTree>
+    <p:extLst>
+      <p:ext uri="{BB962C8B-B14F-4D97-AF65-F5344CB8AC3E}">
+        <p14:creationId xmlns:p14="http://schemas.microsoft.com/office/powerpoint/2010/main" val="205578783"/>
+      </p:ext>
+    </p:extLst>
+  </p:cSld>
+  <p:clrMapOvr>
+    <a:masterClrMapping/>
+  </p:clrMapOvr>
+  <p:timing>
+    <p:tnLst>
+      <p:par>
+        <p:cTn id="1" dur="indefinite" restart="never" nodeType="tmRoot"/>
+      </p:par>
+    </p:tnLst>
+  </p:timing>
+</p:sld>
+</file>
+
+<file path=ppt/slides/slide38.xml><?xml version="1.0" encoding="utf-8"?>
+<p:sld xmlns:a="http://schemas.openxmlformats.org/drawingml/2006/main" xmlns:r="http://schemas.openxmlformats.org/officeDocument/2006/relationships" xmlns:p="http://schemas.openxmlformats.org/presentationml/2006/main">
+  <p:cSld>
+    <p:bg>
+      <p:bgPr>
+        <a:solidFill>
+          <a:srgbClr val="482958"/>
+        </a:solidFill>
+        <a:effectLst/>
+      </p:bgPr>
+    </p:bg>
+    <p:spTree>
+      <p:nvGrpSpPr>
+        <p:cNvPr id="1" name=""/>
+        <p:cNvGrpSpPr/>
+        <p:nvPr/>
+      </p:nvGrpSpPr>
+      <p:grpSpPr>
+        <a:xfrm>
+          <a:off x="0" y="0"/>
+          <a:ext cx="0" cy="0"/>
+          <a:chOff x="0" y="0"/>
+          <a:chExt cx="0" cy="0"/>
+        </a:xfrm>
+      </p:grpSpPr>
+      <p:sp>
+        <p:nvSpPr>
+          <p:cNvPr id="2" name="Nadpis 1"/>
+          <p:cNvSpPr>
+            <a:spLocks noGrp="1"/>
+          </p:cNvSpPr>
+          <p:nvPr>
+            <p:ph type="ctrTitle"/>
+          </p:nvPr>
+        </p:nvSpPr>
+        <p:spPr>
+          <a:xfrm>
+            <a:off x="1" y="2541709"/>
+            <a:ext cx="12192000" cy="1926381"/>
+          </a:xfrm>
+        </p:spPr>
+        <p:txBody>
           <a:bodyPr wrap="square" lIns="2160000" rIns="2160000" anchor="ctr">
             <a:noAutofit/>
           </a:bodyPr>
@@ -13797,29 +21311,7 @@
                 <a:latin typeface="Segoe UI Light" panose="020B0502040204020203" pitchFamily="34" charset="0"/>
                 <a:cs typeface="Segoe UI Light" panose="020B0502040204020203" pitchFamily="34" charset="0"/>
               </a:rPr>
-              <a:t>... </a:t>
-            </a:r>
-            <a:r>
-              <a:rPr lang="sk-SK" sz="5400" i="1" dirty="0" smtClean="0">
-                <a:solidFill>
-                  <a:schemeClr val="tx1"/>
-                </a:solidFill>
-                <a:effectLst/>
-                <a:latin typeface="Segoe UI Light" panose="020B0502040204020203" pitchFamily="34" charset="0"/>
-                <a:cs typeface="Segoe UI Light" panose="020B0502040204020203" pitchFamily="34" charset="0"/>
-              </a:rPr>
-              <a:t>si myslí, že takto je to už naozaj dobré</a:t>
-            </a:r>
-            <a:r>
-              <a:rPr lang="sk-SK" sz="5400" i="1" dirty="0" smtClean="0">
-                <a:solidFill>
-                  <a:schemeClr val="tx1"/>
-                </a:solidFill>
-                <a:effectLst/>
-                <a:latin typeface="Segoe UI Light" panose="020B0502040204020203" pitchFamily="34" charset="0"/>
-                <a:cs typeface="Segoe UI Light" panose="020B0502040204020203" pitchFamily="34" charset="0"/>
-              </a:rPr>
-              <a:t>?</a:t>
+              <a:t>... si myslí, že takto je to už naozaj dobré?</a:t>
             </a:r>
             <a:endParaRPr lang="sk-SK" sz="5400" i="1" dirty="0">
               <a:effectLst/>
@@ -13966,7 +21458,7 @@
 </p:sld>
 </file>
 
-<file path=ppt/slides/slide27.xml><?xml version="1.0" encoding="utf-8"?>
+<file path=ppt/slides/slide39.xml><?xml version="1.0" encoding="utf-8"?>
 <p:sld xmlns:a="http://schemas.openxmlformats.org/drawingml/2006/main" xmlns:r="http://schemas.openxmlformats.org/officeDocument/2006/relationships" xmlns:p="http://schemas.openxmlformats.org/presentationml/2006/main">
   <p:cSld>
     <p:bg>
@@ -14218,210 +21710,6 @@
         <p:cTn id="1" dur="indefinite" restart="never" nodeType="tmRoot"/>
       </p:par>
     </p:tnLst>
-  </p:timing>
-</p:sld>
-</file>
-
-<file path=ppt/slides/slide3.xml><?xml version="1.0" encoding="utf-8"?>
-<p:sld xmlns:a="http://schemas.openxmlformats.org/drawingml/2006/main" xmlns:r="http://schemas.openxmlformats.org/officeDocument/2006/relationships" xmlns:p="http://schemas.openxmlformats.org/presentationml/2006/main">
-  <p:cSld>
-    <p:bg>
-      <p:bgPr>
-        <a:solidFill>
-          <a:srgbClr val="482958"/>
-        </a:solidFill>
-        <a:effectLst/>
-      </p:bgPr>
-    </p:bg>
-    <p:spTree>
-      <p:nvGrpSpPr>
-        <p:cNvPr id="1" name=""/>
-        <p:cNvGrpSpPr/>
-        <p:nvPr/>
-      </p:nvGrpSpPr>
-      <p:grpSpPr>
-        <a:xfrm>
-          <a:off x="0" y="0"/>
-          <a:ext cx="0" cy="0"/>
-          <a:chOff x="0" y="0"/>
-          <a:chExt cx="0" cy="0"/>
-        </a:xfrm>
-      </p:grpSpPr>
-      <p:sp>
-        <p:nvSpPr>
-          <p:cNvPr id="2" name="Nadpis 1"/>
-          <p:cNvSpPr>
-            <a:spLocks noGrp="1"/>
-          </p:cNvSpPr>
-          <p:nvPr>
-            <p:ph type="ctrTitle"/>
-          </p:nvPr>
-        </p:nvSpPr>
-        <p:spPr>
-          <a:xfrm>
-            <a:off x="0" y="2541710"/>
-            <a:ext cx="12192000" cy="1641490"/>
-          </a:xfrm>
-        </p:spPr>
-        <p:txBody>
-          <a:bodyPr anchor="ctr">
-            <a:noAutofit/>
-          </a:bodyPr>
-          <a:lstStyle/>
-          <a:p>
-            <a:pPr algn="ctr"/>
-            <a:r>
-              <a:rPr lang="sk-SK" sz="5400" i="1" dirty="0" smtClean="0">
-                <a:solidFill>
-                  <a:schemeClr val="tx1"/>
-                </a:solidFill>
-                <a:effectLst/>
-                <a:latin typeface="Segoe UI Light" panose="020B0502040204020203" pitchFamily="34" charset="0"/>
-                <a:cs typeface="Segoe UI Light" panose="020B0502040204020203" pitchFamily="34" charset="0"/>
-              </a:rPr>
-              <a:t>... vedia vymenovať všetkých 5?</a:t>
-            </a:r>
-            <a:endParaRPr lang="sk-SK" sz="5400" i="1" dirty="0">
-              <a:effectLst/>
-              <a:latin typeface="Segoe UI Light" panose="020B0502040204020203" pitchFamily="34" charset="0"/>
-              <a:cs typeface="Segoe UI Light" panose="020B0502040204020203" pitchFamily="34" charset="0"/>
-            </a:endParaRPr>
-          </a:p>
-        </p:txBody>
-      </p:sp>
-      <p:sp>
-        <p:nvSpPr>
-          <p:cNvPr id="3" name="Podnadpis 2"/>
-          <p:cNvSpPr>
-            <a:spLocks noGrp="1"/>
-          </p:cNvSpPr>
-          <p:nvPr>
-            <p:ph type="subTitle" idx="1"/>
-          </p:nvPr>
-        </p:nvSpPr>
-        <p:spPr>
-          <a:xfrm>
-            <a:off x="588818" y="608274"/>
-            <a:ext cx="9144000" cy="754025"/>
-          </a:xfrm>
-        </p:spPr>
-        <p:txBody>
-          <a:bodyPr>
-            <a:noAutofit/>
-          </a:bodyPr>
-          <a:lstStyle/>
-          <a:p>
-            <a:pPr algn="l"/>
-            <a:r>
-              <a:rPr lang="sk-SK" sz="5400" i="1" dirty="0" smtClean="0">
-                <a:solidFill>
-                  <a:schemeClr val="tx1"/>
-                </a:solidFill>
-                <a:latin typeface="Segoe UI Light" panose="020B0502040204020203" pitchFamily="34" charset="0"/>
-                <a:cs typeface="Segoe UI Light" panose="020B0502040204020203" pitchFamily="34" charset="0"/>
-              </a:rPr>
-              <a:t>Koľkí z Vás ... </a:t>
-            </a:r>
-            <a:endParaRPr lang="sk-SK" sz="5400" i="1" dirty="0">
-              <a:solidFill>
-                <a:schemeClr val="tx1"/>
-              </a:solidFill>
-              <a:latin typeface="Segoe UI Light" panose="020B0502040204020203" pitchFamily="34" charset="0"/>
-              <a:cs typeface="Segoe UI Light" panose="020B0502040204020203" pitchFamily="34" charset="0"/>
-            </a:endParaRPr>
-          </a:p>
-        </p:txBody>
-      </p:sp>
-    </p:spTree>
-    <p:extLst>
-      <p:ext uri="{BB962C8B-B14F-4D97-AF65-F5344CB8AC3E}">
-        <p14:creationId xmlns:p14="http://schemas.microsoft.com/office/powerpoint/2010/main" val="1958253749"/>
-      </p:ext>
-    </p:extLst>
-  </p:cSld>
-  <p:clrMapOvr>
-    <a:masterClrMapping/>
-  </p:clrMapOvr>
-  <p:timing>
-    <p:tnLst>
-      <p:par>
-        <p:cTn id="1" dur="indefinite" restart="never" nodeType="tmRoot">
-          <p:childTnLst>
-            <p:seq concurrent="1" nextAc="seek">
-              <p:cTn id="2" dur="indefinite" nodeType="mainSeq">
-                <p:childTnLst>
-                  <p:par>
-                    <p:cTn id="3" fill="hold">
-                      <p:stCondLst>
-                        <p:cond delay="indefinite"/>
-                        <p:cond evt="onBegin" delay="0">
-                          <p:tn val="2"/>
-                        </p:cond>
-                      </p:stCondLst>
-                      <p:childTnLst>
-                        <p:par>
-                          <p:cTn id="4" fill="hold">
-                            <p:stCondLst>
-                              <p:cond delay="0"/>
-                            </p:stCondLst>
-                            <p:childTnLst>
-                              <p:par>
-                                <p:cTn id="5" presetID="1" presetClass="entr" presetSubtype="0" fill="hold" grpId="0" nodeType="afterEffect">
-                                  <p:stCondLst>
-                                    <p:cond delay="1000"/>
-                                  </p:stCondLst>
-                                  <p:childTnLst>
-                                    <p:set>
-                                      <p:cBhvr>
-                                        <p:cTn id="6" dur="1" fill="hold">
-                                          <p:stCondLst>
-                                            <p:cond delay="0"/>
-                                          </p:stCondLst>
-                                        </p:cTn>
-                                        <p:tgtEl>
-                                          <p:spTgt spid="2"/>
-                                        </p:tgtEl>
-                                        <p:attrNameLst>
-                                          <p:attrName>style.visibility</p:attrName>
-                                        </p:attrNameLst>
-                                      </p:cBhvr>
-                                      <p:to>
-                                        <p:strVal val="visible"/>
-                                      </p:to>
-                                    </p:set>
-                                  </p:childTnLst>
-                                </p:cTn>
-                              </p:par>
-                            </p:childTnLst>
-                          </p:cTn>
-                        </p:par>
-                      </p:childTnLst>
-                    </p:cTn>
-                  </p:par>
-                </p:childTnLst>
-              </p:cTn>
-              <p:prevCondLst>
-                <p:cond evt="onPrev" delay="0">
-                  <p:tgtEl>
-                    <p:sldTgt/>
-                  </p:tgtEl>
-                </p:cond>
-              </p:prevCondLst>
-              <p:nextCondLst>
-                <p:cond evt="onNext" delay="0">
-                  <p:tgtEl>
-                    <p:sldTgt/>
-                  </p:tgtEl>
-                </p:cond>
-              </p:nextCondLst>
-            </p:seq>
-          </p:childTnLst>
-        </p:cTn>
-      </p:par>
-    </p:tnLst>
-    <p:bldLst>
-      <p:bldP spid="2" grpId="0"/>
-    </p:bldLst>
   </p:timing>
 </p:sld>
 </file>
@@ -14764,18 +22052,7 @@
                 <a:latin typeface="Segoe UI Light" panose="020B0502040204020203" pitchFamily="34" charset="0"/>
                 <a:cs typeface="Segoe UI Light" panose="020B0502040204020203" pitchFamily="34" charset="0"/>
               </a:rPr>
-              <a:t>... </a:t>
-            </a:r>
-            <a:r>
-              <a:rPr lang="sk-SK" sz="5400" i="1" dirty="0" smtClean="0">
-                <a:solidFill>
-                  <a:schemeClr val="tx1"/>
-                </a:solidFill>
-                <a:effectLst/>
-                <a:latin typeface="Segoe UI Light" panose="020B0502040204020203" pitchFamily="34" charset="0"/>
-                <a:cs typeface="Segoe UI Light" panose="020B0502040204020203" pitchFamily="34" charset="0"/>
-              </a:rPr>
-              <a:t>chce byť vývojárom?</a:t>
+              <a:t>... chce byť vývojárom?</a:t>
             </a:r>
             <a:endParaRPr lang="sk-SK" sz="5400" i="1" dirty="0">
               <a:effectLst/>
@@ -15372,7 +22649,7 @@
           </a:xfrm>
         </p:spPr>
         <p:txBody>
-          <a:bodyPr wrap="square" lIns="720000" rIns="2160000" anchor="ctr">
+          <a:bodyPr wrap="square" lIns="720000" rIns="1764000" anchor="ctr">
             <a:noAutofit/>
           </a:bodyPr>
           <a:lstStyle/>
@@ -15383,7 +22660,7 @@
               </a:lnSpc>
             </a:pPr>
             <a:r>
-              <a:rPr lang="sk-SK" sz="3600" dirty="0" smtClean="0">
+              <a:rPr lang="sk-SK" sz="3600" spc="0" dirty="0" smtClean="0">
                 <a:solidFill>
                   <a:schemeClr val="tx1"/>
                 </a:solidFill>
@@ -15394,7 +22671,7 @@
               <a:t>Zhoršuje sa čitateľnosť kódu</a:t>
             </a:r>
             <a:br>
-              <a:rPr lang="sk-SK" sz="3600" dirty="0" smtClean="0">
+              <a:rPr lang="sk-SK" sz="3600" spc="0" dirty="0" smtClean="0">
                 <a:solidFill>
                   <a:schemeClr val="tx1"/>
                 </a:solidFill>
@@ -15404,7 +22681,7 @@
               </a:rPr>
             </a:br>
             <a:r>
-              <a:rPr lang="sk-SK" sz="3600" dirty="0" smtClean="0">
+              <a:rPr lang="sk-SK" sz="3600" spc="0" dirty="0" smtClean="0">
                 <a:solidFill>
                   <a:schemeClr val="tx1"/>
                 </a:solidFill>
@@ -15415,7 +22692,7 @@
               <a:t>Zvyšuje sa pravdepodobnosť chýb</a:t>
             </a:r>
             <a:br>
-              <a:rPr lang="sk-SK" sz="3600" dirty="0" smtClean="0">
+              <a:rPr lang="sk-SK" sz="3600" spc="0" dirty="0" smtClean="0">
                 <a:solidFill>
                   <a:schemeClr val="tx1"/>
                 </a:solidFill>
@@ -15425,7 +22702,7 @@
               </a:rPr>
             </a:br>
             <a:r>
-              <a:rPr lang="sk-SK" sz="3600" dirty="0" smtClean="0">
+              <a:rPr lang="sk-SK" sz="3600" spc="0" dirty="0" smtClean="0">
                 <a:solidFill>
                   <a:schemeClr val="tx1"/>
                 </a:solidFill>
@@ -15436,7 +22713,7 @@
               <a:t>Potrební ľudia s komplexnou vedomosťou systému</a:t>
             </a:r>
             <a:br>
-              <a:rPr lang="sk-SK" sz="3600" dirty="0" smtClean="0">
+              <a:rPr lang="sk-SK" sz="3600" spc="0" dirty="0" smtClean="0">
                 <a:solidFill>
                   <a:schemeClr val="tx1"/>
                 </a:solidFill>
@@ -15446,7 +22723,7 @@
               </a:rPr>
             </a:br>
             <a:r>
-              <a:rPr lang="sk-SK" sz="3600" dirty="0" smtClean="0">
+              <a:rPr lang="sk-SK" sz="3600" spc="0" dirty="0" smtClean="0">
                 <a:solidFill>
                   <a:schemeClr val="tx1"/>
                 </a:solidFill>
@@ -15456,7 +22733,7 @@
               </a:rPr>
               <a:t>Predražuje sa nová funkčnosť</a:t>
             </a:r>
-            <a:endParaRPr lang="sk-SK" sz="4800" dirty="0">
+            <a:endParaRPr lang="sk-SK" sz="4800" spc="0" dirty="0">
               <a:effectLst/>
               <a:latin typeface="Segoe UI Light" panose="020B0502040204020203" pitchFamily="34" charset="0"/>
               <a:cs typeface="Segoe UI Light" panose="020B0502040204020203" pitchFamily="34" charset="0"/>
@@ -15651,7 +22928,7 @@
               </a:lnSpc>
             </a:pPr>
             <a:r>
-              <a:rPr lang="sk-SK" sz="3600" dirty="0" smtClean="0">
+              <a:rPr lang="sk-SK" sz="3600" spc="0" dirty="0" smtClean="0">
                 <a:solidFill>
                   <a:schemeClr val="tx1"/>
                 </a:solidFill>
@@ -15662,7 +22939,7 @@
               <a:t>Nabaľovanie zodpovednosti jednotlivých tried</a:t>
             </a:r>
             <a:br>
-              <a:rPr lang="sk-SK" sz="3600" dirty="0" smtClean="0">
+              <a:rPr lang="sk-SK" sz="3600" spc="0" dirty="0" smtClean="0">
                 <a:solidFill>
                   <a:schemeClr val="tx1"/>
                 </a:solidFill>
@@ -15672,7 +22949,7 @@
               </a:rPr>
             </a:br>
             <a:r>
-              <a:rPr lang="sk-SK" sz="3600" dirty="0" smtClean="0">
+              <a:rPr lang="sk-SK" sz="3600" spc="0" dirty="0" smtClean="0">
                 <a:solidFill>
                   <a:schemeClr val="tx1"/>
                 </a:solidFill>
@@ -15683,7 +22960,7 @@
               <a:t>Vznikajú závislosti a silné väzby medzi triedami</a:t>
             </a:r>
             <a:br>
-              <a:rPr lang="sk-SK" sz="3600" dirty="0" smtClean="0">
+              <a:rPr lang="sk-SK" sz="3600" spc="0" dirty="0" smtClean="0">
                 <a:solidFill>
                   <a:schemeClr val="tx1"/>
                 </a:solidFill>
@@ -15693,7 +22970,7 @@
               </a:rPr>
             </a:br>
             <a:r>
-              <a:rPr lang="sk-SK" sz="3600" dirty="0" smtClean="0">
+              <a:rPr lang="sk-SK" sz="3600" spc="0" dirty="0" smtClean="0">
                 <a:solidFill>
                   <a:schemeClr val="tx1"/>
                 </a:solidFill>
@@ -15703,7 +22980,7 @@
               </a:rPr>
               <a:t>Rozširuje sa duplicitný kód</a:t>
             </a:r>
-            <a:endParaRPr lang="sk-SK" sz="4800" dirty="0">
+            <a:endParaRPr lang="sk-SK" sz="4800" spc="0" dirty="0">
               <a:effectLst/>
               <a:latin typeface="Segoe UI Light" panose="020B0502040204020203" pitchFamily="34" charset="0"/>
               <a:cs typeface="Segoe UI Light" panose="020B0502040204020203" pitchFamily="34" charset="0"/>
@@ -15744,13 +23021,6 @@
               </a:rPr>
               <a:t>Ako spoznáme zlý návrh?</a:t>
             </a:r>
-            <a:endParaRPr lang="sk-SK" sz="5400" i="1" dirty="0">
-              <a:solidFill>
-                <a:schemeClr val="tx1"/>
-              </a:solidFill>
-              <a:latin typeface="Segoe UI Light" panose="020B0502040204020203" pitchFamily="34" charset="0"/>
-              <a:cs typeface="Segoe UI Light" panose="020B0502040204020203" pitchFamily="34" charset="0"/>
-            </a:endParaRPr>
           </a:p>
         </p:txBody>
       </p:sp>

--- a/SOLIDPrinciples.pptx
+++ b/SOLIDPrinciples.pptx
@@ -8498,7 +8498,7 @@
               <a:t> na dva nové </a:t>
             </a:r>
             <a:r>
-              <a:rPr lang="sk-SK" sz="1200" b="0" kern="1200" dirty="0" err="1" smtClean="0">
+              <a:rPr lang="sk-SK" sz="1200" b="1" kern="1200" dirty="0" err="1" smtClean="0">
                 <a:solidFill>
                   <a:schemeClr val="tx1"/>
                 </a:solidFill>
@@ -8522,7 +8522,7 @@
               <a:t> a </a:t>
             </a:r>
             <a:r>
-              <a:rPr lang="sk-SK" sz="1200" b="0" kern="1200" dirty="0" err="1" smtClean="0">
+              <a:rPr lang="sk-SK" sz="1200" b="1" kern="1200" dirty="0" err="1" smtClean="0">
                 <a:solidFill>
                   <a:schemeClr val="tx1"/>
                 </a:solidFill>
@@ -8533,7 +8533,7 @@
               </a:rPr>
               <a:t>IWritablePeopleRepository</a:t>
             </a:r>
-            <a:endParaRPr lang="sk-SK" sz="1200" b="0" kern="1200" dirty="0" smtClean="0">
+            <a:endParaRPr lang="sk-SK" sz="1200" b="1" kern="1200" dirty="0" smtClean="0">
               <a:solidFill>
                 <a:schemeClr val="tx1"/>
               </a:solidFill>
@@ -8779,33 +8779,21 @@
           </a:p>
           <a:p>
             <a:r>
-              <a:rPr lang="sk-SK" sz="1200" b="0" kern="1200" smtClean="0">
-                <a:solidFill>
-                  <a:schemeClr val="tx1"/>
-                </a:solidFill>
-                <a:effectLst/>
-                <a:latin typeface="+mn-lt"/>
-                <a:ea typeface="+mn-ea"/>
-                <a:cs typeface="+mn-cs"/>
-              </a:rPr>
-              <a:t>Toto </a:t>
-            </a:r>
-            <a:r>
-              <a:rPr lang="sk-SK" sz="1200" b="0" kern="1200" dirty="0" smtClean="0">
-                <a:solidFill>
-                  <a:schemeClr val="tx1"/>
-                </a:solidFill>
-                <a:effectLst/>
-                <a:latin typeface="+mn-lt"/>
-                <a:ea typeface="+mn-ea"/>
-                <a:cs typeface="+mn-cs"/>
-              </a:rPr>
-              <a:t>nám rozviazalo ruky a môžeme jednoduchšie zapracovávať zdroje, ktoré neumožňujú ukladať dáta.</a:t>
-            </a:r>
-          </a:p>
-          <a:p>
-            <a:r>
-              <a:rPr lang="sk-SK" sz="1200" b="0" kern="1200" smtClean="0">
+              <a:rPr lang="sk-SK" sz="1200" b="0" kern="1200" dirty="0" smtClean="0">
+                <a:solidFill>
+                  <a:schemeClr val="tx1"/>
+                </a:solidFill>
+                <a:effectLst/>
+                <a:latin typeface="+mn-lt"/>
+                <a:ea typeface="+mn-ea"/>
+                <a:cs typeface="+mn-cs"/>
+              </a:rPr>
+              <a:t>Toto nám rozviazalo ruky a môžeme jednoduchšie zapracovávať zdroje, ktoré neumožňujú ukladať dáta.</a:t>
+            </a:r>
+          </a:p>
+          <a:p>
+            <a:r>
+              <a:rPr lang="sk-SK" sz="1200" b="0" kern="1200" dirty="0" err="1" smtClean="0">
                 <a:solidFill>
                   <a:schemeClr val="tx1"/>
                 </a:solidFill>

--- a/SOLIDPrinciples.pptx
+++ b/SOLIDPrinciples.pptx
@@ -5,7 +5,7 @@
     <p:sldMasterId id="2147483648" r:id="rId1"/>
   </p:sldMasterIdLst>
   <p:notesMasterIdLst>
-    <p:notesMasterId r:id="rId41"/>
+    <p:notesMasterId r:id="rId42"/>
   </p:notesMasterIdLst>
   <p:sldIdLst>
     <p:sldId id="257" r:id="rId2"/>
@@ -45,8 +45,9 @@
     <p:sldId id="294" r:id="rId36"/>
     <p:sldId id="295" r:id="rId37"/>
     <p:sldId id="296" r:id="rId38"/>
-    <p:sldId id="283" r:id="rId39"/>
-    <p:sldId id="258" r:id="rId40"/>
+    <p:sldId id="297" r:id="rId39"/>
+    <p:sldId id="283" r:id="rId40"/>
+    <p:sldId id="258" r:id="rId41"/>
   </p:sldIdLst>
   <p:sldSz cx="12192000" cy="6858000"/>
   <p:notesSz cx="6858000" cy="9144000"/>
@@ -8935,20 +8936,116 @@
           <a:lstStyle/>
           <a:p>
             <a:r>
-              <a:rPr lang="sk-SK" dirty="0" smtClean="0"/>
-              <a:t>Dá sa to spraviť generické.</a:t>
-            </a:r>
-            <a:r>
-              <a:rPr lang="sk-SK" baseline="0" dirty="0" smtClean="0"/>
-              <a:t> Univerzálne na akýkoľvek typ dát. Ale to by bolo na inú debatu.</a:t>
-            </a:r>
-          </a:p>
-          <a:p>
-            <a:r>
-              <a:rPr lang="sk-SK" baseline="0" dirty="0" smtClean="0"/>
-              <a:t>Čo ak nebudeme chcieť odosielať mailom, ale ukladať to niekde, odoslať to na webovú službu?</a:t>
-            </a:r>
-            <a:endParaRPr lang="sk-SK" dirty="0"/>
+              <a:rPr lang="sk-SK" sz="1200" b="0" kern="1200" dirty="0" smtClean="0">
+                <a:solidFill>
+                  <a:schemeClr val="tx1"/>
+                </a:solidFill>
+                <a:effectLst/>
+                <a:latin typeface="+mn-lt"/>
+                <a:ea typeface="+mn-ea"/>
+                <a:cs typeface="+mn-cs"/>
+              </a:rPr>
+              <a:t>Umožňuje</a:t>
+            </a:r>
+            <a:r>
+              <a:rPr lang="sk-SK" sz="1200" b="0" kern="1200" baseline="0" dirty="0" smtClean="0">
+                <a:solidFill>
+                  <a:schemeClr val="tx1"/>
+                </a:solidFill>
+                <a:effectLst/>
+                <a:latin typeface="+mn-lt"/>
+                <a:ea typeface="+mn-ea"/>
+                <a:cs typeface="+mn-cs"/>
+              </a:rPr>
+              <a:t> to dodržať LSP</a:t>
+            </a:r>
+          </a:p>
+          <a:p>
+            <a:r>
+              <a:rPr lang="sk-SK" sz="1200" b="0" kern="1200" baseline="0" dirty="0" smtClean="0">
+                <a:solidFill>
+                  <a:schemeClr val="tx1"/>
+                </a:solidFill>
+                <a:effectLst/>
+                <a:latin typeface="+mn-lt"/>
+                <a:ea typeface="+mn-ea"/>
+                <a:cs typeface="+mn-cs"/>
+              </a:rPr>
+              <a:t>Jednoduchšie zapracovávanie nových implementácií</a:t>
+            </a:r>
+          </a:p>
+          <a:p>
+            <a:r>
+              <a:rPr lang="sk-SK" sz="1200" b="0" kern="1200" baseline="0" dirty="0" smtClean="0">
+                <a:solidFill>
+                  <a:schemeClr val="tx1"/>
+                </a:solidFill>
+                <a:effectLst/>
+                <a:latin typeface="+mn-lt"/>
+                <a:ea typeface="+mn-ea"/>
+                <a:cs typeface="+mn-cs"/>
+              </a:rPr>
+              <a:t>Nemusíme implementovať veci, ktoré sú v našom kontexte nepotrebné</a:t>
+            </a:r>
+          </a:p>
+          <a:p>
+            <a:r>
+              <a:rPr lang="sk-SK" sz="1200" b="0" kern="1200" baseline="0" dirty="0" smtClean="0">
+                <a:solidFill>
+                  <a:schemeClr val="tx1"/>
+                </a:solidFill>
+                <a:effectLst/>
+                <a:latin typeface="+mn-lt"/>
+                <a:ea typeface="+mn-ea"/>
+                <a:cs typeface="+mn-cs"/>
+              </a:rPr>
+              <a:t>A samozrejme, klient, ktorý používa náš </a:t>
+            </a:r>
+            <a:r>
+              <a:rPr lang="sk-SK" sz="1200" b="0" kern="1200" baseline="0" dirty="0" err="1" smtClean="0">
+                <a:solidFill>
+                  <a:schemeClr val="tx1"/>
+                </a:solidFill>
+                <a:effectLst/>
+                <a:latin typeface="+mn-lt"/>
+                <a:ea typeface="+mn-ea"/>
+                <a:cs typeface="+mn-cs"/>
+              </a:rPr>
+              <a:t>interfejs</a:t>
+            </a:r>
+            <a:r>
+              <a:rPr lang="sk-SK" sz="1200" b="0" kern="1200" baseline="0" dirty="0" smtClean="0">
+                <a:solidFill>
+                  <a:schemeClr val="tx1"/>
+                </a:solidFill>
+                <a:effectLst/>
+                <a:latin typeface="+mn-lt"/>
+                <a:ea typeface="+mn-ea"/>
+                <a:cs typeface="+mn-cs"/>
+              </a:rPr>
+              <a:t>, nemusí rozmýšľať na čo sú tie všetky metódy. Má len to čo </a:t>
+            </a:r>
+            <a:r>
+              <a:rPr lang="sk-SK" sz="1200" b="0" kern="1200" baseline="0" smtClean="0">
+                <a:solidFill>
+                  <a:schemeClr val="tx1"/>
+                </a:solidFill>
+                <a:effectLst/>
+                <a:latin typeface="+mn-lt"/>
+                <a:ea typeface="+mn-ea"/>
+                <a:cs typeface="+mn-cs"/>
+              </a:rPr>
+              <a:t>naozaj potrebuje.</a:t>
+            </a:r>
+            <a:endParaRPr lang="sk-SK" sz="1200" b="0" kern="1200" dirty="0">
+              <a:solidFill>
+                <a:schemeClr val="tx1"/>
+              </a:solidFill>
+              <a:effectLst/>
+              <a:latin typeface="+mn-lt"/>
+              <a:ea typeface="+mn-ea"/>
+              <a:cs typeface="+mn-cs"/>
+            </a:endParaRPr>
           </a:p>
         </p:txBody>
       </p:sp>
@@ -8978,7 +9075,7 @@
     </p:spTree>
     <p:extLst>
       <p:ext uri="{BB962C8B-B14F-4D97-AF65-F5344CB8AC3E}">
-        <p14:creationId xmlns:p14="http://schemas.microsoft.com/office/powerpoint/2010/main" val="336857164"/>
+        <p14:creationId xmlns:p14="http://schemas.microsoft.com/office/powerpoint/2010/main" val="1644320715"/>
       </p:ext>
     </p:extLst>
   </p:cSld>
@@ -9032,6 +9129,20 @@
           <a:bodyPr/>
           <a:lstStyle/>
           <a:p>
+            <a:r>
+              <a:rPr lang="sk-SK" dirty="0" smtClean="0"/>
+              <a:t>Dá sa to spraviť generické.</a:t>
+            </a:r>
+            <a:r>
+              <a:rPr lang="sk-SK" baseline="0" dirty="0" smtClean="0"/>
+              <a:t> Univerzálne na akýkoľvek typ dát. Ale to by bolo na inú debatu.</a:t>
+            </a:r>
+          </a:p>
+          <a:p>
+            <a:r>
+              <a:rPr lang="sk-SK" baseline="0" dirty="0" smtClean="0"/>
+              <a:t>Čo ak nebudeme chcieť odosielať mailom, ale ukladať to niekde, odoslať to na webovú službu?</a:t>
+            </a:r>
             <a:endParaRPr lang="sk-SK" dirty="0"/>
           </a:p>
         </p:txBody>
@@ -9054,6 +9165,90 @@
             <a:fld id="{8683B77B-E50F-4F41-84C3-C1D230689A8D}" type="slidenum">
               <a:rPr lang="sk-SK" smtClean="0"/>
               <a:t>39</a:t>
+            </a:fld>
+            <a:endParaRPr lang="sk-SK"/>
+          </a:p>
+        </p:txBody>
+      </p:sp>
+    </p:spTree>
+    <p:extLst>
+      <p:ext uri="{BB962C8B-B14F-4D97-AF65-F5344CB8AC3E}">
+        <p14:creationId xmlns:p14="http://schemas.microsoft.com/office/powerpoint/2010/main" val="336857164"/>
+      </p:ext>
+    </p:extLst>
+  </p:cSld>
+  <p:clrMapOvr>
+    <a:masterClrMapping/>
+  </p:clrMapOvr>
+</p:notes>
+</file>
+
+<file path=ppt/notesSlides/notesSlide39.xml><?xml version="1.0" encoding="utf-8"?>
+<p:notes xmlns:a="http://schemas.openxmlformats.org/drawingml/2006/main" xmlns:r="http://schemas.openxmlformats.org/officeDocument/2006/relationships" xmlns:p="http://schemas.openxmlformats.org/presentationml/2006/main">
+  <p:cSld>
+    <p:spTree>
+      <p:nvGrpSpPr>
+        <p:cNvPr id="1" name=""/>
+        <p:cNvGrpSpPr/>
+        <p:nvPr/>
+      </p:nvGrpSpPr>
+      <p:grpSpPr>
+        <a:xfrm>
+          <a:off x="0" y="0"/>
+          <a:ext cx="0" cy="0"/>
+          <a:chOff x="0" y="0"/>
+          <a:chExt cx="0" cy="0"/>
+        </a:xfrm>
+      </p:grpSpPr>
+      <p:sp>
+        <p:nvSpPr>
+          <p:cNvPr id="2" name="Zástupný objekt pre obrázok snímky 1"/>
+          <p:cNvSpPr>
+            <a:spLocks noGrp="1" noRot="1" noChangeAspect="1"/>
+          </p:cNvSpPr>
+          <p:nvPr>
+            <p:ph type="sldImg"/>
+          </p:nvPr>
+        </p:nvSpPr>
+        <p:spPr/>
+      </p:sp>
+      <p:sp>
+        <p:nvSpPr>
+          <p:cNvPr id="3" name="Zástupný objekt pre poznámky 2"/>
+          <p:cNvSpPr>
+            <a:spLocks noGrp="1"/>
+          </p:cNvSpPr>
+          <p:nvPr>
+            <p:ph type="body" idx="1"/>
+          </p:nvPr>
+        </p:nvSpPr>
+        <p:spPr/>
+        <p:txBody>
+          <a:bodyPr/>
+          <a:lstStyle/>
+          <a:p>
+            <a:endParaRPr lang="sk-SK" dirty="0"/>
+          </a:p>
+        </p:txBody>
+      </p:sp>
+      <p:sp>
+        <p:nvSpPr>
+          <p:cNvPr id="4" name="Zástupný objekt pre číslo snímky 3"/>
+          <p:cNvSpPr>
+            <a:spLocks noGrp="1"/>
+          </p:cNvSpPr>
+          <p:nvPr>
+            <p:ph type="sldNum" sz="quarter" idx="10"/>
+          </p:nvPr>
+        </p:nvSpPr>
+        <p:spPr/>
+        <p:txBody>
+          <a:bodyPr/>
+          <a:lstStyle/>
+          <a:p>
+            <a:fld id="{8683B77B-E50F-4F41-84C3-C1D230689A8D}" type="slidenum">
+              <a:rPr lang="sk-SK" smtClean="0"/>
+              <a:t>40</a:t>
             </a:fld>
             <a:endParaRPr lang="sk-SK"/>
           </a:p>
@@ -20009,10 +20204,6 @@
               </a:rPr>
               <a:t> prvý krát prezentovala</a:t>
             </a:r>
-            <a:endParaRPr lang="sk-SK" sz="2400" dirty="0">
-              <a:latin typeface="Segoe UI Light" panose="020B0502040204020203" pitchFamily="34" charset="0"/>
-              <a:cs typeface="Segoe UI Light" panose="020B0502040204020203" pitchFamily="34" charset="0"/>
-            </a:endParaRPr>
           </a:p>
         </p:txBody>
       </p:sp>
@@ -20436,14 +20627,7 @@
                 <a:latin typeface="Segoe UI Light" panose="020B0502040204020203" pitchFamily="34" charset="0"/>
                 <a:cs typeface="Segoe UI Light" panose="020B0502040204020203" pitchFamily="34" charset="0"/>
               </a:rPr>
-              <a:t>DEMO: </a:t>
-            </a:r>
-            <a:r>
-              <a:rPr lang="sk-SK" sz="4400" dirty="0" smtClean="0">
-                <a:latin typeface="Segoe UI Light" panose="020B0502040204020203" pitchFamily="34" charset="0"/>
-                <a:cs typeface="Segoe UI Light" panose="020B0502040204020203" pitchFamily="34" charset="0"/>
-              </a:rPr>
-              <a:t>Čo </a:t>
+              <a:t>DEMO: Čo </a:t>
             </a:r>
             <a:r>
               <a:rPr lang="sk-SK" sz="4400" dirty="0">
@@ -20452,10 +20636,6 @@
               </a:rPr>
               <a:t>sa stane keď budeme ignorovať LSP</a:t>
             </a:r>
-            <a:endParaRPr lang="sk-SK" sz="4400" dirty="0">
-              <a:latin typeface="Segoe UI Light" panose="020B0502040204020203" pitchFamily="34" charset="0"/>
-              <a:cs typeface="Segoe UI Light" panose="020B0502040204020203" pitchFamily="34" charset="0"/>
-            </a:endParaRPr>
           </a:p>
         </p:txBody>
       </p:sp>
@@ -20979,14 +21159,7 @@
                 <a:latin typeface="Segoe UI Light" panose="020B0502040204020203" pitchFamily="34" charset="0"/>
                 <a:cs typeface="Segoe UI Light" panose="020B0502040204020203" pitchFamily="34" charset="0"/>
               </a:rPr>
-              <a:t> č. </a:t>
-            </a:r>
-            <a:r>
-              <a:rPr lang="sk-SK" sz="2400" dirty="0" smtClean="0">
-                <a:latin typeface="Segoe UI Light" panose="020B0502040204020203" pitchFamily="34" charset="0"/>
-                <a:cs typeface="Segoe UI Light" panose="020B0502040204020203" pitchFamily="34" charset="0"/>
-              </a:rPr>
-              <a:t>3</a:t>
+              <a:t> č. 3</a:t>
             </a:r>
             <a:endParaRPr lang="sk-SK" sz="2400" dirty="0">
               <a:latin typeface="Segoe UI Light" panose="020B0502040204020203" pitchFamily="34" charset="0"/>
@@ -21206,14 +21379,7 @@
                 <a:latin typeface="Segoe UI Light" panose="020B0502040204020203" pitchFamily="34" charset="0"/>
                 <a:cs typeface="Segoe UI Light" panose="020B0502040204020203" pitchFamily="34" charset="0"/>
               </a:rPr>
-              <a:t>DEMO: Úprava podľa </a:t>
-            </a:r>
-            <a:r>
-              <a:rPr lang="sk-SK" sz="4400" dirty="0" smtClean="0">
-                <a:latin typeface="Segoe UI Light" panose="020B0502040204020203" pitchFamily="34" charset="0"/>
-                <a:cs typeface="Segoe UI Light" panose="020B0502040204020203" pitchFamily="34" charset="0"/>
-              </a:rPr>
-              <a:t>ISP</a:t>
+              <a:t>DEMO: Úprava podľa ISP</a:t>
             </a:r>
             <a:endParaRPr lang="sk-SK" sz="4400" dirty="0">
               <a:latin typeface="Segoe UI Light" panose="020B0502040204020203" pitchFamily="34" charset="0"/>
@@ -21243,6 +21409,93 @@
 </file>
 
 <file path=ppt/slides/slide38.xml><?xml version="1.0" encoding="utf-8"?>
+<p:sld xmlns:a="http://schemas.openxmlformats.org/drawingml/2006/main" xmlns:r="http://schemas.openxmlformats.org/officeDocument/2006/relationships" xmlns:p="http://schemas.openxmlformats.org/presentationml/2006/main">
+  <p:cSld>
+    <p:bg>
+      <p:bgPr>
+        <a:solidFill>
+          <a:srgbClr val="482958"/>
+        </a:solidFill>
+        <a:effectLst/>
+      </p:bgPr>
+    </p:bg>
+    <p:spTree>
+      <p:nvGrpSpPr>
+        <p:cNvPr id="1" name=""/>
+        <p:cNvGrpSpPr/>
+        <p:nvPr/>
+      </p:nvGrpSpPr>
+      <p:grpSpPr>
+        <a:xfrm>
+          <a:off x="0" y="0"/>
+          <a:ext cx="0" cy="0"/>
+          <a:chOff x="0" y="0"/>
+          <a:chExt cx="0" cy="0"/>
+        </a:xfrm>
+      </p:grpSpPr>
+      <p:sp>
+        <p:nvSpPr>
+          <p:cNvPr id="2" name="Nadpis 1"/>
+          <p:cNvSpPr>
+            <a:spLocks noGrp="1"/>
+          </p:cNvSpPr>
+          <p:nvPr>
+            <p:ph type="ctrTitle"/>
+          </p:nvPr>
+        </p:nvSpPr>
+        <p:spPr>
+          <a:xfrm>
+            <a:off x="1" y="2541709"/>
+            <a:ext cx="12192000" cy="1926381"/>
+          </a:xfrm>
+        </p:spPr>
+        <p:txBody>
+          <a:bodyPr wrap="square" lIns="720000" rIns="1440000" anchor="ctr">
+            <a:noAutofit/>
+          </a:bodyPr>
+          <a:lstStyle/>
+          <a:p>
+            <a:pPr algn="l"/>
+            <a:r>
+              <a:rPr lang="sk-SK" sz="5400" i="1" dirty="0" smtClean="0">
+                <a:solidFill>
+                  <a:schemeClr val="tx1"/>
+                </a:solidFill>
+                <a:effectLst/>
+                <a:latin typeface="Segoe UI Light" panose="020B0502040204020203" pitchFamily="34" charset="0"/>
+                <a:cs typeface="Segoe UI Light" panose="020B0502040204020203" pitchFamily="34" charset="0"/>
+              </a:rPr>
+              <a:t>Aké sú výhody?</a:t>
+            </a:r>
+            <a:endParaRPr lang="sk-SK" sz="5400" i="1" dirty="0">
+              <a:effectLst/>
+              <a:latin typeface="Segoe UI Light" panose="020B0502040204020203" pitchFamily="34" charset="0"/>
+              <a:cs typeface="Segoe UI Light" panose="020B0502040204020203" pitchFamily="34" charset="0"/>
+            </a:endParaRPr>
+          </a:p>
+        </p:txBody>
+      </p:sp>
+    </p:spTree>
+    <p:extLst>
+      <p:ext uri="{BB962C8B-B14F-4D97-AF65-F5344CB8AC3E}">
+        <p14:creationId xmlns:p14="http://schemas.microsoft.com/office/powerpoint/2010/main" val="964704319"/>
+      </p:ext>
+    </p:extLst>
+  </p:cSld>
+  <p:clrMapOvr>
+    <a:masterClrMapping/>
+  </p:clrMapOvr>
+  <p:timing>
+    <p:tnLst>
+      <p:par>
+        <p:cTn id="1" dur="indefinite" restart="never" nodeType="tmRoot"/>
+      </p:par>
+    </p:tnLst>
+  </p:timing>
+</p:sld>
+</file>
+
+<file path=ppt/slides/slide39.xml><?xml version="1.0" encoding="utf-8"?>
 <p:sld xmlns:a="http://schemas.openxmlformats.org/drawingml/2006/main" xmlns:r="http://schemas.openxmlformats.org/officeDocument/2006/relationships" xmlns:p="http://schemas.openxmlformats.org/presentationml/2006/main">
   <p:cSld>
     <p:bg>
@@ -21446,262 +21699,6 @@
 </p:sld>
 </file>
 
-<file path=ppt/slides/slide39.xml><?xml version="1.0" encoding="utf-8"?>
-<p:sld xmlns:a="http://schemas.openxmlformats.org/drawingml/2006/main" xmlns:r="http://schemas.openxmlformats.org/officeDocument/2006/relationships" xmlns:p="http://schemas.openxmlformats.org/presentationml/2006/main">
-  <p:cSld>
-    <p:bg>
-      <p:bgPr>
-        <a:solidFill>
-          <a:srgbClr val="482958"/>
-        </a:solidFill>
-        <a:effectLst/>
-      </p:bgPr>
-    </p:bg>
-    <p:spTree>
-      <p:nvGrpSpPr>
-        <p:cNvPr id="1" name=""/>
-        <p:cNvGrpSpPr/>
-        <p:nvPr/>
-      </p:nvGrpSpPr>
-      <p:grpSpPr>
-        <a:xfrm>
-          <a:off x="0" y="0"/>
-          <a:ext cx="0" cy="0"/>
-          <a:chOff x="0" y="0"/>
-          <a:chExt cx="0" cy="0"/>
-        </a:xfrm>
-      </p:grpSpPr>
-      <p:sp>
-        <p:nvSpPr>
-          <p:cNvPr id="2" name="Nadpis 1"/>
-          <p:cNvSpPr>
-            <a:spLocks noGrp="1"/>
-          </p:cNvSpPr>
-          <p:nvPr>
-            <p:ph type="ctrTitle"/>
-          </p:nvPr>
-        </p:nvSpPr>
-        <p:spPr>
-          <a:xfrm>
-            <a:off x="0" y="1710437"/>
-            <a:ext cx="12192000" cy="1641490"/>
-          </a:xfrm>
-        </p:spPr>
-        <p:txBody>
-          <a:bodyPr>
-            <a:noAutofit/>
-          </a:bodyPr>
-          <a:lstStyle/>
-          <a:p>
-            <a:pPr algn="ctr"/>
-            <a:r>
-              <a:rPr lang="sk-SK" sz="5400" dirty="0" smtClean="0">
-                <a:solidFill>
-                  <a:schemeClr val="tx1"/>
-                </a:solidFill>
-                <a:effectLst/>
-                <a:latin typeface="Segoe UI Light" panose="020B0502040204020203" pitchFamily="34" charset="0"/>
-                <a:cs typeface="Segoe UI Light" panose="020B0502040204020203" pitchFamily="34" charset="0"/>
-              </a:rPr>
-              <a:t>Otázky ???</a:t>
-            </a:r>
-            <a:endParaRPr lang="sk-SK" sz="5400" dirty="0">
-              <a:effectLst/>
-              <a:latin typeface="Segoe UI Light" panose="020B0502040204020203" pitchFamily="34" charset="0"/>
-              <a:cs typeface="Segoe UI Light" panose="020B0502040204020203" pitchFamily="34" charset="0"/>
-            </a:endParaRPr>
-          </a:p>
-        </p:txBody>
-      </p:sp>
-      <p:sp>
-        <p:nvSpPr>
-          <p:cNvPr id="4" name="Podnadpis 3"/>
-          <p:cNvSpPr>
-            <a:spLocks noGrp="1"/>
-          </p:cNvSpPr>
-          <p:nvPr>
-            <p:ph type="subTitle" idx="1"/>
-          </p:nvPr>
-        </p:nvSpPr>
-        <p:spPr>
-          <a:xfrm>
-            <a:off x="3023756" y="3694375"/>
-            <a:ext cx="8323118" cy="2447234"/>
-          </a:xfrm>
-        </p:spPr>
-        <p:txBody>
-          <a:bodyPr anchor="t">
-            <a:normAutofit fontScale="92500" lnSpcReduction="10000"/>
-          </a:bodyPr>
-          <a:lstStyle/>
-          <a:p>
-            <a:pPr algn="l"/>
-            <a:r>
-              <a:rPr lang="sk-SK" dirty="0" smtClean="0">
-                <a:latin typeface="Segoe UI Light" panose="020B0502040204020203" pitchFamily="34" charset="0"/>
-                <a:cs typeface="Segoe UI Light" panose="020B0502040204020203" pitchFamily="34" charset="0"/>
-              </a:rPr>
-              <a:t>Milan Martiniak</a:t>
-            </a:r>
-          </a:p>
-          <a:p>
-            <a:pPr algn="l"/>
-            <a:r>
-              <a:rPr lang="en-US" dirty="0">
-                <a:latin typeface="Segoe UI Light" panose="020B0502040204020203" pitchFamily="34" charset="0"/>
-                <a:cs typeface="Segoe UI Light" panose="020B0502040204020203" pitchFamily="34" charset="0"/>
-              </a:rPr>
-              <a:t>m</a:t>
-            </a:r>
-            <a:r>
-              <a:rPr lang="sk-SK" dirty="0" err="1" smtClean="0">
-                <a:latin typeface="Segoe UI Light" panose="020B0502040204020203" pitchFamily="34" charset="0"/>
-                <a:cs typeface="Segoe UI Light" panose="020B0502040204020203" pitchFamily="34" charset="0"/>
-              </a:rPr>
-              <a:t>artiniak</a:t>
-            </a:r>
-            <a:r>
-              <a:rPr lang="en-US" dirty="0" smtClean="0">
-                <a:latin typeface="Segoe UI Light" panose="020B0502040204020203" pitchFamily="34" charset="0"/>
-                <a:cs typeface="Segoe UI Light" panose="020B0502040204020203" pitchFamily="34" charset="0"/>
-              </a:rPr>
-              <a:t>@kros.sk</a:t>
-            </a:r>
-          </a:p>
-          <a:p>
-            <a:pPr algn="l"/>
-            <a:r>
-              <a:rPr lang="en-US" dirty="0" smtClean="0">
-                <a:latin typeface="Segoe UI Light" panose="020B0502040204020203" pitchFamily="34" charset="0"/>
-                <a:cs typeface="Segoe UI Light" panose="020B0502040204020203" pitchFamily="34" charset="0"/>
-              </a:rPr>
-              <a:t>@</a:t>
-            </a:r>
-            <a:r>
-              <a:rPr lang="en-US" dirty="0" err="1" smtClean="0">
-                <a:latin typeface="Segoe UI Light" panose="020B0502040204020203" pitchFamily="34" charset="0"/>
-                <a:cs typeface="Segoe UI Light" panose="020B0502040204020203" pitchFamily="34" charset="0"/>
-              </a:rPr>
-              <a:t>MinoMartiniak</a:t>
-            </a:r>
-            <a:endParaRPr lang="en-US" dirty="0" smtClean="0">
-              <a:latin typeface="Segoe UI Light" panose="020B0502040204020203" pitchFamily="34" charset="0"/>
-              <a:cs typeface="Segoe UI Light" panose="020B0502040204020203" pitchFamily="34" charset="0"/>
-            </a:endParaRPr>
-          </a:p>
-          <a:p>
-            <a:pPr algn="l"/>
-            <a:r>
-              <a:rPr lang="en-US" dirty="0">
-                <a:latin typeface="Segoe UI Light" panose="020B0502040204020203" pitchFamily="34" charset="0"/>
-                <a:cs typeface="Segoe UI Light" panose="020B0502040204020203" pitchFamily="34" charset="0"/>
-              </a:rPr>
-              <a:t>https://github.com/Burgyn</a:t>
-            </a:r>
-            <a:r>
-              <a:rPr lang="en-US" dirty="0" smtClean="0">
-                <a:latin typeface="Segoe UI Light" panose="020B0502040204020203" pitchFamily="34" charset="0"/>
-                <a:cs typeface="Segoe UI Light" panose="020B0502040204020203" pitchFamily="34" charset="0"/>
-              </a:rPr>
-              <a:t>/</a:t>
-            </a:r>
-            <a:endParaRPr lang="sk-SK" dirty="0" smtClean="0">
-              <a:latin typeface="Segoe UI Light" panose="020B0502040204020203" pitchFamily="34" charset="0"/>
-              <a:cs typeface="Segoe UI Light" panose="020B0502040204020203" pitchFamily="34" charset="0"/>
-            </a:endParaRPr>
-          </a:p>
-          <a:p>
-            <a:pPr algn="l"/>
-            <a:r>
-              <a:rPr lang="en-US" dirty="0">
-                <a:latin typeface="Segoe UI Light" panose="020B0502040204020203" pitchFamily="34" charset="0"/>
-                <a:cs typeface="Segoe UI Light" panose="020B0502040204020203" pitchFamily="34" charset="0"/>
-              </a:rPr>
-              <a:t>http://kariera.kros.sk</a:t>
-            </a:r>
-          </a:p>
-        </p:txBody>
-      </p:sp>
-      <p:pic>
-        <p:nvPicPr>
-          <p:cNvPr id="5" name="Obrázok 4"/>
-          <p:cNvPicPr>
-            <a:picLocks noChangeAspect="1"/>
-          </p:cNvPicPr>
-          <p:nvPr/>
-        </p:nvPicPr>
-        <p:blipFill>
-          <a:blip r:embed="rId3" cstate="print">
-            <a:extLst>
-              <a:ext uri="{28A0092B-C50C-407E-A947-70E740481C1C}">
-                <a14:useLocalDpi xmlns:a14="http://schemas.microsoft.com/office/drawing/2010/main" val="0"/>
-              </a:ext>
-            </a:extLst>
-          </a:blip>
-          <a:stretch>
-            <a:fillRect/>
-          </a:stretch>
-        </p:blipFill>
-        <p:spPr>
-          <a:xfrm>
-            <a:off x="399177" y="3621329"/>
-            <a:ext cx="2520280" cy="2520280"/>
-          </a:xfrm>
-          <a:prstGeom prst="rect">
-            <a:avLst/>
-          </a:prstGeom>
-        </p:spPr>
-      </p:pic>
-      <p:pic>
-        <p:nvPicPr>
-          <p:cNvPr id="6" name="Obrázok 5"/>
-          <p:cNvPicPr>
-            <a:picLocks noChangeAspect="1"/>
-          </p:cNvPicPr>
-          <p:nvPr/>
-        </p:nvPicPr>
-        <p:blipFill>
-          <a:blip r:embed="rId4">
-            <a:extLst>
-              <a:ext uri="{28A0092B-C50C-407E-A947-70E740481C1C}">
-                <a14:useLocalDpi xmlns:a14="http://schemas.microsoft.com/office/drawing/2010/main" val="0"/>
-              </a:ext>
-            </a:extLst>
-          </a:blip>
-          <a:stretch>
-            <a:fillRect/>
-          </a:stretch>
-        </p:blipFill>
-        <p:spPr>
-          <a:xfrm>
-            <a:off x="9662480" y="4781183"/>
-            <a:ext cx="2390775" cy="1914525"/>
-          </a:xfrm>
-          <a:prstGeom prst="rect">
-            <a:avLst/>
-          </a:prstGeom>
-        </p:spPr>
-      </p:pic>
-    </p:spTree>
-    <p:extLst>
-      <p:ext uri="{BB962C8B-B14F-4D97-AF65-F5344CB8AC3E}">
-        <p14:creationId xmlns:p14="http://schemas.microsoft.com/office/powerpoint/2010/main" val="1019827738"/>
-      </p:ext>
-    </p:extLst>
-  </p:cSld>
-  <p:clrMapOvr>
-    <a:masterClrMapping/>
-  </p:clrMapOvr>
-  <p:timing>
-    <p:tnLst>
-      <p:par>
-        <p:cTn id="1" dur="indefinite" restart="never" nodeType="tmRoot"/>
-      </p:par>
-    </p:tnLst>
-  </p:timing>
-</p:sld>
-</file>
-
 <file path=ppt/slides/slide4.xml><?xml version="1.0" encoding="utf-8"?>
 <p:sld xmlns:a="http://schemas.openxmlformats.org/drawingml/2006/main" xmlns:r="http://schemas.openxmlformats.org/officeDocument/2006/relationships" xmlns:p="http://schemas.openxmlformats.org/presentationml/2006/main">
   <p:cSld>
@@ -21979,6 +21976,262 @@
     <p:bldLst>
       <p:bldP spid="2" grpId="0"/>
     </p:bldLst>
+  </p:timing>
+</p:sld>
+</file>
+
+<file path=ppt/slides/slide40.xml><?xml version="1.0" encoding="utf-8"?>
+<p:sld xmlns:a="http://schemas.openxmlformats.org/drawingml/2006/main" xmlns:r="http://schemas.openxmlformats.org/officeDocument/2006/relationships" xmlns:p="http://schemas.openxmlformats.org/presentationml/2006/main">
+  <p:cSld>
+    <p:bg>
+      <p:bgPr>
+        <a:solidFill>
+          <a:srgbClr val="482958"/>
+        </a:solidFill>
+        <a:effectLst/>
+      </p:bgPr>
+    </p:bg>
+    <p:spTree>
+      <p:nvGrpSpPr>
+        <p:cNvPr id="1" name=""/>
+        <p:cNvGrpSpPr/>
+        <p:nvPr/>
+      </p:nvGrpSpPr>
+      <p:grpSpPr>
+        <a:xfrm>
+          <a:off x="0" y="0"/>
+          <a:ext cx="0" cy="0"/>
+          <a:chOff x="0" y="0"/>
+          <a:chExt cx="0" cy="0"/>
+        </a:xfrm>
+      </p:grpSpPr>
+      <p:sp>
+        <p:nvSpPr>
+          <p:cNvPr id="2" name="Nadpis 1"/>
+          <p:cNvSpPr>
+            <a:spLocks noGrp="1"/>
+          </p:cNvSpPr>
+          <p:nvPr>
+            <p:ph type="ctrTitle"/>
+          </p:nvPr>
+        </p:nvSpPr>
+        <p:spPr>
+          <a:xfrm>
+            <a:off x="0" y="1710437"/>
+            <a:ext cx="12192000" cy="1641490"/>
+          </a:xfrm>
+        </p:spPr>
+        <p:txBody>
+          <a:bodyPr>
+            <a:noAutofit/>
+          </a:bodyPr>
+          <a:lstStyle/>
+          <a:p>
+            <a:pPr algn="ctr"/>
+            <a:r>
+              <a:rPr lang="sk-SK" sz="5400" dirty="0" smtClean="0">
+                <a:solidFill>
+                  <a:schemeClr val="tx1"/>
+                </a:solidFill>
+                <a:effectLst/>
+                <a:latin typeface="Segoe UI Light" panose="020B0502040204020203" pitchFamily="34" charset="0"/>
+                <a:cs typeface="Segoe UI Light" panose="020B0502040204020203" pitchFamily="34" charset="0"/>
+              </a:rPr>
+              <a:t>Otázky ???</a:t>
+            </a:r>
+            <a:endParaRPr lang="sk-SK" sz="5400" dirty="0">
+              <a:effectLst/>
+              <a:latin typeface="Segoe UI Light" panose="020B0502040204020203" pitchFamily="34" charset="0"/>
+              <a:cs typeface="Segoe UI Light" panose="020B0502040204020203" pitchFamily="34" charset="0"/>
+            </a:endParaRPr>
+          </a:p>
+        </p:txBody>
+      </p:sp>
+      <p:sp>
+        <p:nvSpPr>
+          <p:cNvPr id="4" name="Podnadpis 3"/>
+          <p:cNvSpPr>
+            <a:spLocks noGrp="1"/>
+          </p:cNvSpPr>
+          <p:nvPr>
+            <p:ph type="subTitle" idx="1"/>
+          </p:nvPr>
+        </p:nvSpPr>
+        <p:spPr>
+          <a:xfrm>
+            <a:off x="3023756" y="3694375"/>
+            <a:ext cx="8323118" cy="2447234"/>
+          </a:xfrm>
+        </p:spPr>
+        <p:txBody>
+          <a:bodyPr anchor="t">
+            <a:normAutofit fontScale="92500" lnSpcReduction="10000"/>
+          </a:bodyPr>
+          <a:lstStyle/>
+          <a:p>
+            <a:pPr algn="l"/>
+            <a:r>
+              <a:rPr lang="sk-SK" dirty="0" smtClean="0">
+                <a:latin typeface="Segoe UI Light" panose="020B0502040204020203" pitchFamily="34" charset="0"/>
+                <a:cs typeface="Segoe UI Light" panose="020B0502040204020203" pitchFamily="34" charset="0"/>
+              </a:rPr>
+              <a:t>Milan Martiniak</a:t>
+            </a:r>
+          </a:p>
+          <a:p>
+            <a:pPr algn="l"/>
+            <a:r>
+              <a:rPr lang="en-US" dirty="0">
+                <a:latin typeface="Segoe UI Light" panose="020B0502040204020203" pitchFamily="34" charset="0"/>
+                <a:cs typeface="Segoe UI Light" panose="020B0502040204020203" pitchFamily="34" charset="0"/>
+              </a:rPr>
+              <a:t>m</a:t>
+            </a:r>
+            <a:r>
+              <a:rPr lang="sk-SK" dirty="0" err="1" smtClean="0">
+                <a:latin typeface="Segoe UI Light" panose="020B0502040204020203" pitchFamily="34" charset="0"/>
+                <a:cs typeface="Segoe UI Light" panose="020B0502040204020203" pitchFamily="34" charset="0"/>
+              </a:rPr>
+              <a:t>artiniak</a:t>
+            </a:r>
+            <a:r>
+              <a:rPr lang="en-US" dirty="0" smtClean="0">
+                <a:latin typeface="Segoe UI Light" panose="020B0502040204020203" pitchFamily="34" charset="0"/>
+                <a:cs typeface="Segoe UI Light" panose="020B0502040204020203" pitchFamily="34" charset="0"/>
+              </a:rPr>
+              <a:t>@kros.sk</a:t>
+            </a:r>
+          </a:p>
+          <a:p>
+            <a:pPr algn="l"/>
+            <a:r>
+              <a:rPr lang="en-US" dirty="0" smtClean="0">
+                <a:latin typeface="Segoe UI Light" panose="020B0502040204020203" pitchFamily="34" charset="0"/>
+                <a:cs typeface="Segoe UI Light" panose="020B0502040204020203" pitchFamily="34" charset="0"/>
+              </a:rPr>
+              <a:t>@</a:t>
+            </a:r>
+            <a:r>
+              <a:rPr lang="en-US" dirty="0" err="1" smtClean="0">
+                <a:latin typeface="Segoe UI Light" panose="020B0502040204020203" pitchFamily="34" charset="0"/>
+                <a:cs typeface="Segoe UI Light" panose="020B0502040204020203" pitchFamily="34" charset="0"/>
+              </a:rPr>
+              <a:t>MinoMartiniak</a:t>
+            </a:r>
+            <a:endParaRPr lang="en-US" dirty="0" smtClean="0">
+              <a:latin typeface="Segoe UI Light" panose="020B0502040204020203" pitchFamily="34" charset="0"/>
+              <a:cs typeface="Segoe UI Light" panose="020B0502040204020203" pitchFamily="34" charset="0"/>
+            </a:endParaRPr>
+          </a:p>
+          <a:p>
+            <a:pPr algn="l"/>
+            <a:r>
+              <a:rPr lang="en-US" dirty="0">
+                <a:latin typeface="Segoe UI Light" panose="020B0502040204020203" pitchFamily="34" charset="0"/>
+                <a:cs typeface="Segoe UI Light" panose="020B0502040204020203" pitchFamily="34" charset="0"/>
+              </a:rPr>
+              <a:t>https://github.com/Burgyn</a:t>
+            </a:r>
+            <a:r>
+              <a:rPr lang="en-US" dirty="0" smtClean="0">
+                <a:latin typeface="Segoe UI Light" panose="020B0502040204020203" pitchFamily="34" charset="0"/>
+                <a:cs typeface="Segoe UI Light" panose="020B0502040204020203" pitchFamily="34" charset="0"/>
+              </a:rPr>
+              <a:t>/</a:t>
+            </a:r>
+            <a:endParaRPr lang="sk-SK" dirty="0" smtClean="0">
+              <a:latin typeface="Segoe UI Light" panose="020B0502040204020203" pitchFamily="34" charset="0"/>
+              <a:cs typeface="Segoe UI Light" panose="020B0502040204020203" pitchFamily="34" charset="0"/>
+            </a:endParaRPr>
+          </a:p>
+          <a:p>
+            <a:pPr algn="l"/>
+            <a:r>
+              <a:rPr lang="en-US" dirty="0">
+                <a:latin typeface="Segoe UI Light" panose="020B0502040204020203" pitchFamily="34" charset="0"/>
+                <a:cs typeface="Segoe UI Light" panose="020B0502040204020203" pitchFamily="34" charset="0"/>
+              </a:rPr>
+              <a:t>http://kariera.kros.sk</a:t>
+            </a:r>
+          </a:p>
+        </p:txBody>
+      </p:sp>
+      <p:pic>
+        <p:nvPicPr>
+          <p:cNvPr id="5" name="Obrázok 4"/>
+          <p:cNvPicPr>
+            <a:picLocks noChangeAspect="1"/>
+          </p:cNvPicPr>
+          <p:nvPr/>
+        </p:nvPicPr>
+        <p:blipFill>
+          <a:blip r:embed="rId3" cstate="print">
+            <a:extLst>
+              <a:ext uri="{28A0092B-C50C-407E-A947-70E740481C1C}">
+                <a14:useLocalDpi xmlns:a14="http://schemas.microsoft.com/office/drawing/2010/main" val="0"/>
+              </a:ext>
+            </a:extLst>
+          </a:blip>
+          <a:stretch>
+            <a:fillRect/>
+          </a:stretch>
+        </p:blipFill>
+        <p:spPr>
+          <a:xfrm>
+            <a:off x="399177" y="3621329"/>
+            <a:ext cx="2520280" cy="2520280"/>
+          </a:xfrm>
+          <a:prstGeom prst="rect">
+            <a:avLst/>
+          </a:prstGeom>
+        </p:spPr>
+      </p:pic>
+      <p:pic>
+        <p:nvPicPr>
+          <p:cNvPr id="6" name="Obrázok 5"/>
+          <p:cNvPicPr>
+            <a:picLocks noChangeAspect="1"/>
+          </p:cNvPicPr>
+          <p:nvPr/>
+        </p:nvPicPr>
+        <p:blipFill>
+          <a:blip r:embed="rId4">
+            <a:extLst>
+              <a:ext uri="{28A0092B-C50C-407E-A947-70E740481C1C}">
+                <a14:useLocalDpi xmlns:a14="http://schemas.microsoft.com/office/drawing/2010/main" val="0"/>
+              </a:ext>
+            </a:extLst>
+          </a:blip>
+          <a:stretch>
+            <a:fillRect/>
+          </a:stretch>
+        </p:blipFill>
+        <p:spPr>
+          <a:xfrm>
+            <a:off x="9662480" y="4781183"/>
+            <a:ext cx="2390775" cy="1914525"/>
+          </a:xfrm>
+          <a:prstGeom prst="rect">
+            <a:avLst/>
+          </a:prstGeom>
+        </p:spPr>
+      </p:pic>
+    </p:spTree>
+    <p:extLst>
+      <p:ext uri="{BB962C8B-B14F-4D97-AF65-F5344CB8AC3E}">
+        <p14:creationId xmlns:p14="http://schemas.microsoft.com/office/powerpoint/2010/main" val="1019827738"/>
+      </p:ext>
+    </p:extLst>
+  </p:cSld>
+  <p:clrMapOvr>
+    <a:masterClrMapping/>
+  </p:clrMapOvr>
+  <p:timing>
+    <p:tnLst>
+      <p:par>
+        <p:cTn id="1" dur="indefinite" restart="never" nodeType="tmRoot"/>
+      </p:par>
+    </p:tnLst>
   </p:timing>
 </p:sld>
 </file>

--- a/SOLIDPrinciples.pptx
+++ b/SOLIDPrinciples.pptx
@@ -5,7 +5,7 @@
     <p:sldMasterId id="2147483648" r:id="rId1"/>
   </p:sldMasterIdLst>
   <p:notesMasterIdLst>
-    <p:notesMasterId r:id="rId42"/>
+    <p:notesMasterId r:id="rId48"/>
   </p:notesMasterIdLst>
   <p:sldIdLst>
     <p:sldId id="257" r:id="rId2"/>
@@ -46,8 +46,14 @@
     <p:sldId id="295" r:id="rId37"/>
     <p:sldId id="296" r:id="rId38"/>
     <p:sldId id="297" r:id="rId39"/>
-    <p:sldId id="283" r:id="rId40"/>
-    <p:sldId id="258" r:id="rId41"/>
+    <p:sldId id="298" r:id="rId40"/>
+    <p:sldId id="299" r:id="rId41"/>
+    <p:sldId id="300" r:id="rId42"/>
+    <p:sldId id="303" r:id="rId43"/>
+    <p:sldId id="301" r:id="rId44"/>
+    <p:sldId id="302" r:id="rId45"/>
+    <p:sldId id="283" r:id="rId46"/>
+    <p:sldId id="258" r:id="rId47"/>
   </p:sldIdLst>
   <p:sldSz cx="12192000" cy="6858000"/>
   <p:notesSz cx="6858000" cy="9144000"/>
@@ -236,7 +242,7 @@
           <a:p>
             <a:fld id="{B6797C0A-B3BF-45C1-AF59-5C8973714672}" type="datetimeFigureOut">
               <a:rPr lang="sk-SK" smtClean="0"/>
-              <a:t>8. 12. 2017</a:t>
+              <a:t>9. 12. 2017</a:t>
             </a:fld>
             <a:endParaRPr lang="sk-SK"/>
           </a:p>
@@ -8985,10 +8991,8 @@
                 <a:ea typeface="+mn-ea"/>
                 <a:cs typeface="+mn-cs"/>
               </a:rPr>
-              <a:t>Nemusíme implementovať veci, ktoré sú v našom kontexte nepotrebné</a:t>
-            </a:r>
-          </a:p>
-          <a:p>
+              <a:t>Nemusíme implementovať veci, ktoré sú v našom kontexte </a:t>
+            </a:r>
             <a:r>
               <a:rPr lang="sk-SK" sz="1200" b="0" kern="1200" baseline="0" dirty="0" smtClean="0">
                 <a:solidFill>
@@ -8999,6 +9003,31 @@
                 <a:ea typeface="+mn-ea"/>
                 <a:cs typeface="+mn-cs"/>
               </a:rPr>
+              <a:t>nepotrebné. Nemusím sa o to starať.</a:t>
+            </a:r>
+          </a:p>
+          <a:p>
+            <a:endParaRPr lang="sk-SK" sz="1200" b="0" kern="1200" baseline="0" dirty="0" smtClean="0">
+              <a:solidFill>
+                <a:schemeClr val="tx1"/>
+              </a:solidFill>
+              <a:effectLst/>
+              <a:latin typeface="+mn-lt"/>
+              <a:ea typeface="+mn-ea"/>
+              <a:cs typeface="+mn-cs"/>
+            </a:endParaRPr>
+          </a:p>
+          <a:p>
+            <a:r>
+              <a:rPr lang="sk-SK" sz="1200" b="0" kern="1200" baseline="0" dirty="0" smtClean="0">
+                <a:solidFill>
+                  <a:schemeClr val="tx1"/>
+                </a:solidFill>
+                <a:effectLst/>
+                <a:latin typeface="+mn-lt"/>
+                <a:ea typeface="+mn-ea"/>
+                <a:cs typeface="+mn-cs"/>
+              </a:rPr>
               <a:t>A samozrejme, klient, ktorý používa náš </a:t>
             </a:r>
             <a:r>
@@ -9023,19 +9052,7 @@
                 <a:ea typeface="+mn-ea"/>
                 <a:cs typeface="+mn-cs"/>
               </a:rPr>
-              <a:t>, nemusí rozmýšľať na čo sú tie všetky metódy. Má len to čo </a:t>
-            </a:r>
-            <a:r>
-              <a:rPr lang="sk-SK" sz="1200" b="0" kern="1200" baseline="0" smtClean="0">
-                <a:solidFill>
-                  <a:schemeClr val="tx1"/>
-                </a:solidFill>
-                <a:effectLst/>
-                <a:latin typeface="+mn-lt"/>
-                <a:ea typeface="+mn-ea"/>
-                <a:cs typeface="+mn-cs"/>
-              </a:rPr>
-              <a:t>naozaj potrebuje.</a:t>
+              <a:t>, nemusí rozmýšľať na čo sú tie všetky metódy. Má len to čo naozaj potrebuje.</a:t>
             </a:r>
             <a:endParaRPr lang="sk-SK" sz="1200" b="0" kern="1200" dirty="0">
               <a:solidFill>
@@ -9129,21 +9146,259 @@
           <a:bodyPr/>
           <a:lstStyle/>
           <a:p>
-            <a:r>
-              <a:rPr lang="sk-SK" dirty="0" smtClean="0"/>
-              <a:t>Dá sa to spraviť generické.</a:t>
-            </a:r>
-            <a:r>
-              <a:rPr lang="sk-SK" baseline="0" dirty="0" smtClean="0"/>
-              <a:t> Univerzálne na akýkoľvek typ dát. Ale to by bolo na inú debatu.</a:t>
-            </a:r>
-          </a:p>
-          <a:p>
-            <a:r>
-              <a:rPr lang="sk-SK" baseline="0" dirty="0" smtClean="0"/>
-              <a:t>Čo ak nebudeme chcieť odosielať mailom, ale ukladať to niekde, odoslať to na webovú službu?</a:t>
-            </a:r>
-            <a:endParaRPr lang="sk-SK" dirty="0"/>
+            <a:pPr marL="0" marR="0" lvl="0" indent="0" algn="l" defTabSz="914400" rtl="0" eaLnBrk="1" fontAlgn="auto" latinLnBrk="0" hangingPunct="1">
+              <a:lnSpc>
+                <a:spcPct val="100000"/>
+              </a:lnSpc>
+              <a:spcBef>
+                <a:spcPts val="0"/>
+              </a:spcBef>
+              <a:spcAft>
+                <a:spcPts val="0"/>
+              </a:spcAft>
+              <a:buClrTx/>
+              <a:buSzTx/>
+              <a:buFontTx/>
+              <a:buNone/>
+              <a:tabLst/>
+              <a:defRPr/>
+            </a:pPr>
+            <a:r>
+              <a:rPr lang="sk-SK" sz="1200" b="0" kern="1200" dirty="0" smtClean="0">
+                <a:solidFill>
+                  <a:schemeClr val="tx1"/>
+                </a:solidFill>
+                <a:effectLst/>
+                <a:latin typeface="+mn-lt"/>
+                <a:ea typeface="+mn-ea"/>
+                <a:cs typeface="+mn-cs"/>
+              </a:rPr>
+              <a:t>Posledným je </a:t>
+            </a:r>
+            <a:r>
+              <a:rPr lang="sk-SK" sz="1200" b="0" kern="1200" dirty="0" err="1" smtClean="0">
+                <a:solidFill>
+                  <a:schemeClr val="tx1"/>
+                </a:solidFill>
+                <a:effectLst/>
+                <a:latin typeface="+mn-lt"/>
+                <a:ea typeface="+mn-ea"/>
+                <a:cs typeface="+mn-cs"/>
+              </a:rPr>
+              <a:t>Dependency</a:t>
+            </a:r>
+            <a:r>
+              <a:rPr lang="sk-SK" sz="1200" b="0" kern="1200" dirty="0" smtClean="0">
+                <a:solidFill>
+                  <a:schemeClr val="tx1"/>
+                </a:solidFill>
+                <a:effectLst/>
+                <a:latin typeface="+mn-lt"/>
+                <a:ea typeface="+mn-ea"/>
+                <a:cs typeface="+mn-cs"/>
+              </a:rPr>
+              <a:t> </a:t>
+            </a:r>
+            <a:r>
+              <a:rPr lang="sk-SK" sz="1200" b="0" kern="1200" dirty="0" err="1" smtClean="0">
+                <a:solidFill>
+                  <a:schemeClr val="tx1"/>
+                </a:solidFill>
+                <a:effectLst/>
+                <a:latin typeface="+mn-lt"/>
+                <a:ea typeface="+mn-ea"/>
+                <a:cs typeface="+mn-cs"/>
+              </a:rPr>
+              <a:t>Inversion</a:t>
+            </a:r>
+            <a:r>
+              <a:rPr lang="sk-SK" sz="1200" b="0" kern="1200" dirty="0" smtClean="0">
+                <a:solidFill>
+                  <a:schemeClr val="tx1"/>
+                </a:solidFill>
+                <a:effectLst/>
+                <a:latin typeface="+mn-lt"/>
+                <a:ea typeface="+mn-ea"/>
+                <a:cs typeface="+mn-cs"/>
+              </a:rPr>
+              <a:t> </a:t>
+            </a:r>
+            <a:r>
+              <a:rPr lang="sk-SK" sz="1200" b="0" kern="1200" dirty="0" err="1" smtClean="0">
+                <a:solidFill>
+                  <a:schemeClr val="tx1"/>
+                </a:solidFill>
+                <a:effectLst/>
+                <a:latin typeface="+mn-lt"/>
+                <a:ea typeface="+mn-ea"/>
+                <a:cs typeface="+mn-cs"/>
+              </a:rPr>
+              <a:t>Principle</a:t>
+            </a:r>
+            <a:r>
+              <a:rPr lang="sk-SK" sz="1200" b="0" kern="1200" dirty="0" smtClean="0">
+                <a:solidFill>
+                  <a:schemeClr val="tx1"/>
+                </a:solidFill>
+                <a:effectLst/>
+                <a:latin typeface="+mn-lt"/>
+                <a:ea typeface="+mn-ea"/>
+                <a:cs typeface="+mn-cs"/>
+              </a:rPr>
+              <a:t>.</a:t>
+            </a:r>
+          </a:p>
+          <a:p>
+            <a:pPr marL="0" marR="0" lvl="0" indent="0" algn="l" defTabSz="914400" rtl="0" eaLnBrk="1" fontAlgn="auto" latinLnBrk="0" hangingPunct="1">
+              <a:lnSpc>
+                <a:spcPct val="100000"/>
+              </a:lnSpc>
+              <a:spcBef>
+                <a:spcPts val="0"/>
+              </a:spcBef>
+              <a:spcAft>
+                <a:spcPts val="0"/>
+              </a:spcAft>
+              <a:buClrTx/>
+              <a:buSzTx/>
+              <a:buFontTx/>
+              <a:buNone/>
+              <a:tabLst/>
+              <a:defRPr/>
+            </a:pPr>
+            <a:endParaRPr lang="sk-SK" sz="1200" b="0" kern="1200" dirty="0" smtClean="0">
+              <a:solidFill>
+                <a:schemeClr val="tx1"/>
+              </a:solidFill>
+              <a:effectLst/>
+              <a:latin typeface="+mn-lt"/>
+              <a:ea typeface="+mn-ea"/>
+              <a:cs typeface="+mn-cs"/>
+            </a:endParaRPr>
+          </a:p>
+          <a:p>
+            <a:pPr marL="0" marR="0" lvl="0" indent="0" algn="l" defTabSz="914400" rtl="0" eaLnBrk="1" fontAlgn="auto" latinLnBrk="0" hangingPunct="1">
+              <a:lnSpc>
+                <a:spcPct val="100000"/>
+              </a:lnSpc>
+              <a:spcBef>
+                <a:spcPts val="0"/>
+              </a:spcBef>
+              <a:spcAft>
+                <a:spcPts val="0"/>
+              </a:spcAft>
+              <a:buClrTx/>
+              <a:buSzTx/>
+              <a:buFontTx/>
+              <a:buNone/>
+              <a:tabLst/>
+              <a:defRPr/>
+            </a:pPr>
+            <a:r>
+              <a:rPr lang="sk-SK" sz="1200" b="0" kern="1200" dirty="0" smtClean="0">
+                <a:solidFill>
+                  <a:schemeClr val="tx1"/>
+                </a:solidFill>
+                <a:effectLst/>
+                <a:latin typeface="+mn-lt"/>
+                <a:ea typeface="+mn-ea"/>
+                <a:cs typeface="+mn-cs"/>
+              </a:rPr>
+              <a:t>Často zamieňaný za </a:t>
+            </a:r>
+            <a:r>
+              <a:rPr lang="sk-SK" sz="1200" b="0" kern="1200" dirty="0" err="1" smtClean="0">
+                <a:solidFill>
+                  <a:schemeClr val="tx1"/>
+                </a:solidFill>
+                <a:effectLst/>
+                <a:latin typeface="+mn-lt"/>
+                <a:ea typeface="+mn-ea"/>
+                <a:cs typeface="+mn-cs"/>
+              </a:rPr>
+              <a:t>Dependency</a:t>
+            </a:r>
+            <a:r>
+              <a:rPr lang="sk-SK" sz="1200" b="0" kern="1200" dirty="0" smtClean="0">
+                <a:solidFill>
+                  <a:schemeClr val="tx1"/>
+                </a:solidFill>
+                <a:effectLst/>
+                <a:latin typeface="+mn-lt"/>
+                <a:ea typeface="+mn-ea"/>
+                <a:cs typeface="+mn-cs"/>
+              </a:rPr>
+              <a:t> </a:t>
+            </a:r>
+            <a:r>
+              <a:rPr lang="sk-SK" sz="1200" b="0" kern="1200" dirty="0" err="1" smtClean="0">
+                <a:solidFill>
+                  <a:schemeClr val="tx1"/>
+                </a:solidFill>
+                <a:effectLst/>
+                <a:latin typeface="+mn-lt"/>
+                <a:ea typeface="+mn-ea"/>
+                <a:cs typeface="+mn-cs"/>
+              </a:rPr>
+              <a:t>injection</a:t>
+            </a:r>
+            <a:r>
+              <a:rPr lang="sk-SK" sz="1200" b="0" kern="1200" dirty="0" smtClean="0">
+                <a:solidFill>
+                  <a:schemeClr val="tx1"/>
+                </a:solidFill>
+                <a:effectLst/>
+                <a:latin typeface="+mn-lt"/>
+                <a:ea typeface="+mn-ea"/>
+                <a:cs typeface="+mn-cs"/>
+              </a:rPr>
+              <a:t> </a:t>
+            </a:r>
+            <a:r>
+              <a:rPr lang="sk-SK" sz="1200" b="0" kern="1200" dirty="0" err="1" smtClean="0">
+                <a:solidFill>
+                  <a:schemeClr val="tx1"/>
+                </a:solidFill>
+                <a:effectLst/>
+                <a:latin typeface="+mn-lt"/>
+                <a:ea typeface="+mn-ea"/>
+                <a:cs typeface="+mn-cs"/>
+              </a:rPr>
+              <a:t>principle</a:t>
+            </a:r>
+            <a:r>
+              <a:rPr lang="sk-SK" sz="1200" b="0" kern="1200" dirty="0" smtClean="0">
+                <a:solidFill>
+                  <a:schemeClr val="tx1"/>
+                </a:solidFill>
+                <a:effectLst/>
+                <a:latin typeface="+mn-lt"/>
+                <a:ea typeface="+mn-ea"/>
+                <a:cs typeface="+mn-cs"/>
+              </a:rPr>
+              <a:t>. Čo je</a:t>
+            </a:r>
+            <a:r>
+              <a:rPr lang="sk-SK" sz="1200" b="0" kern="1200" baseline="0" dirty="0" smtClean="0">
+                <a:solidFill>
+                  <a:schemeClr val="tx1"/>
+                </a:solidFill>
+                <a:effectLst/>
+                <a:latin typeface="+mn-lt"/>
+                <a:ea typeface="+mn-ea"/>
+                <a:cs typeface="+mn-cs"/>
+              </a:rPr>
+              <a:t> niečo iné, nie moc, ale je. Vysvetlíme si.</a:t>
+            </a:r>
+            <a:endParaRPr lang="sk-SK" sz="1200" b="0" kern="1200" dirty="0" smtClean="0">
+              <a:solidFill>
+                <a:schemeClr val="tx1"/>
+              </a:solidFill>
+              <a:effectLst/>
+              <a:latin typeface="+mn-lt"/>
+              <a:ea typeface="+mn-ea"/>
+              <a:cs typeface="+mn-cs"/>
+            </a:endParaRPr>
           </a:p>
         </p:txBody>
       </p:sp>
@@ -9173,7 +9428,7 @@
     </p:spTree>
     <p:extLst>
       <p:ext uri="{BB962C8B-B14F-4D97-AF65-F5344CB8AC3E}">
-        <p14:creationId xmlns:p14="http://schemas.microsoft.com/office/powerpoint/2010/main" val="336857164"/>
+        <p14:creationId xmlns:p14="http://schemas.microsoft.com/office/powerpoint/2010/main" val="943485575"/>
       </p:ext>
     </p:extLst>
   </p:cSld>
@@ -9227,7 +9482,79 @@
           <a:bodyPr/>
           <a:lstStyle/>
           <a:p>
-            <a:endParaRPr lang="sk-SK" dirty="0"/>
+            <a:r>
+              <a:rPr lang="sk-SK" sz="1200" b="0" kern="1200" dirty="0" smtClean="0">
+                <a:solidFill>
+                  <a:schemeClr val="tx1"/>
+                </a:solidFill>
+                <a:effectLst/>
+                <a:latin typeface="+mn-lt"/>
+                <a:ea typeface="+mn-ea"/>
+                <a:cs typeface="+mn-cs"/>
+              </a:rPr>
+              <a:t>Keď budete </a:t>
+            </a:r>
+            <a:r>
+              <a:rPr lang="sk-SK" sz="1200" b="0" kern="1200" dirty="0" err="1" smtClean="0">
+                <a:solidFill>
+                  <a:schemeClr val="tx1"/>
+                </a:solidFill>
+                <a:effectLst/>
+                <a:latin typeface="+mn-lt"/>
+                <a:ea typeface="+mn-ea"/>
+                <a:cs typeface="+mn-cs"/>
+              </a:rPr>
+              <a:t>googliť</a:t>
+            </a:r>
+            <a:r>
+              <a:rPr lang="sk-SK" sz="1200" b="0" kern="1200" dirty="0" smtClean="0">
+                <a:solidFill>
+                  <a:schemeClr val="tx1"/>
+                </a:solidFill>
+                <a:effectLst/>
+                <a:latin typeface="+mn-lt"/>
+                <a:ea typeface="+mn-ea"/>
+                <a:cs typeface="+mn-cs"/>
+              </a:rPr>
+              <a:t> tak nájdete určite túto definíciu. </a:t>
+            </a:r>
+          </a:p>
+          <a:p>
+            <a:r>
+              <a:rPr lang="sk-SK" sz="1200" b="0" kern="1200" dirty="0" smtClean="0">
+                <a:solidFill>
+                  <a:schemeClr val="tx1"/>
+                </a:solidFill>
+                <a:effectLst/>
+                <a:latin typeface="+mn-lt"/>
+                <a:ea typeface="+mn-ea"/>
+                <a:cs typeface="+mn-cs"/>
+              </a:rPr>
+              <a:t>Dôsledok</a:t>
+            </a:r>
+            <a:r>
+              <a:rPr lang="sk-SK" sz="1200" b="0" kern="1200" baseline="0" dirty="0" smtClean="0">
+                <a:solidFill>
+                  <a:schemeClr val="tx1"/>
+                </a:solidFill>
+                <a:effectLst/>
+                <a:latin typeface="+mn-lt"/>
+                <a:ea typeface="+mn-ea"/>
+                <a:cs typeface="+mn-cs"/>
+              </a:rPr>
+              <a:t> tejto definície by bolo, že všetko sa odkazuje na abstrakcie a v konečnom dôsledku nemáme žiadnu implementáciu.</a:t>
+            </a:r>
+          </a:p>
+          <a:p>
+            <a:endParaRPr lang="sk-SK" sz="1200" b="0" kern="1200" dirty="0">
+              <a:solidFill>
+                <a:schemeClr val="tx1"/>
+              </a:solidFill>
+              <a:effectLst/>
+              <a:latin typeface="+mn-lt"/>
+              <a:ea typeface="+mn-ea"/>
+              <a:cs typeface="+mn-cs"/>
+            </a:endParaRPr>
           </a:p>
         </p:txBody>
       </p:sp>
@@ -9257,7 +9584,7 @@
     </p:spTree>
     <p:extLst>
       <p:ext uri="{BB962C8B-B14F-4D97-AF65-F5344CB8AC3E}">
-        <p14:creationId xmlns:p14="http://schemas.microsoft.com/office/powerpoint/2010/main" val="975442083"/>
+        <p14:creationId xmlns:p14="http://schemas.microsoft.com/office/powerpoint/2010/main" val="3863952067"/>
       </p:ext>
     </p:extLst>
   </p:cSld>
@@ -9484,6 +9811,2496 @@
     <p:extLst>
       <p:ext uri="{BB962C8B-B14F-4D97-AF65-F5344CB8AC3E}">
         <p14:creationId xmlns:p14="http://schemas.microsoft.com/office/powerpoint/2010/main" val="3163870995"/>
+      </p:ext>
+    </p:extLst>
+  </p:cSld>
+  <p:clrMapOvr>
+    <a:masterClrMapping/>
+  </p:clrMapOvr>
+</p:notes>
+</file>
+
+<file path=ppt/notesSlides/notesSlide40.xml><?xml version="1.0" encoding="utf-8"?>
+<p:notes xmlns:a="http://schemas.openxmlformats.org/drawingml/2006/main" xmlns:r="http://schemas.openxmlformats.org/officeDocument/2006/relationships" xmlns:p="http://schemas.openxmlformats.org/presentationml/2006/main">
+  <p:cSld>
+    <p:spTree>
+      <p:nvGrpSpPr>
+        <p:cNvPr id="1" name=""/>
+        <p:cNvGrpSpPr/>
+        <p:nvPr/>
+      </p:nvGrpSpPr>
+      <p:grpSpPr>
+        <a:xfrm>
+          <a:off x="0" y="0"/>
+          <a:ext cx="0" cy="0"/>
+          <a:chOff x="0" y="0"/>
+          <a:chExt cx="0" cy="0"/>
+        </a:xfrm>
+      </p:grpSpPr>
+      <p:sp>
+        <p:nvSpPr>
+          <p:cNvPr id="2" name="Zástupný objekt pre obrázok snímky 1"/>
+          <p:cNvSpPr>
+            <a:spLocks noGrp="1" noRot="1" noChangeAspect="1"/>
+          </p:cNvSpPr>
+          <p:nvPr>
+            <p:ph type="sldImg"/>
+          </p:nvPr>
+        </p:nvSpPr>
+        <p:spPr/>
+      </p:sp>
+      <p:sp>
+        <p:nvSpPr>
+          <p:cNvPr id="3" name="Zástupný objekt pre poznámky 2"/>
+          <p:cNvSpPr>
+            <a:spLocks noGrp="1"/>
+          </p:cNvSpPr>
+          <p:nvPr>
+            <p:ph type="body" idx="1"/>
+          </p:nvPr>
+        </p:nvSpPr>
+        <p:spPr/>
+        <p:txBody>
+          <a:bodyPr/>
+          <a:lstStyle/>
+          <a:p>
+            <a:r>
+              <a:rPr lang="sk-SK" sz="1200" b="0" kern="1200" dirty="0" smtClean="0">
+                <a:solidFill>
+                  <a:schemeClr val="tx1"/>
+                </a:solidFill>
+                <a:effectLst/>
+                <a:latin typeface="+mn-lt"/>
+                <a:ea typeface="+mn-ea"/>
+                <a:cs typeface="+mn-cs"/>
+              </a:rPr>
+              <a:t>V</a:t>
+            </a:r>
+            <a:r>
+              <a:rPr lang="sk-SK" sz="1200" b="0" kern="1200" baseline="0" dirty="0" smtClean="0">
+                <a:solidFill>
+                  <a:schemeClr val="tx1"/>
+                </a:solidFill>
+                <a:effectLst/>
+                <a:latin typeface="+mn-lt"/>
+                <a:ea typeface="+mn-ea"/>
+                <a:cs typeface="+mn-cs"/>
+              </a:rPr>
+              <a:t> princípe, je to pravidlo, ktoré na záver podporuje všetky </a:t>
+            </a:r>
+            <a:r>
+              <a:rPr lang="sk-SK" sz="1200" b="0" kern="1200" baseline="0" dirty="0" err="1" smtClean="0">
+                <a:solidFill>
+                  <a:schemeClr val="tx1"/>
+                </a:solidFill>
+                <a:effectLst/>
+                <a:latin typeface="+mn-lt"/>
+                <a:ea typeface="+mn-ea"/>
+                <a:cs typeface="+mn-cs"/>
+              </a:rPr>
+              <a:t>predchadzajúce</a:t>
+            </a:r>
+            <a:r>
+              <a:rPr lang="sk-SK" sz="1200" b="0" kern="1200" baseline="0" dirty="0" smtClean="0">
+                <a:solidFill>
+                  <a:schemeClr val="tx1"/>
+                </a:solidFill>
+                <a:effectLst/>
+                <a:latin typeface="+mn-lt"/>
+                <a:ea typeface="+mn-ea"/>
+                <a:cs typeface="+mn-cs"/>
+              </a:rPr>
+              <a:t>, hlavne OCP.</a:t>
+            </a:r>
+          </a:p>
+          <a:p>
+            <a:endParaRPr lang="sk-SK" sz="1200" b="0" kern="1200" baseline="0" dirty="0" smtClean="0">
+              <a:solidFill>
+                <a:schemeClr val="tx1"/>
+              </a:solidFill>
+              <a:effectLst/>
+              <a:latin typeface="+mn-lt"/>
+              <a:ea typeface="+mn-ea"/>
+              <a:cs typeface="+mn-cs"/>
+            </a:endParaRPr>
+          </a:p>
+          <a:p>
+            <a:r>
+              <a:rPr lang="sk-SK" sz="1200" b="0" kern="1200" baseline="0" dirty="0" smtClean="0">
+                <a:solidFill>
+                  <a:schemeClr val="tx1"/>
+                </a:solidFill>
+                <a:effectLst/>
+                <a:latin typeface="+mn-lt"/>
+                <a:ea typeface="+mn-ea"/>
+                <a:cs typeface="+mn-cs"/>
+              </a:rPr>
+              <a:t>Pravidlo ako také hovorí len o tom, že sa v rámci </a:t>
+            </a:r>
+            <a:r>
+              <a:rPr lang="sk-SK" sz="1200" b="0" kern="1200" baseline="0" dirty="0" err="1" smtClean="0">
+                <a:solidFill>
+                  <a:schemeClr val="tx1"/>
+                </a:solidFill>
+                <a:effectLst/>
+                <a:latin typeface="+mn-lt"/>
+                <a:ea typeface="+mn-ea"/>
+                <a:cs typeface="+mn-cs"/>
+              </a:rPr>
+              <a:t>vaších</a:t>
+            </a:r>
+            <a:r>
+              <a:rPr lang="sk-SK" sz="1200" b="0" kern="1200" baseline="0" dirty="0" smtClean="0">
+                <a:solidFill>
+                  <a:schemeClr val="tx1"/>
+                </a:solidFill>
+                <a:effectLst/>
+                <a:latin typeface="+mn-lt"/>
+                <a:ea typeface="+mn-ea"/>
+                <a:cs typeface="+mn-cs"/>
+              </a:rPr>
+              <a:t> tried máte odkazovať na abstrakcie, nie na konkrétne implementácie. </a:t>
+            </a:r>
+          </a:p>
+          <a:p>
+            <a:endParaRPr lang="sk-SK" sz="1200" b="0" kern="1200" baseline="0" dirty="0" smtClean="0">
+              <a:solidFill>
+                <a:schemeClr val="tx1"/>
+              </a:solidFill>
+              <a:effectLst/>
+              <a:latin typeface="+mn-lt"/>
+              <a:ea typeface="+mn-ea"/>
+              <a:cs typeface="+mn-cs"/>
+            </a:endParaRPr>
+          </a:p>
+          <a:p>
+            <a:r>
+              <a:rPr lang="sk-SK" sz="1200" b="0" kern="1200" baseline="0" dirty="0" smtClean="0">
+                <a:solidFill>
+                  <a:schemeClr val="tx1"/>
+                </a:solidFill>
+                <a:effectLst/>
+                <a:latin typeface="+mn-lt"/>
+                <a:ea typeface="+mn-ea"/>
+                <a:cs typeface="+mn-cs"/>
+              </a:rPr>
+              <a:t>To ako konkrétne implementácie dostane nič nehovorí, na to je pravidlo. </a:t>
+            </a:r>
+          </a:p>
+          <a:p>
+            <a:endParaRPr lang="sk-SK" sz="1200" b="0" kern="1200" baseline="0" dirty="0" smtClean="0">
+              <a:solidFill>
+                <a:schemeClr val="tx1"/>
+              </a:solidFill>
+              <a:effectLst/>
+              <a:latin typeface="+mn-lt"/>
+              <a:ea typeface="+mn-ea"/>
+              <a:cs typeface="+mn-cs"/>
+            </a:endParaRPr>
+          </a:p>
+          <a:p>
+            <a:endParaRPr lang="sk-SK" sz="1200" b="0" kern="1200" baseline="0" dirty="0" smtClean="0">
+              <a:solidFill>
+                <a:schemeClr val="tx1"/>
+              </a:solidFill>
+              <a:effectLst/>
+              <a:latin typeface="+mn-lt"/>
+              <a:ea typeface="+mn-ea"/>
+              <a:cs typeface="+mn-cs"/>
+            </a:endParaRPr>
+          </a:p>
+        </p:txBody>
+      </p:sp>
+      <p:sp>
+        <p:nvSpPr>
+          <p:cNvPr id="4" name="Zástupný objekt pre číslo snímky 3"/>
+          <p:cNvSpPr>
+            <a:spLocks noGrp="1"/>
+          </p:cNvSpPr>
+          <p:nvPr>
+            <p:ph type="sldNum" sz="quarter" idx="10"/>
+          </p:nvPr>
+        </p:nvSpPr>
+        <p:spPr/>
+        <p:txBody>
+          <a:bodyPr/>
+          <a:lstStyle/>
+          <a:p>
+            <a:fld id="{8683B77B-E50F-4F41-84C3-C1D230689A8D}" type="slidenum">
+              <a:rPr lang="sk-SK" smtClean="0"/>
+              <a:t>41</a:t>
+            </a:fld>
+            <a:endParaRPr lang="sk-SK"/>
+          </a:p>
+        </p:txBody>
+      </p:sp>
+    </p:spTree>
+    <p:extLst>
+      <p:ext uri="{BB962C8B-B14F-4D97-AF65-F5344CB8AC3E}">
+        <p14:creationId xmlns:p14="http://schemas.microsoft.com/office/powerpoint/2010/main" val="492669052"/>
+      </p:ext>
+    </p:extLst>
+  </p:cSld>
+  <p:clrMapOvr>
+    <a:masterClrMapping/>
+  </p:clrMapOvr>
+</p:notes>
+</file>
+
+<file path=ppt/notesSlides/notesSlide41.xml><?xml version="1.0" encoding="utf-8"?>
+<p:notes xmlns:a="http://schemas.openxmlformats.org/drawingml/2006/main" xmlns:r="http://schemas.openxmlformats.org/officeDocument/2006/relationships" xmlns:p="http://schemas.openxmlformats.org/presentationml/2006/main">
+  <p:cSld>
+    <p:spTree>
+      <p:nvGrpSpPr>
+        <p:cNvPr id="1" name=""/>
+        <p:cNvGrpSpPr/>
+        <p:nvPr/>
+      </p:nvGrpSpPr>
+      <p:grpSpPr>
+        <a:xfrm>
+          <a:off x="0" y="0"/>
+          <a:ext cx="0" cy="0"/>
+          <a:chOff x="0" y="0"/>
+          <a:chExt cx="0" cy="0"/>
+        </a:xfrm>
+      </p:grpSpPr>
+      <p:sp>
+        <p:nvSpPr>
+          <p:cNvPr id="2" name="Zástupný objekt pre obrázok snímky 1"/>
+          <p:cNvSpPr>
+            <a:spLocks noGrp="1" noRot="1" noChangeAspect="1"/>
+          </p:cNvSpPr>
+          <p:nvPr>
+            <p:ph type="sldImg"/>
+          </p:nvPr>
+        </p:nvSpPr>
+        <p:spPr/>
+      </p:sp>
+      <p:sp>
+        <p:nvSpPr>
+          <p:cNvPr id="3" name="Zástupný objekt pre poznámky 2"/>
+          <p:cNvSpPr>
+            <a:spLocks noGrp="1"/>
+          </p:cNvSpPr>
+          <p:nvPr>
+            <p:ph type="body" idx="1"/>
+          </p:nvPr>
+        </p:nvSpPr>
+        <p:spPr/>
+        <p:txBody>
+          <a:bodyPr/>
+          <a:lstStyle/>
+          <a:p>
+            <a:r>
+              <a:rPr lang="sk-SK" sz="1200" b="0" kern="1200" baseline="0" dirty="0" smtClean="0">
+                <a:solidFill>
+                  <a:schemeClr val="tx1"/>
+                </a:solidFill>
+                <a:effectLst/>
+                <a:latin typeface="+mn-lt"/>
+                <a:ea typeface="+mn-ea"/>
+                <a:cs typeface="+mn-cs"/>
+              </a:rPr>
+              <a:t>Máme aplikáciu.</a:t>
+            </a:r>
+          </a:p>
+          <a:p>
+            <a:r>
+              <a:rPr lang="sk-SK" sz="1200" b="0" kern="1200" baseline="0" dirty="0" smtClean="0">
+                <a:solidFill>
+                  <a:schemeClr val="tx1"/>
+                </a:solidFill>
+                <a:effectLst/>
+                <a:latin typeface="+mn-lt"/>
+                <a:ea typeface="+mn-ea"/>
+                <a:cs typeface="+mn-cs"/>
+              </a:rPr>
+              <a:t>Tá sa odkazuje na </a:t>
+            </a:r>
+            <a:r>
+              <a:rPr lang="sk-SK" sz="1200" b="0" kern="1200" baseline="0" dirty="0" err="1" smtClean="0">
+                <a:solidFill>
+                  <a:schemeClr val="tx1"/>
+                </a:solidFill>
+                <a:effectLst/>
+                <a:latin typeface="+mn-lt"/>
+                <a:ea typeface="+mn-ea"/>
+                <a:cs typeface="+mn-cs"/>
+              </a:rPr>
+              <a:t>IPeopleReportService</a:t>
+            </a:r>
+            <a:r>
+              <a:rPr lang="sk-SK" sz="1200" b="0" kern="1200" baseline="0" dirty="0" smtClean="0">
+                <a:solidFill>
+                  <a:schemeClr val="tx1"/>
+                </a:solidFill>
+                <a:effectLst/>
+                <a:latin typeface="+mn-lt"/>
+                <a:ea typeface="+mn-ea"/>
+                <a:cs typeface="+mn-cs"/>
+              </a:rPr>
+              <a:t>. Tej je implementovaný </a:t>
+            </a:r>
+            <a:r>
+              <a:rPr lang="sk-SK" sz="1200" b="0" kern="1200" baseline="0" dirty="0" err="1" smtClean="0">
+                <a:solidFill>
+                  <a:schemeClr val="tx1"/>
+                </a:solidFill>
+                <a:effectLst/>
+                <a:latin typeface="+mn-lt"/>
+                <a:ea typeface="+mn-ea"/>
+                <a:cs typeface="+mn-cs"/>
+              </a:rPr>
+              <a:t>PeopleReportService</a:t>
+            </a:r>
+            <a:endParaRPr lang="sk-SK" sz="1200" b="0" kern="1200" baseline="0" dirty="0" smtClean="0">
+              <a:solidFill>
+                <a:schemeClr val="tx1"/>
+              </a:solidFill>
+              <a:effectLst/>
+              <a:latin typeface="+mn-lt"/>
+              <a:ea typeface="+mn-ea"/>
+              <a:cs typeface="+mn-cs"/>
+            </a:endParaRPr>
+          </a:p>
+          <a:p>
+            <a:r>
+              <a:rPr lang="sk-SK" sz="1200" b="0" kern="1200" baseline="0" dirty="0" smtClean="0">
+                <a:solidFill>
+                  <a:schemeClr val="tx1"/>
+                </a:solidFill>
+                <a:effectLst/>
+                <a:latin typeface="+mn-lt"/>
+                <a:ea typeface="+mn-ea"/>
+                <a:cs typeface="+mn-cs"/>
+              </a:rPr>
+              <a:t>Ten závisí od </a:t>
+            </a:r>
+            <a:r>
+              <a:rPr lang="sk-SK" sz="1200" b="0" kern="1200" baseline="0" dirty="0" err="1" smtClean="0">
+                <a:solidFill>
+                  <a:schemeClr val="tx1"/>
+                </a:solidFill>
+                <a:effectLst/>
+                <a:latin typeface="+mn-lt"/>
+                <a:ea typeface="+mn-ea"/>
+                <a:cs typeface="+mn-cs"/>
+              </a:rPr>
+              <a:t>IReadOnlyPeopleRepository</a:t>
+            </a:r>
+            <a:r>
+              <a:rPr lang="sk-SK" sz="1200" b="0" kern="1200" baseline="0" dirty="0" smtClean="0">
+                <a:solidFill>
+                  <a:schemeClr val="tx1"/>
+                </a:solidFill>
+                <a:effectLst/>
+                <a:latin typeface="+mn-lt"/>
+                <a:ea typeface="+mn-ea"/>
+                <a:cs typeface="+mn-cs"/>
+              </a:rPr>
+              <a:t>.</a:t>
+            </a:r>
+          </a:p>
+          <a:p>
+            <a:r>
+              <a:rPr lang="sk-SK" sz="1200" b="0" kern="1200" baseline="0" dirty="0" smtClean="0">
+                <a:solidFill>
+                  <a:schemeClr val="tx1"/>
+                </a:solidFill>
+                <a:effectLst/>
+                <a:latin typeface="+mn-lt"/>
+                <a:ea typeface="+mn-ea"/>
+                <a:cs typeface="+mn-cs"/>
+              </a:rPr>
+              <a:t>Ktoré môže byť implementované tak ako sme videli, alebo môže byť implementované ako </a:t>
+            </a:r>
+            <a:r>
+              <a:rPr lang="sk-SK" sz="1200" b="0" kern="1200" baseline="0" dirty="0" err="1" smtClean="0">
+                <a:solidFill>
+                  <a:schemeClr val="tx1"/>
+                </a:solidFill>
+                <a:effectLst/>
+                <a:latin typeface="+mn-lt"/>
+                <a:ea typeface="+mn-ea"/>
+                <a:cs typeface="+mn-cs"/>
+              </a:rPr>
+              <a:t>WebPeopleRepository</a:t>
+            </a:r>
+            <a:r>
+              <a:rPr lang="sk-SK" sz="1200" b="0" kern="1200" baseline="0" dirty="0" smtClean="0">
+                <a:solidFill>
+                  <a:schemeClr val="tx1"/>
+                </a:solidFill>
+                <a:effectLst/>
+                <a:latin typeface="+mn-lt"/>
+                <a:ea typeface="+mn-ea"/>
+                <a:cs typeface="+mn-cs"/>
+              </a:rPr>
+              <a:t>.</a:t>
+            </a:r>
+          </a:p>
+          <a:p>
+            <a:r>
+              <a:rPr lang="sk-SK" sz="1200" b="0" kern="1200" baseline="0" dirty="0" smtClean="0">
+                <a:solidFill>
+                  <a:schemeClr val="tx1"/>
+                </a:solidFill>
+                <a:effectLst/>
+                <a:latin typeface="+mn-lt"/>
+                <a:ea typeface="+mn-ea"/>
+                <a:cs typeface="+mn-cs"/>
+              </a:rPr>
+              <a:t>Ktoré môže závisieť od </a:t>
+            </a:r>
+            <a:r>
+              <a:rPr lang="sk-SK" sz="1200" b="0" kern="1200" baseline="0" dirty="0" err="1" smtClean="0">
+                <a:solidFill>
+                  <a:schemeClr val="tx1"/>
+                </a:solidFill>
+                <a:effectLst/>
+                <a:latin typeface="+mn-lt"/>
+                <a:ea typeface="+mn-ea"/>
+                <a:cs typeface="+mn-cs"/>
+              </a:rPr>
+              <a:t>IWebClient</a:t>
+            </a:r>
+            <a:r>
+              <a:rPr lang="sk-SK" sz="1200" b="0" kern="1200" baseline="0" dirty="0" smtClean="0">
+                <a:solidFill>
+                  <a:schemeClr val="tx1"/>
+                </a:solidFill>
+                <a:effectLst/>
+                <a:latin typeface="+mn-lt"/>
+                <a:ea typeface="+mn-ea"/>
+                <a:cs typeface="+mn-cs"/>
+              </a:rPr>
+              <a:t>.</a:t>
+            </a:r>
+          </a:p>
+          <a:p>
+            <a:r>
+              <a:rPr lang="sk-SK" sz="1200" b="0" kern="1200" baseline="0" dirty="0" smtClean="0">
+                <a:solidFill>
+                  <a:schemeClr val="tx1"/>
+                </a:solidFill>
+                <a:effectLst/>
+                <a:latin typeface="+mn-lt"/>
+                <a:ea typeface="+mn-ea"/>
+                <a:cs typeface="+mn-cs"/>
+              </a:rPr>
+              <a:t>Ako teraz spravíme to, aby sme v </a:t>
+            </a:r>
+            <a:r>
+              <a:rPr lang="sk-SK" sz="1200" b="0" kern="1200" baseline="0" dirty="0" err="1" smtClean="0">
+                <a:solidFill>
+                  <a:schemeClr val="tx1"/>
+                </a:solidFill>
+                <a:effectLst/>
+                <a:latin typeface="+mn-lt"/>
+                <a:ea typeface="+mn-ea"/>
+                <a:cs typeface="+mn-cs"/>
+              </a:rPr>
+              <a:t>webPeopleRepository</a:t>
+            </a:r>
+            <a:r>
+              <a:rPr lang="sk-SK" sz="1200" b="0" kern="1200" baseline="0" dirty="0" smtClean="0">
+                <a:solidFill>
+                  <a:schemeClr val="tx1"/>
+                </a:solidFill>
+                <a:effectLst/>
+                <a:latin typeface="+mn-lt"/>
+                <a:ea typeface="+mn-ea"/>
+                <a:cs typeface="+mn-cs"/>
+              </a:rPr>
+              <a:t> vymenili tú </a:t>
+            </a:r>
+            <a:r>
+              <a:rPr lang="sk-SK" sz="1200" b="0" kern="1200" baseline="0" dirty="0" err="1" smtClean="0">
+                <a:solidFill>
+                  <a:schemeClr val="tx1"/>
+                </a:solidFill>
+                <a:effectLst/>
+                <a:latin typeface="+mn-lt"/>
+                <a:ea typeface="+mn-ea"/>
+                <a:cs typeface="+mn-cs"/>
+              </a:rPr>
+              <a:t>implementácicu</a:t>
+            </a:r>
+            <a:r>
+              <a:rPr lang="sk-SK" sz="1200" b="0" kern="1200" baseline="0" dirty="0" smtClean="0">
+                <a:solidFill>
+                  <a:schemeClr val="tx1"/>
+                </a:solidFill>
+                <a:effectLst/>
+                <a:latin typeface="+mn-lt"/>
+                <a:ea typeface="+mn-ea"/>
+                <a:cs typeface="+mn-cs"/>
+              </a:rPr>
+              <a:t>.</a:t>
+            </a:r>
+          </a:p>
+          <a:p>
+            <a:endParaRPr lang="sk-SK" sz="1200" b="0" kern="1200" baseline="0" dirty="0" smtClean="0">
+              <a:solidFill>
+                <a:schemeClr val="tx1"/>
+              </a:solidFill>
+              <a:effectLst/>
+              <a:latin typeface="+mn-lt"/>
+              <a:ea typeface="+mn-ea"/>
+              <a:cs typeface="+mn-cs"/>
+            </a:endParaRPr>
+          </a:p>
+          <a:p>
+            <a:r>
+              <a:rPr lang="sk-SK" sz="1200" b="0" kern="1200" baseline="0" dirty="0" smtClean="0">
+                <a:solidFill>
+                  <a:schemeClr val="tx1"/>
+                </a:solidFill>
+                <a:effectLst/>
+                <a:latin typeface="+mn-lt"/>
+                <a:ea typeface="+mn-ea"/>
+                <a:cs typeface="+mn-cs"/>
+              </a:rPr>
+              <a:t>Ktoré je už mimo týchto piatich a volá sa </a:t>
+            </a:r>
+            <a:r>
+              <a:rPr lang="sk-SK" sz="1200" b="0" kern="1200" baseline="0" dirty="0" err="1" smtClean="0">
+                <a:solidFill>
+                  <a:schemeClr val="tx1"/>
+                </a:solidFill>
+                <a:effectLst/>
+                <a:latin typeface="+mn-lt"/>
+                <a:ea typeface="+mn-ea"/>
+                <a:cs typeface="+mn-cs"/>
+              </a:rPr>
+              <a:t>Dependency</a:t>
+            </a:r>
+            <a:r>
+              <a:rPr lang="sk-SK" sz="1200" b="0" kern="1200" baseline="0" dirty="0" smtClean="0">
+                <a:solidFill>
+                  <a:schemeClr val="tx1"/>
+                </a:solidFill>
+                <a:effectLst/>
+                <a:latin typeface="+mn-lt"/>
+                <a:ea typeface="+mn-ea"/>
+                <a:cs typeface="+mn-cs"/>
+              </a:rPr>
+              <a:t> </a:t>
+            </a:r>
+            <a:r>
+              <a:rPr lang="sk-SK" sz="1200" b="0" kern="1200" baseline="0" dirty="0" err="1" smtClean="0">
+                <a:solidFill>
+                  <a:schemeClr val="tx1"/>
+                </a:solidFill>
+                <a:effectLst/>
+                <a:latin typeface="+mn-lt"/>
+                <a:ea typeface="+mn-ea"/>
+                <a:cs typeface="+mn-cs"/>
+              </a:rPr>
+              <a:t>Injection</a:t>
+            </a:r>
+            <a:r>
+              <a:rPr lang="sk-SK" sz="1200" b="0" kern="1200" baseline="0" dirty="0" smtClean="0">
+                <a:solidFill>
+                  <a:schemeClr val="tx1"/>
+                </a:solidFill>
+                <a:effectLst/>
+                <a:latin typeface="+mn-lt"/>
+                <a:ea typeface="+mn-ea"/>
+                <a:cs typeface="+mn-cs"/>
+              </a:rPr>
+              <a:t> </a:t>
+            </a:r>
+            <a:r>
+              <a:rPr lang="sk-SK" sz="1200" b="0" kern="1200" baseline="0" dirty="0" err="1" smtClean="0">
+                <a:solidFill>
+                  <a:schemeClr val="tx1"/>
+                </a:solidFill>
+                <a:effectLst/>
+                <a:latin typeface="+mn-lt"/>
+                <a:ea typeface="+mn-ea"/>
+                <a:cs typeface="+mn-cs"/>
+              </a:rPr>
+              <a:t>Principle</a:t>
+            </a:r>
+            <a:r>
+              <a:rPr lang="sk-SK" sz="1200" b="0" kern="1200" baseline="0" dirty="0" smtClean="0">
+                <a:solidFill>
+                  <a:schemeClr val="tx1"/>
+                </a:solidFill>
+                <a:effectLst/>
+                <a:latin typeface="+mn-lt"/>
+                <a:ea typeface="+mn-ea"/>
+                <a:cs typeface="+mn-cs"/>
+              </a:rPr>
+              <a:t>.</a:t>
+            </a:r>
+          </a:p>
+          <a:p>
+            <a:r>
+              <a:rPr lang="sk-SK" sz="1200" b="0" kern="1200" baseline="0" dirty="0" smtClean="0">
+                <a:solidFill>
+                  <a:schemeClr val="tx1"/>
+                </a:solidFill>
+                <a:effectLst/>
+                <a:latin typeface="+mn-lt"/>
+                <a:ea typeface="+mn-ea"/>
+                <a:cs typeface="+mn-cs"/>
+              </a:rPr>
+              <a:t>Hovorí o tom, že trieda by závislosti mala dostať injektované z vonku. </a:t>
+            </a:r>
+            <a:r>
+              <a:rPr lang="sk-SK" sz="1200" b="0" kern="1200" baseline="0" dirty="0" err="1" smtClean="0">
+                <a:solidFill>
+                  <a:schemeClr val="tx1"/>
+                </a:solidFill>
+                <a:effectLst/>
+                <a:latin typeface="+mn-lt"/>
+                <a:ea typeface="+mn-ea"/>
+                <a:cs typeface="+mn-cs"/>
+              </a:rPr>
+              <a:t>Najš´častejšie</a:t>
+            </a:r>
+            <a:r>
+              <a:rPr lang="sk-SK" sz="1200" b="0" kern="1200" baseline="0" dirty="0" smtClean="0">
+                <a:solidFill>
+                  <a:schemeClr val="tx1"/>
+                </a:solidFill>
+                <a:effectLst/>
+                <a:latin typeface="+mn-lt"/>
+                <a:ea typeface="+mn-ea"/>
+                <a:cs typeface="+mn-cs"/>
+              </a:rPr>
+              <a:t> cez konštruktor, ale môže to byť aj cez </a:t>
+            </a:r>
+            <a:r>
+              <a:rPr lang="sk-SK" sz="1200" b="0" kern="1200" baseline="0" dirty="0" err="1" smtClean="0">
+                <a:solidFill>
+                  <a:schemeClr val="tx1"/>
+                </a:solidFill>
+                <a:effectLst/>
+                <a:latin typeface="+mn-lt"/>
+                <a:ea typeface="+mn-ea"/>
+                <a:cs typeface="+mn-cs"/>
+              </a:rPr>
+              <a:t>property</a:t>
+            </a:r>
+            <a:r>
+              <a:rPr lang="sk-SK" sz="1200" b="0" kern="1200" baseline="0" dirty="0" smtClean="0">
+                <a:solidFill>
+                  <a:schemeClr val="tx1"/>
+                </a:solidFill>
+                <a:effectLst/>
+                <a:latin typeface="+mn-lt"/>
+                <a:ea typeface="+mn-ea"/>
+                <a:cs typeface="+mn-cs"/>
+              </a:rPr>
+              <a:t>, respektíve metódy,</a:t>
+            </a:r>
+          </a:p>
+          <a:p>
+            <a:endParaRPr lang="sk-SK" sz="1200" b="0" kern="1200" baseline="0" dirty="0" smtClean="0">
+              <a:solidFill>
+                <a:schemeClr val="tx1"/>
+              </a:solidFill>
+              <a:effectLst/>
+              <a:latin typeface="+mn-lt"/>
+              <a:ea typeface="+mn-ea"/>
+              <a:cs typeface="+mn-cs"/>
+            </a:endParaRPr>
+          </a:p>
+          <a:p>
+            <a:r>
+              <a:rPr lang="sk-SK" sz="1200" b="0" kern="1200" baseline="0" dirty="0" smtClean="0">
+                <a:solidFill>
+                  <a:schemeClr val="tx1"/>
+                </a:solidFill>
+                <a:effectLst/>
+                <a:latin typeface="+mn-lt"/>
+                <a:ea typeface="+mn-ea"/>
+                <a:cs typeface="+mn-cs"/>
+              </a:rPr>
+              <a:t>Má to ale aj svoje negatíva. Pokiaľ začnete takýmto spôsobom stavať projekt, zistite, že vytvorenie inštancie je veľmi zložité. </a:t>
+            </a:r>
+          </a:p>
+          <a:p>
+            <a:r>
+              <a:rPr lang="sk-SK" sz="1200" b="0" kern="1200" baseline="0" dirty="0" smtClean="0">
+                <a:solidFill>
+                  <a:schemeClr val="tx1"/>
+                </a:solidFill>
+                <a:effectLst/>
+                <a:latin typeface="+mn-lt"/>
+                <a:ea typeface="+mn-ea"/>
+                <a:cs typeface="+mn-cs"/>
+              </a:rPr>
+              <a:t>Pretože </a:t>
+            </a:r>
+            <a:r>
+              <a:rPr lang="sk-SK" sz="1200" b="0" kern="1200" baseline="0" dirty="0" err="1" smtClean="0">
+                <a:solidFill>
+                  <a:schemeClr val="tx1"/>
+                </a:solidFill>
+                <a:effectLst/>
+                <a:latin typeface="+mn-lt"/>
+                <a:ea typeface="+mn-ea"/>
+                <a:cs typeface="+mn-cs"/>
+              </a:rPr>
+              <a:t>PeopleReportService</a:t>
+            </a:r>
+            <a:r>
+              <a:rPr lang="sk-SK" sz="1200" b="0" kern="1200" baseline="0" dirty="0" smtClean="0">
+                <a:solidFill>
+                  <a:schemeClr val="tx1"/>
+                </a:solidFill>
+                <a:effectLst/>
+                <a:latin typeface="+mn-lt"/>
+                <a:ea typeface="+mn-ea"/>
+                <a:cs typeface="+mn-cs"/>
+              </a:rPr>
+              <a:t> potrebuje </a:t>
+            </a:r>
+            <a:r>
+              <a:rPr lang="sk-SK" sz="1200" b="0" kern="1200" baseline="0" dirty="0" err="1" smtClean="0">
+                <a:solidFill>
+                  <a:schemeClr val="tx1"/>
+                </a:solidFill>
+                <a:effectLst/>
+                <a:latin typeface="+mn-lt"/>
+                <a:ea typeface="+mn-ea"/>
+                <a:cs typeface="+mn-cs"/>
+              </a:rPr>
+              <a:t>mailservice</a:t>
+            </a:r>
+            <a:r>
+              <a:rPr lang="sk-SK" sz="1200" b="0" kern="1200" baseline="0" dirty="0" smtClean="0">
+                <a:solidFill>
+                  <a:schemeClr val="tx1"/>
+                </a:solidFill>
+                <a:effectLst/>
+                <a:latin typeface="+mn-lt"/>
+                <a:ea typeface="+mn-ea"/>
+                <a:cs typeface="+mn-cs"/>
+              </a:rPr>
+              <a:t>, ten môže potrebovať nejaké nastavenia, ďalej potrebuje </a:t>
+            </a:r>
+            <a:r>
+              <a:rPr lang="sk-SK" sz="1200" b="0" kern="1200" baseline="0" dirty="0" err="1" smtClean="0">
+                <a:solidFill>
+                  <a:schemeClr val="tx1"/>
+                </a:solidFill>
+                <a:effectLst/>
+                <a:latin typeface="+mn-lt"/>
+                <a:ea typeface="+mn-ea"/>
+                <a:cs typeface="+mn-cs"/>
+              </a:rPr>
+              <a:t>peoplerepository</a:t>
+            </a:r>
+            <a:r>
+              <a:rPr lang="sk-SK" sz="1200" b="0" kern="1200" baseline="0" dirty="0" smtClean="0">
+                <a:solidFill>
+                  <a:schemeClr val="tx1"/>
+                </a:solidFill>
+                <a:effectLst/>
+                <a:latin typeface="+mn-lt"/>
+                <a:ea typeface="+mn-ea"/>
+                <a:cs typeface="+mn-cs"/>
+              </a:rPr>
+              <a:t>, ten v prípade toho </a:t>
+            </a:r>
+            <a:r>
+              <a:rPr lang="sk-SK" sz="1200" b="0" kern="1200" baseline="0" dirty="0" err="1" smtClean="0">
+                <a:solidFill>
+                  <a:schemeClr val="tx1"/>
+                </a:solidFill>
+                <a:effectLst/>
+                <a:latin typeface="+mn-lt"/>
+                <a:ea typeface="+mn-ea"/>
+                <a:cs typeface="+mn-cs"/>
+              </a:rPr>
+              <a:t>kešovania</a:t>
+            </a:r>
+            <a:r>
+              <a:rPr lang="sk-SK" sz="1200" b="0" kern="1200" baseline="0" dirty="0" smtClean="0">
+                <a:solidFill>
+                  <a:schemeClr val="tx1"/>
+                </a:solidFill>
+                <a:effectLst/>
+                <a:latin typeface="+mn-lt"/>
+                <a:ea typeface="+mn-ea"/>
+                <a:cs typeface="+mn-cs"/>
+              </a:rPr>
+              <a:t> môže potrebovať vnorené </a:t>
+            </a:r>
+            <a:r>
+              <a:rPr lang="sk-SK" sz="1200" b="0" kern="1200" baseline="0" dirty="0" err="1" smtClean="0">
+                <a:solidFill>
+                  <a:schemeClr val="tx1"/>
+                </a:solidFill>
+                <a:effectLst/>
+                <a:latin typeface="+mn-lt"/>
+                <a:ea typeface="+mn-ea"/>
+                <a:cs typeface="+mn-cs"/>
+              </a:rPr>
+              <a:t>repository</a:t>
+            </a:r>
+            <a:r>
+              <a:rPr lang="sk-SK" sz="1200" b="0" kern="1200" baseline="0" dirty="0" smtClean="0">
+                <a:solidFill>
+                  <a:schemeClr val="tx1"/>
+                </a:solidFill>
+                <a:effectLst/>
+                <a:latin typeface="+mn-lt"/>
+                <a:ea typeface="+mn-ea"/>
+                <a:cs typeface="+mn-cs"/>
+              </a:rPr>
+              <a:t>, atď. už na našom jednoduchom príklade sa to celkom </a:t>
+            </a:r>
+            <a:r>
+              <a:rPr lang="sk-SK" sz="1200" b="0" kern="1200" baseline="0" dirty="0" err="1" smtClean="0">
+                <a:solidFill>
+                  <a:schemeClr val="tx1"/>
+                </a:solidFill>
+                <a:effectLst/>
+                <a:latin typeface="+mn-lt"/>
+                <a:ea typeface="+mn-ea"/>
+                <a:cs typeface="+mn-cs"/>
+              </a:rPr>
+              <a:t>zozložiťuje</a:t>
+            </a:r>
+            <a:r>
+              <a:rPr lang="sk-SK" sz="1200" b="0" kern="1200" baseline="0" dirty="0" smtClean="0">
+                <a:solidFill>
+                  <a:schemeClr val="tx1"/>
+                </a:solidFill>
+                <a:effectLst/>
+                <a:latin typeface="+mn-lt"/>
+                <a:ea typeface="+mn-ea"/>
+                <a:cs typeface="+mn-cs"/>
+              </a:rPr>
+              <a:t>.</a:t>
+            </a:r>
+          </a:p>
+          <a:p>
+            <a:endParaRPr lang="sk-SK" sz="1200" b="0" kern="1200" baseline="0" dirty="0" smtClean="0">
+              <a:solidFill>
+                <a:schemeClr val="tx1"/>
+              </a:solidFill>
+              <a:effectLst/>
+              <a:latin typeface="+mn-lt"/>
+              <a:ea typeface="+mn-ea"/>
+              <a:cs typeface="+mn-cs"/>
+            </a:endParaRPr>
+          </a:p>
+          <a:p>
+            <a:r>
+              <a:rPr lang="sk-SK" sz="1200" b="0" kern="1200" baseline="0" dirty="0" smtClean="0">
+                <a:solidFill>
+                  <a:schemeClr val="tx1"/>
+                </a:solidFill>
+                <a:effectLst/>
+                <a:latin typeface="+mn-lt"/>
+                <a:ea typeface="+mn-ea"/>
+                <a:cs typeface="+mn-cs"/>
+              </a:rPr>
+              <a:t>Je niekoľko spôsobov ako sa to dá riešiť.</a:t>
+            </a:r>
+          </a:p>
+          <a:p>
+            <a:r>
+              <a:rPr lang="sk-SK" sz="1200" b="0" kern="1200" baseline="0" dirty="0" smtClean="0">
+                <a:solidFill>
+                  <a:schemeClr val="tx1"/>
+                </a:solidFill>
+                <a:effectLst/>
+                <a:latin typeface="+mn-lt"/>
+                <a:ea typeface="+mn-ea"/>
+                <a:cs typeface="+mn-cs"/>
+              </a:rPr>
+              <a:t>Existuje návrhový vzor </a:t>
+            </a:r>
+            <a:r>
+              <a:rPr lang="sk-SK" sz="1200" b="0" kern="1200" baseline="0" dirty="0" err="1" smtClean="0">
+                <a:solidFill>
+                  <a:schemeClr val="tx1"/>
+                </a:solidFill>
+                <a:effectLst/>
+                <a:latin typeface="+mn-lt"/>
+                <a:ea typeface="+mn-ea"/>
+                <a:cs typeface="+mn-cs"/>
+              </a:rPr>
+              <a:t>Factory</a:t>
+            </a:r>
+            <a:r>
+              <a:rPr lang="sk-SK" sz="1200" b="0" kern="1200" baseline="0" dirty="0" smtClean="0">
+                <a:solidFill>
+                  <a:schemeClr val="tx1"/>
+                </a:solidFill>
+                <a:effectLst/>
+                <a:latin typeface="+mn-lt"/>
+                <a:ea typeface="+mn-ea"/>
+                <a:cs typeface="+mn-cs"/>
+              </a:rPr>
+              <a:t>, respektíve </a:t>
+            </a:r>
+            <a:r>
+              <a:rPr lang="sk-SK" sz="1200" b="0" kern="1200" baseline="0" dirty="0" err="1" smtClean="0">
+                <a:solidFill>
+                  <a:schemeClr val="tx1"/>
+                </a:solidFill>
+                <a:effectLst/>
+                <a:latin typeface="+mn-lt"/>
+                <a:ea typeface="+mn-ea"/>
+                <a:cs typeface="+mn-cs"/>
+              </a:rPr>
+              <a:t>Abstractfactory</a:t>
+            </a:r>
+            <a:r>
+              <a:rPr lang="sk-SK" sz="1200" b="0" kern="1200" baseline="0" dirty="0" smtClean="0">
+                <a:solidFill>
+                  <a:schemeClr val="tx1"/>
+                </a:solidFill>
+                <a:effectLst/>
+                <a:latin typeface="+mn-lt"/>
+                <a:ea typeface="+mn-ea"/>
+                <a:cs typeface="+mn-cs"/>
+              </a:rPr>
+              <a:t>, ktorý sa dá na to použiť. Ale aj s ním je to stále celkom zamotané.</a:t>
+            </a:r>
+          </a:p>
+          <a:p>
+            <a:endParaRPr lang="sk-SK" sz="1200" b="0" kern="1200" baseline="0" dirty="0" smtClean="0">
+              <a:solidFill>
+                <a:schemeClr val="tx1"/>
+              </a:solidFill>
+              <a:effectLst/>
+              <a:latin typeface="+mn-lt"/>
+              <a:ea typeface="+mn-ea"/>
+              <a:cs typeface="+mn-cs"/>
+            </a:endParaRPr>
+          </a:p>
+          <a:p>
+            <a:r>
+              <a:rPr lang="sk-SK" sz="1200" b="0" kern="1200" baseline="0" dirty="0" smtClean="0">
+                <a:solidFill>
+                  <a:schemeClr val="tx1"/>
+                </a:solidFill>
+                <a:effectLst/>
+                <a:latin typeface="+mn-lt"/>
+                <a:ea typeface="+mn-ea"/>
+                <a:cs typeface="+mn-cs"/>
+              </a:rPr>
+              <a:t>Riešenie priniesli až takzvané DI </a:t>
+            </a:r>
+            <a:r>
+              <a:rPr lang="sk-SK" sz="1200" b="0" kern="1200" baseline="0" dirty="0" err="1" smtClean="0">
+                <a:solidFill>
+                  <a:schemeClr val="tx1"/>
+                </a:solidFill>
+                <a:effectLst/>
+                <a:latin typeface="+mn-lt"/>
+                <a:ea typeface="+mn-ea"/>
+                <a:cs typeface="+mn-cs"/>
+              </a:rPr>
+              <a:t>containers</a:t>
+            </a:r>
+            <a:r>
+              <a:rPr lang="sk-SK" sz="1200" b="0" kern="1200" baseline="0" dirty="0" smtClean="0">
+                <a:solidFill>
+                  <a:schemeClr val="tx1"/>
+                </a:solidFill>
+                <a:effectLst/>
+                <a:latin typeface="+mn-lt"/>
+                <a:ea typeface="+mn-ea"/>
+                <a:cs typeface="+mn-cs"/>
+              </a:rPr>
+              <a:t>.</a:t>
+            </a:r>
+          </a:p>
+          <a:p>
+            <a:r>
+              <a:rPr lang="sk-SK" sz="1200" b="0" kern="1200" baseline="0" dirty="0" smtClean="0">
+                <a:solidFill>
+                  <a:schemeClr val="tx1"/>
+                </a:solidFill>
+                <a:effectLst/>
+                <a:latin typeface="+mn-lt"/>
+                <a:ea typeface="+mn-ea"/>
+                <a:cs typeface="+mn-cs"/>
+              </a:rPr>
+              <a:t>Sú to knižnice, ktoré riešia vytváranie inštancií na základe nakonfigurovaných závislosti.</a:t>
+            </a:r>
+          </a:p>
+          <a:p>
+            <a:r>
+              <a:rPr lang="sk-SK" sz="1200" b="0" kern="1200" baseline="0" dirty="0" smtClean="0">
+                <a:solidFill>
+                  <a:schemeClr val="tx1"/>
+                </a:solidFill>
+                <a:effectLst/>
+                <a:latin typeface="+mn-lt"/>
+                <a:ea typeface="+mn-ea"/>
+                <a:cs typeface="+mn-cs"/>
+              </a:rPr>
+              <a:t>Takýto DI kontajner nakonfigurujete, poviete mu, takýto </a:t>
+            </a:r>
+            <a:r>
+              <a:rPr lang="sk-SK" sz="1200" b="0" kern="1200" baseline="0" dirty="0" err="1" smtClean="0">
+                <a:solidFill>
+                  <a:schemeClr val="tx1"/>
+                </a:solidFill>
+                <a:effectLst/>
+                <a:latin typeface="+mn-lt"/>
+                <a:ea typeface="+mn-ea"/>
+                <a:cs typeface="+mn-cs"/>
+              </a:rPr>
+              <a:t>interfejs</a:t>
+            </a:r>
+            <a:r>
+              <a:rPr lang="sk-SK" sz="1200" b="0" kern="1200" baseline="0" dirty="0" smtClean="0">
+                <a:solidFill>
+                  <a:schemeClr val="tx1"/>
+                </a:solidFill>
+                <a:effectLst/>
+                <a:latin typeface="+mn-lt"/>
+                <a:ea typeface="+mn-ea"/>
+                <a:cs typeface="+mn-cs"/>
+              </a:rPr>
+              <a:t> implementuj </a:t>
+            </a:r>
+            <a:r>
+              <a:rPr lang="sk-SK" sz="1200" b="0" kern="1200" baseline="0" dirty="0" err="1" smtClean="0">
+                <a:solidFill>
+                  <a:schemeClr val="tx1"/>
+                </a:solidFill>
+                <a:effectLst/>
+                <a:latin typeface="+mn-lt"/>
+                <a:ea typeface="+mn-ea"/>
+                <a:cs typeface="+mn-cs"/>
+              </a:rPr>
+              <a:t>takout</a:t>
+            </a:r>
+            <a:r>
+              <a:rPr lang="sk-SK" sz="1200" b="0" kern="1200" baseline="0" dirty="0" smtClean="0">
+                <a:solidFill>
+                  <a:schemeClr val="tx1"/>
+                </a:solidFill>
+                <a:effectLst/>
+                <a:latin typeface="+mn-lt"/>
+                <a:ea typeface="+mn-ea"/>
+                <a:cs typeface="+mn-cs"/>
+              </a:rPr>
+              <a:t> triedu, iný </a:t>
+            </a:r>
+            <a:r>
+              <a:rPr lang="sk-SK" sz="1200" b="0" kern="1200" baseline="0" dirty="0" err="1" smtClean="0">
+                <a:solidFill>
+                  <a:schemeClr val="tx1"/>
+                </a:solidFill>
+                <a:effectLst/>
+                <a:latin typeface="+mn-lt"/>
+                <a:ea typeface="+mn-ea"/>
+                <a:cs typeface="+mn-cs"/>
+              </a:rPr>
+              <a:t>innou</a:t>
+            </a:r>
+            <a:r>
+              <a:rPr lang="sk-SK" sz="1200" b="0" kern="1200" baseline="0" dirty="0" smtClean="0">
+                <a:solidFill>
+                  <a:schemeClr val="tx1"/>
+                </a:solidFill>
+                <a:effectLst/>
+                <a:latin typeface="+mn-lt"/>
+                <a:ea typeface="+mn-ea"/>
+                <a:cs typeface="+mn-cs"/>
+              </a:rPr>
+              <a:t>. Tým komplexnejším viete nastaviť aj dekorovanie.</a:t>
+            </a:r>
+          </a:p>
+          <a:p>
+            <a:r>
+              <a:rPr lang="sk-SK" sz="1200" b="0" kern="1200" baseline="0" dirty="0" smtClean="0">
+                <a:solidFill>
+                  <a:schemeClr val="tx1"/>
+                </a:solidFill>
+                <a:effectLst/>
+                <a:latin typeface="+mn-lt"/>
+                <a:ea typeface="+mn-ea"/>
+                <a:cs typeface="+mn-cs"/>
+              </a:rPr>
+              <a:t>Následne keď DI kontajner požiadate o určitú inštanciu, tak on Vám ju vytvorí aj s naplnením všetkých závislostí. A ten strom tých </a:t>
+            </a:r>
+            <a:r>
+              <a:rPr lang="sk-SK" sz="1200" b="0" kern="1200" baseline="0" dirty="0" err="1" smtClean="0">
+                <a:solidFill>
+                  <a:schemeClr val="tx1"/>
+                </a:solidFill>
+                <a:effectLst/>
+                <a:latin typeface="+mn-lt"/>
+                <a:ea typeface="+mn-ea"/>
+                <a:cs typeface="+mn-cs"/>
+              </a:rPr>
+              <a:t>záislostí</a:t>
+            </a:r>
+            <a:r>
+              <a:rPr lang="sk-SK" sz="1200" b="0" kern="1200" baseline="0" dirty="0" smtClean="0">
+                <a:solidFill>
+                  <a:schemeClr val="tx1"/>
+                </a:solidFill>
+                <a:effectLst/>
+                <a:latin typeface="+mn-lt"/>
+                <a:ea typeface="+mn-ea"/>
+                <a:cs typeface="+mn-cs"/>
+              </a:rPr>
+              <a:t> môže byť naozaj veľký.</a:t>
+            </a:r>
+          </a:p>
+          <a:p>
+            <a:endParaRPr lang="sk-SK" sz="1200" b="0" kern="1200" baseline="0" dirty="0" smtClean="0">
+              <a:solidFill>
+                <a:schemeClr val="tx1"/>
+              </a:solidFill>
+              <a:effectLst/>
+              <a:latin typeface="+mn-lt"/>
+              <a:ea typeface="+mn-ea"/>
+              <a:cs typeface="+mn-cs"/>
+            </a:endParaRPr>
+          </a:p>
+        </p:txBody>
+      </p:sp>
+      <p:sp>
+        <p:nvSpPr>
+          <p:cNvPr id="4" name="Zástupný objekt pre číslo snímky 3"/>
+          <p:cNvSpPr>
+            <a:spLocks noGrp="1"/>
+          </p:cNvSpPr>
+          <p:nvPr>
+            <p:ph type="sldNum" sz="quarter" idx="10"/>
+          </p:nvPr>
+        </p:nvSpPr>
+        <p:spPr/>
+        <p:txBody>
+          <a:bodyPr/>
+          <a:lstStyle/>
+          <a:p>
+            <a:fld id="{8683B77B-E50F-4F41-84C3-C1D230689A8D}" type="slidenum">
+              <a:rPr lang="sk-SK" smtClean="0"/>
+              <a:t>42</a:t>
+            </a:fld>
+            <a:endParaRPr lang="sk-SK"/>
+          </a:p>
+        </p:txBody>
+      </p:sp>
+    </p:spTree>
+    <p:extLst>
+      <p:ext uri="{BB962C8B-B14F-4D97-AF65-F5344CB8AC3E}">
+        <p14:creationId xmlns:p14="http://schemas.microsoft.com/office/powerpoint/2010/main" val="2238795246"/>
+      </p:ext>
+    </p:extLst>
+  </p:cSld>
+  <p:clrMapOvr>
+    <a:masterClrMapping/>
+  </p:clrMapOvr>
+</p:notes>
+</file>
+
+<file path=ppt/notesSlides/notesSlide42.xml><?xml version="1.0" encoding="utf-8"?>
+<p:notes xmlns:a="http://schemas.openxmlformats.org/drawingml/2006/main" xmlns:r="http://schemas.openxmlformats.org/officeDocument/2006/relationships" xmlns:p="http://schemas.openxmlformats.org/presentationml/2006/main">
+  <p:cSld>
+    <p:spTree>
+      <p:nvGrpSpPr>
+        <p:cNvPr id="1" name=""/>
+        <p:cNvGrpSpPr/>
+        <p:nvPr/>
+      </p:nvGrpSpPr>
+      <p:grpSpPr>
+        <a:xfrm>
+          <a:off x="0" y="0"/>
+          <a:ext cx="0" cy="0"/>
+          <a:chOff x="0" y="0"/>
+          <a:chExt cx="0" cy="0"/>
+        </a:xfrm>
+      </p:grpSpPr>
+      <p:sp>
+        <p:nvSpPr>
+          <p:cNvPr id="2" name="Zástupný objekt pre obrázok snímky 1"/>
+          <p:cNvSpPr>
+            <a:spLocks noGrp="1" noRot="1" noChangeAspect="1"/>
+          </p:cNvSpPr>
+          <p:nvPr>
+            <p:ph type="sldImg"/>
+          </p:nvPr>
+        </p:nvSpPr>
+        <p:spPr/>
+      </p:sp>
+      <p:sp>
+        <p:nvSpPr>
+          <p:cNvPr id="3" name="Zástupný objekt pre poznámky 2"/>
+          <p:cNvSpPr>
+            <a:spLocks noGrp="1"/>
+          </p:cNvSpPr>
+          <p:nvPr>
+            <p:ph type="body" idx="1"/>
+          </p:nvPr>
+        </p:nvSpPr>
+        <p:spPr/>
+        <p:txBody>
+          <a:bodyPr/>
+          <a:lstStyle/>
+          <a:p>
+            <a:r>
+              <a:rPr lang="sk-SK" sz="1200" b="0" kern="1200" dirty="0" smtClean="0">
+                <a:solidFill>
+                  <a:schemeClr val="tx1"/>
+                </a:solidFill>
+                <a:effectLst/>
+                <a:latin typeface="+mn-lt"/>
+                <a:ea typeface="+mn-ea"/>
+                <a:cs typeface="+mn-cs"/>
+              </a:rPr>
+              <a:t>Pozrime si demo.</a:t>
+            </a:r>
+          </a:p>
+          <a:p>
+            <a:endParaRPr lang="sk-SK" sz="1200" b="0" kern="1200" dirty="0" smtClean="0">
+              <a:solidFill>
+                <a:schemeClr val="tx1"/>
+              </a:solidFill>
+              <a:effectLst/>
+              <a:latin typeface="+mn-lt"/>
+              <a:ea typeface="+mn-ea"/>
+              <a:cs typeface="+mn-cs"/>
+            </a:endParaRPr>
+          </a:p>
+          <a:p>
+            <a:r>
+              <a:rPr lang="sk-SK" sz="1200" b="0" kern="1200" dirty="0" err="1" smtClean="0">
+                <a:solidFill>
+                  <a:schemeClr val="tx1"/>
+                </a:solidFill>
+                <a:effectLst/>
+                <a:latin typeface="+mn-lt"/>
+                <a:ea typeface="+mn-ea"/>
+                <a:cs typeface="+mn-cs"/>
+              </a:rPr>
+              <a:t>Preprobil</a:t>
+            </a:r>
+            <a:r>
+              <a:rPr lang="sk-SK" sz="1200" b="0" kern="1200" dirty="0" smtClean="0">
+                <a:solidFill>
+                  <a:schemeClr val="tx1"/>
+                </a:solidFill>
+                <a:effectLst/>
+                <a:latin typeface="+mn-lt"/>
+                <a:ea typeface="+mn-ea"/>
+                <a:cs typeface="+mn-cs"/>
+              </a:rPr>
+              <a:t> som našu aplikáciu na webovú </a:t>
+            </a:r>
+            <a:r>
+              <a:rPr lang="sk-SK" sz="1200" b="0" kern="1200" dirty="0" err="1" smtClean="0">
+                <a:solidFill>
+                  <a:schemeClr val="tx1"/>
+                </a:solidFill>
+                <a:effectLst/>
+                <a:latin typeface="+mn-lt"/>
+                <a:ea typeface="+mn-ea"/>
+                <a:cs typeface="+mn-cs"/>
+              </a:rPr>
+              <a:t>složbu</a:t>
+            </a:r>
+            <a:r>
+              <a:rPr lang="sk-SK" sz="1200" b="0" kern="1200" dirty="0" smtClean="0">
+                <a:solidFill>
+                  <a:schemeClr val="tx1"/>
+                </a:solidFill>
+                <a:effectLst/>
+                <a:latin typeface="+mn-lt"/>
+                <a:ea typeface="+mn-ea"/>
+                <a:cs typeface="+mn-cs"/>
+              </a:rPr>
+              <a:t>. Takže už to nie je konzolová</a:t>
+            </a:r>
+            <a:r>
+              <a:rPr lang="sk-SK" sz="1200" b="0" kern="1200" baseline="0" dirty="0" smtClean="0">
+                <a:solidFill>
+                  <a:schemeClr val="tx1"/>
+                </a:solidFill>
+                <a:effectLst/>
+                <a:latin typeface="+mn-lt"/>
+                <a:ea typeface="+mn-ea"/>
+                <a:cs typeface="+mn-cs"/>
+              </a:rPr>
+              <a:t> aplikácia, ale služba, ktorá počúva na HTTP </a:t>
+            </a:r>
+            <a:r>
+              <a:rPr lang="sk-SK" sz="1200" b="0" kern="1200" baseline="0" dirty="0" err="1" smtClean="0">
+                <a:solidFill>
+                  <a:schemeClr val="tx1"/>
+                </a:solidFill>
+                <a:effectLst/>
+                <a:latin typeface="+mn-lt"/>
+                <a:ea typeface="+mn-ea"/>
+                <a:cs typeface="+mn-cs"/>
+              </a:rPr>
+              <a:t>requesty</a:t>
+            </a:r>
+            <a:r>
+              <a:rPr lang="sk-SK" sz="1200" b="0" kern="1200" baseline="0" dirty="0" smtClean="0">
+                <a:solidFill>
+                  <a:schemeClr val="tx1"/>
+                </a:solidFill>
+                <a:effectLst/>
+                <a:latin typeface="+mn-lt"/>
+                <a:ea typeface="+mn-ea"/>
+                <a:cs typeface="+mn-cs"/>
+              </a:rPr>
+              <a:t>.</a:t>
+            </a:r>
+          </a:p>
+          <a:p>
+            <a:r>
+              <a:rPr lang="sk-SK" sz="1200" b="0" kern="1200" baseline="0" dirty="0" smtClean="0">
+                <a:solidFill>
+                  <a:schemeClr val="tx1"/>
+                </a:solidFill>
+                <a:effectLst/>
+                <a:latin typeface="+mn-lt"/>
+                <a:ea typeface="+mn-ea"/>
+                <a:cs typeface="+mn-cs"/>
+              </a:rPr>
+              <a:t>Je to MVC, respektíve </a:t>
+            </a:r>
+            <a:r>
+              <a:rPr lang="sk-SK" sz="1200" b="0" kern="1200" baseline="0" dirty="0" err="1" smtClean="0">
+                <a:solidFill>
+                  <a:schemeClr val="tx1"/>
+                </a:solidFill>
+                <a:effectLst/>
+                <a:latin typeface="+mn-lt"/>
+                <a:ea typeface="+mn-ea"/>
+                <a:cs typeface="+mn-cs"/>
+              </a:rPr>
+              <a:t>WebAPi</a:t>
+            </a:r>
+            <a:r>
+              <a:rPr lang="sk-SK" sz="1200" b="0" kern="1200" baseline="0" dirty="0" smtClean="0">
+                <a:solidFill>
+                  <a:schemeClr val="tx1"/>
+                </a:solidFill>
+                <a:effectLst/>
+                <a:latin typeface="+mn-lt"/>
+                <a:ea typeface="+mn-ea"/>
+                <a:cs typeface="+mn-cs"/>
+              </a:rPr>
+              <a:t> projekt. </a:t>
+            </a:r>
+          </a:p>
+          <a:p>
+            <a:r>
+              <a:rPr lang="sk-SK" sz="1200" b="0" kern="1200" baseline="0" dirty="0" smtClean="0">
+                <a:solidFill>
+                  <a:schemeClr val="tx1"/>
+                </a:solidFill>
+                <a:effectLst/>
+                <a:latin typeface="+mn-lt"/>
+                <a:ea typeface="+mn-ea"/>
+                <a:cs typeface="+mn-cs"/>
+              </a:rPr>
+              <a:t>Požiadavky ktoré na takúto službu prídu sú rozdeľované do jednotlivých </a:t>
+            </a:r>
+            <a:r>
+              <a:rPr lang="sk-SK" sz="1200" b="0" kern="1200" baseline="0" dirty="0" err="1" smtClean="0">
+                <a:solidFill>
+                  <a:schemeClr val="tx1"/>
+                </a:solidFill>
+                <a:effectLst/>
+                <a:latin typeface="+mn-lt"/>
+                <a:ea typeface="+mn-ea"/>
+                <a:cs typeface="+mn-cs"/>
+              </a:rPr>
+              <a:t>kontrolerov</a:t>
+            </a:r>
+            <a:r>
+              <a:rPr lang="sk-SK" sz="1200" b="0" kern="1200" baseline="0" dirty="0" smtClean="0">
+                <a:solidFill>
+                  <a:schemeClr val="tx1"/>
+                </a:solidFill>
+                <a:effectLst/>
+                <a:latin typeface="+mn-lt"/>
+                <a:ea typeface="+mn-ea"/>
+                <a:cs typeface="+mn-cs"/>
+              </a:rPr>
+              <a:t>.</a:t>
+            </a:r>
+          </a:p>
+          <a:p>
+            <a:r>
+              <a:rPr lang="sk-SK" sz="1200" b="0" kern="1200" baseline="0" dirty="0" smtClean="0">
+                <a:solidFill>
+                  <a:schemeClr val="tx1"/>
+                </a:solidFill>
+                <a:effectLst/>
+                <a:latin typeface="+mn-lt"/>
+                <a:ea typeface="+mn-ea"/>
+                <a:cs typeface="+mn-cs"/>
+              </a:rPr>
+              <a:t>Vytvoril som 3</a:t>
+            </a:r>
+          </a:p>
+          <a:p>
+            <a:r>
+              <a:rPr lang="sk-SK" sz="1200" b="0" kern="1200" baseline="0" dirty="0" smtClean="0">
+                <a:solidFill>
+                  <a:schemeClr val="tx1"/>
+                </a:solidFill>
+                <a:effectLst/>
+                <a:latin typeface="+mn-lt"/>
+                <a:ea typeface="+mn-ea"/>
+                <a:cs typeface="+mn-cs"/>
+              </a:rPr>
+              <a:t>	</a:t>
+            </a:r>
+            <a:r>
+              <a:rPr lang="sk-SK" sz="1200" b="0" kern="1200" baseline="0" dirty="0" err="1" smtClean="0">
+                <a:solidFill>
+                  <a:schemeClr val="tx1"/>
+                </a:solidFill>
+                <a:effectLst/>
+                <a:latin typeface="+mn-lt"/>
+                <a:ea typeface="+mn-ea"/>
+                <a:cs typeface="+mn-cs"/>
+              </a:rPr>
+              <a:t>PeopleReportController</a:t>
+            </a:r>
+            <a:endParaRPr lang="sk-SK" sz="1200" b="0" kern="1200" baseline="0" dirty="0" smtClean="0">
+              <a:solidFill>
+                <a:schemeClr val="tx1"/>
+              </a:solidFill>
+              <a:effectLst/>
+              <a:latin typeface="+mn-lt"/>
+              <a:ea typeface="+mn-ea"/>
+              <a:cs typeface="+mn-cs"/>
+            </a:endParaRPr>
+          </a:p>
+          <a:p>
+            <a:r>
+              <a:rPr lang="sk-SK" sz="1200" b="0" kern="1200" baseline="0" dirty="0" smtClean="0">
+                <a:solidFill>
+                  <a:schemeClr val="tx1"/>
+                </a:solidFill>
+                <a:effectLst/>
+                <a:latin typeface="+mn-lt"/>
+                <a:ea typeface="+mn-ea"/>
+                <a:cs typeface="+mn-cs"/>
+              </a:rPr>
+              <a:t>	</a:t>
+            </a:r>
+            <a:r>
+              <a:rPr lang="sk-SK" sz="1200" b="0" kern="1200" baseline="0" dirty="0" err="1" smtClean="0">
+                <a:solidFill>
+                  <a:schemeClr val="tx1"/>
+                </a:solidFill>
+                <a:effectLst/>
+                <a:latin typeface="+mn-lt"/>
+                <a:ea typeface="+mn-ea"/>
+                <a:cs typeface="+mn-cs"/>
+              </a:rPr>
+              <a:t>PeopleImportController</a:t>
+            </a:r>
+            <a:endParaRPr lang="sk-SK" sz="1200" b="0" kern="1200" baseline="0" dirty="0" smtClean="0">
+              <a:solidFill>
+                <a:schemeClr val="tx1"/>
+              </a:solidFill>
+              <a:effectLst/>
+              <a:latin typeface="+mn-lt"/>
+              <a:ea typeface="+mn-ea"/>
+              <a:cs typeface="+mn-cs"/>
+            </a:endParaRPr>
+          </a:p>
+          <a:p>
+            <a:r>
+              <a:rPr lang="sk-SK" sz="1200" b="0" kern="1200" baseline="0" dirty="0" smtClean="0">
+                <a:solidFill>
+                  <a:schemeClr val="tx1"/>
+                </a:solidFill>
+                <a:effectLst/>
+                <a:latin typeface="+mn-lt"/>
+                <a:ea typeface="+mn-ea"/>
+                <a:cs typeface="+mn-cs"/>
+              </a:rPr>
+              <a:t>	</a:t>
+            </a:r>
+            <a:r>
+              <a:rPr lang="sk-SK" sz="1200" b="0" kern="1200" baseline="0" dirty="0" err="1" smtClean="0">
+                <a:solidFill>
+                  <a:schemeClr val="tx1"/>
+                </a:solidFill>
+                <a:effectLst/>
+                <a:latin typeface="+mn-lt"/>
+                <a:ea typeface="+mn-ea"/>
+                <a:cs typeface="+mn-cs"/>
+              </a:rPr>
+              <a:t>PeopleController</a:t>
+            </a:r>
+            <a:endParaRPr lang="sk-SK" sz="1200" b="0" kern="1200" baseline="0" dirty="0" smtClean="0">
+              <a:solidFill>
+                <a:schemeClr val="tx1"/>
+              </a:solidFill>
+              <a:effectLst/>
+              <a:latin typeface="+mn-lt"/>
+              <a:ea typeface="+mn-ea"/>
+              <a:cs typeface="+mn-cs"/>
+            </a:endParaRPr>
+          </a:p>
+          <a:p>
+            <a:endParaRPr lang="sk-SK" sz="1200" b="0" kern="1200" baseline="0" dirty="0" smtClean="0">
+              <a:solidFill>
+                <a:schemeClr val="tx1"/>
+              </a:solidFill>
+              <a:effectLst/>
+              <a:latin typeface="+mn-lt"/>
+              <a:ea typeface="+mn-ea"/>
+              <a:cs typeface="+mn-cs"/>
+            </a:endParaRPr>
+          </a:p>
+          <a:p>
+            <a:r>
+              <a:rPr lang="sk-SK" sz="1200" b="0" kern="1200" baseline="0" dirty="0" err="1" smtClean="0">
+                <a:solidFill>
+                  <a:schemeClr val="tx1"/>
+                </a:solidFill>
+                <a:effectLst/>
+                <a:latin typeface="+mn-lt"/>
+                <a:ea typeface="+mn-ea"/>
+                <a:cs typeface="+mn-cs"/>
+              </a:rPr>
+              <a:t>Pozríme</a:t>
+            </a:r>
+            <a:r>
+              <a:rPr lang="sk-SK" sz="1200" b="0" kern="1200" baseline="0" dirty="0" smtClean="0">
+                <a:solidFill>
+                  <a:schemeClr val="tx1"/>
+                </a:solidFill>
+                <a:effectLst/>
+                <a:latin typeface="+mn-lt"/>
+                <a:ea typeface="+mn-ea"/>
+                <a:cs typeface="+mn-cs"/>
+              </a:rPr>
+              <a:t> sa na </a:t>
+            </a:r>
+            <a:r>
+              <a:rPr lang="sk-SK" sz="1200" b="0" kern="1200" baseline="0" dirty="0" err="1" smtClean="0">
+                <a:solidFill>
+                  <a:schemeClr val="tx1"/>
+                </a:solidFill>
+                <a:effectLst/>
+                <a:latin typeface="+mn-lt"/>
+                <a:ea typeface="+mn-ea"/>
+                <a:cs typeface="+mn-cs"/>
+              </a:rPr>
+              <a:t>peopleReportController</a:t>
+            </a:r>
+            <a:endParaRPr lang="sk-SK" sz="1200" b="0" kern="1200" baseline="0" dirty="0" smtClean="0">
+              <a:solidFill>
+                <a:schemeClr val="tx1"/>
+              </a:solidFill>
+              <a:effectLst/>
+              <a:latin typeface="+mn-lt"/>
+              <a:ea typeface="+mn-ea"/>
+              <a:cs typeface="+mn-cs"/>
+            </a:endParaRPr>
+          </a:p>
+          <a:p>
+            <a:r>
+              <a:rPr lang="sk-SK" sz="1200" b="0" kern="1200" baseline="0" dirty="0" smtClean="0">
+                <a:solidFill>
+                  <a:schemeClr val="tx1"/>
+                </a:solidFill>
+                <a:effectLst/>
+                <a:latin typeface="+mn-lt"/>
+                <a:ea typeface="+mn-ea"/>
+                <a:cs typeface="+mn-cs"/>
+              </a:rPr>
+              <a:t>Má jedinú metódu </a:t>
+            </a:r>
+            <a:r>
+              <a:rPr lang="sk-SK" sz="1200" b="0" kern="1200" baseline="0" dirty="0" err="1" smtClean="0">
+                <a:solidFill>
+                  <a:schemeClr val="tx1"/>
+                </a:solidFill>
+                <a:effectLst/>
+                <a:latin typeface="+mn-lt"/>
+                <a:ea typeface="+mn-ea"/>
+                <a:cs typeface="+mn-cs"/>
+              </a:rPr>
+              <a:t>SendReport</a:t>
+            </a:r>
+            <a:r>
+              <a:rPr lang="sk-SK" sz="1200" b="0" kern="1200" baseline="0" dirty="0" smtClean="0">
+                <a:solidFill>
+                  <a:schemeClr val="tx1"/>
+                </a:solidFill>
+                <a:effectLst/>
+                <a:latin typeface="+mn-lt"/>
+                <a:ea typeface="+mn-ea"/>
+                <a:cs typeface="+mn-cs"/>
+              </a:rPr>
+              <a:t>, ktorá dostane vstupné parametre </a:t>
+            </a:r>
+            <a:r>
+              <a:rPr lang="sk-SK" sz="1200" b="0" kern="1200" baseline="0" dirty="0" err="1" smtClean="0">
+                <a:solidFill>
+                  <a:schemeClr val="tx1"/>
+                </a:solidFill>
+                <a:effectLst/>
+                <a:latin typeface="+mn-lt"/>
+                <a:ea typeface="+mn-ea"/>
+                <a:cs typeface="+mn-cs"/>
+              </a:rPr>
+              <a:t>division</a:t>
+            </a:r>
+            <a:r>
+              <a:rPr lang="sk-SK" sz="1200" b="0" kern="1200" baseline="0" dirty="0" smtClean="0">
+                <a:solidFill>
+                  <a:schemeClr val="tx1"/>
+                </a:solidFill>
+                <a:effectLst/>
+                <a:latin typeface="+mn-lt"/>
+                <a:ea typeface="+mn-ea"/>
+                <a:cs typeface="+mn-cs"/>
+              </a:rPr>
+              <a:t> a </a:t>
+            </a:r>
+            <a:r>
+              <a:rPr lang="sk-SK" sz="1200" b="0" kern="1200" baseline="0" dirty="0" err="1" smtClean="0">
+                <a:solidFill>
+                  <a:schemeClr val="tx1"/>
+                </a:solidFill>
+                <a:effectLst/>
+                <a:latin typeface="+mn-lt"/>
+                <a:ea typeface="+mn-ea"/>
+                <a:cs typeface="+mn-cs"/>
+              </a:rPr>
+              <a:t>mailTo</a:t>
+            </a:r>
+            <a:endParaRPr lang="sk-SK" sz="1200" b="0" kern="1200" baseline="0" dirty="0" smtClean="0">
+              <a:solidFill>
+                <a:schemeClr val="tx1"/>
+              </a:solidFill>
+              <a:effectLst/>
+              <a:latin typeface="+mn-lt"/>
+              <a:ea typeface="+mn-ea"/>
+              <a:cs typeface="+mn-cs"/>
+            </a:endParaRPr>
+          </a:p>
+          <a:p>
+            <a:r>
+              <a:rPr lang="sk-SK" sz="1200" b="0" kern="1200" baseline="0" dirty="0" smtClean="0">
+                <a:solidFill>
+                  <a:schemeClr val="tx1"/>
+                </a:solidFill>
+                <a:effectLst/>
+                <a:latin typeface="+mn-lt"/>
+                <a:ea typeface="+mn-ea"/>
+                <a:cs typeface="+mn-cs"/>
+              </a:rPr>
+              <a:t>Cez konštruktor dostane </a:t>
+            </a:r>
+            <a:r>
+              <a:rPr lang="sk-SK" sz="1200" b="0" kern="1200" baseline="0" dirty="0" err="1" smtClean="0">
+                <a:solidFill>
+                  <a:schemeClr val="tx1"/>
+                </a:solidFill>
+                <a:effectLst/>
+                <a:latin typeface="+mn-lt"/>
+                <a:ea typeface="+mn-ea"/>
+                <a:cs typeface="+mn-cs"/>
+              </a:rPr>
+              <a:t>injeknutý</a:t>
+            </a:r>
+            <a:r>
+              <a:rPr lang="sk-SK" sz="1200" b="0" kern="1200" baseline="0" dirty="0" smtClean="0">
+                <a:solidFill>
+                  <a:schemeClr val="tx1"/>
+                </a:solidFill>
+                <a:effectLst/>
+                <a:latin typeface="+mn-lt"/>
+                <a:ea typeface="+mn-ea"/>
+                <a:cs typeface="+mn-cs"/>
+              </a:rPr>
+              <a:t> </a:t>
+            </a:r>
+            <a:r>
+              <a:rPr lang="sk-SK" sz="1200" b="0" kern="1200" baseline="0" dirty="0" err="1" smtClean="0">
+                <a:solidFill>
+                  <a:schemeClr val="tx1"/>
+                </a:solidFill>
+                <a:effectLst/>
+                <a:latin typeface="+mn-lt"/>
+                <a:ea typeface="+mn-ea"/>
+                <a:cs typeface="+mn-cs"/>
+              </a:rPr>
+              <a:t>IPeopleReportService</a:t>
+            </a:r>
+            <a:r>
+              <a:rPr lang="sk-SK" sz="1200" b="0" kern="1200" baseline="0" dirty="0" smtClean="0">
+                <a:solidFill>
+                  <a:schemeClr val="tx1"/>
+                </a:solidFill>
+                <a:effectLst/>
+                <a:latin typeface="+mn-lt"/>
+                <a:ea typeface="+mn-ea"/>
+                <a:cs typeface="+mn-cs"/>
+              </a:rPr>
+              <a:t>, vidíme, že nezávisí na konkrétnej </a:t>
+            </a:r>
+            <a:r>
+              <a:rPr lang="sk-SK" sz="1200" b="0" kern="1200" baseline="0" dirty="0" err="1" smtClean="0">
+                <a:solidFill>
+                  <a:schemeClr val="tx1"/>
+                </a:solidFill>
+                <a:effectLst/>
+                <a:latin typeface="+mn-lt"/>
+                <a:ea typeface="+mn-ea"/>
+                <a:cs typeface="+mn-cs"/>
+              </a:rPr>
+              <a:t>implementácicií</a:t>
+            </a:r>
+            <a:r>
+              <a:rPr lang="sk-SK" sz="1200" b="0" kern="1200" baseline="0" dirty="0" smtClean="0">
+                <a:solidFill>
+                  <a:schemeClr val="tx1"/>
+                </a:solidFill>
+                <a:effectLst/>
+                <a:latin typeface="+mn-lt"/>
+                <a:ea typeface="+mn-ea"/>
+                <a:cs typeface="+mn-cs"/>
+              </a:rPr>
+              <a:t>, ale na jej abstrakcií.</a:t>
+            </a:r>
+          </a:p>
+          <a:p>
+            <a:r>
+              <a:rPr lang="sk-SK" sz="1200" b="0" kern="1200" baseline="0" dirty="0" smtClean="0">
+                <a:solidFill>
+                  <a:schemeClr val="tx1"/>
+                </a:solidFill>
+                <a:effectLst/>
+                <a:latin typeface="+mn-lt"/>
+                <a:ea typeface="+mn-ea"/>
+                <a:cs typeface="+mn-cs"/>
+              </a:rPr>
+              <a:t>A nič viac.</a:t>
+            </a:r>
+          </a:p>
+          <a:p>
+            <a:endParaRPr lang="sk-SK" sz="1200" b="0" kern="1200" baseline="0" dirty="0" smtClean="0">
+              <a:solidFill>
+                <a:schemeClr val="tx1"/>
+              </a:solidFill>
+              <a:effectLst/>
+              <a:latin typeface="+mn-lt"/>
+              <a:ea typeface="+mn-ea"/>
+              <a:cs typeface="+mn-cs"/>
+            </a:endParaRPr>
+          </a:p>
+          <a:p>
+            <a:r>
+              <a:rPr lang="sk-SK" sz="1200" b="0" kern="1200" baseline="0" dirty="0" smtClean="0">
+                <a:solidFill>
+                  <a:schemeClr val="tx1"/>
+                </a:solidFill>
+                <a:effectLst/>
+                <a:latin typeface="+mn-lt"/>
+                <a:ea typeface="+mn-ea"/>
+                <a:cs typeface="+mn-cs"/>
+              </a:rPr>
+              <a:t>Asp.net </a:t>
+            </a:r>
+            <a:r>
+              <a:rPr lang="sk-SK" sz="1200" b="0" kern="1200" baseline="0" dirty="0" err="1" smtClean="0">
+                <a:solidFill>
+                  <a:schemeClr val="tx1"/>
+                </a:solidFill>
+                <a:effectLst/>
+                <a:latin typeface="+mn-lt"/>
+                <a:ea typeface="+mn-ea"/>
+                <a:cs typeface="+mn-cs"/>
+              </a:rPr>
+              <a:t>core</a:t>
+            </a:r>
+            <a:r>
+              <a:rPr lang="sk-SK" sz="1200" b="0" kern="1200" baseline="0" dirty="0" smtClean="0">
+                <a:solidFill>
+                  <a:schemeClr val="tx1"/>
+                </a:solidFill>
+                <a:effectLst/>
+                <a:latin typeface="+mn-lt"/>
+                <a:ea typeface="+mn-ea"/>
+                <a:cs typeface="+mn-cs"/>
+              </a:rPr>
+              <a:t> sa sám stará o vytváranie inštancií </a:t>
+            </a:r>
+            <a:r>
+              <a:rPr lang="sk-SK" sz="1200" b="0" kern="1200" baseline="0" dirty="0" err="1" smtClean="0">
+                <a:solidFill>
+                  <a:schemeClr val="tx1"/>
+                </a:solidFill>
+                <a:effectLst/>
+                <a:latin typeface="+mn-lt"/>
+                <a:ea typeface="+mn-ea"/>
+                <a:cs typeface="+mn-cs"/>
+              </a:rPr>
+              <a:t>controllerov</a:t>
+            </a:r>
+            <a:r>
+              <a:rPr lang="sk-SK" sz="1200" b="0" kern="1200" baseline="0" dirty="0" smtClean="0">
+                <a:solidFill>
+                  <a:schemeClr val="tx1"/>
+                </a:solidFill>
+                <a:effectLst/>
+                <a:latin typeface="+mn-lt"/>
+                <a:ea typeface="+mn-ea"/>
+                <a:cs typeface="+mn-cs"/>
+              </a:rPr>
+              <a:t> a má v sebe vstavaný </a:t>
+            </a:r>
+            <a:r>
+              <a:rPr lang="sk-SK" sz="1200" b="0" kern="1200" baseline="0" dirty="0" err="1" smtClean="0">
+                <a:solidFill>
+                  <a:schemeClr val="tx1"/>
+                </a:solidFill>
+                <a:effectLst/>
+                <a:latin typeface="+mn-lt"/>
+                <a:ea typeface="+mn-ea"/>
+                <a:cs typeface="+mn-cs"/>
+              </a:rPr>
+              <a:t>defaultný</a:t>
+            </a:r>
+            <a:r>
+              <a:rPr lang="sk-SK" sz="1200" b="0" kern="1200" baseline="0" dirty="0" smtClean="0">
+                <a:solidFill>
+                  <a:schemeClr val="tx1"/>
+                </a:solidFill>
+                <a:effectLst/>
+                <a:latin typeface="+mn-lt"/>
+                <a:ea typeface="+mn-ea"/>
+                <a:cs typeface="+mn-cs"/>
+              </a:rPr>
+              <a:t> DI kontajner.</a:t>
+            </a:r>
+          </a:p>
+          <a:p>
+            <a:r>
+              <a:rPr lang="sk-SK" sz="1200" b="0" kern="1200" baseline="0" dirty="0" smtClean="0">
+                <a:solidFill>
+                  <a:schemeClr val="tx1"/>
+                </a:solidFill>
+                <a:effectLst/>
+                <a:latin typeface="+mn-lt"/>
+                <a:ea typeface="+mn-ea"/>
+                <a:cs typeface="+mn-cs"/>
+              </a:rPr>
+              <a:t>Jeho konfigurácia je v triede </a:t>
+            </a:r>
+            <a:r>
+              <a:rPr lang="sk-SK" sz="1200" b="0" kern="1200" baseline="0" dirty="0" err="1" smtClean="0">
+                <a:solidFill>
+                  <a:schemeClr val="tx1"/>
+                </a:solidFill>
+                <a:effectLst/>
+                <a:latin typeface="+mn-lt"/>
+                <a:ea typeface="+mn-ea"/>
+                <a:cs typeface="+mn-cs"/>
+              </a:rPr>
+              <a:t>startup</a:t>
+            </a:r>
+            <a:r>
+              <a:rPr lang="sk-SK" sz="1200" b="0" kern="1200" baseline="0" dirty="0" smtClean="0">
+                <a:solidFill>
+                  <a:schemeClr val="tx1"/>
+                </a:solidFill>
+                <a:effectLst/>
+                <a:latin typeface="+mn-lt"/>
+                <a:ea typeface="+mn-ea"/>
+                <a:cs typeface="+mn-cs"/>
+              </a:rPr>
+              <a:t>.</a:t>
+            </a:r>
+          </a:p>
+          <a:p>
+            <a:r>
+              <a:rPr lang="sk-SK" sz="1200" b="0" kern="1200" baseline="0" dirty="0" smtClean="0">
+                <a:solidFill>
+                  <a:schemeClr val="tx1"/>
+                </a:solidFill>
+                <a:effectLst/>
+                <a:latin typeface="+mn-lt"/>
+                <a:ea typeface="+mn-ea"/>
+                <a:cs typeface="+mn-cs"/>
+              </a:rPr>
+              <a:t>Tam vidíme, že sme mu nakonfigurovali ako sa má ktoré rozhranie implementovať a o všetko sa nám postará on.</a:t>
+            </a:r>
+          </a:p>
+          <a:p>
+            <a:endParaRPr lang="sk-SK" sz="1200" b="0" kern="1200" baseline="0" dirty="0" smtClean="0">
+              <a:solidFill>
+                <a:schemeClr val="tx1"/>
+              </a:solidFill>
+              <a:effectLst/>
+              <a:latin typeface="+mn-lt"/>
+              <a:ea typeface="+mn-ea"/>
+              <a:cs typeface="+mn-cs"/>
+            </a:endParaRPr>
+          </a:p>
+          <a:p>
+            <a:endParaRPr lang="sk-SK" sz="1200" b="0" kern="1200" baseline="0" dirty="0" smtClean="0">
+              <a:solidFill>
+                <a:schemeClr val="tx1"/>
+              </a:solidFill>
+              <a:effectLst/>
+              <a:latin typeface="+mn-lt"/>
+              <a:ea typeface="+mn-ea"/>
+              <a:cs typeface="+mn-cs"/>
+            </a:endParaRPr>
+          </a:p>
+          <a:p>
+            <a:r>
+              <a:rPr lang="sk-SK" sz="1200" b="0" kern="1200" baseline="0" dirty="0" smtClean="0">
+                <a:solidFill>
+                  <a:schemeClr val="tx1"/>
+                </a:solidFill>
+                <a:effectLst/>
+                <a:latin typeface="+mn-lt"/>
+                <a:ea typeface="+mn-ea"/>
+                <a:cs typeface="+mn-cs"/>
+              </a:rPr>
+              <a:t>Aby sme si aj niečo vyskúšali, tak som spravil aj </a:t>
+            </a:r>
+            <a:r>
+              <a:rPr lang="sk-SK" sz="1200" b="0" kern="1200" baseline="0" dirty="0" err="1" smtClean="0">
+                <a:solidFill>
+                  <a:schemeClr val="tx1"/>
+                </a:solidFill>
+                <a:effectLst/>
+                <a:latin typeface="+mn-lt"/>
+                <a:ea typeface="+mn-ea"/>
+                <a:cs typeface="+mn-cs"/>
+              </a:rPr>
+              <a:t>controller</a:t>
+            </a:r>
+            <a:r>
+              <a:rPr lang="sk-SK" sz="1200" b="0" kern="1200" baseline="0" dirty="0" smtClean="0">
+                <a:solidFill>
+                  <a:schemeClr val="tx1"/>
+                </a:solidFill>
+                <a:effectLst/>
+                <a:latin typeface="+mn-lt"/>
+                <a:ea typeface="+mn-ea"/>
+                <a:cs typeface="+mn-cs"/>
+              </a:rPr>
+              <a:t> </a:t>
+            </a:r>
+            <a:r>
+              <a:rPr lang="sk-SK" sz="1200" b="0" kern="1200" baseline="0" dirty="0" err="1" smtClean="0">
+                <a:solidFill>
+                  <a:schemeClr val="tx1"/>
+                </a:solidFill>
+                <a:effectLst/>
+                <a:latin typeface="+mn-lt"/>
+                <a:ea typeface="+mn-ea"/>
+                <a:cs typeface="+mn-cs"/>
+              </a:rPr>
+              <a:t>PeopleController</a:t>
+            </a:r>
+            <a:r>
+              <a:rPr lang="sk-SK" sz="1200" b="0" kern="1200" baseline="0" dirty="0" smtClean="0">
+                <a:solidFill>
+                  <a:schemeClr val="tx1"/>
+                </a:solidFill>
+                <a:effectLst/>
+                <a:latin typeface="+mn-lt"/>
+                <a:ea typeface="+mn-ea"/>
+                <a:cs typeface="+mn-cs"/>
+              </a:rPr>
+              <a:t>, ktorý vráti všetky dáta, ktoré mu poskytne implementácia </a:t>
+            </a:r>
+            <a:r>
+              <a:rPr lang="sk-SK" sz="1200" b="0" kern="1200" baseline="0" dirty="0" err="1" smtClean="0">
+                <a:solidFill>
+                  <a:schemeClr val="tx1"/>
+                </a:solidFill>
+                <a:effectLst/>
+                <a:latin typeface="+mn-lt"/>
+                <a:ea typeface="+mn-ea"/>
+                <a:cs typeface="+mn-cs"/>
+              </a:rPr>
+              <a:t>IReadonlyPeopleRepository</a:t>
+            </a:r>
+            <a:r>
+              <a:rPr lang="sk-SK" sz="1200" b="0" kern="1200" baseline="0" dirty="0" smtClean="0">
+                <a:solidFill>
+                  <a:schemeClr val="tx1"/>
+                </a:solidFill>
+                <a:effectLst/>
+                <a:latin typeface="+mn-lt"/>
+                <a:ea typeface="+mn-ea"/>
+                <a:cs typeface="+mn-cs"/>
+              </a:rPr>
+              <a:t>.</a:t>
+            </a:r>
+          </a:p>
+          <a:p>
+            <a:r>
+              <a:rPr lang="sk-SK" sz="1200" b="0" kern="1200" baseline="0" dirty="0" smtClean="0">
+                <a:solidFill>
+                  <a:schemeClr val="tx1"/>
+                </a:solidFill>
+                <a:effectLst/>
+                <a:latin typeface="+mn-lt"/>
+                <a:ea typeface="+mn-ea"/>
+                <a:cs typeface="+mn-cs"/>
+              </a:rPr>
+              <a:t>Často, keď na projekte pracuje viac ľudí, sa robí to, že pokiaľ ešte nie je pripravená databáza a aby ostatný mali na čom pracovať sa vytvoria takzvané </a:t>
+            </a:r>
+            <a:r>
+              <a:rPr lang="sk-SK" sz="1200" b="0" kern="1200" baseline="0" dirty="0" err="1" smtClean="0">
+                <a:solidFill>
+                  <a:schemeClr val="tx1"/>
+                </a:solidFill>
+                <a:effectLst/>
+                <a:latin typeface="+mn-lt"/>
+                <a:ea typeface="+mn-ea"/>
+                <a:cs typeface="+mn-cs"/>
+              </a:rPr>
+              <a:t>dummy</a:t>
+            </a:r>
+            <a:r>
+              <a:rPr lang="sk-SK" sz="1200" b="0" kern="1200" baseline="0" dirty="0" smtClean="0">
+                <a:solidFill>
+                  <a:schemeClr val="tx1"/>
+                </a:solidFill>
+                <a:effectLst/>
+                <a:latin typeface="+mn-lt"/>
+                <a:ea typeface="+mn-ea"/>
+                <a:cs typeface="+mn-cs"/>
+              </a:rPr>
+              <a:t> </a:t>
+            </a:r>
+            <a:r>
+              <a:rPr lang="sk-SK" sz="1200" b="0" kern="1200" baseline="0" dirty="0" err="1" smtClean="0">
+                <a:solidFill>
+                  <a:schemeClr val="tx1"/>
+                </a:solidFill>
+                <a:effectLst/>
+                <a:latin typeface="+mn-lt"/>
+                <a:ea typeface="+mn-ea"/>
+                <a:cs typeface="+mn-cs"/>
+              </a:rPr>
+              <a:t>repository</a:t>
+            </a:r>
+            <a:r>
+              <a:rPr lang="sk-SK" sz="1200" b="0" kern="1200" baseline="0" dirty="0" smtClean="0">
+                <a:solidFill>
+                  <a:schemeClr val="tx1"/>
+                </a:solidFill>
+                <a:effectLst/>
+                <a:latin typeface="+mn-lt"/>
+                <a:ea typeface="+mn-ea"/>
+                <a:cs typeface="+mn-cs"/>
+              </a:rPr>
+              <a:t>. Ktoré vracajú vymyslené dáta. Aby sa dalo pracovať na iných častiach aplikácie.</a:t>
+            </a:r>
+          </a:p>
+          <a:p>
+            <a:endParaRPr lang="sk-SK" sz="1200" b="0" kern="1200" baseline="0" dirty="0" smtClean="0">
+              <a:solidFill>
+                <a:schemeClr val="tx1"/>
+              </a:solidFill>
+              <a:effectLst/>
+              <a:latin typeface="+mn-lt"/>
+              <a:ea typeface="+mn-ea"/>
+              <a:cs typeface="+mn-cs"/>
+            </a:endParaRPr>
+          </a:p>
+          <a:p>
+            <a:endParaRPr lang="sk-SK" sz="1200" b="0" kern="1200" dirty="0" smtClean="0">
+              <a:solidFill>
+                <a:schemeClr val="tx1"/>
+              </a:solidFill>
+              <a:effectLst/>
+              <a:latin typeface="+mn-lt"/>
+              <a:ea typeface="+mn-ea"/>
+              <a:cs typeface="+mn-cs"/>
+            </a:endParaRPr>
+          </a:p>
+        </p:txBody>
+      </p:sp>
+      <p:sp>
+        <p:nvSpPr>
+          <p:cNvPr id="4" name="Zástupný objekt pre číslo snímky 3"/>
+          <p:cNvSpPr>
+            <a:spLocks noGrp="1"/>
+          </p:cNvSpPr>
+          <p:nvPr>
+            <p:ph type="sldNum" sz="quarter" idx="10"/>
+          </p:nvPr>
+        </p:nvSpPr>
+        <p:spPr/>
+        <p:txBody>
+          <a:bodyPr/>
+          <a:lstStyle/>
+          <a:p>
+            <a:fld id="{8683B77B-E50F-4F41-84C3-C1D230689A8D}" type="slidenum">
+              <a:rPr lang="sk-SK" smtClean="0"/>
+              <a:t>43</a:t>
+            </a:fld>
+            <a:endParaRPr lang="sk-SK"/>
+          </a:p>
+        </p:txBody>
+      </p:sp>
+    </p:spTree>
+    <p:extLst>
+      <p:ext uri="{BB962C8B-B14F-4D97-AF65-F5344CB8AC3E}">
+        <p14:creationId xmlns:p14="http://schemas.microsoft.com/office/powerpoint/2010/main" val="1968039448"/>
+      </p:ext>
+    </p:extLst>
+  </p:cSld>
+  <p:clrMapOvr>
+    <a:masterClrMapping/>
+  </p:clrMapOvr>
+</p:notes>
+</file>
+
+<file path=ppt/notesSlides/notesSlide43.xml><?xml version="1.0" encoding="utf-8"?>
+<p:notes xmlns:a="http://schemas.openxmlformats.org/drawingml/2006/main" xmlns:r="http://schemas.openxmlformats.org/officeDocument/2006/relationships" xmlns:p="http://schemas.openxmlformats.org/presentationml/2006/main">
+  <p:cSld>
+    <p:spTree>
+      <p:nvGrpSpPr>
+        <p:cNvPr id="1" name=""/>
+        <p:cNvGrpSpPr/>
+        <p:nvPr/>
+      </p:nvGrpSpPr>
+      <p:grpSpPr>
+        <a:xfrm>
+          <a:off x="0" y="0"/>
+          <a:ext cx="0" cy="0"/>
+          <a:chOff x="0" y="0"/>
+          <a:chExt cx="0" cy="0"/>
+        </a:xfrm>
+      </p:grpSpPr>
+      <p:sp>
+        <p:nvSpPr>
+          <p:cNvPr id="2" name="Zástupný objekt pre obrázok snímky 1"/>
+          <p:cNvSpPr>
+            <a:spLocks noGrp="1" noRot="1" noChangeAspect="1"/>
+          </p:cNvSpPr>
+          <p:nvPr>
+            <p:ph type="sldImg"/>
+          </p:nvPr>
+        </p:nvSpPr>
+        <p:spPr/>
+      </p:sp>
+      <p:sp>
+        <p:nvSpPr>
+          <p:cNvPr id="3" name="Zástupný objekt pre poznámky 2"/>
+          <p:cNvSpPr>
+            <a:spLocks noGrp="1"/>
+          </p:cNvSpPr>
+          <p:nvPr>
+            <p:ph type="body" idx="1"/>
+          </p:nvPr>
+        </p:nvSpPr>
+        <p:spPr/>
+        <p:txBody>
+          <a:bodyPr/>
+          <a:lstStyle/>
+          <a:p>
+            <a:r>
+              <a:rPr lang="sk-SK" sz="1200" b="0" kern="1200" baseline="0" dirty="0" smtClean="0">
+                <a:solidFill>
+                  <a:schemeClr val="tx1"/>
+                </a:solidFill>
+                <a:effectLst/>
+                <a:latin typeface="+mn-lt"/>
+                <a:ea typeface="+mn-ea"/>
+                <a:cs typeface="+mn-cs"/>
+              </a:rPr>
+              <a:t>Pokiaľ budete dodržiavať tieto pravidlá. Stane z </a:t>
+            </a:r>
+            <a:r>
+              <a:rPr lang="sk-SK" sz="1200" b="0" kern="1200" baseline="0" dirty="0" err="1" smtClean="0">
+                <a:solidFill>
+                  <a:schemeClr val="tx1"/>
+                </a:solidFill>
+                <a:effectLst/>
+                <a:latin typeface="+mn-lt"/>
+                <a:ea typeface="+mn-ea"/>
+                <a:cs typeface="+mn-cs"/>
+              </a:rPr>
+              <a:t>vašeho</a:t>
+            </a:r>
+            <a:r>
+              <a:rPr lang="sk-SK" sz="1200" b="0" kern="1200" baseline="0" dirty="0" smtClean="0">
+                <a:solidFill>
+                  <a:schemeClr val="tx1"/>
+                </a:solidFill>
+                <a:effectLst/>
+                <a:latin typeface="+mn-lt"/>
+                <a:ea typeface="+mn-ea"/>
+                <a:cs typeface="+mn-cs"/>
+              </a:rPr>
+              <a:t> systému skladačka. Začnete vytvárať izolované triedy, ktoré majú jasne definované hranice.</a:t>
+            </a:r>
+          </a:p>
+          <a:p>
+            <a:r>
+              <a:rPr lang="sk-SK" sz="1200" b="0" kern="1200" baseline="0" dirty="0" smtClean="0">
+                <a:solidFill>
+                  <a:schemeClr val="tx1"/>
+                </a:solidFill>
+                <a:effectLst/>
+                <a:latin typeface="+mn-lt"/>
+                <a:ea typeface="+mn-ea"/>
+                <a:cs typeface="+mn-cs"/>
+              </a:rPr>
+              <a:t>Po určitom čase zistíte, že vývoj nových vecí je už len správne vyskladanie existujúcich tried do požadovaného tvaru.</a:t>
+            </a:r>
+          </a:p>
+          <a:p>
+            <a:endParaRPr lang="sk-SK" sz="1200" b="0" kern="1200" baseline="0" dirty="0" smtClean="0">
+              <a:solidFill>
+                <a:schemeClr val="tx1"/>
+              </a:solidFill>
+              <a:effectLst/>
+              <a:latin typeface="+mn-lt"/>
+              <a:ea typeface="+mn-ea"/>
+              <a:cs typeface="+mn-cs"/>
+            </a:endParaRPr>
+          </a:p>
+          <a:p>
+            <a:endParaRPr lang="sk-SK" sz="1200" b="0" kern="1200" baseline="0" dirty="0" smtClean="0">
+              <a:solidFill>
+                <a:schemeClr val="tx1"/>
+              </a:solidFill>
+              <a:effectLst/>
+              <a:latin typeface="+mn-lt"/>
+              <a:ea typeface="+mn-ea"/>
+              <a:cs typeface="+mn-cs"/>
+            </a:endParaRPr>
+          </a:p>
+        </p:txBody>
+      </p:sp>
+      <p:sp>
+        <p:nvSpPr>
+          <p:cNvPr id="4" name="Zástupný objekt pre číslo snímky 3"/>
+          <p:cNvSpPr>
+            <a:spLocks noGrp="1"/>
+          </p:cNvSpPr>
+          <p:nvPr>
+            <p:ph type="sldNum" sz="quarter" idx="10"/>
+          </p:nvPr>
+        </p:nvSpPr>
+        <p:spPr/>
+        <p:txBody>
+          <a:bodyPr/>
+          <a:lstStyle/>
+          <a:p>
+            <a:fld id="{8683B77B-E50F-4F41-84C3-C1D230689A8D}" type="slidenum">
+              <a:rPr lang="sk-SK" smtClean="0"/>
+              <a:t>44</a:t>
+            </a:fld>
+            <a:endParaRPr lang="sk-SK"/>
+          </a:p>
+        </p:txBody>
+      </p:sp>
+    </p:spTree>
+    <p:extLst>
+      <p:ext uri="{BB962C8B-B14F-4D97-AF65-F5344CB8AC3E}">
+        <p14:creationId xmlns:p14="http://schemas.microsoft.com/office/powerpoint/2010/main" val="3450012985"/>
+      </p:ext>
+    </p:extLst>
+  </p:cSld>
+  <p:clrMapOvr>
+    <a:masterClrMapping/>
+  </p:clrMapOvr>
+</p:notes>
+</file>
+
+<file path=ppt/notesSlides/notesSlide44.xml><?xml version="1.0" encoding="utf-8"?>
+<p:notes xmlns:a="http://schemas.openxmlformats.org/drawingml/2006/main" xmlns:r="http://schemas.openxmlformats.org/officeDocument/2006/relationships" xmlns:p="http://schemas.openxmlformats.org/presentationml/2006/main">
+  <p:cSld>
+    <p:spTree>
+      <p:nvGrpSpPr>
+        <p:cNvPr id="1" name=""/>
+        <p:cNvGrpSpPr/>
+        <p:nvPr/>
+      </p:nvGrpSpPr>
+      <p:grpSpPr>
+        <a:xfrm>
+          <a:off x="0" y="0"/>
+          <a:ext cx="0" cy="0"/>
+          <a:chOff x="0" y="0"/>
+          <a:chExt cx="0" cy="0"/>
+        </a:xfrm>
+      </p:grpSpPr>
+      <p:sp>
+        <p:nvSpPr>
+          <p:cNvPr id="2" name="Zástupný objekt pre obrázok snímky 1"/>
+          <p:cNvSpPr>
+            <a:spLocks noGrp="1" noRot="1" noChangeAspect="1"/>
+          </p:cNvSpPr>
+          <p:nvPr>
+            <p:ph type="sldImg"/>
+          </p:nvPr>
+        </p:nvSpPr>
+        <p:spPr/>
+      </p:sp>
+      <p:sp>
+        <p:nvSpPr>
+          <p:cNvPr id="3" name="Zástupný objekt pre poznámky 2"/>
+          <p:cNvSpPr>
+            <a:spLocks noGrp="1"/>
+          </p:cNvSpPr>
+          <p:nvPr>
+            <p:ph type="body" idx="1"/>
+          </p:nvPr>
+        </p:nvSpPr>
+        <p:spPr/>
+        <p:txBody>
+          <a:bodyPr/>
+          <a:lstStyle/>
+          <a:p>
+            <a:r>
+              <a:rPr lang="sk-SK" dirty="0" smtClean="0"/>
+              <a:t>Dá sa to spraviť generické.</a:t>
+            </a:r>
+            <a:r>
+              <a:rPr lang="sk-SK" baseline="0" dirty="0" smtClean="0"/>
+              <a:t> Univerzálne na akýkoľvek typ dát. Ale to by bolo na inú debatu.</a:t>
+            </a:r>
+          </a:p>
+          <a:p>
+            <a:r>
+              <a:rPr lang="sk-SK" baseline="0" dirty="0" smtClean="0"/>
+              <a:t>Čo ak nebudeme chcieť odosielať mailom, ale ukladať to niekde, odoslať to na webovú službu?</a:t>
+            </a:r>
+            <a:endParaRPr lang="sk-SK" dirty="0"/>
+          </a:p>
+        </p:txBody>
+      </p:sp>
+      <p:sp>
+        <p:nvSpPr>
+          <p:cNvPr id="4" name="Zástupný objekt pre číslo snímky 3"/>
+          <p:cNvSpPr>
+            <a:spLocks noGrp="1"/>
+          </p:cNvSpPr>
+          <p:nvPr>
+            <p:ph type="sldNum" sz="quarter" idx="10"/>
+          </p:nvPr>
+        </p:nvSpPr>
+        <p:spPr/>
+        <p:txBody>
+          <a:bodyPr/>
+          <a:lstStyle/>
+          <a:p>
+            <a:fld id="{8683B77B-E50F-4F41-84C3-C1D230689A8D}" type="slidenum">
+              <a:rPr lang="sk-SK" smtClean="0"/>
+              <a:t>45</a:t>
+            </a:fld>
+            <a:endParaRPr lang="sk-SK"/>
+          </a:p>
+        </p:txBody>
+      </p:sp>
+    </p:spTree>
+    <p:extLst>
+      <p:ext uri="{BB962C8B-B14F-4D97-AF65-F5344CB8AC3E}">
+        <p14:creationId xmlns:p14="http://schemas.microsoft.com/office/powerpoint/2010/main" val="336857164"/>
+      </p:ext>
+    </p:extLst>
+  </p:cSld>
+  <p:clrMapOvr>
+    <a:masterClrMapping/>
+  </p:clrMapOvr>
+</p:notes>
+</file>
+
+<file path=ppt/notesSlides/notesSlide45.xml><?xml version="1.0" encoding="utf-8"?>
+<p:notes xmlns:a="http://schemas.openxmlformats.org/drawingml/2006/main" xmlns:r="http://schemas.openxmlformats.org/officeDocument/2006/relationships" xmlns:p="http://schemas.openxmlformats.org/presentationml/2006/main">
+  <p:cSld>
+    <p:spTree>
+      <p:nvGrpSpPr>
+        <p:cNvPr id="1" name=""/>
+        <p:cNvGrpSpPr/>
+        <p:nvPr/>
+      </p:nvGrpSpPr>
+      <p:grpSpPr>
+        <a:xfrm>
+          <a:off x="0" y="0"/>
+          <a:ext cx="0" cy="0"/>
+          <a:chOff x="0" y="0"/>
+          <a:chExt cx="0" cy="0"/>
+        </a:xfrm>
+      </p:grpSpPr>
+      <p:sp>
+        <p:nvSpPr>
+          <p:cNvPr id="2" name="Zástupný objekt pre obrázok snímky 1"/>
+          <p:cNvSpPr>
+            <a:spLocks noGrp="1" noRot="1" noChangeAspect="1"/>
+          </p:cNvSpPr>
+          <p:nvPr>
+            <p:ph type="sldImg"/>
+          </p:nvPr>
+        </p:nvSpPr>
+        <p:spPr/>
+      </p:sp>
+      <p:sp>
+        <p:nvSpPr>
+          <p:cNvPr id="3" name="Zástupný objekt pre poznámky 2"/>
+          <p:cNvSpPr>
+            <a:spLocks noGrp="1"/>
+          </p:cNvSpPr>
+          <p:nvPr>
+            <p:ph type="body" idx="1"/>
+          </p:nvPr>
+        </p:nvSpPr>
+        <p:spPr/>
+        <p:txBody>
+          <a:bodyPr/>
+          <a:lstStyle/>
+          <a:p>
+            <a:endParaRPr lang="sk-SK" dirty="0"/>
+          </a:p>
+        </p:txBody>
+      </p:sp>
+      <p:sp>
+        <p:nvSpPr>
+          <p:cNvPr id="4" name="Zástupný objekt pre číslo snímky 3"/>
+          <p:cNvSpPr>
+            <a:spLocks noGrp="1"/>
+          </p:cNvSpPr>
+          <p:nvPr>
+            <p:ph type="sldNum" sz="quarter" idx="10"/>
+          </p:nvPr>
+        </p:nvSpPr>
+        <p:spPr/>
+        <p:txBody>
+          <a:bodyPr/>
+          <a:lstStyle/>
+          <a:p>
+            <a:fld id="{8683B77B-E50F-4F41-84C3-C1D230689A8D}" type="slidenum">
+              <a:rPr lang="sk-SK" smtClean="0"/>
+              <a:t>46</a:t>
+            </a:fld>
+            <a:endParaRPr lang="sk-SK"/>
+          </a:p>
+        </p:txBody>
+      </p:sp>
+    </p:spTree>
+    <p:extLst>
+      <p:ext uri="{BB962C8B-B14F-4D97-AF65-F5344CB8AC3E}">
+        <p14:creationId xmlns:p14="http://schemas.microsoft.com/office/powerpoint/2010/main" val="975442083"/>
       </p:ext>
     </p:extLst>
   </p:cSld>
@@ -10406,7 +13223,7 @@
           <a:p>
             <a:fld id="{ECD19FB2-3AAB-4D03-B13A-2960828C78E3}" type="datetimeFigureOut">
               <a:rPr lang="en-US" dirty="0"/>
-              <a:t>12/8/2017</a:t>
+              <a:t>12/9/2017</a:t>
             </a:fld>
             <a:endParaRPr lang="en-US" dirty="0"/>
           </a:p>
@@ -10687,7 +13504,7 @@
           <a:p>
             <a:fld id="{1B80C674-7DFC-42FE-B9CD-82963CDB1557}" type="datetimeFigureOut">
               <a:rPr lang="en-US" dirty="0"/>
-              <a:t>12/8/2017</a:t>
+              <a:t>12/9/2017</a:t>
             </a:fld>
             <a:endParaRPr lang="en-US" dirty="0"/>
           </a:p>
@@ -10878,7 +13695,7 @@
           <a:p>
             <a:fld id="{2076456F-F47D-4F25-8053-2A695DA0CA7D}" type="datetimeFigureOut">
               <a:rPr lang="en-US" dirty="0"/>
-              <a:t>12/8/2017</a:t>
+              <a:t>12/9/2017</a:t>
             </a:fld>
             <a:endParaRPr lang="en-US" dirty="0"/>
           </a:p>
@@ -11138,7 +13955,7 @@
           <a:p>
             <a:fld id="{5D6C7379-69CC-4837-9905-BEBA22830C8A}" type="datetimeFigureOut">
               <a:rPr lang="en-US" dirty="0"/>
-              <a:t>12/8/2017</a:t>
+              <a:t>12/9/2017</a:t>
             </a:fld>
             <a:endParaRPr lang="en-US" dirty="0"/>
           </a:p>
@@ -11563,7 +14380,7 @@
           <a:p>
             <a:fld id="{49EB8B7E-8AEE-4F10-BFEE-C999AD004D36}" type="datetimeFigureOut">
               <a:rPr lang="en-US" dirty="0"/>
-              <a:t>12/8/2017</a:t>
+              <a:t>12/9/2017</a:t>
             </a:fld>
             <a:endParaRPr lang="en-US" dirty="0"/>
           </a:p>
@@ -12108,7 +14925,7 @@
           <a:p>
             <a:fld id="{8668F3F9-58BC-440B-B37B-805B9055EF92}" type="datetimeFigureOut">
               <a:rPr lang="en-US" dirty="0"/>
-              <a:t>12/8/2017</a:t>
+              <a:t>12/9/2017</a:t>
             </a:fld>
             <a:endParaRPr lang="en-US" dirty="0"/>
           </a:p>
@@ -12938,7 +15755,7 @@
           <a:p>
             <a:fld id="{0D5A53AF-48EA-489D-8260-9DCAB666386A}" type="datetimeFigureOut">
               <a:rPr lang="en-US" dirty="0"/>
-              <a:t>12/8/2017</a:t>
+              <a:t>12/9/2017</a:t>
             </a:fld>
             <a:endParaRPr lang="en-US" dirty="0"/>
           </a:p>
@@ -13107,7 +15924,7 @@
           <a:p>
             <a:fld id="{0DED02AE-B9A4-47BD-AF8E-97E16144138B}" type="datetimeFigureOut">
               <a:rPr lang="en-US" dirty="0"/>
-              <a:t>12/8/2017</a:t>
+              <a:t>12/9/2017</a:t>
             </a:fld>
             <a:endParaRPr lang="en-US" dirty="0"/>
           </a:p>
@@ -13286,7 +16103,7 @@
           <a:p>
             <a:fld id="{CF0FD78B-DB02-4362-BCDC-98A55456977C}" type="datetimeFigureOut">
               <a:rPr lang="en-US" dirty="0"/>
-              <a:t>12/8/2017</a:t>
+              <a:t>12/9/2017</a:t>
             </a:fld>
             <a:endParaRPr lang="en-US" dirty="0"/>
           </a:p>
@@ -13455,7 +16272,7 @@
           <a:p>
             <a:fld id="{99916976-5D93-46E4-A98A-FAD63E4D0EA8}" type="datetimeFigureOut">
               <a:rPr lang="en-US" dirty="0"/>
-              <a:t>12/8/2017</a:t>
+              <a:t>12/9/2017</a:t>
             </a:fld>
             <a:endParaRPr lang="en-US" dirty="0"/>
           </a:p>
@@ -13711,7 +16528,7 @@
           <a:p>
             <a:fld id="{0F39F4F5-F4D2-4D2A-AB60-88D37ADCB869}" type="datetimeFigureOut">
               <a:rPr lang="en-US" dirty="0"/>
-              <a:t>12/8/2017</a:t>
+              <a:t>12/9/2017</a:t>
             </a:fld>
             <a:endParaRPr lang="en-US" dirty="0"/>
           </a:p>
@@ -13942,7 +16759,7 @@
           <a:p>
             <a:fld id="{D23BC6CE-6D1E-47E5-8859-F31AC5380EB2}" type="datetimeFigureOut">
               <a:rPr lang="en-US" dirty="0"/>
-              <a:t>12/8/2017</a:t>
+              <a:t>12/9/2017</a:t>
             </a:fld>
             <a:endParaRPr lang="en-US" dirty="0"/>
           </a:p>
@@ -14334,7 +17151,7 @@
           <a:p>
             <a:fld id="{B1B4E7C4-4DA4-404D-9965-B13F2DD7D8BF}" type="datetimeFigureOut">
               <a:rPr lang="en-US" dirty="0"/>
-              <a:t>12/8/2017</a:t>
+              <a:t>12/9/2017</a:t>
             </a:fld>
             <a:endParaRPr lang="en-US" dirty="0"/>
           </a:p>
@@ -14451,7 +17268,7 @@
           <a:p>
             <a:fld id="{476FB7AA-4A53-424F-AD41-70827B6504BA}" type="datetimeFigureOut">
               <a:rPr lang="en-US" dirty="0"/>
-              <a:t>12/8/2017</a:t>
+              <a:t>12/9/2017</a:t>
             </a:fld>
             <a:endParaRPr lang="en-US" dirty="0"/>
           </a:p>
@@ -14545,7 +17362,7 @@
           <a:p>
             <a:fld id="{E7884882-FB12-4BC8-9960-9AD8104D7FAE}" type="datetimeFigureOut">
               <a:rPr lang="en-US" dirty="0"/>
-              <a:t>12/8/2017</a:t>
+              <a:t>12/9/2017</a:t>
             </a:fld>
             <a:endParaRPr lang="en-US" dirty="0"/>
           </a:p>
@@ -14817,7 +17634,7 @@
           <a:p>
             <a:fld id="{F7D1BD23-6E54-4D9D-AD88-A2813C73CC25}" type="datetimeFigureOut">
               <a:rPr lang="en-US" dirty="0"/>
-              <a:t>12/8/2017</a:t>
+              <a:t>12/9/2017</a:t>
             </a:fld>
             <a:endParaRPr lang="en-US" dirty="0"/>
           </a:p>
@@ -15097,7 +17914,7 @@
           <a:p>
             <a:fld id="{1471A834-4F3C-4AF9-9C74-05EC35A0F292}" type="datetimeFigureOut">
               <a:rPr lang="en-US" dirty="0"/>
-              <a:t>12/8/2017</a:t>
+              <a:t>12/9/2017</a:t>
             </a:fld>
             <a:endParaRPr lang="en-US" dirty="0"/>
           </a:p>
@@ -15336,7 +18153,7 @@
           <a:p>
             <a:fld id="{51CF1133-3259-4C45-BABA-5B62D9C6F78D}" type="datetimeFigureOut">
               <a:rPr lang="en-US" dirty="0"/>
-              <a:t>12/8/2017</a:t>
+              <a:t>12/9/2017</a:t>
             </a:fld>
             <a:endParaRPr lang="en-US" dirty="0"/>
           </a:p>
@@ -21501,7 +24318,7 @@
     <p:bg>
       <p:bgPr>
         <a:solidFill>
-          <a:srgbClr val="482958"/>
+          <a:srgbClr val="7CA900"/>
         </a:solidFill>
         <a:effectLst/>
       </p:bgPr>
@@ -21532,19 +24349,19 @@
         </p:nvSpPr>
         <p:spPr>
           <a:xfrm>
-            <a:off x="1" y="2541709"/>
-            <a:ext cx="12192000" cy="1926381"/>
+            <a:off x="0" y="3512128"/>
+            <a:ext cx="12192000" cy="3345874"/>
           </a:xfrm>
         </p:spPr>
         <p:txBody>
-          <a:bodyPr wrap="square" lIns="2160000" rIns="2160000" anchor="ctr">
+          <a:bodyPr wrap="square" lIns="360000" rIns="2160000" anchor="t">
             <a:noAutofit/>
           </a:bodyPr>
           <a:lstStyle/>
           <a:p>
-            <a:pPr algn="ctr"/>
-            <a:r>
-              <a:rPr lang="sk-SK" sz="5400" i="1" dirty="0" smtClean="0">
+            <a:pPr algn="l"/>
+            <a:r>
+              <a:rPr lang="sk-SK" sz="7200" dirty="0" err="1" smtClean="0">
                 <a:solidFill>
                   <a:schemeClr val="tx1"/>
                 </a:solidFill>
@@ -21552,9 +24369,63 @@
                 <a:latin typeface="Segoe UI Light" panose="020B0502040204020203" pitchFamily="34" charset="0"/>
                 <a:cs typeface="Segoe UI Light" panose="020B0502040204020203" pitchFamily="34" charset="0"/>
               </a:rPr>
-              <a:t>... si myslí, že takto je to už naozaj dobré?</a:t>
-            </a:r>
-            <a:endParaRPr lang="sk-SK" sz="5400" i="1" dirty="0">
+              <a:t>Dependency</a:t>
+            </a:r>
+            <a:r>
+              <a:rPr lang="sk-SK" sz="7200" dirty="0" smtClean="0">
+                <a:solidFill>
+                  <a:schemeClr val="tx1"/>
+                </a:solidFill>
+                <a:effectLst/>
+                <a:latin typeface="Segoe UI Light" panose="020B0502040204020203" pitchFamily="34" charset="0"/>
+                <a:cs typeface="Segoe UI Light" panose="020B0502040204020203" pitchFamily="34" charset="0"/>
+              </a:rPr>
+              <a:t> </a:t>
+            </a:r>
+            <a:r>
+              <a:rPr lang="sk-SK" sz="7200" dirty="0" err="1" smtClean="0">
+                <a:solidFill>
+                  <a:schemeClr val="tx1"/>
+                </a:solidFill>
+                <a:effectLst/>
+                <a:latin typeface="Segoe UI Light" panose="020B0502040204020203" pitchFamily="34" charset="0"/>
+                <a:cs typeface="Segoe UI Light" panose="020B0502040204020203" pitchFamily="34" charset="0"/>
+              </a:rPr>
+              <a:t>Inversion</a:t>
+            </a:r>
+            <a:r>
+              <a:rPr lang="sk-SK" sz="7200" dirty="0" smtClean="0">
+                <a:solidFill>
+                  <a:schemeClr val="tx1"/>
+                </a:solidFill>
+                <a:effectLst/>
+                <a:latin typeface="Segoe UI Light" panose="020B0502040204020203" pitchFamily="34" charset="0"/>
+                <a:cs typeface="Segoe UI Light" panose="020B0502040204020203" pitchFamily="34" charset="0"/>
+              </a:rPr>
+              <a:t/>
+            </a:r>
+            <a:br>
+              <a:rPr lang="sk-SK" sz="7200" dirty="0" smtClean="0">
+                <a:solidFill>
+                  <a:schemeClr val="tx1"/>
+                </a:solidFill>
+                <a:effectLst/>
+                <a:latin typeface="Segoe UI Light" panose="020B0502040204020203" pitchFamily="34" charset="0"/>
+                <a:cs typeface="Segoe UI Light" panose="020B0502040204020203" pitchFamily="34" charset="0"/>
+              </a:rPr>
+            </a:br>
+            <a:r>
+              <a:rPr lang="sk-SK" sz="7200" dirty="0" err="1" smtClean="0">
+                <a:solidFill>
+                  <a:schemeClr val="tx1"/>
+                </a:solidFill>
+                <a:effectLst/>
+                <a:latin typeface="Segoe UI Light" panose="020B0502040204020203" pitchFamily="34" charset="0"/>
+                <a:cs typeface="Segoe UI Light" panose="020B0502040204020203" pitchFamily="34" charset="0"/>
+              </a:rPr>
+              <a:t>Principle</a:t>
+            </a:r>
+            <a:endParaRPr lang="sk-SK" sz="7200" dirty="0">
               <a:effectLst/>
               <a:latin typeface="Segoe UI Light" panose="020B0502040204020203" pitchFamily="34" charset="0"/>
               <a:cs typeface="Segoe UI Light" panose="020B0502040204020203" pitchFamily="34" charset="0"/>
@@ -21562,53 +24433,10 @@
           </a:p>
         </p:txBody>
       </p:sp>
-      <p:sp>
-        <p:nvSpPr>
-          <p:cNvPr id="3" name="Podnadpis 2"/>
-          <p:cNvSpPr>
-            <a:spLocks noGrp="1"/>
-          </p:cNvSpPr>
-          <p:nvPr>
-            <p:ph type="subTitle" idx="1"/>
-          </p:nvPr>
-        </p:nvSpPr>
-        <p:spPr>
-          <a:xfrm>
-            <a:off x="588818" y="608274"/>
-            <a:ext cx="9144000" cy="754025"/>
-          </a:xfrm>
-        </p:spPr>
-        <p:txBody>
-          <a:bodyPr>
-            <a:noAutofit/>
-          </a:bodyPr>
-          <a:lstStyle/>
-          <a:p>
-            <a:pPr algn="l"/>
-            <a:r>
-              <a:rPr lang="sk-SK" sz="5400" i="1" dirty="0" smtClean="0">
-                <a:solidFill>
-                  <a:schemeClr val="tx1"/>
-                </a:solidFill>
-                <a:latin typeface="Segoe UI Light" panose="020B0502040204020203" pitchFamily="34" charset="0"/>
-                <a:cs typeface="Segoe UI Light" panose="020B0502040204020203" pitchFamily="34" charset="0"/>
-              </a:rPr>
-              <a:t>Kto z Vás ... </a:t>
-            </a:r>
-            <a:endParaRPr lang="sk-SK" sz="5400" i="1" dirty="0">
-              <a:solidFill>
-                <a:schemeClr val="tx1"/>
-              </a:solidFill>
-              <a:latin typeface="Segoe UI Light" panose="020B0502040204020203" pitchFamily="34" charset="0"/>
-              <a:cs typeface="Segoe UI Light" panose="020B0502040204020203" pitchFamily="34" charset="0"/>
-            </a:endParaRPr>
-          </a:p>
-        </p:txBody>
-      </p:sp>
     </p:spTree>
     <p:extLst>
       <p:ext uri="{BB962C8B-B14F-4D97-AF65-F5344CB8AC3E}">
-        <p14:creationId xmlns:p14="http://schemas.microsoft.com/office/powerpoint/2010/main" val="435724125"/>
+        <p14:creationId xmlns:p14="http://schemas.microsoft.com/office/powerpoint/2010/main" val="1229774780"/>
       </p:ext>
     </p:extLst>
   </p:cSld>
@@ -21618,83 +24446,9 @@
   <p:timing>
     <p:tnLst>
       <p:par>
-        <p:cTn id="1" dur="indefinite" restart="never" nodeType="tmRoot">
-          <p:childTnLst>
-            <p:seq concurrent="1" nextAc="seek">
-              <p:cTn id="2" dur="indefinite" nodeType="mainSeq">
-                <p:childTnLst>
-                  <p:par>
-                    <p:cTn id="3" fill="hold">
-                      <p:stCondLst>
-                        <p:cond delay="indefinite"/>
-                        <p:cond evt="onBegin" delay="0">
-                          <p:tn val="2"/>
-                        </p:cond>
-                      </p:stCondLst>
-                      <p:childTnLst>
-                        <p:par>
-                          <p:cTn id="4" fill="hold">
-                            <p:stCondLst>
-                              <p:cond delay="0"/>
-                            </p:stCondLst>
-                            <p:childTnLst>
-                              <p:par>
-                                <p:cTn id="5" presetID="1" presetClass="entr" presetSubtype="0" fill="hold" grpId="0" nodeType="afterEffect">
-                                  <p:stCondLst>
-                                    <p:cond delay="1000"/>
-                                  </p:stCondLst>
-                                  <p:childTnLst>
-                                    <p:set>
-                                      <p:cBhvr>
-                                        <p:cTn id="6" dur="1" fill="hold">
-                                          <p:stCondLst>
-                                            <p:cond delay="0"/>
-                                          </p:stCondLst>
-                                        </p:cTn>
-                                        <p:tgtEl>
-                                          <p:spTgt spid="2"/>
-                                        </p:tgtEl>
-                                        <p:attrNameLst>
-                                          <p:attrName>style.visibility</p:attrName>
-                                        </p:attrNameLst>
-                                      </p:cBhvr>
-                                      <p:to>
-                                        <p:strVal val="visible"/>
-                                      </p:to>
-                                    </p:set>
-                                  </p:childTnLst>
-                                </p:cTn>
-                              </p:par>
-                            </p:childTnLst>
-                          </p:cTn>
-                        </p:par>
-                      </p:childTnLst>
-                    </p:cTn>
-                  </p:par>
-                </p:childTnLst>
-              </p:cTn>
-              <p:prevCondLst>
-                <p:cond evt="onPrev" delay="0">
-                  <p:tgtEl>
-                    <p:sldTgt/>
-                  </p:tgtEl>
-                </p:cond>
-              </p:prevCondLst>
-              <p:nextCondLst>
-                <p:cond evt="onNext" delay="0">
-                  <p:tgtEl>
-                    <p:sldTgt/>
-                  </p:tgtEl>
-                </p:cond>
-              </p:nextCondLst>
-            </p:seq>
-          </p:childTnLst>
-        </p:cTn>
+        <p:cTn id="1" dur="indefinite" restart="never" nodeType="tmRoot"/>
       </p:par>
     </p:tnLst>
-    <p:bldLst>
-      <p:bldP spid="2" grpId="0"/>
-    </p:bldLst>
   </p:timing>
 </p:sld>
 </file>
@@ -21981,6 +24735,1667 @@
 </file>
 
 <file path=ppt/slides/slide40.xml><?xml version="1.0" encoding="utf-8"?>
+<p:sld xmlns:a="http://schemas.openxmlformats.org/drawingml/2006/main" xmlns:r="http://schemas.openxmlformats.org/officeDocument/2006/relationships" xmlns:p="http://schemas.openxmlformats.org/presentationml/2006/main">
+  <p:cSld>
+    <p:bg>
+      <p:bgPr>
+        <a:solidFill>
+          <a:srgbClr val="482958"/>
+        </a:solidFill>
+        <a:effectLst/>
+      </p:bgPr>
+    </p:bg>
+    <p:spTree>
+      <p:nvGrpSpPr>
+        <p:cNvPr id="1" name=""/>
+        <p:cNvGrpSpPr/>
+        <p:nvPr/>
+      </p:nvGrpSpPr>
+      <p:grpSpPr>
+        <a:xfrm>
+          <a:off x="0" y="0"/>
+          <a:ext cx="0" cy="0"/>
+          <a:chOff x="0" y="0"/>
+          <a:chExt cx="0" cy="0"/>
+        </a:xfrm>
+      </p:grpSpPr>
+      <p:sp>
+        <p:nvSpPr>
+          <p:cNvPr id="2" name="Nadpis 1"/>
+          <p:cNvSpPr>
+            <a:spLocks noGrp="1"/>
+          </p:cNvSpPr>
+          <p:nvPr>
+            <p:ph type="ctrTitle"/>
+          </p:nvPr>
+        </p:nvSpPr>
+        <p:spPr>
+          <a:xfrm>
+            <a:off x="1" y="2541709"/>
+            <a:ext cx="12192000" cy="1926381"/>
+          </a:xfrm>
+        </p:spPr>
+        <p:txBody>
+          <a:bodyPr wrap="square" lIns="900000" rIns="900000" anchor="ctr">
+            <a:noAutofit/>
+          </a:bodyPr>
+          <a:lstStyle/>
+          <a:p>
+            <a:pPr algn="l"/>
+            <a:r>
+              <a:rPr lang="sk-SK" sz="5400" i="1" dirty="0">
+                <a:solidFill>
+                  <a:schemeClr val="tx1"/>
+                </a:solidFill>
+                <a:effectLst/>
+                <a:latin typeface="Segoe UI Light" panose="020B0502040204020203" pitchFamily="34" charset="0"/>
+                <a:cs typeface="Segoe UI Light" panose="020B0502040204020203" pitchFamily="34" charset="0"/>
+              </a:rPr>
+              <a:t>„A. </a:t>
+            </a:r>
+            <a:r>
+              <a:rPr lang="sk-SK" sz="5400" i="1" dirty="0" smtClean="0">
+                <a:solidFill>
+                  <a:schemeClr val="tx1"/>
+                </a:solidFill>
+                <a:effectLst/>
+                <a:latin typeface="Segoe UI Light" panose="020B0502040204020203" pitchFamily="34" charset="0"/>
+                <a:cs typeface="Segoe UI Light" panose="020B0502040204020203" pitchFamily="34" charset="0"/>
+              </a:rPr>
+              <a:t>Triedy </a:t>
+            </a:r>
+            <a:r>
+              <a:rPr lang="sk-SK" sz="5400" i="1" dirty="0">
+                <a:solidFill>
+                  <a:schemeClr val="tx1"/>
+                </a:solidFill>
+                <a:effectLst/>
+                <a:latin typeface="Segoe UI Light" panose="020B0502040204020203" pitchFamily="34" charset="0"/>
+                <a:cs typeface="Segoe UI Light" panose="020B0502040204020203" pitchFamily="34" charset="0"/>
+              </a:rPr>
+              <a:t>na </a:t>
+            </a:r>
+            <a:r>
+              <a:rPr lang="sk-SK" sz="5400" i="1" dirty="0" smtClean="0">
+                <a:solidFill>
+                  <a:schemeClr val="tx1"/>
+                </a:solidFill>
+                <a:effectLst/>
+                <a:latin typeface="Segoe UI Light" panose="020B0502040204020203" pitchFamily="34" charset="0"/>
+                <a:cs typeface="Segoe UI Light" panose="020B0502040204020203" pitchFamily="34" charset="0"/>
+              </a:rPr>
+              <a:t>vyššej </a:t>
+            </a:r>
+            <a:r>
+              <a:rPr lang="sk-SK" sz="5400" i="1" dirty="0">
+                <a:solidFill>
+                  <a:schemeClr val="tx1"/>
+                </a:solidFill>
+                <a:effectLst/>
+                <a:latin typeface="Segoe UI Light" panose="020B0502040204020203" pitchFamily="34" charset="0"/>
+                <a:cs typeface="Segoe UI Light" panose="020B0502040204020203" pitchFamily="34" charset="0"/>
+              </a:rPr>
+              <a:t>úrovni by nemali závisieť od </a:t>
+            </a:r>
+            <a:r>
+              <a:rPr lang="sk-SK" sz="5400" i="1" dirty="0" smtClean="0">
+                <a:solidFill>
+                  <a:schemeClr val="tx1"/>
+                </a:solidFill>
+                <a:effectLst/>
+                <a:latin typeface="Segoe UI Light" panose="020B0502040204020203" pitchFamily="34" charset="0"/>
+                <a:cs typeface="Segoe UI Light" panose="020B0502040204020203" pitchFamily="34" charset="0"/>
+              </a:rPr>
+              <a:t>tried </a:t>
+            </a:r>
+            <a:r>
+              <a:rPr lang="sk-SK" sz="5400" i="1" dirty="0">
+                <a:solidFill>
+                  <a:schemeClr val="tx1"/>
+                </a:solidFill>
+                <a:effectLst/>
+                <a:latin typeface="Segoe UI Light" panose="020B0502040204020203" pitchFamily="34" charset="0"/>
+                <a:cs typeface="Segoe UI Light" panose="020B0502040204020203" pitchFamily="34" charset="0"/>
+              </a:rPr>
+              <a:t>nízkej úrovne. Obe by mali závisieť od abstrakcií</a:t>
+            </a:r>
+            <a:r>
+              <a:rPr lang="sk-SK" sz="5400" i="1" dirty="0" smtClean="0">
+                <a:solidFill>
+                  <a:schemeClr val="tx1"/>
+                </a:solidFill>
+                <a:effectLst/>
+                <a:latin typeface="Segoe UI Light" panose="020B0502040204020203" pitchFamily="34" charset="0"/>
+                <a:cs typeface="Segoe UI Light" panose="020B0502040204020203" pitchFamily="34" charset="0"/>
+              </a:rPr>
+              <a:t>.</a:t>
+            </a:r>
+            <a:br>
+              <a:rPr lang="sk-SK" sz="5400" i="1" dirty="0" smtClean="0">
+                <a:solidFill>
+                  <a:schemeClr val="tx1"/>
+                </a:solidFill>
+                <a:effectLst/>
+                <a:latin typeface="Segoe UI Light" panose="020B0502040204020203" pitchFamily="34" charset="0"/>
+                <a:cs typeface="Segoe UI Light" panose="020B0502040204020203" pitchFamily="34" charset="0"/>
+              </a:rPr>
+            </a:br>
+            <a:r>
+              <a:rPr lang="sk-SK" sz="5400" i="1" dirty="0">
+                <a:solidFill>
+                  <a:schemeClr val="tx1"/>
+                </a:solidFill>
+                <a:effectLst/>
+                <a:latin typeface="Segoe UI Light" panose="020B0502040204020203" pitchFamily="34" charset="0"/>
+                <a:cs typeface="Segoe UI Light" panose="020B0502040204020203" pitchFamily="34" charset="0"/>
+              </a:rPr>
+              <a:t/>
+            </a:r>
+            <a:br>
+              <a:rPr lang="sk-SK" sz="5400" i="1" dirty="0">
+                <a:solidFill>
+                  <a:schemeClr val="tx1"/>
+                </a:solidFill>
+                <a:effectLst/>
+                <a:latin typeface="Segoe UI Light" panose="020B0502040204020203" pitchFamily="34" charset="0"/>
+                <a:cs typeface="Segoe UI Light" panose="020B0502040204020203" pitchFamily="34" charset="0"/>
+              </a:rPr>
+            </a:br>
+            <a:r>
+              <a:rPr lang="sk-SK" sz="5400" i="1" dirty="0">
+                <a:solidFill>
+                  <a:schemeClr val="tx1"/>
+                </a:solidFill>
+                <a:effectLst/>
+                <a:latin typeface="Segoe UI Light" panose="020B0502040204020203" pitchFamily="34" charset="0"/>
+                <a:cs typeface="Segoe UI Light" panose="020B0502040204020203" pitchFamily="34" charset="0"/>
+              </a:rPr>
+              <a:t>B. Abstrakcie by nemali závisieť od podrobností. Podrobnosti by mali závisieť od abstrakcií</a:t>
+            </a:r>
+            <a:r>
+              <a:rPr lang="sk-SK" sz="5400" i="1" dirty="0" smtClean="0">
+                <a:solidFill>
+                  <a:schemeClr val="tx1"/>
+                </a:solidFill>
+                <a:effectLst/>
+                <a:latin typeface="Segoe UI Light" panose="020B0502040204020203" pitchFamily="34" charset="0"/>
+                <a:cs typeface="Segoe UI Light" panose="020B0502040204020203" pitchFamily="34" charset="0"/>
+              </a:rPr>
+              <a:t>.“</a:t>
+            </a:r>
+            <a:endParaRPr lang="sk-SK" sz="5400" i="1" dirty="0">
+              <a:effectLst/>
+              <a:latin typeface="Segoe UI Light" panose="020B0502040204020203" pitchFamily="34" charset="0"/>
+              <a:cs typeface="Segoe UI Light" panose="020B0502040204020203" pitchFamily="34" charset="0"/>
+            </a:endParaRPr>
+          </a:p>
+        </p:txBody>
+      </p:sp>
+    </p:spTree>
+    <p:extLst>
+      <p:ext uri="{BB962C8B-B14F-4D97-AF65-F5344CB8AC3E}">
+        <p14:creationId xmlns:p14="http://schemas.microsoft.com/office/powerpoint/2010/main" val="939347943"/>
+      </p:ext>
+    </p:extLst>
+  </p:cSld>
+  <p:clrMapOvr>
+    <a:masterClrMapping/>
+  </p:clrMapOvr>
+  <p:timing>
+    <p:tnLst>
+      <p:par>
+        <p:cTn id="1" dur="indefinite" restart="never" nodeType="tmRoot"/>
+      </p:par>
+    </p:tnLst>
+  </p:timing>
+</p:sld>
+</file>
+
+<file path=ppt/slides/slide41.xml><?xml version="1.0" encoding="utf-8"?>
+<p:sld xmlns:a="http://schemas.openxmlformats.org/drawingml/2006/main" xmlns:r="http://schemas.openxmlformats.org/officeDocument/2006/relationships" xmlns:p="http://schemas.openxmlformats.org/presentationml/2006/main">
+  <p:cSld>
+    <p:bg>
+      <p:bgPr>
+        <a:solidFill>
+          <a:srgbClr val="482958"/>
+        </a:solidFill>
+        <a:effectLst/>
+      </p:bgPr>
+    </p:bg>
+    <p:spTree>
+      <p:nvGrpSpPr>
+        <p:cNvPr id="1" name=""/>
+        <p:cNvGrpSpPr/>
+        <p:nvPr/>
+      </p:nvGrpSpPr>
+      <p:grpSpPr>
+        <a:xfrm>
+          <a:off x="0" y="0"/>
+          <a:ext cx="0" cy="0"/>
+          <a:chOff x="0" y="0"/>
+          <a:chExt cx="0" cy="0"/>
+        </a:xfrm>
+      </p:grpSpPr>
+      <p:sp>
+        <p:nvSpPr>
+          <p:cNvPr id="2" name="Nadpis 1"/>
+          <p:cNvSpPr>
+            <a:spLocks noGrp="1"/>
+          </p:cNvSpPr>
+          <p:nvPr>
+            <p:ph type="ctrTitle"/>
+          </p:nvPr>
+        </p:nvSpPr>
+        <p:spPr>
+          <a:xfrm>
+            <a:off x="1" y="2541709"/>
+            <a:ext cx="12192000" cy="1926381"/>
+          </a:xfrm>
+        </p:spPr>
+        <p:txBody>
+          <a:bodyPr wrap="square" lIns="900000" rIns="900000" anchor="ctr">
+            <a:noAutofit/>
+          </a:bodyPr>
+          <a:lstStyle/>
+          <a:p>
+            <a:pPr algn="ctr"/>
+            <a:r>
+              <a:rPr lang="sk-SK" sz="5400" i="1" dirty="0" smtClean="0">
+                <a:solidFill>
+                  <a:schemeClr val="tx1"/>
+                </a:solidFill>
+                <a:effectLst/>
+                <a:latin typeface="Segoe UI Light" panose="020B0502040204020203" pitchFamily="34" charset="0"/>
+                <a:cs typeface="Segoe UI Light" panose="020B0502040204020203" pitchFamily="34" charset="0"/>
+              </a:rPr>
+              <a:t>Uistite sa, že vaša trieda nezávisí na špecifickej implementácií.</a:t>
+            </a:r>
+            <a:br>
+              <a:rPr lang="sk-SK" sz="5400" i="1" dirty="0" smtClean="0">
+                <a:solidFill>
+                  <a:schemeClr val="tx1"/>
+                </a:solidFill>
+                <a:effectLst/>
+                <a:latin typeface="Segoe UI Light" panose="020B0502040204020203" pitchFamily="34" charset="0"/>
+                <a:cs typeface="Segoe UI Light" panose="020B0502040204020203" pitchFamily="34" charset="0"/>
+              </a:rPr>
+            </a:br>
+            <a:r>
+              <a:rPr lang="sk-SK" sz="5400" i="1" dirty="0" smtClean="0">
+                <a:solidFill>
+                  <a:schemeClr val="tx1"/>
+                </a:solidFill>
+                <a:effectLst/>
+                <a:latin typeface="Segoe UI Light" panose="020B0502040204020203" pitchFamily="34" charset="0"/>
+                <a:cs typeface="Segoe UI Light" panose="020B0502040204020203" pitchFamily="34" charset="0"/>
+              </a:rPr>
+              <a:t>Uľahčí Vám to meniť veci okolo.</a:t>
+            </a:r>
+            <a:endParaRPr lang="sk-SK" sz="5400" i="1" dirty="0">
+              <a:effectLst/>
+              <a:latin typeface="Segoe UI Light" panose="020B0502040204020203" pitchFamily="34" charset="0"/>
+              <a:cs typeface="Segoe UI Light" panose="020B0502040204020203" pitchFamily="34" charset="0"/>
+            </a:endParaRPr>
+          </a:p>
+        </p:txBody>
+      </p:sp>
+    </p:spTree>
+    <p:extLst>
+      <p:ext uri="{BB962C8B-B14F-4D97-AF65-F5344CB8AC3E}">
+        <p14:creationId xmlns:p14="http://schemas.microsoft.com/office/powerpoint/2010/main" val="2872473210"/>
+      </p:ext>
+    </p:extLst>
+  </p:cSld>
+  <p:clrMapOvr>
+    <a:masterClrMapping/>
+  </p:clrMapOvr>
+  <p:timing>
+    <p:tnLst>
+      <p:par>
+        <p:cTn id="1" dur="indefinite" restart="never" nodeType="tmRoot"/>
+      </p:par>
+    </p:tnLst>
+  </p:timing>
+</p:sld>
+</file>
+
+<file path=ppt/slides/slide42.xml><?xml version="1.0" encoding="utf-8"?>
+<p:sld xmlns:a="http://schemas.openxmlformats.org/drawingml/2006/main" xmlns:r="http://schemas.openxmlformats.org/officeDocument/2006/relationships" xmlns:p="http://schemas.openxmlformats.org/presentationml/2006/main">
+  <p:cSld>
+    <p:bg>
+      <p:bgPr>
+        <a:solidFill>
+          <a:srgbClr val="482958"/>
+        </a:solidFill>
+        <a:effectLst/>
+      </p:bgPr>
+    </p:bg>
+    <p:spTree>
+      <p:nvGrpSpPr>
+        <p:cNvPr id="1" name=""/>
+        <p:cNvGrpSpPr/>
+        <p:nvPr/>
+      </p:nvGrpSpPr>
+      <p:grpSpPr>
+        <a:xfrm>
+          <a:off x="0" y="0"/>
+          <a:ext cx="0" cy="0"/>
+          <a:chOff x="0" y="0"/>
+          <a:chExt cx="0" cy="0"/>
+        </a:xfrm>
+      </p:grpSpPr>
+      <p:sp>
+        <p:nvSpPr>
+          <p:cNvPr id="4" name="Obdĺžnik 3"/>
+          <p:cNvSpPr/>
+          <p:nvPr/>
+        </p:nvSpPr>
+        <p:spPr>
+          <a:xfrm>
+            <a:off x="451104" y="499872"/>
+            <a:ext cx="2292096" cy="1402080"/>
+          </a:xfrm>
+          <a:prstGeom prst="rect">
+            <a:avLst/>
+          </a:prstGeom>
+          <a:solidFill>
+            <a:srgbClr val="7CA900"/>
+          </a:solidFill>
+          <a:ln>
+            <a:noFill/>
+          </a:ln>
+        </p:spPr>
+        <p:style>
+          <a:lnRef idx="2">
+            <a:schemeClr val="accent1">
+              <a:shade val="50000"/>
+            </a:schemeClr>
+          </a:lnRef>
+          <a:fillRef idx="1">
+            <a:schemeClr val="accent1"/>
+          </a:fillRef>
+          <a:effectRef idx="0">
+            <a:schemeClr val="accent1"/>
+          </a:effectRef>
+          <a:fontRef idx="minor">
+            <a:schemeClr val="lt1"/>
+          </a:fontRef>
+        </p:style>
+        <p:txBody>
+          <a:bodyPr rtlCol="0" anchor="ctr"/>
+          <a:lstStyle/>
+          <a:p>
+            <a:pPr algn="ctr"/>
+            <a:r>
+              <a:rPr lang="sk-SK" sz="2400" dirty="0" smtClean="0">
+                <a:latin typeface="Segoe UI Light" panose="020B0502040204020203" pitchFamily="34" charset="0"/>
+                <a:cs typeface="Segoe UI Light" panose="020B0502040204020203" pitchFamily="34" charset="0"/>
+              </a:rPr>
+              <a:t>APP</a:t>
+            </a:r>
+          </a:p>
+        </p:txBody>
+      </p:sp>
+      <p:sp>
+        <p:nvSpPr>
+          <p:cNvPr id="5" name="Obdĺžnik 4"/>
+          <p:cNvSpPr/>
+          <p:nvPr/>
+        </p:nvSpPr>
+        <p:spPr>
+          <a:xfrm>
+            <a:off x="3395472" y="499872"/>
+            <a:ext cx="2292096" cy="1402080"/>
+          </a:xfrm>
+          <a:prstGeom prst="rect">
+            <a:avLst/>
+          </a:prstGeom>
+          <a:solidFill>
+            <a:srgbClr val="7CA900"/>
+          </a:solidFill>
+          <a:ln>
+            <a:noFill/>
+          </a:ln>
+        </p:spPr>
+        <p:style>
+          <a:lnRef idx="2">
+            <a:schemeClr val="accent1">
+              <a:shade val="50000"/>
+            </a:schemeClr>
+          </a:lnRef>
+          <a:fillRef idx="1">
+            <a:schemeClr val="accent1"/>
+          </a:fillRef>
+          <a:effectRef idx="0">
+            <a:schemeClr val="accent1"/>
+          </a:effectRef>
+          <a:fontRef idx="minor">
+            <a:schemeClr val="lt1"/>
+          </a:fontRef>
+        </p:style>
+        <p:txBody>
+          <a:bodyPr rtlCol="0" anchor="ctr"/>
+          <a:lstStyle/>
+          <a:p>
+            <a:pPr algn="ctr"/>
+            <a:r>
+              <a:rPr lang="sk-SK" dirty="0" err="1" smtClean="0">
+                <a:latin typeface="Segoe UI Light" panose="020B0502040204020203" pitchFamily="34" charset="0"/>
+                <a:cs typeface="Segoe UI Light" panose="020B0502040204020203" pitchFamily="34" charset="0"/>
+              </a:rPr>
+              <a:t>IPeopleReportService</a:t>
+            </a:r>
+            <a:endParaRPr lang="sk-SK" dirty="0" smtClean="0">
+              <a:latin typeface="Segoe UI Light" panose="020B0502040204020203" pitchFamily="34" charset="0"/>
+              <a:cs typeface="Segoe UI Light" panose="020B0502040204020203" pitchFamily="34" charset="0"/>
+            </a:endParaRPr>
+          </a:p>
+        </p:txBody>
+      </p:sp>
+      <p:sp>
+        <p:nvSpPr>
+          <p:cNvPr id="6" name="Obdĺžnik 5"/>
+          <p:cNvSpPr/>
+          <p:nvPr/>
+        </p:nvSpPr>
+        <p:spPr>
+          <a:xfrm>
+            <a:off x="3395472" y="2103120"/>
+            <a:ext cx="2292096" cy="1402080"/>
+          </a:xfrm>
+          <a:prstGeom prst="rect">
+            <a:avLst/>
+          </a:prstGeom>
+          <a:solidFill>
+            <a:srgbClr val="7CA900"/>
+          </a:solidFill>
+          <a:ln>
+            <a:noFill/>
+          </a:ln>
+        </p:spPr>
+        <p:style>
+          <a:lnRef idx="2">
+            <a:schemeClr val="accent1">
+              <a:shade val="50000"/>
+            </a:schemeClr>
+          </a:lnRef>
+          <a:fillRef idx="1">
+            <a:schemeClr val="accent1"/>
+          </a:fillRef>
+          <a:effectRef idx="0">
+            <a:schemeClr val="accent1"/>
+          </a:effectRef>
+          <a:fontRef idx="minor">
+            <a:schemeClr val="lt1"/>
+          </a:fontRef>
+        </p:style>
+        <p:txBody>
+          <a:bodyPr rtlCol="0" anchor="ctr"/>
+          <a:lstStyle/>
+          <a:p>
+            <a:pPr algn="ctr"/>
+            <a:r>
+              <a:rPr lang="sk-SK" dirty="0" err="1" smtClean="0">
+                <a:latin typeface="Segoe UI Light" panose="020B0502040204020203" pitchFamily="34" charset="0"/>
+                <a:cs typeface="Segoe UI Light" panose="020B0502040204020203" pitchFamily="34" charset="0"/>
+              </a:rPr>
+              <a:t>PeopleReportService</a:t>
+            </a:r>
+            <a:endParaRPr lang="sk-SK" dirty="0" smtClean="0">
+              <a:latin typeface="Segoe UI Light" panose="020B0502040204020203" pitchFamily="34" charset="0"/>
+              <a:cs typeface="Segoe UI Light" panose="020B0502040204020203" pitchFamily="34" charset="0"/>
+            </a:endParaRPr>
+          </a:p>
+        </p:txBody>
+      </p:sp>
+      <p:sp>
+        <p:nvSpPr>
+          <p:cNvPr id="7" name="Obdĺžnik 6"/>
+          <p:cNvSpPr/>
+          <p:nvPr/>
+        </p:nvSpPr>
+        <p:spPr>
+          <a:xfrm>
+            <a:off x="6412992" y="2103120"/>
+            <a:ext cx="2889504" cy="1402080"/>
+          </a:xfrm>
+          <a:prstGeom prst="rect">
+            <a:avLst/>
+          </a:prstGeom>
+          <a:solidFill>
+            <a:srgbClr val="7CA900"/>
+          </a:solidFill>
+          <a:ln>
+            <a:noFill/>
+          </a:ln>
+        </p:spPr>
+        <p:style>
+          <a:lnRef idx="2">
+            <a:schemeClr val="accent1">
+              <a:shade val="50000"/>
+            </a:schemeClr>
+          </a:lnRef>
+          <a:fillRef idx="1">
+            <a:schemeClr val="accent1"/>
+          </a:fillRef>
+          <a:effectRef idx="0">
+            <a:schemeClr val="accent1"/>
+          </a:effectRef>
+          <a:fontRef idx="minor">
+            <a:schemeClr val="lt1"/>
+          </a:fontRef>
+        </p:style>
+        <p:txBody>
+          <a:bodyPr rtlCol="0" anchor="ctr"/>
+          <a:lstStyle/>
+          <a:p>
+            <a:pPr algn="ctr"/>
+            <a:r>
+              <a:rPr lang="sk-SK" dirty="0" err="1" smtClean="0">
+                <a:latin typeface="Segoe UI Light" panose="020B0502040204020203" pitchFamily="34" charset="0"/>
+                <a:cs typeface="Segoe UI Light" panose="020B0502040204020203" pitchFamily="34" charset="0"/>
+              </a:rPr>
+              <a:t>IReadOnlyPeopleRepository</a:t>
+            </a:r>
+            <a:endParaRPr lang="sk-SK" dirty="0" smtClean="0">
+              <a:latin typeface="Segoe UI Light" panose="020B0502040204020203" pitchFamily="34" charset="0"/>
+              <a:cs typeface="Segoe UI Light" panose="020B0502040204020203" pitchFamily="34" charset="0"/>
+            </a:endParaRPr>
+          </a:p>
+        </p:txBody>
+      </p:sp>
+      <p:sp>
+        <p:nvSpPr>
+          <p:cNvPr id="8" name="Obdĺžnik 7"/>
+          <p:cNvSpPr/>
+          <p:nvPr/>
+        </p:nvSpPr>
+        <p:spPr>
+          <a:xfrm>
+            <a:off x="6412992" y="3681984"/>
+            <a:ext cx="2889504" cy="1402080"/>
+          </a:xfrm>
+          <a:prstGeom prst="rect">
+            <a:avLst/>
+          </a:prstGeom>
+          <a:solidFill>
+            <a:srgbClr val="7CA900"/>
+          </a:solidFill>
+          <a:ln>
+            <a:noFill/>
+          </a:ln>
+        </p:spPr>
+        <p:style>
+          <a:lnRef idx="2">
+            <a:schemeClr val="accent1">
+              <a:shade val="50000"/>
+            </a:schemeClr>
+          </a:lnRef>
+          <a:fillRef idx="1">
+            <a:schemeClr val="accent1"/>
+          </a:fillRef>
+          <a:effectRef idx="0">
+            <a:schemeClr val="accent1"/>
+          </a:effectRef>
+          <a:fontRef idx="minor">
+            <a:schemeClr val="lt1"/>
+          </a:fontRef>
+        </p:style>
+        <p:txBody>
+          <a:bodyPr rtlCol="0" anchor="ctr"/>
+          <a:lstStyle/>
+          <a:p>
+            <a:pPr algn="ctr"/>
+            <a:r>
+              <a:rPr lang="sk-SK" dirty="0" err="1" smtClean="0">
+                <a:latin typeface="Segoe UI Light" panose="020B0502040204020203" pitchFamily="34" charset="0"/>
+                <a:cs typeface="Segoe UI Light" panose="020B0502040204020203" pitchFamily="34" charset="0"/>
+              </a:rPr>
+              <a:t>WebPeopleRepository</a:t>
+            </a:r>
+            <a:endParaRPr lang="sk-SK" dirty="0" smtClean="0">
+              <a:latin typeface="Segoe UI Light" panose="020B0502040204020203" pitchFamily="34" charset="0"/>
+              <a:cs typeface="Segoe UI Light" panose="020B0502040204020203" pitchFamily="34" charset="0"/>
+            </a:endParaRPr>
+          </a:p>
+        </p:txBody>
+      </p:sp>
+      <p:sp>
+        <p:nvSpPr>
+          <p:cNvPr id="9" name="Obdĺžnik 8"/>
+          <p:cNvSpPr/>
+          <p:nvPr/>
+        </p:nvSpPr>
+        <p:spPr>
+          <a:xfrm>
+            <a:off x="9991344" y="3681984"/>
+            <a:ext cx="2090928" cy="1402080"/>
+          </a:xfrm>
+          <a:prstGeom prst="rect">
+            <a:avLst/>
+          </a:prstGeom>
+          <a:solidFill>
+            <a:srgbClr val="7CA900"/>
+          </a:solidFill>
+          <a:ln>
+            <a:noFill/>
+          </a:ln>
+        </p:spPr>
+        <p:style>
+          <a:lnRef idx="2">
+            <a:schemeClr val="accent1">
+              <a:shade val="50000"/>
+            </a:schemeClr>
+          </a:lnRef>
+          <a:fillRef idx="1">
+            <a:schemeClr val="accent1"/>
+          </a:fillRef>
+          <a:effectRef idx="0">
+            <a:schemeClr val="accent1"/>
+          </a:effectRef>
+          <a:fontRef idx="minor">
+            <a:schemeClr val="lt1"/>
+          </a:fontRef>
+        </p:style>
+        <p:txBody>
+          <a:bodyPr rtlCol="0" anchor="ctr"/>
+          <a:lstStyle/>
+          <a:p>
+            <a:pPr algn="ctr"/>
+            <a:r>
+              <a:rPr lang="sk-SK" dirty="0" err="1" smtClean="0">
+                <a:latin typeface="Segoe UI Light" panose="020B0502040204020203" pitchFamily="34" charset="0"/>
+                <a:cs typeface="Segoe UI Light" panose="020B0502040204020203" pitchFamily="34" charset="0"/>
+              </a:rPr>
+              <a:t>IWebClient</a:t>
+            </a:r>
+            <a:endParaRPr lang="sk-SK" dirty="0" smtClean="0">
+              <a:latin typeface="Segoe UI Light" panose="020B0502040204020203" pitchFamily="34" charset="0"/>
+              <a:cs typeface="Segoe UI Light" panose="020B0502040204020203" pitchFamily="34" charset="0"/>
+            </a:endParaRPr>
+          </a:p>
+        </p:txBody>
+      </p:sp>
+      <p:sp>
+        <p:nvSpPr>
+          <p:cNvPr id="11" name="Obdĺžnik 10"/>
+          <p:cNvSpPr/>
+          <p:nvPr/>
+        </p:nvSpPr>
+        <p:spPr>
+          <a:xfrm>
+            <a:off x="9991344" y="5273040"/>
+            <a:ext cx="2090928" cy="1402080"/>
+          </a:xfrm>
+          <a:prstGeom prst="rect">
+            <a:avLst/>
+          </a:prstGeom>
+          <a:solidFill>
+            <a:srgbClr val="7CA900"/>
+          </a:solidFill>
+          <a:ln>
+            <a:noFill/>
+          </a:ln>
+        </p:spPr>
+        <p:style>
+          <a:lnRef idx="2">
+            <a:schemeClr val="accent1">
+              <a:shade val="50000"/>
+            </a:schemeClr>
+          </a:lnRef>
+          <a:fillRef idx="1">
+            <a:schemeClr val="accent1"/>
+          </a:fillRef>
+          <a:effectRef idx="0">
+            <a:schemeClr val="accent1"/>
+          </a:effectRef>
+          <a:fontRef idx="minor">
+            <a:schemeClr val="lt1"/>
+          </a:fontRef>
+        </p:style>
+        <p:txBody>
+          <a:bodyPr rtlCol="0" anchor="ctr"/>
+          <a:lstStyle/>
+          <a:p>
+            <a:pPr algn="ctr"/>
+            <a:r>
+              <a:rPr lang="sk-SK" dirty="0" err="1" smtClean="0">
+                <a:latin typeface="Segoe UI Light" panose="020B0502040204020203" pitchFamily="34" charset="0"/>
+                <a:cs typeface="Segoe UI Light" panose="020B0502040204020203" pitchFamily="34" charset="0"/>
+              </a:rPr>
+              <a:t>WebClient</a:t>
+            </a:r>
+            <a:endParaRPr lang="sk-SK" dirty="0" smtClean="0">
+              <a:latin typeface="Segoe UI Light" panose="020B0502040204020203" pitchFamily="34" charset="0"/>
+              <a:cs typeface="Segoe UI Light" panose="020B0502040204020203" pitchFamily="34" charset="0"/>
+            </a:endParaRPr>
+          </a:p>
+        </p:txBody>
+      </p:sp>
+      <p:sp>
+        <p:nvSpPr>
+          <p:cNvPr id="12" name="Šípka doprava 11"/>
+          <p:cNvSpPr/>
+          <p:nvPr/>
+        </p:nvSpPr>
+        <p:spPr>
+          <a:xfrm>
+            <a:off x="2831592" y="999744"/>
+            <a:ext cx="475488" cy="402336"/>
+          </a:xfrm>
+          <a:prstGeom prst="rightArrow">
+            <a:avLst/>
+          </a:prstGeom>
+        </p:spPr>
+        <p:style>
+          <a:lnRef idx="2">
+            <a:schemeClr val="accent1">
+              <a:shade val="50000"/>
+            </a:schemeClr>
+          </a:lnRef>
+          <a:fillRef idx="1">
+            <a:schemeClr val="accent1"/>
+          </a:fillRef>
+          <a:effectRef idx="0">
+            <a:schemeClr val="accent1"/>
+          </a:effectRef>
+          <a:fontRef idx="minor">
+            <a:schemeClr val="lt1"/>
+          </a:fontRef>
+        </p:style>
+        <p:txBody>
+          <a:bodyPr rtlCol="0" anchor="ctr"/>
+          <a:lstStyle/>
+          <a:p>
+            <a:pPr algn="ctr"/>
+            <a:endParaRPr lang="sk-SK"/>
+          </a:p>
+        </p:txBody>
+      </p:sp>
+      <p:sp>
+        <p:nvSpPr>
+          <p:cNvPr id="13" name="Šípka doprava 12"/>
+          <p:cNvSpPr/>
+          <p:nvPr/>
+        </p:nvSpPr>
+        <p:spPr>
+          <a:xfrm>
+            <a:off x="5812536" y="2602992"/>
+            <a:ext cx="475488" cy="402336"/>
+          </a:xfrm>
+          <a:prstGeom prst="rightArrow">
+            <a:avLst/>
+          </a:prstGeom>
+        </p:spPr>
+        <p:style>
+          <a:lnRef idx="2">
+            <a:schemeClr val="accent1">
+              <a:shade val="50000"/>
+            </a:schemeClr>
+          </a:lnRef>
+          <a:fillRef idx="1">
+            <a:schemeClr val="accent1"/>
+          </a:fillRef>
+          <a:effectRef idx="0">
+            <a:schemeClr val="accent1"/>
+          </a:effectRef>
+          <a:fontRef idx="minor">
+            <a:schemeClr val="lt1"/>
+          </a:fontRef>
+        </p:style>
+        <p:txBody>
+          <a:bodyPr rtlCol="0" anchor="ctr"/>
+          <a:lstStyle/>
+          <a:p>
+            <a:pPr algn="ctr"/>
+            <a:endParaRPr lang="sk-SK"/>
+          </a:p>
+        </p:txBody>
+      </p:sp>
+      <p:sp>
+        <p:nvSpPr>
+          <p:cNvPr id="14" name="Šípka doprava 13"/>
+          <p:cNvSpPr/>
+          <p:nvPr/>
+        </p:nvSpPr>
+        <p:spPr>
+          <a:xfrm>
+            <a:off x="9409176" y="4181856"/>
+            <a:ext cx="475488" cy="402336"/>
+          </a:xfrm>
+          <a:prstGeom prst="rightArrow">
+            <a:avLst/>
+          </a:prstGeom>
+        </p:spPr>
+        <p:style>
+          <a:lnRef idx="2">
+            <a:schemeClr val="accent1">
+              <a:shade val="50000"/>
+            </a:schemeClr>
+          </a:lnRef>
+          <a:fillRef idx="1">
+            <a:schemeClr val="accent1"/>
+          </a:fillRef>
+          <a:effectRef idx="0">
+            <a:schemeClr val="accent1"/>
+          </a:effectRef>
+          <a:fontRef idx="minor">
+            <a:schemeClr val="lt1"/>
+          </a:fontRef>
+        </p:style>
+        <p:txBody>
+          <a:bodyPr rtlCol="0" anchor="ctr"/>
+          <a:lstStyle/>
+          <a:p>
+            <a:pPr algn="ctr"/>
+            <a:endParaRPr lang="sk-SK"/>
+          </a:p>
+        </p:txBody>
+      </p:sp>
+    </p:spTree>
+    <p:extLst>
+      <p:ext uri="{BB962C8B-B14F-4D97-AF65-F5344CB8AC3E}">
+        <p14:creationId xmlns:p14="http://schemas.microsoft.com/office/powerpoint/2010/main" val="2952648212"/>
+      </p:ext>
+    </p:extLst>
+  </p:cSld>
+  <p:clrMapOvr>
+    <a:masterClrMapping/>
+  </p:clrMapOvr>
+  <p:timing>
+    <p:tnLst>
+      <p:par>
+        <p:cTn id="1" dur="indefinite" restart="never" nodeType="tmRoot">
+          <p:childTnLst>
+            <p:seq concurrent="1" nextAc="seek">
+              <p:cTn id="2" dur="indefinite" nodeType="mainSeq">
+                <p:childTnLst>
+                  <p:par>
+                    <p:cTn id="3" fill="hold">
+                      <p:stCondLst>
+                        <p:cond delay="indefinite"/>
+                      </p:stCondLst>
+                      <p:childTnLst>
+                        <p:par>
+                          <p:cTn id="4" fill="hold">
+                            <p:stCondLst>
+                              <p:cond delay="0"/>
+                            </p:stCondLst>
+                            <p:childTnLst>
+                              <p:par>
+                                <p:cTn id="5" presetID="1" presetClass="entr" presetSubtype="0" fill="hold" grpId="0" nodeType="clickEffect">
+                                  <p:stCondLst>
+                                    <p:cond delay="0"/>
+                                  </p:stCondLst>
+                                  <p:childTnLst>
+                                    <p:set>
+                                      <p:cBhvr>
+                                        <p:cTn id="6" dur="1" fill="hold">
+                                          <p:stCondLst>
+                                            <p:cond delay="0"/>
+                                          </p:stCondLst>
+                                        </p:cTn>
+                                        <p:tgtEl>
+                                          <p:spTgt spid="12"/>
+                                        </p:tgtEl>
+                                        <p:attrNameLst>
+                                          <p:attrName>style.visibility</p:attrName>
+                                        </p:attrNameLst>
+                                      </p:cBhvr>
+                                      <p:to>
+                                        <p:strVal val="visible"/>
+                                      </p:to>
+                                    </p:set>
+                                  </p:childTnLst>
+                                </p:cTn>
+                              </p:par>
+                              <p:par>
+                                <p:cTn id="7" presetID="1" presetClass="entr" presetSubtype="0" fill="hold" grpId="0" nodeType="withEffect">
+                                  <p:stCondLst>
+                                    <p:cond delay="0"/>
+                                  </p:stCondLst>
+                                  <p:childTnLst>
+                                    <p:set>
+                                      <p:cBhvr>
+                                        <p:cTn id="8" dur="1" fill="hold">
+                                          <p:stCondLst>
+                                            <p:cond delay="0"/>
+                                          </p:stCondLst>
+                                        </p:cTn>
+                                        <p:tgtEl>
+                                          <p:spTgt spid="5"/>
+                                        </p:tgtEl>
+                                        <p:attrNameLst>
+                                          <p:attrName>style.visibility</p:attrName>
+                                        </p:attrNameLst>
+                                      </p:cBhvr>
+                                      <p:to>
+                                        <p:strVal val="visible"/>
+                                      </p:to>
+                                    </p:set>
+                                  </p:childTnLst>
+                                </p:cTn>
+                              </p:par>
+                            </p:childTnLst>
+                          </p:cTn>
+                        </p:par>
+                      </p:childTnLst>
+                    </p:cTn>
+                  </p:par>
+                  <p:par>
+                    <p:cTn id="9" fill="hold">
+                      <p:stCondLst>
+                        <p:cond delay="indefinite"/>
+                      </p:stCondLst>
+                      <p:childTnLst>
+                        <p:par>
+                          <p:cTn id="10" fill="hold">
+                            <p:stCondLst>
+                              <p:cond delay="0"/>
+                            </p:stCondLst>
+                            <p:childTnLst>
+                              <p:par>
+                                <p:cTn id="11" presetID="1" presetClass="entr" presetSubtype="0" fill="hold" grpId="0" nodeType="clickEffect">
+                                  <p:stCondLst>
+                                    <p:cond delay="0"/>
+                                  </p:stCondLst>
+                                  <p:childTnLst>
+                                    <p:set>
+                                      <p:cBhvr>
+                                        <p:cTn id="12" dur="1" fill="hold">
+                                          <p:stCondLst>
+                                            <p:cond delay="0"/>
+                                          </p:stCondLst>
+                                        </p:cTn>
+                                        <p:tgtEl>
+                                          <p:spTgt spid="6"/>
+                                        </p:tgtEl>
+                                        <p:attrNameLst>
+                                          <p:attrName>style.visibility</p:attrName>
+                                        </p:attrNameLst>
+                                      </p:cBhvr>
+                                      <p:to>
+                                        <p:strVal val="visible"/>
+                                      </p:to>
+                                    </p:set>
+                                  </p:childTnLst>
+                                </p:cTn>
+                              </p:par>
+                            </p:childTnLst>
+                          </p:cTn>
+                        </p:par>
+                      </p:childTnLst>
+                    </p:cTn>
+                  </p:par>
+                  <p:par>
+                    <p:cTn id="13" fill="hold">
+                      <p:stCondLst>
+                        <p:cond delay="indefinite"/>
+                      </p:stCondLst>
+                      <p:childTnLst>
+                        <p:par>
+                          <p:cTn id="14" fill="hold">
+                            <p:stCondLst>
+                              <p:cond delay="0"/>
+                            </p:stCondLst>
+                            <p:childTnLst>
+                              <p:par>
+                                <p:cTn id="15" presetID="1" presetClass="entr" presetSubtype="0" fill="hold" grpId="0" nodeType="clickEffect">
+                                  <p:stCondLst>
+                                    <p:cond delay="0"/>
+                                  </p:stCondLst>
+                                  <p:childTnLst>
+                                    <p:set>
+                                      <p:cBhvr>
+                                        <p:cTn id="16" dur="1" fill="hold">
+                                          <p:stCondLst>
+                                            <p:cond delay="0"/>
+                                          </p:stCondLst>
+                                        </p:cTn>
+                                        <p:tgtEl>
+                                          <p:spTgt spid="13"/>
+                                        </p:tgtEl>
+                                        <p:attrNameLst>
+                                          <p:attrName>style.visibility</p:attrName>
+                                        </p:attrNameLst>
+                                      </p:cBhvr>
+                                      <p:to>
+                                        <p:strVal val="visible"/>
+                                      </p:to>
+                                    </p:set>
+                                  </p:childTnLst>
+                                </p:cTn>
+                              </p:par>
+                              <p:par>
+                                <p:cTn id="17" presetID="1" presetClass="entr" presetSubtype="0" fill="hold" grpId="0" nodeType="withEffect">
+                                  <p:stCondLst>
+                                    <p:cond delay="0"/>
+                                  </p:stCondLst>
+                                  <p:childTnLst>
+                                    <p:set>
+                                      <p:cBhvr>
+                                        <p:cTn id="18" dur="1" fill="hold">
+                                          <p:stCondLst>
+                                            <p:cond delay="0"/>
+                                          </p:stCondLst>
+                                        </p:cTn>
+                                        <p:tgtEl>
+                                          <p:spTgt spid="7"/>
+                                        </p:tgtEl>
+                                        <p:attrNameLst>
+                                          <p:attrName>style.visibility</p:attrName>
+                                        </p:attrNameLst>
+                                      </p:cBhvr>
+                                      <p:to>
+                                        <p:strVal val="visible"/>
+                                      </p:to>
+                                    </p:set>
+                                  </p:childTnLst>
+                                </p:cTn>
+                              </p:par>
+                            </p:childTnLst>
+                          </p:cTn>
+                        </p:par>
+                      </p:childTnLst>
+                    </p:cTn>
+                  </p:par>
+                  <p:par>
+                    <p:cTn id="19" fill="hold">
+                      <p:stCondLst>
+                        <p:cond delay="indefinite"/>
+                      </p:stCondLst>
+                      <p:childTnLst>
+                        <p:par>
+                          <p:cTn id="20" fill="hold">
+                            <p:stCondLst>
+                              <p:cond delay="0"/>
+                            </p:stCondLst>
+                            <p:childTnLst>
+                              <p:par>
+                                <p:cTn id="21" presetID="1" presetClass="entr" presetSubtype="0" fill="hold" grpId="0" nodeType="clickEffect">
+                                  <p:stCondLst>
+                                    <p:cond delay="0"/>
+                                  </p:stCondLst>
+                                  <p:childTnLst>
+                                    <p:set>
+                                      <p:cBhvr>
+                                        <p:cTn id="22" dur="1" fill="hold">
+                                          <p:stCondLst>
+                                            <p:cond delay="0"/>
+                                          </p:stCondLst>
+                                        </p:cTn>
+                                        <p:tgtEl>
+                                          <p:spTgt spid="8"/>
+                                        </p:tgtEl>
+                                        <p:attrNameLst>
+                                          <p:attrName>style.visibility</p:attrName>
+                                        </p:attrNameLst>
+                                      </p:cBhvr>
+                                      <p:to>
+                                        <p:strVal val="visible"/>
+                                      </p:to>
+                                    </p:set>
+                                  </p:childTnLst>
+                                </p:cTn>
+                              </p:par>
+                            </p:childTnLst>
+                          </p:cTn>
+                        </p:par>
+                      </p:childTnLst>
+                    </p:cTn>
+                  </p:par>
+                  <p:par>
+                    <p:cTn id="23" fill="hold">
+                      <p:stCondLst>
+                        <p:cond delay="indefinite"/>
+                      </p:stCondLst>
+                      <p:childTnLst>
+                        <p:par>
+                          <p:cTn id="24" fill="hold">
+                            <p:stCondLst>
+                              <p:cond delay="0"/>
+                            </p:stCondLst>
+                            <p:childTnLst>
+                              <p:par>
+                                <p:cTn id="25" presetID="1" presetClass="entr" presetSubtype="0" fill="hold" grpId="0" nodeType="clickEffect">
+                                  <p:stCondLst>
+                                    <p:cond delay="0"/>
+                                  </p:stCondLst>
+                                  <p:childTnLst>
+                                    <p:set>
+                                      <p:cBhvr>
+                                        <p:cTn id="26" dur="1" fill="hold">
+                                          <p:stCondLst>
+                                            <p:cond delay="0"/>
+                                          </p:stCondLst>
+                                        </p:cTn>
+                                        <p:tgtEl>
+                                          <p:spTgt spid="14"/>
+                                        </p:tgtEl>
+                                        <p:attrNameLst>
+                                          <p:attrName>style.visibility</p:attrName>
+                                        </p:attrNameLst>
+                                      </p:cBhvr>
+                                      <p:to>
+                                        <p:strVal val="visible"/>
+                                      </p:to>
+                                    </p:set>
+                                  </p:childTnLst>
+                                </p:cTn>
+                              </p:par>
+                              <p:par>
+                                <p:cTn id="27" presetID="1" presetClass="entr" presetSubtype="0" fill="hold" grpId="0" nodeType="withEffect">
+                                  <p:stCondLst>
+                                    <p:cond delay="0"/>
+                                  </p:stCondLst>
+                                  <p:childTnLst>
+                                    <p:set>
+                                      <p:cBhvr>
+                                        <p:cTn id="28" dur="1" fill="hold">
+                                          <p:stCondLst>
+                                            <p:cond delay="0"/>
+                                          </p:stCondLst>
+                                        </p:cTn>
+                                        <p:tgtEl>
+                                          <p:spTgt spid="9"/>
+                                        </p:tgtEl>
+                                        <p:attrNameLst>
+                                          <p:attrName>style.visibility</p:attrName>
+                                        </p:attrNameLst>
+                                      </p:cBhvr>
+                                      <p:to>
+                                        <p:strVal val="visible"/>
+                                      </p:to>
+                                    </p:set>
+                                  </p:childTnLst>
+                                </p:cTn>
+                              </p:par>
+                            </p:childTnLst>
+                          </p:cTn>
+                        </p:par>
+                      </p:childTnLst>
+                    </p:cTn>
+                  </p:par>
+                  <p:par>
+                    <p:cTn id="29" fill="hold">
+                      <p:stCondLst>
+                        <p:cond delay="indefinite"/>
+                      </p:stCondLst>
+                      <p:childTnLst>
+                        <p:par>
+                          <p:cTn id="30" fill="hold">
+                            <p:stCondLst>
+                              <p:cond delay="0"/>
+                            </p:stCondLst>
+                            <p:childTnLst>
+                              <p:par>
+                                <p:cTn id="31" presetID="1" presetClass="entr" presetSubtype="0" fill="hold" grpId="0" nodeType="clickEffect">
+                                  <p:stCondLst>
+                                    <p:cond delay="0"/>
+                                  </p:stCondLst>
+                                  <p:childTnLst>
+                                    <p:set>
+                                      <p:cBhvr>
+                                        <p:cTn id="32" dur="1" fill="hold">
+                                          <p:stCondLst>
+                                            <p:cond delay="0"/>
+                                          </p:stCondLst>
+                                        </p:cTn>
+                                        <p:tgtEl>
+                                          <p:spTgt spid="11"/>
+                                        </p:tgtEl>
+                                        <p:attrNameLst>
+                                          <p:attrName>style.visibility</p:attrName>
+                                        </p:attrNameLst>
+                                      </p:cBhvr>
+                                      <p:to>
+                                        <p:strVal val="visible"/>
+                                      </p:to>
+                                    </p:set>
+                                  </p:childTnLst>
+                                </p:cTn>
+                              </p:par>
+                            </p:childTnLst>
+                          </p:cTn>
+                        </p:par>
+                      </p:childTnLst>
+                    </p:cTn>
+                  </p:par>
+                </p:childTnLst>
+              </p:cTn>
+              <p:prevCondLst>
+                <p:cond evt="onPrev" delay="0">
+                  <p:tgtEl>
+                    <p:sldTgt/>
+                  </p:tgtEl>
+                </p:cond>
+              </p:prevCondLst>
+              <p:nextCondLst>
+                <p:cond evt="onNext" delay="0">
+                  <p:tgtEl>
+                    <p:sldTgt/>
+                  </p:tgtEl>
+                </p:cond>
+              </p:nextCondLst>
+            </p:seq>
+          </p:childTnLst>
+        </p:cTn>
+      </p:par>
+    </p:tnLst>
+    <p:bldLst>
+      <p:bldP spid="5" grpId="0" animBg="1"/>
+      <p:bldP spid="6" grpId="0" animBg="1"/>
+      <p:bldP spid="7" grpId="0" animBg="1"/>
+      <p:bldP spid="8" grpId="0" animBg="1"/>
+      <p:bldP spid="9" grpId="0" animBg="1"/>
+      <p:bldP spid="11" grpId="0" animBg="1"/>
+      <p:bldP spid="12" grpId="0" animBg="1"/>
+      <p:bldP spid="13" grpId="0" animBg="1"/>
+      <p:bldP spid="14" grpId="0" animBg="1"/>
+    </p:bldLst>
+  </p:timing>
+</p:sld>
+</file>
+
+<file path=ppt/slides/slide43.xml><?xml version="1.0" encoding="utf-8"?>
+<p:sld xmlns:a="http://schemas.openxmlformats.org/drawingml/2006/main" xmlns:r="http://schemas.openxmlformats.org/officeDocument/2006/relationships" xmlns:p="http://schemas.openxmlformats.org/presentationml/2006/main">
+  <p:cSld>
+    <p:bg>
+      <p:bgPr>
+        <a:solidFill>
+          <a:srgbClr val="482958"/>
+        </a:solidFill>
+        <a:effectLst/>
+      </p:bgPr>
+    </p:bg>
+    <p:spTree>
+      <p:nvGrpSpPr>
+        <p:cNvPr id="1" name=""/>
+        <p:cNvGrpSpPr/>
+        <p:nvPr/>
+      </p:nvGrpSpPr>
+      <p:grpSpPr>
+        <a:xfrm>
+          <a:off x="0" y="0"/>
+          <a:ext cx="0" cy="0"/>
+          <a:chOff x="0" y="0"/>
+          <a:chExt cx="0" cy="0"/>
+        </a:xfrm>
+      </p:grpSpPr>
+      <p:sp>
+        <p:nvSpPr>
+          <p:cNvPr id="6" name="Obdĺžnik 5"/>
+          <p:cNvSpPr/>
+          <p:nvPr/>
+        </p:nvSpPr>
+        <p:spPr>
+          <a:xfrm>
+            <a:off x="259773" y="3377045"/>
+            <a:ext cx="10723419" cy="2670464"/>
+          </a:xfrm>
+          <a:prstGeom prst="rect">
+            <a:avLst/>
+          </a:prstGeom>
+          <a:solidFill>
+            <a:srgbClr val="7CA900"/>
+          </a:solidFill>
+          <a:ln>
+            <a:noFill/>
+          </a:ln>
+        </p:spPr>
+        <p:style>
+          <a:lnRef idx="2">
+            <a:schemeClr val="accent1">
+              <a:shade val="50000"/>
+            </a:schemeClr>
+          </a:lnRef>
+          <a:fillRef idx="1">
+            <a:schemeClr val="accent1"/>
+          </a:fillRef>
+          <a:effectRef idx="0">
+            <a:schemeClr val="accent1"/>
+          </a:effectRef>
+          <a:fontRef idx="minor">
+            <a:schemeClr val="lt1"/>
+          </a:fontRef>
+        </p:style>
+        <p:txBody>
+          <a:bodyPr rtlCol="0" anchor="t"/>
+          <a:lstStyle/>
+          <a:p>
+            <a:r>
+              <a:rPr lang="sk-SK" sz="4400" dirty="0" smtClean="0">
+                <a:latin typeface="Segoe UI Light" panose="020B0502040204020203" pitchFamily="34" charset="0"/>
+                <a:cs typeface="Segoe UI Light" panose="020B0502040204020203" pitchFamily="34" charset="0"/>
+              </a:rPr>
+              <a:t>DEMO: Úprava podľa </a:t>
+            </a:r>
+            <a:r>
+              <a:rPr lang="sk-SK" sz="4400" dirty="0" smtClean="0">
+                <a:latin typeface="Segoe UI Light" panose="020B0502040204020203" pitchFamily="34" charset="0"/>
+                <a:cs typeface="Segoe UI Light" panose="020B0502040204020203" pitchFamily="34" charset="0"/>
+              </a:rPr>
+              <a:t>DIP</a:t>
+            </a:r>
+            <a:endParaRPr lang="sk-SK" sz="4400" dirty="0">
+              <a:latin typeface="Segoe UI Light" panose="020B0502040204020203" pitchFamily="34" charset="0"/>
+              <a:cs typeface="Segoe UI Light" panose="020B0502040204020203" pitchFamily="34" charset="0"/>
+            </a:endParaRPr>
+          </a:p>
+        </p:txBody>
+      </p:sp>
+    </p:spTree>
+    <p:extLst>
+      <p:ext uri="{BB962C8B-B14F-4D97-AF65-F5344CB8AC3E}">
+        <p14:creationId xmlns:p14="http://schemas.microsoft.com/office/powerpoint/2010/main" val="1650610249"/>
+      </p:ext>
+    </p:extLst>
+  </p:cSld>
+  <p:clrMapOvr>
+    <a:masterClrMapping/>
+  </p:clrMapOvr>
+  <p:timing>
+    <p:tnLst>
+      <p:par>
+        <p:cTn id="1" dur="indefinite" restart="never" nodeType="tmRoot"/>
+      </p:par>
+    </p:tnLst>
+  </p:timing>
+</p:sld>
+</file>
+
+<file path=ppt/slides/slide44.xml><?xml version="1.0" encoding="utf-8"?>
+<p:sld xmlns:a="http://schemas.openxmlformats.org/drawingml/2006/main" xmlns:r="http://schemas.openxmlformats.org/officeDocument/2006/relationships" xmlns:p="http://schemas.openxmlformats.org/presentationml/2006/main">
+  <p:cSld>
+    <p:bg>
+      <p:bgPr>
+        <a:solidFill>
+          <a:srgbClr val="482958"/>
+        </a:solidFill>
+        <a:effectLst/>
+      </p:bgPr>
+    </p:bg>
+    <p:spTree>
+      <p:nvGrpSpPr>
+        <p:cNvPr id="1" name=""/>
+        <p:cNvGrpSpPr/>
+        <p:nvPr/>
+      </p:nvGrpSpPr>
+      <p:grpSpPr>
+        <a:xfrm>
+          <a:off x="0" y="0"/>
+          <a:ext cx="0" cy="0"/>
+          <a:chOff x="0" y="0"/>
+          <a:chExt cx="0" cy="0"/>
+        </a:xfrm>
+      </p:grpSpPr>
+      <p:sp>
+        <p:nvSpPr>
+          <p:cNvPr id="2" name="Nadpis 1"/>
+          <p:cNvSpPr>
+            <a:spLocks noGrp="1"/>
+          </p:cNvSpPr>
+          <p:nvPr>
+            <p:ph type="ctrTitle"/>
+          </p:nvPr>
+        </p:nvSpPr>
+        <p:spPr>
+          <a:xfrm>
+            <a:off x="1" y="2541709"/>
+            <a:ext cx="12192000" cy="1926381"/>
+          </a:xfrm>
+        </p:spPr>
+        <p:txBody>
+          <a:bodyPr wrap="square" lIns="720000" rIns="1440000" anchor="ctr">
+            <a:noAutofit/>
+          </a:bodyPr>
+          <a:lstStyle/>
+          <a:p>
+            <a:pPr algn="l"/>
+            <a:r>
+              <a:rPr lang="sk-SK" sz="5400" i="1" dirty="0" smtClean="0">
+                <a:solidFill>
+                  <a:schemeClr val="tx1"/>
+                </a:solidFill>
+                <a:effectLst/>
+                <a:latin typeface="Segoe UI Light" panose="020B0502040204020203" pitchFamily="34" charset="0"/>
+                <a:cs typeface="Segoe UI Light" panose="020B0502040204020203" pitchFamily="34" charset="0"/>
+              </a:rPr>
+              <a:t>Aké sú výhody?</a:t>
+            </a:r>
+            <a:endParaRPr lang="sk-SK" sz="5400" i="1" dirty="0">
+              <a:effectLst/>
+              <a:latin typeface="Segoe UI Light" panose="020B0502040204020203" pitchFamily="34" charset="0"/>
+              <a:cs typeface="Segoe UI Light" panose="020B0502040204020203" pitchFamily="34" charset="0"/>
+            </a:endParaRPr>
+          </a:p>
+        </p:txBody>
+      </p:sp>
+    </p:spTree>
+    <p:extLst>
+      <p:ext uri="{BB962C8B-B14F-4D97-AF65-F5344CB8AC3E}">
+        <p14:creationId xmlns:p14="http://schemas.microsoft.com/office/powerpoint/2010/main" val="3570750293"/>
+      </p:ext>
+    </p:extLst>
+  </p:cSld>
+  <p:clrMapOvr>
+    <a:masterClrMapping/>
+  </p:clrMapOvr>
+  <p:timing>
+    <p:tnLst>
+      <p:par>
+        <p:cTn id="1" dur="indefinite" restart="never" nodeType="tmRoot"/>
+      </p:par>
+    </p:tnLst>
+  </p:timing>
+</p:sld>
+</file>
+
+<file path=ppt/slides/slide45.xml><?xml version="1.0" encoding="utf-8"?>
+<p:sld xmlns:a="http://schemas.openxmlformats.org/drawingml/2006/main" xmlns:r="http://schemas.openxmlformats.org/officeDocument/2006/relationships" xmlns:p="http://schemas.openxmlformats.org/presentationml/2006/main">
+  <p:cSld>
+    <p:bg>
+      <p:bgPr>
+        <a:solidFill>
+          <a:srgbClr val="482958"/>
+        </a:solidFill>
+        <a:effectLst/>
+      </p:bgPr>
+    </p:bg>
+    <p:spTree>
+      <p:nvGrpSpPr>
+        <p:cNvPr id="1" name=""/>
+        <p:cNvGrpSpPr/>
+        <p:nvPr/>
+      </p:nvGrpSpPr>
+      <p:grpSpPr>
+        <a:xfrm>
+          <a:off x="0" y="0"/>
+          <a:ext cx="0" cy="0"/>
+          <a:chOff x="0" y="0"/>
+          <a:chExt cx="0" cy="0"/>
+        </a:xfrm>
+      </p:grpSpPr>
+      <p:sp>
+        <p:nvSpPr>
+          <p:cNvPr id="2" name="Nadpis 1"/>
+          <p:cNvSpPr>
+            <a:spLocks noGrp="1"/>
+          </p:cNvSpPr>
+          <p:nvPr>
+            <p:ph type="ctrTitle"/>
+          </p:nvPr>
+        </p:nvSpPr>
+        <p:spPr>
+          <a:xfrm>
+            <a:off x="1" y="2541709"/>
+            <a:ext cx="12192000" cy="1926381"/>
+          </a:xfrm>
+        </p:spPr>
+        <p:txBody>
+          <a:bodyPr wrap="square" lIns="2160000" rIns="2160000" anchor="ctr">
+            <a:noAutofit/>
+          </a:bodyPr>
+          <a:lstStyle/>
+          <a:p>
+            <a:pPr algn="ctr"/>
+            <a:r>
+              <a:rPr lang="sk-SK" sz="5400" i="1" dirty="0" smtClean="0">
+                <a:solidFill>
+                  <a:schemeClr val="tx1"/>
+                </a:solidFill>
+                <a:effectLst/>
+                <a:latin typeface="Segoe UI Light" panose="020B0502040204020203" pitchFamily="34" charset="0"/>
+                <a:cs typeface="Segoe UI Light" panose="020B0502040204020203" pitchFamily="34" charset="0"/>
+              </a:rPr>
+              <a:t>... si myslí, že takto je to už naozaj dobré?</a:t>
+            </a:r>
+            <a:endParaRPr lang="sk-SK" sz="5400" i="1" dirty="0">
+              <a:effectLst/>
+              <a:latin typeface="Segoe UI Light" panose="020B0502040204020203" pitchFamily="34" charset="0"/>
+              <a:cs typeface="Segoe UI Light" panose="020B0502040204020203" pitchFamily="34" charset="0"/>
+            </a:endParaRPr>
+          </a:p>
+        </p:txBody>
+      </p:sp>
+      <p:sp>
+        <p:nvSpPr>
+          <p:cNvPr id="3" name="Podnadpis 2"/>
+          <p:cNvSpPr>
+            <a:spLocks noGrp="1"/>
+          </p:cNvSpPr>
+          <p:nvPr>
+            <p:ph type="subTitle" idx="1"/>
+          </p:nvPr>
+        </p:nvSpPr>
+        <p:spPr>
+          <a:xfrm>
+            <a:off x="588818" y="608274"/>
+            <a:ext cx="9144000" cy="754025"/>
+          </a:xfrm>
+        </p:spPr>
+        <p:txBody>
+          <a:bodyPr>
+            <a:noAutofit/>
+          </a:bodyPr>
+          <a:lstStyle/>
+          <a:p>
+            <a:pPr algn="l"/>
+            <a:r>
+              <a:rPr lang="sk-SK" sz="5400" i="1" dirty="0" smtClean="0">
+                <a:solidFill>
+                  <a:schemeClr val="tx1"/>
+                </a:solidFill>
+                <a:latin typeface="Segoe UI Light" panose="020B0502040204020203" pitchFamily="34" charset="0"/>
+                <a:cs typeface="Segoe UI Light" panose="020B0502040204020203" pitchFamily="34" charset="0"/>
+              </a:rPr>
+              <a:t>Kto z Vás ... </a:t>
+            </a:r>
+            <a:endParaRPr lang="sk-SK" sz="5400" i="1" dirty="0">
+              <a:solidFill>
+                <a:schemeClr val="tx1"/>
+              </a:solidFill>
+              <a:latin typeface="Segoe UI Light" panose="020B0502040204020203" pitchFamily="34" charset="0"/>
+              <a:cs typeface="Segoe UI Light" panose="020B0502040204020203" pitchFamily="34" charset="0"/>
+            </a:endParaRPr>
+          </a:p>
+        </p:txBody>
+      </p:sp>
+    </p:spTree>
+    <p:extLst>
+      <p:ext uri="{BB962C8B-B14F-4D97-AF65-F5344CB8AC3E}">
+        <p14:creationId xmlns:p14="http://schemas.microsoft.com/office/powerpoint/2010/main" val="435724125"/>
+      </p:ext>
+    </p:extLst>
+  </p:cSld>
+  <p:clrMapOvr>
+    <a:masterClrMapping/>
+  </p:clrMapOvr>
+  <p:timing>
+    <p:tnLst>
+      <p:par>
+        <p:cTn id="1" dur="indefinite" restart="never" nodeType="tmRoot">
+          <p:childTnLst>
+            <p:seq concurrent="1" nextAc="seek">
+              <p:cTn id="2" dur="indefinite" nodeType="mainSeq">
+                <p:childTnLst>
+                  <p:par>
+                    <p:cTn id="3" fill="hold">
+                      <p:stCondLst>
+                        <p:cond delay="indefinite"/>
+                        <p:cond evt="onBegin" delay="0">
+                          <p:tn val="2"/>
+                        </p:cond>
+                      </p:stCondLst>
+                      <p:childTnLst>
+                        <p:par>
+                          <p:cTn id="4" fill="hold">
+                            <p:stCondLst>
+                              <p:cond delay="0"/>
+                            </p:stCondLst>
+                            <p:childTnLst>
+                              <p:par>
+                                <p:cTn id="5" presetID="1" presetClass="entr" presetSubtype="0" fill="hold" grpId="0" nodeType="afterEffect">
+                                  <p:stCondLst>
+                                    <p:cond delay="1000"/>
+                                  </p:stCondLst>
+                                  <p:childTnLst>
+                                    <p:set>
+                                      <p:cBhvr>
+                                        <p:cTn id="6" dur="1" fill="hold">
+                                          <p:stCondLst>
+                                            <p:cond delay="0"/>
+                                          </p:stCondLst>
+                                        </p:cTn>
+                                        <p:tgtEl>
+                                          <p:spTgt spid="2"/>
+                                        </p:tgtEl>
+                                        <p:attrNameLst>
+                                          <p:attrName>style.visibility</p:attrName>
+                                        </p:attrNameLst>
+                                      </p:cBhvr>
+                                      <p:to>
+                                        <p:strVal val="visible"/>
+                                      </p:to>
+                                    </p:set>
+                                  </p:childTnLst>
+                                </p:cTn>
+                              </p:par>
+                            </p:childTnLst>
+                          </p:cTn>
+                        </p:par>
+                      </p:childTnLst>
+                    </p:cTn>
+                  </p:par>
+                </p:childTnLst>
+              </p:cTn>
+              <p:prevCondLst>
+                <p:cond evt="onPrev" delay="0">
+                  <p:tgtEl>
+                    <p:sldTgt/>
+                  </p:tgtEl>
+                </p:cond>
+              </p:prevCondLst>
+              <p:nextCondLst>
+                <p:cond evt="onNext" delay="0">
+                  <p:tgtEl>
+                    <p:sldTgt/>
+                  </p:tgtEl>
+                </p:cond>
+              </p:nextCondLst>
+            </p:seq>
+          </p:childTnLst>
+        </p:cTn>
+      </p:par>
+    </p:tnLst>
+    <p:bldLst>
+      <p:bldP spid="2" grpId="0"/>
+    </p:bldLst>
+  </p:timing>
+</p:sld>
+</file>
+
+<file path=ppt/slides/slide46.xml><?xml version="1.0" encoding="utf-8"?>
 <p:sld xmlns:a="http://schemas.openxmlformats.org/drawingml/2006/main" xmlns:r="http://schemas.openxmlformats.org/officeDocument/2006/relationships" xmlns:p="http://schemas.openxmlformats.org/presentationml/2006/main">
   <p:cSld>
     <p:bg>

--- a/SOLIDPrinciples.pptx
+++ b/SOLIDPrinciples.pptx
@@ -242,7 +242,7 @@
           <a:p>
             <a:fld id="{B6797C0A-B3BF-45C1-AF59-5C8973714672}" type="datetimeFigureOut">
               <a:rPr lang="sk-SK" smtClean="0"/>
-              <a:t>9. 12. 2017</a:t>
+              <a:t>10. 12. 2017</a:t>
             </a:fld>
             <a:endParaRPr lang="sk-SK"/>
           </a:p>
@@ -8991,19 +8991,7 @@
                 <a:ea typeface="+mn-ea"/>
                 <a:cs typeface="+mn-cs"/>
               </a:rPr>
-              <a:t>Nemusíme implementovať veci, ktoré sú v našom kontexte </a:t>
-            </a:r>
-            <a:r>
-              <a:rPr lang="sk-SK" sz="1200" b="0" kern="1200" baseline="0" dirty="0" smtClean="0">
-                <a:solidFill>
-                  <a:schemeClr val="tx1"/>
-                </a:solidFill>
-                <a:effectLst/>
-                <a:latin typeface="+mn-lt"/>
-                <a:ea typeface="+mn-ea"/>
-                <a:cs typeface="+mn-cs"/>
-              </a:rPr>
-              <a:t>nepotrebné. Nemusím sa o to starať.</a:t>
+              <a:t>Nemusíme implementovať veci, ktoré sú v našom kontexte nepotrebné. Nemusím sa o to starať.</a:t>
             </a:r>
           </a:p>
           <a:p>
@@ -10224,7 +10212,7 @@
                 <a:ea typeface="+mn-ea"/>
                 <a:cs typeface="+mn-cs"/>
               </a:rPr>
-              <a:t>WebPeopleRepository</a:t>
+              <a:t>PeopleRepository</a:t>
             </a:r>
             <a:r>
               <a:rPr lang="sk-SK" sz="1200" b="0" kern="1200" baseline="0" dirty="0" smtClean="0">
@@ -10238,6 +10226,15 @@
               </a:rPr>
               <a:t>.</a:t>
             </a:r>
+            <a:endParaRPr lang="sk-SK" sz="1200" b="0" kern="1200" baseline="0" dirty="0" smtClean="0">
+              <a:solidFill>
+                <a:schemeClr val="tx1"/>
+              </a:solidFill>
+              <a:effectLst/>
+              <a:latin typeface="+mn-lt"/>
+              <a:ea typeface="+mn-ea"/>
+              <a:cs typeface="+mn-cs"/>
+            </a:endParaRPr>
           </a:p>
           <a:p>
             <a:r>
@@ -10262,7 +10259,7 @@
                 <a:ea typeface="+mn-ea"/>
                 <a:cs typeface="+mn-cs"/>
               </a:rPr>
-              <a:t>IWebClient</a:t>
+              <a:t>IDatabase</a:t>
             </a:r>
             <a:r>
               <a:rPr lang="sk-SK" sz="1200" b="0" kern="1200" baseline="0" dirty="0" smtClean="0">
@@ -10276,6 +10273,15 @@
               </a:rPr>
               <a:t>.</a:t>
             </a:r>
+            <a:endParaRPr lang="sk-SK" sz="1200" b="0" kern="1200" baseline="0" dirty="0" smtClean="0">
+              <a:solidFill>
+                <a:schemeClr val="tx1"/>
+              </a:solidFill>
+              <a:effectLst/>
+              <a:latin typeface="+mn-lt"/>
+              <a:ea typeface="+mn-ea"/>
+              <a:cs typeface="+mn-cs"/>
+            </a:endParaRPr>
           </a:p>
           <a:p>
             <a:r>
@@ -10300,7 +10306,7 @@
                 <a:ea typeface="+mn-ea"/>
                 <a:cs typeface="+mn-cs"/>
               </a:rPr>
-              <a:t>webPeopleRepository</a:t>
+              <a:t>PeopleRepositry</a:t>
             </a:r>
             <a:r>
               <a:rPr lang="sk-SK" sz="1200" b="0" kern="1200" baseline="0" dirty="0" smtClean="0">
@@ -10312,7 +10318,19 @@
                 <a:ea typeface="+mn-ea"/>
                 <a:cs typeface="+mn-cs"/>
               </a:rPr>
-              <a:t> vymenili tú </a:t>
+              <a:t> </a:t>
+            </a:r>
+            <a:r>
+              <a:rPr lang="sk-SK" sz="1200" b="0" kern="1200" baseline="0" dirty="0" smtClean="0">
+                <a:solidFill>
+                  <a:schemeClr val="tx1"/>
+                </a:solidFill>
+                <a:effectLst/>
+                <a:latin typeface="+mn-lt"/>
+                <a:ea typeface="+mn-ea"/>
+                <a:cs typeface="+mn-cs"/>
+              </a:rPr>
+              <a:t>vymenili tú </a:t>
             </a:r>
             <a:r>
               <a:rPr lang="sk-SK" sz="1200" b="0" kern="1200" baseline="0" dirty="0" err="1" smtClean="0">
@@ -13223,7 +13241,7 @@
           <a:p>
             <a:fld id="{ECD19FB2-3AAB-4D03-B13A-2960828C78E3}" type="datetimeFigureOut">
               <a:rPr lang="en-US" dirty="0"/>
-              <a:t>12/9/2017</a:t>
+              <a:t>12/10/2017</a:t>
             </a:fld>
             <a:endParaRPr lang="en-US" dirty="0"/>
           </a:p>
@@ -13504,7 +13522,7 @@
           <a:p>
             <a:fld id="{1B80C674-7DFC-42FE-B9CD-82963CDB1557}" type="datetimeFigureOut">
               <a:rPr lang="en-US" dirty="0"/>
-              <a:t>12/9/2017</a:t>
+              <a:t>12/10/2017</a:t>
             </a:fld>
             <a:endParaRPr lang="en-US" dirty="0"/>
           </a:p>
@@ -13695,7 +13713,7 @@
           <a:p>
             <a:fld id="{2076456F-F47D-4F25-8053-2A695DA0CA7D}" type="datetimeFigureOut">
               <a:rPr lang="en-US" dirty="0"/>
-              <a:t>12/9/2017</a:t>
+              <a:t>12/10/2017</a:t>
             </a:fld>
             <a:endParaRPr lang="en-US" dirty="0"/>
           </a:p>
@@ -13955,7 +13973,7 @@
           <a:p>
             <a:fld id="{5D6C7379-69CC-4837-9905-BEBA22830C8A}" type="datetimeFigureOut">
               <a:rPr lang="en-US" dirty="0"/>
-              <a:t>12/9/2017</a:t>
+              <a:t>12/10/2017</a:t>
             </a:fld>
             <a:endParaRPr lang="en-US" dirty="0"/>
           </a:p>
@@ -14380,7 +14398,7 @@
           <a:p>
             <a:fld id="{49EB8B7E-8AEE-4F10-BFEE-C999AD004D36}" type="datetimeFigureOut">
               <a:rPr lang="en-US" dirty="0"/>
-              <a:t>12/9/2017</a:t>
+              <a:t>12/10/2017</a:t>
             </a:fld>
             <a:endParaRPr lang="en-US" dirty="0"/>
           </a:p>
@@ -14925,7 +14943,7 @@
           <a:p>
             <a:fld id="{8668F3F9-58BC-440B-B37B-805B9055EF92}" type="datetimeFigureOut">
               <a:rPr lang="en-US" dirty="0"/>
-              <a:t>12/9/2017</a:t>
+              <a:t>12/10/2017</a:t>
             </a:fld>
             <a:endParaRPr lang="en-US" dirty="0"/>
           </a:p>
@@ -15755,7 +15773,7 @@
           <a:p>
             <a:fld id="{0D5A53AF-48EA-489D-8260-9DCAB666386A}" type="datetimeFigureOut">
               <a:rPr lang="en-US" dirty="0"/>
-              <a:t>12/9/2017</a:t>
+              <a:t>12/10/2017</a:t>
             </a:fld>
             <a:endParaRPr lang="en-US" dirty="0"/>
           </a:p>
@@ -15924,7 +15942,7 @@
           <a:p>
             <a:fld id="{0DED02AE-B9A4-47BD-AF8E-97E16144138B}" type="datetimeFigureOut">
               <a:rPr lang="en-US" dirty="0"/>
-              <a:t>12/9/2017</a:t>
+              <a:t>12/10/2017</a:t>
             </a:fld>
             <a:endParaRPr lang="en-US" dirty="0"/>
           </a:p>
@@ -16103,7 +16121,7 @@
           <a:p>
             <a:fld id="{CF0FD78B-DB02-4362-BCDC-98A55456977C}" type="datetimeFigureOut">
               <a:rPr lang="en-US" dirty="0"/>
-              <a:t>12/9/2017</a:t>
+              <a:t>12/10/2017</a:t>
             </a:fld>
             <a:endParaRPr lang="en-US" dirty="0"/>
           </a:p>
@@ -16272,7 +16290,7 @@
           <a:p>
             <a:fld id="{99916976-5D93-46E4-A98A-FAD63E4D0EA8}" type="datetimeFigureOut">
               <a:rPr lang="en-US" dirty="0"/>
-              <a:t>12/9/2017</a:t>
+              <a:t>12/10/2017</a:t>
             </a:fld>
             <a:endParaRPr lang="en-US" dirty="0"/>
           </a:p>
@@ -16528,7 +16546,7 @@
           <a:p>
             <a:fld id="{0F39F4F5-F4D2-4D2A-AB60-88D37ADCB869}" type="datetimeFigureOut">
               <a:rPr lang="en-US" dirty="0"/>
-              <a:t>12/9/2017</a:t>
+              <a:t>12/10/2017</a:t>
             </a:fld>
             <a:endParaRPr lang="en-US" dirty="0"/>
           </a:p>
@@ -16759,7 +16777,7 @@
           <a:p>
             <a:fld id="{D23BC6CE-6D1E-47E5-8859-F31AC5380EB2}" type="datetimeFigureOut">
               <a:rPr lang="en-US" dirty="0"/>
-              <a:t>12/9/2017</a:t>
+              <a:t>12/10/2017</a:t>
             </a:fld>
             <a:endParaRPr lang="en-US" dirty="0"/>
           </a:p>
@@ -17151,7 +17169,7 @@
           <a:p>
             <a:fld id="{B1B4E7C4-4DA4-404D-9965-B13F2DD7D8BF}" type="datetimeFigureOut">
               <a:rPr lang="en-US" dirty="0"/>
-              <a:t>12/9/2017</a:t>
+              <a:t>12/10/2017</a:t>
             </a:fld>
             <a:endParaRPr lang="en-US" dirty="0"/>
           </a:p>
@@ -17268,7 +17286,7 @@
           <a:p>
             <a:fld id="{476FB7AA-4A53-424F-AD41-70827B6504BA}" type="datetimeFigureOut">
               <a:rPr lang="en-US" dirty="0"/>
-              <a:t>12/9/2017</a:t>
+              <a:t>12/10/2017</a:t>
             </a:fld>
             <a:endParaRPr lang="en-US" dirty="0"/>
           </a:p>
@@ -17362,7 +17380,7 @@
           <a:p>
             <a:fld id="{E7884882-FB12-4BC8-9960-9AD8104D7FAE}" type="datetimeFigureOut">
               <a:rPr lang="en-US" dirty="0"/>
-              <a:t>12/9/2017</a:t>
+              <a:t>12/10/2017</a:t>
             </a:fld>
             <a:endParaRPr lang="en-US" dirty="0"/>
           </a:p>
@@ -17634,7 +17652,7 @@
           <a:p>
             <a:fld id="{F7D1BD23-6E54-4D9D-AD88-A2813C73CC25}" type="datetimeFigureOut">
               <a:rPr lang="en-US" dirty="0"/>
-              <a:t>12/9/2017</a:t>
+              <a:t>12/10/2017</a:t>
             </a:fld>
             <a:endParaRPr lang="en-US" dirty="0"/>
           </a:p>
@@ -17914,7 +17932,7 @@
           <a:p>
             <a:fld id="{1471A834-4F3C-4AF9-9C74-05EC35A0F292}" type="datetimeFigureOut">
               <a:rPr lang="en-US" dirty="0"/>
-              <a:t>12/9/2017</a:t>
+              <a:t>12/10/2017</a:t>
             </a:fld>
             <a:endParaRPr lang="en-US" dirty="0"/>
           </a:p>
@@ -18153,7 +18171,7 @@
           <a:p>
             <a:fld id="{51CF1133-3259-4C45-BABA-5B62D9C6F78D}" type="datetimeFigureOut">
               <a:rPr lang="en-US" dirty="0"/>
-              <a:t>12/9/2017</a:t>
+              <a:t>12/10/2017</a:t>
             </a:fld>
             <a:endParaRPr lang="en-US" dirty="0"/>
           </a:p>
@@ -23019,7 +23037,21 @@
                 <a:latin typeface="Segoe UI Light" panose="020B0502040204020203" pitchFamily="34" charset="0"/>
                 <a:cs typeface="Segoe UI Light" panose="020B0502040204020203" pitchFamily="34" charset="0"/>
               </a:rPr>
-              <a:t> prvý krát prezentovala</a:t>
+              <a:t> </a:t>
+            </a:r>
+            <a:r>
+              <a:rPr lang="sk-SK" sz="2400" dirty="0" smtClean="0">
+                <a:latin typeface="Segoe UI Light" panose="020B0502040204020203" pitchFamily="34" charset="0"/>
+                <a:cs typeface="Segoe UI Light" panose="020B0502040204020203" pitchFamily="34" charset="0"/>
+              </a:rPr>
+              <a:t>prvýkrát </a:t>
+            </a:r>
+            <a:r>
+              <a:rPr lang="sk-SK" sz="2400" dirty="0">
+                <a:latin typeface="Segoe UI Light" panose="020B0502040204020203" pitchFamily="34" charset="0"/>
+                <a:cs typeface="Segoe UI Light" panose="020B0502040204020203" pitchFamily="34" charset="0"/>
+              </a:rPr>
+              <a:t>prezentovala</a:t>
             </a:r>
           </a:p>
         </p:txBody>
@@ -24849,7 +24881,7 @@
               <a:t>tried </a:t>
             </a:r>
             <a:r>
-              <a:rPr lang="sk-SK" sz="5400" i="1" dirty="0">
+              <a:rPr lang="en-US" sz="5400" i="1" dirty="0" err="1" smtClean="0">
                 <a:solidFill>
                   <a:schemeClr val="tx1"/>
                 </a:solidFill>
@@ -24857,7 +24889,40 @@
                 <a:latin typeface="Segoe UI Light" panose="020B0502040204020203" pitchFamily="34" charset="0"/>
                 <a:cs typeface="Segoe UI Light" panose="020B0502040204020203" pitchFamily="34" charset="0"/>
               </a:rPr>
-              <a:t>nízkej úrovne. Obe by mali závisieť od abstrakcií</a:t>
+              <a:t>ni</a:t>
+            </a:r>
+            <a:r>
+              <a:rPr lang="sk-SK" sz="5400" i="1" dirty="0" err="1" smtClean="0">
+                <a:solidFill>
+                  <a:schemeClr val="tx1"/>
+                </a:solidFill>
+                <a:effectLst/>
+                <a:latin typeface="Segoe UI Light" panose="020B0502040204020203" pitchFamily="34" charset="0"/>
+                <a:cs typeface="Segoe UI Light" panose="020B0502040204020203" pitchFamily="34" charset="0"/>
+              </a:rPr>
+              <a:t>žšej</a:t>
+            </a:r>
+            <a:r>
+              <a:rPr lang="sk-SK" sz="5400" i="1" dirty="0" smtClean="0">
+                <a:solidFill>
+                  <a:schemeClr val="tx1"/>
+                </a:solidFill>
+                <a:effectLst/>
+                <a:latin typeface="Segoe UI Light" panose="020B0502040204020203" pitchFamily="34" charset="0"/>
+                <a:cs typeface="Segoe UI Light" panose="020B0502040204020203" pitchFamily="34" charset="0"/>
+              </a:rPr>
+              <a:t> </a:t>
+            </a:r>
+            <a:r>
+              <a:rPr lang="sk-SK" sz="5400" i="1" dirty="0">
+                <a:solidFill>
+                  <a:schemeClr val="tx1"/>
+                </a:solidFill>
+                <a:effectLst/>
+                <a:latin typeface="Segoe UI Light" panose="020B0502040204020203" pitchFamily="34" charset="0"/>
+                <a:cs typeface="Segoe UI Light" panose="020B0502040204020203" pitchFamily="34" charset="0"/>
+              </a:rPr>
+              <a:t>úrovne. Obe by mali závisieť od abstrakcií</a:t>
             </a:r>
             <a:r>
               <a:rPr lang="sk-SK" sz="5400" i="1" dirty="0" smtClean="0">
@@ -25351,7 +25416,7 @@
                 <a:latin typeface="Segoe UI Light" panose="020B0502040204020203" pitchFamily="34" charset="0"/>
                 <a:cs typeface="Segoe UI Light" panose="020B0502040204020203" pitchFamily="34" charset="0"/>
               </a:rPr>
-              <a:t>WebPeopleRepository</a:t>
+              <a:t>PeopleRepository</a:t>
             </a:r>
             <a:endParaRPr lang="sk-SK" dirty="0" smtClean="0">
               <a:latin typeface="Segoe UI Light" panose="020B0502040204020203" pitchFamily="34" charset="0"/>
@@ -25407,7 +25472,7 @@
                 <a:latin typeface="Segoe UI Light" panose="020B0502040204020203" pitchFamily="34" charset="0"/>
                 <a:cs typeface="Segoe UI Light" panose="020B0502040204020203" pitchFamily="34" charset="0"/>
               </a:rPr>
-              <a:t>IWebClient</a:t>
+              <a:t>IDatabase</a:t>
             </a:r>
             <a:endParaRPr lang="sk-SK" dirty="0" smtClean="0">
               <a:latin typeface="Segoe UI Light" panose="020B0502040204020203" pitchFamily="34" charset="0"/>
@@ -25463,7 +25528,7 @@
                 <a:latin typeface="Segoe UI Light" panose="020B0502040204020203" pitchFamily="34" charset="0"/>
                 <a:cs typeface="Segoe UI Light" panose="020B0502040204020203" pitchFamily="34" charset="0"/>
               </a:rPr>
-              <a:t>WebClient</a:t>
+              <a:t>Database</a:t>
             </a:r>
             <a:endParaRPr lang="sk-SK" dirty="0" smtClean="0">
               <a:latin typeface="Segoe UI Light" panose="020B0502040204020203" pitchFamily="34" charset="0"/>
@@ -26068,14 +26133,7 @@
                 <a:latin typeface="Segoe UI Light" panose="020B0502040204020203" pitchFamily="34" charset="0"/>
                 <a:cs typeface="Segoe UI Light" panose="020B0502040204020203" pitchFamily="34" charset="0"/>
               </a:rPr>
-              <a:t>DEMO: Úprava podľa </a:t>
-            </a:r>
-            <a:r>
-              <a:rPr lang="sk-SK" sz="4400" dirty="0" smtClean="0">
-                <a:latin typeface="Segoe UI Light" panose="020B0502040204020203" pitchFamily="34" charset="0"/>
-                <a:cs typeface="Segoe UI Light" panose="020B0502040204020203" pitchFamily="34" charset="0"/>
-              </a:rPr>
-              <a:t>DIP</a:t>
+              <a:t>DEMO: Úprava podľa DIP</a:t>
             </a:r>
             <a:endParaRPr lang="sk-SK" sz="4400" dirty="0">
               <a:latin typeface="Segoe UI Light" panose="020B0502040204020203" pitchFamily="34" charset="0"/>
